--- a/documentation/Tutorials/Programming HeuristicLab - Algorithms and Problems.pptx
+++ b/documentation/Tutorials/Programming HeuristicLab - Algorithms and Problems.pptx
@@ -5,7 +5,7 @@
     <p:sldMasterId id="2147483648" r:id="rId1"/>
   </p:sldMasterIdLst>
   <p:notesMasterIdLst>
-    <p:notesMasterId r:id="rId21"/>
+    <p:notesMasterId r:id="rId29"/>
   </p:notesMasterIdLst>
   <p:sldIdLst>
     <p:sldId id="256" r:id="rId2"/>
@@ -15,18 +15,26 @@
     <p:sldId id="428" r:id="rId6"/>
     <p:sldId id="436" r:id="rId7"/>
     <p:sldId id="440" r:id="rId8"/>
-    <p:sldId id="435" r:id="rId9"/>
-    <p:sldId id="441" r:id="rId10"/>
-    <p:sldId id="434" r:id="rId11"/>
-    <p:sldId id="432" r:id="rId12"/>
-    <p:sldId id="442" r:id="rId13"/>
-    <p:sldId id="445" r:id="rId14"/>
-    <p:sldId id="443" r:id="rId15"/>
-    <p:sldId id="433" r:id="rId16"/>
-    <p:sldId id="438" r:id="rId17"/>
-    <p:sldId id="439" r:id="rId18"/>
-    <p:sldId id="444" r:id="rId19"/>
-    <p:sldId id="412" r:id="rId20"/>
+    <p:sldId id="451" r:id="rId9"/>
+    <p:sldId id="448" r:id="rId10"/>
+    <p:sldId id="450" r:id="rId11"/>
+    <p:sldId id="449" r:id="rId12"/>
+    <p:sldId id="452" r:id="rId13"/>
+    <p:sldId id="453" r:id="rId14"/>
+    <p:sldId id="435" r:id="rId15"/>
+    <p:sldId id="441" r:id="rId16"/>
+    <p:sldId id="446" r:id="rId17"/>
+    <p:sldId id="434" r:id="rId18"/>
+    <p:sldId id="447" r:id="rId19"/>
+    <p:sldId id="432" r:id="rId20"/>
+    <p:sldId id="442" r:id="rId21"/>
+    <p:sldId id="445" r:id="rId22"/>
+    <p:sldId id="443" r:id="rId23"/>
+    <p:sldId id="433" r:id="rId24"/>
+    <p:sldId id="438" r:id="rId25"/>
+    <p:sldId id="439" r:id="rId26"/>
+    <p:sldId id="444" r:id="rId27"/>
+    <p:sldId id="412" r:id="rId28"/>
   </p:sldIdLst>
   <p:sldSz cx="9144000" cy="6858000" type="screen4x3"/>
   <p:notesSz cx="6858000" cy="9144000"/>
@@ -227,7 +235,7 @@
             <a:fld id="{EF88095B-826C-4D0E-ACE1-419E2A1A3ECD}" type="datetimeFigureOut">
               <a:rPr lang="de-AT" smtClean="0"/>
               <a:pPr/>
-              <a:t>25.11.2013</a:t>
+              <a:t>19.02.2015</a:t>
             </a:fld>
             <a:endParaRPr lang="de-AT"/>
           </a:p>
@@ -4257,7 +4265,7 @@
           <a:bodyPr/>
           <a:lstStyle/>
           <a:p>
-            <a:endParaRPr lang="de-AT"/>
+            <a:endParaRPr lang="de-AT" dirty="0"/>
           </a:p>
         </p:txBody>
       </p:sp>
@@ -4278,6 +4286,4954 @@
 </file>
 
 <file path=ppt/slides/slide10.xml><?xml version="1.0" encoding="utf-8"?>
+<p:sld xmlns:a="http://schemas.openxmlformats.org/drawingml/2006/main" xmlns:r="http://schemas.openxmlformats.org/officeDocument/2006/relationships" xmlns:p="http://schemas.openxmlformats.org/presentationml/2006/main">
+  <p:cSld>
+    <p:spTree>
+      <p:nvGrpSpPr>
+        <p:cNvPr id="1" name=""/>
+        <p:cNvGrpSpPr/>
+        <p:nvPr/>
+      </p:nvGrpSpPr>
+      <p:grpSpPr>
+        <a:xfrm>
+          <a:off x="0" y="0"/>
+          <a:ext cx="0" cy="0"/>
+          <a:chOff x="0" y="0"/>
+          <a:chExt cx="0" cy="0"/>
+        </a:xfrm>
+      </p:grpSpPr>
+      <p:sp>
+        <p:nvSpPr>
+          <p:cNvPr id="2" name="Titel 1"/>
+          <p:cNvSpPr>
+            <a:spLocks noGrp="1"/>
+          </p:cNvSpPr>
+          <p:nvPr>
+            <p:ph type="title"/>
+          </p:nvPr>
+        </p:nvSpPr>
+        <p:spPr/>
+        <p:txBody>
+          <a:bodyPr>
+            <a:normAutofit fontScale="90000"/>
+          </a:bodyPr>
+          <a:lstStyle/>
+          <a:p>
+            <a:r>
+              <a:rPr lang="en-US" dirty="0"/>
+              <a:t>Implement getter for convenience</a:t>
+            </a:r>
+            <a:endParaRPr lang="de-AT" dirty="0"/>
+          </a:p>
+        </p:txBody>
+      </p:sp>
+      <p:sp>
+        <p:nvSpPr>
+          <p:cNvPr id="3" name="Inhaltsplatzhalter 2"/>
+          <p:cNvSpPr>
+            <a:spLocks noGrp="1"/>
+          </p:cNvSpPr>
+          <p:nvPr>
+            <p:ph idx="1"/>
+          </p:nvPr>
+        </p:nvSpPr>
+        <p:spPr/>
+        <p:txBody>
+          <a:bodyPr/>
+          <a:lstStyle/>
+          <a:p>
+            <a:r>
+              <a:rPr lang="de-AT" dirty="0" smtClean="0"/>
+              <a:t>Getter </a:t>
+            </a:r>
+            <a:r>
+              <a:rPr lang="de-AT" dirty="0" err="1" smtClean="0"/>
+              <a:t>for</a:t>
+            </a:r>
+            <a:r>
+              <a:rPr lang="de-AT" dirty="0" smtClean="0"/>
+              <a:t> </a:t>
+            </a:r>
+            <a:r>
+              <a:rPr lang="de-AT" dirty="0" err="1" smtClean="0"/>
+              <a:t>crossover</a:t>
+            </a:r>
+            <a:r>
+              <a:rPr lang="de-AT" dirty="0" smtClean="0"/>
+              <a:t> </a:t>
+            </a:r>
+            <a:r>
+              <a:rPr lang="de-AT" dirty="0" err="1" smtClean="0"/>
+              <a:t>parameter</a:t>
+            </a:r>
+            <a:r>
+              <a:rPr lang="de-AT" dirty="0" smtClean="0"/>
+              <a:t>:</a:t>
+            </a:r>
+            <a:endParaRPr lang="de-AT" dirty="0"/>
+          </a:p>
+          <a:p>
+            <a:endParaRPr lang="de-AT" dirty="0"/>
+          </a:p>
+          <a:p>
+            <a:endParaRPr lang="de-AT" dirty="0"/>
+          </a:p>
+          <a:p>
+            <a:r>
+              <a:rPr lang="de-AT" dirty="0" smtClean="0"/>
+              <a:t>Getter </a:t>
+            </a:r>
+            <a:r>
+              <a:rPr lang="de-AT" dirty="0" err="1" smtClean="0"/>
+              <a:t>for</a:t>
+            </a:r>
+            <a:r>
+              <a:rPr lang="de-AT" dirty="0" smtClean="0"/>
+              <a:t> </a:t>
+            </a:r>
+            <a:r>
+              <a:rPr lang="de-AT" dirty="0" err="1" smtClean="0"/>
+              <a:t>PopulationSize</a:t>
+            </a:r>
+            <a:r>
+              <a:rPr lang="de-AT" dirty="0" smtClean="0"/>
+              <a:t> </a:t>
+            </a:r>
+            <a:r>
+              <a:rPr lang="de-AT" dirty="0" err="1" smtClean="0"/>
+              <a:t>parameter</a:t>
+            </a:r>
+            <a:r>
+              <a:rPr lang="de-AT" dirty="0" smtClean="0"/>
+              <a:t>:</a:t>
+            </a:r>
+            <a:endParaRPr lang="de-AT" dirty="0"/>
+          </a:p>
+          <a:p>
+            <a:endParaRPr lang="de-AT" dirty="0"/>
+          </a:p>
+        </p:txBody>
+      </p:sp>
+      <p:sp>
+        <p:nvSpPr>
+          <p:cNvPr id="4" name="Datumsplatzhalter 3"/>
+          <p:cNvSpPr>
+            <a:spLocks noGrp="1"/>
+          </p:cNvSpPr>
+          <p:nvPr>
+            <p:ph type="dt" sz="half" idx="10"/>
+          </p:nvPr>
+        </p:nvSpPr>
+        <p:spPr/>
+        <p:txBody>
+          <a:bodyPr/>
+          <a:lstStyle/>
+          <a:p>
+            <a:r>
+              <a:rPr lang="de-DE" smtClean="0"/>
+              <a:t>Programming HeuristicLab</a:t>
+            </a:r>
+            <a:endParaRPr lang="de-DE" dirty="0"/>
+          </a:p>
+        </p:txBody>
+      </p:sp>
+      <p:sp>
+        <p:nvSpPr>
+          <p:cNvPr id="5" name="Fußzeilenplatzhalter 4"/>
+          <p:cNvSpPr>
+            <a:spLocks noGrp="1"/>
+          </p:cNvSpPr>
+          <p:nvPr>
+            <p:ph type="ftr" sz="quarter" idx="11"/>
+          </p:nvPr>
+        </p:nvSpPr>
+        <p:spPr/>
+        <p:txBody>
+          <a:bodyPr/>
+          <a:lstStyle/>
+          <a:p>
+            <a:r>
+              <a:rPr lang="de-DE" smtClean="0"/>
+              <a:t>http://dev.heuristiclab.com</a:t>
+            </a:r>
+            <a:endParaRPr lang="de-DE"/>
+          </a:p>
+        </p:txBody>
+      </p:sp>
+      <p:sp>
+        <p:nvSpPr>
+          <p:cNvPr id="6" name="Foliennummernplatzhalter 5"/>
+          <p:cNvSpPr>
+            <a:spLocks noGrp="1"/>
+          </p:cNvSpPr>
+          <p:nvPr>
+            <p:ph type="sldNum" sz="quarter" idx="12"/>
+          </p:nvPr>
+        </p:nvSpPr>
+        <p:spPr/>
+        <p:txBody>
+          <a:bodyPr/>
+          <a:lstStyle/>
+          <a:p>
+            <a:fld id="{6C6AE60A-B69C-4790-82F7-3882EDF23186}" type="slidenum">
+              <a:rPr lang="de-DE" smtClean="0"/>
+              <a:pPr/>
+              <a:t>10</a:t>
+            </a:fld>
+            <a:endParaRPr lang="de-DE"/>
+          </a:p>
+        </p:txBody>
+      </p:sp>
+      <p:sp>
+        <p:nvSpPr>
+          <p:cNvPr id="7" name="Rectangle 1"/>
+          <p:cNvSpPr>
+            <a:spLocks noChangeArrowheads="1"/>
+          </p:cNvSpPr>
+          <p:nvPr/>
+        </p:nvSpPr>
+        <p:spPr bwMode="auto">
+          <a:xfrm>
+            <a:off x="899592" y="2299449"/>
+            <a:ext cx="8244565" cy="646331"/>
+          </a:xfrm>
+          <a:prstGeom prst="rect">
+            <a:avLst/>
+          </a:prstGeom>
+          <a:solidFill>
+            <a:srgbClr val="FFFFFF"/>
+          </a:solidFill>
+          <a:ln>
+            <a:noFill/>
+          </a:ln>
+          <a:effectLst/>
+          <a:extLst>
+            <a:ext uri="{91240B29-F687-4F45-9708-019B960494DF}">
+              <a14:hiddenLine xmlns:a14="http://schemas.microsoft.com/office/drawing/2010/main" w="9525">
+                <a:solidFill>
+                  <a:schemeClr val="tx1"/>
+                </a:solidFill>
+                <a:miter lim="800000"/>
+                <a:headEnd/>
+                <a:tailEnd/>
+              </a14:hiddenLine>
+            </a:ext>
+            <a:ext uri="{AF507438-7753-43E0-B8FC-AC1667EBCBE1}">
+              <a14:hiddenEffects xmlns:a14="http://schemas.microsoft.com/office/drawing/2010/main">
+                <a:effectLst>
+                  <a:outerShdw dist="35921" dir="2700000" algn="ctr" rotWithShape="0">
+                    <a:schemeClr val="bg2"/>
+                  </a:outerShdw>
+                </a:effectLst>
+              </a14:hiddenEffects>
+            </a:ext>
+          </a:extLst>
+        </p:spPr>
+        <p:txBody>
+          <a:bodyPr vert="horz" wrap="none" lIns="91440" tIns="45720" rIns="91440" bIns="45720" numCol="1" anchor="ctr" anchorCtr="0" compatLnSpc="1">
+            <a:prstTxWarp prst="textNoShape">
+              <a:avLst/>
+            </a:prstTxWarp>
+            <a:spAutoFit/>
+          </a:bodyPr>
+          <a:lstStyle/>
+          <a:p>
+            <a:pPr marL="0" marR="0" lvl="0" indent="0" algn="l" defTabSz="914400" rtl="0" eaLnBrk="0" fontAlgn="base" latinLnBrk="0" hangingPunct="0">
+              <a:lnSpc>
+                <a:spcPct val="100000"/>
+              </a:lnSpc>
+              <a:spcBef>
+                <a:spcPct val="0"/>
+              </a:spcBef>
+              <a:spcAft>
+                <a:spcPct val="0"/>
+              </a:spcAft>
+              <a:buClrTx/>
+              <a:buSzTx/>
+              <a:buFontTx/>
+              <a:buNone/>
+              <a:tabLst/>
+            </a:pPr>
+            <a:r>
+              <a:rPr kumimoji="0" lang="de-DE" altLang="de-DE" sz="1200" b="0" i="0" u="none" strike="noStrike" cap="none" normalizeH="0" baseline="0" dirty="0" err="1" smtClean="0">
+                <a:ln>
+                  <a:noFill/>
+                </a:ln>
+                <a:solidFill>
+                  <a:srgbClr val="0000FF"/>
+                </a:solidFill>
+                <a:effectLst/>
+                <a:latin typeface="Consolas" panose="020B0609020204030204" pitchFamily="49" charset="0"/>
+                <a:cs typeface="Consolas" panose="020B0609020204030204" pitchFamily="49" charset="0"/>
+              </a:rPr>
+              <a:t>public</a:t>
+            </a:r>
+            <a:r>
+              <a:rPr kumimoji="0" lang="de-DE" altLang="de-DE" sz="1200" b="0" i="0" u="none" strike="noStrike" cap="none" normalizeH="0" baseline="0" dirty="0" smtClean="0">
+                <a:ln>
+                  <a:noFill/>
+                </a:ln>
+                <a:solidFill>
+                  <a:srgbClr val="000000"/>
+                </a:solidFill>
+                <a:effectLst/>
+                <a:latin typeface="Consolas" panose="020B0609020204030204" pitchFamily="49" charset="0"/>
+                <a:cs typeface="Consolas" panose="020B0609020204030204" pitchFamily="49" charset="0"/>
+              </a:rPr>
+              <a:t> </a:t>
+            </a:r>
+            <a:r>
+              <a:rPr kumimoji="0" lang="de-DE" altLang="de-DE" sz="1200" b="0" i="0" u="none" strike="noStrike" cap="none" normalizeH="0" baseline="0" dirty="0" err="1" smtClean="0">
+                <a:ln>
+                  <a:noFill/>
+                </a:ln>
+                <a:solidFill>
+                  <a:srgbClr val="2B91AF"/>
+                </a:solidFill>
+                <a:effectLst/>
+                <a:latin typeface="Consolas" panose="020B0609020204030204" pitchFamily="49" charset="0"/>
+                <a:cs typeface="Consolas" panose="020B0609020204030204" pitchFamily="49" charset="0"/>
+              </a:rPr>
+              <a:t>IConstrainedValueParameter</a:t>
+            </a:r>
+            <a:r>
+              <a:rPr kumimoji="0" lang="de-DE" altLang="de-DE" sz="1200" b="0" i="0" u="none" strike="noStrike" cap="none" normalizeH="0" baseline="0" dirty="0" smtClean="0">
+                <a:ln>
+                  <a:noFill/>
+                </a:ln>
+                <a:solidFill>
+                  <a:srgbClr val="000000"/>
+                </a:solidFill>
+                <a:effectLst/>
+                <a:latin typeface="Consolas" panose="020B0609020204030204" pitchFamily="49" charset="0"/>
+                <a:cs typeface="Consolas" panose="020B0609020204030204" pitchFamily="49" charset="0"/>
+              </a:rPr>
+              <a:t>&lt;</a:t>
+            </a:r>
+            <a:r>
+              <a:rPr kumimoji="0" lang="de-DE" altLang="de-DE" sz="1200" b="0" i="0" u="none" strike="noStrike" cap="none" normalizeH="0" baseline="0" dirty="0" err="1" smtClean="0">
+                <a:ln>
+                  <a:noFill/>
+                </a:ln>
+                <a:solidFill>
+                  <a:srgbClr val="2B91AF"/>
+                </a:solidFill>
+                <a:effectLst/>
+                <a:latin typeface="Consolas" panose="020B0609020204030204" pitchFamily="49" charset="0"/>
+                <a:cs typeface="Consolas" panose="020B0609020204030204" pitchFamily="49" charset="0"/>
+              </a:rPr>
+              <a:t>ICrossover</a:t>
+            </a:r>
+            <a:r>
+              <a:rPr kumimoji="0" lang="de-DE" altLang="de-DE" sz="1200" b="0" i="0" u="none" strike="noStrike" cap="none" normalizeH="0" baseline="0" dirty="0" smtClean="0">
+                <a:ln>
+                  <a:noFill/>
+                </a:ln>
+                <a:solidFill>
+                  <a:srgbClr val="000000"/>
+                </a:solidFill>
+                <a:effectLst/>
+                <a:latin typeface="Consolas" panose="020B0609020204030204" pitchFamily="49" charset="0"/>
+                <a:cs typeface="Consolas" panose="020B0609020204030204" pitchFamily="49" charset="0"/>
+              </a:rPr>
+              <a:t>&gt; </a:t>
+            </a:r>
+            <a:r>
+              <a:rPr kumimoji="0" lang="de-DE" altLang="de-DE" sz="1200" b="0" i="0" u="none" strike="noStrike" cap="none" normalizeH="0" baseline="0" dirty="0" err="1" smtClean="0">
+                <a:ln>
+                  <a:noFill/>
+                </a:ln>
+                <a:solidFill>
+                  <a:srgbClr val="000000"/>
+                </a:solidFill>
+                <a:effectLst/>
+                <a:latin typeface="Consolas" panose="020B0609020204030204" pitchFamily="49" charset="0"/>
+                <a:cs typeface="Consolas" panose="020B0609020204030204" pitchFamily="49" charset="0"/>
+              </a:rPr>
+              <a:t>CrossoverParameter</a:t>
+            </a:r>
+            <a:r>
+              <a:rPr kumimoji="0" lang="de-DE" altLang="de-DE" sz="1200" b="0" i="0" u="none" strike="noStrike" cap="none" normalizeH="0" baseline="0" dirty="0" smtClean="0">
+                <a:ln>
+                  <a:noFill/>
+                </a:ln>
+                <a:solidFill>
+                  <a:srgbClr val="000000"/>
+                </a:solidFill>
+                <a:effectLst/>
+                <a:latin typeface="Consolas" panose="020B0609020204030204" pitchFamily="49" charset="0"/>
+                <a:cs typeface="Consolas" panose="020B0609020204030204" pitchFamily="49" charset="0"/>
+              </a:rPr>
+              <a:t> {       </a:t>
+            </a:r>
+          </a:p>
+          <a:p>
+            <a:pPr marL="0" marR="0" lvl="0" indent="0" algn="l" defTabSz="914400" rtl="0" eaLnBrk="0" fontAlgn="base" latinLnBrk="0" hangingPunct="0">
+              <a:lnSpc>
+                <a:spcPct val="100000"/>
+              </a:lnSpc>
+              <a:spcBef>
+                <a:spcPct val="0"/>
+              </a:spcBef>
+              <a:spcAft>
+                <a:spcPct val="0"/>
+              </a:spcAft>
+              <a:buClrTx/>
+              <a:buSzTx/>
+              <a:buFontTx/>
+              <a:buNone/>
+              <a:tabLst/>
+            </a:pPr>
+            <a:r>
+              <a:rPr lang="de-DE" altLang="de-DE" sz="1200" dirty="0">
+                <a:solidFill>
+                  <a:srgbClr val="000000"/>
+                </a:solidFill>
+                <a:latin typeface="Consolas" panose="020B0609020204030204" pitchFamily="49" charset="0"/>
+                <a:cs typeface="Consolas" panose="020B0609020204030204" pitchFamily="49" charset="0"/>
+              </a:rPr>
+              <a:t>	</a:t>
+            </a:r>
+            <a:r>
+              <a:rPr kumimoji="0" lang="de-DE" altLang="de-DE" sz="1200" b="0" i="0" u="none" strike="noStrike" cap="none" normalizeH="0" baseline="0" dirty="0" err="1" smtClean="0">
+                <a:ln>
+                  <a:noFill/>
+                </a:ln>
+                <a:solidFill>
+                  <a:srgbClr val="0000FF"/>
+                </a:solidFill>
+                <a:effectLst/>
+                <a:latin typeface="Consolas" panose="020B0609020204030204" pitchFamily="49" charset="0"/>
+                <a:cs typeface="Consolas" panose="020B0609020204030204" pitchFamily="49" charset="0"/>
+              </a:rPr>
+              <a:t>get</a:t>
+            </a:r>
+            <a:r>
+              <a:rPr kumimoji="0" lang="de-DE" altLang="de-DE" sz="1200" b="0" i="0" u="none" strike="noStrike" cap="none" normalizeH="0" baseline="0" dirty="0" smtClean="0">
+                <a:ln>
+                  <a:noFill/>
+                </a:ln>
+                <a:solidFill>
+                  <a:srgbClr val="000000"/>
+                </a:solidFill>
+                <a:effectLst/>
+                <a:latin typeface="Consolas" panose="020B0609020204030204" pitchFamily="49" charset="0"/>
+                <a:cs typeface="Consolas" panose="020B0609020204030204" pitchFamily="49" charset="0"/>
+              </a:rPr>
+              <a:t> { </a:t>
+            </a:r>
+            <a:r>
+              <a:rPr kumimoji="0" lang="de-DE" altLang="de-DE" sz="1200" b="0" i="0" u="none" strike="noStrike" cap="none" normalizeH="0" baseline="0" dirty="0" err="1" smtClean="0">
+                <a:ln>
+                  <a:noFill/>
+                </a:ln>
+                <a:solidFill>
+                  <a:srgbClr val="0000FF"/>
+                </a:solidFill>
+                <a:effectLst/>
+                <a:latin typeface="Consolas" panose="020B0609020204030204" pitchFamily="49" charset="0"/>
+                <a:cs typeface="Consolas" panose="020B0609020204030204" pitchFamily="49" charset="0"/>
+              </a:rPr>
+              <a:t>return</a:t>
+            </a:r>
+            <a:r>
+              <a:rPr kumimoji="0" lang="de-DE" altLang="de-DE" sz="1200" b="0" i="0" u="none" strike="noStrike" cap="none" normalizeH="0" baseline="0" dirty="0" smtClean="0">
+                <a:ln>
+                  <a:noFill/>
+                </a:ln>
+                <a:solidFill>
+                  <a:srgbClr val="000000"/>
+                </a:solidFill>
+                <a:effectLst/>
+                <a:latin typeface="Consolas" panose="020B0609020204030204" pitchFamily="49" charset="0"/>
+                <a:cs typeface="Consolas" panose="020B0609020204030204" pitchFamily="49" charset="0"/>
+              </a:rPr>
+              <a:t> (</a:t>
+            </a:r>
+            <a:r>
+              <a:rPr kumimoji="0" lang="de-DE" altLang="de-DE" sz="1200" b="0" i="0" u="none" strike="noStrike" cap="none" normalizeH="0" baseline="0" dirty="0" err="1" smtClean="0">
+                <a:ln>
+                  <a:noFill/>
+                </a:ln>
+                <a:solidFill>
+                  <a:srgbClr val="2B91AF"/>
+                </a:solidFill>
+                <a:effectLst/>
+                <a:latin typeface="Consolas" panose="020B0609020204030204" pitchFamily="49" charset="0"/>
+                <a:cs typeface="Consolas" panose="020B0609020204030204" pitchFamily="49" charset="0"/>
+              </a:rPr>
+              <a:t>IConstrainedValueParameter</a:t>
+            </a:r>
+            <a:r>
+              <a:rPr kumimoji="0" lang="de-DE" altLang="de-DE" sz="1200" b="0" i="0" u="none" strike="noStrike" cap="none" normalizeH="0" baseline="0" dirty="0" smtClean="0">
+                <a:ln>
+                  <a:noFill/>
+                </a:ln>
+                <a:solidFill>
+                  <a:srgbClr val="000000"/>
+                </a:solidFill>
+                <a:effectLst/>
+                <a:latin typeface="Consolas" panose="020B0609020204030204" pitchFamily="49" charset="0"/>
+                <a:cs typeface="Consolas" panose="020B0609020204030204" pitchFamily="49" charset="0"/>
+              </a:rPr>
+              <a:t>&lt;</a:t>
+            </a:r>
+            <a:r>
+              <a:rPr kumimoji="0" lang="de-DE" altLang="de-DE" sz="1200" b="0" i="0" u="none" strike="noStrike" cap="none" normalizeH="0" baseline="0" dirty="0" err="1" smtClean="0">
+                <a:ln>
+                  <a:noFill/>
+                </a:ln>
+                <a:solidFill>
+                  <a:srgbClr val="2B91AF"/>
+                </a:solidFill>
+                <a:effectLst/>
+                <a:latin typeface="Consolas" panose="020B0609020204030204" pitchFamily="49" charset="0"/>
+                <a:cs typeface="Consolas" panose="020B0609020204030204" pitchFamily="49" charset="0"/>
+              </a:rPr>
+              <a:t>ICrossover</a:t>
+            </a:r>
+            <a:r>
+              <a:rPr kumimoji="0" lang="de-DE" altLang="de-DE" sz="1200" b="0" i="0" u="none" strike="noStrike" cap="none" normalizeH="0" baseline="0" dirty="0" smtClean="0">
+                <a:ln>
+                  <a:noFill/>
+                </a:ln>
+                <a:solidFill>
+                  <a:srgbClr val="000000"/>
+                </a:solidFill>
+                <a:effectLst/>
+                <a:latin typeface="Consolas" panose="020B0609020204030204" pitchFamily="49" charset="0"/>
+                <a:cs typeface="Consolas" panose="020B0609020204030204" pitchFamily="49" charset="0"/>
+              </a:rPr>
+              <a:t>&gt;)Parameters[</a:t>
+            </a:r>
+            <a:r>
+              <a:rPr kumimoji="0" lang="de-DE" altLang="de-DE" sz="1200" b="0" i="0" u="none" strike="noStrike" cap="none" normalizeH="0" baseline="0" dirty="0" smtClean="0">
+                <a:ln>
+                  <a:noFill/>
+                </a:ln>
+                <a:solidFill>
+                  <a:srgbClr val="A31515"/>
+                </a:solidFill>
+                <a:effectLst/>
+                <a:latin typeface="Consolas" panose="020B0609020204030204" pitchFamily="49" charset="0"/>
+                <a:cs typeface="Consolas" panose="020B0609020204030204" pitchFamily="49" charset="0"/>
+              </a:rPr>
+              <a:t>"Crossover"</a:t>
+            </a:r>
+            <a:r>
+              <a:rPr kumimoji="0" lang="de-DE" altLang="de-DE" sz="1200" b="0" i="0" u="none" strike="noStrike" cap="none" normalizeH="0" baseline="0" dirty="0" smtClean="0">
+                <a:ln>
+                  <a:noFill/>
+                </a:ln>
+                <a:solidFill>
+                  <a:srgbClr val="000000"/>
+                </a:solidFill>
+                <a:effectLst/>
+                <a:latin typeface="Consolas" panose="020B0609020204030204" pitchFamily="49" charset="0"/>
+                <a:cs typeface="Consolas" panose="020B0609020204030204" pitchFamily="49" charset="0"/>
+              </a:rPr>
+              <a:t>]; }     </a:t>
+            </a:r>
+          </a:p>
+          <a:p>
+            <a:pPr marL="0" marR="0" lvl="0" indent="0" algn="l" defTabSz="914400" rtl="0" eaLnBrk="0" fontAlgn="base" latinLnBrk="0" hangingPunct="0">
+              <a:lnSpc>
+                <a:spcPct val="100000"/>
+              </a:lnSpc>
+              <a:spcBef>
+                <a:spcPct val="0"/>
+              </a:spcBef>
+              <a:spcAft>
+                <a:spcPct val="0"/>
+              </a:spcAft>
+              <a:buClrTx/>
+              <a:buSzTx/>
+              <a:buFontTx/>
+              <a:buNone/>
+              <a:tabLst/>
+            </a:pPr>
+            <a:r>
+              <a:rPr kumimoji="0" lang="de-DE" altLang="de-DE" sz="1200" b="0" i="0" u="none" strike="noStrike" cap="none" normalizeH="0" baseline="0" dirty="0" smtClean="0">
+                <a:ln>
+                  <a:noFill/>
+                </a:ln>
+                <a:solidFill>
+                  <a:srgbClr val="000000"/>
+                </a:solidFill>
+                <a:effectLst/>
+                <a:latin typeface="Consolas" panose="020B0609020204030204" pitchFamily="49" charset="0"/>
+                <a:cs typeface="Consolas" panose="020B0609020204030204" pitchFamily="49" charset="0"/>
+              </a:rPr>
+              <a:t>}</a:t>
+            </a:r>
+            <a:endParaRPr kumimoji="0" lang="de-DE" altLang="de-DE" sz="3200" b="0" i="0" u="none" strike="noStrike" cap="none" normalizeH="0" baseline="0" dirty="0" smtClean="0">
+              <a:ln>
+                <a:noFill/>
+              </a:ln>
+              <a:solidFill>
+                <a:schemeClr val="tx1"/>
+              </a:solidFill>
+              <a:effectLst/>
+              <a:latin typeface="Arial" panose="020B0604020202020204" pitchFamily="34" charset="0"/>
+            </a:endParaRPr>
+          </a:p>
+        </p:txBody>
+      </p:sp>
+      <p:sp>
+        <p:nvSpPr>
+          <p:cNvPr id="8" name="Rectangle 2"/>
+          <p:cNvSpPr>
+            <a:spLocks noChangeArrowheads="1"/>
+          </p:cNvSpPr>
+          <p:nvPr/>
+        </p:nvSpPr>
+        <p:spPr bwMode="auto">
+          <a:xfrm>
+            <a:off x="899592" y="4083608"/>
+            <a:ext cx="7479933" cy="646331"/>
+          </a:xfrm>
+          <a:prstGeom prst="rect">
+            <a:avLst/>
+          </a:prstGeom>
+          <a:solidFill>
+            <a:srgbClr val="FFFFFF"/>
+          </a:solidFill>
+          <a:ln>
+            <a:noFill/>
+          </a:ln>
+          <a:effectLst/>
+          <a:extLst>
+            <a:ext uri="{91240B29-F687-4F45-9708-019B960494DF}">
+              <a14:hiddenLine xmlns:a14="http://schemas.microsoft.com/office/drawing/2010/main" w="9525">
+                <a:solidFill>
+                  <a:schemeClr val="tx1"/>
+                </a:solidFill>
+                <a:miter lim="800000"/>
+                <a:headEnd/>
+                <a:tailEnd/>
+              </a14:hiddenLine>
+            </a:ext>
+            <a:ext uri="{AF507438-7753-43E0-B8FC-AC1667EBCBE1}">
+              <a14:hiddenEffects xmlns:a14="http://schemas.microsoft.com/office/drawing/2010/main">
+                <a:effectLst>
+                  <a:outerShdw dist="35921" dir="2700000" algn="ctr" rotWithShape="0">
+                    <a:schemeClr val="bg2"/>
+                  </a:outerShdw>
+                </a:effectLst>
+              </a14:hiddenEffects>
+            </a:ext>
+          </a:extLst>
+        </p:spPr>
+        <p:txBody>
+          <a:bodyPr vert="horz" wrap="none" lIns="91440" tIns="45720" rIns="91440" bIns="45720" numCol="1" anchor="ctr" anchorCtr="0" compatLnSpc="1">
+            <a:prstTxWarp prst="textNoShape">
+              <a:avLst/>
+            </a:prstTxWarp>
+            <a:spAutoFit/>
+          </a:bodyPr>
+          <a:lstStyle/>
+          <a:p>
+            <a:pPr marL="0" marR="0" lvl="0" indent="0" algn="l" defTabSz="914400" rtl="0" eaLnBrk="0" fontAlgn="base" latinLnBrk="0" hangingPunct="0">
+              <a:lnSpc>
+                <a:spcPct val="100000"/>
+              </a:lnSpc>
+              <a:spcBef>
+                <a:spcPct val="0"/>
+              </a:spcBef>
+              <a:spcAft>
+                <a:spcPct val="0"/>
+              </a:spcAft>
+              <a:buClrTx/>
+              <a:buSzTx/>
+              <a:buFontTx/>
+              <a:buNone/>
+              <a:tabLst/>
+            </a:pPr>
+            <a:r>
+              <a:rPr kumimoji="0" lang="de-DE" altLang="de-DE" sz="1200" b="0" i="0" u="none" strike="noStrike" cap="none" normalizeH="0" baseline="0" dirty="0" smtClean="0">
+                <a:ln>
+                  <a:noFill/>
+                </a:ln>
+                <a:solidFill>
+                  <a:srgbClr val="0000FF"/>
+                </a:solidFill>
+                <a:effectLst/>
+                <a:latin typeface="Consolas" panose="020B0609020204030204" pitchFamily="49" charset="0"/>
+                <a:cs typeface="Consolas" panose="020B0609020204030204" pitchFamily="49" charset="0"/>
+              </a:rPr>
+              <a:t>private</a:t>
+            </a:r>
+            <a:r>
+              <a:rPr kumimoji="0" lang="de-DE" altLang="de-DE" sz="1200" b="0" i="0" u="none" strike="noStrike" cap="none" normalizeH="0" baseline="0" dirty="0" smtClean="0">
+                <a:ln>
+                  <a:noFill/>
+                </a:ln>
+                <a:solidFill>
+                  <a:srgbClr val="000000"/>
+                </a:solidFill>
+                <a:effectLst/>
+                <a:latin typeface="Consolas" panose="020B0609020204030204" pitchFamily="49" charset="0"/>
+                <a:cs typeface="Consolas" panose="020B0609020204030204" pitchFamily="49" charset="0"/>
+              </a:rPr>
+              <a:t> </a:t>
+            </a:r>
+            <a:r>
+              <a:rPr kumimoji="0" lang="de-DE" altLang="de-DE" sz="1200" b="0" i="0" u="none" strike="noStrike" cap="none" normalizeH="0" baseline="0" dirty="0" err="1" smtClean="0">
+                <a:ln>
+                  <a:noFill/>
+                </a:ln>
+                <a:solidFill>
+                  <a:srgbClr val="2B91AF"/>
+                </a:solidFill>
+                <a:effectLst/>
+                <a:latin typeface="Consolas" panose="020B0609020204030204" pitchFamily="49" charset="0"/>
+                <a:cs typeface="Consolas" panose="020B0609020204030204" pitchFamily="49" charset="0"/>
+              </a:rPr>
+              <a:t>ValueParameter</a:t>
+            </a:r>
+            <a:r>
+              <a:rPr kumimoji="0" lang="de-DE" altLang="de-DE" sz="1200" b="0" i="0" u="none" strike="noStrike" cap="none" normalizeH="0" baseline="0" dirty="0" smtClean="0">
+                <a:ln>
+                  <a:noFill/>
+                </a:ln>
+                <a:solidFill>
+                  <a:srgbClr val="000000"/>
+                </a:solidFill>
+                <a:effectLst/>
+                <a:latin typeface="Consolas" panose="020B0609020204030204" pitchFamily="49" charset="0"/>
+                <a:cs typeface="Consolas" panose="020B0609020204030204" pitchFamily="49" charset="0"/>
+              </a:rPr>
+              <a:t>&lt;</a:t>
+            </a:r>
+            <a:r>
+              <a:rPr kumimoji="0" lang="de-DE" altLang="de-DE" sz="1200" b="0" i="0" u="none" strike="noStrike" cap="none" normalizeH="0" baseline="0" dirty="0" err="1" smtClean="0">
+                <a:ln>
+                  <a:noFill/>
+                </a:ln>
+                <a:solidFill>
+                  <a:srgbClr val="2B91AF"/>
+                </a:solidFill>
+                <a:effectLst/>
+                <a:latin typeface="Consolas" panose="020B0609020204030204" pitchFamily="49" charset="0"/>
+                <a:cs typeface="Consolas" panose="020B0609020204030204" pitchFamily="49" charset="0"/>
+              </a:rPr>
+              <a:t>IntValue</a:t>
+            </a:r>
+            <a:r>
+              <a:rPr kumimoji="0" lang="de-DE" altLang="de-DE" sz="1200" b="0" i="0" u="none" strike="noStrike" cap="none" normalizeH="0" baseline="0" dirty="0" smtClean="0">
+                <a:ln>
+                  <a:noFill/>
+                </a:ln>
+                <a:solidFill>
+                  <a:srgbClr val="000000"/>
+                </a:solidFill>
+                <a:effectLst/>
+                <a:latin typeface="Consolas" panose="020B0609020204030204" pitchFamily="49" charset="0"/>
+                <a:cs typeface="Consolas" panose="020B0609020204030204" pitchFamily="49" charset="0"/>
+              </a:rPr>
+              <a:t>&gt; </a:t>
+            </a:r>
+            <a:r>
+              <a:rPr kumimoji="0" lang="de-DE" altLang="de-DE" sz="1200" b="0" i="0" u="none" strike="noStrike" cap="none" normalizeH="0" baseline="0" dirty="0" err="1" smtClean="0">
+                <a:ln>
+                  <a:noFill/>
+                </a:ln>
+                <a:solidFill>
+                  <a:srgbClr val="000000"/>
+                </a:solidFill>
+                <a:effectLst/>
+                <a:latin typeface="Consolas" panose="020B0609020204030204" pitchFamily="49" charset="0"/>
+                <a:cs typeface="Consolas" panose="020B0609020204030204" pitchFamily="49" charset="0"/>
+              </a:rPr>
+              <a:t>PopulationSizeParameter</a:t>
+            </a:r>
+            <a:r>
+              <a:rPr kumimoji="0" lang="de-DE" altLang="de-DE" sz="1200" b="0" i="0" u="none" strike="noStrike" cap="none" normalizeH="0" baseline="0" dirty="0" smtClean="0">
+                <a:ln>
+                  <a:noFill/>
+                </a:ln>
+                <a:solidFill>
+                  <a:srgbClr val="000000"/>
+                </a:solidFill>
+                <a:effectLst/>
+                <a:latin typeface="Consolas" panose="020B0609020204030204" pitchFamily="49" charset="0"/>
+                <a:cs typeface="Consolas" panose="020B0609020204030204" pitchFamily="49" charset="0"/>
+              </a:rPr>
+              <a:t> {       </a:t>
+            </a:r>
+          </a:p>
+          <a:p>
+            <a:pPr marL="0" marR="0" lvl="0" indent="0" algn="l" defTabSz="914400" rtl="0" eaLnBrk="0" fontAlgn="base" latinLnBrk="0" hangingPunct="0">
+              <a:lnSpc>
+                <a:spcPct val="100000"/>
+              </a:lnSpc>
+              <a:spcBef>
+                <a:spcPct val="0"/>
+              </a:spcBef>
+              <a:spcAft>
+                <a:spcPct val="0"/>
+              </a:spcAft>
+              <a:buClrTx/>
+              <a:buSzTx/>
+              <a:buFontTx/>
+              <a:buNone/>
+              <a:tabLst/>
+            </a:pPr>
+            <a:r>
+              <a:rPr lang="de-DE" altLang="de-DE" sz="1200" dirty="0">
+                <a:solidFill>
+                  <a:srgbClr val="000000"/>
+                </a:solidFill>
+                <a:latin typeface="Consolas" panose="020B0609020204030204" pitchFamily="49" charset="0"/>
+                <a:cs typeface="Consolas" panose="020B0609020204030204" pitchFamily="49" charset="0"/>
+              </a:rPr>
+              <a:t>	</a:t>
+            </a:r>
+            <a:r>
+              <a:rPr kumimoji="0" lang="de-DE" altLang="de-DE" sz="1200" b="0" i="0" u="none" strike="noStrike" cap="none" normalizeH="0" baseline="0" dirty="0" err="1" smtClean="0">
+                <a:ln>
+                  <a:noFill/>
+                </a:ln>
+                <a:solidFill>
+                  <a:srgbClr val="0000FF"/>
+                </a:solidFill>
+                <a:effectLst/>
+                <a:latin typeface="Consolas" panose="020B0609020204030204" pitchFamily="49" charset="0"/>
+                <a:cs typeface="Consolas" panose="020B0609020204030204" pitchFamily="49" charset="0"/>
+              </a:rPr>
+              <a:t>get</a:t>
+            </a:r>
+            <a:r>
+              <a:rPr kumimoji="0" lang="de-DE" altLang="de-DE" sz="1200" b="0" i="0" u="none" strike="noStrike" cap="none" normalizeH="0" baseline="0" dirty="0" smtClean="0">
+                <a:ln>
+                  <a:noFill/>
+                </a:ln>
+                <a:solidFill>
+                  <a:srgbClr val="000000"/>
+                </a:solidFill>
+                <a:effectLst/>
+                <a:latin typeface="Consolas" panose="020B0609020204030204" pitchFamily="49" charset="0"/>
+                <a:cs typeface="Consolas" panose="020B0609020204030204" pitchFamily="49" charset="0"/>
+              </a:rPr>
+              <a:t> { </a:t>
+            </a:r>
+            <a:r>
+              <a:rPr kumimoji="0" lang="de-DE" altLang="de-DE" sz="1200" b="0" i="0" u="none" strike="noStrike" cap="none" normalizeH="0" baseline="0" dirty="0" err="1" smtClean="0">
+                <a:ln>
+                  <a:noFill/>
+                </a:ln>
+                <a:solidFill>
+                  <a:srgbClr val="0000FF"/>
+                </a:solidFill>
+                <a:effectLst/>
+                <a:latin typeface="Consolas" panose="020B0609020204030204" pitchFamily="49" charset="0"/>
+                <a:cs typeface="Consolas" panose="020B0609020204030204" pitchFamily="49" charset="0"/>
+              </a:rPr>
+              <a:t>return</a:t>
+            </a:r>
+            <a:r>
+              <a:rPr kumimoji="0" lang="de-DE" altLang="de-DE" sz="1200" b="0" i="0" u="none" strike="noStrike" cap="none" normalizeH="0" baseline="0" dirty="0" smtClean="0">
+                <a:ln>
+                  <a:noFill/>
+                </a:ln>
+                <a:solidFill>
+                  <a:srgbClr val="000000"/>
+                </a:solidFill>
+                <a:effectLst/>
+                <a:latin typeface="Consolas" panose="020B0609020204030204" pitchFamily="49" charset="0"/>
+                <a:cs typeface="Consolas" panose="020B0609020204030204" pitchFamily="49" charset="0"/>
+              </a:rPr>
+              <a:t> (</a:t>
+            </a:r>
+            <a:r>
+              <a:rPr kumimoji="0" lang="de-DE" altLang="de-DE" sz="1200" b="0" i="0" u="none" strike="noStrike" cap="none" normalizeH="0" baseline="0" dirty="0" err="1" smtClean="0">
+                <a:ln>
+                  <a:noFill/>
+                </a:ln>
+                <a:solidFill>
+                  <a:srgbClr val="2B91AF"/>
+                </a:solidFill>
+                <a:effectLst/>
+                <a:latin typeface="Consolas" panose="020B0609020204030204" pitchFamily="49" charset="0"/>
+                <a:cs typeface="Consolas" panose="020B0609020204030204" pitchFamily="49" charset="0"/>
+              </a:rPr>
+              <a:t>ValueParameter</a:t>
+            </a:r>
+            <a:r>
+              <a:rPr kumimoji="0" lang="de-DE" altLang="de-DE" sz="1200" b="0" i="0" u="none" strike="noStrike" cap="none" normalizeH="0" baseline="0" dirty="0" smtClean="0">
+                <a:ln>
+                  <a:noFill/>
+                </a:ln>
+                <a:solidFill>
+                  <a:srgbClr val="000000"/>
+                </a:solidFill>
+                <a:effectLst/>
+                <a:latin typeface="Consolas" panose="020B0609020204030204" pitchFamily="49" charset="0"/>
+                <a:cs typeface="Consolas" panose="020B0609020204030204" pitchFamily="49" charset="0"/>
+              </a:rPr>
+              <a:t>&lt;</a:t>
+            </a:r>
+            <a:r>
+              <a:rPr kumimoji="0" lang="de-DE" altLang="de-DE" sz="1200" b="0" i="0" u="none" strike="noStrike" cap="none" normalizeH="0" baseline="0" dirty="0" err="1" smtClean="0">
+                <a:ln>
+                  <a:noFill/>
+                </a:ln>
+                <a:solidFill>
+                  <a:srgbClr val="2B91AF"/>
+                </a:solidFill>
+                <a:effectLst/>
+                <a:latin typeface="Consolas" panose="020B0609020204030204" pitchFamily="49" charset="0"/>
+                <a:cs typeface="Consolas" panose="020B0609020204030204" pitchFamily="49" charset="0"/>
+              </a:rPr>
+              <a:t>IntValue</a:t>
+            </a:r>
+            <a:r>
+              <a:rPr kumimoji="0" lang="de-DE" altLang="de-DE" sz="1200" b="0" i="0" u="none" strike="noStrike" cap="none" normalizeH="0" baseline="0" dirty="0" smtClean="0">
+                <a:ln>
+                  <a:noFill/>
+                </a:ln>
+                <a:solidFill>
+                  <a:srgbClr val="000000"/>
+                </a:solidFill>
+                <a:effectLst/>
+                <a:latin typeface="Consolas" panose="020B0609020204030204" pitchFamily="49" charset="0"/>
+                <a:cs typeface="Consolas" panose="020B0609020204030204" pitchFamily="49" charset="0"/>
+              </a:rPr>
+              <a:t>&gt;)Parameters[</a:t>
+            </a:r>
+            <a:r>
+              <a:rPr kumimoji="0" lang="de-DE" altLang="de-DE" sz="1200" b="0" i="0" u="none" strike="noStrike" cap="none" normalizeH="0" baseline="0" dirty="0" smtClean="0">
+                <a:ln>
+                  <a:noFill/>
+                </a:ln>
+                <a:solidFill>
+                  <a:srgbClr val="A31515"/>
+                </a:solidFill>
+                <a:effectLst/>
+                <a:latin typeface="Consolas" panose="020B0609020204030204" pitchFamily="49" charset="0"/>
+                <a:cs typeface="Consolas" panose="020B0609020204030204" pitchFamily="49" charset="0"/>
+              </a:rPr>
+              <a:t>"</a:t>
+            </a:r>
+            <a:r>
+              <a:rPr kumimoji="0" lang="de-DE" altLang="de-DE" sz="1200" b="0" i="0" u="none" strike="noStrike" cap="none" normalizeH="0" baseline="0" dirty="0" err="1" smtClean="0">
+                <a:ln>
+                  <a:noFill/>
+                </a:ln>
+                <a:solidFill>
+                  <a:srgbClr val="A31515"/>
+                </a:solidFill>
+                <a:effectLst/>
+                <a:latin typeface="Consolas" panose="020B0609020204030204" pitchFamily="49" charset="0"/>
+                <a:cs typeface="Consolas" panose="020B0609020204030204" pitchFamily="49" charset="0"/>
+              </a:rPr>
+              <a:t>PopulationSize</a:t>
+            </a:r>
+            <a:r>
+              <a:rPr kumimoji="0" lang="de-DE" altLang="de-DE" sz="1200" b="0" i="0" u="none" strike="noStrike" cap="none" normalizeH="0" baseline="0" dirty="0" smtClean="0">
+                <a:ln>
+                  <a:noFill/>
+                </a:ln>
+                <a:solidFill>
+                  <a:srgbClr val="A31515"/>
+                </a:solidFill>
+                <a:effectLst/>
+                <a:latin typeface="Consolas" panose="020B0609020204030204" pitchFamily="49" charset="0"/>
+                <a:cs typeface="Consolas" panose="020B0609020204030204" pitchFamily="49" charset="0"/>
+              </a:rPr>
+              <a:t>"</a:t>
+            </a:r>
+            <a:r>
+              <a:rPr kumimoji="0" lang="de-DE" altLang="de-DE" sz="1200" b="0" i="0" u="none" strike="noStrike" cap="none" normalizeH="0" baseline="0" dirty="0" smtClean="0">
+                <a:ln>
+                  <a:noFill/>
+                </a:ln>
+                <a:solidFill>
+                  <a:srgbClr val="000000"/>
+                </a:solidFill>
+                <a:effectLst/>
+                <a:latin typeface="Consolas" panose="020B0609020204030204" pitchFamily="49" charset="0"/>
+                <a:cs typeface="Consolas" panose="020B0609020204030204" pitchFamily="49" charset="0"/>
+              </a:rPr>
+              <a:t>]; }     </a:t>
+            </a:r>
+          </a:p>
+          <a:p>
+            <a:pPr marL="0" marR="0" lvl="0" indent="0" algn="l" defTabSz="914400" rtl="0" eaLnBrk="0" fontAlgn="base" latinLnBrk="0" hangingPunct="0">
+              <a:lnSpc>
+                <a:spcPct val="100000"/>
+              </a:lnSpc>
+              <a:spcBef>
+                <a:spcPct val="0"/>
+              </a:spcBef>
+              <a:spcAft>
+                <a:spcPct val="0"/>
+              </a:spcAft>
+              <a:buClrTx/>
+              <a:buSzTx/>
+              <a:buFontTx/>
+              <a:buNone/>
+              <a:tabLst/>
+            </a:pPr>
+            <a:r>
+              <a:rPr kumimoji="0" lang="de-DE" altLang="de-DE" sz="1200" b="0" i="0" u="none" strike="noStrike" cap="none" normalizeH="0" baseline="0" dirty="0" smtClean="0">
+                <a:ln>
+                  <a:noFill/>
+                </a:ln>
+                <a:solidFill>
+                  <a:srgbClr val="000000"/>
+                </a:solidFill>
+                <a:effectLst/>
+                <a:latin typeface="Consolas" panose="020B0609020204030204" pitchFamily="49" charset="0"/>
+                <a:cs typeface="Consolas" panose="020B0609020204030204" pitchFamily="49" charset="0"/>
+              </a:rPr>
+              <a:t>}</a:t>
+            </a:r>
+            <a:endParaRPr kumimoji="0" lang="de-DE" altLang="de-DE" sz="3200" b="0" i="0" u="none" strike="noStrike" cap="none" normalizeH="0" baseline="0" dirty="0" smtClean="0">
+              <a:ln>
+                <a:noFill/>
+              </a:ln>
+              <a:solidFill>
+                <a:schemeClr val="tx1"/>
+              </a:solidFill>
+              <a:effectLst/>
+              <a:latin typeface="Arial" panose="020B0604020202020204" pitchFamily="34" charset="0"/>
+            </a:endParaRPr>
+          </a:p>
+        </p:txBody>
+      </p:sp>
+    </p:spTree>
+    <p:extLst>
+      <p:ext uri="{BB962C8B-B14F-4D97-AF65-F5344CB8AC3E}">
+        <p14:creationId xmlns:p14="http://schemas.microsoft.com/office/powerpoint/2010/main" val="611895053"/>
+      </p:ext>
+    </p:extLst>
+  </p:cSld>
+  <p:clrMapOvr>
+    <a:masterClrMapping/>
+  </p:clrMapOvr>
+  <p:timing>
+    <p:tnLst>
+      <p:par>
+        <p:cTn id="1" dur="indefinite" restart="never" nodeType="tmRoot"/>
+      </p:par>
+    </p:tnLst>
+  </p:timing>
+</p:sld>
+</file>
+
+<file path=ppt/slides/slide11.xml><?xml version="1.0" encoding="utf-8"?>
+<p:sld xmlns:a="http://schemas.openxmlformats.org/drawingml/2006/main" xmlns:r="http://schemas.openxmlformats.org/officeDocument/2006/relationships" xmlns:p="http://schemas.openxmlformats.org/presentationml/2006/main">
+  <p:cSld>
+    <p:spTree>
+      <p:nvGrpSpPr>
+        <p:cNvPr id="1" name=""/>
+        <p:cNvGrpSpPr/>
+        <p:nvPr/>
+      </p:nvGrpSpPr>
+      <p:grpSpPr>
+        <a:xfrm>
+          <a:off x="0" y="0"/>
+          <a:ext cx="0" cy="0"/>
+          <a:chOff x="0" y="0"/>
+          <a:chExt cx="0" cy="0"/>
+        </a:xfrm>
+      </p:grpSpPr>
+      <p:sp>
+        <p:nvSpPr>
+          <p:cNvPr id="2" name="Titel 1"/>
+          <p:cNvSpPr>
+            <a:spLocks noGrp="1"/>
+          </p:cNvSpPr>
+          <p:nvPr>
+            <p:ph type="title"/>
+          </p:nvPr>
+        </p:nvSpPr>
+        <p:spPr/>
+        <p:txBody>
+          <a:bodyPr/>
+          <a:lstStyle/>
+          <a:p>
+            <a:r>
+              <a:rPr lang="en-US" dirty="0"/>
+              <a:t>Use parameter</a:t>
+            </a:r>
+            <a:endParaRPr lang="de-AT" dirty="0"/>
+          </a:p>
+        </p:txBody>
+      </p:sp>
+      <p:sp>
+        <p:nvSpPr>
+          <p:cNvPr id="3" name="Inhaltsplatzhalter 2"/>
+          <p:cNvSpPr>
+            <a:spLocks noGrp="1"/>
+          </p:cNvSpPr>
+          <p:nvPr>
+            <p:ph idx="1"/>
+          </p:nvPr>
+        </p:nvSpPr>
+        <p:spPr>
+          <a:xfrm>
+            <a:off x="457200" y="1600200"/>
+            <a:ext cx="6347531" cy="4525963"/>
+          </a:xfrm>
+        </p:spPr>
+        <p:txBody>
+          <a:bodyPr/>
+          <a:lstStyle/>
+          <a:p>
+            <a:r>
+              <a:rPr lang="de-AT" dirty="0" err="1" smtClean="0"/>
+              <a:t>Use</a:t>
+            </a:r>
+            <a:r>
+              <a:rPr lang="de-AT" dirty="0" smtClean="0"/>
+              <a:t> </a:t>
+            </a:r>
+            <a:r>
+              <a:rPr lang="de-AT" dirty="0" err="1" smtClean="0"/>
+              <a:t>crossover</a:t>
+            </a:r>
+            <a:r>
+              <a:rPr lang="de-AT" dirty="0" smtClean="0"/>
+              <a:t> </a:t>
+            </a:r>
+            <a:r>
+              <a:rPr lang="de-AT" dirty="0" err="1" smtClean="0"/>
+              <a:t>parameter</a:t>
+            </a:r>
+            <a:r>
+              <a:rPr lang="de-AT" dirty="0" smtClean="0"/>
+              <a:t>:</a:t>
+            </a:r>
+          </a:p>
+          <a:p>
+            <a:endParaRPr lang="de-AT" dirty="0" smtClean="0"/>
+          </a:p>
+          <a:p>
+            <a:endParaRPr lang="de-AT" dirty="0"/>
+          </a:p>
+          <a:p>
+            <a:endParaRPr lang="de-AT" dirty="0" smtClean="0"/>
+          </a:p>
+          <a:p>
+            <a:r>
+              <a:rPr lang="de-AT" dirty="0" err="1" smtClean="0"/>
+              <a:t>Use</a:t>
+            </a:r>
+            <a:r>
+              <a:rPr lang="de-AT" dirty="0" smtClean="0"/>
+              <a:t> </a:t>
+            </a:r>
+            <a:r>
+              <a:rPr lang="de-AT" dirty="0" err="1" smtClean="0"/>
+              <a:t>PopulationSize</a:t>
+            </a:r>
+            <a:r>
+              <a:rPr lang="de-AT" dirty="0" smtClean="0"/>
+              <a:t> </a:t>
+            </a:r>
+            <a:r>
+              <a:rPr lang="de-AT" dirty="0" err="1" smtClean="0"/>
+              <a:t>parameter</a:t>
+            </a:r>
+            <a:r>
+              <a:rPr lang="de-AT" dirty="0" smtClean="0"/>
+              <a:t>:</a:t>
+            </a:r>
+            <a:endParaRPr lang="de-AT" dirty="0"/>
+          </a:p>
+        </p:txBody>
+      </p:sp>
+      <p:sp>
+        <p:nvSpPr>
+          <p:cNvPr id="4" name="Datumsplatzhalter 3"/>
+          <p:cNvSpPr>
+            <a:spLocks noGrp="1"/>
+          </p:cNvSpPr>
+          <p:nvPr>
+            <p:ph type="dt" sz="half" idx="10"/>
+          </p:nvPr>
+        </p:nvSpPr>
+        <p:spPr/>
+        <p:txBody>
+          <a:bodyPr/>
+          <a:lstStyle/>
+          <a:p>
+            <a:r>
+              <a:rPr lang="de-DE" smtClean="0"/>
+              <a:t>Programming HeuristicLab</a:t>
+            </a:r>
+            <a:endParaRPr lang="de-DE" dirty="0"/>
+          </a:p>
+        </p:txBody>
+      </p:sp>
+      <p:sp>
+        <p:nvSpPr>
+          <p:cNvPr id="5" name="Fußzeilenplatzhalter 4"/>
+          <p:cNvSpPr>
+            <a:spLocks noGrp="1"/>
+          </p:cNvSpPr>
+          <p:nvPr>
+            <p:ph type="ftr" sz="quarter" idx="11"/>
+          </p:nvPr>
+        </p:nvSpPr>
+        <p:spPr/>
+        <p:txBody>
+          <a:bodyPr/>
+          <a:lstStyle/>
+          <a:p>
+            <a:r>
+              <a:rPr lang="de-DE" smtClean="0"/>
+              <a:t>http://dev.heuristiclab.com</a:t>
+            </a:r>
+            <a:endParaRPr lang="de-DE"/>
+          </a:p>
+        </p:txBody>
+      </p:sp>
+      <p:sp>
+        <p:nvSpPr>
+          <p:cNvPr id="6" name="Foliennummernplatzhalter 5"/>
+          <p:cNvSpPr>
+            <a:spLocks noGrp="1"/>
+          </p:cNvSpPr>
+          <p:nvPr>
+            <p:ph type="sldNum" sz="quarter" idx="12"/>
+          </p:nvPr>
+        </p:nvSpPr>
+        <p:spPr/>
+        <p:txBody>
+          <a:bodyPr/>
+          <a:lstStyle/>
+          <a:p>
+            <a:fld id="{6C6AE60A-B69C-4790-82F7-3882EDF23186}" type="slidenum">
+              <a:rPr lang="de-DE" smtClean="0"/>
+              <a:pPr/>
+              <a:t>11</a:t>
+            </a:fld>
+            <a:endParaRPr lang="de-DE"/>
+          </a:p>
+        </p:txBody>
+      </p:sp>
+      <p:sp>
+        <p:nvSpPr>
+          <p:cNvPr id="8" name="Rectangle 1"/>
+          <p:cNvSpPr>
+            <a:spLocks noChangeArrowheads="1"/>
+          </p:cNvSpPr>
+          <p:nvPr/>
+        </p:nvSpPr>
+        <p:spPr bwMode="auto">
+          <a:xfrm>
+            <a:off x="700844" y="4593610"/>
+            <a:ext cx="3779912" cy="276999"/>
+          </a:xfrm>
+          <a:prstGeom prst="rect">
+            <a:avLst/>
+          </a:prstGeom>
+          <a:solidFill>
+            <a:srgbClr val="FFFFFF"/>
+          </a:solidFill>
+          <a:ln>
+            <a:noFill/>
+          </a:ln>
+          <a:effectLst/>
+          <a:extLst>
+            <a:ext uri="{91240B29-F687-4F45-9708-019B960494DF}">
+              <a14:hiddenLine xmlns:a14="http://schemas.microsoft.com/office/drawing/2010/main" w="9525">
+                <a:solidFill>
+                  <a:schemeClr val="tx1"/>
+                </a:solidFill>
+                <a:miter lim="800000"/>
+                <a:headEnd/>
+                <a:tailEnd/>
+              </a14:hiddenLine>
+            </a:ext>
+            <a:ext uri="{AF507438-7753-43E0-B8FC-AC1667EBCBE1}">
+              <a14:hiddenEffects xmlns:a14="http://schemas.microsoft.com/office/drawing/2010/main">
+                <a:effectLst>
+                  <a:outerShdw dist="35921" dir="2700000" algn="ctr" rotWithShape="0">
+                    <a:schemeClr val="bg2"/>
+                  </a:outerShdw>
+                </a:effectLst>
+              </a14:hiddenEffects>
+            </a:ext>
+          </a:extLst>
+        </p:spPr>
+        <p:txBody>
+          <a:bodyPr vert="horz" wrap="square" lIns="91440" tIns="45720" rIns="91440" bIns="45720" numCol="1" anchor="ctr" anchorCtr="0" compatLnSpc="1">
+            <a:prstTxWarp prst="textNoShape">
+              <a:avLst/>
+            </a:prstTxWarp>
+            <a:spAutoFit/>
+          </a:bodyPr>
+          <a:lstStyle/>
+          <a:p>
+            <a:pPr marL="0" marR="0" lvl="0" indent="0" algn="l" defTabSz="914400" rtl="0" eaLnBrk="0" fontAlgn="base" latinLnBrk="0" hangingPunct="0">
+              <a:lnSpc>
+                <a:spcPct val="100000"/>
+              </a:lnSpc>
+              <a:spcBef>
+                <a:spcPct val="0"/>
+              </a:spcBef>
+              <a:spcAft>
+                <a:spcPct val="0"/>
+              </a:spcAft>
+              <a:buClrTx/>
+              <a:buSzTx/>
+              <a:buFontTx/>
+              <a:buNone/>
+              <a:tabLst/>
+            </a:pPr>
+            <a:r>
+              <a:rPr kumimoji="0" lang="de-DE" altLang="de-DE" sz="1200" b="0" i="0" u="none" strike="noStrike" cap="none" normalizeH="0" baseline="0" dirty="0" err="1" smtClean="0">
+                <a:ln>
+                  <a:noFill/>
+                </a:ln>
+                <a:solidFill>
+                  <a:srgbClr val="000000"/>
+                </a:solidFill>
+                <a:effectLst/>
+                <a:latin typeface="Consolas" panose="020B0609020204030204" pitchFamily="49" charset="0"/>
+                <a:cs typeface="Consolas" panose="020B0609020204030204" pitchFamily="49" charset="0"/>
+              </a:rPr>
+              <a:t>PopulationSizeParameter.Value.Value</a:t>
+            </a:r>
+            <a:r>
+              <a:rPr kumimoji="0" lang="de-DE" altLang="de-DE" sz="1200" b="0" i="0" u="none" strike="noStrike" cap="none" normalizeH="0" baseline="0" dirty="0" smtClean="0">
+                <a:ln>
+                  <a:noFill/>
+                </a:ln>
+                <a:solidFill>
+                  <a:srgbClr val="000000"/>
+                </a:solidFill>
+                <a:effectLst/>
+                <a:latin typeface="Consolas" panose="020B0609020204030204" pitchFamily="49" charset="0"/>
+                <a:cs typeface="Consolas" panose="020B0609020204030204" pitchFamily="49" charset="0"/>
+              </a:rPr>
+              <a:t> = 42; </a:t>
+            </a:r>
+            <a:endParaRPr kumimoji="0" lang="de-DE" altLang="de-DE" sz="3200" b="0" i="0" u="none" strike="noStrike" cap="none" normalizeH="0" baseline="0" dirty="0" smtClean="0">
+              <a:ln>
+                <a:noFill/>
+              </a:ln>
+              <a:solidFill>
+                <a:schemeClr val="tx1"/>
+              </a:solidFill>
+              <a:effectLst/>
+              <a:latin typeface="Arial" panose="020B0604020202020204" pitchFamily="34" charset="0"/>
+            </a:endParaRPr>
+          </a:p>
+        </p:txBody>
+      </p:sp>
+      <p:sp>
+        <p:nvSpPr>
+          <p:cNvPr id="9" name="Rectangle 2"/>
+          <p:cNvSpPr>
+            <a:spLocks noChangeArrowheads="1"/>
+          </p:cNvSpPr>
+          <p:nvPr/>
+        </p:nvSpPr>
+        <p:spPr bwMode="auto">
+          <a:xfrm>
+            <a:off x="683568" y="2276872"/>
+            <a:ext cx="8170827" cy="830997"/>
+          </a:xfrm>
+          <a:prstGeom prst="rect">
+            <a:avLst/>
+          </a:prstGeom>
+          <a:solidFill>
+            <a:srgbClr val="FFFFFF"/>
+          </a:solidFill>
+          <a:ln>
+            <a:noFill/>
+          </a:ln>
+          <a:effectLst/>
+          <a:extLst>
+            <a:ext uri="{91240B29-F687-4F45-9708-019B960494DF}">
+              <a14:hiddenLine xmlns:a14="http://schemas.microsoft.com/office/drawing/2010/main" w="9525">
+                <a:solidFill>
+                  <a:schemeClr val="tx1"/>
+                </a:solidFill>
+                <a:miter lim="800000"/>
+                <a:headEnd/>
+                <a:tailEnd/>
+              </a14:hiddenLine>
+            </a:ext>
+            <a:ext uri="{AF507438-7753-43E0-B8FC-AC1667EBCBE1}">
+              <a14:hiddenEffects xmlns:a14="http://schemas.microsoft.com/office/drawing/2010/main">
+                <a:effectLst>
+                  <a:outerShdw dist="35921" dir="2700000" algn="ctr" rotWithShape="0">
+                    <a:schemeClr val="bg2"/>
+                  </a:outerShdw>
+                </a:effectLst>
+              </a14:hiddenEffects>
+            </a:ext>
+          </a:extLst>
+        </p:spPr>
+        <p:txBody>
+          <a:bodyPr vert="horz" wrap="none" lIns="91440" tIns="45720" rIns="91440" bIns="45720" numCol="1" anchor="ctr" anchorCtr="0" compatLnSpc="1">
+            <a:prstTxWarp prst="textNoShape">
+              <a:avLst/>
+            </a:prstTxWarp>
+            <a:spAutoFit/>
+          </a:bodyPr>
+          <a:lstStyle/>
+          <a:p>
+            <a:pPr marL="0" marR="0" lvl="0" indent="0" algn="l" defTabSz="914400" rtl="0" eaLnBrk="0" fontAlgn="base" latinLnBrk="0" hangingPunct="0">
+              <a:lnSpc>
+                <a:spcPct val="100000"/>
+              </a:lnSpc>
+              <a:spcBef>
+                <a:spcPct val="0"/>
+              </a:spcBef>
+              <a:spcAft>
+                <a:spcPct val="0"/>
+              </a:spcAft>
+              <a:buClrTx/>
+              <a:buSzTx/>
+              <a:buFontTx/>
+              <a:buNone/>
+              <a:tabLst/>
+            </a:pPr>
+            <a:r>
+              <a:rPr kumimoji="0" lang="de-DE" altLang="de-DE" sz="1200" b="0" i="0" u="none" strike="noStrike" cap="none" normalizeH="0" baseline="0" dirty="0" err="1" smtClean="0">
+                <a:ln>
+                  <a:noFill/>
+                </a:ln>
+                <a:solidFill>
+                  <a:srgbClr val="2B91AF"/>
+                </a:solidFill>
+                <a:effectLst/>
+                <a:latin typeface="Consolas" panose="020B0609020204030204" pitchFamily="49" charset="0"/>
+                <a:cs typeface="Consolas" panose="020B0609020204030204" pitchFamily="49" charset="0"/>
+              </a:rPr>
+              <a:t>ICrossover</a:t>
+            </a:r>
+            <a:r>
+              <a:rPr kumimoji="0" lang="de-DE" altLang="de-DE" sz="1200" b="0" i="0" u="none" strike="noStrike" cap="none" normalizeH="0" baseline="0" dirty="0" smtClean="0">
+                <a:ln>
+                  <a:noFill/>
+                </a:ln>
+                <a:solidFill>
+                  <a:srgbClr val="000000"/>
+                </a:solidFill>
+                <a:effectLst/>
+                <a:latin typeface="Consolas" panose="020B0609020204030204" pitchFamily="49" charset="0"/>
+                <a:cs typeface="Consolas" panose="020B0609020204030204" pitchFamily="49" charset="0"/>
+              </a:rPr>
+              <a:t> </a:t>
+            </a:r>
+            <a:r>
+              <a:rPr kumimoji="0" lang="de-DE" altLang="de-DE" sz="1200" b="0" i="0" u="none" strike="noStrike" cap="none" normalizeH="0" baseline="0" dirty="0" err="1" smtClean="0">
+                <a:ln>
+                  <a:noFill/>
+                </a:ln>
+                <a:solidFill>
+                  <a:srgbClr val="000000"/>
+                </a:solidFill>
+                <a:effectLst/>
+                <a:latin typeface="Consolas" panose="020B0609020204030204" pitchFamily="49" charset="0"/>
+                <a:cs typeface="Consolas" panose="020B0609020204030204" pitchFamily="49" charset="0"/>
+              </a:rPr>
+              <a:t>defaultCrossover</a:t>
+            </a:r>
+            <a:r>
+              <a:rPr kumimoji="0" lang="de-DE" altLang="de-DE" sz="1200" b="0" i="0" u="none" strike="noStrike" cap="none" normalizeH="0" baseline="0" dirty="0" smtClean="0">
+                <a:ln>
+                  <a:noFill/>
+                </a:ln>
+                <a:solidFill>
+                  <a:srgbClr val="000000"/>
+                </a:solidFill>
+                <a:effectLst/>
+                <a:latin typeface="Consolas" panose="020B0609020204030204" pitchFamily="49" charset="0"/>
+                <a:cs typeface="Consolas" panose="020B0609020204030204" pitchFamily="49" charset="0"/>
+              </a:rPr>
+              <a:t> = </a:t>
+            </a:r>
+            <a:r>
+              <a:rPr kumimoji="0" lang="de-DE" altLang="de-DE" sz="1200" b="0" i="0" u="none" strike="noStrike" cap="none" normalizeH="0" baseline="0" dirty="0" err="1" smtClean="0">
+                <a:ln>
+                  <a:noFill/>
+                </a:ln>
+                <a:solidFill>
+                  <a:srgbClr val="000000"/>
+                </a:solidFill>
+                <a:effectLst/>
+                <a:latin typeface="Consolas" panose="020B0609020204030204" pitchFamily="49" charset="0"/>
+                <a:cs typeface="Consolas" panose="020B0609020204030204" pitchFamily="49" charset="0"/>
+              </a:rPr>
+              <a:t>Problem.Operators.OfType</a:t>
+            </a:r>
+            <a:r>
+              <a:rPr kumimoji="0" lang="de-DE" altLang="de-DE" sz="1200" b="0" i="0" u="none" strike="noStrike" cap="none" normalizeH="0" baseline="0" dirty="0" smtClean="0">
+                <a:ln>
+                  <a:noFill/>
+                </a:ln>
+                <a:solidFill>
+                  <a:srgbClr val="000000"/>
+                </a:solidFill>
+                <a:effectLst/>
+                <a:latin typeface="Consolas" panose="020B0609020204030204" pitchFamily="49" charset="0"/>
+                <a:cs typeface="Consolas" panose="020B0609020204030204" pitchFamily="49" charset="0"/>
+              </a:rPr>
+              <a:t>&lt;</a:t>
+            </a:r>
+            <a:r>
+              <a:rPr kumimoji="0" lang="de-DE" altLang="de-DE" sz="1200" b="0" i="0" u="none" strike="noStrike" cap="none" normalizeH="0" baseline="0" dirty="0" err="1" smtClean="0">
+                <a:ln>
+                  <a:noFill/>
+                </a:ln>
+                <a:solidFill>
+                  <a:srgbClr val="2B91AF"/>
+                </a:solidFill>
+                <a:effectLst/>
+                <a:latin typeface="Consolas" panose="020B0609020204030204" pitchFamily="49" charset="0"/>
+                <a:cs typeface="Consolas" panose="020B0609020204030204" pitchFamily="49" charset="0"/>
+              </a:rPr>
+              <a:t>ICrossover</a:t>
+            </a:r>
+            <a:r>
+              <a:rPr kumimoji="0" lang="de-DE" altLang="de-DE" sz="1200" b="0" i="0" u="none" strike="noStrike" cap="none" normalizeH="0" baseline="0" dirty="0" smtClean="0">
+                <a:ln>
+                  <a:noFill/>
+                </a:ln>
+                <a:solidFill>
+                  <a:srgbClr val="000000"/>
+                </a:solidFill>
+                <a:effectLst/>
+                <a:latin typeface="Consolas" panose="020B0609020204030204" pitchFamily="49" charset="0"/>
+                <a:cs typeface="Consolas" panose="020B0609020204030204" pitchFamily="49" charset="0"/>
+              </a:rPr>
+              <a:t>&gt;().</a:t>
+            </a:r>
+            <a:r>
+              <a:rPr kumimoji="0" lang="de-DE" altLang="de-DE" sz="1200" b="0" i="0" u="none" strike="noStrike" cap="none" normalizeH="0" baseline="0" dirty="0" err="1" smtClean="0">
+                <a:ln>
+                  <a:noFill/>
+                </a:ln>
+                <a:solidFill>
+                  <a:srgbClr val="000000"/>
+                </a:solidFill>
+                <a:effectLst/>
+                <a:latin typeface="Consolas" panose="020B0609020204030204" pitchFamily="49" charset="0"/>
+                <a:cs typeface="Consolas" panose="020B0609020204030204" pitchFamily="49" charset="0"/>
+              </a:rPr>
+              <a:t>FirstOrDefault</a:t>
+            </a:r>
+            <a:r>
+              <a:rPr kumimoji="0" lang="de-DE" altLang="de-DE" sz="1200" b="0" i="0" u="none" strike="noStrike" cap="none" normalizeH="0" baseline="0" dirty="0" smtClean="0">
+                <a:ln>
+                  <a:noFill/>
+                </a:ln>
+                <a:solidFill>
+                  <a:srgbClr val="000000"/>
+                </a:solidFill>
+                <a:effectLst/>
+                <a:latin typeface="Consolas" panose="020B0609020204030204" pitchFamily="49" charset="0"/>
+                <a:cs typeface="Consolas" panose="020B0609020204030204" pitchFamily="49" charset="0"/>
+              </a:rPr>
+              <a:t>();       </a:t>
+            </a:r>
+          </a:p>
+          <a:p>
+            <a:pPr marL="0" marR="0" lvl="0" indent="0" algn="l" defTabSz="914400" rtl="0" eaLnBrk="0" fontAlgn="base" latinLnBrk="0" hangingPunct="0">
+              <a:lnSpc>
+                <a:spcPct val="100000"/>
+              </a:lnSpc>
+              <a:spcBef>
+                <a:spcPct val="0"/>
+              </a:spcBef>
+              <a:spcAft>
+                <a:spcPct val="0"/>
+              </a:spcAft>
+              <a:buClrTx/>
+              <a:buSzTx/>
+              <a:buFontTx/>
+              <a:buNone/>
+              <a:tabLst/>
+            </a:pPr>
+            <a:r>
+              <a:rPr kumimoji="0" lang="de-DE" altLang="de-DE" sz="1200" b="0" i="0" u="none" strike="noStrike" cap="none" normalizeH="0" baseline="0" dirty="0" err="1" smtClean="0">
+                <a:ln>
+                  <a:noFill/>
+                </a:ln>
+                <a:solidFill>
+                  <a:srgbClr val="0000FF"/>
+                </a:solidFill>
+                <a:effectLst/>
+                <a:latin typeface="Consolas" panose="020B0609020204030204" pitchFamily="49" charset="0"/>
+                <a:cs typeface="Consolas" panose="020B0609020204030204" pitchFamily="49" charset="0"/>
+              </a:rPr>
+              <a:t>foreach</a:t>
+            </a:r>
+            <a:r>
+              <a:rPr kumimoji="0" lang="de-DE" altLang="de-DE" sz="1200" b="0" i="0" u="none" strike="noStrike" cap="none" normalizeH="0" baseline="0" dirty="0" smtClean="0">
+                <a:ln>
+                  <a:noFill/>
+                </a:ln>
+                <a:solidFill>
+                  <a:srgbClr val="000000"/>
+                </a:solidFill>
+                <a:effectLst/>
+                <a:latin typeface="Consolas" panose="020B0609020204030204" pitchFamily="49" charset="0"/>
+                <a:cs typeface="Consolas" panose="020B0609020204030204" pitchFamily="49" charset="0"/>
+              </a:rPr>
+              <a:t> (</a:t>
+            </a:r>
+            <a:r>
+              <a:rPr kumimoji="0" lang="de-DE" altLang="de-DE" sz="1200" b="0" i="0" u="none" strike="noStrike" cap="none" normalizeH="0" baseline="0" dirty="0" err="1" smtClean="0">
+                <a:ln>
+                  <a:noFill/>
+                </a:ln>
+                <a:solidFill>
+                  <a:srgbClr val="2B91AF"/>
+                </a:solidFill>
+                <a:effectLst/>
+                <a:latin typeface="Consolas" panose="020B0609020204030204" pitchFamily="49" charset="0"/>
+                <a:cs typeface="Consolas" panose="020B0609020204030204" pitchFamily="49" charset="0"/>
+              </a:rPr>
+              <a:t>ICrossover</a:t>
+            </a:r>
+            <a:r>
+              <a:rPr kumimoji="0" lang="de-DE" altLang="de-DE" sz="1200" b="0" i="0" u="none" strike="noStrike" cap="none" normalizeH="0" baseline="0" dirty="0" smtClean="0">
+                <a:ln>
+                  <a:noFill/>
+                </a:ln>
+                <a:solidFill>
+                  <a:srgbClr val="000000"/>
+                </a:solidFill>
+                <a:effectLst/>
+                <a:latin typeface="Consolas" panose="020B0609020204030204" pitchFamily="49" charset="0"/>
+                <a:cs typeface="Consolas" panose="020B0609020204030204" pitchFamily="49" charset="0"/>
+              </a:rPr>
+              <a:t> </a:t>
+            </a:r>
+            <a:r>
+              <a:rPr kumimoji="0" lang="de-DE" altLang="de-DE" sz="1200" b="0" i="0" u="none" strike="noStrike" cap="none" normalizeH="0" baseline="0" dirty="0" err="1" smtClean="0">
+                <a:ln>
+                  <a:noFill/>
+                </a:ln>
+                <a:solidFill>
+                  <a:srgbClr val="000000"/>
+                </a:solidFill>
+                <a:effectLst/>
+                <a:latin typeface="Consolas" panose="020B0609020204030204" pitchFamily="49" charset="0"/>
+                <a:cs typeface="Consolas" panose="020B0609020204030204" pitchFamily="49" charset="0"/>
+              </a:rPr>
+              <a:t>crossover</a:t>
+            </a:r>
+            <a:r>
+              <a:rPr kumimoji="0" lang="de-DE" altLang="de-DE" sz="1200" b="0" i="0" u="none" strike="noStrike" cap="none" normalizeH="0" baseline="0" dirty="0" smtClean="0">
+                <a:ln>
+                  <a:noFill/>
+                </a:ln>
+                <a:solidFill>
+                  <a:srgbClr val="000000"/>
+                </a:solidFill>
+                <a:effectLst/>
+                <a:latin typeface="Consolas" panose="020B0609020204030204" pitchFamily="49" charset="0"/>
+                <a:cs typeface="Consolas" panose="020B0609020204030204" pitchFamily="49" charset="0"/>
+              </a:rPr>
+              <a:t> </a:t>
+            </a:r>
+            <a:r>
+              <a:rPr kumimoji="0" lang="de-DE" altLang="de-DE" sz="1200" b="0" i="0" u="none" strike="noStrike" cap="none" normalizeH="0" baseline="0" dirty="0" smtClean="0">
+                <a:ln>
+                  <a:noFill/>
+                </a:ln>
+                <a:solidFill>
+                  <a:srgbClr val="0000FF"/>
+                </a:solidFill>
+                <a:effectLst/>
+                <a:latin typeface="Consolas" panose="020B0609020204030204" pitchFamily="49" charset="0"/>
+                <a:cs typeface="Consolas" panose="020B0609020204030204" pitchFamily="49" charset="0"/>
+              </a:rPr>
+              <a:t>in</a:t>
+            </a:r>
+            <a:r>
+              <a:rPr kumimoji="0" lang="de-DE" altLang="de-DE" sz="1200" b="0" i="0" u="none" strike="noStrike" cap="none" normalizeH="0" baseline="0" dirty="0" smtClean="0">
+                <a:ln>
+                  <a:noFill/>
+                </a:ln>
+                <a:solidFill>
+                  <a:srgbClr val="000000"/>
+                </a:solidFill>
+                <a:effectLst/>
+                <a:latin typeface="Consolas" panose="020B0609020204030204" pitchFamily="49" charset="0"/>
+                <a:cs typeface="Consolas" panose="020B0609020204030204" pitchFamily="49" charset="0"/>
+              </a:rPr>
+              <a:t> </a:t>
+            </a:r>
+            <a:r>
+              <a:rPr kumimoji="0" lang="de-DE" altLang="de-DE" sz="1200" b="0" i="0" u="none" strike="noStrike" cap="none" normalizeH="0" baseline="0" dirty="0" err="1" smtClean="0">
+                <a:ln>
+                  <a:noFill/>
+                </a:ln>
+                <a:solidFill>
+                  <a:srgbClr val="000000"/>
+                </a:solidFill>
+                <a:effectLst/>
+                <a:latin typeface="Consolas" panose="020B0609020204030204" pitchFamily="49" charset="0"/>
+                <a:cs typeface="Consolas" panose="020B0609020204030204" pitchFamily="49" charset="0"/>
+              </a:rPr>
+              <a:t>Problem.Operators.OfType</a:t>
+            </a:r>
+            <a:r>
+              <a:rPr kumimoji="0" lang="de-DE" altLang="de-DE" sz="1200" b="0" i="0" u="none" strike="noStrike" cap="none" normalizeH="0" baseline="0" dirty="0" smtClean="0">
+                <a:ln>
+                  <a:noFill/>
+                </a:ln>
+                <a:solidFill>
+                  <a:srgbClr val="000000"/>
+                </a:solidFill>
+                <a:effectLst/>
+                <a:latin typeface="Consolas" panose="020B0609020204030204" pitchFamily="49" charset="0"/>
+                <a:cs typeface="Consolas" panose="020B0609020204030204" pitchFamily="49" charset="0"/>
+              </a:rPr>
+              <a:t>&lt;</a:t>
+            </a:r>
+            <a:r>
+              <a:rPr kumimoji="0" lang="de-DE" altLang="de-DE" sz="1200" b="0" i="0" u="none" strike="noStrike" cap="none" normalizeH="0" baseline="0" dirty="0" err="1" smtClean="0">
+                <a:ln>
+                  <a:noFill/>
+                </a:ln>
+                <a:solidFill>
+                  <a:srgbClr val="2B91AF"/>
+                </a:solidFill>
+                <a:effectLst/>
+                <a:latin typeface="Consolas" panose="020B0609020204030204" pitchFamily="49" charset="0"/>
+                <a:cs typeface="Consolas" panose="020B0609020204030204" pitchFamily="49" charset="0"/>
+              </a:rPr>
+              <a:t>ICrossover</a:t>
+            </a:r>
+            <a:r>
+              <a:rPr kumimoji="0" lang="de-DE" altLang="de-DE" sz="1200" b="0" i="0" u="none" strike="noStrike" cap="none" normalizeH="0" baseline="0" dirty="0" smtClean="0">
+                <a:ln>
+                  <a:noFill/>
+                </a:ln>
+                <a:solidFill>
+                  <a:srgbClr val="000000"/>
+                </a:solidFill>
+                <a:effectLst/>
+                <a:latin typeface="Consolas" panose="020B0609020204030204" pitchFamily="49" charset="0"/>
+                <a:cs typeface="Consolas" panose="020B0609020204030204" pitchFamily="49" charset="0"/>
+              </a:rPr>
+              <a:t>&gt;().</a:t>
+            </a:r>
+            <a:r>
+              <a:rPr kumimoji="0" lang="de-DE" altLang="de-DE" sz="1200" b="0" i="0" u="none" strike="noStrike" cap="none" normalizeH="0" baseline="0" dirty="0" err="1" smtClean="0">
+                <a:ln>
+                  <a:noFill/>
+                </a:ln>
+                <a:solidFill>
+                  <a:srgbClr val="000000"/>
+                </a:solidFill>
+                <a:effectLst/>
+                <a:latin typeface="Consolas" panose="020B0609020204030204" pitchFamily="49" charset="0"/>
+                <a:cs typeface="Consolas" panose="020B0609020204030204" pitchFamily="49" charset="0"/>
+              </a:rPr>
+              <a:t>OrderBy</a:t>
+            </a:r>
+            <a:r>
+              <a:rPr kumimoji="0" lang="de-DE" altLang="de-DE" sz="1200" b="0" i="0" u="none" strike="noStrike" cap="none" normalizeH="0" baseline="0" dirty="0" smtClean="0">
+                <a:ln>
+                  <a:noFill/>
+                </a:ln>
+                <a:solidFill>
+                  <a:srgbClr val="000000"/>
+                </a:solidFill>
+                <a:effectLst/>
+                <a:latin typeface="Consolas" panose="020B0609020204030204" pitchFamily="49" charset="0"/>
+                <a:cs typeface="Consolas" panose="020B0609020204030204" pitchFamily="49" charset="0"/>
+              </a:rPr>
+              <a:t>(x =&gt; </a:t>
+            </a:r>
+            <a:r>
+              <a:rPr kumimoji="0" lang="de-DE" altLang="de-DE" sz="1200" b="0" i="0" u="none" strike="noStrike" cap="none" normalizeH="0" baseline="0" dirty="0" err="1" smtClean="0">
+                <a:ln>
+                  <a:noFill/>
+                </a:ln>
+                <a:solidFill>
+                  <a:srgbClr val="000000"/>
+                </a:solidFill>
+                <a:effectLst/>
+                <a:latin typeface="Consolas" panose="020B0609020204030204" pitchFamily="49" charset="0"/>
+                <a:cs typeface="Consolas" panose="020B0609020204030204" pitchFamily="49" charset="0"/>
+              </a:rPr>
+              <a:t>x.Name</a:t>
+            </a:r>
+            <a:r>
+              <a:rPr kumimoji="0" lang="de-DE" altLang="de-DE" sz="1200" b="0" i="0" u="none" strike="noStrike" cap="none" normalizeH="0" baseline="0" dirty="0" smtClean="0">
+                <a:ln>
+                  <a:noFill/>
+                </a:ln>
+                <a:solidFill>
+                  <a:srgbClr val="000000"/>
+                </a:solidFill>
+                <a:effectLst/>
+                <a:latin typeface="Consolas" panose="020B0609020204030204" pitchFamily="49" charset="0"/>
+                <a:cs typeface="Consolas" panose="020B0609020204030204" pitchFamily="49" charset="0"/>
+              </a:rPr>
+              <a:t>)) </a:t>
+            </a:r>
+          </a:p>
+          <a:p>
+            <a:pPr marL="0" marR="0" lvl="0" indent="0" algn="l" defTabSz="914400" rtl="0" eaLnBrk="0" fontAlgn="base" latinLnBrk="0" hangingPunct="0">
+              <a:lnSpc>
+                <a:spcPct val="100000"/>
+              </a:lnSpc>
+              <a:spcBef>
+                <a:spcPct val="0"/>
+              </a:spcBef>
+              <a:spcAft>
+                <a:spcPct val="0"/>
+              </a:spcAft>
+              <a:buClrTx/>
+              <a:buSzTx/>
+              <a:buFontTx/>
+              <a:buNone/>
+              <a:tabLst/>
+            </a:pPr>
+            <a:r>
+              <a:rPr kumimoji="0" lang="de-DE" altLang="de-DE" sz="1200" b="0" i="0" u="none" strike="noStrike" cap="none" normalizeH="0" baseline="0" dirty="0" smtClean="0">
+                <a:ln>
+                  <a:noFill/>
+                </a:ln>
+                <a:solidFill>
+                  <a:srgbClr val="000000"/>
+                </a:solidFill>
+                <a:effectLst/>
+                <a:latin typeface="Consolas" panose="020B0609020204030204" pitchFamily="49" charset="0"/>
+                <a:cs typeface="Consolas" panose="020B0609020204030204" pitchFamily="49" charset="0"/>
+              </a:rPr>
+              <a:t>	</a:t>
+            </a:r>
+            <a:r>
+              <a:rPr kumimoji="0" lang="de-DE" altLang="de-DE" sz="1200" b="0" i="0" u="none" strike="noStrike" cap="none" normalizeH="0" baseline="0" dirty="0" err="1" smtClean="0">
+                <a:ln>
+                  <a:noFill/>
+                </a:ln>
+                <a:solidFill>
+                  <a:srgbClr val="000000"/>
+                </a:solidFill>
+                <a:effectLst/>
+                <a:latin typeface="Consolas" panose="020B0609020204030204" pitchFamily="49" charset="0"/>
+                <a:cs typeface="Consolas" panose="020B0609020204030204" pitchFamily="49" charset="0"/>
+              </a:rPr>
+              <a:t>CrossoverParameter.ValidValues.Add</a:t>
+            </a:r>
+            <a:r>
+              <a:rPr kumimoji="0" lang="de-DE" altLang="de-DE" sz="1200" b="0" i="0" u="none" strike="noStrike" cap="none" normalizeH="0" baseline="0" dirty="0" smtClean="0">
+                <a:ln>
+                  <a:noFill/>
+                </a:ln>
+                <a:solidFill>
+                  <a:srgbClr val="000000"/>
+                </a:solidFill>
+                <a:effectLst/>
+                <a:latin typeface="Consolas" panose="020B0609020204030204" pitchFamily="49" charset="0"/>
+                <a:cs typeface="Consolas" panose="020B0609020204030204" pitchFamily="49" charset="0"/>
+              </a:rPr>
+              <a:t>(</a:t>
+            </a:r>
+            <a:r>
+              <a:rPr kumimoji="0" lang="de-DE" altLang="de-DE" sz="1200" b="0" i="0" u="none" strike="noStrike" cap="none" normalizeH="0" baseline="0" dirty="0" err="1" smtClean="0">
+                <a:ln>
+                  <a:noFill/>
+                </a:ln>
+                <a:solidFill>
+                  <a:srgbClr val="000000"/>
+                </a:solidFill>
+                <a:effectLst/>
+                <a:latin typeface="Consolas" panose="020B0609020204030204" pitchFamily="49" charset="0"/>
+                <a:cs typeface="Consolas" panose="020B0609020204030204" pitchFamily="49" charset="0"/>
+              </a:rPr>
+              <a:t>crossover</a:t>
+            </a:r>
+            <a:r>
+              <a:rPr kumimoji="0" lang="de-DE" altLang="de-DE" sz="1200" b="0" i="0" u="none" strike="noStrike" cap="none" normalizeH="0" baseline="0" dirty="0" smtClean="0">
+                <a:ln>
+                  <a:noFill/>
+                </a:ln>
+                <a:solidFill>
+                  <a:srgbClr val="000000"/>
+                </a:solidFill>
+                <a:effectLst/>
+                <a:latin typeface="Consolas" panose="020B0609020204030204" pitchFamily="49" charset="0"/>
+                <a:cs typeface="Consolas" panose="020B0609020204030204" pitchFamily="49" charset="0"/>
+              </a:rPr>
+              <a:t>);</a:t>
+            </a:r>
+          </a:p>
+          <a:p>
+            <a:pPr marL="0" marR="0" lvl="0" indent="0" algn="l" defTabSz="914400" rtl="0" eaLnBrk="0" fontAlgn="base" latinLnBrk="0" hangingPunct="0">
+              <a:lnSpc>
+                <a:spcPct val="100000"/>
+              </a:lnSpc>
+              <a:spcBef>
+                <a:spcPct val="0"/>
+              </a:spcBef>
+              <a:spcAft>
+                <a:spcPct val="0"/>
+              </a:spcAft>
+              <a:buClrTx/>
+              <a:buSzTx/>
+              <a:buFontTx/>
+              <a:buNone/>
+              <a:tabLst/>
+            </a:pPr>
+            <a:r>
+              <a:rPr kumimoji="0" lang="de-DE" altLang="de-DE" sz="1200" b="0" i="0" u="none" strike="noStrike" cap="none" normalizeH="0" baseline="0" dirty="0" err="1" smtClean="0">
+                <a:ln>
+                  <a:noFill/>
+                </a:ln>
+                <a:solidFill>
+                  <a:srgbClr val="000000"/>
+                </a:solidFill>
+                <a:effectLst/>
+                <a:latin typeface="Consolas" panose="020B0609020204030204" pitchFamily="49" charset="0"/>
+                <a:cs typeface="Consolas" panose="020B0609020204030204" pitchFamily="49" charset="0"/>
+              </a:rPr>
+              <a:t>CrossoverParameter.Value</a:t>
+            </a:r>
+            <a:r>
+              <a:rPr kumimoji="0" lang="de-DE" altLang="de-DE" sz="1200" b="0" i="0" u="none" strike="noStrike" cap="none" normalizeH="0" baseline="0" dirty="0" smtClean="0">
+                <a:ln>
+                  <a:noFill/>
+                </a:ln>
+                <a:solidFill>
+                  <a:srgbClr val="000000"/>
+                </a:solidFill>
+                <a:effectLst/>
+                <a:latin typeface="Consolas" panose="020B0609020204030204" pitchFamily="49" charset="0"/>
+                <a:cs typeface="Consolas" panose="020B0609020204030204" pitchFamily="49" charset="0"/>
+              </a:rPr>
+              <a:t> = </a:t>
+            </a:r>
+            <a:r>
+              <a:rPr kumimoji="0" lang="de-DE" altLang="de-DE" sz="1200" b="0" i="0" u="none" strike="noStrike" cap="none" normalizeH="0" baseline="0" dirty="0" err="1" smtClean="0">
+                <a:ln>
+                  <a:noFill/>
+                </a:ln>
+                <a:solidFill>
+                  <a:srgbClr val="000000"/>
+                </a:solidFill>
+                <a:effectLst/>
+                <a:latin typeface="Consolas" panose="020B0609020204030204" pitchFamily="49" charset="0"/>
+                <a:cs typeface="Consolas" panose="020B0609020204030204" pitchFamily="49" charset="0"/>
+              </a:rPr>
+              <a:t>defaultCrossover</a:t>
+            </a:r>
+            <a:r>
+              <a:rPr kumimoji="0" lang="de-DE" altLang="de-DE" sz="1200" b="0" i="0" u="none" strike="noStrike" cap="none" normalizeH="0" baseline="0" dirty="0" smtClean="0">
+                <a:ln>
+                  <a:noFill/>
+                </a:ln>
+                <a:solidFill>
+                  <a:srgbClr val="000000"/>
+                </a:solidFill>
+                <a:effectLst/>
+                <a:latin typeface="Consolas" panose="020B0609020204030204" pitchFamily="49" charset="0"/>
+                <a:cs typeface="Consolas" panose="020B0609020204030204" pitchFamily="49" charset="0"/>
+              </a:rPr>
+              <a:t>;</a:t>
+            </a:r>
+            <a:endParaRPr kumimoji="0" lang="de-DE" altLang="de-DE" sz="3200" b="0" i="0" u="none" strike="noStrike" cap="none" normalizeH="0" baseline="0" dirty="0" smtClean="0">
+              <a:ln>
+                <a:noFill/>
+              </a:ln>
+              <a:solidFill>
+                <a:schemeClr val="tx1"/>
+              </a:solidFill>
+              <a:effectLst/>
+              <a:latin typeface="Arial" panose="020B0604020202020204" pitchFamily="34" charset="0"/>
+            </a:endParaRPr>
+          </a:p>
+        </p:txBody>
+      </p:sp>
+    </p:spTree>
+    <p:extLst>
+      <p:ext uri="{BB962C8B-B14F-4D97-AF65-F5344CB8AC3E}">
+        <p14:creationId xmlns:p14="http://schemas.microsoft.com/office/powerpoint/2010/main" val="4177544101"/>
+      </p:ext>
+    </p:extLst>
+  </p:cSld>
+  <p:clrMapOvr>
+    <a:masterClrMapping/>
+  </p:clrMapOvr>
+  <p:timing>
+    <p:tnLst>
+      <p:par>
+        <p:cTn id="1" dur="indefinite" restart="never" nodeType="tmRoot"/>
+      </p:par>
+    </p:tnLst>
+  </p:timing>
+</p:sld>
+</file>
+
+<file path=ppt/slides/slide12.xml><?xml version="1.0" encoding="utf-8"?>
+<p:sld xmlns:a="http://schemas.openxmlformats.org/drawingml/2006/main" xmlns:r="http://schemas.openxmlformats.org/officeDocument/2006/relationships" xmlns:p="http://schemas.openxmlformats.org/presentationml/2006/main">
+  <p:cSld>
+    <p:spTree>
+      <p:nvGrpSpPr>
+        <p:cNvPr id="1" name=""/>
+        <p:cNvGrpSpPr/>
+        <p:nvPr/>
+      </p:nvGrpSpPr>
+      <p:grpSpPr>
+        <a:xfrm>
+          <a:off x="0" y="0"/>
+          <a:ext cx="0" cy="0"/>
+          <a:chOff x="0" y="0"/>
+          <a:chExt cx="0" cy="0"/>
+        </a:xfrm>
+      </p:grpSpPr>
+      <p:sp>
+        <p:nvSpPr>
+          <p:cNvPr id="2" name="Titel 1"/>
+          <p:cNvSpPr>
+            <a:spLocks noGrp="1"/>
+          </p:cNvSpPr>
+          <p:nvPr>
+            <p:ph type="title"/>
+          </p:nvPr>
+        </p:nvSpPr>
+        <p:spPr/>
+        <p:txBody>
+          <a:bodyPr/>
+          <a:lstStyle/>
+          <a:p>
+            <a:r>
+              <a:rPr lang="de-AT" dirty="0" smtClean="0"/>
+              <a:t>Lookup Parameter</a:t>
+            </a:r>
+            <a:endParaRPr lang="de-AT" dirty="0"/>
+          </a:p>
+        </p:txBody>
+      </p:sp>
+      <p:sp>
+        <p:nvSpPr>
+          <p:cNvPr id="3" name="Inhaltsplatzhalter 2"/>
+          <p:cNvSpPr>
+            <a:spLocks noGrp="1"/>
+          </p:cNvSpPr>
+          <p:nvPr>
+            <p:ph idx="1"/>
+          </p:nvPr>
+        </p:nvSpPr>
+        <p:spPr/>
+        <p:txBody>
+          <a:bodyPr/>
+          <a:lstStyle/>
+          <a:p>
+            <a:r>
+              <a:rPr lang="de-AT" dirty="0" err="1" smtClean="0"/>
+              <a:t>Defining</a:t>
+            </a:r>
+            <a:r>
+              <a:rPr lang="de-AT" dirty="0" smtClean="0"/>
+              <a:t> </a:t>
+            </a:r>
+            <a:r>
+              <a:rPr lang="de-AT" dirty="0" err="1" smtClean="0"/>
+              <a:t>lookup</a:t>
+            </a:r>
+            <a:r>
+              <a:rPr lang="de-AT" dirty="0" smtClean="0"/>
+              <a:t> </a:t>
+            </a:r>
+            <a:r>
+              <a:rPr lang="de-AT" dirty="0" err="1" smtClean="0"/>
+              <a:t>parameter</a:t>
+            </a:r>
+            <a:r>
+              <a:rPr lang="de-AT" dirty="0" smtClean="0"/>
+              <a:t> </a:t>
+            </a:r>
+            <a:r>
+              <a:rPr lang="de-AT" dirty="0" err="1" smtClean="0"/>
+              <a:t>for</a:t>
+            </a:r>
+            <a:r>
+              <a:rPr lang="de-AT" dirty="0" smtClean="0"/>
+              <a:t> </a:t>
+            </a:r>
+            <a:r>
+              <a:rPr lang="de-AT" dirty="0" err="1" smtClean="0"/>
+              <a:t>crossover</a:t>
+            </a:r>
+            <a:r>
+              <a:rPr lang="de-AT" dirty="0" smtClean="0"/>
+              <a:t>:</a:t>
+            </a:r>
+          </a:p>
+          <a:p>
+            <a:endParaRPr lang="de-AT" dirty="0"/>
+          </a:p>
+          <a:p>
+            <a:endParaRPr lang="de-AT" dirty="0" smtClean="0"/>
+          </a:p>
+          <a:p>
+            <a:endParaRPr lang="de-AT" dirty="0"/>
+          </a:p>
+          <a:p>
+            <a:r>
+              <a:rPr lang="de-AT" dirty="0" err="1" smtClean="0"/>
+              <a:t>Defining</a:t>
+            </a:r>
+            <a:r>
+              <a:rPr lang="de-AT" dirty="0" smtClean="0"/>
+              <a:t> </a:t>
+            </a:r>
+            <a:r>
+              <a:rPr lang="de-AT" dirty="0" err="1" smtClean="0"/>
+              <a:t>lookup</a:t>
+            </a:r>
+            <a:r>
+              <a:rPr lang="de-AT" dirty="0" smtClean="0"/>
+              <a:t> </a:t>
+            </a:r>
+            <a:r>
+              <a:rPr lang="de-AT" dirty="0" err="1" smtClean="0"/>
+              <a:t>parameter</a:t>
+            </a:r>
+            <a:r>
+              <a:rPr lang="de-AT" dirty="0" smtClean="0"/>
+              <a:t> </a:t>
+            </a:r>
+            <a:r>
+              <a:rPr lang="de-AT" dirty="0" err="1" smtClean="0"/>
+              <a:t>for</a:t>
+            </a:r>
+            <a:r>
+              <a:rPr lang="de-AT" dirty="0" smtClean="0"/>
+              <a:t> </a:t>
+            </a:r>
+            <a:r>
+              <a:rPr lang="de-AT" dirty="0" err="1" smtClean="0"/>
+              <a:t>population</a:t>
+            </a:r>
+            <a:r>
+              <a:rPr lang="de-AT" dirty="0" smtClean="0"/>
+              <a:t> </a:t>
+            </a:r>
+            <a:r>
+              <a:rPr lang="de-AT" dirty="0" err="1" smtClean="0"/>
+              <a:t>size</a:t>
+            </a:r>
+            <a:r>
+              <a:rPr lang="de-AT" dirty="0" smtClean="0"/>
+              <a:t>:</a:t>
+            </a:r>
+            <a:endParaRPr lang="de-AT" dirty="0"/>
+          </a:p>
+        </p:txBody>
+      </p:sp>
+      <p:sp>
+        <p:nvSpPr>
+          <p:cNvPr id="4" name="Datumsplatzhalter 3"/>
+          <p:cNvSpPr>
+            <a:spLocks noGrp="1"/>
+          </p:cNvSpPr>
+          <p:nvPr>
+            <p:ph type="dt" sz="half" idx="10"/>
+          </p:nvPr>
+        </p:nvSpPr>
+        <p:spPr/>
+        <p:txBody>
+          <a:bodyPr/>
+          <a:lstStyle/>
+          <a:p>
+            <a:r>
+              <a:rPr lang="de-DE" smtClean="0"/>
+              <a:t>Programming HeuristicLab</a:t>
+            </a:r>
+            <a:endParaRPr lang="de-DE" dirty="0"/>
+          </a:p>
+        </p:txBody>
+      </p:sp>
+      <p:sp>
+        <p:nvSpPr>
+          <p:cNvPr id="5" name="Fußzeilenplatzhalter 4"/>
+          <p:cNvSpPr>
+            <a:spLocks noGrp="1"/>
+          </p:cNvSpPr>
+          <p:nvPr>
+            <p:ph type="ftr" sz="quarter" idx="11"/>
+          </p:nvPr>
+        </p:nvSpPr>
+        <p:spPr/>
+        <p:txBody>
+          <a:bodyPr/>
+          <a:lstStyle/>
+          <a:p>
+            <a:r>
+              <a:rPr lang="de-DE" smtClean="0"/>
+              <a:t>http://dev.heuristiclab.com</a:t>
+            </a:r>
+            <a:endParaRPr lang="de-DE"/>
+          </a:p>
+        </p:txBody>
+      </p:sp>
+      <p:sp>
+        <p:nvSpPr>
+          <p:cNvPr id="6" name="Foliennummernplatzhalter 5"/>
+          <p:cNvSpPr>
+            <a:spLocks noGrp="1"/>
+          </p:cNvSpPr>
+          <p:nvPr>
+            <p:ph type="sldNum" sz="quarter" idx="12"/>
+          </p:nvPr>
+        </p:nvSpPr>
+        <p:spPr/>
+        <p:txBody>
+          <a:bodyPr/>
+          <a:lstStyle/>
+          <a:p>
+            <a:fld id="{6C6AE60A-B69C-4790-82F7-3882EDF23186}" type="slidenum">
+              <a:rPr lang="de-DE" smtClean="0"/>
+              <a:pPr/>
+              <a:t>12</a:t>
+            </a:fld>
+            <a:endParaRPr lang="de-DE"/>
+          </a:p>
+        </p:txBody>
+      </p:sp>
+      <p:sp>
+        <p:nvSpPr>
+          <p:cNvPr id="7" name="Rectangle 1"/>
+          <p:cNvSpPr>
+            <a:spLocks noChangeArrowheads="1"/>
+          </p:cNvSpPr>
+          <p:nvPr/>
+        </p:nvSpPr>
+        <p:spPr bwMode="auto">
+          <a:xfrm>
+            <a:off x="818321" y="2280724"/>
+            <a:ext cx="7056784" cy="461665"/>
+          </a:xfrm>
+          <a:prstGeom prst="rect">
+            <a:avLst/>
+          </a:prstGeom>
+          <a:solidFill>
+            <a:srgbClr val="FFFFFF"/>
+          </a:solidFill>
+          <a:ln>
+            <a:noFill/>
+          </a:ln>
+          <a:effectLst/>
+          <a:extLst>
+            <a:ext uri="{91240B29-F687-4F45-9708-019B960494DF}">
+              <a14:hiddenLine xmlns:a14="http://schemas.microsoft.com/office/drawing/2010/main" w="9525">
+                <a:solidFill>
+                  <a:schemeClr val="tx1"/>
+                </a:solidFill>
+                <a:miter lim="800000"/>
+                <a:headEnd/>
+                <a:tailEnd/>
+              </a14:hiddenLine>
+            </a:ext>
+            <a:ext uri="{AF507438-7753-43E0-B8FC-AC1667EBCBE1}">
+              <a14:hiddenEffects xmlns:a14="http://schemas.microsoft.com/office/drawing/2010/main">
+                <a:effectLst>
+                  <a:outerShdw dist="35921" dir="2700000" algn="ctr" rotWithShape="0">
+                    <a:schemeClr val="bg2"/>
+                  </a:outerShdw>
+                </a:effectLst>
+              </a14:hiddenEffects>
+            </a:ext>
+          </a:extLst>
+        </p:spPr>
+        <p:txBody>
+          <a:bodyPr vert="horz" wrap="square" lIns="91440" tIns="45720" rIns="91440" bIns="45720" numCol="1" anchor="ctr" anchorCtr="0" compatLnSpc="1">
+            <a:prstTxWarp prst="textNoShape">
+              <a:avLst/>
+            </a:prstTxWarp>
+            <a:spAutoFit/>
+          </a:bodyPr>
+          <a:lstStyle/>
+          <a:p>
+            <a:pPr marL="0" marR="0" lvl="0" indent="0" algn="l" defTabSz="914400" rtl="0" eaLnBrk="0" fontAlgn="base" latinLnBrk="0" hangingPunct="0">
+              <a:lnSpc>
+                <a:spcPct val="100000"/>
+              </a:lnSpc>
+              <a:spcBef>
+                <a:spcPct val="0"/>
+              </a:spcBef>
+              <a:spcAft>
+                <a:spcPct val="0"/>
+              </a:spcAft>
+              <a:buClrTx/>
+              <a:buSzTx/>
+              <a:buFontTx/>
+              <a:buNone/>
+              <a:tabLst/>
+            </a:pPr>
+            <a:r>
+              <a:rPr kumimoji="0" lang="de-DE" altLang="de-DE" sz="1200" b="0" i="0" u="none" strike="noStrike" cap="none" normalizeH="0" baseline="0" dirty="0" err="1" smtClean="0">
+                <a:ln>
+                  <a:noFill/>
+                </a:ln>
+                <a:solidFill>
+                  <a:srgbClr val="000000"/>
+                </a:solidFill>
+                <a:effectLst/>
+                <a:latin typeface="Consolas" panose="020B0609020204030204" pitchFamily="49" charset="0"/>
+                <a:cs typeface="Consolas" panose="020B0609020204030204" pitchFamily="49" charset="0"/>
+              </a:rPr>
+              <a:t>Parameters.Add</a:t>
+            </a:r>
+            <a:r>
+              <a:rPr kumimoji="0" lang="de-DE" altLang="de-DE" sz="1200" b="0" i="0" u="none" strike="noStrike" cap="none" normalizeH="0" baseline="0" dirty="0" smtClean="0">
+                <a:ln>
+                  <a:noFill/>
+                </a:ln>
+                <a:solidFill>
+                  <a:srgbClr val="000000"/>
+                </a:solidFill>
+                <a:effectLst/>
+                <a:latin typeface="Consolas" panose="020B0609020204030204" pitchFamily="49" charset="0"/>
+                <a:cs typeface="Consolas" panose="020B0609020204030204" pitchFamily="49" charset="0"/>
+              </a:rPr>
+              <a:t>(</a:t>
+            </a:r>
+            <a:r>
+              <a:rPr kumimoji="0" lang="de-DE" altLang="de-DE" sz="1200" b="0" i="0" u="none" strike="noStrike" cap="none" normalizeH="0" baseline="0" dirty="0" err="1" smtClean="0">
+                <a:ln>
+                  <a:noFill/>
+                </a:ln>
+                <a:solidFill>
+                  <a:srgbClr val="0000FF"/>
+                </a:solidFill>
+                <a:effectLst/>
+                <a:latin typeface="Consolas" panose="020B0609020204030204" pitchFamily="49" charset="0"/>
+                <a:cs typeface="Consolas" panose="020B0609020204030204" pitchFamily="49" charset="0"/>
+              </a:rPr>
+              <a:t>new</a:t>
+            </a:r>
+            <a:r>
+              <a:rPr kumimoji="0" lang="de-DE" altLang="de-DE" sz="1200" b="0" i="0" u="none" strike="noStrike" cap="none" normalizeH="0" baseline="0" dirty="0" smtClean="0">
+                <a:ln>
+                  <a:noFill/>
+                </a:ln>
+                <a:solidFill>
+                  <a:srgbClr val="000000"/>
+                </a:solidFill>
+                <a:effectLst/>
+                <a:latin typeface="Consolas" panose="020B0609020204030204" pitchFamily="49" charset="0"/>
+                <a:cs typeface="Consolas" panose="020B0609020204030204" pitchFamily="49" charset="0"/>
+              </a:rPr>
+              <a:t> </a:t>
+            </a:r>
+            <a:r>
+              <a:rPr kumimoji="0" lang="de-DE" altLang="de-DE" sz="1200" b="0" i="0" u="none" strike="noStrike" cap="none" normalizeH="0" baseline="0" dirty="0" err="1" smtClean="0">
+                <a:ln>
+                  <a:noFill/>
+                </a:ln>
+                <a:solidFill>
+                  <a:srgbClr val="2B91AF"/>
+                </a:solidFill>
+                <a:effectLst/>
+                <a:latin typeface="Consolas" panose="020B0609020204030204" pitchFamily="49" charset="0"/>
+                <a:cs typeface="Consolas" panose="020B0609020204030204" pitchFamily="49" charset="0"/>
+              </a:rPr>
+              <a:t>ValueLookupParameter</a:t>
+            </a:r>
+            <a:r>
+              <a:rPr kumimoji="0" lang="de-DE" altLang="de-DE" sz="1200" b="0" i="0" u="none" strike="noStrike" cap="none" normalizeH="0" baseline="0" dirty="0" smtClean="0">
+                <a:ln>
+                  <a:noFill/>
+                </a:ln>
+                <a:solidFill>
+                  <a:srgbClr val="000000"/>
+                </a:solidFill>
+                <a:effectLst/>
+                <a:latin typeface="Consolas" panose="020B0609020204030204" pitchFamily="49" charset="0"/>
+                <a:cs typeface="Consolas" panose="020B0609020204030204" pitchFamily="49" charset="0"/>
+              </a:rPr>
+              <a:t>&lt;</a:t>
+            </a:r>
+            <a:r>
+              <a:rPr kumimoji="0" lang="de-DE" altLang="de-DE" sz="1200" b="0" i="0" u="none" strike="noStrike" cap="none" normalizeH="0" baseline="0" dirty="0" err="1" smtClean="0">
+                <a:ln>
+                  <a:noFill/>
+                </a:ln>
+                <a:solidFill>
+                  <a:srgbClr val="2B91AF"/>
+                </a:solidFill>
+                <a:effectLst/>
+                <a:latin typeface="Consolas" panose="020B0609020204030204" pitchFamily="49" charset="0"/>
+                <a:cs typeface="Consolas" panose="020B0609020204030204" pitchFamily="49" charset="0"/>
+              </a:rPr>
+              <a:t>IOperator</a:t>
+            </a:r>
+            <a:r>
+              <a:rPr kumimoji="0" lang="de-DE" altLang="de-DE" sz="1200" b="0" i="0" u="none" strike="noStrike" cap="none" normalizeH="0" baseline="0" dirty="0" smtClean="0">
+                <a:ln>
+                  <a:noFill/>
+                </a:ln>
+                <a:solidFill>
+                  <a:srgbClr val="000000"/>
+                </a:solidFill>
+                <a:effectLst/>
+                <a:latin typeface="Consolas" panose="020B0609020204030204" pitchFamily="49" charset="0"/>
+                <a:cs typeface="Consolas" panose="020B0609020204030204" pitchFamily="49" charset="0"/>
+              </a:rPr>
+              <a:t>&gt;(</a:t>
+            </a:r>
+            <a:r>
+              <a:rPr kumimoji="0" lang="de-DE" altLang="de-DE" sz="1200" b="0" i="0" u="none" strike="noStrike" cap="none" normalizeH="0" baseline="0" dirty="0" smtClean="0">
+                <a:ln>
+                  <a:noFill/>
+                </a:ln>
+                <a:solidFill>
+                  <a:srgbClr val="A31515"/>
+                </a:solidFill>
+                <a:effectLst/>
+                <a:latin typeface="Consolas" panose="020B0609020204030204" pitchFamily="49" charset="0"/>
+                <a:cs typeface="Consolas" panose="020B0609020204030204" pitchFamily="49" charset="0"/>
+              </a:rPr>
+              <a:t>"Crossover"</a:t>
+            </a:r>
+            <a:r>
+              <a:rPr kumimoji="0" lang="de-DE" altLang="de-DE" sz="1200" b="0" i="0" u="none" strike="noStrike" cap="none" normalizeH="0" baseline="0" dirty="0" smtClean="0">
+                <a:ln>
+                  <a:noFill/>
+                </a:ln>
+                <a:solidFill>
+                  <a:srgbClr val="000000"/>
+                </a:solidFill>
+                <a:effectLst/>
+                <a:latin typeface="Consolas" panose="020B0609020204030204" pitchFamily="49" charset="0"/>
+                <a:cs typeface="Consolas" panose="020B0609020204030204" pitchFamily="49" charset="0"/>
+              </a:rPr>
+              <a:t>, </a:t>
+            </a:r>
+          </a:p>
+          <a:p>
+            <a:pPr marL="0" marR="0" lvl="0" indent="0" algn="l" defTabSz="914400" rtl="0" eaLnBrk="0" fontAlgn="base" latinLnBrk="0" hangingPunct="0">
+              <a:lnSpc>
+                <a:spcPct val="100000"/>
+              </a:lnSpc>
+              <a:spcBef>
+                <a:spcPct val="0"/>
+              </a:spcBef>
+              <a:spcAft>
+                <a:spcPct val="0"/>
+              </a:spcAft>
+              <a:buClrTx/>
+              <a:buSzTx/>
+              <a:buFontTx/>
+              <a:buNone/>
+              <a:tabLst/>
+            </a:pPr>
+            <a:r>
+              <a:rPr kumimoji="0" lang="de-DE" altLang="de-DE" sz="1200" b="0" i="0" u="none" strike="noStrike" cap="none" normalizeH="0" baseline="0" dirty="0" smtClean="0">
+                <a:ln>
+                  <a:noFill/>
+                </a:ln>
+                <a:solidFill>
+                  <a:srgbClr val="A31515"/>
+                </a:solidFill>
+                <a:effectLst/>
+                <a:latin typeface="Consolas" panose="020B0609020204030204" pitchFamily="49" charset="0"/>
+                <a:cs typeface="Consolas" panose="020B0609020204030204" pitchFamily="49" charset="0"/>
+              </a:rPr>
+              <a:t>"The </a:t>
+            </a:r>
+            <a:r>
+              <a:rPr kumimoji="0" lang="de-DE" altLang="de-DE" sz="1200" b="0" i="0" u="none" strike="noStrike" cap="none" normalizeH="0" baseline="0" dirty="0" err="1" smtClean="0">
+                <a:ln>
+                  <a:noFill/>
+                </a:ln>
+                <a:solidFill>
+                  <a:srgbClr val="A31515"/>
+                </a:solidFill>
+                <a:effectLst/>
+                <a:latin typeface="Consolas" panose="020B0609020204030204" pitchFamily="49" charset="0"/>
+                <a:cs typeface="Consolas" panose="020B0609020204030204" pitchFamily="49" charset="0"/>
+              </a:rPr>
+              <a:t>operator</a:t>
+            </a:r>
+            <a:r>
+              <a:rPr kumimoji="0" lang="de-DE" altLang="de-DE" sz="1200" b="0" i="0" u="none" strike="noStrike" cap="none" normalizeH="0" baseline="0" dirty="0" smtClean="0">
+                <a:ln>
+                  <a:noFill/>
+                </a:ln>
+                <a:solidFill>
+                  <a:srgbClr val="A31515"/>
+                </a:solidFill>
+                <a:effectLst/>
+                <a:latin typeface="Consolas" panose="020B0609020204030204" pitchFamily="49" charset="0"/>
+                <a:cs typeface="Consolas" panose="020B0609020204030204" pitchFamily="49" charset="0"/>
+              </a:rPr>
+              <a:t> </a:t>
+            </a:r>
+            <a:r>
+              <a:rPr kumimoji="0" lang="de-DE" altLang="de-DE" sz="1200" b="0" i="0" u="none" strike="noStrike" cap="none" normalizeH="0" baseline="0" dirty="0" err="1" smtClean="0">
+                <a:ln>
+                  <a:noFill/>
+                </a:ln>
+                <a:solidFill>
+                  <a:srgbClr val="A31515"/>
+                </a:solidFill>
+                <a:effectLst/>
+                <a:latin typeface="Consolas" panose="020B0609020204030204" pitchFamily="49" charset="0"/>
+                <a:cs typeface="Consolas" panose="020B0609020204030204" pitchFamily="49" charset="0"/>
+              </a:rPr>
+              <a:t>used</a:t>
+            </a:r>
+            <a:r>
+              <a:rPr kumimoji="0" lang="de-DE" altLang="de-DE" sz="1200" b="0" i="0" u="none" strike="noStrike" cap="none" normalizeH="0" baseline="0" dirty="0" smtClean="0">
+                <a:ln>
+                  <a:noFill/>
+                </a:ln>
+                <a:solidFill>
+                  <a:srgbClr val="A31515"/>
+                </a:solidFill>
+                <a:effectLst/>
+                <a:latin typeface="Consolas" panose="020B0609020204030204" pitchFamily="49" charset="0"/>
+                <a:cs typeface="Consolas" panose="020B0609020204030204" pitchFamily="49" charset="0"/>
+              </a:rPr>
+              <a:t> </a:t>
+            </a:r>
+            <a:r>
+              <a:rPr kumimoji="0" lang="de-DE" altLang="de-DE" sz="1200" b="0" i="0" u="none" strike="noStrike" cap="none" normalizeH="0" baseline="0" dirty="0" err="1" smtClean="0">
+                <a:ln>
+                  <a:noFill/>
+                </a:ln>
+                <a:solidFill>
+                  <a:srgbClr val="A31515"/>
+                </a:solidFill>
+                <a:effectLst/>
+                <a:latin typeface="Consolas" panose="020B0609020204030204" pitchFamily="49" charset="0"/>
+                <a:cs typeface="Consolas" panose="020B0609020204030204" pitchFamily="49" charset="0"/>
+              </a:rPr>
+              <a:t>to</a:t>
+            </a:r>
+            <a:r>
+              <a:rPr kumimoji="0" lang="de-DE" altLang="de-DE" sz="1200" b="0" i="0" u="none" strike="noStrike" cap="none" normalizeH="0" baseline="0" dirty="0" smtClean="0">
+                <a:ln>
+                  <a:noFill/>
+                </a:ln>
+                <a:solidFill>
+                  <a:srgbClr val="A31515"/>
+                </a:solidFill>
+                <a:effectLst/>
+                <a:latin typeface="Consolas" panose="020B0609020204030204" pitchFamily="49" charset="0"/>
+                <a:cs typeface="Consolas" panose="020B0609020204030204" pitchFamily="49" charset="0"/>
+              </a:rPr>
+              <a:t> </a:t>
+            </a:r>
+            <a:r>
+              <a:rPr kumimoji="0" lang="de-DE" altLang="de-DE" sz="1200" b="0" i="0" u="none" strike="noStrike" cap="none" normalizeH="0" baseline="0" dirty="0" err="1" smtClean="0">
+                <a:ln>
+                  <a:noFill/>
+                </a:ln>
+                <a:solidFill>
+                  <a:srgbClr val="A31515"/>
+                </a:solidFill>
+                <a:effectLst/>
+                <a:latin typeface="Consolas" panose="020B0609020204030204" pitchFamily="49" charset="0"/>
+                <a:cs typeface="Consolas" panose="020B0609020204030204" pitchFamily="49" charset="0"/>
+              </a:rPr>
+              <a:t>cross</a:t>
+            </a:r>
+            <a:r>
+              <a:rPr kumimoji="0" lang="de-DE" altLang="de-DE" sz="1200" b="0" i="0" u="none" strike="noStrike" cap="none" normalizeH="0" baseline="0" dirty="0" smtClean="0">
+                <a:ln>
+                  <a:noFill/>
+                </a:ln>
+                <a:solidFill>
+                  <a:srgbClr val="A31515"/>
+                </a:solidFill>
+                <a:effectLst/>
+                <a:latin typeface="Consolas" panose="020B0609020204030204" pitchFamily="49" charset="0"/>
+                <a:cs typeface="Consolas" panose="020B0609020204030204" pitchFamily="49" charset="0"/>
+              </a:rPr>
+              <a:t> </a:t>
+            </a:r>
+            <a:r>
+              <a:rPr kumimoji="0" lang="de-DE" altLang="de-DE" sz="1200" b="0" i="0" u="none" strike="noStrike" cap="none" normalizeH="0" baseline="0" dirty="0" err="1" smtClean="0">
+                <a:ln>
+                  <a:noFill/>
+                </a:ln>
+                <a:solidFill>
+                  <a:srgbClr val="A31515"/>
+                </a:solidFill>
+                <a:effectLst/>
+                <a:latin typeface="Consolas" panose="020B0609020204030204" pitchFamily="49" charset="0"/>
+                <a:cs typeface="Consolas" panose="020B0609020204030204" pitchFamily="49" charset="0"/>
+              </a:rPr>
+              <a:t>solutions</a:t>
+            </a:r>
+            <a:r>
+              <a:rPr kumimoji="0" lang="de-DE" altLang="de-DE" sz="1200" b="0" i="0" u="none" strike="noStrike" cap="none" normalizeH="0" baseline="0" dirty="0" smtClean="0">
+                <a:ln>
+                  <a:noFill/>
+                </a:ln>
+                <a:solidFill>
+                  <a:srgbClr val="A31515"/>
+                </a:solidFill>
+                <a:effectLst/>
+                <a:latin typeface="Consolas" panose="020B0609020204030204" pitchFamily="49" charset="0"/>
+                <a:cs typeface="Consolas" panose="020B0609020204030204" pitchFamily="49" charset="0"/>
+              </a:rPr>
+              <a:t>."</a:t>
+            </a:r>
+            <a:r>
+              <a:rPr kumimoji="0" lang="de-DE" altLang="de-DE" sz="1200" b="0" i="0" u="none" strike="noStrike" cap="none" normalizeH="0" baseline="0" dirty="0" smtClean="0">
+                <a:ln>
+                  <a:noFill/>
+                </a:ln>
+                <a:solidFill>
+                  <a:srgbClr val="000000"/>
+                </a:solidFill>
+                <a:effectLst/>
+                <a:latin typeface="Consolas" panose="020B0609020204030204" pitchFamily="49" charset="0"/>
+                <a:cs typeface="Consolas" panose="020B0609020204030204" pitchFamily="49" charset="0"/>
+              </a:rPr>
+              <a:t>)); </a:t>
+            </a:r>
+            <a:endParaRPr kumimoji="0" lang="de-DE" altLang="de-DE" sz="3200" b="0" i="0" u="none" strike="noStrike" cap="none" normalizeH="0" baseline="0" dirty="0" smtClean="0">
+              <a:ln>
+                <a:noFill/>
+              </a:ln>
+              <a:solidFill>
+                <a:schemeClr val="tx1"/>
+              </a:solidFill>
+              <a:effectLst/>
+              <a:latin typeface="Arial" panose="020B0604020202020204" pitchFamily="34" charset="0"/>
+            </a:endParaRPr>
+          </a:p>
+        </p:txBody>
+      </p:sp>
+      <p:sp>
+        <p:nvSpPr>
+          <p:cNvPr id="8" name="Rectangle 2"/>
+          <p:cNvSpPr>
+            <a:spLocks noChangeArrowheads="1"/>
+          </p:cNvSpPr>
+          <p:nvPr/>
+        </p:nvSpPr>
+        <p:spPr bwMode="auto">
+          <a:xfrm>
+            <a:off x="818321" y="4615312"/>
+            <a:ext cx="6632917" cy="461665"/>
+          </a:xfrm>
+          <a:prstGeom prst="rect">
+            <a:avLst/>
+          </a:prstGeom>
+          <a:solidFill>
+            <a:srgbClr val="FFFFFF"/>
+          </a:solidFill>
+          <a:ln>
+            <a:noFill/>
+          </a:ln>
+          <a:effectLst/>
+          <a:extLst>
+            <a:ext uri="{91240B29-F687-4F45-9708-019B960494DF}">
+              <a14:hiddenLine xmlns:a14="http://schemas.microsoft.com/office/drawing/2010/main" w="9525">
+                <a:solidFill>
+                  <a:schemeClr val="tx1"/>
+                </a:solidFill>
+                <a:miter lim="800000"/>
+                <a:headEnd/>
+                <a:tailEnd/>
+              </a14:hiddenLine>
+            </a:ext>
+            <a:ext uri="{AF507438-7753-43E0-B8FC-AC1667EBCBE1}">
+              <a14:hiddenEffects xmlns:a14="http://schemas.microsoft.com/office/drawing/2010/main">
+                <a:effectLst>
+                  <a:outerShdw dist="35921" dir="2700000" algn="ctr" rotWithShape="0">
+                    <a:schemeClr val="bg2"/>
+                  </a:outerShdw>
+                </a:effectLst>
+              </a14:hiddenEffects>
+            </a:ext>
+          </a:extLst>
+        </p:spPr>
+        <p:txBody>
+          <a:bodyPr vert="horz" wrap="square" lIns="91440" tIns="45720" rIns="91440" bIns="45720" numCol="1" anchor="ctr" anchorCtr="0" compatLnSpc="1">
+            <a:prstTxWarp prst="textNoShape">
+              <a:avLst/>
+            </a:prstTxWarp>
+            <a:spAutoFit/>
+          </a:bodyPr>
+          <a:lstStyle/>
+          <a:p>
+            <a:pPr marL="0" marR="0" lvl="0" indent="0" algn="l" defTabSz="914400" rtl="0" eaLnBrk="0" fontAlgn="base" latinLnBrk="0" hangingPunct="0">
+              <a:lnSpc>
+                <a:spcPct val="100000"/>
+              </a:lnSpc>
+              <a:spcBef>
+                <a:spcPct val="0"/>
+              </a:spcBef>
+              <a:spcAft>
+                <a:spcPct val="0"/>
+              </a:spcAft>
+              <a:buClrTx/>
+              <a:buSzTx/>
+              <a:buFontTx/>
+              <a:buNone/>
+              <a:tabLst/>
+            </a:pPr>
+            <a:r>
+              <a:rPr kumimoji="0" lang="de-DE" altLang="de-DE" sz="1200" b="0" i="0" u="none" strike="noStrike" cap="none" normalizeH="0" baseline="0" dirty="0" err="1" smtClean="0">
+                <a:ln>
+                  <a:noFill/>
+                </a:ln>
+                <a:solidFill>
+                  <a:srgbClr val="000000"/>
+                </a:solidFill>
+                <a:effectLst/>
+                <a:latin typeface="Consolas" panose="020B0609020204030204" pitchFamily="49" charset="0"/>
+                <a:cs typeface="Consolas" panose="020B0609020204030204" pitchFamily="49" charset="0"/>
+              </a:rPr>
+              <a:t>Parameters.Add</a:t>
+            </a:r>
+            <a:r>
+              <a:rPr kumimoji="0" lang="de-DE" altLang="de-DE" sz="1200" b="0" i="0" u="none" strike="noStrike" cap="none" normalizeH="0" baseline="0" dirty="0" smtClean="0">
+                <a:ln>
+                  <a:noFill/>
+                </a:ln>
+                <a:solidFill>
+                  <a:srgbClr val="000000"/>
+                </a:solidFill>
+                <a:effectLst/>
+                <a:latin typeface="Consolas" panose="020B0609020204030204" pitchFamily="49" charset="0"/>
+                <a:cs typeface="Consolas" panose="020B0609020204030204" pitchFamily="49" charset="0"/>
+              </a:rPr>
+              <a:t>(</a:t>
+            </a:r>
+            <a:r>
+              <a:rPr kumimoji="0" lang="de-DE" altLang="de-DE" sz="1200" b="0" i="0" u="none" strike="noStrike" cap="none" normalizeH="0" baseline="0" dirty="0" err="1" smtClean="0">
+                <a:ln>
+                  <a:noFill/>
+                </a:ln>
+                <a:solidFill>
+                  <a:srgbClr val="0000FF"/>
+                </a:solidFill>
+                <a:effectLst/>
+                <a:latin typeface="Consolas" panose="020B0609020204030204" pitchFamily="49" charset="0"/>
+                <a:cs typeface="Consolas" panose="020B0609020204030204" pitchFamily="49" charset="0"/>
+              </a:rPr>
+              <a:t>new</a:t>
+            </a:r>
+            <a:r>
+              <a:rPr kumimoji="0" lang="de-DE" altLang="de-DE" sz="1200" b="0" i="0" u="none" strike="noStrike" cap="none" normalizeH="0" baseline="0" dirty="0" smtClean="0">
+                <a:ln>
+                  <a:noFill/>
+                </a:ln>
+                <a:solidFill>
+                  <a:srgbClr val="000000"/>
+                </a:solidFill>
+                <a:effectLst/>
+                <a:latin typeface="Consolas" panose="020B0609020204030204" pitchFamily="49" charset="0"/>
+                <a:cs typeface="Consolas" panose="020B0609020204030204" pitchFamily="49" charset="0"/>
+              </a:rPr>
+              <a:t> </a:t>
+            </a:r>
+            <a:r>
+              <a:rPr kumimoji="0" lang="de-DE" altLang="de-DE" sz="1200" b="0" i="0" u="none" strike="noStrike" cap="none" normalizeH="0" baseline="0" dirty="0" err="1" smtClean="0">
+                <a:ln>
+                  <a:noFill/>
+                </a:ln>
+                <a:solidFill>
+                  <a:srgbClr val="2B91AF"/>
+                </a:solidFill>
+                <a:effectLst/>
+                <a:latin typeface="Consolas" panose="020B0609020204030204" pitchFamily="49" charset="0"/>
+                <a:cs typeface="Consolas" panose="020B0609020204030204" pitchFamily="49" charset="0"/>
+              </a:rPr>
+              <a:t>ValueLookupParameter</a:t>
+            </a:r>
+            <a:r>
+              <a:rPr kumimoji="0" lang="de-DE" altLang="de-DE" sz="1200" b="0" i="0" u="none" strike="noStrike" cap="none" normalizeH="0" baseline="0" dirty="0" smtClean="0">
+                <a:ln>
+                  <a:noFill/>
+                </a:ln>
+                <a:solidFill>
+                  <a:srgbClr val="000000"/>
+                </a:solidFill>
+                <a:effectLst/>
+                <a:latin typeface="Consolas" panose="020B0609020204030204" pitchFamily="49" charset="0"/>
+                <a:cs typeface="Consolas" panose="020B0609020204030204" pitchFamily="49" charset="0"/>
+              </a:rPr>
+              <a:t>&lt;</a:t>
+            </a:r>
+            <a:r>
+              <a:rPr kumimoji="0" lang="de-DE" altLang="de-DE" sz="1200" b="0" i="0" u="none" strike="noStrike" cap="none" normalizeH="0" baseline="0" dirty="0" err="1" smtClean="0">
+                <a:ln>
+                  <a:noFill/>
+                </a:ln>
+                <a:solidFill>
+                  <a:srgbClr val="2B91AF"/>
+                </a:solidFill>
+                <a:effectLst/>
+                <a:latin typeface="Consolas" panose="020B0609020204030204" pitchFamily="49" charset="0"/>
+                <a:cs typeface="Consolas" panose="020B0609020204030204" pitchFamily="49" charset="0"/>
+              </a:rPr>
+              <a:t>IntValue</a:t>
+            </a:r>
+            <a:r>
+              <a:rPr kumimoji="0" lang="de-DE" altLang="de-DE" sz="1200" b="0" i="0" u="none" strike="noStrike" cap="none" normalizeH="0" baseline="0" dirty="0" smtClean="0">
+                <a:ln>
+                  <a:noFill/>
+                </a:ln>
+                <a:solidFill>
+                  <a:srgbClr val="000000"/>
+                </a:solidFill>
+                <a:effectLst/>
+                <a:latin typeface="Consolas" panose="020B0609020204030204" pitchFamily="49" charset="0"/>
+                <a:cs typeface="Consolas" panose="020B0609020204030204" pitchFamily="49" charset="0"/>
+              </a:rPr>
+              <a:t>&gt;(</a:t>
+            </a:r>
+            <a:r>
+              <a:rPr kumimoji="0" lang="de-DE" altLang="de-DE" sz="1200" b="0" i="0" u="none" strike="noStrike" cap="none" normalizeH="0" baseline="0" dirty="0" smtClean="0">
+                <a:ln>
+                  <a:noFill/>
+                </a:ln>
+                <a:solidFill>
+                  <a:srgbClr val="A31515"/>
+                </a:solidFill>
+                <a:effectLst/>
+                <a:latin typeface="Consolas" panose="020B0609020204030204" pitchFamily="49" charset="0"/>
+                <a:cs typeface="Consolas" panose="020B0609020204030204" pitchFamily="49" charset="0"/>
+              </a:rPr>
+              <a:t>"</a:t>
+            </a:r>
+            <a:r>
+              <a:rPr kumimoji="0" lang="de-DE" altLang="de-DE" sz="1200" b="0" i="0" u="none" strike="noStrike" cap="none" normalizeH="0" baseline="0" dirty="0" err="1" smtClean="0">
+                <a:ln>
+                  <a:noFill/>
+                </a:ln>
+                <a:solidFill>
+                  <a:srgbClr val="A31515"/>
+                </a:solidFill>
+                <a:effectLst/>
+                <a:latin typeface="Consolas" panose="020B0609020204030204" pitchFamily="49" charset="0"/>
+                <a:cs typeface="Consolas" panose="020B0609020204030204" pitchFamily="49" charset="0"/>
+              </a:rPr>
+              <a:t>PopulationSize</a:t>
+            </a:r>
+            <a:r>
+              <a:rPr kumimoji="0" lang="de-DE" altLang="de-DE" sz="1200" b="0" i="0" u="none" strike="noStrike" cap="none" normalizeH="0" baseline="0" dirty="0" smtClean="0">
+                <a:ln>
+                  <a:noFill/>
+                </a:ln>
+                <a:solidFill>
+                  <a:srgbClr val="A31515"/>
+                </a:solidFill>
+                <a:effectLst/>
+                <a:latin typeface="Consolas" panose="020B0609020204030204" pitchFamily="49" charset="0"/>
+                <a:cs typeface="Consolas" panose="020B0609020204030204" pitchFamily="49" charset="0"/>
+              </a:rPr>
+              <a:t>"</a:t>
+            </a:r>
+            <a:r>
+              <a:rPr kumimoji="0" lang="de-DE" altLang="de-DE" sz="1200" b="0" i="0" u="none" strike="noStrike" cap="none" normalizeH="0" baseline="0" dirty="0" smtClean="0">
+                <a:ln>
+                  <a:noFill/>
+                </a:ln>
+                <a:solidFill>
+                  <a:srgbClr val="000000"/>
+                </a:solidFill>
+                <a:effectLst/>
+                <a:latin typeface="Consolas" panose="020B0609020204030204" pitchFamily="49" charset="0"/>
+                <a:cs typeface="Consolas" panose="020B0609020204030204" pitchFamily="49" charset="0"/>
+              </a:rPr>
+              <a:t>, </a:t>
+            </a:r>
+          </a:p>
+          <a:p>
+            <a:pPr marL="0" marR="0" lvl="0" indent="0" algn="l" defTabSz="914400" rtl="0" eaLnBrk="0" fontAlgn="base" latinLnBrk="0" hangingPunct="0">
+              <a:lnSpc>
+                <a:spcPct val="100000"/>
+              </a:lnSpc>
+              <a:spcBef>
+                <a:spcPct val="0"/>
+              </a:spcBef>
+              <a:spcAft>
+                <a:spcPct val="0"/>
+              </a:spcAft>
+              <a:buClrTx/>
+              <a:buSzTx/>
+              <a:buFontTx/>
+              <a:buNone/>
+              <a:tabLst/>
+            </a:pPr>
+            <a:r>
+              <a:rPr kumimoji="0" lang="de-DE" altLang="de-DE" sz="1200" b="0" i="0" u="none" strike="noStrike" cap="none" normalizeH="0" baseline="0" dirty="0" smtClean="0">
+                <a:ln>
+                  <a:noFill/>
+                </a:ln>
+                <a:solidFill>
+                  <a:srgbClr val="A31515"/>
+                </a:solidFill>
+                <a:effectLst/>
+                <a:latin typeface="Consolas" panose="020B0609020204030204" pitchFamily="49" charset="0"/>
+                <a:cs typeface="Consolas" panose="020B0609020204030204" pitchFamily="49" charset="0"/>
+              </a:rPr>
+              <a:t>"The </a:t>
+            </a:r>
+            <a:r>
+              <a:rPr kumimoji="0" lang="de-DE" altLang="de-DE" sz="1200" b="0" i="0" u="none" strike="noStrike" cap="none" normalizeH="0" baseline="0" dirty="0" err="1" smtClean="0">
+                <a:ln>
+                  <a:noFill/>
+                </a:ln>
+                <a:solidFill>
+                  <a:srgbClr val="A31515"/>
+                </a:solidFill>
+                <a:effectLst/>
+                <a:latin typeface="Consolas" panose="020B0609020204030204" pitchFamily="49" charset="0"/>
+                <a:cs typeface="Consolas" panose="020B0609020204030204" pitchFamily="49" charset="0"/>
+              </a:rPr>
+              <a:t>size</a:t>
+            </a:r>
+            <a:r>
+              <a:rPr kumimoji="0" lang="de-DE" altLang="de-DE" sz="1200" b="0" i="0" u="none" strike="noStrike" cap="none" normalizeH="0" baseline="0" dirty="0" smtClean="0">
+                <a:ln>
+                  <a:noFill/>
+                </a:ln>
+                <a:solidFill>
+                  <a:srgbClr val="A31515"/>
+                </a:solidFill>
+                <a:effectLst/>
+                <a:latin typeface="Consolas" panose="020B0609020204030204" pitchFamily="49" charset="0"/>
+                <a:cs typeface="Consolas" panose="020B0609020204030204" pitchFamily="49" charset="0"/>
+              </a:rPr>
+              <a:t> </a:t>
+            </a:r>
+            <a:r>
+              <a:rPr kumimoji="0" lang="de-DE" altLang="de-DE" sz="1200" b="0" i="0" u="none" strike="noStrike" cap="none" normalizeH="0" baseline="0" dirty="0" err="1" smtClean="0">
+                <a:ln>
+                  <a:noFill/>
+                </a:ln>
+                <a:solidFill>
+                  <a:srgbClr val="A31515"/>
+                </a:solidFill>
+                <a:effectLst/>
+                <a:latin typeface="Consolas" panose="020B0609020204030204" pitchFamily="49" charset="0"/>
+                <a:cs typeface="Consolas" panose="020B0609020204030204" pitchFamily="49" charset="0"/>
+              </a:rPr>
+              <a:t>of</a:t>
+            </a:r>
+            <a:r>
+              <a:rPr kumimoji="0" lang="de-DE" altLang="de-DE" sz="1200" b="0" i="0" u="none" strike="noStrike" cap="none" normalizeH="0" baseline="0" dirty="0" smtClean="0">
+                <a:ln>
+                  <a:noFill/>
+                </a:ln>
+                <a:solidFill>
+                  <a:srgbClr val="A31515"/>
+                </a:solidFill>
+                <a:effectLst/>
+                <a:latin typeface="Consolas" panose="020B0609020204030204" pitchFamily="49" charset="0"/>
+                <a:cs typeface="Consolas" panose="020B0609020204030204" pitchFamily="49" charset="0"/>
+              </a:rPr>
+              <a:t> </a:t>
+            </a:r>
+            <a:r>
+              <a:rPr kumimoji="0" lang="de-DE" altLang="de-DE" sz="1200" b="0" i="0" u="none" strike="noStrike" cap="none" normalizeH="0" baseline="0" dirty="0" err="1" smtClean="0">
+                <a:ln>
+                  <a:noFill/>
+                </a:ln>
+                <a:solidFill>
+                  <a:srgbClr val="A31515"/>
+                </a:solidFill>
+                <a:effectLst/>
+                <a:latin typeface="Consolas" panose="020B0609020204030204" pitchFamily="49" charset="0"/>
+                <a:cs typeface="Consolas" panose="020B0609020204030204" pitchFamily="49" charset="0"/>
+              </a:rPr>
+              <a:t>the</a:t>
+            </a:r>
+            <a:r>
+              <a:rPr kumimoji="0" lang="de-DE" altLang="de-DE" sz="1200" b="0" i="0" u="none" strike="noStrike" cap="none" normalizeH="0" baseline="0" dirty="0" smtClean="0">
+                <a:ln>
+                  <a:noFill/>
+                </a:ln>
+                <a:solidFill>
+                  <a:srgbClr val="A31515"/>
+                </a:solidFill>
+                <a:effectLst/>
+                <a:latin typeface="Consolas" panose="020B0609020204030204" pitchFamily="49" charset="0"/>
+                <a:cs typeface="Consolas" panose="020B0609020204030204" pitchFamily="49" charset="0"/>
+              </a:rPr>
+              <a:t> </a:t>
+            </a:r>
+            <a:r>
+              <a:rPr kumimoji="0" lang="de-DE" altLang="de-DE" sz="1200" b="0" i="0" u="none" strike="noStrike" cap="none" normalizeH="0" baseline="0" dirty="0" err="1" smtClean="0">
+                <a:ln>
+                  <a:noFill/>
+                </a:ln>
+                <a:solidFill>
+                  <a:srgbClr val="A31515"/>
+                </a:solidFill>
+                <a:effectLst/>
+                <a:latin typeface="Consolas" panose="020B0609020204030204" pitchFamily="49" charset="0"/>
+                <a:cs typeface="Consolas" panose="020B0609020204030204" pitchFamily="49" charset="0"/>
+              </a:rPr>
+              <a:t>population</a:t>
+            </a:r>
+            <a:r>
+              <a:rPr kumimoji="0" lang="de-DE" altLang="de-DE" sz="1200" b="0" i="0" u="none" strike="noStrike" cap="none" normalizeH="0" baseline="0" dirty="0" smtClean="0">
+                <a:ln>
+                  <a:noFill/>
+                </a:ln>
+                <a:solidFill>
+                  <a:srgbClr val="A31515"/>
+                </a:solidFill>
+                <a:effectLst/>
+                <a:latin typeface="Consolas" panose="020B0609020204030204" pitchFamily="49" charset="0"/>
+                <a:cs typeface="Consolas" panose="020B0609020204030204" pitchFamily="49" charset="0"/>
+              </a:rPr>
+              <a:t>."</a:t>
+            </a:r>
+            <a:r>
+              <a:rPr kumimoji="0" lang="de-DE" altLang="de-DE" sz="1200" b="0" i="0" u="none" strike="noStrike" cap="none" normalizeH="0" baseline="0" dirty="0" smtClean="0">
+                <a:ln>
+                  <a:noFill/>
+                </a:ln>
+                <a:solidFill>
+                  <a:srgbClr val="000000"/>
+                </a:solidFill>
+                <a:effectLst/>
+                <a:latin typeface="Consolas" panose="020B0609020204030204" pitchFamily="49" charset="0"/>
+                <a:cs typeface="Consolas" panose="020B0609020204030204" pitchFamily="49" charset="0"/>
+              </a:rPr>
+              <a:t>)); </a:t>
+            </a:r>
+            <a:endParaRPr kumimoji="0" lang="de-DE" altLang="de-DE" sz="3200" b="0" i="0" u="none" strike="noStrike" cap="none" normalizeH="0" baseline="0" dirty="0" smtClean="0">
+              <a:ln>
+                <a:noFill/>
+              </a:ln>
+              <a:solidFill>
+                <a:schemeClr val="tx1"/>
+              </a:solidFill>
+              <a:effectLst/>
+              <a:latin typeface="Arial" panose="020B0604020202020204" pitchFamily="34" charset="0"/>
+            </a:endParaRPr>
+          </a:p>
+        </p:txBody>
+      </p:sp>
+      <p:sp>
+        <p:nvSpPr>
+          <p:cNvPr id="9" name="Rectangle 3"/>
+          <p:cNvSpPr>
+            <a:spLocks noChangeArrowheads="1"/>
+          </p:cNvSpPr>
+          <p:nvPr/>
+        </p:nvSpPr>
+        <p:spPr bwMode="auto">
+          <a:xfrm>
+            <a:off x="818321" y="2967395"/>
+            <a:ext cx="7989688" cy="646331"/>
+          </a:xfrm>
+          <a:prstGeom prst="rect">
+            <a:avLst/>
+          </a:prstGeom>
+          <a:solidFill>
+            <a:srgbClr val="FFFFFF"/>
+          </a:solidFill>
+          <a:ln>
+            <a:noFill/>
+          </a:ln>
+          <a:effectLst/>
+          <a:extLst>
+            <a:ext uri="{91240B29-F687-4F45-9708-019B960494DF}">
+              <a14:hiddenLine xmlns:a14="http://schemas.microsoft.com/office/drawing/2010/main" w="9525">
+                <a:solidFill>
+                  <a:schemeClr val="tx1"/>
+                </a:solidFill>
+                <a:miter lim="800000"/>
+                <a:headEnd/>
+                <a:tailEnd/>
+              </a14:hiddenLine>
+            </a:ext>
+            <a:ext uri="{AF507438-7753-43E0-B8FC-AC1667EBCBE1}">
+              <a14:hiddenEffects xmlns:a14="http://schemas.microsoft.com/office/drawing/2010/main">
+                <a:effectLst>
+                  <a:outerShdw dist="35921" dir="2700000" algn="ctr" rotWithShape="0">
+                    <a:schemeClr val="bg2"/>
+                  </a:outerShdw>
+                </a:effectLst>
+              </a14:hiddenEffects>
+            </a:ext>
+          </a:extLst>
+        </p:spPr>
+        <p:txBody>
+          <a:bodyPr vert="horz" wrap="none" lIns="91440" tIns="45720" rIns="91440" bIns="45720" numCol="1" anchor="ctr" anchorCtr="0" compatLnSpc="1">
+            <a:prstTxWarp prst="textNoShape">
+              <a:avLst/>
+            </a:prstTxWarp>
+            <a:spAutoFit/>
+          </a:bodyPr>
+          <a:lstStyle/>
+          <a:p>
+            <a:pPr marL="0" marR="0" lvl="0" indent="0" algn="l" defTabSz="914400" rtl="0" eaLnBrk="0" fontAlgn="base" latinLnBrk="0" hangingPunct="0">
+              <a:lnSpc>
+                <a:spcPct val="100000"/>
+              </a:lnSpc>
+              <a:spcBef>
+                <a:spcPct val="0"/>
+              </a:spcBef>
+              <a:spcAft>
+                <a:spcPct val="0"/>
+              </a:spcAft>
+              <a:buClrTx/>
+              <a:buSzTx/>
+              <a:buFontTx/>
+              <a:buNone/>
+              <a:tabLst/>
+            </a:pPr>
+            <a:r>
+              <a:rPr kumimoji="0" lang="de-DE" altLang="de-DE" sz="1200" b="0" i="0" u="none" strike="noStrike" cap="none" normalizeH="0" baseline="0" dirty="0" err="1" smtClean="0">
+                <a:ln>
+                  <a:noFill/>
+                </a:ln>
+                <a:solidFill>
+                  <a:srgbClr val="0000FF"/>
+                </a:solidFill>
+                <a:effectLst/>
+                <a:latin typeface="Consolas" panose="020B0609020204030204" pitchFamily="49" charset="0"/>
+                <a:cs typeface="Consolas" panose="020B0609020204030204" pitchFamily="49" charset="0"/>
+              </a:rPr>
+              <a:t>public</a:t>
+            </a:r>
+            <a:r>
+              <a:rPr kumimoji="0" lang="de-DE" altLang="de-DE" sz="1200" b="0" i="0" u="none" strike="noStrike" cap="none" normalizeH="0" baseline="0" dirty="0" smtClean="0">
+                <a:ln>
+                  <a:noFill/>
+                </a:ln>
+                <a:solidFill>
+                  <a:srgbClr val="000000"/>
+                </a:solidFill>
+                <a:effectLst/>
+                <a:latin typeface="Consolas" panose="020B0609020204030204" pitchFamily="49" charset="0"/>
+                <a:cs typeface="Consolas" panose="020B0609020204030204" pitchFamily="49" charset="0"/>
+              </a:rPr>
+              <a:t> </a:t>
+            </a:r>
+            <a:r>
+              <a:rPr kumimoji="0" lang="de-DE" altLang="de-DE" sz="1200" b="0" i="0" u="none" strike="noStrike" cap="none" normalizeH="0" baseline="0" dirty="0" err="1" smtClean="0">
+                <a:ln>
+                  <a:noFill/>
+                </a:ln>
+                <a:solidFill>
+                  <a:srgbClr val="2B91AF"/>
+                </a:solidFill>
+                <a:effectLst/>
+                <a:latin typeface="Consolas" panose="020B0609020204030204" pitchFamily="49" charset="0"/>
+                <a:cs typeface="Consolas" panose="020B0609020204030204" pitchFamily="49" charset="0"/>
+              </a:rPr>
+              <a:t>ValueLookupParameter</a:t>
+            </a:r>
+            <a:r>
+              <a:rPr kumimoji="0" lang="de-DE" altLang="de-DE" sz="1200" b="0" i="0" u="none" strike="noStrike" cap="none" normalizeH="0" baseline="0" dirty="0" smtClean="0">
+                <a:ln>
+                  <a:noFill/>
+                </a:ln>
+                <a:solidFill>
+                  <a:srgbClr val="000000"/>
+                </a:solidFill>
+                <a:effectLst/>
+                <a:latin typeface="Consolas" panose="020B0609020204030204" pitchFamily="49" charset="0"/>
+                <a:cs typeface="Consolas" panose="020B0609020204030204" pitchFamily="49" charset="0"/>
+              </a:rPr>
+              <a:t>&lt;</a:t>
+            </a:r>
+            <a:r>
+              <a:rPr kumimoji="0" lang="de-DE" altLang="de-DE" sz="1200" b="0" i="0" u="none" strike="noStrike" cap="none" normalizeH="0" baseline="0" dirty="0" err="1" smtClean="0">
+                <a:ln>
+                  <a:noFill/>
+                </a:ln>
+                <a:solidFill>
+                  <a:srgbClr val="2B91AF"/>
+                </a:solidFill>
+                <a:effectLst/>
+                <a:latin typeface="Consolas" panose="020B0609020204030204" pitchFamily="49" charset="0"/>
+                <a:cs typeface="Consolas" panose="020B0609020204030204" pitchFamily="49" charset="0"/>
+              </a:rPr>
+              <a:t>IntValue</a:t>
+            </a:r>
+            <a:r>
+              <a:rPr kumimoji="0" lang="de-DE" altLang="de-DE" sz="1200" b="0" i="0" u="none" strike="noStrike" cap="none" normalizeH="0" baseline="0" dirty="0" smtClean="0">
+                <a:ln>
+                  <a:noFill/>
+                </a:ln>
+                <a:solidFill>
+                  <a:srgbClr val="000000"/>
+                </a:solidFill>
+                <a:effectLst/>
+                <a:latin typeface="Consolas" panose="020B0609020204030204" pitchFamily="49" charset="0"/>
+                <a:cs typeface="Consolas" panose="020B0609020204030204" pitchFamily="49" charset="0"/>
+              </a:rPr>
+              <a:t>&gt; </a:t>
+            </a:r>
+            <a:r>
+              <a:rPr kumimoji="0" lang="de-DE" altLang="de-DE" sz="1200" b="0" i="0" u="none" strike="noStrike" cap="none" normalizeH="0" baseline="0" dirty="0" err="1" smtClean="0">
+                <a:ln>
+                  <a:noFill/>
+                </a:ln>
+                <a:solidFill>
+                  <a:srgbClr val="000000"/>
+                </a:solidFill>
+                <a:effectLst/>
+                <a:latin typeface="Consolas" panose="020B0609020204030204" pitchFamily="49" charset="0"/>
+                <a:cs typeface="Consolas" panose="020B0609020204030204" pitchFamily="49" charset="0"/>
+              </a:rPr>
+              <a:t>PopulationSizeParameter</a:t>
+            </a:r>
+            <a:r>
+              <a:rPr kumimoji="0" lang="de-DE" altLang="de-DE" sz="1200" b="0" i="0" u="none" strike="noStrike" cap="none" normalizeH="0" baseline="0" dirty="0" smtClean="0">
+                <a:ln>
+                  <a:noFill/>
+                </a:ln>
+                <a:solidFill>
+                  <a:srgbClr val="000000"/>
+                </a:solidFill>
+                <a:effectLst/>
+                <a:latin typeface="Consolas" panose="020B0609020204030204" pitchFamily="49" charset="0"/>
+                <a:cs typeface="Consolas" panose="020B0609020204030204" pitchFamily="49" charset="0"/>
+              </a:rPr>
+              <a:t> {       </a:t>
+            </a:r>
+          </a:p>
+          <a:p>
+            <a:pPr marL="0" marR="0" lvl="0" indent="0" algn="l" defTabSz="914400" rtl="0" eaLnBrk="0" fontAlgn="base" latinLnBrk="0" hangingPunct="0">
+              <a:lnSpc>
+                <a:spcPct val="100000"/>
+              </a:lnSpc>
+              <a:spcBef>
+                <a:spcPct val="0"/>
+              </a:spcBef>
+              <a:spcAft>
+                <a:spcPct val="0"/>
+              </a:spcAft>
+              <a:buClrTx/>
+              <a:buSzTx/>
+              <a:buFontTx/>
+              <a:buNone/>
+              <a:tabLst/>
+            </a:pPr>
+            <a:r>
+              <a:rPr lang="de-DE" altLang="de-DE" sz="1200" dirty="0">
+                <a:solidFill>
+                  <a:srgbClr val="000000"/>
+                </a:solidFill>
+                <a:latin typeface="Consolas" panose="020B0609020204030204" pitchFamily="49" charset="0"/>
+                <a:cs typeface="Consolas" panose="020B0609020204030204" pitchFamily="49" charset="0"/>
+              </a:rPr>
+              <a:t>	</a:t>
+            </a:r>
+            <a:r>
+              <a:rPr kumimoji="0" lang="de-DE" altLang="de-DE" sz="1200" b="0" i="0" u="none" strike="noStrike" cap="none" normalizeH="0" baseline="0" dirty="0" err="1" smtClean="0">
+                <a:ln>
+                  <a:noFill/>
+                </a:ln>
+                <a:solidFill>
+                  <a:srgbClr val="0000FF"/>
+                </a:solidFill>
+                <a:effectLst/>
+                <a:latin typeface="Consolas" panose="020B0609020204030204" pitchFamily="49" charset="0"/>
+                <a:cs typeface="Consolas" panose="020B0609020204030204" pitchFamily="49" charset="0"/>
+              </a:rPr>
+              <a:t>get</a:t>
+            </a:r>
+            <a:r>
+              <a:rPr kumimoji="0" lang="de-DE" altLang="de-DE" sz="1200" b="0" i="0" u="none" strike="noStrike" cap="none" normalizeH="0" baseline="0" dirty="0" smtClean="0">
+                <a:ln>
+                  <a:noFill/>
+                </a:ln>
+                <a:solidFill>
+                  <a:srgbClr val="000000"/>
+                </a:solidFill>
+                <a:effectLst/>
+                <a:latin typeface="Consolas" panose="020B0609020204030204" pitchFamily="49" charset="0"/>
+                <a:cs typeface="Consolas" panose="020B0609020204030204" pitchFamily="49" charset="0"/>
+              </a:rPr>
+              <a:t> { </a:t>
+            </a:r>
+            <a:r>
+              <a:rPr kumimoji="0" lang="de-DE" altLang="de-DE" sz="1200" b="0" i="0" u="none" strike="noStrike" cap="none" normalizeH="0" baseline="0" dirty="0" err="1" smtClean="0">
+                <a:ln>
+                  <a:noFill/>
+                </a:ln>
+                <a:solidFill>
+                  <a:srgbClr val="0000FF"/>
+                </a:solidFill>
+                <a:effectLst/>
+                <a:latin typeface="Consolas" panose="020B0609020204030204" pitchFamily="49" charset="0"/>
+                <a:cs typeface="Consolas" panose="020B0609020204030204" pitchFamily="49" charset="0"/>
+              </a:rPr>
+              <a:t>return</a:t>
+            </a:r>
+            <a:r>
+              <a:rPr kumimoji="0" lang="de-DE" altLang="de-DE" sz="1200" b="0" i="0" u="none" strike="noStrike" cap="none" normalizeH="0" baseline="0" dirty="0" smtClean="0">
+                <a:ln>
+                  <a:noFill/>
+                </a:ln>
+                <a:solidFill>
+                  <a:srgbClr val="000000"/>
+                </a:solidFill>
+                <a:effectLst/>
+                <a:latin typeface="Consolas" panose="020B0609020204030204" pitchFamily="49" charset="0"/>
+                <a:cs typeface="Consolas" panose="020B0609020204030204" pitchFamily="49" charset="0"/>
+              </a:rPr>
+              <a:t> (</a:t>
+            </a:r>
+            <a:r>
+              <a:rPr kumimoji="0" lang="de-DE" altLang="de-DE" sz="1200" b="0" i="0" u="none" strike="noStrike" cap="none" normalizeH="0" baseline="0" dirty="0" err="1" smtClean="0">
+                <a:ln>
+                  <a:noFill/>
+                </a:ln>
+                <a:solidFill>
+                  <a:srgbClr val="2B91AF"/>
+                </a:solidFill>
+                <a:effectLst/>
+                <a:latin typeface="Consolas" panose="020B0609020204030204" pitchFamily="49" charset="0"/>
+                <a:cs typeface="Consolas" panose="020B0609020204030204" pitchFamily="49" charset="0"/>
+              </a:rPr>
+              <a:t>ValueLookupParameter</a:t>
+            </a:r>
+            <a:r>
+              <a:rPr kumimoji="0" lang="de-DE" altLang="de-DE" sz="1200" b="0" i="0" u="none" strike="noStrike" cap="none" normalizeH="0" baseline="0" dirty="0" smtClean="0">
+                <a:ln>
+                  <a:noFill/>
+                </a:ln>
+                <a:solidFill>
+                  <a:srgbClr val="000000"/>
+                </a:solidFill>
+                <a:effectLst/>
+                <a:latin typeface="Consolas" panose="020B0609020204030204" pitchFamily="49" charset="0"/>
+                <a:cs typeface="Consolas" panose="020B0609020204030204" pitchFamily="49" charset="0"/>
+              </a:rPr>
+              <a:t>&lt;</a:t>
+            </a:r>
+            <a:r>
+              <a:rPr kumimoji="0" lang="de-DE" altLang="de-DE" sz="1200" b="0" i="0" u="none" strike="noStrike" cap="none" normalizeH="0" baseline="0" dirty="0" err="1" smtClean="0">
+                <a:ln>
+                  <a:noFill/>
+                </a:ln>
+                <a:solidFill>
+                  <a:srgbClr val="2B91AF"/>
+                </a:solidFill>
+                <a:effectLst/>
+                <a:latin typeface="Consolas" panose="020B0609020204030204" pitchFamily="49" charset="0"/>
+                <a:cs typeface="Consolas" panose="020B0609020204030204" pitchFamily="49" charset="0"/>
+              </a:rPr>
+              <a:t>IntValue</a:t>
+            </a:r>
+            <a:r>
+              <a:rPr kumimoji="0" lang="de-DE" altLang="de-DE" sz="1200" b="0" i="0" u="none" strike="noStrike" cap="none" normalizeH="0" baseline="0" dirty="0" smtClean="0">
+                <a:ln>
+                  <a:noFill/>
+                </a:ln>
+                <a:solidFill>
+                  <a:srgbClr val="000000"/>
+                </a:solidFill>
+                <a:effectLst/>
+                <a:latin typeface="Consolas" panose="020B0609020204030204" pitchFamily="49" charset="0"/>
+                <a:cs typeface="Consolas" panose="020B0609020204030204" pitchFamily="49" charset="0"/>
+              </a:rPr>
+              <a:t>&gt;)Parameters[</a:t>
+            </a:r>
+            <a:r>
+              <a:rPr kumimoji="0" lang="de-DE" altLang="de-DE" sz="1200" b="0" i="0" u="none" strike="noStrike" cap="none" normalizeH="0" baseline="0" dirty="0" smtClean="0">
+                <a:ln>
+                  <a:noFill/>
+                </a:ln>
+                <a:solidFill>
+                  <a:srgbClr val="A31515"/>
+                </a:solidFill>
+                <a:effectLst/>
+                <a:latin typeface="Consolas" panose="020B0609020204030204" pitchFamily="49" charset="0"/>
+                <a:cs typeface="Consolas" panose="020B0609020204030204" pitchFamily="49" charset="0"/>
+              </a:rPr>
+              <a:t>"</a:t>
+            </a:r>
+            <a:r>
+              <a:rPr kumimoji="0" lang="de-DE" altLang="de-DE" sz="1200" b="0" i="0" u="none" strike="noStrike" cap="none" normalizeH="0" baseline="0" dirty="0" err="1" smtClean="0">
+                <a:ln>
+                  <a:noFill/>
+                </a:ln>
+                <a:solidFill>
+                  <a:srgbClr val="A31515"/>
+                </a:solidFill>
+                <a:effectLst/>
+                <a:latin typeface="Consolas" panose="020B0609020204030204" pitchFamily="49" charset="0"/>
+                <a:cs typeface="Consolas" panose="020B0609020204030204" pitchFamily="49" charset="0"/>
+              </a:rPr>
+              <a:t>PopulationSize</a:t>
+            </a:r>
+            <a:r>
+              <a:rPr kumimoji="0" lang="de-DE" altLang="de-DE" sz="1200" b="0" i="0" u="none" strike="noStrike" cap="none" normalizeH="0" baseline="0" dirty="0" smtClean="0">
+                <a:ln>
+                  <a:noFill/>
+                </a:ln>
+                <a:solidFill>
+                  <a:srgbClr val="A31515"/>
+                </a:solidFill>
+                <a:effectLst/>
+                <a:latin typeface="Consolas" panose="020B0609020204030204" pitchFamily="49" charset="0"/>
+                <a:cs typeface="Consolas" panose="020B0609020204030204" pitchFamily="49" charset="0"/>
+              </a:rPr>
+              <a:t>"</a:t>
+            </a:r>
+            <a:r>
+              <a:rPr kumimoji="0" lang="de-DE" altLang="de-DE" sz="1200" b="0" i="0" u="none" strike="noStrike" cap="none" normalizeH="0" baseline="0" dirty="0" smtClean="0">
+                <a:ln>
+                  <a:noFill/>
+                </a:ln>
+                <a:solidFill>
+                  <a:srgbClr val="000000"/>
+                </a:solidFill>
+                <a:effectLst/>
+                <a:latin typeface="Consolas" panose="020B0609020204030204" pitchFamily="49" charset="0"/>
+                <a:cs typeface="Consolas" panose="020B0609020204030204" pitchFamily="49" charset="0"/>
+              </a:rPr>
+              <a:t>]; }     </a:t>
+            </a:r>
+          </a:p>
+          <a:p>
+            <a:pPr marL="0" marR="0" lvl="0" indent="0" algn="l" defTabSz="914400" rtl="0" eaLnBrk="0" fontAlgn="base" latinLnBrk="0" hangingPunct="0">
+              <a:lnSpc>
+                <a:spcPct val="100000"/>
+              </a:lnSpc>
+              <a:spcBef>
+                <a:spcPct val="0"/>
+              </a:spcBef>
+              <a:spcAft>
+                <a:spcPct val="0"/>
+              </a:spcAft>
+              <a:buClrTx/>
+              <a:buSzTx/>
+              <a:buFontTx/>
+              <a:buNone/>
+              <a:tabLst/>
+            </a:pPr>
+            <a:r>
+              <a:rPr kumimoji="0" lang="de-DE" altLang="de-DE" sz="1200" b="0" i="0" u="none" strike="noStrike" cap="none" normalizeH="0" baseline="0" dirty="0" smtClean="0">
+                <a:ln>
+                  <a:noFill/>
+                </a:ln>
+                <a:solidFill>
+                  <a:srgbClr val="000000"/>
+                </a:solidFill>
+                <a:effectLst/>
+                <a:latin typeface="Consolas" panose="020B0609020204030204" pitchFamily="49" charset="0"/>
+                <a:cs typeface="Consolas" panose="020B0609020204030204" pitchFamily="49" charset="0"/>
+              </a:rPr>
+              <a:t>}</a:t>
+            </a:r>
+            <a:endParaRPr kumimoji="0" lang="de-DE" altLang="de-DE" sz="3200" b="0" i="0" u="none" strike="noStrike" cap="none" normalizeH="0" baseline="0" dirty="0" smtClean="0">
+              <a:ln>
+                <a:noFill/>
+              </a:ln>
+              <a:solidFill>
+                <a:schemeClr val="tx1"/>
+              </a:solidFill>
+              <a:effectLst/>
+              <a:latin typeface="Arial" panose="020B0604020202020204" pitchFamily="34" charset="0"/>
+            </a:endParaRPr>
+          </a:p>
+        </p:txBody>
+      </p:sp>
+      <p:sp>
+        <p:nvSpPr>
+          <p:cNvPr id="10" name="Rectangle 4"/>
+          <p:cNvSpPr>
+            <a:spLocks noChangeArrowheads="1"/>
+          </p:cNvSpPr>
+          <p:nvPr/>
+        </p:nvSpPr>
+        <p:spPr bwMode="auto">
+          <a:xfrm>
+            <a:off x="818321" y="5307164"/>
+            <a:ext cx="7649851" cy="646331"/>
+          </a:xfrm>
+          <a:prstGeom prst="rect">
+            <a:avLst/>
+          </a:prstGeom>
+          <a:solidFill>
+            <a:srgbClr val="FFFFFF"/>
+          </a:solidFill>
+          <a:ln>
+            <a:noFill/>
+          </a:ln>
+          <a:effectLst/>
+          <a:extLst>
+            <a:ext uri="{91240B29-F687-4F45-9708-019B960494DF}">
+              <a14:hiddenLine xmlns:a14="http://schemas.microsoft.com/office/drawing/2010/main" w="9525">
+                <a:solidFill>
+                  <a:schemeClr val="tx1"/>
+                </a:solidFill>
+                <a:miter lim="800000"/>
+                <a:headEnd/>
+                <a:tailEnd/>
+              </a14:hiddenLine>
+            </a:ext>
+            <a:ext uri="{AF507438-7753-43E0-B8FC-AC1667EBCBE1}">
+              <a14:hiddenEffects xmlns:a14="http://schemas.microsoft.com/office/drawing/2010/main">
+                <a:effectLst>
+                  <a:outerShdw dist="35921" dir="2700000" algn="ctr" rotWithShape="0">
+                    <a:schemeClr val="bg2"/>
+                  </a:outerShdw>
+                </a:effectLst>
+              </a14:hiddenEffects>
+            </a:ext>
+          </a:extLst>
+        </p:spPr>
+        <p:txBody>
+          <a:bodyPr vert="horz" wrap="none" lIns="91440" tIns="45720" rIns="91440" bIns="45720" numCol="1" anchor="ctr" anchorCtr="0" compatLnSpc="1">
+            <a:prstTxWarp prst="textNoShape">
+              <a:avLst/>
+            </a:prstTxWarp>
+            <a:spAutoFit/>
+          </a:bodyPr>
+          <a:lstStyle/>
+          <a:p>
+            <a:pPr marL="0" marR="0" lvl="0" indent="0" algn="l" defTabSz="914400" rtl="0" eaLnBrk="0" fontAlgn="base" latinLnBrk="0" hangingPunct="0">
+              <a:lnSpc>
+                <a:spcPct val="100000"/>
+              </a:lnSpc>
+              <a:spcBef>
+                <a:spcPct val="0"/>
+              </a:spcBef>
+              <a:spcAft>
+                <a:spcPct val="0"/>
+              </a:spcAft>
+              <a:buClrTx/>
+              <a:buSzTx/>
+              <a:buFontTx/>
+              <a:buNone/>
+              <a:tabLst/>
+            </a:pPr>
+            <a:r>
+              <a:rPr kumimoji="0" lang="de-DE" altLang="de-DE" sz="1200" b="0" i="0" u="none" strike="noStrike" cap="none" normalizeH="0" baseline="0" dirty="0" err="1" smtClean="0">
+                <a:ln>
+                  <a:noFill/>
+                </a:ln>
+                <a:solidFill>
+                  <a:srgbClr val="0000FF"/>
+                </a:solidFill>
+                <a:effectLst/>
+                <a:latin typeface="Consolas" panose="020B0609020204030204" pitchFamily="49" charset="0"/>
+                <a:cs typeface="Consolas" panose="020B0609020204030204" pitchFamily="49" charset="0"/>
+              </a:rPr>
+              <a:t>public</a:t>
+            </a:r>
+            <a:r>
+              <a:rPr kumimoji="0" lang="de-DE" altLang="de-DE" sz="1200" b="0" i="0" u="none" strike="noStrike" cap="none" normalizeH="0" baseline="0" dirty="0" smtClean="0">
+                <a:ln>
+                  <a:noFill/>
+                </a:ln>
+                <a:solidFill>
+                  <a:srgbClr val="000000"/>
+                </a:solidFill>
+                <a:effectLst/>
+                <a:latin typeface="Consolas" panose="020B0609020204030204" pitchFamily="49" charset="0"/>
+                <a:cs typeface="Consolas" panose="020B0609020204030204" pitchFamily="49" charset="0"/>
+              </a:rPr>
+              <a:t> </a:t>
+            </a:r>
+            <a:r>
+              <a:rPr kumimoji="0" lang="de-DE" altLang="de-DE" sz="1200" b="0" i="0" u="none" strike="noStrike" cap="none" normalizeH="0" baseline="0" dirty="0" err="1" smtClean="0">
+                <a:ln>
+                  <a:noFill/>
+                </a:ln>
+                <a:solidFill>
+                  <a:srgbClr val="2B91AF"/>
+                </a:solidFill>
+                <a:effectLst/>
+                <a:latin typeface="Consolas" panose="020B0609020204030204" pitchFamily="49" charset="0"/>
+                <a:cs typeface="Consolas" panose="020B0609020204030204" pitchFamily="49" charset="0"/>
+              </a:rPr>
+              <a:t>ValueLookupParameter</a:t>
+            </a:r>
+            <a:r>
+              <a:rPr kumimoji="0" lang="de-DE" altLang="de-DE" sz="1200" b="0" i="0" u="none" strike="noStrike" cap="none" normalizeH="0" baseline="0" dirty="0" smtClean="0">
+                <a:ln>
+                  <a:noFill/>
+                </a:ln>
+                <a:solidFill>
+                  <a:srgbClr val="000000"/>
+                </a:solidFill>
+                <a:effectLst/>
+                <a:latin typeface="Consolas" panose="020B0609020204030204" pitchFamily="49" charset="0"/>
+                <a:cs typeface="Consolas" panose="020B0609020204030204" pitchFamily="49" charset="0"/>
+              </a:rPr>
+              <a:t>&lt;</a:t>
+            </a:r>
+            <a:r>
+              <a:rPr kumimoji="0" lang="de-DE" altLang="de-DE" sz="1200" b="0" i="0" u="none" strike="noStrike" cap="none" normalizeH="0" baseline="0" dirty="0" err="1" smtClean="0">
+                <a:ln>
+                  <a:noFill/>
+                </a:ln>
+                <a:solidFill>
+                  <a:srgbClr val="2B91AF"/>
+                </a:solidFill>
+                <a:effectLst/>
+                <a:latin typeface="Consolas" panose="020B0609020204030204" pitchFamily="49" charset="0"/>
+                <a:cs typeface="Consolas" panose="020B0609020204030204" pitchFamily="49" charset="0"/>
+              </a:rPr>
+              <a:t>IOperator</a:t>
+            </a:r>
+            <a:r>
+              <a:rPr kumimoji="0" lang="de-DE" altLang="de-DE" sz="1200" b="0" i="0" u="none" strike="noStrike" cap="none" normalizeH="0" baseline="0" dirty="0" smtClean="0">
+                <a:ln>
+                  <a:noFill/>
+                </a:ln>
+                <a:solidFill>
+                  <a:srgbClr val="000000"/>
+                </a:solidFill>
+                <a:effectLst/>
+                <a:latin typeface="Consolas" panose="020B0609020204030204" pitchFamily="49" charset="0"/>
+                <a:cs typeface="Consolas" panose="020B0609020204030204" pitchFamily="49" charset="0"/>
+              </a:rPr>
+              <a:t>&gt; </a:t>
+            </a:r>
+            <a:r>
+              <a:rPr kumimoji="0" lang="de-DE" altLang="de-DE" sz="1200" b="0" i="0" u="none" strike="noStrike" cap="none" normalizeH="0" baseline="0" dirty="0" err="1" smtClean="0">
+                <a:ln>
+                  <a:noFill/>
+                </a:ln>
+                <a:solidFill>
+                  <a:srgbClr val="000000"/>
+                </a:solidFill>
+                <a:effectLst/>
+                <a:latin typeface="Consolas" panose="020B0609020204030204" pitchFamily="49" charset="0"/>
+                <a:cs typeface="Consolas" panose="020B0609020204030204" pitchFamily="49" charset="0"/>
+              </a:rPr>
+              <a:t>CrossoverParameter</a:t>
+            </a:r>
+            <a:r>
+              <a:rPr kumimoji="0" lang="de-DE" altLang="de-DE" sz="1200" b="0" i="0" u="none" strike="noStrike" cap="none" normalizeH="0" baseline="0" dirty="0" smtClean="0">
+                <a:ln>
+                  <a:noFill/>
+                </a:ln>
+                <a:solidFill>
+                  <a:srgbClr val="000000"/>
+                </a:solidFill>
+                <a:effectLst/>
+                <a:latin typeface="Consolas" panose="020B0609020204030204" pitchFamily="49" charset="0"/>
+                <a:cs typeface="Consolas" panose="020B0609020204030204" pitchFamily="49" charset="0"/>
+              </a:rPr>
+              <a:t> {       </a:t>
+            </a:r>
+          </a:p>
+          <a:p>
+            <a:pPr marL="0" marR="0" lvl="0" indent="0" algn="l" defTabSz="914400" rtl="0" eaLnBrk="0" fontAlgn="base" latinLnBrk="0" hangingPunct="0">
+              <a:lnSpc>
+                <a:spcPct val="100000"/>
+              </a:lnSpc>
+              <a:spcBef>
+                <a:spcPct val="0"/>
+              </a:spcBef>
+              <a:spcAft>
+                <a:spcPct val="0"/>
+              </a:spcAft>
+              <a:buClrTx/>
+              <a:buSzTx/>
+              <a:buFontTx/>
+              <a:buNone/>
+              <a:tabLst/>
+            </a:pPr>
+            <a:r>
+              <a:rPr lang="de-DE" altLang="de-DE" sz="1200" dirty="0">
+                <a:solidFill>
+                  <a:srgbClr val="000000"/>
+                </a:solidFill>
+                <a:latin typeface="Consolas" panose="020B0609020204030204" pitchFamily="49" charset="0"/>
+                <a:cs typeface="Consolas" panose="020B0609020204030204" pitchFamily="49" charset="0"/>
+              </a:rPr>
+              <a:t>	</a:t>
+            </a:r>
+            <a:r>
+              <a:rPr kumimoji="0" lang="de-DE" altLang="de-DE" sz="1200" b="0" i="0" u="none" strike="noStrike" cap="none" normalizeH="0" baseline="0" dirty="0" err="1" smtClean="0">
+                <a:ln>
+                  <a:noFill/>
+                </a:ln>
+                <a:solidFill>
+                  <a:srgbClr val="0000FF"/>
+                </a:solidFill>
+                <a:effectLst/>
+                <a:latin typeface="Consolas" panose="020B0609020204030204" pitchFamily="49" charset="0"/>
+                <a:cs typeface="Consolas" panose="020B0609020204030204" pitchFamily="49" charset="0"/>
+              </a:rPr>
+              <a:t>get</a:t>
+            </a:r>
+            <a:r>
+              <a:rPr kumimoji="0" lang="de-DE" altLang="de-DE" sz="1200" b="0" i="0" u="none" strike="noStrike" cap="none" normalizeH="0" baseline="0" dirty="0" smtClean="0">
+                <a:ln>
+                  <a:noFill/>
+                </a:ln>
+                <a:solidFill>
+                  <a:srgbClr val="000000"/>
+                </a:solidFill>
+                <a:effectLst/>
+                <a:latin typeface="Consolas" panose="020B0609020204030204" pitchFamily="49" charset="0"/>
+                <a:cs typeface="Consolas" panose="020B0609020204030204" pitchFamily="49" charset="0"/>
+              </a:rPr>
+              <a:t> { </a:t>
+            </a:r>
+            <a:r>
+              <a:rPr kumimoji="0" lang="de-DE" altLang="de-DE" sz="1200" b="0" i="0" u="none" strike="noStrike" cap="none" normalizeH="0" baseline="0" dirty="0" err="1" smtClean="0">
+                <a:ln>
+                  <a:noFill/>
+                </a:ln>
+                <a:solidFill>
+                  <a:srgbClr val="0000FF"/>
+                </a:solidFill>
+                <a:effectLst/>
+                <a:latin typeface="Consolas" panose="020B0609020204030204" pitchFamily="49" charset="0"/>
+                <a:cs typeface="Consolas" panose="020B0609020204030204" pitchFamily="49" charset="0"/>
+              </a:rPr>
+              <a:t>return</a:t>
+            </a:r>
+            <a:r>
+              <a:rPr kumimoji="0" lang="de-DE" altLang="de-DE" sz="1200" b="0" i="0" u="none" strike="noStrike" cap="none" normalizeH="0" baseline="0" dirty="0" smtClean="0">
+                <a:ln>
+                  <a:noFill/>
+                </a:ln>
+                <a:solidFill>
+                  <a:srgbClr val="000000"/>
+                </a:solidFill>
+                <a:effectLst/>
+                <a:latin typeface="Consolas" panose="020B0609020204030204" pitchFamily="49" charset="0"/>
+                <a:cs typeface="Consolas" panose="020B0609020204030204" pitchFamily="49" charset="0"/>
+              </a:rPr>
+              <a:t> (</a:t>
+            </a:r>
+            <a:r>
+              <a:rPr kumimoji="0" lang="de-DE" altLang="de-DE" sz="1200" b="0" i="0" u="none" strike="noStrike" cap="none" normalizeH="0" baseline="0" dirty="0" err="1" smtClean="0">
+                <a:ln>
+                  <a:noFill/>
+                </a:ln>
+                <a:solidFill>
+                  <a:srgbClr val="2B91AF"/>
+                </a:solidFill>
+                <a:effectLst/>
+                <a:latin typeface="Consolas" panose="020B0609020204030204" pitchFamily="49" charset="0"/>
+                <a:cs typeface="Consolas" panose="020B0609020204030204" pitchFamily="49" charset="0"/>
+              </a:rPr>
+              <a:t>ValueLookupParameter</a:t>
+            </a:r>
+            <a:r>
+              <a:rPr kumimoji="0" lang="de-DE" altLang="de-DE" sz="1200" b="0" i="0" u="none" strike="noStrike" cap="none" normalizeH="0" baseline="0" dirty="0" smtClean="0">
+                <a:ln>
+                  <a:noFill/>
+                </a:ln>
+                <a:solidFill>
+                  <a:srgbClr val="000000"/>
+                </a:solidFill>
+                <a:effectLst/>
+                <a:latin typeface="Consolas" panose="020B0609020204030204" pitchFamily="49" charset="0"/>
+                <a:cs typeface="Consolas" panose="020B0609020204030204" pitchFamily="49" charset="0"/>
+              </a:rPr>
+              <a:t>&lt;</a:t>
+            </a:r>
+            <a:r>
+              <a:rPr kumimoji="0" lang="de-DE" altLang="de-DE" sz="1200" b="0" i="0" u="none" strike="noStrike" cap="none" normalizeH="0" baseline="0" dirty="0" err="1" smtClean="0">
+                <a:ln>
+                  <a:noFill/>
+                </a:ln>
+                <a:solidFill>
+                  <a:srgbClr val="2B91AF"/>
+                </a:solidFill>
+                <a:effectLst/>
+                <a:latin typeface="Consolas" panose="020B0609020204030204" pitchFamily="49" charset="0"/>
+                <a:cs typeface="Consolas" panose="020B0609020204030204" pitchFamily="49" charset="0"/>
+              </a:rPr>
+              <a:t>IOperator</a:t>
+            </a:r>
+            <a:r>
+              <a:rPr kumimoji="0" lang="de-DE" altLang="de-DE" sz="1200" b="0" i="0" u="none" strike="noStrike" cap="none" normalizeH="0" baseline="0" dirty="0" smtClean="0">
+                <a:ln>
+                  <a:noFill/>
+                </a:ln>
+                <a:solidFill>
+                  <a:srgbClr val="000000"/>
+                </a:solidFill>
+                <a:effectLst/>
+                <a:latin typeface="Consolas" panose="020B0609020204030204" pitchFamily="49" charset="0"/>
+                <a:cs typeface="Consolas" panose="020B0609020204030204" pitchFamily="49" charset="0"/>
+              </a:rPr>
+              <a:t>&gt;)Parameters[</a:t>
+            </a:r>
+            <a:r>
+              <a:rPr kumimoji="0" lang="de-DE" altLang="de-DE" sz="1200" b="0" i="0" u="none" strike="noStrike" cap="none" normalizeH="0" baseline="0" dirty="0" smtClean="0">
+                <a:ln>
+                  <a:noFill/>
+                </a:ln>
+                <a:solidFill>
+                  <a:srgbClr val="A31515"/>
+                </a:solidFill>
+                <a:effectLst/>
+                <a:latin typeface="Consolas" panose="020B0609020204030204" pitchFamily="49" charset="0"/>
+                <a:cs typeface="Consolas" panose="020B0609020204030204" pitchFamily="49" charset="0"/>
+              </a:rPr>
+              <a:t>"Crossover"</a:t>
+            </a:r>
+            <a:r>
+              <a:rPr kumimoji="0" lang="de-DE" altLang="de-DE" sz="1200" b="0" i="0" u="none" strike="noStrike" cap="none" normalizeH="0" baseline="0" dirty="0" smtClean="0">
+                <a:ln>
+                  <a:noFill/>
+                </a:ln>
+                <a:solidFill>
+                  <a:srgbClr val="000000"/>
+                </a:solidFill>
+                <a:effectLst/>
+                <a:latin typeface="Consolas" panose="020B0609020204030204" pitchFamily="49" charset="0"/>
+                <a:cs typeface="Consolas" panose="020B0609020204030204" pitchFamily="49" charset="0"/>
+              </a:rPr>
+              <a:t>]; }     </a:t>
+            </a:r>
+          </a:p>
+          <a:p>
+            <a:pPr marL="0" marR="0" lvl="0" indent="0" algn="l" defTabSz="914400" rtl="0" eaLnBrk="0" fontAlgn="base" latinLnBrk="0" hangingPunct="0">
+              <a:lnSpc>
+                <a:spcPct val="100000"/>
+              </a:lnSpc>
+              <a:spcBef>
+                <a:spcPct val="0"/>
+              </a:spcBef>
+              <a:spcAft>
+                <a:spcPct val="0"/>
+              </a:spcAft>
+              <a:buClrTx/>
+              <a:buSzTx/>
+              <a:buFontTx/>
+              <a:buNone/>
+              <a:tabLst/>
+            </a:pPr>
+            <a:r>
+              <a:rPr kumimoji="0" lang="de-DE" altLang="de-DE" sz="1200" b="0" i="0" u="none" strike="noStrike" cap="none" normalizeH="0" baseline="0" dirty="0" smtClean="0">
+                <a:ln>
+                  <a:noFill/>
+                </a:ln>
+                <a:solidFill>
+                  <a:srgbClr val="000000"/>
+                </a:solidFill>
+                <a:effectLst/>
+                <a:latin typeface="Consolas" panose="020B0609020204030204" pitchFamily="49" charset="0"/>
+                <a:cs typeface="Consolas" panose="020B0609020204030204" pitchFamily="49" charset="0"/>
+              </a:rPr>
+              <a:t>}</a:t>
+            </a:r>
+            <a:endParaRPr kumimoji="0" lang="de-DE" altLang="de-DE" sz="3200" b="0" i="0" u="none" strike="noStrike" cap="none" normalizeH="0" baseline="0" dirty="0" smtClean="0">
+              <a:ln>
+                <a:noFill/>
+              </a:ln>
+              <a:solidFill>
+                <a:schemeClr val="tx1"/>
+              </a:solidFill>
+              <a:effectLst/>
+              <a:latin typeface="Arial" panose="020B0604020202020204" pitchFamily="34" charset="0"/>
+            </a:endParaRPr>
+          </a:p>
+        </p:txBody>
+      </p:sp>
+    </p:spTree>
+    <p:extLst>
+      <p:ext uri="{BB962C8B-B14F-4D97-AF65-F5344CB8AC3E}">
+        <p14:creationId xmlns:p14="http://schemas.microsoft.com/office/powerpoint/2010/main" val="2376115448"/>
+      </p:ext>
+    </p:extLst>
+  </p:cSld>
+  <p:clrMapOvr>
+    <a:masterClrMapping/>
+  </p:clrMapOvr>
+</p:sld>
+</file>
+
+<file path=ppt/slides/slide13.xml><?xml version="1.0" encoding="utf-8"?>
+<p:sld xmlns:a="http://schemas.openxmlformats.org/drawingml/2006/main" xmlns:r="http://schemas.openxmlformats.org/officeDocument/2006/relationships" xmlns:p="http://schemas.openxmlformats.org/presentationml/2006/main">
+  <p:cSld>
+    <p:spTree>
+      <p:nvGrpSpPr>
+        <p:cNvPr id="1" name=""/>
+        <p:cNvGrpSpPr/>
+        <p:nvPr/>
+      </p:nvGrpSpPr>
+      <p:grpSpPr>
+        <a:xfrm>
+          <a:off x="0" y="0"/>
+          <a:ext cx="0" cy="0"/>
+          <a:chOff x="0" y="0"/>
+          <a:chExt cx="0" cy="0"/>
+        </a:xfrm>
+      </p:grpSpPr>
+      <p:sp>
+        <p:nvSpPr>
+          <p:cNvPr id="2" name="Titel 1"/>
+          <p:cNvSpPr>
+            <a:spLocks noGrp="1"/>
+          </p:cNvSpPr>
+          <p:nvPr>
+            <p:ph type="title"/>
+          </p:nvPr>
+        </p:nvSpPr>
+        <p:spPr/>
+        <p:txBody>
+          <a:bodyPr/>
+          <a:lstStyle/>
+          <a:p>
+            <a:r>
+              <a:rPr lang="de-AT" dirty="0" err="1" smtClean="0"/>
+              <a:t>Use</a:t>
+            </a:r>
+            <a:r>
+              <a:rPr lang="de-AT" dirty="0" smtClean="0"/>
+              <a:t> Lookup Parameter</a:t>
+            </a:r>
+            <a:endParaRPr lang="de-AT" dirty="0"/>
+          </a:p>
+        </p:txBody>
+      </p:sp>
+      <p:sp>
+        <p:nvSpPr>
+          <p:cNvPr id="3" name="Inhaltsplatzhalter 2"/>
+          <p:cNvSpPr>
+            <a:spLocks noGrp="1"/>
+          </p:cNvSpPr>
+          <p:nvPr>
+            <p:ph idx="1"/>
+          </p:nvPr>
+        </p:nvSpPr>
+        <p:spPr/>
+        <p:txBody>
+          <a:bodyPr/>
+          <a:lstStyle/>
+          <a:p>
+            <a:r>
+              <a:rPr lang="de-AT" dirty="0" err="1"/>
+              <a:t>Use</a:t>
+            </a:r>
+            <a:r>
+              <a:rPr lang="de-AT" dirty="0"/>
+              <a:t> </a:t>
+            </a:r>
+            <a:r>
+              <a:rPr lang="de-AT" dirty="0" err="1"/>
+              <a:t>crossover</a:t>
+            </a:r>
+            <a:r>
+              <a:rPr lang="de-AT" dirty="0"/>
+              <a:t> </a:t>
+            </a:r>
+            <a:r>
+              <a:rPr lang="de-AT" dirty="0" err="1"/>
+              <a:t>parameter</a:t>
+            </a:r>
+            <a:r>
+              <a:rPr lang="de-AT" dirty="0"/>
+              <a:t>:</a:t>
+            </a:r>
+          </a:p>
+          <a:p>
+            <a:endParaRPr lang="de-AT" dirty="0"/>
+          </a:p>
+          <a:p>
+            <a:endParaRPr lang="de-AT" dirty="0"/>
+          </a:p>
+          <a:p>
+            <a:r>
+              <a:rPr lang="de-AT" dirty="0" err="1"/>
+              <a:t>Use</a:t>
+            </a:r>
+            <a:r>
+              <a:rPr lang="de-AT" dirty="0"/>
+              <a:t> </a:t>
+            </a:r>
+            <a:r>
+              <a:rPr lang="de-AT" dirty="0" err="1"/>
+              <a:t>PopulationSize</a:t>
+            </a:r>
+            <a:r>
+              <a:rPr lang="de-AT" dirty="0"/>
+              <a:t> </a:t>
+            </a:r>
+            <a:r>
+              <a:rPr lang="de-AT" dirty="0" err="1"/>
+              <a:t>parameter</a:t>
+            </a:r>
+            <a:r>
+              <a:rPr lang="de-AT" dirty="0"/>
+              <a:t>:</a:t>
+            </a:r>
+          </a:p>
+          <a:p>
+            <a:endParaRPr lang="de-AT" dirty="0"/>
+          </a:p>
+        </p:txBody>
+      </p:sp>
+      <p:sp>
+        <p:nvSpPr>
+          <p:cNvPr id="4" name="Datumsplatzhalter 3"/>
+          <p:cNvSpPr>
+            <a:spLocks noGrp="1"/>
+          </p:cNvSpPr>
+          <p:nvPr>
+            <p:ph type="dt" sz="half" idx="10"/>
+          </p:nvPr>
+        </p:nvSpPr>
+        <p:spPr/>
+        <p:txBody>
+          <a:bodyPr/>
+          <a:lstStyle/>
+          <a:p>
+            <a:r>
+              <a:rPr lang="de-DE" smtClean="0"/>
+              <a:t>Programming HeuristicLab</a:t>
+            </a:r>
+            <a:endParaRPr lang="de-DE" dirty="0"/>
+          </a:p>
+        </p:txBody>
+      </p:sp>
+      <p:sp>
+        <p:nvSpPr>
+          <p:cNvPr id="5" name="Fußzeilenplatzhalter 4"/>
+          <p:cNvSpPr>
+            <a:spLocks noGrp="1"/>
+          </p:cNvSpPr>
+          <p:nvPr>
+            <p:ph type="ftr" sz="quarter" idx="11"/>
+          </p:nvPr>
+        </p:nvSpPr>
+        <p:spPr/>
+        <p:txBody>
+          <a:bodyPr/>
+          <a:lstStyle/>
+          <a:p>
+            <a:r>
+              <a:rPr lang="de-DE" smtClean="0"/>
+              <a:t>http://dev.heuristiclab.com</a:t>
+            </a:r>
+            <a:endParaRPr lang="de-DE"/>
+          </a:p>
+        </p:txBody>
+      </p:sp>
+      <p:sp>
+        <p:nvSpPr>
+          <p:cNvPr id="6" name="Foliennummernplatzhalter 5"/>
+          <p:cNvSpPr>
+            <a:spLocks noGrp="1"/>
+          </p:cNvSpPr>
+          <p:nvPr>
+            <p:ph type="sldNum" sz="quarter" idx="12"/>
+          </p:nvPr>
+        </p:nvSpPr>
+        <p:spPr/>
+        <p:txBody>
+          <a:bodyPr/>
+          <a:lstStyle/>
+          <a:p>
+            <a:fld id="{6C6AE60A-B69C-4790-82F7-3882EDF23186}" type="slidenum">
+              <a:rPr lang="de-DE" smtClean="0"/>
+              <a:pPr/>
+              <a:t>13</a:t>
+            </a:fld>
+            <a:endParaRPr lang="de-DE"/>
+          </a:p>
+        </p:txBody>
+      </p:sp>
+      <p:sp>
+        <p:nvSpPr>
+          <p:cNvPr id="7" name="Rechteck 6"/>
+          <p:cNvSpPr/>
+          <p:nvPr/>
+        </p:nvSpPr>
+        <p:spPr>
+          <a:xfrm>
+            <a:off x="755576" y="2275363"/>
+            <a:ext cx="7560840" cy="461665"/>
+          </a:xfrm>
+          <a:prstGeom prst="rect">
+            <a:avLst/>
+          </a:prstGeom>
+        </p:spPr>
+        <p:txBody>
+          <a:bodyPr wrap="square">
+            <a:spAutoFit/>
+          </a:bodyPr>
+          <a:lstStyle/>
+          <a:p>
+            <a:pPr lvl="0" eaLnBrk="0" fontAlgn="base" hangingPunct="0">
+              <a:spcBef>
+                <a:spcPct val="0"/>
+              </a:spcBef>
+              <a:spcAft>
+                <a:spcPct val="0"/>
+              </a:spcAft>
+            </a:pPr>
+            <a:r>
+              <a:rPr lang="de-DE" altLang="de-DE" sz="1200" dirty="0" err="1">
+                <a:solidFill>
+                  <a:srgbClr val="000000"/>
+                </a:solidFill>
+                <a:latin typeface="Consolas" panose="020B0609020204030204" pitchFamily="49" charset="0"/>
+                <a:cs typeface="Consolas" panose="020B0609020204030204" pitchFamily="49" charset="0"/>
+              </a:rPr>
+              <a:t>CrossoverParameter.Value</a:t>
+            </a:r>
+            <a:r>
+              <a:rPr lang="de-DE" altLang="de-DE" sz="1200" dirty="0">
+                <a:solidFill>
+                  <a:srgbClr val="000000"/>
+                </a:solidFill>
+                <a:latin typeface="Consolas" panose="020B0609020204030204" pitchFamily="49" charset="0"/>
+                <a:cs typeface="Consolas" panose="020B0609020204030204" pitchFamily="49" charset="0"/>
+              </a:rPr>
+              <a:t> </a:t>
+            </a:r>
+            <a:r>
+              <a:rPr lang="de-DE" altLang="de-DE" sz="1200" dirty="0" smtClean="0">
+                <a:solidFill>
+                  <a:srgbClr val="000000"/>
+                </a:solidFill>
+                <a:latin typeface="Consolas" panose="020B0609020204030204" pitchFamily="49" charset="0"/>
+                <a:cs typeface="Consolas" panose="020B0609020204030204" pitchFamily="49" charset="0"/>
+              </a:rPr>
+              <a:t>= </a:t>
+            </a:r>
+          </a:p>
+          <a:p>
+            <a:pPr lvl="0" eaLnBrk="0" fontAlgn="base" hangingPunct="0">
+              <a:spcBef>
+                <a:spcPct val="0"/>
+              </a:spcBef>
+              <a:spcAft>
+                <a:spcPct val="0"/>
+              </a:spcAft>
+            </a:pPr>
+            <a:r>
+              <a:rPr lang="de-DE" altLang="de-DE" sz="1200" dirty="0" err="1" smtClean="0">
+                <a:solidFill>
+                  <a:srgbClr val="000000"/>
+                </a:solidFill>
+                <a:latin typeface="Consolas" panose="020B0609020204030204" pitchFamily="49" charset="0"/>
+                <a:cs typeface="Consolas" panose="020B0609020204030204" pitchFamily="49" charset="0"/>
+              </a:rPr>
+              <a:t>ga.CrossoverParameter.ValidValues.Single</a:t>
+            </a:r>
+            <a:r>
+              <a:rPr lang="de-DE" altLang="de-DE" sz="1200" dirty="0" smtClean="0">
+                <a:solidFill>
+                  <a:srgbClr val="000000"/>
+                </a:solidFill>
+                <a:latin typeface="Consolas" panose="020B0609020204030204" pitchFamily="49" charset="0"/>
+                <a:cs typeface="Consolas" panose="020B0609020204030204" pitchFamily="49" charset="0"/>
+              </a:rPr>
+              <a:t>(x </a:t>
+            </a:r>
+            <a:r>
+              <a:rPr lang="de-DE" altLang="de-DE" sz="1200" dirty="0">
+                <a:solidFill>
+                  <a:srgbClr val="000000"/>
+                </a:solidFill>
+                <a:latin typeface="Consolas" panose="020B0609020204030204" pitchFamily="49" charset="0"/>
+                <a:cs typeface="Consolas" panose="020B0609020204030204" pitchFamily="49" charset="0"/>
+              </a:rPr>
+              <a:t>=&gt; </a:t>
+            </a:r>
+            <a:r>
+              <a:rPr lang="de-DE" altLang="de-DE" sz="1200" dirty="0" err="1">
+                <a:solidFill>
+                  <a:srgbClr val="000000"/>
+                </a:solidFill>
+                <a:latin typeface="Consolas" panose="020B0609020204030204" pitchFamily="49" charset="0"/>
+                <a:cs typeface="Consolas" panose="020B0609020204030204" pitchFamily="49" charset="0"/>
+              </a:rPr>
+              <a:t>x.GetType</a:t>
+            </a:r>
+            <a:r>
+              <a:rPr lang="de-DE" altLang="de-DE" sz="1200" dirty="0">
+                <a:solidFill>
+                  <a:srgbClr val="000000"/>
+                </a:solidFill>
+                <a:latin typeface="Consolas" panose="020B0609020204030204" pitchFamily="49" charset="0"/>
+                <a:cs typeface="Consolas" panose="020B0609020204030204" pitchFamily="49" charset="0"/>
+              </a:rPr>
+              <a:t>() ==  </a:t>
+            </a:r>
+            <a:r>
+              <a:rPr lang="de-DE" altLang="de-DE" sz="1200" dirty="0" err="1">
+                <a:solidFill>
+                  <a:srgbClr val="000000"/>
+                </a:solidFill>
+                <a:latin typeface="Consolas" panose="020B0609020204030204" pitchFamily="49" charset="0"/>
+                <a:cs typeface="Consolas" panose="020B0609020204030204" pitchFamily="49" charset="0"/>
+              </a:rPr>
+              <a:t>typeof</a:t>
+            </a:r>
+            <a:r>
+              <a:rPr lang="de-DE" altLang="de-DE" sz="1200" dirty="0">
+                <a:solidFill>
+                  <a:srgbClr val="000000"/>
+                </a:solidFill>
+                <a:latin typeface="Consolas" panose="020B0609020204030204" pitchFamily="49" charset="0"/>
+                <a:cs typeface="Consolas" panose="020B0609020204030204" pitchFamily="49" charset="0"/>
+              </a:rPr>
+              <a:t>(</a:t>
+            </a:r>
+            <a:r>
+              <a:rPr lang="de-DE" altLang="de-DE" sz="1200" dirty="0" err="1">
+                <a:solidFill>
+                  <a:srgbClr val="000000"/>
+                </a:solidFill>
+                <a:latin typeface="Consolas" panose="020B0609020204030204" pitchFamily="49" charset="0"/>
+                <a:cs typeface="Consolas" panose="020B0609020204030204" pitchFamily="49" charset="0"/>
+              </a:rPr>
+              <a:t>OrderCrossover</a:t>
+            </a:r>
+            <a:r>
+              <a:rPr lang="de-DE" altLang="de-DE" sz="1200" dirty="0">
+                <a:solidFill>
+                  <a:srgbClr val="000000"/>
+                </a:solidFill>
+                <a:latin typeface="Consolas" panose="020B0609020204030204" pitchFamily="49" charset="0"/>
+                <a:cs typeface="Consolas" panose="020B0609020204030204" pitchFamily="49" charset="0"/>
+              </a:rPr>
+              <a:t>));</a:t>
+            </a:r>
+            <a:endParaRPr lang="de-DE" altLang="de-DE" sz="3200" dirty="0">
+              <a:latin typeface="Arial" panose="020B0604020202020204" pitchFamily="34" charset="0"/>
+            </a:endParaRPr>
+          </a:p>
+        </p:txBody>
+      </p:sp>
+      <p:sp>
+        <p:nvSpPr>
+          <p:cNvPr id="9" name="Rechteck 8"/>
+          <p:cNvSpPr/>
+          <p:nvPr/>
+        </p:nvSpPr>
+        <p:spPr>
+          <a:xfrm>
+            <a:off x="755576" y="4154596"/>
+            <a:ext cx="5688632" cy="276999"/>
+          </a:xfrm>
+          <a:prstGeom prst="rect">
+            <a:avLst/>
+          </a:prstGeom>
+        </p:spPr>
+        <p:txBody>
+          <a:bodyPr wrap="square">
+            <a:spAutoFit/>
+          </a:bodyPr>
+          <a:lstStyle/>
+          <a:p>
+            <a:pPr lvl="0" eaLnBrk="0" fontAlgn="base" hangingPunct="0">
+              <a:spcBef>
+                <a:spcPct val="0"/>
+              </a:spcBef>
+              <a:spcAft>
+                <a:spcPct val="0"/>
+              </a:spcAft>
+            </a:pPr>
+            <a:r>
+              <a:rPr lang="de-DE" altLang="de-DE" sz="1200" dirty="0" err="1">
+                <a:solidFill>
+                  <a:srgbClr val="000000"/>
+                </a:solidFill>
+                <a:latin typeface="Consolas" panose="020B0609020204030204" pitchFamily="49" charset="0"/>
+                <a:cs typeface="Consolas" panose="020B0609020204030204" pitchFamily="49" charset="0"/>
+              </a:rPr>
+              <a:t>PopulationSizeParameter.Value.Value</a:t>
+            </a:r>
+            <a:r>
+              <a:rPr lang="de-DE" altLang="de-DE" sz="1200" dirty="0">
+                <a:solidFill>
+                  <a:srgbClr val="000000"/>
+                </a:solidFill>
+                <a:latin typeface="Consolas" panose="020B0609020204030204" pitchFamily="49" charset="0"/>
+                <a:cs typeface="Consolas" panose="020B0609020204030204" pitchFamily="49" charset="0"/>
+              </a:rPr>
+              <a:t> = 42; </a:t>
+            </a:r>
+            <a:endParaRPr lang="de-DE" altLang="de-DE" sz="3200" dirty="0">
+              <a:latin typeface="Arial" panose="020B0604020202020204" pitchFamily="34" charset="0"/>
+            </a:endParaRPr>
+          </a:p>
+        </p:txBody>
+      </p:sp>
+    </p:spTree>
+    <p:extLst>
+      <p:ext uri="{BB962C8B-B14F-4D97-AF65-F5344CB8AC3E}">
+        <p14:creationId xmlns:p14="http://schemas.microsoft.com/office/powerpoint/2010/main" val="947704300"/>
+      </p:ext>
+    </p:extLst>
+  </p:cSld>
+  <p:clrMapOvr>
+    <a:masterClrMapping/>
+  </p:clrMapOvr>
+</p:sld>
+</file>
+
+<file path=ppt/slides/slide14.xml><?xml version="1.0" encoding="utf-8"?>
+<p:sld xmlns:a="http://schemas.openxmlformats.org/drawingml/2006/main" xmlns:r="http://schemas.openxmlformats.org/officeDocument/2006/relationships" xmlns:p="http://schemas.openxmlformats.org/presentationml/2006/main">
+  <p:cSld>
+    <p:spTree>
+      <p:nvGrpSpPr>
+        <p:cNvPr id="1" name=""/>
+        <p:cNvGrpSpPr/>
+        <p:nvPr/>
+      </p:nvGrpSpPr>
+      <p:grpSpPr>
+        <a:xfrm>
+          <a:off x="0" y="0"/>
+          <a:ext cx="0" cy="0"/>
+          <a:chOff x="0" y="0"/>
+          <a:chExt cx="0" cy="0"/>
+        </a:xfrm>
+      </p:grpSpPr>
+      <p:sp>
+        <p:nvSpPr>
+          <p:cNvPr id="2" name="Titel 1"/>
+          <p:cNvSpPr>
+            <a:spLocks noGrp="1"/>
+          </p:cNvSpPr>
+          <p:nvPr>
+            <p:ph type="title"/>
+          </p:nvPr>
+        </p:nvSpPr>
+        <p:spPr/>
+        <p:txBody>
+          <a:bodyPr/>
+          <a:lstStyle/>
+          <a:p>
+            <a:r>
+              <a:rPr lang="de-AT" dirty="0" smtClean="0"/>
+              <a:t>Scopes</a:t>
+            </a:r>
+            <a:endParaRPr lang="de-AT" dirty="0"/>
+          </a:p>
+        </p:txBody>
+      </p:sp>
+      <p:sp>
+        <p:nvSpPr>
+          <p:cNvPr id="3" name="Inhaltsplatzhalter 2"/>
+          <p:cNvSpPr>
+            <a:spLocks noGrp="1"/>
+          </p:cNvSpPr>
+          <p:nvPr>
+            <p:ph idx="1"/>
+          </p:nvPr>
+        </p:nvSpPr>
+        <p:spPr>
+          <a:xfrm>
+            <a:off x="457200" y="1600200"/>
+            <a:ext cx="8229600" cy="2444749"/>
+          </a:xfrm>
+        </p:spPr>
+        <p:txBody>
+          <a:bodyPr>
+            <a:normAutofit fontScale="85000" lnSpcReduction="20000"/>
+          </a:bodyPr>
+          <a:lstStyle/>
+          <a:p>
+            <a:r>
+              <a:rPr lang="en-US" dirty="0" smtClean="0"/>
+              <a:t>A scope is a node in the scope tree</a:t>
+            </a:r>
+          </a:p>
+          <a:p>
+            <a:r>
+              <a:rPr lang="en-US" dirty="0" smtClean="0"/>
+              <a:t>Contains link to parent and sub-scopes</a:t>
+            </a:r>
+          </a:p>
+          <a:p>
+            <a:r>
+              <a:rPr lang="en-US" dirty="0" smtClean="0"/>
+              <a:t>Contains variables (e.g. solutions or their quality)</a:t>
+            </a:r>
+          </a:p>
+          <a:p>
+            <a:r>
+              <a:rPr lang="en-US" dirty="0" smtClean="0"/>
+              <a:t>Operators usually work on scopes (either directly or through parameters)</a:t>
+            </a:r>
+          </a:p>
+          <a:p>
+            <a:r>
+              <a:rPr lang="en-US" dirty="0" smtClean="0"/>
+              <a:t>Example - Selection:</a:t>
+            </a:r>
+            <a:endParaRPr lang="en-US" dirty="0"/>
+          </a:p>
+        </p:txBody>
+      </p:sp>
+      <p:sp>
+        <p:nvSpPr>
+          <p:cNvPr id="4" name="Datumsplatzhalter 3"/>
+          <p:cNvSpPr>
+            <a:spLocks noGrp="1"/>
+          </p:cNvSpPr>
+          <p:nvPr>
+            <p:ph type="dt" sz="half" idx="10"/>
+          </p:nvPr>
+        </p:nvSpPr>
+        <p:spPr/>
+        <p:txBody>
+          <a:bodyPr/>
+          <a:lstStyle/>
+          <a:p>
+            <a:r>
+              <a:rPr lang="de-DE" smtClean="0"/>
+              <a:t>Programming HeuristicLab</a:t>
+            </a:r>
+            <a:endParaRPr lang="de-DE" dirty="0"/>
+          </a:p>
+        </p:txBody>
+      </p:sp>
+      <p:sp>
+        <p:nvSpPr>
+          <p:cNvPr id="5" name="Fußzeilenplatzhalter 4"/>
+          <p:cNvSpPr>
+            <a:spLocks noGrp="1"/>
+          </p:cNvSpPr>
+          <p:nvPr>
+            <p:ph type="ftr" sz="quarter" idx="11"/>
+          </p:nvPr>
+        </p:nvSpPr>
+        <p:spPr/>
+        <p:txBody>
+          <a:bodyPr/>
+          <a:lstStyle/>
+          <a:p>
+            <a:r>
+              <a:rPr lang="de-DE" smtClean="0"/>
+              <a:t>http://dev.heuristiclab.com</a:t>
+            </a:r>
+            <a:endParaRPr lang="de-DE"/>
+          </a:p>
+        </p:txBody>
+      </p:sp>
+      <p:sp>
+        <p:nvSpPr>
+          <p:cNvPr id="6" name="Foliennummernplatzhalter 5"/>
+          <p:cNvSpPr>
+            <a:spLocks noGrp="1"/>
+          </p:cNvSpPr>
+          <p:nvPr>
+            <p:ph type="sldNum" sz="quarter" idx="12"/>
+          </p:nvPr>
+        </p:nvSpPr>
+        <p:spPr/>
+        <p:txBody>
+          <a:bodyPr/>
+          <a:lstStyle/>
+          <a:p>
+            <a:fld id="{6C6AE60A-B69C-4790-82F7-3882EDF23186}" type="slidenum">
+              <a:rPr lang="de-DE" smtClean="0"/>
+              <a:pPr/>
+              <a:t>14</a:t>
+            </a:fld>
+            <a:endParaRPr lang="de-DE"/>
+          </a:p>
+        </p:txBody>
+      </p:sp>
+      <p:pic>
+        <p:nvPicPr>
+          <p:cNvPr id="7" name="Grafik 6"/>
+          <p:cNvPicPr>
+            <a:picLocks noChangeAspect="1"/>
+          </p:cNvPicPr>
+          <p:nvPr/>
+        </p:nvPicPr>
+        <p:blipFill>
+          <a:blip r:embed="rId2"/>
+          <a:stretch>
+            <a:fillRect/>
+          </a:stretch>
+        </p:blipFill>
+        <p:spPr>
+          <a:xfrm>
+            <a:off x="1449337" y="4044950"/>
+            <a:ext cx="6245326" cy="2311400"/>
+          </a:xfrm>
+          <a:prstGeom prst="rect">
+            <a:avLst/>
+          </a:prstGeom>
+        </p:spPr>
+      </p:pic>
+    </p:spTree>
+    <p:extLst>
+      <p:ext uri="{BB962C8B-B14F-4D97-AF65-F5344CB8AC3E}">
+        <p14:creationId xmlns:p14="http://schemas.microsoft.com/office/powerpoint/2010/main" val="2840338780"/>
+      </p:ext>
+    </p:extLst>
+  </p:cSld>
+  <p:clrMapOvr>
+    <a:masterClrMapping/>
+  </p:clrMapOvr>
+  <p:timing>
+    <p:tnLst>
+      <p:par>
+        <p:cTn id="1" dur="indefinite" restart="never" nodeType="tmRoot"/>
+      </p:par>
+    </p:tnLst>
+  </p:timing>
+</p:sld>
+</file>
+
+<file path=ppt/slides/slide15.xml><?xml version="1.0" encoding="utf-8"?>
+<p:sld xmlns:a="http://schemas.openxmlformats.org/drawingml/2006/main" xmlns:r="http://schemas.openxmlformats.org/officeDocument/2006/relationships" xmlns:p="http://schemas.openxmlformats.org/presentationml/2006/main">
+  <p:cSld>
+    <p:spTree>
+      <p:nvGrpSpPr>
+        <p:cNvPr id="1" name=""/>
+        <p:cNvGrpSpPr/>
+        <p:nvPr/>
+      </p:nvGrpSpPr>
+      <p:grpSpPr>
+        <a:xfrm>
+          <a:off x="0" y="0"/>
+          <a:ext cx="0" cy="0"/>
+          <a:chOff x="0" y="0"/>
+          <a:chExt cx="0" cy="0"/>
+        </a:xfrm>
+      </p:grpSpPr>
+      <p:sp>
+        <p:nvSpPr>
+          <p:cNvPr id="2" name="Titel 1"/>
+          <p:cNvSpPr>
+            <a:spLocks noGrp="1"/>
+          </p:cNvSpPr>
+          <p:nvPr>
+            <p:ph type="title"/>
+          </p:nvPr>
+        </p:nvSpPr>
+        <p:spPr/>
+        <p:txBody>
+          <a:bodyPr/>
+          <a:lstStyle/>
+          <a:p>
+            <a:r>
+              <a:rPr lang="de-AT" dirty="0" smtClean="0"/>
+              <a:t>Operators</a:t>
+            </a:r>
+            <a:endParaRPr lang="de-AT" dirty="0"/>
+          </a:p>
+        </p:txBody>
+      </p:sp>
+      <p:sp>
+        <p:nvSpPr>
+          <p:cNvPr id="3" name="Inhaltsplatzhalter 2"/>
+          <p:cNvSpPr>
+            <a:spLocks noGrp="1"/>
+          </p:cNvSpPr>
+          <p:nvPr>
+            <p:ph idx="1"/>
+          </p:nvPr>
+        </p:nvSpPr>
+        <p:spPr/>
+        <p:txBody>
+          <a:bodyPr>
+            <a:normAutofit/>
+          </a:bodyPr>
+          <a:lstStyle/>
+          <a:p>
+            <a:r>
+              <a:rPr lang="en-US" dirty="0" smtClean="0"/>
+              <a:t>Inherit from </a:t>
+            </a:r>
+            <a:r>
+              <a:rPr lang="en-US" dirty="0" err="1" smtClean="0"/>
+              <a:t>SingleSuccessorOperator</a:t>
+            </a:r>
+            <a:endParaRPr lang="en-US" dirty="0" smtClean="0"/>
+          </a:p>
+          <a:p>
+            <a:r>
+              <a:rPr lang="en-US" dirty="0" smtClean="0"/>
+              <a:t>Override the Apply() method</a:t>
+            </a:r>
+          </a:p>
+          <a:p>
+            <a:r>
+              <a:rPr lang="en-US" dirty="0" smtClean="0"/>
+              <a:t>Must return </a:t>
+            </a:r>
+            <a:r>
+              <a:rPr lang="en-US" dirty="0" err="1" smtClean="0"/>
+              <a:t>base.Apply</a:t>
+            </a:r>
+            <a:r>
+              <a:rPr lang="en-US" dirty="0" smtClean="0"/>
+              <a:t>()</a:t>
+            </a:r>
+          </a:p>
+          <a:p>
+            <a:pPr lvl="1"/>
+            <a:r>
+              <a:rPr lang="en-US" dirty="0" smtClean="0"/>
+              <a:t>Returns successor operation</a:t>
+            </a:r>
+          </a:p>
+          <a:p>
+            <a:r>
+              <a:rPr lang="en-US" dirty="0" smtClean="0"/>
+              <a:t>Use </a:t>
+            </a:r>
+            <a:r>
+              <a:rPr lang="en-US" dirty="0" err="1" smtClean="0"/>
+              <a:t>ExecutionContext</a:t>
+            </a:r>
+            <a:r>
+              <a:rPr lang="en-US" dirty="0" smtClean="0"/>
+              <a:t> to access scopes</a:t>
+            </a:r>
+          </a:p>
+          <a:p>
+            <a:r>
+              <a:rPr lang="en-US" dirty="0" smtClean="0"/>
+              <a:t>Or better: Use parameters to retrieve scopes, values from scopes or manipulate them</a:t>
+            </a:r>
+            <a:endParaRPr lang="en-US" dirty="0"/>
+          </a:p>
+        </p:txBody>
+      </p:sp>
+      <p:sp>
+        <p:nvSpPr>
+          <p:cNvPr id="4" name="Datumsplatzhalter 3"/>
+          <p:cNvSpPr>
+            <a:spLocks noGrp="1"/>
+          </p:cNvSpPr>
+          <p:nvPr>
+            <p:ph type="dt" sz="half" idx="10"/>
+          </p:nvPr>
+        </p:nvSpPr>
+        <p:spPr/>
+        <p:txBody>
+          <a:bodyPr/>
+          <a:lstStyle/>
+          <a:p>
+            <a:r>
+              <a:rPr lang="de-DE" smtClean="0"/>
+              <a:t>Programming HeuristicLab</a:t>
+            </a:r>
+            <a:endParaRPr lang="de-DE" dirty="0"/>
+          </a:p>
+        </p:txBody>
+      </p:sp>
+      <p:sp>
+        <p:nvSpPr>
+          <p:cNvPr id="5" name="Fußzeilenplatzhalter 4"/>
+          <p:cNvSpPr>
+            <a:spLocks noGrp="1"/>
+          </p:cNvSpPr>
+          <p:nvPr>
+            <p:ph type="ftr" sz="quarter" idx="11"/>
+          </p:nvPr>
+        </p:nvSpPr>
+        <p:spPr/>
+        <p:txBody>
+          <a:bodyPr/>
+          <a:lstStyle/>
+          <a:p>
+            <a:r>
+              <a:rPr lang="de-DE" smtClean="0"/>
+              <a:t>http://dev.heuristiclab.com</a:t>
+            </a:r>
+            <a:endParaRPr lang="de-DE"/>
+          </a:p>
+        </p:txBody>
+      </p:sp>
+      <p:sp>
+        <p:nvSpPr>
+          <p:cNvPr id="6" name="Foliennummernplatzhalter 5"/>
+          <p:cNvSpPr>
+            <a:spLocks noGrp="1"/>
+          </p:cNvSpPr>
+          <p:nvPr>
+            <p:ph type="sldNum" sz="quarter" idx="12"/>
+          </p:nvPr>
+        </p:nvSpPr>
+        <p:spPr/>
+        <p:txBody>
+          <a:bodyPr/>
+          <a:lstStyle/>
+          <a:p>
+            <a:fld id="{6C6AE60A-B69C-4790-82F7-3882EDF23186}" type="slidenum">
+              <a:rPr lang="de-DE" smtClean="0"/>
+              <a:pPr/>
+              <a:t>15</a:t>
+            </a:fld>
+            <a:endParaRPr lang="de-DE"/>
+          </a:p>
+        </p:txBody>
+      </p:sp>
+    </p:spTree>
+    <p:extLst>
+      <p:ext uri="{BB962C8B-B14F-4D97-AF65-F5344CB8AC3E}">
+        <p14:creationId xmlns:p14="http://schemas.microsoft.com/office/powerpoint/2010/main" val="1123579088"/>
+      </p:ext>
+    </p:extLst>
+  </p:cSld>
+  <p:clrMapOvr>
+    <a:masterClrMapping/>
+  </p:clrMapOvr>
+  <p:timing>
+    <p:tnLst>
+      <p:par>
+        <p:cTn id="1" dur="indefinite" restart="never" nodeType="tmRoot"/>
+      </p:par>
+    </p:tnLst>
+  </p:timing>
+</p:sld>
+</file>
+
+<file path=ppt/slides/slide16.xml><?xml version="1.0" encoding="utf-8"?>
+<p:sld xmlns:a="http://schemas.openxmlformats.org/drawingml/2006/main" xmlns:r="http://schemas.openxmlformats.org/officeDocument/2006/relationships" xmlns:p="http://schemas.openxmlformats.org/presentationml/2006/main">
+  <p:cSld>
+    <p:spTree>
+      <p:nvGrpSpPr>
+        <p:cNvPr id="1" name=""/>
+        <p:cNvGrpSpPr/>
+        <p:nvPr/>
+      </p:nvGrpSpPr>
+      <p:grpSpPr>
+        <a:xfrm>
+          <a:off x="0" y="0"/>
+          <a:ext cx="0" cy="0"/>
+          <a:chOff x="0" y="0"/>
+          <a:chExt cx="0" cy="0"/>
+        </a:xfrm>
+      </p:grpSpPr>
+      <p:sp>
+        <p:nvSpPr>
+          <p:cNvPr id="2" name="Titel 1"/>
+          <p:cNvSpPr>
+            <a:spLocks noGrp="1"/>
+          </p:cNvSpPr>
+          <p:nvPr>
+            <p:ph type="title"/>
+          </p:nvPr>
+        </p:nvSpPr>
+        <p:spPr/>
+        <p:txBody>
+          <a:bodyPr/>
+          <a:lstStyle/>
+          <a:p>
+            <a:r>
+              <a:rPr lang="en-GB" dirty="0" smtClean="0"/>
+              <a:t>Instrumented Operators</a:t>
+            </a:r>
+            <a:endParaRPr lang="en-GB" dirty="0"/>
+          </a:p>
+        </p:txBody>
+      </p:sp>
+      <p:sp>
+        <p:nvSpPr>
+          <p:cNvPr id="3" name="Inhaltsplatzhalter 2"/>
+          <p:cNvSpPr>
+            <a:spLocks noGrp="1"/>
+          </p:cNvSpPr>
+          <p:nvPr>
+            <p:ph idx="1"/>
+          </p:nvPr>
+        </p:nvSpPr>
+        <p:spPr>
+          <a:xfrm>
+            <a:off x="457200" y="1600201"/>
+            <a:ext cx="4690864" cy="4349080"/>
+          </a:xfrm>
+        </p:spPr>
+        <p:txBody>
+          <a:bodyPr>
+            <a:normAutofit fontScale="77500" lnSpcReduction="20000"/>
+          </a:bodyPr>
+          <a:lstStyle/>
+          <a:p>
+            <a:pPr marL="342900" lvl="1" indent="-342900">
+              <a:buFont typeface="Arial" pitchFamily="34" charset="0"/>
+              <a:buChar char="•"/>
+            </a:pPr>
+            <a:r>
+              <a:rPr lang="en-GB" sz="3200" dirty="0" smtClean="0"/>
+              <a:t>Inherit from </a:t>
+            </a:r>
+            <a:r>
+              <a:rPr lang="en-US" sz="3200" dirty="0" err="1"/>
+              <a:t>InstrumentedOperator</a:t>
+            </a:r>
+            <a:endParaRPr lang="en-US" dirty="0"/>
+          </a:p>
+          <a:p>
+            <a:r>
+              <a:rPr lang="en-US" dirty="0"/>
+              <a:t>Override </a:t>
+            </a:r>
+            <a:r>
+              <a:rPr lang="en-US" dirty="0" err="1" smtClean="0"/>
+              <a:t>InstrumentedApply</a:t>
+            </a:r>
+            <a:r>
+              <a:rPr lang="en-US" dirty="0" smtClean="0"/>
+              <a:t>()</a:t>
+            </a:r>
+            <a:endParaRPr lang="en-US" dirty="0"/>
+          </a:p>
+          <a:p>
+            <a:r>
+              <a:rPr lang="en-US" dirty="0"/>
+              <a:t>Must return </a:t>
+            </a:r>
+            <a:r>
+              <a:rPr lang="en-US" dirty="0" err="1" smtClean="0"/>
+              <a:t>base.InstrumentedApply</a:t>
+            </a:r>
+            <a:r>
+              <a:rPr lang="en-US" dirty="0" smtClean="0"/>
+              <a:t>()</a:t>
+            </a:r>
+          </a:p>
+          <a:p>
+            <a:r>
+              <a:rPr lang="en-US" dirty="0" smtClean="0"/>
+              <a:t>Allows to configure before and after actions</a:t>
+            </a:r>
+          </a:p>
+          <a:p>
+            <a:r>
+              <a:rPr lang="en-US" dirty="0" smtClean="0"/>
+              <a:t>Useful for analyzers, additional functionality,… </a:t>
+            </a:r>
+            <a:r>
+              <a:rPr lang="en-US" smtClean="0"/>
+              <a:t>without changing </a:t>
+            </a:r>
+            <a:r>
+              <a:rPr lang="en-US" dirty="0" smtClean="0"/>
+              <a:t>the algorithm</a:t>
+            </a:r>
+          </a:p>
+          <a:p>
+            <a:r>
+              <a:rPr lang="en-US" dirty="0" smtClean="0"/>
+              <a:t>Think of aspect-oriented programming</a:t>
+            </a:r>
+            <a:endParaRPr lang="en-US" dirty="0"/>
+          </a:p>
+          <a:p>
+            <a:endParaRPr lang="en-GB" dirty="0"/>
+          </a:p>
+        </p:txBody>
+      </p:sp>
+      <p:sp>
+        <p:nvSpPr>
+          <p:cNvPr id="4" name="Datumsplatzhalter 3"/>
+          <p:cNvSpPr>
+            <a:spLocks noGrp="1"/>
+          </p:cNvSpPr>
+          <p:nvPr>
+            <p:ph type="dt" sz="half" idx="10"/>
+          </p:nvPr>
+        </p:nvSpPr>
+        <p:spPr/>
+        <p:txBody>
+          <a:bodyPr/>
+          <a:lstStyle/>
+          <a:p>
+            <a:r>
+              <a:rPr lang="de-DE" smtClean="0"/>
+              <a:t>Programming HeuristicLab</a:t>
+            </a:r>
+            <a:endParaRPr lang="de-DE" dirty="0"/>
+          </a:p>
+        </p:txBody>
+      </p:sp>
+      <p:sp>
+        <p:nvSpPr>
+          <p:cNvPr id="5" name="Fußzeilenplatzhalter 4"/>
+          <p:cNvSpPr>
+            <a:spLocks noGrp="1"/>
+          </p:cNvSpPr>
+          <p:nvPr>
+            <p:ph type="ftr" sz="quarter" idx="11"/>
+          </p:nvPr>
+        </p:nvSpPr>
+        <p:spPr/>
+        <p:txBody>
+          <a:bodyPr/>
+          <a:lstStyle/>
+          <a:p>
+            <a:r>
+              <a:rPr lang="de-DE" smtClean="0"/>
+              <a:t>http://dev.heuristiclab.com</a:t>
+            </a:r>
+            <a:endParaRPr lang="de-DE"/>
+          </a:p>
+        </p:txBody>
+      </p:sp>
+      <p:sp>
+        <p:nvSpPr>
+          <p:cNvPr id="6" name="Foliennummernplatzhalter 5"/>
+          <p:cNvSpPr>
+            <a:spLocks noGrp="1"/>
+          </p:cNvSpPr>
+          <p:nvPr>
+            <p:ph type="sldNum" sz="quarter" idx="12"/>
+          </p:nvPr>
+        </p:nvSpPr>
+        <p:spPr/>
+        <p:txBody>
+          <a:bodyPr/>
+          <a:lstStyle/>
+          <a:p>
+            <a:fld id="{6C6AE60A-B69C-4790-82F7-3882EDF23186}" type="slidenum">
+              <a:rPr lang="de-DE" smtClean="0"/>
+              <a:pPr/>
+              <a:t>16</a:t>
+            </a:fld>
+            <a:endParaRPr lang="de-DE"/>
+          </a:p>
+        </p:txBody>
+      </p:sp>
+      <p:pic>
+        <p:nvPicPr>
+          <p:cNvPr id="7" name="Grafik 6"/>
+          <p:cNvPicPr>
+            <a:picLocks noChangeAspect="1"/>
+          </p:cNvPicPr>
+          <p:nvPr/>
+        </p:nvPicPr>
+        <p:blipFill>
+          <a:blip r:embed="rId2"/>
+          <a:stretch>
+            <a:fillRect/>
+          </a:stretch>
+        </p:blipFill>
+        <p:spPr>
+          <a:xfrm>
+            <a:off x="5134926" y="1988840"/>
+            <a:ext cx="3373739" cy="2464296"/>
+          </a:xfrm>
+          <a:prstGeom prst="rect">
+            <a:avLst/>
+          </a:prstGeom>
+        </p:spPr>
+      </p:pic>
+    </p:spTree>
+    <p:extLst>
+      <p:ext uri="{BB962C8B-B14F-4D97-AF65-F5344CB8AC3E}">
+        <p14:creationId xmlns:p14="http://schemas.microsoft.com/office/powerpoint/2010/main" val="146352937"/>
+      </p:ext>
+    </p:extLst>
+  </p:cSld>
+  <p:clrMapOvr>
+    <a:masterClrMapping/>
+  </p:clrMapOvr>
+</p:sld>
+</file>
+
+<file path=ppt/slides/slide17.xml><?xml version="1.0" encoding="utf-8"?>
 <p:sld xmlns:a="http://schemas.openxmlformats.org/drawingml/2006/main" xmlns:r="http://schemas.openxmlformats.org/officeDocument/2006/relationships" xmlns:p="http://schemas.openxmlformats.org/presentationml/2006/main">
   <p:cSld>
     <p:spTree>
@@ -4405,7 +9361,7 @@
             <a:fld id="{6C6AE60A-B69C-4790-82F7-3882EDF23186}" type="slidenum">
               <a:rPr lang="de-DE" smtClean="0"/>
               <a:pPr/>
-              <a:t>10</a:t>
+              <a:t>17</a:t>
             </a:fld>
             <a:endParaRPr lang="de-DE"/>
           </a:p>
@@ -4785,7 +9741,7 @@
 </p:sld>
 </file>
 
-<file path=ppt/slides/slide11.xml><?xml version="1.0" encoding="utf-8"?>
+<file path=ppt/slides/slide18.xml><?xml version="1.0" encoding="utf-8"?>
 <p:sld xmlns:a="http://schemas.openxmlformats.org/drawingml/2006/main" xmlns:r="http://schemas.openxmlformats.org/officeDocument/2006/relationships" xmlns:p="http://schemas.openxmlformats.org/presentationml/2006/main">
   <p:cSld>
     <p:spTree>
@@ -4814,6 +9770,229 @@
         </p:nvSpPr>
         <p:spPr/>
         <p:txBody>
+          <a:bodyPr/>
+          <a:lstStyle/>
+          <a:p>
+            <a:r>
+              <a:rPr lang="en-GB" dirty="0" smtClean="0"/>
+              <a:t>Algorithms and Problems</a:t>
+            </a:r>
+            <a:endParaRPr lang="en-GB" dirty="0"/>
+          </a:p>
+        </p:txBody>
+      </p:sp>
+      <p:sp>
+        <p:nvSpPr>
+          <p:cNvPr id="3" name="Inhaltsplatzhalter 2"/>
+          <p:cNvSpPr>
+            <a:spLocks noGrp="1"/>
+          </p:cNvSpPr>
+          <p:nvPr>
+            <p:ph idx="1"/>
+          </p:nvPr>
+        </p:nvSpPr>
+        <p:spPr/>
+        <p:txBody>
+          <a:bodyPr>
+            <a:normAutofit fontScale="92500" lnSpcReduction="20000"/>
+          </a:bodyPr>
+          <a:lstStyle/>
+          <a:p>
+            <a:r>
+              <a:rPr lang="en-GB" dirty="0" smtClean="0"/>
+              <a:t>Different ways how to implement algorithms and problems</a:t>
+            </a:r>
+          </a:p>
+          <a:p>
+            <a:r>
+              <a:rPr lang="en-GB" dirty="0" smtClean="0"/>
+              <a:t>Algorithms</a:t>
+            </a:r>
+          </a:p>
+          <a:p>
+            <a:pPr lvl="1"/>
+            <a:r>
+              <a:rPr lang="en-GB" dirty="0" smtClean="0"/>
+              <a:t>Flexible: Inherit from </a:t>
+            </a:r>
+            <a:r>
+              <a:rPr lang="en-GB" dirty="0" err="1" smtClean="0"/>
+              <a:t>HeuristicOptimizationEngineAlgorithm</a:t>
+            </a:r>
+            <a:endParaRPr lang="en-GB" dirty="0" smtClean="0"/>
+          </a:p>
+          <a:p>
+            <a:pPr lvl="1"/>
+            <a:r>
+              <a:rPr lang="en-GB" dirty="0"/>
+              <a:t>Easy: Inherit from </a:t>
+            </a:r>
+            <a:r>
+              <a:rPr lang="en-GB" dirty="0" err="1" smtClean="0"/>
+              <a:t>BasicAlgorithm</a:t>
+            </a:r>
+            <a:endParaRPr lang="en-GB" dirty="0"/>
+          </a:p>
+          <a:p>
+            <a:r>
+              <a:rPr lang="en-GB" dirty="0" smtClean="0"/>
+              <a:t>Problems</a:t>
+            </a:r>
+          </a:p>
+          <a:p>
+            <a:pPr lvl="1"/>
+            <a:r>
+              <a:rPr lang="en-GB" dirty="0" smtClean="0"/>
+              <a:t>Flexible: Inherit from </a:t>
+            </a:r>
+            <a:r>
+              <a:rPr lang="en-GB" dirty="0" err="1" smtClean="0"/>
+              <a:t>HeuristicOptimizationEngineAlgorithm</a:t>
+            </a:r>
+            <a:endParaRPr lang="en-GB" dirty="0" smtClean="0"/>
+          </a:p>
+          <a:p>
+            <a:pPr lvl="1"/>
+            <a:r>
+              <a:rPr lang="en-GB" dirty="0"/>
+              <a:t>Easy: Inherit from </a:t>
+            </a:r>
+            <a:r>
+              <a:rPr lang="en-GB" dirty="0" smtClean="0"/>
+              <a:t>[</a:t>
+            </a:r>
+            <a:r>
+              <a:rPr lang="en-GB" dirty="0" err="1" smtClean="0"/>
+              <a:t>Single|Multi</a:t>
+            </a:r>
+            <a:r>
+              <a:rPr lang="en-GB" dirty="0" smtClean="0"/>
+              <a:t>]</a:t>
+            </a:r>
+            <a:r>
+              <a:rPr lang="en-GB" dirty="0" err="1" smtClean="0"/>
+              <a:t>ObjectiveBasicProblem</a:t>
+            </a:r>
+            <a:endParaRPr lang="en-GB" dirty="0"/>
+          </a:p>
+          <a:p>
+            <a:pPr lvl="1"/>
+            <a:endParaRPr lang="en-GB" dirty="0"/>
+          </a:p>
+        </p:txBody>
+      </p:sp>
+      <p:sp>
+        <p:nvSpPr>
+          <p:cNvPr id="4" name="Datumsplatzhalter 3"/>
+          <p:cNvSpPr>
+            <a:spLocks noGrp="1"/>
+          </p:cNvSpPr>
+          <p:nvPr>
+            <p:ph type="dt" sz="half" idx="10"/>
+          </p:nvPr>
+        </p:nvSpPr>
+        <p:spPr/>
+        <p:txBody>
+          <a:bodyPr/>
+          <a:lstStyle/>
+          <a:p>
+            <a:r>
+              <a:rPr lang="de-DE" smtClean="0"/>
+              <a:t>Programming HeuristicLab</a:t>
+            </a:r>
+            <a:endParaRPr lang="de-DE" dirty="0"/>
+          </a:p>
+        </p:txBody>
+      </p:sp>
+      <p:sp>
+        <p:nvSpPr>
+          <p:cNvPr id="5" name="Fußzeilenplatzhalter 4"/>
+          <p:cNvSpPr>
+            <a:spLocks noGrp="1"/>
+          </p:cNvSpPr>
+          <p:nvPr>
+            <p:ph type="ftr" sz="quarter" idx="11"/>
+          </p:nvPr>
+        </p:nvSpPr>
+        <p:spPr/>
+        <p:txBody>
+          <a:bodyPr/>
+          <a:lstStyle/>
+          <a:p>
+            <a:r>
+              <a:rPr lang="de-DE" smtClean="0"/>
+              <a:t>http://dev.heuristiclab.com</a:t>
+            </a:r>
+            <a:endParaRPr lang="de-DE"/>
+          </a:p>
+        </p:txBody>
+      </p:sp>
+      <p:sp>
+        <p:nvSpPr>
+          <p:cNvPr id="6" name="Foliennummernplatzhalter 5"/>
+          <p:cNvSpPr>
+            <a:spLocks noGrp="1"/>
+          </p:cNvSpPr>
+          <p:nvPr>
+            <p:ph type="sldNum" sz="quarter" idx="12"/>
+          </p:nvPr>
+        </p:nvSpPr>
+        <p:spPr/>
+        <p:txBody>
+          <a:bodyPr/>
+          <a:lstStyle/>
+          <a:p>
+            <a:fld id="{6C6AE60A-B69C-4790-82F7-3882EDF23186}" type="slidenum">
+              <a:rPr lang="de-DE" smtClean="0"/>
+              <a:pPr/>
+              <a:t>18</a:t>
+            </a:fld>
+            <a:endParaRPr lang="de-DE"/>
+          </a:p>
+        </p:txBody>
+      </p:sp>
+    </p:spTree>
+    <p:extLst>
+      <p:ext uri="{BB962C8B-B14F-4D97-AF65-F5344CB8AC3E}">
+        <p14:creationId xmlns:p14="http://schemas.microsoft.com/office/powerpoint/2010/main" val="2486980561"/>
+      </p:ext>
+    </p:extLst>
+  </p:cSld>
+  <p:clrMapOvr>
+    <a:masterClrMapping/>
+  </p:clrMapOvr>
+</p:sld>
+</file>
+
+<file path=ppt/slides/slide19.xml><?xml version="1.0" encoding="utf-8"?>
+<p:sld xmlns:a="http://schemas.openxmlformats.org/drawingml/2006/main" xmlns:r="http://schemas.openxmlformats.org/officeDocument/2006/relationships" xmlns:p="http://schemas.openxmlformats.org/presentationml/2006/main">
+  <p:cSld>
+    <p:spTree>
+      <p:nvGrpSpPr>
+        <p:cNvPr id="1" name=""/>
+        <p:cNvGrpSpPr/>
+        <p:nvPr/>
+      </p:nvGrpSpPr>
+      <p:grpSpPr>
+        <a:xfrm>
+          <a:off x="0" y="0"/>
+          <a:ext cx="0" cy="0"/>
+          <a:chOff x="0" y="0"/>
+          <a:chExt cx="0" cy="0"/>
+        </a:xfrm>
+      </p:grpSpPr>
+      <p:sp>
+        <p:nvSpPr>
+          <p:cNvPr id="2" name="Titel 1"/>
+          <p:cNvSpPr>
+            <a:spLocks noGrp="1"/>
+          </p:cNvSpPr>
+          <p:nvPr>
+            <p:ph type="title"/>
+          </p:nvPr>
+        </p:nvSpPr>
+        <p:spPr/>
+        <p:txBody>
           <a:bodyPr>
             <a:normAutofit fontScale="90000"/>
           </a:bodyPr>
@@ -4898,7 +10077,7 @@
             <a:fld id="{6C6AE60A-B69C-4790-82F7-3882EDF23186}" type="slidenum">
               <a:rPr lang="de-DE" smtClean="0"/>
               <a:pPr/>
-              <a:t>11</a:t>
+              <a:t>19</a:t>
             </a:fld>
             <a:endParaRPr lang="de-DE"/>
           </a:p>
@@ -4948,7 +10127,7 @@
 </p:sld>
 </file>
 
-<file path=ppt/slides/slide12.xml><?xml version="1.0" encoding="utf-8"?>
+<file path=ppt/slides/slide2.xml><?xml version="1.0" encoding="utf-8"?>
 <p:sld xmlns:a="http://schemas.openxmlformats.org/drawingml/2006/main" xmlns:r="http://schemas.openxmlformats.org/officeDocument/2006/relationships" xmlns:p="http://schemas.openxmlformats.org/presentationml/2006/main">
   <p:cSld>
     <p:spTree>
@@ -4977,149 +10156,66 @@
         </p:nvSpPr>
         <p:spPr/>
         <p:txBody>
+          <a:bodyPr/>
+          <a:lstStyle/>
+          <a:p>
+            <a:r>
+              <a:rPr lang="en-US" dirty="0" smtClean="0"/>
+              <a:t>Overview</a:t>
+            </a:r>
+            <a:endParaRPr lang="en-US" dirty="0"/>
+          </a:p>
+        </p:txBody>
+      </p:sp>
+      <p:sp>
+        <p:nvSpPr>
+          <p:cNvPr id="3" name="Inhaltsplatzhalter 2"/>
+          <p:cNvSpPr>
+            <a:spLocks noGrp="1"/>
+          </p:cNvSpPr>
+          <p:nvPr>
+            <p:ph idx="1"/>
+          </p:nvPr>
+        </p:nvSpPr>
+        <p:spPr/>
+        <p:txBody>
           <a:bodyPr>
-            <a:normAutofit fontScale="90000"/>
+            <a:normAutofit/>
           </a:bodyPr>
           <a:lstStyle/>
           <a:p>
             <a:r>
+              <a:rPr lang="en-US" dirty="0" smtClean="0"/>
+              <a:t>HL Algorithm </a:t>
+            </a:r>
+            <a:r>
               <a:rPr lang="en-US" dirty="0"/>
-              <a:t>Base classes/interfaces </a:t>
+              <a:t>M</a:t>
             </a:r>
             <a:r>
               <a:rPr lang="en-US" dirty="0" smtClean="0"/>
-              <a:t>for </a:t>
-            </a:r>
-            <a:r>
-              <a:rPr lang="en-US" dirty="0"/>
-              <a:t>algorithms</a:t>
-            </a:r>
-            <a:endParaRPr lang="de-AT" dirty="0"/>
-          </a:p>
-        </p:txBody>
-      </p:sp>
-      <p:sp>
-        <p:nvSpPr>
-          <p:cNvPr id="3" name="Inhaltsplatzhalter 2"/>
-          <p:cNvSpPr>
-            <a:spLocks noGrp="1"/>
-          </p:cNvSpPr>
-          <p:nvPr>
-            <p:ph idx="1"/>
-          </p:nvPr>
-        </p:nvSpPr>
-        <p:spPr/>
-        <p:txBody>
-          <a:bodyPr>
-            <a:normAutofit fontScale="70000" lnSpcReduction="20000"/>
-          </a:bodyPr>
-          <a:lstStyle/>
-          <a:p>
-            <a:r>
-              <a:rPr lang="en-US" dirty="0" err="1" smtClean="0"/>
-              <a:t>IExecutable</a:t>
-            </a:r>
+              <a:t>odel</a:t>
+            </a:r>
+          </a:p>
+          <a:p>
             <a:r>
               <a:rPr lang="en-US" dirty="0" smtClean="0"/>
-              <a:t> (Executable): </a:t>
-            </a:r>
-          </a:p>
-          <a:p>
-            <a:pPr lvl="1"/>
+              <a:t>Parameters, Operators and Scopes</a:t>
+            </a:r>
+          </a:p>
+          <a:p>
             <a:r>
               <a:rPr lang="en-US" dirty="0" smtClean="0"/>
-              <a:t>Defines methods for starting, stopping, etc. of algorithms</a:t>
-            </a:r>
-          </a:p>
-          <a:p>
-            <a:r>
-              <a:rPr lang="en-US" dirty="0" err="1" smtClean="0"/>
-              <a:t>IOptimizer</a:t>
-            </a:r>
+              <a:t>Algorithms</a:t>
+            </a:r>
+          </a:p>
+          <a:p>
             <a:r>
               <a:rPr lang="en-US" dirty="0" smtClean="0"/>
-              <a:t>: </a:t>
-            </a:r>
-          </a:p>
-          <a:p>
-            <a:pPr lvl="1"/>
-            <a:r>
-              <a:rPr lang="en-US" dirty="0" smtClean="0"/>
-              <a:t>Contains a run collection</a:t>
-            </a:r>
-          </a:p>
-          <a:p>
-            <a:r>
-              <a:rPr lang="en-US" dirty="0" err="1" smtClean="0"/>
-              <a:t>IAlgorithm</a:t>
-            </a:r>
-            <a:r>
-              <a:rPr lang="en-US" dirty="0" smtClean="0"/>
-              <a:t>: </a:t>
-            </a:r>
-          </a:p>
-          <a:p>
-            <a:pPr lvl="1"/>
-            <a:r>
-              <a:rPr lang="en-US" dirty="0" smtClean="0"/>
-              <a:t>Contains a problem on which the algorithm is applied as well as a result</a:t>
-            </a:r>
-          </a:p>
-          <a:p>
-            <a:r>
-              <a:rPr lang="en-US" dirty="0" smtClean="0"/>
-              <a:t>Algorithm: </a:t>
-            </a:r>
-          </a:p>
-          <a:p>
-            <a:pPr lvl="1"/>
-            <a:r>
-              <a:rPr lang="en-US" dirty="0" smtClean="0"/>
-              <a:t>Base class, implements </a:t>
-            </a:r>
-            <a:r>
-              <a:rPr lang="en-US" dirty="0" err="1" smtClean="0"/>
-              <a:t>IAlgorithm</a:t>
-            </a:r>
-            <a:endParaRPr lang="en-US" dirty="0" smtClean="0"/>
-          </a:p>
-          <a:p>
-            <a:r>
-              <a:rPr lang="en-US" dirty="0" err="1" smtClean="0"/>
-              <a:t>EngineAlgorithm</a:t>
-            </a:r>
-            <a:r>
-              <a:rPr lang="en-US" dirty="0" smtClean="0"/>
-              <a:t>: </a:t>
-            </a:r>
-          </a:p>
-          <a:p>
-            <a:pPr lvl="1"/>
-            <a:r>
-              <a:rPr lang="en-US" dirty="0" smtClean="0"/>
-              <a:t>Extensions for execution with an engine (operator graph, scope, engine)</a:t>
-            </a:r>
-          </a:p>
-          <a:p>
-            <a:r>
-              <a:rPr lang="en-US" dirty="0" err="1" smtClean="0"/>
-              <a:t>HeuristicOptimizationEngineAlgorithm</a:t>
-            </a:r>
-            <a:r>
-              <a:rPr lang="en-US" dirty="0" smtClean="0"/>
-              <a:t>: </a:t>
-            </a:r>
-          </a:p>
-          <a:p>
-            <a:pPr lvl="1"/>
-            <a:r>
-              <a:rPr lang="en-US" dirty="0" smtClean="0"/>
-              <a:t>Specifies problem: </a:t>
-            </a:r>
-            <a:r>
-              <a:rPr lang="en-US" dirty="0" err="1" smtClean="0"/>
-              <a:t>IHeuristicOptimizationProblem</a:t>
-            </a:r>
+              <a:t>Problems</a:t>
+            </a:r>
+          </a:p>
+          <a:p>
             <a:endParaRPr lang="en-US" dirty="0"/>
           </a:p>
         </p:txBody>
@@ -5140,10 +10236,13 @@
           <a:lstStyle/>
           <a:p>
             <a:r>
-              <a:rPr lang="de-DE" smtClean="0"/>
-              <a:t>Programming HeuristicLab</a:t>
-            </a:r>
-            <a:endParaRPr lang="de-DE" dirty="0"/>
+              <a:rPr lang="de-DE" dirty="0" err="1"/>
+              <a:t>Programming</a:t>
+            </a:r>
+            <a:r>
+              <a:rPr lang="de-DE" dirty="0"/>
+              <a:t> HeuristicLab</a:t>
+            </a:r>
           </a:p>
         </p:txBody>
       </p:sp>
@@ -5188,7 +10287,7 @@
             <a:fld id="{6C6AE60A-B69C-4790-82F7-3882EDF23186}" type="slidenum">
               <a:rPr lang="de-DE" smtClean="0"/>
               <a:pPr/>
-              <a:t>12</a:t>
+              <a:t>2</a:t>
             </a:fld>
             <a:endParaRPr lang="de-DE"/>
           </a:p>
@@ -5197,17 +10296,24 @@
     </p:spTree>
     <p:extLst>
       <p:ext uri="{BB962C8B-B14F-4D97-AF65-F5344CB8AC3E}">
-        <p14:creationId xmlns:p14="http://schemas.microsoft.com/office/powerpoint/2010/main" val="1686843175"/>
+        <p14:creationId xmlns:p14="http://schemas.microsoft.com/office/powerpoint/2010/main" val="361769094"/>
       </p:ext>
     </p:extLst>
   </p:cSld>
   <p:clrMapOvr>
     <a:masterClrMapping/>
   </p:clrMapOvr>
+  <p:timing>
+    <p:tnLst>
+      <p:par>
+        <p:cTn id="1" dur="indefinite" restart="never" nodeType="tmRoot"/>
+      </p:par>
+    </p:tnLst>
+  </p:timing>
 </p:sld>
 </file>
 
-<file path=ppt/slides/slide13.xml><?xml version="1.0" encoding="utf-8"?>
+<file path=ppt/slides/slide20.xml><?xml version="1.0" encoding="utf-8"?>
 <p:sld xmlns:a="http://schemas.openxmlformats.org/drawingml/2006/main" xmlns:r="http://schemas.openxmlformats.org/officeDocument/2006/relationships" xmlns:p="http://schemas.openxmlformats.org/presentationml/2006/main">
   <p:cSld>
     <p:spTree>
@@ -5236,20 +10342,22 @@
         </p:nvSpPr>
         <p:spPr/>
         <p:txBody>
-          <a:bodyPr/>
+          <a:bodyPr>
+            <a:normAutofit fontScale="90000"/>
+          </a:bodyPr>
           <a:lstStyle/>
           <a:p>
             <a:r>
               <a:rPr lang="en-US" dirty="0"/>
-              <a:t>What does </a:t>
+              <a:t>Base classes/interfaces </a:t>
             </a:r>
             <a:r>
               <a:rPr lang="en-US" dirty="0" smtClean="0"/>
-              <a:t>an HL algorithm </a:t>
+              <a:t>for </a:t>
             </a:r>
             <a:r>
               <a:rPr lang="en-US" dirty="0"/>
-              <a:t>do?</a:t>
+              <a:t>algorithms</a:t>
             </a:r>
             <a:endParaRPr lang="de-AT" dirty="0"/>
           </a:p>
@@ -5268,31 +10376,114 @@
         <p:spPr/>
         <p:txBody>
           <a:bodyPr>
-            <a:normAutofit lnSpcReduction="10000"/>
+            <a:normAutofit fontScale="70000" lnSpcReduction="20000"/>
           </a:bodyPr>
           <a:lstStyle/>
           <a:p>
             <a:r>
+              <a:rPr lang="en-US" dirty="0" err="1" smtClean="0"/>
+              <a:t>IExecutable</a:t>
+            </a:r>
+            <a:r>
               <a:rPr lang="en-US" dirty="0" smtClean="0"/>
-              <a:t>Create operator graph of algorithm by chaining together operators (the actual algorithm)</a:t>
-            </a:r>
-          </a:p>
-          <a:p>
+              <a:t> (Executable): </a:t>
+            </a:r>
+          </a:p>
+          <a:p>
+            <a:pPr lvl="1"/>
             <a:r>
               <a:rPr lang="en-US" dirty="0" smtClean="0"/>
-              <a:t>Offer user configuration options through parameters</a:t>
-            </a:r>
-          </a:p>
-          <a:p>
+              <a:t>Defines methods for starting, stopping, etc. of algorithms</a:t>
+            </a:r>
+          </a:p>
+          <a:p>
+            <a:r>
+              <a:rPr lang="en-US" dirty="0" err="1" smtClean="0"/>
+              <a:t>IOptimizer</a:t>
+            </a:r>
             <a:r>
               <a:rPr lang="en-US" dirty="0" smtClean="0"/>
-              <a:t>Discover operators from the Operators collection of the problem</a:t>
-            </a:r>
-          </a:p>
-          <a:p>
+              <a:t>: </a:t>
+            </a:r>
+          </a:p>
+          <a:p>
+            <a:pPr lvl="1"/>
             <a:r>
               <a:rPr lang="en-US" dirty="0" smtClean="0"/>
-              <a:t>Parameterize/wire (react to changes in operators) operators where necessary</a:t>
+              <a:t>Contains a run collection</a:t>
+            </a:r>
+          </a:p>
+          <a:p>
+            <a:r>
+              <a:rPr lang="en-US" dirty="0" err="1" smtClean="0"/>
+              <a:t>IAlgorithm</a:t>
+            </a:r>
+            <a:r>
+              <a:rPr lang="en-US" dirty="0" smtClean="0"/>
+              <a:t>: </a:t>
+            </a:r>
+          </a:p>
+          <a:p>
+            <a:pPr lvl="1"/>
+            <a:r>
+              <a:rPr lang="en-US" dirty="0" smtClean="0"/>
+              <a:t>Contains a problem on which the algorithm is applied as well as a result</a:t>
+            </a:r>
+          </a:p>
+          <a:p>
+            <a:r>
+              <a:rPr lang="en-US" dirty="0" smtClean="0"/>
+              <a:t>Algorithm: </a:t>
+            </a:r>
+          </a:p>
+          <a:p>
+            <a:pPr lvl="1"/>
+            <a:r>
+              <a:rPr lang="en-US" dirty="0" smtClean="0"/>
+              <a:t>Base class, implements </a:t>
+            </a:r>
+            <a:r>
+              <a:rPr lang="en-US" dirty="0" err="1" smtClean="0"/>
+              <a:t>IAlgorithm</a:t>
+            </a:r>
+            <a:endParaRPr lang="en-US" dirty="0" smtClean="0"/>
+          </a:p>
+          <a:p>
+            <a:r>
+              <a:rPr lang="en-US" dirty="0" err="1" smtClean="0"/>
+              <a:t>EngineAlgorithm</a:t>
+            </a:r>
+            <a:r>
+              <a:rPr lang="en-US" dirty="0" smtClean="0"/>
+              <a:t>: </a:t>
+            </a:r>
+          </a:p>
+          <a:p>
+            <a:pPr lvl="1"/>
+            <a:r>
+              <a:rPr lang="en-US" dirty="0" smtClean="0"/>
+              <a:t>Extensions for execution with an engine (operator graph, scope, engine)</a:t>
+            </a:r>
+          </a:p>
+          <a:p>
+            <a:r>
+              <a:rPr lang="en-US" dirty="0" err="1" smtClean="0"/>
+              <a:t>HeuristicOptimizationEngineAlgorithm</a:t>
+            </a:r>
+            <a:r>
+              <a:rPr lang="en-US" dirty="0" smtClean="0"/>
+              <a:t>: </a:t>
+            </a:r>
+          </a:p>
+          <a:p>
+            <a:pPr lvl="1"/>
+            <a:r>
+              <a:rPr lang="en-US" dirty="0" smtClean="0"/>
+              <a:t>Specifies problem: </a:t>
+            </a:r>
+            <a:r>
+              <a:rPr lang="en-US" dirty="0" err="1" smtClean="0"/>
+              <a:t>IHeuristicOptimizationProblem</a:t>
             </a:r>
             <a:endParaRPr lang="en-US" dirty="0"/>
           </a:p>
@@ -5362,7 +10553,7 @@
             <a:fld id="{6C6AE60A-B69C-4790-82F7-3882EDF23186}" type="slidenum">
               <a:rPr lang="de-DE" smtClean="0"/>
               <a:pPr/>
-              <a:t>13</a:t>
+              <a:t>20</a:t>
             </a:fld>
             <a:endParaRPr lang="de-DE"/>
           </a:p>
@@ -5371,7 +10562,7 @@
     </p:spTree>
     <p:extLst>
       <p:ext uri="{BB962C8B-B14F-4D97-AF65-F5344CB8AC3E}">
-        <p14:creationId xmlns:p14="http://schemas.microsoft.com/office/powerpoint/2010/main" val="4244634258"/>
+        <p14:creationId xmlns:p14="http://schemas.microsoft.com/office/powerpoint/2010/main" val="1686843175"/>
       </p:ext>
     </p:extLst>
   </p:cSld>
@@ -5381,7 +10572,7 @@
 </p:sld>
 </file>
 
-<file path=ppt/slides/slide14.xml><?xml version="1.0" encoding="utf-8"?>
+<file path=ppt/slides/slide21.xml><?xml version="1.0" encoding="utf-8"?>
 <p:sld xmlns:a="http://schemas.openxmlformats.org/drawingml/2006/main" xmlns:r="http://schemas.openxmlformats.org/officeDocument/2006/relationships" xmlns:p="http://schemas.openxmlformats.org/presentationml/2006/main">
   <p:cSld>
     <p:spTree>
@@ -5414,8 +10605,16 @@
           <a:lstStyle/>
           <a:p>
             <a:r>
-              <a:rPr lang="de-AT" dirty="0" smtClean="0"/>
-              <a:t>Problems</a:t>
+              <a:rPr lang="en-US" dirty="0"/>
+              <a:t>What does </a:t>
+            </a:r>
+            <a:r>
+              <a:rPr lang="en-US" dirty="0" smtClean="0"/>
+              <a:t>an HL algorithm </a:t>
+            </a:r>
+            <a:r>
+              <a:rPr lang="en-US" dirty="0"/>
+              <a:t>do?</a:t>
             </a:r>
             <a:endParaRPr lang="de-AT" dirty="0"/>
           </a:p>
@@ -5434,71 +10633,32 @@
         <p:spPr/>
         <p:txBody>
           <a:bodyPr>
-            <a:normAutofit fontScale="77500" lnSpcReduction="20000"/>
+            <a:normAutofit lnSpcReduction="10000"/>
           </a:bodyPr>
           <a:lstStyle/>
           <a:p>
             <a:r>
               <a:rPr lang="en-US" dirty="0" smtClean="0"/>
-              <a:t>Use encodings for representing solutions</a:t>
+              <a:t>Create operator graph of algorithm by chaining together operators (the actual algorithm)</a:t>
             </a:r>
           </a:p>
           <a:p>
             <a:r>
               <a:rPr lang="en-US" dirty="0" smtClean="0"/>
-              <a:t>Encodings consist of solution candidate definitions and corresponding operators</a:t>
+              <a:t>Offer user configuration options through parameters</a:t>
             </a:r>
           </a:p>
           <a:p>
             <a:r>
               <a:rPr lang="en-US" dirty="0" smtClean="0"/>
-              <a:t>Problems contain </a:t>
-            </a:r>
-          </a:p>
-          <a:p>
-            <a:pPr lvl="1"/>
+              <a:t>Discover operators from the Operators collection of the problem</a:t>
+            </a:r>
+          </a:p>
+          <a:p>
             <a:r>
               <a:rPr lang="en-US" dirty="0" smtClean="0"/>
-              <a:t>the evaluator</a:t>
-            </a:r>
-          </a:p>
-          <a:p>
-            <a:pPr lvl="1"/>
-            <a:r>
-              <a:rPr lang="en-US" dirty="0" smtClean="0"/>
-              <a:t>the solution creator</a:t>
-            </a:r>
-          </a:p>
-          <a:p>
-            <a:r>
-              <a:rPr lang="en-US" dirty="0" smtClean="0"/>
-              <a:t>Define maximization or minimization</a:t>
-            </a:r>
-          </a:p>
-          <a:p>
-            <a:r>
-              <a:rPr lang="en-US" dirty="0" smtClean="0"/>
-              <a:t>Contain the „problem data“ (e.g. a distance matrix, a simulation, a function definition), usually supplied by a </a:t>
-            </a:r>
-            <a:r>
-              <a:rPr lang="en-US" dirty="0" err="1" smtClean="0"/>
-              <a:t>ProblemInstanceProvider</a:t>
-            </a:r>
-            <a:endParaRPr lang="en-US" dirty="0" smtClean="0"/>
-          </a:p>
-          <a:p>
-            <a:r>
-              <a:rPr lang="en-US" dirty="0" smtClean="0"/>
-              <a:t>Can be single- or multi-objective</a:t>
-            </a:r>
-          </a:p>
-          <a:p>
-            <a:r>
-              <a:rPr lang="en-US" dirty="0" smtClean="0"/>
-              <a:t>Configured with parameters</a:t>
-            </a:r>
-          </a:p>
-          <a:p>
+              <a:t>Parameterize/wire (react to changes in operators) operators where necessary</a:t>
+            </a:r>
             <a:endParaRPr lang="en-US" dirty="0"/>
           </a:p>
         </p:txBody>
@@ -5567,7 +10727,7 @@
             <a:fld id="{6C6AE60A-B69C-4790-82F7-3882EDF23186}" type="slidenum">
               <a:rPr lang="de-DE" smtClean="0"/>
               <a:pPr/>
-              <a:t>14</a:t>
+              <a:t>21</a:t>
             </a:fld>
             <a:endParaRPr lang="de-DE"/>
           </a:p>
@@ -5576,7 +10736,7 @@
     </p:spTree>
     <p:extLst>
       <p:ext uri="{BB962C8B-B14F-4D97-AF65-F5344CB8AC3E}">
-        <p14:creationId xmlns:p14="http://schemas.microsoft.com/office/powerpoint/2010/main" val="3170979348"/>
+        <p14:creationId xmlns:p14="http://schemas.microsoft.com/office/powerpoint/2010/main" val="4244634258"/>
       </p:ext>
     </p:extLst>
   </p:cSld>
@@ -5586,7 +10746,7 @@
 </p:sld>
 </file>
 
-<file path=ppt/slides/slide15.xml><?xml version="1.0" encoding="utf-8"?>
+<file path=ppt/slides/slide22.xml><?xml version="1.0" encoding="utf-8"?>
 <p:sld xmlns:a="http://schemas.openxmlformats.org/drawingml/2006/main" xmlns:r="http://schemas.openxmlformats.org/officeDocument/2006/relationships" xmlns:p="http://schemas.openxmlformats.org/presentationml/2006/main">
   <p:cSld>
     <p:spTree>
@@ -5619,6 +10779,211 @@
           <a:lstStyle/>
           <a:p>
             <a:r>
+              <a:rPr lang="de-AT" dirty="0" smtClean="0"/>
+              <a:t>Problems</a:t>
+            </a:r>
+            <a:endParaRPr lang="de-AT" dirty="0"/>
+          </a:p>
+        </p:txBody>
+      </p:sp>
+      <p:sp>
+        <p:nvSpPr>
+          <p:cNvPr id="3" name="Inhaltsplatzhalter 2"/>
+          <p:cNvSpPr>
+            <a:spLocks noGrp="1"/>
+          </p:cNvSpPr>
+          <p:nvPr>
+            <p:ph idx="1"/>
+          </p:nvPr>
+        </p:nvSpPr>
+        <p:spPr/>
+        <p:txBody>
+          <a:bodyPr>
+            <a:normAutofit fontScale="77500" lnSpcReduction="20000"/>
+          </a:bodyPr>
+          <a:lstStyle/>
+          <a:p>
+            <a:r>
+              <a:rPr lang="en-US" dirty="0" smtClean="0"/>
+              <a:t>Use encodings for representing solutions</a:t>
+            </a:r>
+          </a:p>
+          <a:p>
+            <a:r>
+              <a:rPr lang="en-US" dirty="0" smtClean="0"/>
+              <a:t>Encodings consist of solution candidate definitions and corresponding operators</a:t>
+            </a:r>
+          </a:p>
+          <a:p>
+            <a:r>
+              <a:rPr lang="en-US" dirty="0" smtClean="0"/>
+              <a:t>Problems contain </a:t>
+            </a:r>
+          </a:p>
+          <a:p>
+            <a:pPr lvl="1"/>
+            <a:r>
+              <a:rPr lang="en-US" dirty="0" smtClean="0"/>
+              <a:t>the evaluator</a:t>
+            </a:r>
+          </a:p>
+          <a:p>
+            <a:pPr lvl="1"/>
+            <a:r>
+              <a:rPr lang="en-US" dirty="0" smtClean="0"/>
+              <a:t>the solution creator</a:t>
+            </a:r>
+          </a:p>
+          <a:p>
+            <a:r>
+              <a:rPr lang="en-US" dirty="0" smtClean="0"/>
+              <a:t>Define maximization or minimization</a:t>
+            </a:r>
+          </a:p>
+          <a:p>
+            <a:r>
+              <a:rPr lang="en-US" dirty="0" smtClean="0"/>
+              <a:t>Contain the „problem data“ (e.g. a distance matrix, a simulation, a function definition), usually supplied by a </a:t>
+            </a:r>
+            <a:r>
+              <a:rPr lang="en-US" dirty="0" err="1" smtClean="0"/>
+              <a:t>ProblemInstanceProvider</a:t>
+            </a:r>
+            <a:endParaRPr lang="en-US" dirty="0" smtClean="0"/>
+          </a:p>
+          <a:p>
+            <a:r>
+              <a:rPr lang="en-US" dirty="0" smtClean="0"/>
+              <a:t>Can be single- or multi-objective</a:t>
+            </a:r>
+          </a:p>
+          <a:p>
+            <a:r>
+              <a:rPr lang="en-US" dirty="0" smtClean="0"/>
+              <a:t>Configured with parameters</a:t>
+            </a:r>
+          </a:p>
+          <a:p>
+            <a:endParaRPr lang="en-US" dirty="0"/>
+          </a:p>
+        </p:txBody>
+      </p:sp>
+      <p:sp>
+        <p:nvSpPr>
+          <p:cNvPr id="4" name="Datumsplatzhalter 3"/>
+          <p:cNvSpPr>
+            <a:spLocks noGrp="1"/>
+          </p:cNvSpPr>
+          <p:nvPr>
+            <p:ph type="dt" sz="half" idx="10"/>
+          </p:nvPr>
+        </p:nvSpPr>
+        <p:spPr/>
+        <p:txBody>
+          <a:bodyPr/>
+          <a:lstStyle/>
+          <a:p>
+            <a:r>
+              <a:rPr lang="de-DE" smtClean="0"/>
+              <a:t>Programming HeuristicLab</a:t>
+            </a:r>
+            <a:endParaRPr lang="de-DE" dirty="0"/>
+          </a:p>
+        </p:txBody>
+      </p:sp>
+      <p:sp>
+        <p:nvSpPr>
+          <p:cNvPr id="5" name="Fußzeilenplatzhalter 4"/>
+          <p:cNvSpPr>
+            <a:spLocks noGrp="1"/>
+          </p:cNvSpPr>
+          <p:nvPr>
+            <p:ph type="ftr" sz="quarter" idx="11"/>
+          </p:nvPr>
+        </p:nvSpPr>
+        <p:spPr/>
+        <p:txBody>
+          <a:bodyPr/>
+          <a:lstStyle/>
+          <a:p>
+            <a:r>
+              <a:rPr lang="de-DE" smtClean="0"/>
+              <a:t>http://dev.heuristiclab.com</a:t>
+            </a:r>
+            <a:endParaRPr lang="de-DE"/>
+          </a:p>
+        </p:txBody>
+      </p:sp>
+      <p:sp>
+        <p:nvSpPr>
+          <p:cNvPr id="6" name="Foliennummernplatzhalter 5"/>
+          <p:cNvSpPr>
+            <a:spLocks noGrp="1"/>
+          </p:cNvSpPr>
+          <p:nvPr>
+            <p:ph type="sldNum" sz="quarter" idx="12"/>
+          </p:nvPr>
+        </p:nvSpPr>
+        <p:spPr/>
+        <p:txBody>
+          <a:bodyPr/>
+          <a:lstStyle/>
+          <a:p>
+            <a:fld id="{6C6AE60A-B69C-4790-82F7-3882EDF23186}" type="slidenum">
+              <a:rPr lang="de-DE" smtClean="0"/>
+              <a:pPr/>
+              <a:t>22</a:t>
+            </a:fld>
+            <a:endParaRPr lang="de-DE"/>
+          </a:p>
+        </p:txBody>
+      </p:sp>
+    </p:spTree>
+    <p:extLst>
+      <p:ext uri="{BB962C8B-B14F-4D97-AF65-F5344CB8AC3E}">
+        <p14:creationId xmlns:p14="http://schemas.microsoft.com/office/powerpoint/2010/main" val="3170979348"/>
+      </p:ext>
+    </p:extLst>
+  </p:cSld>
+  <p:clrMapOvr>
+    <a:masterClrMapping/>
+  </p:clrMapOvr>
+</p:sld>
+</file>
+
+<file path=ppt/slides/slide23.xml><?xml version="1.0" encoding="utf-8"?>
+<p:sld xmlns:a="http://schemas.openxmlformats.org/drawingml/2006/main" xmlns:r="http://schemas.openxmlformats.org/officeDocument/2006/relationships" xmlns:p="http://schemas.openxmlformats.org/presentationml/2006/main">
+  <p:cSld>
+    <p:spTree>
+      <p:nvGrpSpPr>
+        <p:cNvPr id="1" name=""/>
+        <p:cNvGrpSpPr/>
+        <p:nvPr/>
+      </p:nvGrpSpPr>
+      <p:grpSpPr>
+        <a:xfrm>
+          <a:off x="0" y="0"/>
+          <a:ext cx="0" cy="0"/>
+          <a:chOff x="0" y="0"/>
+          <a:chExt cx="0" cy="0"/>
+        </a:xfrm>
+      </p:grpSpPr>
+      <p:sp>
+        <p:nvSpPr>
+          <p:cNvPr id="2" name="Titel 1"/>
+          <p:cNvSpPr>
+            <a:spLocks noGrp="1"/>
+          </p:cNvSpPr>
+          <p:nvPr>
+            <p:ph type="title"/>
+          </p:nvPr>
+        </p:nvSpPr>
+        <p:spPr/>
+        <p:txBody>
+          <a:bodyPr/>
+          <a:lstStyle/>
+          <a:p>
+            <a:r>
               <a:rPr lang="en-US" dirty="0" smtClean="0"/>
               <a:t>Problem Architecture</a:t>
             </a:r>
@@ -5690,7 +11055,7 @@
             <a:fld id="{6C6AE60A-B69C-4790-82F7-3882EDF23186}" type="slidenum">
               <a:rPr lang="de-DE" smtClean="0"/>
               <a:pPr/>
-              <a:t>15</a:t>
+              <a:t>23</a:t>
             </a:fld>
             <a:endParaRPr lang="de-DE"/>
           </a:p>
@@ -5740,7 +11105,7 @@
 </p:sld>
 </file>
 
-<file path=ppt/slides/slide16.xml><?xml version="1.0" encoding="utf-8"?>
+<file path=ppt/slides/slide24.xml><?xml version="1.0" encoding="utf-8"?>
 <p:sld xmlns:a="http://schemas.openxmlformats.org/drawingml/2006/main" xmlns:r="http://schemas.openxmlformats.org/officeDocument/2006/relationships" xmlns:p="http://schemas.openxmlformats.org/presentationml/2006/main">
   <p:cSld>
     <p:spTree>
@@ -5846,7 +11211,7 @@
             <a:fld id="{6C6AE60A-B69C-4790-82F7-3882EDF23186}" type="slidenum">
               <a:rPr lang="de-DE" smtClean="0"/>
               <a:pPr/>
-              <a:t>16</a:t>
+              <a:t>24</a:t>
             </a:fld>
             <a:endParaRPr lang="de-DE"/>
           </a:p>
@@ -5889,7 +11254,7 @@
 </p:sld>
 </file>
 
-<file path=ppt/slides/slide17.xml><?xml version="1.0" encoding="utf-8"?>
+<file path=ppt/slides/slide25.xml><?xml version="1.0" encoding="utf-8"?>
 <p:sld xmlns:a="http://schemas.openxmlformats.org/drawingml/2006/main" xmlns:r="http://schemas.openxmlformats.org/officeDocument/2006/relationships" xmlns:p="http://schemas.openxmlformats.org/presentationml/2006/main">
   <p:cSld>
     <p:spTree>
@@ -6072,7 +11437,7 @@
             <a:fld id="{6C6AE60A-B69C-4790-82F7-3882EDF23186}" type="slidenum">
               <a:rPr lang="de-DE" smtClean="0"/>
               <a:pPr/>
-              <a:t>17</a:t>
+              <a:t>25</a:t>
             </a:fld>
             <a:endParaRPr lang="de-DE"/>
           </a:p>
@@ -6091,7 +11456,7 @@
 </p:sld>
 </file>
 
-<file path=ppt/slides/slide18.xml><?xml version="1.0" encoding="utf-8"?>
+<file path=ppt/slides/slide26.xml><?xml version="1.0" encoding="utf-8"?>
 <p:sld xmlns:a="http://schemas.openxmlformats.org/drawingml/2006/main" xmlns:r="http://schemas.openxmlformats.org/officeDocument/2006/relationships" xmlns:p="http://schemas.openxmlformats.org/presentationml/2006/main">
   <p:cSld>
     <p:spTree>
@@ -6127,15 +11492,7 @@
           <a:p>
             <a:r>
               <a:rPr lang="en-US" dirty="0" smtClean="0"/>
-              <a:t>Recap: What does </a:t>
-            </a:r>
-            <a:r>
-              <a:rPr lang="en-US" dirty="0" smtClean="0"/>
-              <a:t>a HL </a:t>
-            </a:r>
-            <a:r>
-              <a:rPr lang="en-US" dirty="0" smtClean="0"/>
-              <a:t>problem do?</a:t>
+              <a:t>Recap: What does a HL problem do?</a:t>
             </a:r>
             <a:endParaRPr lang="en-US" dirty="0"/>
           </a:p>
@@ -6265,7 +11622,7 @@
             <a:fld id="{6C6AE60A-B69C-4790-82F7-3882EDF23186}" type="slidenum">
               <a:rPr lang="de-DE" smtClean="0"/>
               <a:pPr/>
-              <a:t>18</a:t>
+              <a:t>26</a:t>
             </a:fld>
             <a:endParaRPr lang="de-DE"/>
           </a:p>
@@ -6284,7 +11641,7 @@
 </p:sld>
 </file>
 
-<file path=ppt/slides/slide19.xml><?xml version="1.0" encoding="utf-8"?>
+<file path=ppt/slides/slide27.xml><?xml version="1.0" encoding="utf-8"?>
 <p:sld xmlns:a="http://schemas.openxmlformats.org/drawingml/2006/main" xmlns:r="http://schemas.openxmlformats.org/officeDocument/2006/relationships" xmlns:p="http://schemas.openxmlformats.org/presentationml/2006/main">
   <p:cSld>
     <p:spTree>
@@ -6391,7 +11748,7 @@
             <a:fld id="{6C6AE60A-B69C-4790-82F7-3882EDF23186}" type="slidenum">
               <a:rPr lang="en-US" smtClean="0"/>
               <a:pPr/>
-              <a:t>19</a:t>
+              <a:t>27</a:t>
             </a:fld>
             <a:endParaRPr lang="en-US"/>
           </a:p>
@@ -6505,192 +11862,6 @@
     <a:masterClrMapping/>
   </p:clrMapOvr>
   <p:transition/>
-  <p:timing>
-    <p:tnLst>
-      <p:par>
-        <p:cTn id="1" dur="indefinite" restart="never" nodeType="tmRoot"/>
-      </p:par>
-    </p:tnLst>
-  </p:timing>
-</p:sld>
-</file>
-
-<file path=ppt/slides/slide2.xml><?xml version="1.0" encoding="utf-8"?>
-<p:sld xmlns:a="http://schemas.openxmlformats.org/drawingml/2006/main" xmlns:r="http://schemas.openxmlformats.org/officeDocument/2006/relationships" xmlns:p="http://schemas.openxmlformats.org/presentationml/2006/main">
-  <p:cSld>
-    <p:spTree>
-      <p:nvGrpSpPr>
-        <p:cNvPr id="1" name=""/>
-        <p:cNvGrpSpPr/>
-        <p:nvPr/>
-      </p:nvGrpSpPr>
-      <p:grpSpPr>
-        <a:xfrm>
-          <a:off x="0" y="0"/>
-          <a:ext cx="0" cy="0"/>
-          <a:chOff x="0" y="0"/>
-          <a:chExt cx="0" cy="0"/>
-        </a:xfrm>
-      </p:grpSpPr>
-      <p:sp>
-        <p:nvSpPr>
-          <p:cNvPr id="2" name="Titel 1"/>
-          <p:cNvSpPr>
-            <a:spLocks noGrp="1"/>
-          </p:cNvSpPr>
-          <p:nvPr>
-            <p:ph type="title"/>
-          </p:nvPr>
-        </p:nvSpPr>
-        <p:spPr/>
-        <p:txBody>
-          <a:bodyPr/>
-          <a:lstStyle/>
-          <a:p>
-            <a:r>
-              <a:rPr lang="en-US" dirty="0" smtClean="0"/>
-              <a:t>Overview</a:t>
-            </a:r>
-            <a:endParaRPr lang="en-US" dirty="0"/>
-          </a:p>
-        </p:txBody>
-      </p:sp>
-      <p:sp>
-        <p:nvSpPr>
-          <p:cNvPr id="3" name="Inhaltsplatzhalter 2"/>
-          <p:cNvSpPr>
-            <a:spLocks noGrp="1"/>
-          </p:cNvSpPr>
-          <p:nvPr>
-            <p:ph idx="1"/>
-          </p:nvPr>
-        </p:nvSpPr>
-        <p:spPr/>
-        <p:txBody>
-          <a:bodyPr>
-            <a:normAutofit/>
-          </a:bodyPr>
-          <a:lstStyle/>
-          <a:p>
-            <a:r>
-              <a:rPr lang="en-US" dirty="0" smtClean="0"/>
-              <a:t>HL Algorithm </a:t>
-            </a:r>
-            <a:r>
-              <a:rPr lang="en-US" dirty="0"/>
-              <a:t>M</a:t>
-            </a:r>
-            <a:r>
-              <a:rPr lang="en-US" dirty="0" smtClean="0"/>
-              <a:t>odel</a:t>
-            </a:r>
-          </a:p>
-          <a:p>
-            <a:r>
-              <a:rPr lang="en-US" dirty="0" smtClean="0"/>
-              <a:t>Parameters, Operators and Scopes</a:t>
-            </a:r>
-          </a:p>
-          <a:p>
-            <a:r>
-              <a:rPr lang="en-US" dirty="0" smtClean="0"/>
-              <a:t>Algorithms</a:t>
-            </a:r>
-          </a:p>
-          <a:p>
-            <a:r>
-              <a:rPr lang="en-US" dirty="0" smtClean="0"/>
-              <a:t>Problems</a:t>
-            </a:r>
-          </a:p>
-          <a:p>
-            <a:endParaRPr lang="en-US" dirty="0"/>
-          </a:p>
-        </p:txBody>
-      </p:sp>
-      <p:sp>
-        <p:nvSpPr>
-          <p:cNvPr id="4" name="Datumsplatzhalter 3"/>
-          <p:cNvSpPr>
-            <a:spLocks noGrp="1"/>
-          </p:cNvSpPr>
-          <p:nvPr>
-            <p:ph type="dt" sz="half" idx="10"/>
-          </p:nvPr>
-        </p:nvSpPr>
-        <p:spPr/>
-        <p:txBody>
-          <a:bodyPr/>
-          <a:lstStyle/>
-          <a:p>
-            <a:r>
-              <a:rPr lang="de-DE" dirty="0" err="1"/>
-              <a:t>Programming</a:t>
-            </a:r>
-            <a:r>
-              <a:rPr lang="de-DE" dirty="0"/>
-              <a:t> HeuristicLab</a:t>
-            </a:r>
-          </a:p>
-        </p:txBody>
-      </p:sp>
-      <p:sp>
-        <p:nvSpPr>
-          <p:cNvPr id="5" name="Fußzeilenplatzhalter 4"/>
-          <p:cNvSpPr>
-            <a:spLocks noGrp="1"/>
-          </p:cNvSpPr>
-          <p:nvPr>
-            <p:ph type="ftr" sz="quarter" idx="11"/>
-          </p:nvPr>
-        </p:nvSpPr>
-        <p:spPr/>
-        <p:txBody>
-          <a:bodyPr/>
-          <a:lstStyle/>
-          <a:p>
-            <a:r>
-              <a:rPr lang="de-DE" smtClean="0"/>
-              <a:t>http://dev.heuristiclab.com</a:t>
-            </a:r>
-            <a:endParaRPr lang="de-DE"/>
-          </a:p>
-        </p:txBody>
-      </p:sp>
-      <p:sp>
-        <p:nvSpPr>
-          <p:cNvPr id="6" name="Foliennummernplatzhalter 5"/>
-          <p:cNvSpPr>
-            <a:spLocks noGrp="1"/>
-          </p:cNvSpPr>
-          <p:nvPr>
-            <p:ph type="sldNum" sz="quarter" idx="12"/>
-          </p:nvPr>
-        </p:nvSpPr>
-        <p:spPr/>
-        <p:txBody>
-          <a:bodyPr/>
-          <a:lstStyle/>
-          <a:p>
-            <a:fld id="{6C6AE60A-B69C-4790-82F7-3882EDF23186}" type="slidenum">
-              <a:rPr lang="de-DE" smtClean="0"/>
-              <a:pPr/>
-              <a:t>2</a:t>
-            </a:fld>
-            <a:endParaRPr lang="de-DE"/>
-          </a:p>
-        </p:txBody>
-      </p:sp>
-    </p:spTree>
-    <p:extLst>
-      <p:ext uri="{BB962C8B-B14F-4D97-AF65-F5344CB8AC3E}">
-        <p14:creationId xmlns:p14="http://schemas.microsoft.com/office/powerpoint/2010/main" val="361769094"/>
-      </p:ext>
-    </p:extLst>
-  </p:cSld>
-  <p:clrMapOvr>
-    <a:masterClrMapping/>
-  </p:clrMapOvr>
   <p:timing>
     <p:tnLst>
       <p:par>
@@ -7318,8 +12489,13 @@
           <a:p>
             <a:r>
               <a:rPr lang="en-US" dirty="0" smtClean="0"/>
-              <a:t>Used to configure algorithms, problems and operators</a:t>
-            </a:r>
+              <a:t>Used to configure algorithms, problems and </a:t>
+            </a:r>
+            <a:r>
+              <a:rPr lang="en-US" dirty="0" smtClean="0"/>
+              <a:t>operators</a:t>
+            </a:r>
+            <a:endParaRPr lang="en-US" dirty="0" smtClean="0"/>
           </a:p>
           <a:p>
             <a:r>
@@ -7800,7 +12976,7 @@
           <a:p>
             <a:r>
               <a:rPr lang="de-AT" dirty="0" smtClean="0"/>
-              <a:t>Scopes</a:t>
+              <a:t>Parameters</a:t>
             </a:r>
             <a:endParaRPr lang="de-AT" dirty="0"/>
           </a:p>
@@ -7816,46 +12992,63 @@
             <p:ph idx="1"/>
           </p:nvPr>
         </p:nvSpPr>
-        <p:spPr>
-          <a:xfrm>
-            <a:off x="457200" y="1600200"/>
-            <a:ext cx="8229600" cy="2444749"/>
-          </a:xfrm>
-        </p:spPr>
+        <p:spPr/>
         <p:txBody>
           <a:bodyPr>
-            <a:normAutofit fontScale="85000" lnSpcReduction="20000"/>
+            <a:normAutofit/>
           </a:bodyPr>
           <a:lstStyle/>
           <a:p>
             <a:r>
               <a:rPr lang="en-US" dirty="0" smtClean="0"/>
-              <a:t>A scope is a node in the scope tree</a:t>
-            </a:r>
-          </a:p>
-          <a:p>
+              <a:t>Everything that is a </a:t>
+            </a:r>
+            <a:r>
+              <a:rPr lang="en-US" dirty="0" err="1" smtClean="0"/>
+              <a:t>ParameterizedNamedItem</a:t>
+            </a:r>
             <a:r>
               <a:rPr lang="en-US" dirty="0" smtClean="0"/>
-              <a:t>Contains link to parent and sub-scopes</a:t>
+              <a:t> has a Parameters collection</a:t>
             </a:r>
           </a:p>
           <a:p>
             <a:r>
               <a:rPr lang="en-US" dirty="0" smtClean="0"/>
-              <a:t>Contains variables (e.g. solutions or their quality)</a:t>
-            </a:r>
-          </a:p>
-          <a:p>
+              <a:t>Normally used in the following way:</a:t>
+            </a:r>
+          </a:p>
+          <a:p>
+            <a:pPr lvl="1"/>
             <a:r>
               <a:rPr lang="en-US" dirty="0" smtClean="0"/>
-              <a:t>Operators usually work on scopes (either directly or through parameters)</a:t>
-            </a:r>
-          </a:p>
-          <a:p>
+              <a:t>Add parameter to Parameters collection</a:t>
+            </a:r>
+            <a:endParaRPr lang="en-US" dirty="0"/>
+          </a:p>
+          <a:p>
+            <a:pPr lvl="1"/>
             <a:r>
               <a:rPr lang="en-US" dirty="0" smtClean="0"/>
-              <a:t>Example - Selection:</a:t>
-            </a:r>
+              <a:t>Implement getter for convenience</a:t>
+            </a:r>
+            <a:endParaRPr lang="en-US" dirty="0"/>
+          </a:p>
+          <a:p>
+            <a:pPr lvl="1"/>
+            <a:r>
+              <a:rPr lang="en-US" dirty="0" smtClean="0"/>
+              <a:t>Use parameter</a:t>
+            </a:r>
+          </a:p>
+          <a:p>
+            <a:pPr lvl="1"/>
+            <a:r>
+              <a:rPr lang="en-US" dirty="0" smtClean="0"/>
+              <a:t>Lookup parameter</a:t>
+            </a:r>
+          </a:p>
+          <a:p>
             <a:endParaRPr lang="en-US" dirty="0"/>
           </a:p>
         </p:txBody>
@@ -7930,47 +13123,16 @@
           </a:p>
         </p:txBody>
       </p:sp>
-      <p:pic>
-        <p:nvPicPr>
-          <p:cNvPr id="7" name="Grafik 6"/>
-          <p:cNvPicPr>
-            <a:picLocks noChangeAspect="1"/>
-          </p:cNvPicPr>
-          <p:nvPr/>
-        </p:nvPicPr>
-        <p:blipFill>
-          <a:blip r:embed="rId2"/>
-          <a:stretch>
-            <a:fillRect/>
-          </a:stretch>
-        </p:blipFill>
-        <p:spPr>
-          <a:xfrm>
-            <a:off x="1449337" y="4044950"/>
-            <a:ext cx="6245326" cy="2311400"/>
-          </a:xfrm>
-          <a:prstGeom prst="rect">
-            <a:avLst/>
-          </a:prstGeom>
-        </p:spPr>
-      </p:pic>
     </p:spTree>
     <p:extLst>
       <p:ext uri="{BB962C8B-B14F-4D97-AF65-F5344CB8AC3E}">
-        <p14:creationId xmlns:p14="http://schemas.microsoft.com/office/powerpoint/2010/main" val="2840338780"/>
+        <p14:creationId xmlns:p14="http://schemas.microsoft.com/office/powerpoint/2010/main" val="3630443486"/>
       </p:ext>
     </p:extLst>
   </p:cSld>
   <p:clrMapOvr>
     <a:masterClrMapping/>
   </p:clrMapOvr>
-  <p:timing>
-    <p:tnLst>
-      <p:par>
-        <p:cTn id="1" dur="indefinite" restart="never" nodeType="tmRoot"/>
-      </p:par>
-    </p:tnLst>
-  </p:timing>
 </p:sld>
 </file>
 
@@ -8003,89 +13165,162 @@
         </p:nvSpPr>
         <p:spPr/>
         <p:txBody>
+          <a:bodyPr>
+            <a:normAutofit fontScale="90000"/>
+          </a:bodyPr>
+          <a:lstStyle/>
+          <a:p>
+            <a:r>
+              <a:rPr lang="en-US" dirty="0"/>
+              <a:t>Add parameter to Parameters collection</a:t>
+            </a:r>
+            <a:endParaRPr lang="de-AT" dirty="0"/>
+          </a:p>
+        </p:txBody>
+      </p:sp>
+      <p:sp>
+        <p:nvSpPr>
+          <p:cNvPr id="3" name="Inhaltsplatzhalter 2"/>
+          <p:cNvSpPr>
+            <a:spLocks noGrp="1"/>
+          </p:cNvSpPr>
+          <p:nvPr>
+            <p:ph idx="1"/>
+          </p:nvPr>
+        </p:nvSpPr>
+        <p:spPr>
+          <a:xfrm>
+            <a:off x="457199" y="1600200"/>
+            <a:ext cx="6347531" cy="4525963"/>
+          </a:xfrm>
+        </p:spPr>
+        <p:txBody>
           <a:bodyPr/>
           <a:lstStyle/>
           <a:p>
             <a:r>
               <a:rPr lang="de-AT" dirty="0" smtClean="0"/>
-              <a:t>Operators</a:t>
-            </a:r>
+              <a:t>The Crossover </a:t>
+            </a:r>
+            <a:r>
+              <a:rPr lang="de-AT" dirty="0" err="1" smtClean="0"/>
+              <a:t>parameter</a:t>
+            </a:r>
+            <a:r>
+              <a:rPr lang="de-AT" dirty="0" smtClean="0"/>
+              <a:t> </a:t>
+            </a:r>
+            <a:r>
+              <a:rPr lang="de-AT" dirty="0" err="1" smtClean="0"/>
+              <a:t>enables</a:t>
+            </a:r>
+            <a:r>
+              <a:rPr lang="de-AT" dirty="0" smtClean="0"/>
+              <a:t> </a:t>
+            </a:r>
+            <a:r>
+              <a:rPr lang="de-AT" dirty="0" err="1" smtClean="0"/>
+              <a:t>the</a:t>
+            </a:r>
+            <a:r>
+              <a:rPr lang="de-AT" dirty="0" smtClean="0"/>
+              <a:t> </a:t>
+            </a:r>
+            <a:r>
+              <a:rPr lang="de-AT" dirty="0" err="1" smtClean="0"/>
+              <a:t>user</a:t>
+            </a:r>
+            <a:r>
+              <a:rPr lang="de-AT" dirty="0" smtClean="0"/>
+              <a:t> </a:t>
+            </a:r>
+            <a:r>
+              <a:rPr lang="de-AT" dirty="0" err="1" smtClean="0"/>
+              <a:t>to</a:t>
+            </a:r>
+            <a:r>
+              <a:rPr lang="de-AT" dirty="0" smtClean="0"/>
+              <a:t> </a:t>
+            </a:r>
+            <a:r>
+              <a:rPr lang="de-AT" dirty="0" err="1" smtClean="0"/>
+              <a:t>select</a:t>
+            </a:r>
+            <a:r>
+              <a:rPr lang="de-AT" dirty="0" smtClean="0"/>
+              <a:t> different </a:t>
+            </a:r>
+            <a:r>
+              <a:rPr lang="de-AT" dirty="0" err="1" smtClean="0"/>
+              <a:t>crossover</a:t>
+            </a:r>
+            <a:r>
+              <a:rPr lang="de-AT" dirty="0" smtClean="0"/>
+              <a:t> </a:t>
+            </a:r>
+            <a:r>
+              <a:rPr lang="de-AT" dirty="0" err="1" smtClean="0"/>
+              <a:t>operators</a:t>
+            </a:r>
+            <a:r>
+              <a:rPr lang="de-AT" dirty="0" smtClean="0"/>
+              <a:t>:</a:t>
+            </a:r>
+          </a:p>
+          <a:p>
             <a:endParaRPr lang="de-AT" dirty="0"/>
           </a:p>
-        </p:txBody>
-      </p:sp>
-      <p:sp>
-        <p:nvSpPr>
-          <p:cNvPr id="3" name="Inhaltsplatzhalter 2"/>
-          <p:cNvSpPr>
-            <a:spLocks noGrp="1"/>
-          </p:cNvSpPr>
-          <p:nvPr>
-            <p:ph idx="1"/>
-          </p:nvPr>
-        </p:nvSpPr>
-        <p:spPr/>
-        <p:txBody>
-          <a:bodyPr/>
-          <a:lstStyle/>
-          <a:p>
-            <a:r>
-              <a:rPr lang="en-US" dirty="0" smtClean="0"/>
-              <a:t>Inherit from </a:t>
-            </a:r>
-            <a:r>
-              <a:rPr lang="en-US" dirty="0" err="1" smtClean="0"/>
-              <a:t>SingleSuccessorOperator</a:t>
-            </a:r>
-            <a:endParaRPr lang="en-US" dirty="0" smtClean="0"/>
-          </a:p>
-          <a:p>
-            <a:r>
-              <a:rPr lang="en-US" dirty="0" smtClean="0"/>
-              <a:t>Override the Apply() method</a:t>
-            </a:r>
-          </a:p>
-          <a:p>
-            <a:r>
-              <a:rPr lang="en-US" dirty="0" smtClean="0"/>
-              <a:t>Must return </a:t>
-            </a:r>
-            <a:r>
-              <a:rPr lang="en-US" dirty="0" err="1" smtClean="0"/>
-              <a:t>base.Apply</a:t>
-            </a:r>
-            <a:r>
-              <a:rPr lang="en-US" dirty="0" smtClean="0"/>
-              <a:t>()</a:t>
-            </a:r>
-          </a:p>
-          <a:p>
-            <a:pPr lvl="1"/>
-            <a:r>
-              <a:rPr lang="en-US" dirty="0" smtClean="0"/>
-              <a:t>Returns successor operation</a:t>
-            </a:r>
-          </a:p>
-          <a:p>
-            <a:r>
-              <a:rPr lang="en-US" dirty="0" smtClean="0"/>
-              <a:t>Use </a:t>
-            </a:r>
-            <a:r>
-              <a:rPr lang="en-US" dirty="0" err="1" smtClean="0"/>
-              <a:t>ExecutionContext</a:t>
-            </a:r>
-            <a:r>
-              <a:rPr lang="en-US" dirty="0" smtClean="0"/>
-              <a:t> to access scopes</a:t>
-            </a:r>
-          </a:p>
-          <a:p>
-            <a:r>
-              <a:rPr lang="en-US" dirty="0" smtClean="0"/>
-              <a:t>Or better: Use parameters to retrieve scopes, values from scopes or manipulate them</a:t>
-            </a:r>
-            <a:endParaRPr lang="en-US" dirty="0"/>
+          <a:p>
+            <a:r>
+              <a:rPr lang="de-AT" dirty="0" smtClean="0"/>
+              <a:t>The </a:t>
+            </a:r>
+            <a:r>
+              <a:rPr lang="de-AT" dirty="0" err="1" smtClean="0"/>
+              <a:t>PopulationSize</a:t>
+            </a:r>
+            <a:r>
+              <a:rPr lang="de-AT" dirty="0" smtClean="0"/>
+              <a:t> </a:t>
+            </a:r>
+            <a:r>
+              <a:rPr lang="de-AT" dirty="0" err="1" smtClean="0"/>
+              <a:t>is</a:t>
+            </a:r>
+            <a:r>
+              <a:rPr lang="de-AT" dirty="0" smtClean="0"/>
+              <a:t> a </a:t>
+            </a:r>
+            <a:r>
+              <a:rPr lang="de-AT" dirty="0" err="1" smtClean="0"/>
+              <a:t>freely</a:t>
+            </a:r>
+            <a:r>
+              <a:rPr lang="de-AT" dirty="0" smtClean="0"/>
+              <a:t> </a:t>
+            </a:r>
+            <a:r>
+              <a:rPr lang="de-AT" dirty="0" err="1" smtClean="0"/>
+              <a:t>configurable</a:t>
+            </a:r>
+            <a:r>
+              <a:rPr lang="de-AT" dirty="0" smtClean="0"/>
+              <a:t> integer </a:t>
+            </a:r>
+            <a:r>
+              <a:rPr lang="de-AT" dirty="0" err="1" smtClean="0"/>
+              <a:t>value</a:t>
+            </a:r>
+            <a:r>
+              <a:rPr lang="de-AT" dirty="0" smtClean="0"/>
+              <a:t>:</a:t>
+            </a:r>
+          </a:p>
+          <a:p>
+            <a:endParaRPr lang="de-AT" dirty="0" smtClean="0"/>
+          </a:p>
+          <a:p>
+            <a:endParaRPr lang="de-AT" dirty="0"/>
           </a:p>
         </p:txBody>
       </p:sp>
@@ -8159,10 +13394,963 @@
           </a:p>
         </p:txBody>
       </p:sp>
+      <p:pic>
+        <p:nvPicPr>
+          <p:cNvPr id="7" name="Grafik 6"/>
+          <p:cNvPicPr>
+            <a:picLocks noChangeAspect="1"/>
+          </p:cNvPicPr>
+          <p:nvPr/>
+        </p:nvPicPr>
+        <p:blipFill rotWithShape="1">
+          <a:blip r:embed="rId2"/>
+          <a:srcRect r="24394"/>
+          <a:stretch/>
+        </p:blipFill>
+        <p:spPr>
+          <a:xfrm>
+            <a:off x="6804731" y="2060848"/>
+            <a:ext cx="2231765" cy="2916281"/>
+          </a:xfrm>
+          <a:prstGeom prst="rect">
+            <a:avLst/>
+          </a:prstGeom>
+        </p:spPr>
+      </p:pic>
+      <p:sp>
+        <p:nvSpPr>
+          <p:cNvPr id="8" name="Rectangle 1"/>
+          <p:cNvSpPr>
+            <a:spLocks noChangeArrowheads="1"/>
+          </p:cNvSpPr>
+          <p:nvPr/>
+        </p:nvSpPr>
+        <p:spPr bwMode="auto">
+          <a:xfrm>
+            <a:off x="604402" y="3194496"/>
+            <a:ext cx="6200328" cy="461665"/>
+          </a:xfrm>
+          <a:prstGeom prst="rect">
+            <a:avLst/>
+          </a:prstGeom>
+          <a:solidFill>
+            <a:srgbClr val="FFFFFF"/>
+          </a:solidFill>
+          <a:ln>
+            <a:noFill/>
+          </a:ln>
+          <a:effectLst/>
+          <a:extLst>
+            <a:ext uri="{91240B29-F687-4F45-9708-019B960494DF}">
+              <a14:hiddenLine xmlns:a14="http://schemas.microsoft.com/office/drawing/2010/main" w="9525">
+                <a:solidFill>
+                  <a:schemeClr val="tx1"/>
+                </a:solidFill>
+                <a:miter lim="800000"/>
+                <a:headEnd/>
+                <a:tailEnd/>
+              </a14:hiddenLine>
+            </a:ext>
+            <a:ext uri="{AF507438-7753-43E0-B8FC-AC1667EBCBE1}">
+              <a14:hiddenEffects xmlns:a14="http://schemas.microsoft.com/office/drawing/2010/main">
+                <a:effectLst>
+                  <a:outerShdw dist="35921" dir="2700000" algn="ctr" rotWithShape="0">
+                    <a:schemeClr val="bg2"/>
+                  </a:outerShdw>
+                </a:effectLst>
+              </a14:hiddenEffects>
+            </a:ext>
+          </a:extLst>
+        </p:spPr>
+        <p:txBody>
+          <a:bodyPr vert="horz" wrap="square" lIns="91440" tIns="45720" rIns="91440" bIns="45720" numCol="1" anchor="ctr" anchorCtr="0" compatLnSpc="1">
+            <a:prstTxWarp prst="textNoShape">
+              <a:avLst/>
+            </a:prstTxWarp>
+            <a:spAutoFit/>
+          </a:bodyPr>
+          <a:lstStyle/>
+          <a:p>
+            <a:pPr marL="0" marR="0" lvl="0" indent="0" algn="l" defTabSz="914400" rtl="0" eaLnBrk="0" fontAlgn="base" latinLnBrk="0" hangingPunct="0">
+              <a:lnSpc>
+                <a:spcPct val="100000"/>
+              </a:lnSpc>
+              <a:spcBef>
+                <a:spcPct val="0"/>
+              </a:spcBef>
+              <a:spcAft>
+                <a:spcPct val="0"/>
+              </a:spcAft>
+              <a:buClrTx/>
+              <a:buSzTx/>
+              <a:buFontTx/>
+              <a:buNone/>
+              <a:tabLst/>
+            </a:pPr>
+            <a:r>
+              <a:rPr kumimoji="0" lang="de-DE" altLang="de-DE" sz="1200" b="0" i="0" u="none" strike="noStrike" cap="none" normalizeH="0" baseline="0" dirty="0" err="1" smtClean="0">
+                <a:ln>
+                  <a:noFill/>
+                </a:ln>
+                <a:solidFill>
+                  <a:srgbClr val="000000"/>
+                </a:solidFill>
+                <a:effectLst/>
+                <a:latin typeface="Consolas" panose="020B0609020204030204" pitchFamily="49" charset="0"/>
+                <a:cs typeface="Consolas" panose="020B0609020204030204" pitchFamily="49" charset="0"/>
+              </a:rPr>
+              <a:t>Parameters.Add</a:t>
+            </a:r>
+            <a:r>
+              <a:rPr kumimoji="0" lang="de-DE" altLang="de-DE" sz="1200" b="0" i="0" u="none" strike="noStrike" cap="none" normalizeH="0" baseline="0" dirty="0" smtClean="0">
+                <a:ln>
+                  <a:noFill/>
+                </a:ln>
+                <a:solidFill>
+                  <a:srgbClr val="000000"/>
+                </a:solidFill>
+                <a:effectLst/>
+                <a:latin typeface="Consolas" panose="020B0609020204030204" pitchFamily="49" charset="0"/>
+                <a:cs typeface="Consolas" panose="020B0609020204030204" pitchFamily="49" charset="0"/>
+              </a:rPr>
+              <a:t>(</a:t>
+            </a:r>
+            <a:r>
+              <a:rPr kumimoji="0" lang="de-DE" altLang="de-DE" sz="1200" b="0" i="0" u="none" strike="noStrike" cap="none" normalizeH="0" baseline="0" dirty="0" err="1" smtClean="0">
+                <a:ln>
+                  <a:noFill/>
+                </a:ln>
+                <a:solidFill>
+                  <a:srgbClr val="0000FF"/>
+                </a:solidFill>
+                <a:effectLst/>
+                <a:latin typeface="Consolas" panose="020B0609020204030204" pitchFamily="49" charset="0"/>
+                <a:cs typeface="Consolas" panose="020B0609020204030204" pitchFamily="49" charset="0"/>
+              </a:rPr>
+              <a:t>new</a:t>
+            </a:r>
+            <a:r>
+              <a:rPr kumimoji="0" lang="de-DE" altLang="de-DE" sz="1200" b="0" i="0" u="none" strike="noStrike" cap="none" normalizeH="0" baseline="0" dirty="0" smtClean="0">
+                <a:ln>
+                  <a:noFill/>
+                </a:ln>
+                <a:solidFill>
+                  <a:srgbClr val="000000"/>
+                </a:solidFill>
+                <a:effectLst/>
+                <a:latin typeface="Consolas" panose="020B0609020204030204" pitchFamily="49" charset="0"/>
+                <a:cs typeface="Consolas" panose="020B0609020204030204" pitchFamily="49" charset="0"/>
+              </a:rPr>
+              <a:t> </a:t>
+            </a:r>
+            <a:r>
+              <a:rPr kumimoji="0" lang="de-DE" altLang="de-DE" sz="1200" b="0" i="0" u="none" strike="noStrike" cap="none" normalizeH="0" baseline="0" dirty="0" err="1" smtClean="0">
+                <a:ln>
+                  <a:noFill/>
+                </a:ln>
+                <a:solidFill>
+                  <a:srgbClr val="2B91AF"/>
+                </a:solidFill>
+                <a:effectLst/>
+                <a:latin typeface="Consolas" panose="020B0609020204030204" pitchFamily="49" charset="0"/>
+                <a:cs typeface="Consolas" panose="020B0609020204030204" pitchFamily="49" charset="0"/>
+              </a:rPr>
+              <a:t>ConstrainedValueParameter</a:t>
+            </a:r>
+            <a:r>
+              <a:rPr kumimoji="0" lang="de-DE" altLang="de-DE" sz="1200" b="0" i="0" u="none" strike="noStrike" cap="none" normalizeH="0" baseline="0" dirty="0" smtClean="0">
+                <a:ln>
+                  <a:noFill/>
+                </a:ln>
+                <a:solidFill>
+                  <a:srgbClr val="000000"/>
+                </a:solidFill>
+                <a:effectLst/>
+                <a:latin typeface="Consolas" panose="020B0609020204030204" pitchFamily="49" charset="0"/>
+                <a:cs typeface="Consolas" panose="020B0609020204030204" pitchFamily="49" charset="0"/>
+              </a:rPr>
+              <a:t>&lt;</a:t>
+            </a:r>
+            <a:r>
+              <a:rPr kumimoji="0" lang="de-DE" altLang="de-DE" sz="1200" b="0" i="0" u="none" strike="noStrike" cap="none" normalizeH="0" baseline="0" dirty="0" err="1" smtClean="0">
+                <a:ln>
+                  <a:noFill/>
+                </a:ln>
+                <a:solidFill>
+                  <a:srgbClr val="2B91AF"/>
+                </a:solidFill>
+                <a:effectLst/>
+                <a:latin typeface="Consolas" panose="020B0609020204030204" pitchFamily="49" charset="0"/>
+                <a:cs typeface="Consolas" panose="020B0609020204030204" pitchFamily="49" charset="0"/>
+              </a:rPr>
+              <a:t>ICrossover</a:t>
+            </a:r>
+            <a:r>
+              <a:rPr kumimoji="0" lang="de-DE" altLang="de-DE" sz="1200" b="0" i="0" u="none" strike="noStrike" cap="none" normalizeH="0" baseline="0" dirty="0" smtClean="0">
+                <a:ln>
+                  <a:noFill/>
+                </a:ln>
+                <a:solidFill>
+                  <a:srgbClr val="000000"/>
+                </a:solidFill>
+                <a:effectLst/>
+                <a:latin typeface="Consolas" panose="020B0609020204030204" pitchFamily="49" charset="0"/>
+                <a:cs typeface="Consolas" panose="020B0609020204030204" pitchFamily="49" charset="0"/>
+              </a:rPr>
+              <a:t>&gt;(</a:t>
+            </a:r>
+            <a:r>
+              <a:rPr kumimoji="0" lang="de-DE" altLang="de-DE" sz="1200" b="0" i="0" u="none" strike="noStrike" cap="none" normalizeH="0" baseline="0" dirty="0" smtClean="0">
+                <a:ln>
+                  <a:noFill/>
+                </a:ln>
+                <a:solidFill>
+                  <a:srgbClr val="A31515"/>
+                </a:solidFill>
+                <a:effectLst/>
+                <a:latin typeface="Consolas" panose="020B0609020204030204" pitchFamily="49" charset="0"/>
+                <a:cs typeface="Consolas" panose="020B0609020204030204" pitchFamily="49" charset="0"/>
+              </a:rPr>
+              <a:t>"Crossover"</a:t>
+            </a:r>
+            <a:r>
+              <a:rPr kumimoji="0" lang="de-DE" altLang="de-DE" sz="1200" b="0" i="0" u="none" strike="noStrike" cap="none" normalizeH="0" baseline="0" dirty="0" smtClean="0">
+                <a:ln>
+                  <a:noFill/>
+                </a:ln>
+                <a:solidFill>
+                  <a:srgbClr val="000000"/>
+                </a:solidFill>
+                <a:effectLst/>
+                <a:latin typeface="Consolas" panose="020B0609020204030204" pitchFamily="49" charset="0"/>
+                <a:cs typeface="Consolas" panose="020B0609020204030204" pitchFamily="49" charset="0"/>
+              </a:rPr>
+              <a:t>, </a:t>
+            </a:r>
+          </a:p>
+          <a:p>
+            <a:pPr marL="0" marR="0" lvl="0" indent="0" algn="l" defTabSz="914400" rtl="0" eaLnBrk="0" fontAlgn="base" latinLnBrk="0" hangingPunct="0">
+              <a:lnSpc>
+                <a:spcPct val="100000"/>
+              </a:lnSpc>
+              <a:spcBef>
+                <a:spcPct val="0"/>
+              </a:spcBef>
+              <a:spcAft>
+                <a:spcPct val="0"/>
+              </a:spcAft>
+              <a:buClrTx/>
+              <a:buSzTx/>
+              <a:buFontTx/>
+              <a:buNone/>
+              <a:tabLst/>
+            </a:pPr>
+            <a:r>
+              <a:rPr kumimoji="0" lang="de-DE" altLang="de-DE" sz="1200" b="0" i="0" u="none" strike="noStrike" cap="none" normalizeH="0" baseline="0" dirty="0" smtClean="0">
+                <a:ln>
+                  <a:noFill/>
+                </a:ln>
+                <a:solidFill>
+                  <a:srgbClr val="A31515"/>
+                </a:solidFill>
+                <a:effectLst/>
+                <a:latin typeface="Consolas" panose="020B0609020204030204" pitchFamily="49" charset="0"/>
+                <a:cs typeface="Consolas" panose="020B0609020204030204" pitchFamily="49" charset="0"/>
+              </a:rPr>
+              <a:t>"The </a:t>
+            </a:r>
+            <a:r>
+              <a:rPr kumimoji="0" lang="de-DE" altLang="de-DE" sz="1200" b="0" i="0" u="none" strike="noStrike" cap="none" normalizeH="0" baseline="0" dirty="0" err="1" smtClean="0">
+                <a:ln>
+                  <a:noFill/>
+                </a:ln>
+                <a:solidFill>
+                  <a:srgbClr val="A31515"/>
+                </a:solidFill>
+                <a:effectLst/>
+                <a:latin typeface="Consolas" panose="020B0609020204030204" pitchFamily="49" charset="0"/>
+                <a:cs typeface="Consolas" panose="020B0609020204030204" pitchFamily="49" charset="0"/>
+              </a:rPr>
+              <a:t>operator</a:t>
+            </a:r>
+            <a:r>
+              <a:rPr kumimoji="0" lang="de-DE" altLang="de-DE" sz="1200" b="0" i="0" u="none" strike="noStrike" cap="none" normalizeH="0" baseline="0" dirty="0" smtClean="0">
+                <a:ln>
+                  <a:noFill/>
+                </a:ln>
+                <a:solidFill>
+                  <a:srgbClr val="A31515"/>
+                </a:solidFill>
+                <a:effectLst/>
+                <a:latin typeface="Consolas" panose="020B0609020204030204" pitchFamily="49" charset="0"/>
+                <a:cs typeface="Consolas" panose="020B0609020204030204" pitchFamily="49" charset="0"/>
+              </a:rPr>
+              <a:t> </a:t>
+            </a:r>
+            <a:r>
+              <a:rPr kumimoji="0" lang="de-DE" altLang="de-DE" sz="1200" b="0" i="0" u="none" strike="noStrike" cap="none" normalizeH="0" baseline="0" dirty="0" err="1" smtClean="0">
+                <a:ln>
+                  <a:noFill/>
+                </a:ln>
+                <a:solidFill>
+                  <a:srgbClr val="A31515"/>
+                </a:solidFill>
+                <a:effectLst/>
+                <a:latin typeface="Consolas" panose="020B0609020204030204" pitchFamily="49" charset="0"/>
+                <a:cs typeface="Consolas" panose="020B0609020204030204" pitchFamily="49" charset="0"/>
+              </a:rPr>
+              <a:t>used</a:t>
+            </a:r>
+            <a:r>
+              <a:rPr kumimoji="0" lang="de-DE" altLang="de-DE" sz="1200" b="0" i="0" u="none" strike="noStrike" cap="none" normalizeH="0" baseline="0" dirty="0" smtClean="0">
+                <a:ln>
+                  <a:noFill/>
+                </a:ln>
+                <a:solidFill>
+                  <a:srgbClr val="A31515"/>
+                </a:solidFill>
+                <a:effectLst/>
+                <a:latin typeface="Consolas" panose="020B0609020204030204" pitchFamily="49" charset="0"/>
+                <a:cs typeface="Consolas" panose="020B0609020204030204" pitchFamily="49" charset="0"/>
+              </a:rPr>
+              <a:t> </a:t>
+            </a:r>
+            <a:r>
+              <a:rPr kumimoji="0" lang="de-DE" altLang="de-DE" sz="1200" b="0" i="0" u="none" strike="noStrike" cap="none" normalizeH="0" baseline="0" dirty="0" err="1" smtClean="0">
+                <a:ln>
+                  <a:noFill/>
+                </a:ln>
+                <a:solidFill>
+                  <a:srgbClr val="A31515"/>
+                </a:solidFill>
+                <a:effectLst/>
+                <a:latin typeface="Consolas" panose="020B0609020204030204" pitchFamily="49" charset="0"/>
+                <a:cs typeface="Consolas" panose="020B0609020204030204" pitchFamily="49" charset="0"/>
+              </a:rPr>
+              <a:t>to</a:t>
+            </a:r>
+            <a:r>
+              <a:rPr kumimoji="0" lang="de-DE" altLang="de-DE" sz="1200" b="0" i="0" u="none" strike="noStrike" cap="none" normalizeH="0" baseline="0" dirty="0" smtClean="0">
+                <a:ln>
+                  <a:noFill/>
+                </a:ln>
+                <a:solidFill>
+                  <a:srgbClr val="A31515"/>
+                </a:solidFill>
+                <a:effectLst/>
+                <a:latin typeface="Consolas" panose="020B0609020204030204" pitchFamily="49" charset="0"/>
+                <a:cs typeface="Consolas" panose="020B0609020204030204" pitchFamily="49" charset="0"/>
+              </a:rPr>
+              <a:t> </a:t>
+            </a:r>
+            <a:r>
+              <a:rPr kumimoji="0" lang="de-DE" altLang="de-DE" sz="1200" b="0" i="0" u="none" strike="noStrike" cap="none" normalizeH="0" baseline="0" dirty="0" err="1" smtClean="0">
+                <a:ln>
+                  <a:noFill/>
+                </a:ln>
+                <a:solidFill>
+                  <a:srgbClr val="A31515"/>
+                </a:solidFill>
+                <a:effectLst/>
+                <a:latin typeface="Consolas" panose="020B0609020204030204" pitchFamily="49" charset="0"/>
+                <a:cs typeface="Consolas" panose="020B0609020204030204" pitchFamily="49" charset="0"/>
+              </a:rPr>
+              <a:t>cross</a:t>
+            </a:r>
+            <a:r>
+              <a:rPr kumimoji="0" lang="de-DE" altLang="de-DE" sz="1200" b="0" i="0" u="none" strike="noStrike" cap="none" normalizeH="0" baseline="0" dirty="0" smtClean="0">
+                <a:ln>
+                  <a:noFill/>
+                </a:ln>
+                <a:solidFill>
+                  <a:srgbClr val="A31515"/>
+                </a:solidFill>
+                <a:effectLst/>
+                <a:latin typeface="Consolas" panose="020B0609020204030204" pitchFamily="49" charset="0"/>
+                <a:cs typeface="Consolas" panose="020B0609020204030204" pitchFamily="49" charset="0"/>
+              </a:rPr>
+              <a:t> </a:t>
+            </a:r>
+            <a:r>
+              <a:rPr kumimoji="0" lang="de-DE" altLang="de-DE" sz="1200" b="0" i="0" u="none" strike="noStrike" cap="none" normalizeH="0" baseline="0" dirty="0" err="1" smtClean="0">
+                <a:ln>
+                  <a:noFill/>
+                </a:ln>
+                <a:solidFill>
+                  <a:srgbClr val="A31515"/>
+                </a:solidFill>
+                <a:effectLst/>
+                <a:latin typeface="Consolas" panose="020B0609020204030204" pitchFamily="49" charset="0"/>
+                <a:cs typeface="Consolas" panose="020B0609020204030204" pitchFamily="49" charset="0"/>
+              </a:rPr>
+              <a:t>solutions</a:t>
+            </a:r>
+            <a:r>
+              <a:rPr kumimoji="0" lang="de-DE" altLang="de-DE" sz="1200" b="0" i="0" u="none" strike="noStrike" cap="none" normalizeH="0" baseline="0" dirty="0" smtClean="0">
+                <a:ln>
+                  <a:noFill/>
+                </a:ln>
+                <a:solidFill>
+                  <a:srgbClr val="A31515"/>
+                </a:solidFill>
+                <a:effectLst/>
+                <a:latin typeface="Consolas" panose="020B0609020204030204" pitchFamily="49" charset="0"/>
+                <a:cs typeface="Consolas" panose="020B0609020204030204" pitchFamily="49" charset="0"/>
+              </a:rPr>
+              <a:t>."</a:t>
+            </a:r>
+            <a:r>
+              <a:rPr kumimoji="0" lang="de-DE" altLang="de-DE" sz="1200" b="0" i="0" u="none" strike="noStrike" cap="none" normalizeH="0" baseline="0" dirty="0" smtClean="0">
+                <a:ln>
+                  <a:noFill/>
+                </a:ln>
+                <a:solidFill>
+                  <a:srgbClr val="000000"/>
+                </a:solidFill>
+                <a:effectLst/>
+                <a:latin typeface="Consolas" panose="020B0609020204030204" pitchFamily="49" charset="0"/>
+                <a:cs typeface="Consolas" panose="020B0609020204030204" pitchFamily="49" charset="0"/>
+              </a:rPr>
+              <a:t>)); </a:t>
+            </a:r>
+            <a:endParaRPr kumimoji="0" lang="de-DE" altLang="de-DE" sz="3200" b="0" i="0" u="none" strike="noStrike" cap="none" normalizeH="0" baseline="0" dirty="0" smtClean="0">
+              <a:ln>
+                <a:noFill/>
+              </a:ln>
+              <a:solidFill>
+                <a:schemeClr val="tx1"/>
+              </a:solidFill>
+              <a:effectLst/>
+              <a:latin typeface="Arial" panose="020B0604020202020204" pitchFamily="34" charset="0"/>
+            </a:endParaRPr>
+          </a:p>
+        </p:txBody>
+      </p:sp>
+      <p:sp>
+        <p:nvSpPr>
+          <p:cNvPr id="9" name="Rectangle 2"/>
+          <p:cNvSpPr>
+            <a:spLocks noChangeArrowheads="1"/>
+          </p:cNvSpPr>
+          <p:nvPr/>
+        </p:nvSpPr>
+        <p:spPr bwMode="auto">
+          <a:xfrm>
+            <a:off x="604402" y="4850347"/>
+            <a:ext cx="6200328" cy="446276"/>
+          </a:xfrm>
+          <a:prstGeom prst="rect">
+            <a:avLst/>
+          </a:prstGeom>
+          <a:solidFill>
+            <a:srgbClr val="FFFFFF"/>
+          </a:solidFill>
+          <a:ln>
+            <a:noFill/>
+          </a:ln>
+          <a:effectLst/>
+          <a:extLst>
+            <a:ext uri="{91240B29-F687-4F45-9708-019B960494DF}">
+              <a14:hiddenLine xmlns:a14="http://schemas.microsoft.com/office/drawing/2010/main" w="9525">
+                <a:solidFill>
+                  <a:schemeClr val="tx1"/>
+                </a:solidFill>
+                <a:miter lim="800000"/>
+                <a:headEnd/>
+                <a:tailEnd/>
+              </a14:hiddenLine>
+            </a:ext>
+            <a:ext uri="{AF507438-7753-43E0-B8FC-AC1667EBCBE1}">
+              <a14:hiddenEffects xmlns:a14="http://schemas.microsoft.com/office/drawing/2010/main">
+                <a:effectLst>
+                  <a:outerShdw dist="35921" dir="2700000" algn="ctr" rotWithShape="0">
+                    <a:schemeClr val="bg2"/>
+                  </a:outerShdw>
+                </a:effectLst>
+              </a14:hiddenEffects>
+            </a:ext>
+          </a:extLst>
+        </p:spPr>
+        <p:txBody>
+          <a:bodyPr vert="horz" wrap="square" lIns="91440" tIns="45720" rIns="91440" bIns="45720" numCol="1" anchor="ctr" anchorCtr="0" compatLnSpc="1">
+            <a:prstTxWarp prst="textNoShape">
+              <a:avLst/>
+            </a:prstTxWarp>
+            <a:spAutoFit/>
+          </a:bodyPr>
+          <a:lstStyle/>
+          <a:p>
+            <a:pPr marL="0" marR="0" lvl="0" indent="0" algn="l" defTabSz="914400" rtl="0" eaLnBrk="0" fontAlgn="base" latinLnBrk="0" hangingPunct="0">
+              <a:lnSpc>
+                <a:spcPct val="100000"/>
+              </a:lnSpc>
+              <a:spcBef>
+                <a:spcPct val="0"/>
+              </a:spcBef>
+              <a:spcAft>
+                <a:spcPct val="0"/>
+              </a:spcAft>
+              <a:buClrTx/>
+              <a:buSzTx/>
+              <a:buFontTx/>
+              <a:buNone/>
+              <a:tabLst/>
+            </a:pPr>
+            <a:r>
+              <a:rPr kumimoji="0" lang="de-DE" altLang="de-DE" sz="1100" b="0" i="0" u="none" strike="noStrike" cap="none" normalizeH="0" baseline="0" dirty="0" err="1" smtClean="0">
+                <a:ln>
+                  <a:noFill/>
+                </a:ln>
+                <a:solidFill>
+                  <a:srgbClr val="000000"/>
+                </a:solidFill>
+                <a:effectLst/>
+                <a:latin typeface="Consolas" panose="020B0609020204030204" pitchFamily="49" charset="0"/>
+                <a:cs typeface="Consolas" panose="020B0609020204030204" pitchFamily="49" charset="0"/>
+              </a:rPr>
+              <a:t>Parameters.Add</a:t>
+            </a:r>
+            <a:r>
+              <a:rPr kumimoji="0" lang="de-DE" altLang="de-DE" sz="1100" b="0" i="0" u="none" strike="noStrike" cap="none" normalizeH="0" baseline="0" dirty="0" smtClean="0">
+                <a:ln>
+                  <a:noFill/>
+                </a:ln>
+                <a:solidFill>
+                  <a:srgbClr val="000000"/>
+                </a:solidFill>
+                <a:effectLst/>
+                <a:latin typeface="Consolas" panose="020B0609020204030204" pitchFamily="49" charset="0"/>
+                <a:cs typeface="Consolas" panose="020B0609020204030204" pitchFamily="49" charset="0"/>
+              </a:rPr>
+              <a:t>(</a:t>
+            </a:r>
+            <a:r>
+              <a:rPr kumimoji="0" lang="de-DE" altLang="de-DE" sz="1100" b="0" i="0" u="none" strike="noStrike" cap="none" normalizeH="0" baseline="0" dirty="0" err="1" smtClean="0">
+                <a:ln>
+                  <a:noFill/>
+                </a:ln>
+                <a:solidFill>
+                  <a:srgbClr val="0000FF"/>
+                </a:solidFill>
+                <a:effectLst/>
+                <a:latin typeface="Consolas" panose="020B0609020204030204" pitchFamily="49" charset="0"/>
+                <a:cs typeface="Consolas" panose="020B0609020204030204" pitchFamily="49" charset="0"/>
+              </a:rPr>
+              <a:t>new</a:t>
+            </a:r>
+            <a:r>
+              <a:rPr kumimoji="0" lang="de-DE" altLang="de-DE" sz="1100" b="0" i="0" u="none" strike="noStrike" cap="none" normalizeH="0" baseline="0" dirty="0" smtClean="0">
+                <a:ln>
+                  <a:noFill/>
+                </a:ln>
+                <a:solidFill>
+                  <a:srgbClr val="000000"/>
+                </a:solidFill>
+                <a:effectLst/>
+                <a:latin typeface="Consolas" panose="020B0609020204030204" pitchFamily="49" charset="0"/>
+                <a:cs typeface="Consolas" panose="020B0609020204030204" pitchFamily="49" charset="0"/>
+              </a:rPr>
+              <a:t> </a:t>
+            </a:r>
+            <a:r>
+              <a:rPr kumimoji="0" lang="de-DE" altLang="de-DE" sz="1100" b="0" i="0" u="none" strike="noStrike" cap="none" normalizeH="0" baseline="0" dirty="0" err="1" smtClean="0">
+                <a:ln>
+                  <a:noFill/>
+                </a:ln>
+                <a:solidFill>
+                  <a:srgbClr val="2B91AF"/>
+                </a:solidFill>
+                <a:effectLst/>
+                <a:latin typeface="Consolas" panose="020B0609020204030204" pitchFamily="49" charset="0"/>
+                <a:cs typeface="Consolas" panose="020B0609020204030204" pitchFamily="49" charset="0"/>
+              </a:rPr>
+              <a:t>ValueParameter</a:t>
+            </a:r>
+            <a:r>
+              <a:rPr kumimoji="0" lang="de-DE" altLang="de-DE" sz="1100" b="0" i="0" u="none" strike="noStrike" cap="none" normalizeH="0" baseline="0" dirty="0" smtClean="0">
+                <a:ln>
+                  <a:noFill/>
+                </a:ln>
+                <a:solidFill>
+                  <a:srgbClr val="000000"/>
+                </a:solidFill>
+                <a:effectLst/>
+                <a:latin typeface="Consolas" panose="020B0609020204030204" pitchFamily="49" charset="0"/>
+                <a:cs typeface="Consolas" panose="020B0609020204030204" pitchFamily="49" charset="0"/>
+              </a:rPr>
+              <a:t>&lt;</a:t>
+            </a:r>
+            <a:r>
+              <a:rPr kumimoji="0" lang="de-DE" altLang="de-DE" sz="1100" b="0" i="0" u="none" strike="noStrike" cap="none" normalizeH="0" baseline="0" dirty="0" err="1" smtClean="0">
+                <a:ln>
+                  <a:noFill/>
+                </a:ln>
+                <a:solidFill>
+                  <a:srgbClr val="2B91AF"/>
+                </a:solidFill>
+                <a:effectLst/>
+                <a:latin typeface="Consolas" panose="020B0609020204030204" pitchFamily="49" charset="0"/>
+                <a:cs typeface="Consolas" panose="020B0609020204030204" pitchFamily="49" charset="0"/>
+              </a:rPr>
+              <a:t>IntValue</a:t>
+            </a:r>
+            <a:r>
+              <a:rPr kumimoji="0" lang="de-DE" altLang="de-DE" sz="1100" b="0" i="0" u="none" strike="noStrike" cap="none" normalizeH="0" baseline="0" dirty="0" smtClean="0">
+                <a:ln>
+                  <a:noFill/>
+                </a:ln>
+                <a:solidFill>
+                  <a:srgbClr val="000000"/>
+                </a:solidFill>
+                <a:effectLst/>
+                <a:latin typeface="Consolas" panose="020B0609020204030204" pitchFamily="49" charset="0"/>
+                <a:cs typeface="Consolas" panose="020B0609020204030204" pitchFamily="49" charset="0"/>
+              </a:rPr>
+              <a:t>&gt;(</a:t>
+            </a:r>
+            <a:r>
+              <a:rPr kumimoji="0" lang="de-DE" altLang="de-DE" sz="1100" b="0" i="0" u="none" strike="noStrike" cap="none" normalizeH="0" baseline="0" dirty="0" smtClean="0">
+                <a:ln>
+                  <a:noFill/>
+                </a:ln>
+                <a:solidFill>
+                  <a:srgbClr val="A31515"/>
+                </a:solidFill>
+                <a:effectLst/>
+                <a:latin typeface="Consolas" panose="020B0609020204030204" pitchFamily="49" charset="0"/>
+                <a:cs typeface="Consolas" panose="020B0609020204030204" pitchFamily="49" charset="0"/>
+              </a:rPr>
+              <a:t>"</a:t>
+            </a:r>
+            <a:r>
+              <a:rPr kumimoji="0" lang="de-DE" altLang="de-DE" sz="1100" b="0" i="0" u="none" strike="noStrike" cap="none" normalizeH="0" baseline="0" dirty="0" err="1" smtClean="0">
+                <a:ln>
+                  <a:noFill/>
+                </a:ln>
+                <a:solidFill>
+                  <a:srgbClr val="A31515"/>
+                </a:solidFill>
+                <a:effectLst/>
+                <a:latin typeface="Consolas" panose="020B0609020204030204" pitchFamily="49" charset="0"/>
+                <a:cs typeface="Consolas" panose="020B0609020204030204" pitchFamily="49" charset="0"/>
+              </a:rPr>
+              <a:t>PopulationSize</a:t>
+            </a:r>
+            <a:r>
+              <a:rPr kumimoji="0" lang="de-DE" altLang="de-DE" sz="1100" b="0" i="0" u="none" strike="noStrike" cap="none" normalizeH="0" baseline="0" dirty="0" smtClean="0">
+                <a:ln>
+                  <a:noFill/>
+                </a:ln>
+                <a:solidFill>
+                  <a:srgbClr val="A31515"/>
+                </a:solidFill>
+                <a:effectLst/>
+                <a:latin typeface="Consolas" panose="020B0609020204030204" pitchFamily="49" charset="0"/>
+                <a:cs typeface="Consolas" panose="020B0609020204030204" pitchFamily="49" charset="0"/>
+              </a:rPr>
+              <a:t>"</a:t>
+            </a:r>
+            <a:r>
+              <a:rPr kumimoji="0" lang="de-DE" altLang="de-DE" sz="1100" b="0" i="0" u="none" strike="noStrike" cap="none" normalizeH="0" baseline="0" dirty="0" smtClean="0">
+                <a:ln>
+                  <a:noFill/>
+                </a:ln>
+                <a:solidFill>
+                  <a:srgbClr val="000000"/>
+                </a:solidFill>
+                <a:effectLst/>
+                <a:latin typeface="Consolas" panose="020B0609020204030204" pitchFamily="49" charset="0"/>
+                <a:cs typeface="Consolas" panose="020B0609020204030204" pitchFamily="49" charset="0"/>
+              </a:rPr>
+              <a:t>, </a:t>
+            </a:r>
+          </a:p>
+          <a:p>
+            <a:pPr marL="0" marR="0" lvl="0" indent="0" algn="l" defTabSz="914400" rtl="0" eaLnBrk="0" fontAlgn="base" latinLnBrk="0" hangingPunct="0">
+              <a:lnSpc>
+                <a:spcPct val="100000"/>
+              </a:lnSpc>
+              <a:spcBef>
+                <a:spcPct val="0"/>
+              </a:spcBef>
+              <a:spcAft>
+                <a:spcPct val="0"/>
+              </a:spcAft>
+              <a:buClrTx/>
+              <a:buSzTx/>
+              <a:buFontTx/>
+              <a:buNone/>
+              <a:tabLst/>
+            </a:pPr>
+            <a:r>
+              <a:rPr kumimoji="0" lang="de-DE" altLang="de-DE" sz="1100" b="0" i="0" u="none" strike="noStrike" cap="none" normalizeH="0" baseline="0" dirty="0" smtClean="0">
+                <a:ln>
+                  <a:noFill/>
+                </a:ln>
+                <a:solidFill>
+                  <a:srgbClr val="A31515"/>
+                </a:solidFill>
+                <a:effectLst/>
+                <a:latin typeface="Consolas" panose="020B0609020204030204" pitchFamily="49" charset="0"/>
+                <a:cs typeface="Consolas" panose="020B0609020204030204" pitchFamily="49" charset="0"/>
+              </a:rPr>
+              <a:t>"The </a:t>
+            </a:r>
+            <a:r>
+              <a:rPr kumimoji="0" lang="de-DE" altLang="de-DE" sz="1100" b="0" i="0" u="none" strike="noStrike" cap="none" normalizeH="0" baseline="0" dirty="0" err="1" smtClean="0">
+                <a:ln>
+                  <a:noFill/>
+                </a:ln>
+                <a:solidFill>
+                  <a:srgbClr val="A31515"/>
+                </a:solidFill>
+                <a:effectLst/>
+                <a:latin typeface="Consolas" panose="020B0609020204030204" pitchFamily="49" charset="0"/>
+                <a:cs typeface="Consolas" panose="020B0609020204030204" pitchFamily="49" charset="0"/>
+              </a:rPr>
+              <a:t>size</a:t>
+            </a:r>
+            <a:r>
+              <a:rPr kumimoji="0" lang="de-DE" altLang="de-DE" sz="1100" b="0" i="0" u="none" strike="noStrike" cap="none" normalizeH="0" baseline="0" dirty="0" smtClean="0">
+                <a:ln>
+                  <a:noFill/>
+                </a:ln>
+                <a:solidFill>
+                  <a:srgbClr val="A31515"/>
+                </a:solidFill>
+                <a:effectLst/>
+                <a:latin typeface="Consolas" panose="020B0609020204030204" pitchFamily="49" charset="0"/>
+                <a:cs typeface="Consolas" panose="020B0609020204030204" pitchFamily="49" charset="0"/>
+              </a:rPr>
+              <a:t> </a:t>
+            </a:r>
+            <a:r>
+              <a:rPr kumimoji="0" lang="de-DE" altLang="de-DE" sz="1100" b="0" i="0" u="none" strike="noStrike" cap="none" normalizeH="0" baseline="0" dirty="0" err="1" smtClean="0">
+                <a:ln>
+                  <a:noFill/>
+                </a:ln>
+                <a:solidFill>
+                  <a:srgbClr val="A31515"/>
+                </a:solidFill>
+                <a:effectLst/>
+                <a:latin typeface="Consolas" panose="020B0609020204030204" pitchFamily="49" charset="0"/>
+                <a:cs typeface="Consolas" panose="020B0609020204030204" pitchFamily="49" charset="0"/>
+              </a:rPr>
+              <a:t>of</a:t>
+            </a:r>
+            <a:r>
+              <a:rPr kumimoji="0" lang="de-DE" altLang="de-DE" sz="1100" b="0" i="0" u="none" strike="noStrike" cap="none" normalizeH="0" baseline="0" dirty="0" smtClean="0">
+                <a:ln>
+                  <a:noFill/>
+                </a:ln>
+                <a:solidFill>
+                  <a:srgbClr val="A31515"/>
+                </a:solidFill>
+                <a:effectLst/>
+                <a:latin typeface="Consolas" panose="020B0609020204030204" pitchFamily="49" charset="0"/>
+                <a:cs typeface="Consolas" panose="020B0609020204030204" pitchFamily="49" charset="0"/>
+              </a:rPr>
+              <a:t> </a:t>
+            </a:r>
+            <a:r>
+              <a:rPr kumimoji="0" lang="de-DE" altLang="de-DE" sz="1100" b="0" i="0" u="none" strike="noStrike" cap="none" normalizeH="0" baseline="0" dirty="0" err="1" smtClean="0">
+                <a:ln>
+                  <a:noFill/>
+                </a:ln>
+                <a:solidFill>
+                  <a:srgbClr val="A31515"/>
+                </a:solidFill>
+                <a:effectLst/>
+                <a:latin typeface="Consolas" panose="020B0609020204030204" pitchFamily="49" charset="0"/>
+                <a:cs typeface="Consolas" panose="020B0609020204030204" pitchFamily="49" charset="0"/>
+              </a:rPr>
+              <a:t>the</a:t>
+            </a:r>
+            <a:r>
+              <a:rPr kumimoji="0" lang="de-DE" altLang="de-DE" sz="1100" b="0" i="0" u="none" strike="noStrike" cap="none" normalizeH="0" baseline="0" dirty="0" smtClean="0">
+                <a:ln>
+                  <a:noFill/>
+                </a:ln>
+                <a:solidFill>
+                  <a:srgbClr val="A31515"/>
+                </a:solidFill>
+                <a:effectLst/>
+                <a:latin typeface="Consolas" panose="020B0609020204030204" pitchFamily="49" charset="0"/>
+                <a:cs typeface="Consolas" panose="020B0609020204030204" pitchFamily="49" charset="0"/>
+              </a:rPr>
+              <a:t> </a:t>
+            </a:r>
+            <a:r>
+              <a:rPr kumimoji="0" lang="de-DE" altLang="de-DE" sz="1200" b="0" i="0" u="none" strike="noStrike" cap="none" normalizeH="0" baseline="0" dirty="0" err="1" smtClean="0">
+                <a:ln>
+                  <a:noFill/>
+                </a:ln>
+                <a:solidFill>
+                  <a:srgbClr val="A31515"/>
+                </a:solidFill>
+                <a:effectLst/>
+                <a:latin typeface="Consolas" panose="020B0609020204030204" pitchFamily="49" charset="0"/>
+                <a:cs typeface="Consolas" panose="020B0609020204030204" pitchFamily="49" charset="0"/>
+              </a:rPr>
+              <a:t>population</a:t>
+            </a:r>
+            <a:r>
+              <a:rPr kumimoji="0" lang="de-DE" altLang="de-DE" sz="1100" b="0" i="0" u="none" strike="noStrike" cap="none" normalizeH="0" baseline="0" dirty="0" smtClean="0">
+                <a:ln>
+                  <a:noFill/>
+                </a:ln>
+                <a:solidFill>
+                  <a:srgbClr val="A31515"/>
+                </a:solidFill>
+                <a:effectLst/>
+                <a:latin typeface="Consolas" panose="020B0609020204030204" pitchFamily="49" charset="0"/>
+                <a:cs typeface="Consolas" panose="020B0609020204030204" pitchFamily="49" charset="0"/>
+              </a:rPr>
+              <a:t> </a:t>
+            </a:r>
+            <a:r>
+              <a:rPr kumimoji="0" lang="de-DE" altLang="de-DE" sz="1100" b="0" i="0" u="none" strike="noStrike" cap="none" normalizeH="0" baseline="0" dirty="0" err="1" smtClean="0">
+                <a:ln>
+                  <a:noFill/>
+                </a:ln>
+                <a:solidFill>
+                  <a:srgbClr val="A31515"/>
+                </a:solidFill>
+                <a:effectLst/>
+                <a:latin typeface="Consolas" panose="020B0609020204030204" pitchFamily="49" charset="0"/>
+                <a:cs typeface="Consolas" panose="020B0609020204030204" pitchFamily="49" charset="0"/>
+              </a:rPr>
+              <a:t>of</a:t>
+            </a:r>
+            <a:r>
+              <a:rPr kumimoji="0" lang="de-DE" altLang="de-DE" sz="1100" b="0" i="0" u="none" strike="noStrike" cap="none" normalizeH="0" baseline="0" dirty="0" smtClean="0">
+                <a:ln>
+                  <a:noFill/>
+                </a:ln>
+                <a:solidFill>
+                  <a:srgbClr val="A31515"/>
+                </a:solidFill>
+                <a:effectLst/>
+                <a:latin typeface="Consolas" panose="020B0609020204030204" pitchFamily="49" charset="0"/>
+                <a:cs typeface="Consolas" panose="020B0609020204030204" pitchFamily="49" charset="0"/>
+              </a:rPr>
+              <a:t> </a:t>
+            </a:r>
+            <a:r>
+              <a:rPr kumimoji="0" lang="de-DE" altLang="de-DE" sz="1100" b="0" i="0" u="none" strike="noStrike" cap="none" normalizeH="0" baseline="0" dirty="0" err="1" smtClean="0">
+                <a:ln>
+                  <a:noFill/>
+                </a:ln>
+                <a:solidFill>
+                  <a:srgbClr val="A31515"/>
+                </a:solidFill>
+                <a:effectLst/>
+                <a:latin typeface="Consolas" panose="020B0609020204030204" pitchFamily="49" charset="0"/>
+                <a:cs typeface="Consolas" panose="020B0609020204030204" pitchFamily="49" charset="0"/>
+              </a:rPr>
+              <a:t>solutions</a:t>
+            </a:r>
+            <a:r>
+              <a:rPr kumimoji="0" lang="de-DE" altLang="de-DE" sz="1100" b="0" i="0" u="none" strike="noStrike" cap="none" normalizeH="0" baseline="0" dirty="0" smtClean="0">
+                <a:ln>
+                  <a:noFill/>
+                </a:ln>
+                <a:solidFill>
+                  <a:srgbClr val="A31515"/>
+                </a:solidFill>
+                <a:effectLst/>
+                <a:latin typeface="Consolas" panose="020B0609020204030204" pitchFamily="49" charset="0"/>
+                <a:cs typeface="Consolas" panose="020B0609020204030204" pitchFamily="49" charset="0"/>
+              </a:rPr>
+              <a:t>."</a:t>
+            </a:r>
+            <a:r>
+              <a:rPr kumimoji="0" lang="de-DE" altLang="de-DE" sz="1100" b="0" i="0" u="none" strike="noStrike" cap="none" normalizeH="0" baseline="0" dirty="0" smtClean="0">
+                <a:ln>
+                  <a:noFill/>
+                </a:ln>
+                <a:solidFill>
+                  <a:srgbClr val="000000"/>
+                </a:solidFill>
+                <a:effectLst/>
+                <a:latin typeface="Consolas" panose="020B0609020204030204" pitchFamily="49" charset="0"/>
+                <a:cs typeface="Consolas" panose="020B0609020204030204" pitchFamily="49" charset="0"/>
+              </a:rPr>
+              <a:t>, </a:t>
+            </a:r>
+            <a:r>
+              <a:rPr kumimoji="0" lang="de-DE" altLang="de-DE" sz="1100" b="0" i="0" u="none" strike="noStrike" cap="none" normalizeH="0" baseline="0" dirty="0" err="1" smtClean="0">
+                <a:ln>
+                  <a:noFill/>
+                </a:ln>
+                <a:solidFill>
+                  <a:srgbClr val="0000FF"/>
+                </a:solidFill>
+                <a:effectLst/>
+                <a:latin typeface="Consolas" panose="020B0609020204030204" pitchFamily="49" charset="0"/>
+                <a:cs typeface="Consolas" panose="020B0609020204030204" pitchFamily="49" charset="0"/>
+              </a:rPr>
+              <a:t>new</a:t>
+            </a:r>
+            <a:r>
+              <a:rPr kumimoji="0" lang="de-DE" altLang="de-DE" sz="1100" b="0" i="0" u="none" strike="noStrike" cap="none" normalizeH="0" baseline="0" dirty="0" smtClean="0">
+                <a:ln>
+                  <a:noFill/>
+                </a:ln>
+                <a:solidFill>
+                  <a:srgbClr val="000000"/>
+                </a:solidFill>
+                <a:effectLst/>
+                <a:latin typeface="Consolas" panose="020B0609020204030204" pitchFamily="49" charset="0"/>
+                <a:cs typeface="Consolas" panose="020B0609020204030204" pitchFamily="49" charset="0"/>
+              </a:rPr>
+              <a:t> </a:t>
+            </a:r>
+            <a:r>
+              <a:rPr kumimoji="0" lang="de-DE" altLang="de-DE" sz="1100" b="0" i="0" u="none" strike="noStrike" cap="none" normalizeH="0" baseline="0" dirty="0" err="1" smtClean="0">
+                <a:ln>
+                  <a:noFill/>
+                </a:ln>
+                <a:solidFill>
+                  <a:srgbClr val="2B91AF"/>
+                </a:solidFill>
+                <a:effectLst/>
+                <a:latin typeface="Consolas" panose="020B0609020204030204" pitchFamily="49" charset="0"/>
+                <a:cs typeface="Consolas" panose="020B0609020204030204" pitchFamily="49" charset="0"/>
+              </a:rPr>
+              <a:t>IntValue</a:t>
+            </a:r>
+            <a:r>
+              <a:rPr kumimoji="0" lang="de-DE" altLang="de-DE" sz="1100" b="0" i="0" u="none" strike="noStrike" cap="none" normalizeH="0" baseline="0" dirty="0" smtClean="0">
+                <a:ln>
+                  <a:noFill/>
+                </a:ln>
+                <a:solidFill>
+                  <a:srgbClr val="000000"/>
+                </a:solidFill>
+                <a:effectLst/>
+                <a:latin typeface="Consolas" panose="020B0609020204030204" pitchFamily="49" charset="0"/>
+                <a:cs typeface="Consolas" panose="020B0609020204030204" pitchFamily="49" charset="0"/>
+              </a:rPr>
+              <a:t>(100))); </a:t>
+            </a:r>
+            <a:endParaRPr kumimoji="0" lang="de-DE" altLang="de-DE" sz="2800" b="0" i="0" u="none" strike="noStrike" cap="none" normalizeH="0" baseline="0" dirty="0" smtClean="0">
+              <a:ln>
+                <a:noFill/>
+              </a:ln>
+              <a:solidFill>
+                <a:schemeClr val="tx1"/>
+              </a:solidFill>
+              <a:effectLst/>
+              <a:latin typeface="Arial" panose="020B0604020202020204" pitchFamily="34" charset="0"/>
+            </a:endParaRPr>
+          </a:p>
+        </p:txBody>
+      </p:sp>
     </p:spTree>
     <p:extLst>
       <p:ext uri="{BB962C8B-B14F-4D97-AF65-F5344CB8AC3E}">
-        <p14:creationId xmlns:p14="http://schemas.microsoft.com/office/powerpoint/2010/main" val="1123579088"/>
+        <p14:creationId xmlns:p14="http://schemas.microsoft.com/office/powerpoint/2010/main" val="3807505078"/>
       </p:ext>
     </p:extLst>
   </p:cSld>

--- a/documentation/Tutorials/Programming HeuristicLab - Algorithms and Problems.pptx
+++ b/documentation/Tutorials/Programming HeuristicLab - Algorithms and Problems.pptx
@@ -5,7 +5,7 @@
     <p:sldMasterId id="2147483648" r:id="rId1"/>
   </p:sldMasterIdLst>
   <p:notesMasterIdLst>
-    <p:notesMasterId r:id="rId29"/>
+    <p:notesMasterId r:id="rId39"/>
   </p:notesMasterIdLst>
   <p:sldIdLst>
     <p:sldId id="256" r:id="rId2"/>
@@ -21,20 +21,30 @@
     <p:sldId id="449" r:id="rId12"/>
     <p:sldId id="452" r:id="rId13"/>
     <p:sldId id="453" r:id="rId14"/>
-    <p:sldId id="435" r:id="rId15"/>
-    <p:sldId id="441" r:id="rId16"/>
-    <p:sldId id="446" r:id="rId17"/>
-    <p:sldId id="434" r:id="rId18"/>
-    <p:sldId id="447" r:id="rId19"/>
-    <p:sldId id="432" r:id="rId20"/>
-    <p:sldId id="442" r:id="rId21"/>
-    <p:sldId id="445" r:id="rId22"/>
-    <p:sldId id="443" r:id="rId23"/>
-    <p:sldId id="433" r:id="rId24"/>
-    <p:sldId id="438" r:id="rId25"/>
-    <p:sldId id="439" r:id="rId26"/>
-    <p:sldId id="444" r:id="rId27"/>
-    <p:sldId id="412" r:id="rId28"/>
+    <p:sldId id="454" r:id="rId15"/>
+    <p:sldId id="435" r:id="rId16"/>
+    <p:sldId id="441" r:id="rId17"/>
+    <p:sldId id="446" r:id="rId18"/>
+    <p:sldId id="434" r:id="rId19"/>
+    <p:sldId id="447" r:id="rId20"/>
+    <p:sldId id="432" r:id="rId21"/>
+    <p:sldId id="442" r:id="rId22"/>
+    <p:sldId id="445" r:id="rId23"/>
+    <p:sldId id="455" r:id="rId24"/>
+    <p:sldId id="456" r:id="rId25"/>
+    <p:sldId id="457" r:id="rId26"/>
+    <p:sldId id="458" r:id="rId27"/>
+    <p:sldId id="443" r:id="rId28"/>
+    <p:sldId id="433" r:id="rId29"/>
+    <p:sldId id="438" r:id="rId30"/>
+    <p:sldId id="439" r:id="rId31"/>
+    <p:sldId id="444" r:id="rId32"/>
+    <p:sldId id="459" r:id="rId33"/>
+    <p:sldId id="460" r:id="rId34"/>
+    <p:sldId id="461" r:id="rId35"/>
+    <p:sldId id="462" r:id="rId36"/>
+    <p:sldId id="463" r:id="rId37"/>
+    <p:sldId id="412" r:id="rId38"/>
   </p:sldIdLst>
   <p:sldSz cx="9144000" cy="6858000" type="screen4x3"/>
   <p:notesSz cx="6858000" cy="9144000"/>
@@ -235,7 +245,7 @@
             <a:fld id="{EF88095B-826C-4D0E-ACE1-419E2A1A3ECD}" type="datetimeFigureOut">
               <a:rPr lang="de-AT" smtClean="0"/>
               <a:pPr/>
-              <a:t>19.02.2015</a:t>
+              <a:t>20.02.2015</a:t>
             </a:fld>
             <a:endParaRPr lang="de-AT"/>
           </a:p>
@@ -8210,8 +8220,12 @@
           <a:lstStyle/>
           <a:p>
             <a:r>
+              <a:rPr lang="de-AT" dirty="0" smtClean="0"/>
+              <a:t>Set </a:t>
+            </a:r>
+            <a:r>
               <a:rPr lang="de-AT" dirty="0" err="1"/>
-              <a:t>Use</a:t>
+              <a:t>crossover</a:t>
             </a:r>
             <a:r>
               <a:rPr lang="de-AT" dirty="0"/>
@@ -8219,14 +8233,6 @@
             </a:r>
             <a:r>
               <a:rPr lang="de-AT" dirty="0" err="1"/>
-              <a:t>crossover</a:t>
-            </a:r>
-            <a:r>
-              <a:rPr lang="de-AT" dirty="0"/>
-              <a:t> </a:t>
-            </a:r>
-            <a:r>
-              <a:rPr lang="de-AT" dirty="0" err="1"/>
               <a:t>parameter</a:t>
             </a:r>
             <a:r>
@@ -8242,12 +8248,8 @@
           </a:p>
           <a:p>
             <a:r>
-              <a:rPr lang="de-AT" dirty="0" err="1"/>
-              <a:t>Use</a:t>
-            </a:r>
-            <a:r>
-              <a:rPr lang="de-AT" dirty="0"/>
-              <a:t> </a:t>
+              <a:rPr lang="de-AT" dirty="0" smtClean="0"/>
+              <a:t>Set </a:t>
             </a:r>
             <a:r>
               <a:rPr lang="de-AT" dirty="0" err="1"/>
@@ -8607,6 +8609,1156 @@
           <a:lstStyle/>
           <a:p>
             <a:r>
+              <a:rPr lang="en-GB" dirty="0" smtClean="0"/>
+              <a:t>Use Lookup Parameter</a:t>
+            </a:r>
+            <a:endParaRPr lang="en-GB" dirty="0"/>
+          </a:p>
+        </p:txBody>
+      </p:sp>
+      <p:sp>
+        <p:nvSpPr>
+          <p:cNvPr id="3" name="Inhaltsplatzhalter 2"/>
+          <p:cNvSpPr>
+            <a:spLocks noGrp="1"/>
+          </p:cNvSpPr>
+          <p:nvPr>
+            <p:ph idx="1"/>
+          </p:nvPr>
+        </p:nvSpPr>
+        <p:spPr/>
+        <p:txBody>
+          <a:bodyPr/>
+          <a:lstStyle/>
+          <a:p>
+            <a:r>
+              <a:rPr lang="en-GB" dirty="0" smtClean="0"/>
+              <a:t>In the genetic algorithm, a placeholder looks up the crossover that it executes:</a:t>
+            </a:r>
+          </a:p>
+          <a:p>
+            <a:pPr lvl="1"/>
+            <a:r>
+              <a:rPr lang="en-GB" dirty="0" smtClean="0"/>
+              <a:t>Create placeholder</a:t>
+            </a:r>
+          </a:p>
+          <a:p>
+            <a:pPr lvl="1"/>
+            <a:endParaRPr lang="en-GB" sz="1800" dirty="0"/>
+          </a:p>
+          <a:p>
+            <a:pPr lvl="1"/>
+            <a:r>
+              <a:rPr lang="en-GB" dirty="0" smtClean="0"/>
+              <a:t>Set the name of operator to lookup</a:t>
+            </a:r>
+          </a:p>
+          <a:p>
+            <a:pPr lvl="1"/>
+            <a:endParaRPr lang="en-GB" sz="1800" dirty="0" smtClean="0"/>
+          </a:p>
+          <a:p>
+            <a:pPr lvl="1"/>
+            <a:r>
+              <a:rPr lang="en-GB" dirty="0" smtClean="0"/>
+              <a:t>In the placeholder operator</a:t>
+            </a:r>
+          </a:p>
+          <a:p>
+            <a:pPr lvl="1"/>
+            <a:endParaRPr lang="en-GB" sz="1800" dirty="0"/>
+          </a:p>
+          <a:p>
+            <a:pPr lvl="1"/>
+            <a:endParaRPr lang="en-GB" dirty="0" smtClean="0"/>
+          </a:p>
+          <a:p>
+            <a:pPr lvl="1"/>
+            <a:endParaRPr lang="en-GB" dirty="0" smtClean="0"/>
+          </a:p>
+          <a:p>
+            <a:endParaRPr lang="en-GB" dirty="0"/>
+          </a:p>
+        </p:txBody>
+      </p:sp>
+      <p:sp>
+        <p:nvSpPr>
+          <p:cNvPr id="4" name="Datumsplatzhalter 3"/>
+          <p:cNvSpPr>
+            <a:spLocks noGrp="1"/>
+          </p:cNvSpPr>
+          <p:nvPr>
+            <p:ph type="dt" sz="half" idx="10"/>
+          </p:nvPr>
+        </p:nvSpPr>
+        <p:spPr/>
+        <p:txBody>
+          <a:bodyPr/>
+          <a:lstStyle/>
+          <a:p>
+            <a:r>
+              <a:rPr lang="de-DE" smtClean="0"/>
+              <a:t>Programming HeuristicLab</a:t>
+            </a:r>
+            <a:endParaRPr lang="de-DE" dirty="0"/>
+          </a:p>
+        </p:txBody>
+      </p:sp>
+      <p:sp>
+        <p:nvSpPr>
+          <p:cNvPr id="5" name="Fußzeilenplatzhalter 4"/>
+          <p:cNvSpPr>
+            <a:spLocks noGrp="1"/>
+          </p:cNvSpPr>
+          <p:nvPr>
+            <p:ph type="ftr" sz="quarter" idx="11"/>
+          </p:nvPr>
+        </p:nvSpPr>
+        <p:spPr/>
+        <p:txBody>
+          <a:bodyPr/>
+          <a:lstStyle/>
+          <a:p>
+            <a:r>
+              <a:rPr lang="de-DE" smtClean="0"/>
+              <a:t>http://dev.heuristiclab.com</a:t>
+            </a:r>
+            <a:endParaRPr lang="de-DE"/>
+          </a:p>
+        </p:txBody>
+      </p:sp>
+      <p:sp>
+        <p:nvSpPr>
+          <p:cNvPr id="6" name="Foliennummernplatzhalter 5"/>
+          <p:cNvSpPr>
+            <a:spLocks noGrp="1"/>
+          </p:cNvSpPr>
+          <p:nvPr>
+            <p:ph type="sldNum" sz="quarter" idx="12"/>
+          </p:nvPr>
+        </p:nvSpPr>
+        <p:spPr/>
+        <p:txBody>
+          <a:bodyPr/>
+          <a:lstStyle/>
+          <a:p>
+            <a:fld id="{6C6AE60A-B69C-4790-82F7-3882EDF23186}" type="slidenum">
+              <a:rPr lang="de-DE" smtClean="0"/>
+              <a:pPr/>
+              <a:t>14</a:t>
+            </a:fld>
+            <a:endParaRPr lang="de-DE"/>
+          </a:p>
+        </p:txBody>
+      </p:sp>
+      <p:sp>
+        <p:nvSpPr>
+          <p:cNvPr id="7" name="Rectangle 1"/>
+          <p:cNvSpPr>
+            <a:spLocks noChangeArrowheads="1"/>
+          </p:cNvSpPr>
+          <p:nvPr/>
+        </p:nvSpPr>
+        <p:spPr bwMode="auto">
+          <a:xfrm>
+            <a:off x="1289720" y="4022996"/>
+            <a:ext cx="4730080" cy="276999"/>
+          </a:xfrm>
+          <a:prstGeom prst="rect">
+            <a:avLst/>
+          </a:prstGeom>
+          <a:solidFill>
+            <a:srgbClr val="FFFFFF"/>
+          </a:solidFill>
+          <a:ln>
+            <a:noFill/>
+          </a:ln>
+          <a:effectLst/>
+          <a:extLst>
+            <a:ext uri="{91240B29-F687-4F45-9708-019B960494DF}">
+              <a14:hiddenLine xmlns:a14="http://schemas.microsoft.com/office/drawing/2010/main" w="9525">
+                <a:solidFill>
+                  <a:schemeClr val="tx1"/>
+                </a:solidFill>
+                <a:miter lim="800000"/>
+                <a:headEnd/>
+                <a:tailEnd/>
+              </a14:hiddenLine>
+            </a:ext>
+            <a:ext uri="{AF507438-7753-43E0-B8FC-AC1667EBCBE1}">
+              <a14:hiddenEffects xmlns:a14="http://schemas.microsoft.com/office/drawing/2010/main">
+                <a:effectLst>
+                  <a:outerShdw dist="35921" dir="2700000" algn="ctr" rotWithShape="0">
+                    <a:schemeClr val="bg2"/>
+                  </a:outerShdw>
+                </a:effectLst>
+              </a14:hiddenEffects>
+            </a:ext>
+          </a:extLst>
+        </p:spPr>
+        <p:txBody>
+          <a:bodyPr vert="horz" wrap="square" lIns="91440" tIns="45720" rIns="91440" bIns="45720" numCol="1" anchor="ctr" anchorCtr="0" compatLnSpc="1">
+            <a:prstTxWarp prst="textNoShape">
+              <a:avLst/>
+            </a:prstTxWarp>
+            <a:spAutoFit/>
+          </a:bodyPr>
+          <a:lstStyle/>
+          <a:p>
+            <a:pPr marL="0" marR="0" lvl="0" indent="0" algn="l" defTabSz="914400" rtl="0" eaLnBrk="0" fontAlgn="base" latinLnBrk="0" hangingPunct="0">
+              <a:lnSpc>
+                <a:spcPct val="100000"/>
+              </a:lnSpc>
+              <a:spcBef>
+                <a:spcPct val="0"/>
+              </a:spcBef>
+              <a:spcAft>
+                <a:spcPct val="0"/>
+              </a:spcAft>
+              <a:buClrTx/>
+              <a:buSzTx/>
+              <a:buFontTx/>
+              <a:buNone/>
+              <a:tabLst/>
+            </a:pPr>
+            <a:r>
+              <a:rPr kumimoji="0" lang="de-DE" altLang="de-DE" sz="1200" b="0" i="0" u="none" strike="noStrike" cap="none" normalizeH="0" baseline="0" dirty="0" err="1" smtClean="0">
+                <a:ln>
+                  <a:noFill/>
+                </a:ln>
+                <a:solidFill>
+                  <a:srgbClr val="000000"/>
+                </a:solidFill>
+                <a:effectLst/>
+                <a:latin typeface="Consolas" panose="020B0609020204030204" pitchFamily="49" charset="0"/>
+                <a:cs typeface="Consolas" panose="020B0609020204030204" pitchFamily="49" charset="0"/>
+              </a:rPr>
+              <a:t>crossover.OperatorParameter.ActualName</a:t>
+            </a:r>
+            <a:r>
+              <a:rPr kumimoji="0" lang="de-DE" altLang="de-DE" sz="1200" b="0" i="0" u="none" strike="noStrike" cap="none" normalizeH="0" baseline="0" dirty="0" smtClean="0">
+                <a:ln>
+                  <a:noFill/>
+                </a:ln>
+                <a:solidFill>
+                  <a:srgbClr val="000000"/>
+                </a:solidFill>
+                <a:effectLst/>
+                <a:latin typeface="Consolas" panose="020B0609020204030204" pitchFamily="49" charset="0"/>
+                <a:cs typeface="Consolas" panose="020B0609020204030204" pitchFamily="49" charset="0"/>
+              </a:rPr>
+              <a:t> = </a:t>
+            </a:r>
+            <a:r>
+              <a:rPr kumimoji="0" lang="de-DE" altLang="de-DE" sz="1200" b="0" i="0" u="none" strike="noStrike" cap="none" normalizeH="0" baseline="0" dirty="0" smtClean="0">
+                <a:ln>
+                  <a:noFill/>
+                </a:ln>
+                <a:solidFill>
+                  <a:srgbClr val="A31515"/>
+                </a:solidFill>
+                <a:effectLst/>
+                <a:latin typeface="Consolas" panose="020B0609020204030204" pitchFamily="49" charset="0"/>
+                <a:cs typeface="Consolas" panose="020B0609020204030204" pitchFamily="49" charset="0"/>
+              </a:rPr>
+              <a:t>"Crossover"</a:t>
+            </a:r>
+            <a:r>
+              <a:rPr kumimoji="0" lang="de-DE" altLang="de-DE" sz="1200" b="0" i="0" u="none" strike="noStrike" cap="none" normalizeH="0" baseline="0" dirty="0" smtClean="0">
+                <a:ln>
+                  <a:noFill/>
+                </a:ln>
+                <a:solidFill>
+                  <a:srgbClr val="000000"/>
+                </a:solidFill>
+                <a:effectLst/>
+                <a:latin typeface="Consolas" panose="020B0609020204030204" pitchFamily="49" charset="0"/>
+                <a:cs typeface="Consolas" panose="020B0609020204030204" pitchFamily="49" charset="0"/>
+              </a:rPr>
+              <a:t>; </a:t>
+            </a:r>
+            <a:endParaRPr kumimoji="0" lang="de-DE" altLang="de-DE" sz="3200" b="0" i="0" u="none" strike="noStrike" cap="none" normalizeH="0" baseline="0" dirty="0" smtClean="0">
+              <a:ln>
+                <a:noFill/>
+              </a:ln>
+              <a:solidFill>
+                <a:schemeClr val="tx1"/>
+              </a:solidFill>
+              <a:effectLst/>
+              <a:latin typeface="Arial" panose="020B0604020202020204" pitchFamily="34" charset="0"/>
+            </a:endParaRPr>
+          </a:p>
+        </p:txBody>
+      </p:sp>
+      <p:sp>
+        <p:nvSpPr>
+          <p:cNvPr id="8" name="Rectangle 2"/>
+          <p:cNvSpPr>
+            <a:spLocks noChangeArrowheads="1"/>
+          </p:cNvSpPr>
+          <p:nvPr/>
+        </p:nvSpPr>
+        <p:spPr bwMode="auto">
+          <a:xfrm>
+            <a:off x="1289720" y="3176832"/>
+            <a:ext cx="4128120" cy="276999"/>
+          </a:xfrm>
+          <a:prstGeom prst="rect">
+            <a:avLst/>
+          </a:prstGeom>
+          <a:solidFill>
+            <a:srgbClr val="FFFFFF"/>
+          </a:solidFill>
+          <a:ln>
+            <a:noFill/>
+          </a:ln>
+          <a:effectLst/>
+          <a:extLst>
+            <a:ext uri="{91240B29-F687-4F45-9708-019B960494DF}">
+              <a14:hiddenLine xmlns:a14="http://schemas.microsoft.com/office/drawing/2010/main" w="9525">
+                <a:solidFill>
+                  <a:schemeClr val="tx1"/>
+                </a:solidFill>
+                <a:miter lim="800000"/>
+                <a:headEnd/>
+                <a:tailEnd/>
+              </a14:hiddenLine>
+            </a:ext>
+            <a:ext uri="{AF507438-7753-43E0-B8FC-AC1667EBCBE1}">
+              <a14:hiddenEffects xmlns:a14="http://schemas.microsoft.com/office/drawing/2010/main">
+                <a:effectLst>
+                  <a:outerShdw dist="35921" dir="2700000" algn="ctr" rotWithShape="0">
+                    <a:schemeClr val="bg2"/>
+                  </a:outerShdw>
+                </a:effectLst>
+              </a14:hiddenEffects>
+            </a:ext>
+          </a:extLst>
+        </p:spPr>
+        <p:txBody>
+          <a:bodyPr vert="horz" wrap="square" lIns="91440" tIns="45720" rIns="91440" bIns="45720" numCol="1" anchor="ctr" anchorCtr="0" compatLnSpc="1">
+            <a:prstTxWarp prst="textNoShape">
+              <a:avLst/>
+            </a:prstTxWarp>
+            <a:spAutoFit/>
+          </a:bodyPr>
+          <a:lstStyle/>
+          <a:p>
+            <a:pPr marL="0" marR="0" lvl="0" indent="0" algn="l" defTabSz="914400" rtl="0" eaLnBrk="0" fontAlgn="base" latinLnBrk="0" hangingPunct="0">
+              <a:lnSpc>
+                <a:spcPct val="100000"/>
+              </a:lnSpc>
+              <a:spcBef>
+                <a:spcPct val="0"/>
+              </a:spcBef>
+              <a:spcAft>
+                <a:spcPct val="0"/>
+              </a:spcAft>
+              <a:buClrTx/>
+              <a:buSzTx/>
+              <a:buFontTx/>
+              <a:buNone/>
+              <a:tabLst/>
+            </a:pPr>
+            <a:r>
+              <a:rPr kumimoji="0" lang="de-DE" altLang="de-DE" sz="1200" b="0" i="0" u="none" strike="noStrike" cap="none" normalizeH="0" baseline="0" dirty="0" err="1" smtClean="0">
+                <a:ln>
+                  <a:noFill/>
+                </a:ln>
+                <a:solidFill>
+                  <a:srgbClr val="2B91AF"/>
+                </a:solidFill>
+                <a:effectLst/>
+                <a:latin typeface="Consolas" panose="020B0609020204030204" pitchFamily="49" charset="0"/>
+                <a:cs typeface="Consolas" panose="020B0609020204030204" pitchFamily="49" charset="0"/>
+              </a:rPr>
+              <a:t>Placeholder</a:t>
+            </a:r>
+            <a:r>
+              <a:rPr kumimoji="0" lang="de-DE" altLang="de-DE" sz="1200" b="0" i="0" u="none" strike="noStrike" cap="none" normalizeH="0" baseline="0" dirty="0" smtClean="0">
+                <a:ln>
+                  <a:noFill/>
+                </a:ln>
+                <a:solidFill>
+                  <a:srgbClr val="000000"/>
+                </a:solidFill>
+                <a:effectLst/>
+                <a:latin typeface="Consolas" panose="020B0609020204030204" pitchFamily="49" charset="0"/>
+                <a:cs typeface="Consolas" panose="020B0609020204030204" pitchFamily="49" charset="0"/>
+              </a:rPr>
+              <a:t> </a:t>
+            </a:r>
+            <a:r>
+              <a:rPr kumimoji="0" lang="de-DE" altLang="de-DE" sz="1200" b="0" i="0" u="none" strike="noStrike" cap="none" normalizeH="0" baseline="0" dirty="0" err="1" smtClean="0">
+                <a:ln>
+                  <a:noFill/>
+                </a:ln>
+                <a:solidFill>
+                  <a:srgbClr val="000000"/>
+                </a:solidFill>
+                <a:effectLst/>
+                <a:latin typeface="Consolas" panose="020B0609020204030204" pitchFamily="49" charset="0"/>
+                <a:cs typeface="Consolas" panose="020B0609020204030204" pitchFamily="49" charset="0"/>
+              </a:rPr>
+              <a:t>crossover</a:t>
+            </a:r>
+            <a:r>
+              <a:rPr kumimoji="0" lang="de-DE" altLang="de-DE" sz="1200" b="0" i="0" u="none" strike="noStrike" cap="none" normalizeH="0" baseline="0" dirty="0" smtClean="0">
+                <a:ln>
+                  <a:noFill/>
+                </a:ln>
+                <a:solidFill>
+                  <a:srgbClr val="000000"/>
+                </a:solidFill>
+                <a:effectLst/>
+                <a:latin typeface="Consolas" panose="020B0609020204030204" pitchFamily="49" charset="0"/>
+                <a:cs typeface="Consolas" panose="020B0609020204030204" pitchFamily="49" charset="0"/>
+              </a:rPr>
+              <a:t> = </a:t>
+            </a:r>
+            <a:r>
+              <a:rPr kumimoji="0" lang="de-DE" altLang="de-DE" sz="1200" b="0" i="0" u="none" strike="noStrike" cap="none" normalizeH="0" baseline="0" dirty="0" err="1" smtClean="0">
+                <a:ln>
+                  <a:noFill/>
+                </a:ln>
+                <a:solidFill>
+                  <a:srgbClr val="0000FF"/>
+                </a:solidFill>
+                <a:effectLst/>
+                <a:latin typeface="Consolas" panose="020B0609020204030204" pitchFamily="49" charset="0"/>
+                <a:cs typeface="Consolas" panose="020B0609020204030204" pitchFamily="49" charset="0"/>
+              </a:rPr>
+              <a:t>new</a:t>
+            </a:r>
+            <a:r>
+              <a:rPr kumimoji="0" lang="de-DE" altLang="de-DE" sz="1200" b="0" i="0" u="none" strike="noStrike" cap="none" normalizeH="0" baseline="0" dirty="0" smtClean="0">
+                <a:ln>
+                  <a:noFill/>
+                </a:ln>
+                <a:solidFill>
+                  <a:srgbClr val="000000"/>
+                </a:solidFill>
+                <a:effectLst/>
+                <a:latin typeface="Consolas" panose="020B0609020204030204" pitchFamily="49" charset="0"/>
+                <a:cs typeface="Consolas" panose="020B0609020204030204" pitchFamily="49" charset="0"/>
+              </a:rPr>
+              <a:t> </a:t>
+            </a:r>
+            <a:r>
+              <a:rPr kumimoji="0" lang="de-DE" altLang="de-DE" sz="1200" b="0" i="0" u="none" strike="noStrike" cap="none" normalizeH="0" baseline="0" dirty="0" err="1" smtClean="0">
+                <a:ln>
+                  <a:noFill/>
+                </a:ln>
+                <a:solidFill>
+                  <a:srgbClr val="2B91AF"/>
+                </a:solidFill>
+                <a:effectLst/>
+                <a:latin typeface="Consolas" panose="020B0609020204030204" pitchFamily="49" charset="0"/>
+                <a:cs typeface="Consolas" panose="020B0609020204030204" pitchFamily="49" charset="0"/>
+              </a:rPr>
+              <a:t>Placeholder</a:t>
+            </a:r>
+            <a:r>
+              <a:rPr kumimoji="0" lang="de-DE" altLang="de-DE" sz="1200" b="0" i="0" u="none" strike="noStrike" cap="none" normalizeH="0" baseline="0" dirty="0" smtClean="0">
+                <a:ln>
+                  <a:noFill/>
+                </a:ln>
+                <a:solidFill>
+                  <a:srgbClr val="000000"/>
+                </a:solidFill>
+                <a:effectLst/>
+                <a:latin typeface="Consolas" panose="020B0609020204030204" pitchFamily="49" charset="0"/>
+                <a:cs typeface="Consolas" panose="020B0609020204030204" pitchFamily="49" charset="0"/>
+              </a:rPr>
+              <a:t>(); </a:t>
+            </a:r>
+            <a:endParaRPr kumimoji="0" lang="de-DE" altLang="de-DE" sz="3200" b="0" i="0" u="none" strike="noStrike" cap="none" normalizeH="0" baseline="0" dirty="0" smtClean="0">
+              <a:ln>
+                <a:noFill/>
+              </a:ln>
+              <a:solidFill>
+                <a:schemeClr val="tx1"/>
+              </a:solidFill>
+              <a:effectLst/>
+              <a:latin typeface="Arial" panose="020B0604020202020204" pitchFamily="34" charset="0"/>
+            </a:endParaRPr>
+          </a:p>
+        </p:txBody>
+      </p:sp>
+      <p:sp>
+        <p:nvSpPr>
+          <p:cNvPr id="9" name="Rectangle 3"/>
+          <p:cNvSpPr>
+            <a:spLocks noChangeArrowheads="1"/>
+          </p:cNvSpPr>
+          <p:nvPr/>
+        </p:nvSpPr>
+        <p:spPr bwMode="auto">
+          <a:xfrm>
+            <a:off x="1285601" y="4869160"/>
+            <a:ext cx="6450632" cy="1015663"/>
+          </a:xfrm>
+          <a:prstGeom prst="rect">
+            <a:avLst/>
+          </a:prstGeom>
+          <a:solidFill>
+            <a:srgbClr val="FFFFFF"/>
+          </a:solidFill>
+          <a:ln>
+            <a:noFill/>
+          </a:ln>
+          <a:effectLst/>
+          <a:extLst>
+            <a:ext uri="{91240B29-F687-4F45-9708-019B960494DF}">
+              <a14:hiddenLine xmlns:a14="http://schemas.microsoft.com/office/drawing/2010/main" w="9525">
+                <a:solidFill>
+                  <a:schemeClr val="tx1"/>
+                </a:solidFill>
+                <a:miter lim="800000"/>
+                <a:headEnd/>
+                <a:tailEnd/>
+              </a14:hiddenLine>
+            </a:ext>
+            <a:ext uri="{AF507438-7753-43E0-B8FC-AC1667EBCBE1}">
+              <a14:hiddenEffects xmlns:a14="http://schemas.microsoft.com/office/drawing/2010/main">
+                <a:effectLst>
+                  <a:outerShdw dist="35921" dir="2700000" algn="ctr" rotWithShape="0">
+                    <a:schemeClr val="bg2"/>
+                  </a:outerShdw>
+                </a:effectLst>
+              </a14:hiddenEffects>
+            </a:ext>
+          </a:extLst>
+        </p:spPr>
+        <p:txBody>
+          <a:bodyPr vert="horz" wrap="square" lIns="91440" tIns="45720" rIns="91440" bIns="45720" numCol="1" anchor="ctr" anchorCtr="0" compatLnSpc="1">
+            <a:prstTxWarp prst="textNoShape">
+              <a:avLst/>
+            </a:prstTxWarp>
+            <a:spAutoFit/>
+          </a:bodyPr>
+          <a:lstStyle/>
+          <a:p>
+            <a:pPr marL="0" marR="0" lvl="0" indent="0" algn="l" defTabSz="914400" rtl="0" eaLnBrk="0" fontAlgn="base" latinLnBrk="0" hangingPunct="0">
+              <a:lnSpc>
+                <a:spcPct val="100000"/>
+              </a:lnSpc>
+              <a:spcBef>
+                <a:spcPct val="0"/>
+              </a:spcBef>
+              <a:spcAft>
+                <a:spcPct val="0"/>
+              </a:spcAft>
+              <a:buClrTx/>
+              <a:buSzTx/>
+              <a:buFontTx/>
+              <a:buNone/>
+              <a:tabLst/>
+            </a:pPr>
+            <a:r>
+              <a:rPr kumimoji="0" lang="de-DE" altLang="de-DE" sz="1200" b="0" i="0" u="none" strike="noStrike" cap="none" normalizeH="0" baseline="0" dirty="0" err="1" smtClean="0">
+                <a:ln>
+                  <a:noFill/>
+                </a:ln>
+                <a:solidFill>
+                  <a:srgbClr val="2B91AF"/>
+                </a:solidFill>
+                <a:effectLst/>
+                <a:latin typeface="Consolas" panose="020B0609020204030204" pitchFamily="49" charset="0"/>
+                <a:cs typeface="Consolas" panose="020B0609020204030204" pitchFamily="49" charset="0"/>
+              </a:rPr>
+              <a:t>OperationCollection</a:t>
+            </a:r>
+            <a:r>
+              <a:rPr kumimoji="0" lang="de-DE" altLang="de-DE" sz="1200" b="0" i="0" u="none" strike="noStrike" cap="none" normalizeH="0" baseline="0" dirty="0" smtClean="0">
+                <a:ln>
+                  <a:noFill/>
+                </a:ln>
+                <a:solidFill>
+                  <a:srgbClr val="000000"/>
+                </a:solidFill>
+                <a:effectLst/>
+                <a:latin typeface="Consolas" panose="020B0609020204030204" pitchFamily="49" charset="0"/>
+                <a:cs typeface="Consolas" panose="020B0609020204030204" pitchFamily="49" charset="0"/>
+              </a:rPr>
+              <a:t> </a:t>
+            </a:r>
+            <a:r>
+              <a:rPr kumimoji="0" lang="de-DE" altLang="de-DE" sz="1200" b="0" i="0" u="none" strike="noStrike" cap="none" normalizeH="0" baseline="0" dirty="0" err="1" smtClean="0">
+                <a:ln>
+                  <a:noFill/>
+                </a:ln>
+                <a:solidFill>
+                  <a:srgbClr val="000000"/>
+                </a:solidFill>
+                <a:effectLst/>
+                <a:latin typeface="Consolas" panose="020B0609020204030204" pitchFamily="49" charset="0"/>
+                <a:cs typeface="Consolas" panose="020B0609020204030204" pitchFamily="49" charset="0"/>
+              </a:rPr>
+              <a:t>next</a:t>
+            </a:r>
+            <a:r>
+              <a:rPr kumimoji="0" lang="de-DE" altLang="de-DE" sz="1200" b="0" i="0" u="none" strike="noStrike" cap="none" normalizeH="0" baseline="0" dirty="0" smtClean="0">
+                <a:ln>
+                  <a:noFill/>
+                </a:ln>
+                <a:solidFill>
+                  <a:srgbClr val="000000"/>
+                </a:solidFill>
+                <a:effectLst/>
+                <a:latin typeface="Consolas" panose="020B0609020204030204" pitchFamily="49" charset="0"/>
+                <a:cs typeface="Consolas" panose="020B0609020204030204" pitchFamily="49" charset="0"/>
+              </a:rPr>
+              <a:t> = </a:t>
+            </a:r>
+            <a:r>
+              <a:rPr kumimoji="0" lang="de-DE" altLang="de-DE" sz="1200" b="0" i="0" u="none" strike="noStrike" cap="none" normalizeH="0" baseline="0" dirty="0" err="1" smtClean="0">
+                <a:ln>
+                  <a:noFill/>
+                </a:ln>
+                <a:solidFill>
+                  <a:srgbClr val="0000FF"/>
+                </a:solidFill>
+                <a:effectLst/>
+                <a:latin typeface="Consolas" panose="020B0609020204030204" pitchFamily="49" charset="0"/>
+                <a:cs typeface="Consolas" panose="020B0609020204030204" pitchFamily="49" charset="0"/>
+              </a:rPr>
+              <a:t>new</a:t>
+            </a:r>
+            <a:r>
+              <a:rPr kumimoji="0" lang="de-DE" altLang="de-DE" sz="1200" b="0" i="0" u="none" strike="noStrike" cap="none" normalizeH="0" baseline="0" dirty="0" smtClean="0">
+                <a:ln>
+                  <a:noFill/>
+                </a:ln>
+                <a:solidFill>
+                  <a:srgbClr val="000000"/>
+                </a:solidFill>
+                <a:effectLst/>
+                <a:latin typeface="Consolas" panose="020B0609020204030204" pitchFamily="49" charset="0"/>
+                <a:cs typeface="Consolas" panose="020B0609020204030204" pitchFamily="49" charset="0"/>
+              </a:rPr>
+              <a:t> </a:t>
+            </a:r>
+            <a:r>
+              <a:rPr kumimoji="0" lang="de-DE" altLang="de-DE" sz="1200" b="0" i="0" u="none" strike="noStrike" cap="none" normalizeH="0" baseline="0" dirty="0" err="1" smtClean="0">
+                <a:ln>
+                  <a:noFill/>
+                </a:ln>
+                <a:solidFill>
+                  <a:srgbClr val="2B91AF"/>
+                </a:solidFill>
+                <a:effectLst/>
+                <a:latin typeface="Consolas" panose="020B0609020204030204" pitchFamily="49" charset="0"/>
+                <a:cs typeface="Consolas" panose="020B0609020204030204" pitchFamily="49" charset="0"/>
+              </a:rPr>
+              <a:t>OperationCollection</a:t>
+            </a:r>
+            <a:r>
+              <a:rPr kumimoji="0" lang="de-DE" altLang="de-DE" sz="1200" b="0" i="0" u="none" strike="noStrike" cap="none" normalizeH="0" baseline="0" dirty="0" smtClean="0">
+                <a:ln>
+                  <a:noFill/>
+                </a:ln>
+                <a:solidFill>
+                  <a:srgbClr val="000000"/>
+                </a:solidFill>
+                <a:effectLst/>
+                <a:latin typeface="Consolas" panose="020B0609020204030204" pitchFamily="49" charset="0"/>
+                <a:cs typeface="Consolas" panose="020B0609020204030204" pitchFamily="49" charset="0"/>
+              </a:rPr>
+              <a:t>(</a:t>
+            </a:r>
+            <a:r>
+              <a:rPr kumimoji="0" lang="de-DE" altLang="de-DE" sz="1200" b="0" i="0" u="none" strike="noStrike" cap="none" normalizeH="0" baseline="0" dirty="0" err="1" smtClean="0">
+                <a:ln>
+                  <a:noFill/>
+                </a:ln>
+                <a:solidFill>
+                  <a:srgbClr val="0000FF"/>
+                </a:solidFill>
+                <a:effectLst/>
+                <a:latin typeface="Consolas" panose="020B0609020204030204" pitchFamily="49" charset="0"/>
+                <a:cs typeface="Consolas" panose="020B0609020204030204" pitchFamily="49" charset="0"/>
+              </a:rPr>
+              <a:t>base</a:t>
+            </a:r>
+            <a:r>
+              <a:rPr kumimoji="0" lang="de-DE" altLang="de-DE" sz="1200" b="0" i="0" u="none" strike="noStrike" cap="none" normalizeH="0" baseline="0" dirty="0" err="1" smtClean="0">
+                <a:ln>
+                  <a:noFill/>
+                </a:ln>
+                <a:solidFill>
+                  <a:srgbClr val="000000"/>
+                </a:solidFill>
+                <a:effectLst/>
+                <a:latin typeface="Consolas" panose="020B0609020204030204" pitchFamily="49" charset="0"/>
+                <a:cs typeface="Consolas" panose="020B0609020204030204" pitchFamily="49" charset="0"/>
+              </a:rPr>
+              <a:t>.Apply</a:t>
+            </a:r>
+            <a:r>
+              <a:rPr kumimoji="0" lang="de-DE" altLang="de-DE" sz="1200" b="0" i="0" u="none" strike="noStrike" cap="none" normalizeH="0" baseline="0" dirty="0" smtClean="0">
+                <a:ln>
+                  <a:noFill/>
+                </a:ln>
+                <a:solidFill>
+                  <a:srgbClr val="000000"/>
+                </a:solidFill>
+                <a:effectLst/>
+                <a:latin typeface="Consolas" panose="020B0609020204030204" pitchFamily="49" charset="0"/>
+                <a:cs typeface="Consolas" panose="020B0609020204030204" pitchFamily="49" charset="0"/>
+              </a:rPr>
+              <a:t>());    </a:t>
+            </a:r>
+          </a:p>
+          <a:p>
+            <a:pPr marL="0" marR="0" lvl="0" indent="0" algn="l" defTabSz="914400" rtl="0" eaLnBrk="0" fontAlgn="base" latinLnBrk="0" hangingPunct="0">
+              <a:lnSpc>
+                <a:spcPct val="100000"/>
+              </a:lnSpc>
+              <a:spcBef>
+                <a:spcPct val="0"/>
+              </a:spcBef>
+              <a:spcAft>
+                <a:spcPct val="0"/>
+              </a:spcAft>
+              <a:buClrTx/>
+              <a:buSzTx/>
+              <a:buFontTx/>
+              <a:buNone/>
+              <a:tabLst/>
+            </a:pPr>
+            <a:r>
+              <a:rPr kumimoji="0" lang="de-DE" altLang="de-DE" sz="1200" b="0" i="0" u="none" strike="noStrike" cap="none" normalizeH="0" baseline="0" dirty="0" err="1" smtClean="0">
+                <a:ln>
+                  <a:noFill/>
+                </a:ln>
+                <a:solidFill>
+                  <a:srgbClr val="2B91AF"/>
+                </a:solidFill>
+                <a:effectLst/>
+                <a:latin typeface="Consolas" panose="020B0609020204030204" pitchFamily="49" charset="0"/>
+                <a:cs typeface="Consolas" panose="020B0609020204030204" pitchFamily="49" charset="0"/>
+              </a:rPr>
+              <a:t>IOperator</a:t>
+            </a:r>
+            <a:r>
+              <a:rPr kumimoji="0" lang="de-DE" altLang="de-DE" sz="1200" b="0" i="0" u="none" strike="noStrike" cap="none" normalizeH="0" baseline="0" dirty="0" smtClean="0">
+                <a:ln>
+                  <a:noFill/>
+                </a:ln>
+                <a:solidFill>
+                  <a:srgbClr val="000000"/>
+                </a:solidFill>
+                <a:effectLst/>
+                <a:latin typeface="Consolas" panose="020B0609020204030204" pitchFamily="49" charset="0"/>
+                <a:cs typeface="Consolas" panose="020B0609020204030204" pitchFamily="49" charset="0"/>
+              </a:rPr>
+              <a:t> </a:t>
+            </a:r>
+            <a:r>
+              <a:rPr kumimoji="0" lang="de-DE" altLang="de-DE" sz="1200" b="0" i="0" u="none" strike="noStrike" cap="none" normalizeH="0" baseline="0" dirty="0" err="1" smtClean="0">
+                <a:ln>
+                  <a:noFill/>
+                </a:ln>
+                <a:solidFill>
+                  <a:srgbClr val="000000"/>
+                </a:solidFill>
+                <a:effectLst/>
+                <a:latin typeface="Consolas" panose="020B0609020204030204" pitchFamily="49" charset="0"/>
+                <a:cs typeface="Consolas" panose="020B0609020204030204" pitchFamily="49" charset="0"/>
+              </a:rPr>
+              <a:t>op</a:t>
+            </a:r>
+            <a:r>
+              <a:rPr kumimoji="0" lang="de-DE" altLang="de-DE" sz="1200" b="0" i="0" u="none" strike="noStrike" cap="none" normalizeH="0" baseline="0" dirty="0" smtClean="0">
+                <a:ln>
+                  <a:noFill/>
+                </a:ln>
+                <a:solidFill>
+                  <a:srgbClr val="000000"/>
+                </a:solidFill>
+                <a:effectLst/>
+                <a:latin typeface="Consolas" panose="020B0609020204030204" pitchFamily="49" charset="0"/>
+                <a:cs typeface="Consolas" panose="020B0609020204030204" pitchFamily="49" charset="0"/>
+              </a:rPr>
+              <a:t> = </a:t>
+            </a:r>
+            <a:r>
+              <a:rPr kumimoji="0" lang="de-DE" altLang="de-DE" sz="1200" b="0" i="0" u="none" strike="noStrike" cap="none" normalizeH="0" baseline="0" dirty="0" err="1" smtClean="0">
+                <a:ln>
+                  <a:noFill/>
+                </a:ln>
+                <a:solidFill>
+                  <a:srgbClr val="000000"/>
+                </a:solidFill>
+                <a:effectLst/>
+                <a:latin typeface="Consolas" panose="020B0609020204030204" pitchFamily="49" charset="0"/>
+                <a:cs typeface="Consolas" panose="020B0609020204030204" pitchFamily="49" charset="0"/>
+              </a:rPr>
+              <a:t>OperatorParameter.ActualValue</a:t>
+            </a:r>
+            <a:r>
+              <a:rPr kumimoji="0" lang="de-DE" altLang="de-DE" sz="1200" b="0" i="0" u="none" strike="noStrike" cap="none" normalizeH="0" baseline="0" dirty="0" smtClean="0">
+                <a:ln>
+                  <a:noFill/>
+                </a:ln>
+                <a:solidFill>
+                  <a:srgbClr val="000000"/>
+                </a:solidFill>
+                <a:effectLst/>
+                <a:latin typeface="Consolas" panose="020B0609020204030204" pitchFamily="49" charset="0"/>
+                <a:cs typeface="Consolas" panose="020B0609020204030204" pitchFamily="49" charset="0"/>
+              </a:rPr>
+              <a:t>;    </a:t>
+            </a:r>
+          </a:p>
+          <a:p>
+            <a:pPr marL="0" marR="0" lvl="0" indent="0" algn="l" defTabSz="914400" rtl="0" eaLnBrk="0" fontAlgn="base" latinLnBrk="0" hangingPunct="0">
+              <a:lnSpc>
+                <a:spcPct val="100000"/>
+              </a:lnSpc>
+              <a:spcBef>
+                <a:spcPct val="0"/>
+              </a:spcBef>
+              <a:spcAft>
+                <a:spcPct val="0"/>
+              </a:spcAft>
+              <a:buClrTx/>
+              <a:buSzTx/>
+              <a:buFontTx/>
+              <a:buNone/>
+              <a:tabLst/>
+            </a:pPr>
+            <a:r>
+              <a:rPr kumimoji="0" lang="de-DE" altLang="de-DE" sz="1200" b="0" i="0" u="none" strike="noStrike" cap="none" normalizeH="0" baseline="0" dirty="0" err="1" smtClean="0">
+                <a:ln>
+                  <a:noFill/>
+                </a:ln>
+                <a:solidFill>
+                  <a:srgbClr val="0000FF"/>
+                </a:solidFill>
+                <a:effectLst/>
+                <a:latin typeface="Consolas" panose="020B0609020204030204" pitchFamily="49" charset="0"/>
+                <a:cs typeface="Consolas" panose="020B0609020204030204" pitchFamily="49" charset="0"/>
+              </a:rPr>
+              <a:t>if</a:t>
+            </a:r>
+            <a:r>
+              <a:rPr kumimoji="0" lang="de-DE" altLang="de-DE" sz="1200" b="0" i="0" u="none" strike="noStrike" cap="none" normalizeH="0" baseline="0" dirty="0" smtClean="0">
+                <a:ln>
+                  <a:noFill/>
+                </a:ln>
+                <a:solidFill>
+                  <a:srgbClr val="000000"/>
+                </a:solidFill>
+                <a:effectLst/>
+                <a:latin typeface="Consolas" panose="020B0609020204030204" pitchFamily="49" charset="0"/>
+                <a:cs typeface="Consolas" panose="020B0609020204030204" pitchFamily="49" charset="0"/>
+              </a:rPr>
+              <a:t> (</a:t>
+            </a:r>
+            <a:r>
+              <a:rPr kumimoji="0" lang="de-DE" altLang="de-DE" sz="1200" b="0" i="0" u="none" strike="noStrike" cap="none" normalizeH="0" baseline="0" dirty="0" err="1" smtClean="0">
+                <a:ln>
+                  <a:noFill/>
+                </a:ln>
+                <a:solidFill>
+                  <a:srgbClr val="000000"/>
+                </a:solidFill>
+                <a:effectLst/>
+                <a:latin typeface="Consolas" panose="020B0609020204030204" pitchFamily="49" charset="0"/>
+                <a:cs typeface="Consolas" panose="020B0609020204030204" pitchFamily="49" charset="0"/>
+              </a:rPr>
+              <a:t>op</a:t>
+            </a:r>
+            <a:r>
+              <a:rPr kumimoji="0" lang="de-DE" altLang="de-DE" sz="1200" b="0" i="0" u="none" strike="noStrike" cap="none" normalizeH="0" baseline="0" dirty="0" smtClean="0">
+                <a:ln>
+                  <a:noFill/>
+                </a:ln>
+                <a:solidFill>
+                  <a:srgbClr val="000000"/>
+                </a:solidFill>
+                <a:effectLst/>
+                <a:latin typeface="Consolas" panose="020B0609020204030204" pitchFamily="49" charset="0"/>
+                <a:cs typeface="Consolas" panose="020B0609020204030204" pitchFamily="49" charset="0"/>
+              </a:rPr>
+              <a:t> != </a:t>
+            </a:r>
+            <a:r>
+              <a:rPr kumimoji="0" lang="de-DE" altLang="de-DE" sz="1200" b="0" i="0" u="none" strike="noStrike" cap="none" normalizeH="0" baseline="0" dirty="0" smtClean="0">
+                <a:ln>
+                  <a:noFill/>
+                </a:ln>
+                <a:solidFill>
+                  <a:srgbClr val="0000FF"/>
+                </a:solidFill>
+                <a:effectLst/>
+                <a:latin typeface="Consolas" panose="020B0609020204030204" pitchFamily="49" charset="0"/>
+                <a:cs typeface="Consolas" panose="020B0609020204030204" pitchFamily="49" charset="0"/>
+              </a:rPr>
+              <a:t>null</a:t>
+            </a:r>
+            <a:r>
+              <a:rPr kumimoji="0" lang="de-DE" altLang="de-DE" sz="1200" b="0" i="0" u="none" strike="noStrike" cap="none" normalizeH="0" baseline="0" dirty="0" smtClean="0">
+                <a:ln>
+                  <a:noFill/>
+                </a:ln>
+                <a:solidFill>
+                  <a:srgbClr val="000000"/>
+                </a:solidFill>
+                <a:effectLst/>
+                <a:latin typeface="Consolas" panose="020B0609020204030204" pitchFamily="49" charset="0"/>
+                <a:cs typeface="Consolas" panose="020B0609020204030204" pitchFamily="49" charset="0"/>
+              </a:rPr>
+              <a:t>)      </a:t>
+            </a:r>
+          </a:p>
+          <a:p>
+            <a:pPr marL="0" marR="0" lvl="0" indent="0" algn="l" defTabSz="914400" rtl="0" eaLnBrk="0" fontAlgn="base" latinLnBrk="0" hangingPunct="0">
+              <a:lnSpc>
+                <a:spcPct val="100000"/>
+              </a:lnSpc>
+              <a:spcBef>
+                <a:spcPct val="0"/>
+              </a:spcBef>
+              <a:spcAft>
+                <a:spcPct val="0"/>
+              </a:spcAft>
+              <a:buClrTx/>
+              <a:buSzTx/>
+              <a:buFontTx/>
+              <a:buNone/>
+              <a:tabLst/>
+            </a:pPr>
+            <a:r>
+              <a:rPr lang="de-DE" altLang="de-DE" sz="1200" dirty="0" smtClean="0">
+                <a:solidFill>
+                  <a:srgbClr val="000000"/>
+                </a:solidFill>
+                <a:latin typeface="Consolas" panose="020B0609020204030204" pitchFamily="49" charset="0"/>
+                <a:cs typeface="Consolas" panose="020B0609020204030204" pitchFamily="49" charset="0"/>
+              </a:rPr>
+              <a:t>    </a:t>
+            </a:r>
+            <a:r>
+              <a:rPr kumimoji="0" lang="de-DE" altLang="de-DE" sz="1200" b="0" i="0" u="none" strike="noStrike" cap="none" normalizeH="0" baseline="0" dirty="0" err="1" smtClean="0">
+                <a:ln>
+                  <a:noFill/>
+                </a:ln>
+                <a:solidFill>
+                  <a:srgbClr val="000000"/>
+                </a:solidFill>
+                <a:effectLst/>
+                <a:latin typeface="Consolas" panose="020B0609020204030204" pitchFamily="49" charset="0"/>
+                <a:cs typeface="Consolas" panose="020B0609020204030204" pitchFamily="49" charset="0"/>
+              </a:rPr>
+              <a:t>next.Insert</a:t>
+            </a:r>
+            <a:r>
+              <a:rPr kumimoji="0" lang="de-DE" altLang="de-DE" sz="1200" b="0" i="0" u="none" strike="noStrike" cap="none" normalizeH="0" baseline="0" dirty="0" smtClean="0">
+                <a:ln>
+                  <a:noFill/>
+                </a:ln>
+                <a:solidFill>
+                  <a:srgbClr val="000000"/>
+                </a:solidFill>
+                <a:effectLst/>
+                <a:latin typeface="Consolas" panose="020B0609020204030204" pitchFamily="49" charset="0"/>
+                <a:cs typeface="Consolas" panose="020B0609020204030204" pitchFamily="49" charset="0"/>
+              </a:rPr>
+              <a:t>(0, </a:t>
+            </a:r>
+            <a:r>
+              <a:rPr kumimoji="0" lang="de-DE" altLang="de-DE" sz="1200" b="0" i="0" u="none" strike="noStrike" cap="none" normalizeH="0" baseline="0" dirty="0" err="1" smtClean="0">
+                <a:ln>
+                  <a:noFill/>
+                </a:ln>
+                <a:solidFill>
+                  <a:srgbClr val="000000"/>
+                </a:solidFill>
+                <a:effectLst/>
+                <a:latin typeface="Consolas" panose="020B0609020204030204" pitchFamily="49" charset="0"/>
+                <a:cs typeface="Consolas" panose="020B0609020204030204" pitchFamily="49" charset="0"/>
+              </a:rPr>
+              <a:t>ExecutionContext.CreateOperation</a:t>
+            </a:r>
+            <a:r>
+              <a:rPr kumimoji="0" lang="de-DE" altLang="de-DE" sz="1200" b="0" i="0" u="none" strike="noStrike" cap="none" normalizeH="0" baseline="0" dirty="0" smtClean="0">
+                <a:ln>
+                  <a:noFill/>
+                </a:ln>
+                <a:solidFill>
+                  <a:srgbClr val="000000"/>
+                </a:solidFill>
+                <a:effectLst/>
+                <a:latin typeface="Consolas" panose="020B0609020204030204" pitchFamily="49" charset="0"/>
+                <a:cs typeface="Consolas" panose="020B0609020204030204" pitchFamily="49" charset="0"/>
+              </a:rPr>
+              <a:t>(</a:t>
+            </a:r>
+            <a:r>
+              <a:rPr kumimoji="0" lang="de-DE" altLang="de-DE" sz="1200" b="0" i="0" u="none" strike="noStrike" cap="none" normalizeH="0" baseline="0" dirty="0" err="1" smtClean="0">
+                <a:ln>
+                  <a:noFill/>
+                </a:ln>
+                <a:solidFill>
+                  <a:srgbClr val="000000"/>
+                </a:solidFill>
+                <a:effectLst/>
+                <a:latin typeface="Consolas" panose="020B0609020204030204" pitchFamily="49" charset="0"/>
+                <a:cs typeface="Consolas" panose="020B0609020204030204" pitchFamily="49" charset="0"/>
+              </a:rPr>
+              <a:t>op</a:t>
+            </a:r>
+            <a:r>
+              <a:rPr kumimoji="0" lang="de-DE" altLang="de-DE" sz="1200" b="0" i="0" u="none" strike="noStrike" cap="none" normalizeH="0" baseline="0" dirty="0" smtClean="0">
+                <a:ln>
+                  <a:noFill/>
+                </a:ln>
+                <a:solidFill>
+                  <a:srgbClr val="000000"/>
+                </a:solidFill>
+                <a:effectLst/>
+                <a:latin typeface="Consolas" panose="020B0609020204030204" pitchFamily="49" charset="0"/>
+                <a:cs typeface="Consolas" panose="020B0609020204030204" pitchFamily="49" charset="0"/>
+              </a:rPr>
+              <a:t>));    </a:t>
+            </a:r>
+          </a:p>
+          <a:p>
+            <a:pPr marL="0" marR="0" lvl="0" indent="0" algn="l" defTabSz="914400" rtl="0" eaLnBrk="0" fontAlgn="base" latinLnBrk="0" hangingPunct="0">
+              <a:lnSpc>
+                <a:spcPct val="100000"/>
+              </a:lnSpc>
+              <a:spcBef>
+                <a:spcPct val="0"/>
+              </a:spcBef>
+              <a:spcAft>
+                <a:spcPct val="0"/>
+              </a:spcAft>
+              <a:buClrTx/>
+              <a:buSzTx/>
+              <a:buFontTx/>
+              <a:buNone/>
+              <a:tabLst/>
+            </a:pPr>
+            <a:r>
+              <a:rPr kumimoji="0" lang="de-DE" altLang="de-DE" sz="1200" b="0" i="0" u="none" strike="noStrike" cap="none" normalizeH="0" baseline="0" dirty="0" err="1" smtClean="0">
+                <a:ln>
+                  <a:noFill/>
+                </a:ln>
+                <a:solidFill>
+                  <a:srgbClr val="0000FF"/>
+                </a:solidFill>
+                <a:effectLst/>
+                <a:latin typeface="Consolas" panose="020B0609020204030204" pitchFamily="49" charset="0"/>
+                <a:cs typeface="Consolas" panose="020B0609020204030204" pitchFamily="49" charset="0"/>
+              </a:rPr>
+              <a:t>return</a:t>
+            </a:r>
+            <a:r>
+              <a:rPr kumimoji="0" lang="de-DE" altLang="de-DE" sz="1200" b="0" i="0" u="none" strike="noStrike" cap="none" normalizeH="0" baseline="0" dirty="0" smtClean="0">
+                <a:ln>
+                  <a:noFill/>
+                </a:ln>
+                <a:solidFill>
+                  <a:srgbClr val="000000"/>
+                </a:solidFill>
+                <a:effectLst/>
+                <a:latin typeface="Consolas" panose="020B0609020204030204" pitchFamily="49" charset="0"/>
+                <a:cs typeface="Consolas" panose="020B0609020204030204" pitchFamily="49" charset="0"/>
+              </a:rPr>
+              <a:t> </a:t>
+            </a:r>
+            <a:r>
+              <a:rPr kumimoji="0" lang="de-DE" altLang="de-DE" sz="1200" b="0" i="0" u="none" strike="noStrike" cap="none" normalizeH="0" baseline="0" dirty="0" err="1" smtClean="0">
+                <a:ln>
+                  <a:noFill/>
+                </a:ln>
+                <a:solidFill>
+                  <a:srgbClr val="000000"/>
+                </a:solidFill>
+                <a:effectLst/>
+                <a:latin typeface="Consolas" panose="020B0609020204030204" pitchFamily="49" charset="0"/>
+                <a:cs typeface="Consolas" panose="020B0609020204030204" pitchFamily="49" charset="0"/>
+              </a:rPr>
+              <a:t>next</a:t>
+            </a:r>
+            <a:r>
+              <a:rPr kumimoji="0" lang="de-DE" altLang="de-DE" sz="1200" b="0" i="0" u="none" strike="noStrike" cap="none" normalizeH="0" baseline="0" dirty="0" smtClean="0">
+                <a:ln>
+                  <a:noFill/>
+                </a:ln>
+                <a:solidFill>
+                  <a:srgbClr val="000000"/>
+                </a:solidFill>
+                <a:effectLst/>
+                <a:latin typeface="Consolas" panose="020B0609020204030204" pitchFamily="49" charset="0"/>
+                <a:cs typeface="Consolas" panose="020B0609020204030204" pitchFamily="49" charset="0"/>
+              </a:rPr>
+              <a:t>;</a:t>
+            </a:r>
+            <a:endParaRPr kumimoji="0" lang="de-DE" altLang="de-DE" sz="3200" b="0" i="0" u="none" strike="noStrike" cap="none" normalizeH="0" baseline="0" dirty="0" smtClean="0">
+              <a:ln>
+                <a:noFill/>
+              </a:ln>
+              <a:solidFill>
+                <a:schemeClr val="tx1"/>
+              </a:solidFill>
+              <a:effectLst/>
+              <a:latin typeface="Arial" panose="020B0604020202020204" pitchFamily="34" charset="0"/>
+            </a:endParaRPr>
+          </a:p>
+        </p:txBody>
+      </p:sp>
+    </p:spTree>
+    <p:extLst>
+      <p:ext uri="{BB962C8B-B14F-4D97-AF65-F5344CB8AC3E}">
+        <p14:creationId xmlns:p14="http://schemas.microsoft.com/office/powerpoint/2010/main" val="3988949042"/>
+      </p:ext>
+    </p:extLst>
+  </p:cSld>
+  <p:clrMapOvr>
+    <a:masterClrMapping/>
+  </p:clrMapOvr>
+</p:sld>
+</file>
+
+<file path=ppt/slides/slide15.xml><?xml version="1.0" encoding="utf-8"?>
+<p:sld xmlns:a="http://schemas.openxmlformats.org/drawingml/2006/main" xmlns:r="http://schemas.openxmlformats.org/officeDocument/2006/relationships" xmlns:p="http://schemas.openxmlformats.org/presentationml/2006/main">
+  <p:cSld>
+    <p:spTree>
+      <p:nvGrpSpPr>
+        <p:cNvPr id="1" name=""/>
+        <p:cNvGrpSpPr/>
+        <p:nvPr/>
+      </p:nvGrpSpPr>
+      <p:grpSpPr>
+        <a:xfrm>
+          <a:off x="0" y="0"/>
+          <a:ext cx="0" cy="0"/>
+          <a:chOff x="0" y="0"/>
+          <a:chExt cx="0" cy="0"/>
+        </a:xfrm>
+      </p:grpSpPr>
+      <p:sp>
+        <p:nvSpPr>
+          <p:cNvPr id="2" name="Titel 1"/>
+          <p:cNvSpPr>
+            <a:spLocks noGrp="1"/>
+          </p:cNvSpPr>
+          <p:nvPr>
+            <p:ph type="title"/>
+          </p:nvPr>
+        </p:nvSpPr>
+        <p:spPr/>
+        <p:txBody>
+          <a:bodyPr/>
+          <a:lstStyle/>
+          <a:p>
+            <a:r>
               <a:rPr lang="de-AT" dirty="0" smtClean="0"/>
               <a:t>Scopes</a:t>
             </a:r>
@@ -8732,7 +9884,7 @@
             <a:fld id="{6C6AE60A-B69C-4790-82F7-3882EDF23186}" type="slidenum">
               <a:rPr lang="de-DE" smtClean="0"/>
               <a:pPr/>
-              <a:t>14</a:t>
+              <a:t>15</a:t>
             </a:fld>
             <a:endParaRPr lang="de-DE"/>
           </a:p>
@@ -8782,7 +9934,7 @@
 </p:sld>
 </file>
 
-<file path=ppt/slides/slide15.xml><?xml version="1.0" encoding="utf-8"?>
+<file path=ppt/slides/slide16.xml><?xml version="1.0" encoding="utf-8"?>
 <p:sld xmlns:a="http://schemas.openxmlformats.org/drawingml/2006/main" xmlns:r="http://schemas.openxmlformats.org/officeDocument/2006/relationships" xmlns:p="http://schemas.openxmlformats.org/presentationml/2006/main">
   <p:cSld>
     <p:spTree>
@@ -8963,7 +10115,7 @@
             <a:fld id="{6C6AE60A-B69C-4790-82F7-3882EDF23186}" type="slidenum">
               <a:rPr lang="de-DE" smtClean="0"/>
               <a:pPr/>
-              <a:t>15</a:t>
+              <a:t>16</a:t>
             </a:fld>
             <a:endParaRPr lang="de-DE"/>
           </a:p>
@@ -8989,7 +10141,7 @@
 </p:sld>
 </file>
 
-<file path=ppt/slides/slide16.xml><?xml version="1.0" encoding="utf-8"?>
+<file path=ppt/slides/slide17.xml><?xml version="1.0" encoding="utf-8"?>
 <p:sld xmlns:a="http://schemas.openxmlformats.org/drawingml/2006/main" xmlns:r="http://schemas.openxmlformats.org/officeDocument/2006/relationships" xmlns:p="http://schemas.openxmlformats.org/presentationml/2006/main">
   <p:cSld>
     <p:spTree>
@@ -9190,7 +10342,7 @@
             <a:fld id="{6C6AE60A-B69C-4790-82F7-3882EDF23186}" type="slidenum">
               <a:rPr lang="de-DE" smtClean="0"/>
               <a:pPr/>
-              <a:t>16</a:t>
+              <a:t>17</a:t>
             </a:fld>
             <a:endParaRPr lang="de-DE"/>
           </a:p>
@@ -9233,7 +10385,7 @@
 </p:sld>
 </file>
 
-<file path=ppt/slides/slide17.xml><?xml version="1.0" encoding="utf-8"?>
+<file path=ppt/slides/slide18.xml><?xml version="1.0" encoding="utf-8"?>
 <p:sld xmlns:a="http://schemas.openxmlformats.org/drawingml/2006/main" xmlns:r="http://schemas.openxmlformats.org/officeDocument/2006/relationships" xmlns:p="http://schemas.openxmlformats.org/presentationml/2006/main">
   <p:cSld>
     <p:spTree>
@@ -9361,7 +10513,7 @@
             <a:fld id="{6C6AE60A-B69C-4790-82F7-3882EDF23186}" type="slidenum">
               <a:rPr lang="de-DE" smtClean="0"/>
               <a:pPr/>
-              <a:t>17</a:t>
+              <a:t>18</a:t>
             </a:fld>
             <a:endParaRPr lang="de-DE"/>
           </a:p>
@@ -9741,229 +10893,6 @@
 </p:sld>
 </file>
 
-<file path=ppt/slides/slide18.xml><?xml version="1.0" encoding="utf-8"?>
-<p:sld xmlns:a="http://schemas.openxmlformats.org/drawingml/2006/main" xmlns:r="http://schemas.openxmlformats.org/officeDocument/2006/relationships" xmlns:p="http://schemas.openxmlformats.org/presentationml/2006/main">
-  <p:cSld>
-    <p:spTree>
-      <p:nvGrpSpPr>
-        <p:cNvPr id="1" name=""/>
-        <p:cNvGrpSpPr/>
-        <p:nvPr/>
-      </p:nvGrpSpPr>
-      <p:grpSpPr>
-        <a:xfrm>
-          <a:off x="0" y="0"/>
-          <a:ext cx="0" cy="0"/>
-          <a:chOff x="0" y="0"/>
-          <a:chExt cx="0" cy="0"/>
-        </a:xfrm>
-      </p:grpSpPr>
-      <p:sp>
-        <p:nvSpPr>
-          <p:cNvPr id="2" name="Titel 1"/>
-          <p:cNvSpPr>
-            <a:spLocks noGrp="1"/>
-          </p:cNvSpPr>
-          <p:nvPr>
-            <p:ph type="title"/>
-          </p:nvPr>
-        </p:nvSpPr>
-        <p:spPr/>
-        <p:txBody>
-          <a:bodyPr/>
-          <a:lstStyle/>
-          <a:p>
-            <a:r>
-              <a:rPr lang="en-GB" dirty="0" smtClean="0"/>
-              <a:t>Algorithms and Problems</a:t>
-            </a:r>
-            <a:endParaRPr lang="en-GB" dirty="0"/>
-          </a:p>
-        </p:txBody>
-      </p:sp>
-      <p:sp>
-        <p:nvSpPr>
-          <p:cNvPr id="3" name="Inhaltsplatzhalter 2"/>
-          <p:cNvSpPr>
-            <a:spLocks noGrp="1"/>
-          </p:cNvSpPr>
-          <p:nvPr>
-            <p:ph idx="1"/>
-          </p:nvPr>
-        </p:nvSpPr>
-        <p:spPr/>
-        <p:txBody>
-          <a:bodyPr>
-            <a:normAutofit fontScale="92500" lnSpcReduction="20000"/>
-          </a:bodyPr>
-          <a:lstStyle/>
-          <a:p>
-            <a:r>
-              <a:rPr lang="en-GB" dirty="0" smtClean="0"/>
-              <a:t>Different ways how to implement algorithms and problems</a:t>
-            </a:r>
-          </a:p>
-          <a:p>
-            <a:r>
-              <a:rPr lang="en-GB" dirty="0" smtClean="0"/>
-              <a:t>Algorithms</a:t>
-            </a:r>
-          </a:p>
-          <a:p>
-            <a:pPr lvl="1"/>
-            <a:r>
-              <a:rPr lang="en-GB" dirty="0" smtClean="0"/>
-              <a:t>Flexible: Inherit from </a:t>
-            </a:r>
-            <a:r>
-              <a:rPr lang="en-GB" dirty="0" err="1" smtClean="0"/>
-              <a:t>HeuristicOptimizationEngineAlgorithm</a:t>
-            </a:r>
-            <a:endParaRPr lang="en-GB" dirty="0" smtClean="0"/>
-          </a:p>
-          <a:p>
-            <a:pPr lvl="1"/>
-            <a:r>
-              <a:rPr lang="en-GB" dirty="0"/>
-              <a:t>Easy: Inherit from </a:t>
-            </a:r>
-            <a:r>
-              <a:rPr lang="en-GB" dirty="0" err="1" smtClean="0"/>
-              <a:t>BasicAlgorithm</a:t>
-            </a:r>
-            <a:endParaRPr lang="en-GB" dirty="0"/>
-          </a:p>
-          <a:p>
-            <a:r>
-              <a:rPr lang="en-GB" dirty="0" smtClean="0"/>
-              <a:t>Problems</a:t>
-            </a:r>
-          </a:p>
-          <a:p>
-            <a:pPr lvl="1"/>
-            <a:r>
-              <a:rPr lang="en-GB" dirty="0" smtClean="0"/>
-              <a:t>Flexible: Inherit from </a:t>
-            </a:r>
-            <a:r>
-              <a:rPr lang="en-GB" dirty="0" err="1" smtClean="0"/>
-              <a:t>HeuristicOptimizationEngineAlgorithm</a:t>
-            </a:r>
-            <a:endParaRPr lang="en-GB" dirty="0" smtClean="0"/>
-          </a:p>
-          <a:p>
-            <a:pPr lvl="1"/>
-            <a:r>
-              <a:rPr lang="en-GB" dirty="0"/>
-              <a:t>Easy: Inherit from </a:t>
-            </a:r>
-            <a:r>
-              <a:rPr lang="en-GB" dirty="0" smtClean="0"/>
-              <a:t>[</a:t>
-            </a:r>
-            <a:r>
-              <a:rPr lang="en-GB" dirty="0" err="1" smtClean="0"/>
-              <a:t>Single|Multi</a:t>
-            </a:r>
-            <a:r>
-              <a:rPr lang="en-GB" dirty="0" smtClean="0"/>
-              <a:t>]</a:t>
-            </a:r>
-            <a:r>
-              <a:rPr lang="en-GB" dirty="0" err="1" smtClean="0"/>
-              <a:t>ObjectiveBasicProblem</a:t>
-            </a:r>
-            <a:endParaRPr lang="en-GB" dirty="0"/>
-          </a:p>
-          <a:p>
-            <a:pPr lvl="1"/>
-            <a:endParaRPr lang="en-GB" dirty="0"/>
-          </a:p>
-        </p:txBody>
-      </p:sp>
-      <p:sp>
-        <p:nvSpPr>
-          <p:cNvPr id="4" name="Datumsplatzhalter 3"/>
-          <p:cNvSpPr>
-            <a:spLocks noGrp="1"/>
-          </p:cNvSpPr>
-          <p:nvPr>
-            <p:ph type="dt" sz="half" idx="10"/>
-          </p:nvPr>
-        </p:nvSpPr>
-        <p:spPr/>
-        <p:txBody>
-          <a:bodyPr/>
-          <a:lstStyle/>
-          <a:p>
-            <a:r>
-              <a:rPr lang="de-DE" smtClean="0"/>
-              <a:t>Programming HeuristicLab</a:t>
-            </a:r>
-            <a:endParaRPr lang="de-DE" dirty="0"/>
-          </a:p>
-        </p:txBody>
-      </p:sp>
-      <p:sp>
-        <p:nvSpPr>
-          <p:cNvPr id="5" name="Fußzeilenplatzhalter 4"/>
-          <p:cNvSpPr>
-            <a:spLocks noGrp="1"/>
-          </p:cNvSpPr>
-          <p:nvPr>
-            <p:ph type="ftr" sz="quarter" idx="11"/>
-          </p:nvPr>
-        </p:nvSpPr>
-        <p:spPr/>
-        <p:txBody>
-          <a:bodyPr/>
-          <a:lstStyle/>
-          <a:p>
-            <a:r>
-              <a:rPr lang="de-DE" smtClean="0"/>
-              <a:t>http://dev.heuristiclab.com</a:t>
-            </a:r>
-            <a:endParaRPr lang="de-DE"/>
-          </a:p>
-        </p:txBody>
-      </p:sp>
-      <p:sp>
-        <p:nvSpPr>
-          <p:cNvPr id="6" name="Foliennummernplatzhalter 5"/>
-          <p:cNvSpPr>
-            <a:spLocks noGrp="1"/>
-          </p:cNvSpPr>
-          <p:nvPr>
-            <p:ph type="sldNum" sz="quarter" idx="12"/>
-          </p:nvPr>
-        </p:nvSpPr>
-        <p:spPr/>
-        <p:txBody>
-          <a:bodyPr/>
-          <a:lstStyle/>
-          <a:p>
-            <a:fld id="{6C6AE60A-B69C-4790-82F7-3882EDF23186}" type="slidenum">
-              <a:rPr lang="de-DE" smtClean="0"/>
-              <a:pPr/>
-              <a:t>18</a:t>
-            </a:fld>
-            <a:endParaRPr lang="de-DE"/>
-          </a:p>
-        </p:txBody>
-      </p:sp>
-    </p:spTree>
-    <p:extLst>
-      <p:ext uri="{BB962C8B-B14F-4D97-AF65-F5344CB8AC3E}">
-        <p14:creationId xmlns:p14="http://schemas.microsoft.com/office/powerpoint/2010/main" val="2486980561"/>
-      </p:ext>
-    </p:extLst>
-  </p:cSld>
-  <p:clrMapOvr>
-    <a:masterClrMapping/>
-  </p:clrMapOvr>
-</p:sld>
-</file>
-
 <file path=ppt/slides/slide19.xml><?xml version="1.0" encoding="utf-8"?>
 <p:sld xmlns:a="http://schemas.openxmlformats.org/drawingml/2006/main" xmlns:r="http://schemas.openxmlformats.org/officeDocument/2006/relationships" xmlns:p="http://schemas.openxmlformats.org/presentationml/2006/main">
   <p:cSld>
@@ -9993,23 +10922,114 @@
         </p:nvSpPr>
         <p:spPr/>
         <p:txBody>
+          <a:bodyPr/>
+          <a:lstStyle/>
+          <a:p>
+            <a:r>
+              <a:rPr lang="en-GB" dirty="0" smtClean="0"/>
+              <a:t>Algorithms and Problems</a:t>
+            </a:r>
+            <a:endParaRPr lang="en-GB" dirty="0"/>
+          </a:p>
+        </p:txBody>
+      </p:sp>
+      <p:sp>
+        <p:nvSpPr>
+          <p:cNvPr id="3" name="Inhaltsplatzhalter 2"/>
+          <p:cNvSpPr>
+            <a:spLocks noGrp="1"/>
+          </p:cNvSpPr>
+          <p:nvPr>
+            <p:ph idx="1"/>
+          </p:nvPr>
+        </p:nvSpPr>
+        <p:spPr/>
+        <p:txBody>
           <a:bodyPr>
-            <a:normAutofit fontScale="90000"/>
+            <a:normAutofit fontScale="92500" lnSpcReduction="20000"/>
           </a:bodyPr>
           <a:lstStyle/>
           <a:p>
             <a:r>
-              <a:rPr lang="en-US" dirty="0" smtClean="0"/>
-              <a:t>Base classes/interfaces </a:t>
-            </a:r>
-            <a:br>
-              <a:rPr lang="en-US" dirty="0" smtClean="0"/>
-            </a:br>
-            <a:r>
-              <a:rPr lang="en-US" dirty="0" smtClean="0"/>
-              <a:t>for algorithms</a:t>
-            </a:r>
-            <a:endParaRPr lang="en-US" dirty="0"/>
+              <a:rPr lang="en-GB" dirty="0" smtClean="0"/>
+              <a:t>Different ways how to implement algorithms and problems</a:t>
+            </a:r>
+          </a:p>
+          <a:p>
+            <a:r>
+              <a:rPr lang="en-GB" dirty="0" smtClean="0"/>
+              <a:t>Algorithms</a:t>
+            </a:r>
+          </a:p>
+          <a:p>
+            <a:pPr lvl="1"/>
+            <a:r>
+              <a:rPr lang="en-GB" dirty="0" smtClean="0"/>
+              <a:t>Flexible: Inherit from </a:t>
+            </a:r>
+            <a:r>
+              <a:rPr lang="en-GB" dirty="0" err="1" smtClean="0"/>
+              <a:t>HeuristicOptimizationEngineAlgorithm</a:t>
+            </a:r>
+            <a:endParaRPr lang="en-GB" dirty="0" smtClean="0"/>
+          </a:p>
+          <a:p>
+            <a:pPr lvl="1"/>
+            <a:r>
+              <a:rPr lang="en-GB" dirty="0"/>
+              <a:t>Easy: Inherit from </a:t>
+            </a:r>
+            <a:r>
+              <a:rPr lang="en-GB" dirty="0" err="1" smtClean="0"/>
+              <a:t>BasicAlgorithm</a:t>
+            </a:r>
+            <a:endParaRPr lang="en-GB" dirty="0"/>
+          </a:p>
+          <a:p>
+            <a:r>
+              <a:rPr lang="en-GB" dirty="0" smtClean="0"/>
+              <a:t>Problems</a:t>
+            </a:r>
+          </a:p>
+          <a:p>
+            <a:pPr lvl="1"/>
+            <a:r>
+              <a:rPr lang="en-GB" dirty="0" smtClean="0"/>
+              <a:t>Flexible: Inherit from </a:t>
+            </a:r>
+            <a:r>
+              <a:rPr lang="en-GB" dirty="0" err="1"/>
+              <a:t>SingleObjectiveHeuristicOptimizationProblem</a:t>
+            </a:r>
+            <a:endParaRPr lang="en-GB" dirty="0" smtClean="0"/>
+          </a:p>
+          <a:p>
+            <a:pPr lvl="1"/>
+            <a:r>
+              <a:rPr lang="en-GB" dirty="0"/>
+              <a:t>Easy: Inherit from </a:t>
+            </a:r>
+            <a:r>
+              <a:rPr lang="en-GB" dirty="0" smtClean="0"/>
+              <a:t>[</a:t>
+            </a:r>
+            <a:r>
+              <a:rPr lang="en-GB" dirty="0" err="1" smtClean="0"/>
+              <a:t>Single|Multi</a:t>
+            </a:r>
+            <a:r>
+              <a:rPr lang="en-GB" dirty="0" smtClean="0"/>
+              <a:t>]</a:t>
+            </a:r>
+            <a:r>
+              <a:rPr lang="en-GB" dirty="0" err="1" smtClean="0"/>
+              <a:t>ObjectiveBasicProblem</a:t>
+            </a:r>
+            <a:endParaRPr lang="en-GB" dirty="0"/>
+          </a:p>
+          <a:p>
+            <a:pPr lvl="1"/>
+            <a:endParaRPr lang="en-GB" dirty="0"/>
           </a:p>
         </p:txBody>
       </p:sp>
@@ -10078,6 +11098,324 @@
               <a:rPr lang="de-DE" smtClean="0"/>
               <a:pPr/>
               <a:t>19</a:t>
+            </a:fld>
+            <a:endParaRPr lang="de-DE"/>
+          </a:p>
+        </p:txBody>
+      </p:sp>
+    </p:spTree>
+    <p:extLst>
+      <p:ext uri="{BB962C8B-B14F-4D97-AF65-F5344CB8AC3E}">
+        <p14:creationId xmlns:p14="http://schemas.microsoft.com/office/powerpoint/2010/main" val="2486980561"/>
+      </p:ext>
+    </p:extLst>
+  </p:cSld>
+  <p:clrMapOvr>
+    <a:masterClrMapping/>
+  </p:clrMapOvr>
+</p:sld>
+</file>
+
+<file path=ppt/slides/slide2.xml><?xml version="1.0" encoding="utf-8"?>
+<p:sld xmlns:a="http://schemas.openxmlformats.org/drawingml/2006/main" xmlns:r="http://schemas.openxmlformats.org/officeDocument/2006/relationships" xmlns:p="http://schemas.openxmlformats.org/presentationml/2006/main">
+  <p:cSld>
+    <p:spTree>
+      <p:nvGrpSpPr>
+        <p:cNvPr id="1" name=""/>
+        <p:cNvGrpSpPr/>
+        <p:nvPr/>
+      </p:nvGrpSpPr>
+      <p:grpSpPr>
+        <a:xfrm>
+          <a:off x="0" y="0"/>
+          <a:ext cx="0" cy="0"/>
+          <a:chOff x="0" y="0"/>
+          <a:chExt cx="0" cy="0"/>
+        </a:xfrm>
+      </p:grpSpPr>
+      <p:sp>
+        <p:nvSpPr>
+          <p:cNvPr id="2" name="Titel 1"/>
+          <p:cNvSpPr>
+            <a:spLocks noGrp="1"/>
+          </p:cNvSpPr>
+          <p:nvPr>
+            <p:ph type="title"/>
+          </p:nvPr>
+        </p:nvSpPr>
+        <p:spPr/>
+        <p:txBody>
+          <a:bodyPr/>
+          <a:lstStyle/>
+          <a:p>
+            <a:r>
+              <a:rPr lang="en-US" dirty="0" smtClean="0"/>
+              <a:t>Overview</a:t>
+            </a:r>
+            <a:endParaRPr lang="en-US" dirty="0"/>
+          </a:p>
+        </p:txBody>
+      </p:sp>
+      <p:sp>
+        <p:nvSpPr>
+          <p:cNvPr id="3" name="Inhaltsplatzhalter 2"/>
+          <p:cNvSpPr>
+            <a:spLocks noGrp="1"/>
+          </p:cNvSpPr>
+          <p:nvPr>
+            <p:ph idx="1"/>
+          </p:nvPr>
+        </p:nvSpPr>
+        <p:spPr/>
+        <p:txBody>
+          <a:bodyPr>
+            <a:normAutofit/>
+          </a:bodyPr>
+          <a:lstStyle/>
+          <a:p>
+            <a:r>
+              <a:rPr lang="en-US" dirty="0" smtClean="0"/>
+              <a:t>HL Algorithm </a:t>
+            </a:r>
+            <a:r>
+              <a:rPr lang="en-US" dirty="0"/>
+              <a:t>M</a:t>
+            </a:r>
+            <a:r>
+              <a:rPr lang="en-US" dirty="0" smtClean="0"/>
+              <a:t>odel</a:t>
+            </a:r>
+          </a:p>
+          <a:p>
+            <a:r>
+              <a:rPr lang="en-US" dirty="0" smtClean="0"/>
+              <a:t>Parameters, Operators and Scopes</a:t>
+            </a:r>
+          </a:p>
+          <a:p>
+            <a:r>
+              <a:rPr lang="en-US" dirty="0" smtClean="0"/>
+              <a:t>Algorithms</a:t>
+            </a:r>
+          </a:p>
+          <a:p>
+            <a:r>
+              <a:rPr lang="en-US" dirty="0" smtClean="0"/>
+              <a:t>Problems</a:t>
+            </a:r>
+          </a:p>
+          <a:p>
+            <a:endParaRPr lang="en-US" dirty="0"/>
+          </a:p>
+        </p:txBody>
+      </p:sp>
+      <p:sp>
+        <p:nvSpPr>
+          <p:cNvPr id="4" name="Datumsplatzhalter 3"/>
+          <p:cNvSpPr>
+            <a:spLocks noGrp="1"/>
+          </p:cNvSpPr>
+          <p:nvPr>
+            <p:ph type="dt" sz="half" idx="10"/>
+          </p:nvPr>
+        </p:nvSpPr>
+        <p:spPr/>
+        <p:txBody>
+          <a:bodyPr/>
+          <a:lstStyle/>
+          <a:p>
+            <a:r>
+              <a:rPr lang="de-DE" dirty="0" err="1"/>
+              <a:t>Programming</a:t>
+            </a:r>
+            <a:r>
+              <a:rPr lang="de-DE" dirty="0"/>
+              <a:t> HeuristicLab</a:t>
+            </a:r>
+          </a:p>
+        </p:txBody>
+      </p:sp>
+      <p:sp>
+        <p:nvSpPr>
+          <p:cNvPr id="5" name="Fußzeilenplatzhalter 4"/>
+          <p:cNvSpPr>
+            <a:spLocks noGrp="1"/>
+          </p:cNvSpPr>
+          <p:nvPr>
+            <p:ph type="ftr" sz="quarter" idx="11"/>
+          </p:nvPr>
+        </p:nvSpPr>
+        <p:spPr/>
+        <p:txBody>
+          <a:bodyPr/>
+          <a:lstStyle/>
+          <a:p>
+            <a:r>
+              <a:rPr lang="de-DE" smtClean="0"/>
+              <a:t>http://dev.heuristiclab.com</a:t>
+            </a:r>
+            <a:endParaRPr lang="de-DE"/>
+          </a:p>
+        </p:txBody>
+      </p:sp>
+      <p:sp>
+        <p:nvSpPr>
+          <p:cNvPr id="6" name="Foliennummernplatzhalter 5"/>
+          <p:cNvSpPr>
+            <a:spLocks noGrp="1"/>
+          </p:cNvSpPr>
+          <p:nvPr>
+            <p:ph type="sldNum" sz="quarter" idx="12"/>
+          </p:nvPr>
+        </p:nvSpPr>
+        <p:spPr/>
+        <p:txBody>
+          <a:bodyPr/>
+          <a:lstStyle/>
+          <a:p>
+            <a:fld id="{6C6AE60A-B69C-4790-82F7-3882EDF23186}" type="slidenum">
+              <a:rPr lang="de-DE" smtClean="0"/>
+              <a:pPr/>
+              <a:t>2</a:t>
+            </a:fld>
+            <a:endParaRPr lang="de-DE"/>
+          </a:p>
+        </p:txBody>
+      </p:sp>
+    </p:spTree>
+    <p:extLst>
+      <p:ext uri="{BB962C8B-B14F-4D97-AF65-F5344CB8AC3E}">
+        <p14:creationId xmlns:p14="http://schemas.microsoft.com/office/powerpoint/2010/main" val="361769094"/>
+      </p:ext>
+    </p:extLst>
+  </p:cSld>
+  <p:clrMapOvr>
+    <a:masterClrMapping/>
+  </p:clrMapOvr>
+  <p:timing>
+    <p:tnLst>
+      <p:par>
+        <p:cTn id="1" dur="indefinite" restart="never" nodeType="tmRoot"/>
+      </p:par>
+    </p:tnLst>
+  </p:timing>
+</p:sld>
+</file>
+
+<file path=ppt/slides/slide20.xml><?xml version="1.0" encoding="utf-8"?>
+<p:sld xmlns:a="http://schemas.openxmlformats.org/drawingml/2006/main" xmlns:r="http://schemas.openxmlformats.org/officeDocument/2006/relationships" xmlns:p="http://schemas.openxmlformats.org/presentationml/2006/main">
+  <p:cSld>
+    <p:spTree>
+      <p:nvGrpSpPr>
+        <p:cNvPr id="1" name=""/>
+        <p:cNvGrpSpPr/>
+        <p:nvPr/>
+      </p:nvGrpSpPr>
+      <p:grpSpPr>
+        <a:xfrm>
+          <a:off x="0" y="0"/>
+          <a:ext cx="0" cy="0"/>
+          <a:chOff x="0" y="0"/>
+          <a:chExt cx="0" cy="0"/>
+        </a:xfrm>
+      </p:grpSpPr>
+      <p:sp>
+        <p:nvSpPr>
+          <p:cNvPr id="2" name="Titel 1"/>
+          <p:cNvSpPr>
+            <a:spLocks noGrp="1"/>
+          </p:cNvSpPr>
+          <p:nvPr>
+            <p:ph type="title"/>
+          </p:nvPr>
+        </p:nvSpPr>
+        <p:spPr/>
+        <p:txBody>
+          <a:bodyPr>
+            <a:normAutofit fontScale="90000"/>
+          </a:bodyPr>
+          <a:lstStyle/>
+          <a:p>
+            <a:r>
+              <a:rPr lang="en-US" dirty="0" smtClean="0"/>
+              <a:t>Base classes/interfaces </a:t>
+            </a:r>
+            <a:br>
+              <a:rPr lang="en-US" dirty="0" smtClean="0"/>
+            </a:br>
+            <a:r>
+              <a:rPr lang="en-US" dirty="0" smtClean="0"/>
+              <a:t>for algorithms</a:t>
+            </a:r>
+            <a:endParaRPr lang="en-US" dirty="0"/>
+          </a:p>
+        </p:txBody>
+      </p:sp>
+      <p:sp>
+        <p:nvSpPr>
+          <p:cNvPr id="4" name="Datumsplatzhalter 3"/>
+          <p:cNvSpPr>
+            <a:spLocks noGrp="1"/>
+          </p:cNvSpPr>
+          <p:nvPr>
+            <p:ph type="dt" sz="half" idx="10"/>
+          </p:nvPr>
+        </p:nvSpPr>
+        <p:spPr/>
+        <p:txBody>
+          <a:bodyPr/>
+          <a:lstStyle/>
+          <a:p>
+            <a:r>
+              <a:rPr lang="de-DE" smtClean="0"/>
+              <a:t>Programming HeuristicLab</a:t>
+            </a:r>
+            <a:endParaRPr lang="de-DE" dirty="0"/>
+          </a:p>
+        </p:txBody>
+      </p:sp>
+      <p:sp>
+        <p:nvSpPr>
+          <p:cNvPr id="5" name="Fußzeilenplatzhalter 4"/>
+          <p:cNvSpPr>
+            <a:spLocks noGrp="1"/>
+          </p:cNvSpPr>
+          <p:nvPr>
+            <p:ph type="ftr" sz="quarter" idx="11"/>
+          </p:nvPr>
+        </p:nvSpPr>
+        <p:spPr/>
+        <p:txBody>
+          <a:bodyPr/>
+          <a:lstStyle/>
+          <a:p>
+            <a:r>
+              <a:rPr lang="de-DE" smtClean="0"/>
+              <a:t>http://dev.heuristiclab.com</a:t>
+            </a:r>
+            <a:endParaRPr lang="de-DE"/>
+          </a:p>
+        </p:txBody>
+      </p:sp>
+      <p:sp>
+        <p:nvSpPr>
+          <p:cNvPr id="6" name="Foliennummernplatzhalter 5"/>
+          <p:cNvSpPr>
+            <a:spLocks noGrp="1"/>
+          </p:cNvSpPr>
+          <p:nvPr>
+            <p:ph type="sldNum" sz="quarter" idx="12"/>
+          </p:nvPr>
+        </p:nvSpPr>
+        <p:spPr/>
+        <p:txBody>
+          <a:bodyPr/>
+          <a:lstStyle/>
+          <a:p>
+            <a:fld id="{6C6AE60A-B69C-4790-82F7-3882EDF23186}" type="slidenum">
+              <a:rPr lang="de-DE" smtClean="0"/>
+              <a:pPr/>
+              <a:t>20</a:t>
             </a:fld>
             <a:endParaRPr lang="de-DE"/>
           </a:p>
@@ -10127,451 +11465,6 @@
 </p:sld>
 </file>
 
-<file path=ppt/slides/slide2.xml><?xml version="1.0" encoding="utf-8"?>
-<p:sld xmlns:a="http://schemas.openxmlformats.org/drawingml/2006/main" xmlns:r="http://schemas.openxmlformats.org/officeDocument/2006/relationships" xmlns:p="http://schemas.openxmlformats.org/presentationml/2006/main">
-  <p:cSld>
-    <p:spTree>
-      <p:nvGrpSpPr>
-        <p:cNvPr id="1" name=""/>
-        <p:cNvGrpSpPr/>
-        <p:nvPr/>
-      </p:nvGrpSpPr>
-      <p:grpSpPr>
-        <a:xfrm>
-          <a:off x="0" y="0"/>
-          <a:ext cx="0" cy="0"/>
-          <a:chOff x="0" y="0"/>
-          <a:chExt cx="0" cy="0"/>
-        </a:xfrm>
-      </p:grpSpPr>
-      <p:sp>
-        <p:nvSpPr>
-          <p:cNvPr id="2" name="Titel 1"/>
-          <p:cNvSpPr>
-            <a:spLocks noGrp="1"/>
-          </p:cNvSpPr>
-          <p:nvPr>
-            <p:ph type="title"/>
-          </p:nvPr>
-        </p:nvSpPr>
-        <p:spPr/>
-        <p:txBody>
-          <a:bodyPr/>
-          <a:lstStyle/>
-          <a:p>
-            <a:r>
-              <a:rPr lang="en-US" dirty="0" smtClean="0"/>
-              <a:t>Overview</a:t>
-            </a:r>
-            <a:endParaRPr lang="en-US" dirty="0"/>
-          </a:p>
-        </p:txBody>
-      </p:sp>
-      <p:sp>
-        <p:nvSpPr>
-          <p:cNvPr id="3" name="Inhaltsplatzhalter 2"/>
-          <p:cNvSpPr>
-            <a:spLocks noGrp="1"/>
-          </p:cNvSpPr>
-          <p:nvPr>
-            <p:ph idx="1"/>
-          </p:nvPr>
-        </p:nvSpPr>
-        <p:spPr/>
-        <p:txBody>
-          <a:bodyPr>
-            <a:normAutofit/>
-          </a:bodyPr>
-          <a:lstStyle/>
-          <a:p>
-            <a:r>
-              <a:rPr lang="en-US" dirty="0" smtClean="0"/>
-              <a:t>HL Algorithm </a:t>
-            </a:r>
-            <a:r>
-              <a:rPr lang="en-US" dirty="0"/>
-              <a:t>M</a:t>
-            </a:r>
-            <a:r>
-              <a:rPr lang="en-US" dirty="0" smtClean="0"/>
-              <a:t>odel</a:t>
-            </a:r>
-          </a:p>
-          <a:p>
-            <a:r>
-              <a:rPr lang="en-US" dirty="0" smtClean="0"/>
-              <a:t>Parameters, Operators and Scopes</a:t>
-            </a:r>
-          </a:p>
-          <a:p>
-            <a:r>
-              <a:rPr lang="en-US" dirty="0" smtClean="0"/>
-              <a:t>Algorithms</a:t>
-            </a:r>
-          </a:p>
-          <a:p>
-            <a:r>
-              <a:rPr lang="en-US" dirty="0" smtClean="0"/>
-              <a:t>Problems</a:t>
-            </a:r>
-          </a:p>
-          <a:p>
-            <a:endParaRPr lang="en-US" dirty="0"/>
-          </a:p>
-        </p:txBody>
-      </p:sp>
-      <p:sp>
-        <p:nvSpPr>
-          <p:cNvPr id="4" name="Datumsplatzhalter 3"/>
-          <p:cNvSpPr>
-            <a:spLocks noGrp="1"/>
-          </p:cNvSpPr>
-          <p:nvPr>
-            <p:ph type="dt" sz="half" idx="10"/>
-          </p:nvPr>
-        </p:nvSpPr>
-        <p:spPr/>
-        <p:txBody>
-          <a:bodyPr/>
-          <a:lstStyle/>
-          <a:p>
-            <a:r>
-              <a:rPr lang="de-DE" dirty="0" err="1"/>
-              <a:t>Programming</a:t>
-            </a:r>
-            <a:r>
-              <a:rPr lang="de-DE" dirty="0"/>
-              <a:t> HeuristicLab</a:t>
-            </a:r>
-          </a:p>
-        </p:txBody>
-      </p:sp>
-      <p:sp>
-        <p:nvSpPr>
-          <p:cNvPr id="5" name="Fußzeilenplatzhalter 4"/>
-          <p:cNvSpPr>
-            <a:spLocks noGrp="1"/>
-          </p:cNvSpPr>
-          <p:nvPr>
-            <p:ph type="ftr" sz="quarter" idx="11"/>
-          </p:nvPr>
-        </p:nvSpPr>
-        <p:spPr/>
-        <p:txBody>
-          <a:bodyPr/>
-          <a:lstStyle/>
-          <a:p>
-            <a:r>
-              <a:rPr lang="de-DE" smtClean="0"/>
-              <a:t>http://dev.heuristiclab.com</a:t>
-            </a:r>
-            <a:endParaRPr lang="de-DE"/>
-          </a:p>
-        </p:txBody>
-      </p:sp>
-      <p:sp>
-        <p:nvSpPr>
-          <p:cNvPr id="6" name="Foliennummernplatzhalter 5"/>
-          <p:cNvSpPr>
-            <a:spLocks noGrp="1"/>
-          </p:cNvSpPr>
-          <p:nvPr>
-            <p:ph type="sldNum" sz="quarter" idx="12"/>
-          </p:nvPr>
-        </p:nvSpPr>
-        <p:spPr/>
-        <p:txBody>
-          <a:bodyPr/>
-          <a:lstStyle/>
-          <a:p>
-            <a:fld id="{6C6AE60A-B69C-4790-82F7-3882EDF23186}" type="slidenum">
-              <a:rPr lang="de-DE" smtClean="0"/>
-              <a:pPr/>
-              <a:t>2</a:t>
-            </a:fld>
-            <a:endParaRPr lang="de-DE"/>
-          </a:p>
-        </p:txBody>
-      </p:sp>
-    </p:spTree>
-    <p:extLst>
-      <p:ext uri="{BB962C8B-B14F-4D97-AF65-F5344CB8AC3E}">
-        <p14:creationId xmlns:p14="http://schemas.microsoft.com/office/powerpoint/2010/main" val="361769094"/>
-      </p:ext>
-    </p:extLst>
-  </p:cSld>
-  <p:clrMapOvr>
-    <a:masterClrMapping/>
-  </p:clrMapOvr>
-  <p:timing>
-    <p:tnLst>
-      <p:par>
-        <p:cTn id="1" dur="indefinite" restart="never" nodeType="tmRoot"/>
-      </p:par>
-    </p:tnLst>
-  </p:timing>
-</p:sld>
-</file>
-
-<file path=ppt/slides/slide20.xml><?xml version="1.0" encoding="utf-8"?>
-<p:sld xmlns:a="http://schemas.openxmlformats.org/drawingml/2006/main" xmlns:r="http://schemas.openxmlformats.org/officeDocument/2006/relationships" xmlns:p="http://schemas.openxmlformats.org/presentationml/2006/main">
-  <p:cSld>
-    <p:spTree>
-      <p:nvGrpSpPr>
-        <p:cNvPr id="1" name=""/>
-        <p:cNvGrpSpPr/>
-        <p:nvPr/>
-      </p:nvGrpSpPr>
-      <p:grpSpPr>
-        <a:xfrm>
-          <a:off x="0" y="0"/>
-          <a:ext cx="0" cy="0"/>
-          <a:chOff x="0" y="0"/>
-          <a:chExt cx="0" cy="0"/>
-        </a:xfrm>
-      </p:grpSpPr>
-      <p:sp>
-        <p:nvSpPr>
-          <p:cNvPr id="2" name="Titel 1"/>
-          <p:cNvSpPr>
-            <a:spLocks noGrp="1"/>
-          </p:cNvSpPr>
-          <p:nvPr>
-            <p:ph type="title"/>
-          </p:nvPr>
-        </p:nvSpPr>
-        <p:spPr/>
-        <p:txBody>
-          <a:bodyPr>
-            <a:normAutofit fontScale="90000"/>
-          </a:bodyPr>
-          <a:lstStyle/>
-          <a:p>
-            <a:r>
-              <a:rPr lang="en-US" dirty="0"/>
-              <a:t>Base classes/interfaces </a:t>
-            </a:r>
-            <a:r>
-              <a:rPr lang="en-US" dirty="0" smtClean="0"/>
-              <a:t>for </a:t>
-            </a:r>
-            <a:r>
-              <a:rPr lang="en-US" dirty="0"/>
-              <a:t>algorithms</a:t>
-            </a:r>
-            <a:endParaRPr lang="de-AT" dirty="0"/>
-          </a:p>
-        </p:txBody>
-      </p:sp>
-      <p:sp>
-        <p:nvSpPr>
-          <p:cNvPr id="3" name="Inhaltsplatzhalter 2"/>
-          <p:cNvSpPr>
-            <a:spLocks noGrp="1"/>
-          </p:cNvSpPr>
-          <p:nvPr>
-            <p:ph idx="1"/>
-          </p:nvPr>
-        </p:nvSpPr>
-        <p:spPr/>
-        <p:txBody>
-          <a:bodyPr>
-            <a:normAutofit fontScale="70000" lnSpcReduction="20000"/>
-          </a:bodyPr>
-          <a:lstStyle/>
-          <a:p>
-            <a:r>
-              <a:rPr lang="en-US" dirty="0" err="1" smtClean="0"/>
-              <a:t>IExecutable</a:t>
-            </a:r>
-            <a:r>
-              <a:rPr lang="en-US" dirty="0" smtClean="0"/>
-              <a:t> (Executable): </a:t>
-            </a:r>
-          </a:p>
-          <a:p>
-            <a:pPr lvl="1"/>
-            <a:r>
-              <a:rPr lang="en-US" dirty="0" smtClean="0"/>
-              <a:t>Defines methods for starting, stopping, etc. of algorithms</a:t>
-            </a:r>
-          </a:p>
-          <a:p>
-            <a:r>
-              <a:rPr lang="en-US" dirty="0" err="1" smtClean="0"/>
-              <a:t>IOptimizer</a:t>
-            </a:r>
-            <a:r>
-              <a:rPr lang="en-US" dirty="0" smtClean="0"/>
-              <a:t>: </a:t>
-            </a:r>
-          </a:p>
-          <a:p>
-            <a:pPr lvl="1"/>
-            <a:r>
-              <a:rPr lang="en-US" dirty="0" smtClean="0"/>
-              <a:t>Contains a run collection</a:t>
-            </a:r>
-          </a:p>
-          <a:p>
-            <a:r>
-              <a:rPr lang="en-US" dirty="0" err="1" smtClean="0"/>
-              <a:t>IAlgorithm</a:t>
-            </a:r>
-            <a:r>
-              <a:rPr lang="en-US" dirty="0" smtClean="0"/>
-              <a:t>: </a:t>
-            </a:r>
-          </a:p>
-          <a:p>
-            <a:pPr lvl="1"/>
-            <a:r>
-              <a:rPr lang="en-US" dirty="0" smtClean="0"/>
-              <a:t>Contains a problem on which the algorithm is applied as well as a result</a:t>
-            </a:r>
-          </a:p>
-          <a:p>
-            <a:r>
-              <a:rPr lang="en-US" dirty="0" smtClean="0"/>
-              <a:t>Algorithm: </a:t>
-            </a:r>
-          </a:p>
-          <a:p>
-            <a:pPr lvl="1"/>
-            <a:r>
-              <a:rPr lang="en-US" dirty="0" smtClean="0"/>
-              <a:t>Base class, implements </a:t>
-            </a:r>
-            <a:r>
-              <a:rPr lang="en-US" dirty="0" err="1" smtClean="0"/>
-              <a:t>IAlgorithm</a:t>
-            </a:r>
-            <a:endParaRPr lang="en-US" dirty="0" smtClean="0"/>
-          </a:p>
-          <a:p>
-            <a:r>
-              <a:rPr lang="en-US" dirty="0" err="1" smtClean="0"/>
-              <a:t>EngineAlgorithm</a:t>
-            </a:r>
-            <a:r>
-              <a:rPr lang="en-US" dirty="0" smtClean="0"/>
-              <a:t>: </a:t>
-            </a:r>
-          </a:p>
-          <a:p>
-            <a:pPr lvl="1"/>
-            <a:r>
-              <a:rPr lang="en-US" dirty="0" smtClean="0"/>
-              <a:t>Extensions for execution with an engine (operator graph, scope, engine)</a:t>
-            </a:r>
-          </a:p>
-          <a:p>
-            <a:r>
-              <a:rPr lang="en-US" dirty="0" err="1" smtClean="0"/>
-              <a:t>HeuristicOptimizationEngineAlgorithm</a:t>
-            </a:r>
-            <a:r>
-              <a:rPr lang="en-US" dirty="0" smtClean="0"/>
-              <a:t>: </a:t>
-            </a:r>
-          </a:p>
-          <a:p>
-            <a:pPr lvl="1"/>
-            <a:r>
-              <a:rPr lang="en-US" dirty="0" smtClean="0"/>
-              <a:t>Specifies problem: </a:t>
-            </a:r>
-            <a:r>
-              <a:rPr lang="en-US" dirty="0" err="1" smtClean="0"/>
-              <a:t>IHeuristicOptimizationProblem</a:t>
-            </a:r>
-            <a:endParaRPr lang="en-US" dirty="0"/>
-          </a:p>
-        </p:txBody>
-      </p:sp>
-      <p:sp>
-        <p:nvSpPr>
-          <p:cNvPr id="4" name="Datumsplatzhalter 3"/>
-          <p:cNvSpPr>
-            <a:spLocks noGrp="1"/>
-          </p:cNvSpPr>
-          <p:nvPr>
-            <p:ph type="dt" sz="half" idx="10"/>
-          </p:nvPr>
-        </p:nvSpPr>
-        <p:spPr/>
-        <p:txBody>
-          <a:bodyPr/>
-          <a:lstStyle/>
-          <a:p>
-            <a:r>
-              <a:rPr lang="de-DE" smtClean="0"/>
-              <a:t>Programming HeuristicLab</a:t>
-            </a:r>
-            <a:endParaRPr lang="de-DE" dirty="0"/>
-          </a:p>
-        </p:txBody>
-      </p:sp>
-      <p:sp>
-        <p:nvSpPr>
-          <p:cNvPr id="5" name="Fußzeilenplatzhalter 4"/>
-          <p:cNvSpPr>
-            <a:spLocks noGrp="1"/>
-          </p:cNvSpPr>
-          <p:nvPr>
-            <p:ph type="ftr" sz="quarter" idx="11"/>
-          </p:nvPr>
-        </p:nvSpPr>
-        <p:spPr/>
-        <p:txBody>
-          <a:bodyPr/>
-          <a:lstStyle/>
-          <a:p>
-            <a:r>
-              <a:rPr lang="de-DE" smtClean="0"/>
-              <a:t>http://dev.heuristiclab.com</a:t>
-            </a:r>
-            <a:endParaRPr lang="de-DE"/>
-          </a:p>
-        </p:txBody>
-      </p:sp>
-      <p:sp>
-        <p:nvSpPr>
-          <p:cNvPr id="6" name="Foliennummernplatzhalter 5"/>
-          <p:cNvSpPr>
-            <a:spLocks noGrp="1"/>
-          </p:cNvSpPr>
-          <p:nvPr>
-            <p:ph type="sldNum" sz="quarter" idx="12"/>
-          </p:nvPr>
-        </p:nvSpPr>
-        <p:spPr/>
-        <p:txBody>
-          <a:bodyPr/>
-          <a:lstStyle/>
-          <a:p>
-            <a:fld id="{6C6AE60A-B69C-4790-82F7-3882EDF23186}" type="slidenum">
-              <a:rPr lang="de-DE" smtClean="0"/>
-              <a:pPr/>
-              <a:t>20</a:t>
-            </a:fld>
-            <a:endParaRPr lang="de-DE"/>
-          </a:p>
-        </p:txBody>
-      </p:sp>
-    </p:spTree>
-    <p:extLst>
-      <p:ext uri="{BB962C8B-B14F-4D97-AF65-F5344CB8AC3E}">
-        <p14:creationId xmlns:p14="http://schemas.microsoft.com/office/powerpoint/2010/main" val="1686843175"/>
-      </p:ext>
-    </p:extLst>
-  </p:cSld>
-  <p:clrMapOvr>
-    <a:masterClrMapping/>
-  </p:clrMapOvr>
-</p:sld>
-</file>
-
 <file path=ppt/slides/slide21.xml><?xml version="1.0" encoding="utf-8"?>
 <p:sld xmlns:a="http://schemas.openxmlformats.org/drawingml/2006/main" xmlns:r="http://schemas.openxmlformats.org/officeDocument/2006/relationships" xmlns:p="http://schemas.openxmlformats.org/presentationml/2006/main">
   <p:cSld>
@@ -10601,20 +11494,22 @@
         </p:nvSpPr>
         <p:spPr/>
         <p:txBody>
-          <a:bodyPr/>
+          <a:bodyPr>
+            <a:normAutofit fontScale="90000"/>
+          </a:bodyPr>
           <a:lstStyle/>
           <a:p>
             <a:r>
               <a:rPr lang="en-US" dirty="0"/>
-              <a:t>What does </a:t>
+              <a:t>Base classes/interfaces </a:t>
             </a:r>
             <a:r>
               <a:rPr lang="en-US" dirty="0" smtClean="0"/>
-              <a:t>an HL algorithm </a:t>
+              <a:t>for </a:t>
             </a:r>
             <a:r>
               <a:rPr lang="en-US" dirty="0"/>
-              <a:t>do?</a:t>
+              <a:t>algorithms</a:t>
             </a:r>
             <a:endParaRPr lang="de-AT" dirty="0"/>
           </a:p>
@@ -10633,31 +11528,114 @@
         <p:spPr/>
         <p:txBody>
           <a:bodyPr>
-            <a:normAutofit lnSpcReduction="10000"/>
+            <a:normAutofit fontScale="70000" lnSpcReduction="20000"/>
           </a:bodyPr>
           <a:lstStyle/>
           <a:p>
             <a:r>
+              <a:rPr lang="en-US" dirty="0" err="1" smtClean="0"/>
+              <a:t>IExecutable</a:t>
+            </a:r>
+            <a:r>
               <a:rPr lang="en-US" dirty="0" smtClean="0"/>
-              <a:t>Create operator graph of algorithm by chaining together operators (the actual algorithm)</a:t>
-            </a:r>
-          </a:p>
-          <a:p>
+              <a:t> (Executable): </a:t>
+            </a:r>
+          </a:p>
+          <a:p>
+            <a:pPr lvl="1"/>
             <a:r>
               <a:rPr lang="en-US" dirty="0" smtClean="0"/>
-              <a:t>Offer user configuration options through parameters</a:t>
-            </a:r>
-          </a:p>
-          <a:p>
+              <a:t>Defines methods for starting, stopping, etc. of algorithms</a:t>
+            </a:r>
+          </a:p>
+          <a:p>
+            <a:r>
+              <a:rPr lang="en-US" dirty="0" err="1" smtClean="0"/>
+              <a:t>IOptimizer</a:t>
+            </a:r>
             <a:r>
               <a:rPr lang="en-US" dirty="0" smtClean="0"/>
-              <a:t>Discover operators from the Operators collection of the problem</a:t>
-            </a:r>
-          </a:p>
-          <a:p>
+              <a:t>: </a:t>
+            </a:r>
+          </a:p>
+          <a:p>
+            <a:pPr lvl="1"/>
             <a:r>
               <a:rPr lang="en-US" dirty="0" smtClean="0"/>
-              <a:t>Parameterize/wire (react to changes in operators) operators where necessary</a:t>
+              <a:t>Contains a run collection</a:t>
+            </a:r>
+          </a:p>
+          <a:p>
+            <a:r>
+              <a:rPr lang="en-US" dirty="0" err="1" smtClean="0"/>
+              <a:t>IAlgorithm</a:t>
+            </a:r>
+            <a:r>
+              <a:rPr lang="en-US" dirty="0" smtClean="0"/>
+              <a:t>: </a:t>
+            </a:r>
+          </a:p>
+          <a:p>
+            <a:pPr lvl="1"/>
+            <a:r>
+              <a:rPr lang="en-US" dirty="0" smtClean="0"/>
+              <a:t>Contains a problem on which the algorithm is applied as well as a result</a:t>
+            </a:r>
+          </a:p>
+          <a:p>
+            <a:r>
+              <a:rPr lang="en-US" dirty="0" smtClean="0"/>
+              <a:t>Algorithm: </a:t>
+            </a:r>
+          </a:p>
+          <a:p>
+            <a:pPr lvl="1"/>
+            <a:r>
+              <a:rPr lang="en-US" dirty="0" smtClean="0"/>
+              <a:t>Base class, implements </a:t>
+            </a:r>
+            <a:r>
+              <a:rPr lang="en-US" dirty="0" err="1" smtClean="0"/>
+              <a:t>IAlgorithm</a:t>
+            </a:r>
+            <a:endParaRPr lang="en-US" dirty="0" smtClean="0"/>
+          </a:p>
+          <a:p>
+            <a:r>
+              <a:rPr lang="en-US" dirty="0" err="1" smtClean="0"/>
+              <a:t>EngineAlgorithm</a:t>
+            </a:r>
+            <a:r>
+              <a:rPr lang="en-US" dirty="0" smtClean="0"/>
+              <a:t>: </a:t>
+            </a:r>
+          </a:p>
+          <a:p>
+            <a:pPr lvl="1"/>
+            <a:r>
+              <a:rPr lang="en-US" dirty="0" smtClean="0"/>
+              <a:t>Extensions for execution with an engine (operator graph, scope, engine)</a:t>
+            </a:r>
+          </a:p>
+          <a:p>
+            <a:r>
+              <a:rPr lang="en-US" dirty="0" err="1" smtClean="0"/>
+              <a:t>HeuristicOptimizationEngineAlgorithm</a:t>
+            </a:r>
+            <a:r>
+              <a:rPr lang="en-US" dirty="0" smtClean="0"/>
+              <a:t>: </a:t>
+            </a:r>
+          </a:p>
+          <a:p>
+            <a:pPr lvl="1"/>
+            <a:r>
+              <a:rPr lang="en-US" dirty="0" smtClean="0"/>
+              <a:t>Specifies problem: </a:t>
+            </a:r>
+            <a:r>
+              <a:rPr lang="en-US" dirty="0" err="1" smtClean="0"/>
+              <a:t>IHeuristicOptimizationProblem</a:t>
             </a:r>
             <a:endParaRPr lang="en-US" dirty="0"/>
           </a:p>
@@ -10736,7 +11714,7 @@
     </p:spTree>
     <p:extLst>
       <p:ext uri="{BB962C8B-B14F-4D97-AF65-F5344CB8AC3E}">
-        <p14:creationId xmlns:p14="http://schemas.microsoft.com/office/powerpoint/2010/main" val="4244634258"/>
+        <p14:creationId xmlns:p14="http://schemas.microsoft.com/office/powerpoint/2010/main" val="1686843175"/>
       </p:ext>
     </p:extLst>
   </p:cSld>
@@ -10779,8 +11757,16 @@
           <a:lstStyle/>
           <a:p>
             <a:r>
-              <a:rPr lang="de-AT" dirty="0" smtClean="0"/>
-              <a:t>Problems</a:t>
+              <a:rPr lang="en-US" dirty="0"/>
+              <a:t>What does </a:t>
+            </a:r>
+            <a:r>
+              <a:rPr lang="en-US" dirty="0" smtClean="0"/>
+              <a:t>an HL algorithm </a:t>
+            </a:r>
+            <a:r>
+              <a:rPr lang="en-US" dirty="0"/>
+              <a:t>do?</a:t>
             </a:r>
             <a:endParaRPr lang="de-AT" dirty="0"/>
           </a:p>
@@ -10799,71 +11785,37 @@
         <p:spPr/>
         <p:txBody>
           <a:bodyPr>
-            <a:normAutofit fontScale="77500" lnSpcReduction="20000"/>
+            <a:normAutofit lnSpcReduction="10000"/>
           </a:bodyPr>
           <a:lstStyle/>
           <a:p>
             <a:r>
               <a:rPr lang="en-US" dirty="0" smtClean="0"/>
-              <a:t>Use encodings for representing solutions</a:t>
+              <a:t>Create operator graph of algorithm by chaining together operators (the actual algorithm)</a:t>
             </a:r>
           </a:p>
           <a:p>
             <a:r>
               <a:rPr lang="en-US" dirty="0" smtClean="0"/>
-              <a:t>Encodings consist of solution candidate definitions and corresponding operators</a:t>
+              <a:t>Offer user configuration options through parameters</a:t>
             </a:r>
           </a:p>
           <a:p>
             <a:r>
               <a:rPr lang="en-US" dirty="0" smtClean="0"/>
-              <a:t>Problems contain </a:t>
-            </a:r>
-          </a:p>
-          <a:p>
-            <a:pPr lvl="1"/>
+              <a:t>Discover operators from the Operators collection of the </a:t>
+            </a:r>
             <a:r>
               <a:rPr lang="en-US" dirty="0" smtClean="0"/>
-              <a:t>the evaluator</a:t>
-            </a:r>
-          </a:p>
-          <a:p>
-            <a:pPr lvl="1"/>
+              <a:t>problem/encoding</a:t>
+            </a:r>
+            <a:endParaRPr lang="en-US" dirty="0" smtClean="0"/>
+          </a:p>
+          <a:p>
             <a:r>
               <a:rPr lang="en-US" dirty="0" smtClean="0"/>
-              <a:t>the solution creator</a:t>
-            </a:r>
-          </a:p>
-          <a:p>
-            <a:r>
-              <a:rPr lang="en-US" dirty="0" smtClean="0"/>
-              <a:t>Define maximization or minimization</a:t>
-            </a:r>
-          </a:p>
-          <a:p>
-            <a:r>
-              <a:rPr lang="en-US" dirty="0" smtClean="0"/>
-              <a:t>Contain the „problem data“ (e.g. a distance matrix, a simulation, a function definition), usually supplied by a </a:t>
-            </a:r>
-            <a:r>
-              <a:rPr lang="en-US" dirty="0" err="1" smtClean="0"/>
-              <a:t>ProblemInstanceProvider</a:t>
-            </a:r>
-            <a:endParaRPr lang="en-US" dirty="0" smtClean="0"/>
-          </a:p>
-          <a:p>
-            <a:r>
-              <a:rPr lang="en-US" dirty="0" smtClean="0"/>
-              <a:t>Can be single- or multi-objective</a:t>
-            </a:r>
-          </a:p>
-          <a:p>
-            <a:r>
-              <a:rPr lang="en-US" dirty="0" smtClean="0"/>
-              <a:t>Configured with parameters</a:t>
-            </a:r>
-          </a:p>
-          <a:p>
+              <a:t>Parameterize/wire (react to changes in operators) operators where necessary</a:t>
+            </a:r>
             <a:endParaRPr lang="en-US" dirty="0"/>
           </a:p>
         </p:txBody>
@@ -10941,7 +11893,7 @@
     </p:spTree>
     <p:extLst>
       <p:ext uri="{BB962C8B-B14F-4D97-AF65-F5344CB8AC3E}">
-        <p14:creationId xmlns:p14="http://schemas.microsoft.com/office/powerpoint/2010/main" val="3170979348"/>
+        <p14:creationId xmlns:p14="http://schemas.microsoft.com/office/powerpoint/2010/main" val="4244634258"/>
       </p:ext>
     </p:extLst>
   </p:cSld>
@@ -10984,10 +11936,76 @@
           <a:lstStyle/>
           <a:p>
             <a:r>
-              <a:rPr lang="en-US" dirty="0" smtClean="0"/>
-              <a:t>Problem Architecture</a:t>
-            </a:r>
-            <a:endParaRPr lang="en-US" dirty="0"/>
+              <a:rPr lang="en-GB" dirty="0" err="1" smtClean="0"/>
+              <a:t>BasicAlgorithm</a:t>
+            </a:r>
+            <a:endParaRPr lang="en-GB" dirty="0"/>
+          </a:p>
+        </p:txBody>
+      </p:sp>
+      <p:sp>
+        <p:nvSpPr>
+          <p:cNvPr id="3" name="Inhaltsplatzhalter 2"/>
+          <p:cNvSpPr>
+            <a:spLocks noGrp="1"/>
+          </p:cNvSpPr>
+          <p:nvPr>
+            <p:ph idx="1"/>
+          </p:nvPr>
+        </p:nvSpPr>
+        <p:spPr/>
+        <p:txBody>
+          <a:bodyPr/>
+          <a:lstStyle/>
+          <a:p>
+            <a:r>
+              <a:rPr lang="en-GB" dirty="0" smtClean="0"/>
+              <a:t>Creating an operator graph can be quite tricky</a:t>
+            </a:r>
+          </a:p>
+          <a:p>
+            <a:r>
+              <a:rPr lang="en-GB" dirty="0" smtClean="0"/>
+              <a:t>Wiring operators is error-prone</a:t>
+            </a:r>
+          </a:p>
+          <a:p>
+            <a:r>
+              <a:rPr lang="en-GB" dirty="0" err="1" smtClean="0"/>
+              <a:t>BasicAlgorithms</a:t>
+            </a:r>
+            <a:r>
+              <a:rPr lang="en-GB" dirty="0" smtClean="0"/>
+              <a:t> are </a:t>
+            </a:r>
+          </a:p>
+          <a:p>
+            <a:pPr lvl="1"/>
+            <a:r>
+              <a:rPr lang="en-GB" dirty="0" smtClean="0"/>
+              <a:t>Easy to implement</a:t>
+            </a:r>
+          </a:p>
+          <a:p>
+            <a:pPr lvl="1"/>
+            <a:r>
+              <a:rPr lang="en-GB" dirty="0" smtClean="0"/>
+              <a:t>No boilerplate code</a:t>
+            </a:r>
+          </a:p>
+          <a:p>
+            <a:pPr lvl="1"/>
+            <a:r>
+              <a:rPr lang="en-GB" dirty="0" smtClean="0"/>
+              <a:t>Hard-coded (no operator graph)</a:t>
+            </a:r>
+          </a:p>
+          <a:p>
+            <a:pPr lvl="1"/>
+            <a:r>
+              <a:rPr lang="en-GB" dirty="0" smtClean="0"/>
+              <a:t>Don’t support pause</a:t>
+            </a:r>
           </a:p>
         </p:txBody>
       </p:sp>
@@ -11056,6 +12074,2498 @@
               <a:rPr lang="de-DE" smtClean="0"/>
               <a:pPr/>
               <a:t>23</a:t>
+            </a:fld>
+            <a:endParaRPr lang="de-DE"/>
+          </a:p>
+        </p:txBody>
+      </p:sp>
+    </p:spTree>
+    <p:extLst>
+      <p:ext uri="{BB962C8B-B14F-4D97-AF65-F5344CB8AC3E}">
+        <p14:creationId xmlns:p14="http://schemas.microsoft.com/office/powerpoint/2010/main" val="3905736715"/>
+      </p:ext>
+    </p:extLst>
+  </p:cSld>
+  <p:clrMapOvr>
+    <a:masterClrMapping/>
+  </p:clrMapOvr>
+</p:sld>
+</file>
+
+<file path=ppt/slides/slide24.xml><?xml version="1.0" encoding="utf-8"?>
+<p:sld xmlns:a="http://schemas.openxmlformats.org/drawingml/2006/main" xmlns:r="http://schemas.openxmlformats.org/officeDocument/2006/relationships" xmlns:p="http://schemas.openxmlformats.org/presentationml/2006/main">
+  <p:cSld>
+    <p:spTree>
+      <p:nvGrpSpPr>
+        <p:cNvPr id="1" name=""/>
+        <p:cNvGrpSpPr/>
+        <p:nvPr/>
+      </p:nvGrpSpPr>
+      <p:grpSpPr>
+        <a:xfrm>
+          <a:off x="0" y="0"/>
+          <a:ext cx="0" cy="0"/>
+          <a:chOff x="0" y="0"/>
+          <a:chExt cx="0" cy="0"/>
+        </a:xfrm>
+      </p:grpSpPr>
+      <p:sp>
+        <p:nvSpPr>
+          <p:cNvPr id="2" name="Titel 1"/>
+          <p:cNvSpPr>
+            <a:spLocks noGrp="1"/>
+          </p:cNvSpPr>
+          <p:nvPr>
+            <p:ph type="title"/>
+          </p:nvPr>
+        </p:nvSpPr>
+        <p:spPr/>
+        <p:txBody>
+          <a:bodyPr>
+            <a:normAutofit fontScale="90000"/>
+          </a:bodyPr>
+          <a:lstStyle/>
+          <a:p>
+            <a:r>
+              <a:rPr lang="en-US" dirty="0"/>
+              <a:t>Base classes/interfaces </a:t>
+            </a:r>
+            <a:br>
+              <a:rPr lang="en-US" dirty="0"/>
+            </a:br>
+            <a:r>
+              <a:rPr lang="en-US" dirty="0"/>
+              <a:t>for </a:t>
+            </a:r>
+            <a:r>
+              <a:rPr lang="en-US" dirty="0" err="1" smtClean="0"/>
+              <a:t>BasicAlgorithm</a:t>
+            </a:r>
+            <a:endParaRPr lang="en-GB" dirty="0"/>
+          </a:p>
+        </p:txBody>
+      </p:sp>
+      <p:sp>
+        <p:nvSpPr>
+          <p:cNvPr id="4" name="Datumsplatzhalter 3"/>
+          <p:cNvSpPr>
+            <a:spLocks noGrp="1"/>
+          </p:cNvSpPr>
+          <p:nvPr>
+            <p:ph type="dt" sz="half" idx="10"/>
+          </p:nvPr>
+        </p:nvSpPr>
+        <p:spPr/>
+        <p:txBody>
+          <a:bodyPr/>
+          <a:lstStyle/>
+          <a:p>
+            <a:r>
+              <a:rPr lang="de-DE" smtClean="0"/>
+              <a:t>Programming HeuristicLab</a:t>
+            </a:r>
+            <a:endParaRPr lang="de-DE" dirty="0"/>
+          </a:p>
+        </p:txBody>
+      </p:sp>
+      <p:sp>
+        <p:nvSpPr>
+          <p:cNvPr id="5" name="Fußzeilenplatzhalter 4"/>
+          <p:cNvSpPr>
+            <a:spLocks noGrp="1"/>
+          </p:cNvSpPr>
+          <p:nvPr>
+            <p:ph type="ftr" sz="quarter" idx="11"/>
+          </p:nvPr>
+        </p:nvSpPr>
+        <p:spPr/>
+        <p:txBody>
+          <a:bodyPr/>
+          <a:lstStyle/>
+          <a:p>
+            <a:r>
+              <a:rPr lang="de-DE" smtClean="0"/>
+              <a:t>http://dev.heuristiclab.com</a:t>
+            </a:r>
+            <a:endParaRPr lang="de-DE"/>
+          </a:p>
+        </p:txBody>
+      </p:sp>
+      <p:sp>
+        <p:nvSpPr>
+          <p:cNvPr id="6" name="Foliennummernplatzhalter 5"/>
+          <p:cNvSpPr>
+            <a:spLocks noGrp="1"/>
+          </p:cNvSpPr>
+          <p:nvPr>
+            <p:ph type="sldNum" sz="quarter" idx="12"/>
+          </p:nvPr>
+        </p:nvSpPr>
+        <p:spPr/>
+        <p:txBody>
+          <a:bodyPr/>
+          <a:lstStyle/>
+          <a:p>
+            <a:fld id="{6C6AE60A-B69C-4790-82F7-3882EDF23186}" type="slidenum">
+              <a:rPr lang="de-DE" smtClean="0"/>
+              <a:pPr/>
+              <a:t>24</a:t>
+            </a:fld>
+            <a:endParaRPr lang="de-DE"/>
+          </a:p>
+        </p:txBody>
+      </p:sp>
+      <p:pic>
+        <p:nvPicPr>
+          <p:cNvPr id="7" name="Grafik 6"/>
+          <p:cNvPicPr>
+            <a:picLocks noChangeAspect="1"/>
+          </p:cNvPicPr>
+          <p:nvPr/>
+        </p:nvPicPr>
+        <p:blipFill>
+          <a:blip r:embed="rId2"/>
+          <a:stretch>
+            <a:fillRect/>
+          </a:stretch>
+        </p:blipFill>
+        <p:spPr>
+          <a:xfrm>
+            <a:off x="2474099" y="1023300"/>
+            <a:ext cx="4195801" cy="4811400"/>
+          </a:xfrm>
+          <a:prstGeom prst="rect">
+            <a:avLst/>
+          </a:prstGeom>
+        </p:spPr>
+      </p:pic>
+    </p:spTree>
+    <p:extLst>
+      <p:ext uri="{BB962C8B-B14F-4D97-AF65-F5344CB8AC3E}">
+        <p14:creationId xmlns:p14="http://schemas.microsoft.com/office/powerpoint/2010/main" val="2379547949"/>
+      </p:ext>
+    </p:extLst>
+  </p:cSld>
+  <p:clrMapOvr>
+    <a:masterClrMapping/>
+  </p:clrMapOvr>
+  <p:timing>
+    <p:tnLst>
+      <p:par>
+        <p:cTn id="1" dur="indefinite" restart="never" nodeType="tmRoot"/>
+      </p:par>
+    </p:tnLst>
+  </p:timing>
+</p:sld>
+</file>
+
+<file path=ppt/slides/slide25.xml><?xml version="1.0" encoding="utf-8"?>
+<p:sld xmlns:a="http://schemas.openxmlformats.org/drawingml/2006/main" xmlns:r="http://schemas.openxmlformats.org/officeDocument/2006/relationships" xmlns:p="http://schemas.openxmlformats.org/presentationml/2006/main">
+  <p:cSld>
+    <p:spTree>
+      <p:nvGrpSpPr>
+        <p:cNvPr id="1" name=""/>
+        <p:cNvGrpSpPr/>
+        <p:nvPr/>
+      </p:nvGrpSpPr>
+      <p:grpSpPr>
+        <a:xfrm>
+          <a:off x="0" y="0"/>
+          <a:ext cx="0" cy="0"/>
+          <a:chOff x="0" y="0"/>
+          <a:chExt cx="0" cy="0"/>
+        </a:xfrm>
+      </p:grpSpPr>
+      <p:sp>
+        <p:nvSpPr>
+          <p:cNvPr id="2" name="Titel 1"/>
+          <p:cNvSpPr>
+            <a:spLocks noGrp="1"/>
+          </p:cNvSpPr>
+          <p:nvPr>
+            <p:ph type="title"/>
+          </p:nvPr>
+        </p:nvSpPr>
+        <p:spPr/>
+        <p:txBody>
+          <a:bodyPr/>
+          <a:lstStyle/>
+          <a:p>
+            <a:r>
+              <a:rPr lang="en-GB" dirty="0" err="1" smtClean="0"/>
+              <a:t>BasicAlgorithm</a:t>
+            </a:r>
+            <a:r>
+              <a:rPr lang="en-GB" dirty="0" smtClean="0"/>
+              <a:t> - Interface</a:t>
+            </a:r>
+            <a:endParaRPr lang="en-GB" dirty="0"/>
+          </a:p>
+        </p:txBody>
+      </p:sp>
+      <p:sp>
+        <p:nvSpPr>
+          <p:cNvPr id="3" name="Inhaltsplatzhalter 2"/>
+          <p:cNvSpPr>
+            <a:spLocks noGrp="1"/>
+          </p:cNvSpPr>
+          <p:nvPr>
+            <p:ph idx="1"/>
+          </p:nvPr>
+        </p:nvSpPr>
+        <p:spPr/>
+        <p:txBody>
+          <a:bodyPr/>
+          <a:lstStyle/>
+          <a:p>
+            <a:r>
+              <a:rPr lang="en-GB" dirty="0" smtClean="0"/>
+              <a:t>Implement the Run method</a:t>
+            </a:r>
+          </a:p>
+          <a:p>
+            <a:endParaRPr lang="en-GB" dirty="0"/>
+          </a:p>
+          <a:p>
+            <a:r>
+              <a:rPr lang="en-GB" dirty="0" smtClean="0"/>
+              <a:t>Optional: Fix problem type</a:t>
+            </a:r>
+          </a:p>
+          <a:p>
+            <a:endParaRPr lang="en-GB" dirty="0" smtClean="0"/>
+          </a:p>
+          <a:p>
+            <a:endParaRPr lang="en-GB" dirty="0"/>
+          </a:p>
+        </p:txBody>
+      </p:sp>
+      <p:sp>
+        <p:nvSpPr>
+          <p:cNvPr id="4" name="Datumsplatzhalter 3"/>
+          <p:cNvSpPr>
+            <a:spLocks noGrp="1"/>
+          </p:cNvSpPr>
+          <p:nvPr>
+            <p:ph type="dt" sz="half" idx="10"/>
+          </p:nvPr>
+        </p:nvSpPr>
+        <p:spPr/>
+        <p:txBody>
+          <a:bodyPr/>
+          <a:lstStyle/>
+          <a:p>
+            <a:r>
+              <a:rPr lang="de-DE" smtClean="0"/>
+              <a:t>Programming HeuristicLab</a:t>
+            </a:r>
+            <a:endParaRPr lang="de-DE" dirty="0"/>
+          </a:p>
+        </p:txBody>
+      </p:sp>
+      <p:sp>
+        <p:nvSpPr>
+          <p:cNvPr id="5" name="Fußzeilenplatzhalter 4"/>
+          <p:cNvSpPr>
+            <a:spLocks noGrp="1"/>
+          </p:cNvSpPr>
+          <p:nvPr>
+            <p:ph type="ftr" sz="quarter" idx="11"/>
+          </p:nvPr>
+        </p:nvSpPr>
+        <p:spPr/>
+        <p:txBody>
+          <a:bodyPr/>
+          <a:lstStyle/>
+          <a:p>
+            <a:r>
+              <a:rPr lang="de-DE" smtClean="0"/>
+              <a:t>http://dev.heuristiclab.com</a:t>
+            </a:r>
+            <a:endParaRPr lang="de-DE"/>
+          </a:p>
+        </p:txBody>
+      </p:sp>
+      <p:sp>
+        <p:nvSpPr>
+          <p:cNvPr id="6" name="Foliennummernplatzhalter 5"/>
+          <p:cNvSpPr>
+            <a:spLocks noGrp="1"/>
+          </p:cNvSpPr>
+          <p:nvPr>
+            <p:ph type="sldNum" sz="quarter" idx="12"/>
+          </p:nvPr>
+        </p:nvSpPr>
+        <p:spPr/>
+        <p:txBody>
+          <a:bodyPr/>
+          <a:lstStyle/>
+          <a:p>
+            <a:fld id="{6C6AE60A-B69C-4790-82F7-3882EDF23186}" type="slidenum">
+              <a:rPr lang="de-DE" smtClean="0"/>
+              <a:pPr/>
+              <a:t>25</a:t>
+            </a:fld>
+            <a:endParaRPr lang="de-DE"/>
+          </a:p>
+        </p:txBody>
+      </p:sp>
+      <p:sp>
+        <p:nvSpPr>
+          <p:cNvPr id="7" name="Rectangle 1"/>
+          <p:cNvSpPr>
+            <a:spLocks noChangeArrowheads="1"/>
+          </p:cNvSpPr>
+          <p:nvPr/>
+        </p:nvSpPr>
+        <p:spPr bwMode="auto">
+          <a:xfrm>
+            <a:off x="827584" y="2204864"/>
+            <a:ext cx="6408712" cy="276999"/>
+          </a:xfrm>
+          <a:prstGeom prst="rect">
+            <a:avLst/>
+          </a:prstGeom>
+          <a:solidFill>
+            <a:srgbClr val="FFFFFF"/>
+          </a:solidFill>
+          <a:ln>
+            <a:noFill/>
+          </a:ln>
+          <a:effectLst/>
+          <a:extLst>
+            <a:ext uri="{91240B29-F687-4F45-9708-019B960494DF}">
+              <a14:hiddenLine xmlns:a14="http://schemas.microsoft.com/office/drawing/2010/main" w="9525">
+                <a:solidFill>
+                  <a:schemeClr val="tx1"/>
+                </a:solidFill>
+                <a:miter lim="800000"/>
+                <a:headEnd/>
+                <a:tailEnd/>
+              </a14:hiddenLine>
+            </a:ext>
+            <a:ext uri="{AF507438-7753-43E0-B8FC-AC1667EBCBE1}">
+              <a14:hiddenEffects xmlns:a14="http://schemas.microsoft.com/office/drawing/2010/main">
+                <a:effectLst>
+                  <a:outerShdw dist="35921" dir="2700000" algn="ctr" rotWithShape="0">
+                    <a:schemeClr val="bg2"/>
+                  </a:outerShdw>
+                </a:effectLst>
+              </a14:hiddenEffects>
+            </a:ext>
+          </a:extLst>
+        </p:spPr>
+        <p:txBody>
+          <a:bodyPr vert="horz" wrap="square" lIns="91440" tIns="45720" rIns="91440" bIns="45720" numCol="1" anchor="ctr" anchorCtr="0" compatLnSpc="1">
+            <a:prstTxWarp prst="textNoShape">
+              <a:avLst/>
+            </a:prstTxWarp>
+            <a:spAutoFit/>
+          </a:bodyPr>
+          <a:lstStyle/>
+          <a:p>
+            <a:pPr marL="0" marR="0" lvl="0" indent="0" algn="l" defTabSz="914400" rtl="0" eaLnBrk="0" fontAlgn="base" latinLnBrk="0" hangingPunct="0">
+              <a:lnSpc>
+                <a:spcPct val="100000"/>
+              </a:lnSpc>
+              <a:spcBef>
+                <a:spcPct val="0"/>
+              </a:spcBef>
+              <a:spcAft>
+                <a:spcPct val="0"/>
+              </a:spcAft>
+              <a:buClrTx/>
+              <a:buSzTx/>
+              <a:buFontTx/>
+              <a:buNone/>
+              <a:tabLst/>
+            </a:pPr>
+            <a:r>
+              <a:rPr kumimoji="0" lang="de-DE" altLang="de-DE" sz="1200" b="0" i="0" u="none" strike="noStrike" cap="none" normalizeH="0" baseline="0" dirty="0" err="1" smtClean="0">
+                <a:ln>
+                  <a:noFill/>
+                </a:ln>
+                <a:solidFill>
+                  <a:srgbClr val="0000FF"/>
+                </a:solidFill>
+                <a:effectLst/>
+                <a:latin typeface="Consolas" panose="020B0609020204030204" pitchFamily="49" charset="0"/>
+                <a:cs typeface="Consolas" panose="020B0609020204030204" pitchFamily="49" charset="0"/>
+              </a:rPr>
+              <a:t>protected</a:t>
+            </a:r>
+            <a:r>
+              <a:rPr kumimoji="0" lang="de-DE" altLang="de-DE" sz="1200" b="0" i="0" u="none" strike="noStrike" cap="none" normalizeH="0" baseline="0" dirty="0" smtClean="0">
+                <a:ln>
+                  <a:noFill/>
+                </a:ln>
+                <a:solidFill>
+                  <a:srgbClr val="000000"/>
+                </a:solidFill>
+                <a:effectLst/>
+                <a:latin typeface="Consolas" panose="020B0609020204030204" pitchFamily="49" charset="0"/>
+                <a:cs typeface="Consolas" panose="020B0609020204030204" pitchFamily="49" charset="0"/>
+              </a:rPr>
+              <a:t> </a:t>
+            </a:r>
+            <a:r>
+              <a:rPr kumimoji="0" lang="de-DE" altLang="de-DE" sz="1200" b="0" i="0" u="none" strike="noStrike" cap="none" normalizeH="0" baseline="0" dirty="0" err="1" smtClean="0">
+                <a:ln>
+                  <a:noFill/>
+                </a:ln>
+                <a:solidFill>
+                  <a:srgbClr val="0000FF"/>
+                </a:solidFill>
+                <a:effectLst/>
+                <a:latin typeface="Consolas" panose="020B0609020204030204" pitchFamily="49" charset="0"/>
+                <a:cs typeface="Consolas" panose="020B0609020204030204" pitchFamily="49" charset="0"/>
+              </a:rPr>
+              <a:t>override</a:t>
+            </a:r>
+            <a:r>
+              <a:rPr kumimoji="0" lang="de-DE" altLang="de-DE" sz="1200" b="0" i="0" u="none" strike="noStrike" cap="none" normalizeH="0" baseline="0" dirty="0" smtClean="0">
+                <a:ln>
+                  <a:noFill/>
+                </a:ln>
+                <a:solidFill>
+                  <a:srgbClr val="000000"/>
+                </a:solidFill>
+                <a:effectLst/>
+                <a:latin typeface="Consolas" panose="020B0609020204030204" pitchFamily="49" charset="0"/>
+                <a:cs typeface="Consolas" panose="020B0609020204030204" pitchFamily="49" charset="0"/>
+              </a:rPr>
+              <a:t> </a:t>
+            </a:r>
+            <a:r>
+              <a:rPr kumimoji="0" lang="de-DE" altLang="de-DE" sz="1200" b="0" i="0" u="none" strike="noStrike" cap="none" normalizeH="0" baseline="0" dirty="0" err="1" smtClean="0">
+                <a:ln>
+                  <a:noFill/>
+                </a:ln>
+                <a:solidFill>
+                  <a:srgbClr val="0000FF"/>
+                </a:solidFill>
+                <a:effectLst/>
+                <a:latin typeface="Consolas" panose="020B0609020204030204" pitchFamily="49" charset="0"/>
+                <a:cs typeface="Consolas" panose="020B0609020204030204" pitchFamily="49" charset="0"/>
+              </a:rPr>
+              <a:t>void</a:t>
+            </a:r>
+            <a:r>
+              <a:rPr kumimoji="0" lang="de-DE" altLang="de-DE" sz="1200" b="0" i="0" u="none" strike="noStrike" cap="none" normalizeH="0" baseline="0" dirty="0" smtClean="0">
+                <a:ln>
+                  <a:noFill/>
+                </a:ln>
+                <a:solidFill>
+                  <a:srgbClr val="000000"/>
+                </a:solidFill>
+                <a:effectLst/>
+                <a:latin typeface="Consolas" panose="020B0609020204030204" pitchFamily="49" charset="0"/>
+                <a:cs typeface="Consolas" panose="020B0609020204030204" pitchFamily="49" charset="0"/>
+              </a:rPr>
+              <a:t> Run(</a:t>
+            </a:r>
+            <a:r>
+              <a:rPr kumimoji="0" lang="de-DE" altLang="de-DE" sz="1200" b="0" i="0" u="none" strike="noStrike" cap="none" normalizeH="0" baseline="0" dirty="0" err="1" smtClean="0">
+                <a:ln>
+                  <a:noFill/>
+                </a:ln>
+                <a:solidFill>
+                  <a:srgbClr val="2B91AF"/>
+                </a:solidFill>
+                <a:effectLst/>
+                <a:latin typeface="Consolas" panose="020B0609020204030204" pitchFamily="49" charset="0"/>
+                <a:cs typeface="Consolas" panose="020B0609020204030204" pitchFamily="49" charset="0"/>
+              </a:rPr>
+              <a:t>CancellationToken</a:t>
+            </a:r>
+            <a:r>
+              <a:rPr kumimoji="0" lang="de-DE" altLang="de-DE" sz="1200" b="0" i="0" u="none" strike="noStrike" cap="none" normalizeH="0" baseline="0" dirty="0" smtClean="0">
+                <a:ln>
+                  <a:noFill/>
+                </a:ln>
+                <a:solidFill>
+                  <a:srgbClr val="000000"/>
+                </a:solidFill>
+                <a:effectLst/>
+                <a:latin typeface="Consolas" panose="020B0609020204030204" pitchFamily="49" charset="0"/>
+                <a:cs typeface="Consolas" panose="020B0609020204030204" pitchFamily="49" charset="0"/>
+              </a:rPr>
+              <a:t> </a:t>
+            </a:r>
+            <a:r>
+              <a:rPr kumimoji="0" lang="de-DE" altLang="de-DE" sz="1200" b="0" i="0" u="none" strike="noStrike" cap="none" normalizeH="0" baseline="0" dirty="0" err="1" smtClean="0">
+                <a:ln>
+                  <a:noFill/>
+                </a:ln>
+                <a:solidFill>
+                  <a:srgbClr val="000000"/>
+                </a:solidFill>
+                <a:effectLst/>
+                <a:latin typeface="Consolas" panose="020B0609020204030204" pitchFamily="49" charset="0"/>
+                <a:cs typeface="Consolas" panose="020B0609020204030204" pitchFamily="49" charset="0"/>
+              </a:rPr>
+              <a:t>cancellationToken</a:t>
+            </a:r>
+            <a:r>
+              <a:rPr kumimoji="0" lang="de-DE" altLang="de-DE" sz="1200" b="0" i="0" u="none" strike="noStrike" cap="none" normalizeH="0" baseline="0" dirty="0" smtClean="0">
+                <a:ln>
+                  <a:noFill/>
+                </a:ln>
+                <a:solidFill>
+                  <a:srgbClr val="000000"/>
+                </a:solidFill>
+                <a:effectLst/>
+                <a:latin typeface="Consolas" panose="020B0609020204030204" pitchFamily="49" charset="0"/>
+                <a:cs typeface="Consolas" panose="020B0609020204030204" pitchFamily="49" charset="0"/>
+              </a:rPr>
+              <a:t>)  </a:t>
+            </a:r>
+            <a:endParaRPr kumimoji="0" lang="de-DE" altLang="de-DE" sz="3200" b="0" i="0" u="none" strike="noStrike" cap="none" normalizeH="0" baseline="0" dirty="0" smtClean="0">
+              <a:ln>
+                <a:noFill/>
+              </a:ln>
+              <a:solidFill>
+                <a:schemeClr val="tx1"/>
+              </a:solidFill>
+              <a:effectLst/>
+              <a:latin typeface="Arial" panose="020B0604020202020204" pitchFamily="34" charset="0"/>
+            </a:endParaRPr>
+          </a:p>
+        </p:txBody>
+      </p:sp>
+      <p:sp>
+        <p:nvSpPr>
+          <p:cNvPr id="8" name="Rectangle 2"/>
+          <p:cNvSpPr>
+            <a:spLocks noChangeArrowheads="1"/>
+          </p:cNvSpPr>
+          <p:nvPr/>
+        </p:nvSpPr>
+        <p:spPr bwMode="auto">
+          <a:xfrm>
+            <a:off x="854051" y="3519183"/>
+            <a:ext cx="4687502" cy="1569660"/>
+          </a:xfrm>
+          <a:prstGeom prst="rect">
+            <a:avLst/>
+          </a:prstGeom>
+          <a:solidFill>
+            <a:srgbClr val="FFFFFF"/>
+          </a:solidFill>
+          <a:ln>
+            <a:noFill/>
+          </a:ln>
+          <a:effectLst/>
+          <a:extLst>
+            <a:ext uri="{91240B29-F687-4F45-9708-019B960494DF}">
+              <a14:hiddenLine xmlns:a14="http://schemas.microsoft.com/office/drawing/2010/main" w="9525">
+                <a:solidFill>
+                  <a:schemeClr val="tx1"/>
+                </a:solidFill>
+                <a:miter lim="800000"/>
+                <a:headEnd/>
+                <a:tailEnd/>
+              </a14:hiddenLine>
+            </a:ext>
+            <a:ext uri="{AF507438-7753-43E0-B8FC-AC1667EBCBE1}">
+              <a14:hiddenEffects xmlns:a14="http://schemas.microsoft.com/office/drawing/2010/main">
+                <a:effectLst>
+                  <a:outerShdw dist="35921" dir="2700000" algn="ctr" rotWithShape="0">
+                    <a:schemeClr val="bg2"/>
+                  </a:outerShdw>
+                </a:effectLst>
+              </a14:hiddenEffects>
+            </a:ext>
+          </a:extLst>
+        </p:spPr>
+        <p:txBody>
+          <a:bodyPr vert="horz" wrap="none" lIns="91440" tIns="45720" rIns="91440" bIns="45720" numCol="1" anchor="ctr" anchorCtr="0" compatLnSpc="1">
+            <a:prstTxWarp prst="textNoShape">
+              <a:avLst/>
+            </a:prstTxWarp>
+            <a:spAutoFit/>
+          </a:bodyPr>
+          <a:lstStyle/>
+          <a:p>
+            <a:pPr marL="0" marR="0" lvl="0" indent="0" algn="l" defTabSz="914400" rtl="0" eaLnBrk="0" fontAlgn="base" latinLnBrk="0" hangingPunct="0">
+              <a:lnSpc>
+                <a:spcPct val="100000"/>
+              </a:lnSpc>
+              <a:spcBef>
+                <a:spcPct val="0"/>
+              </a:spcBef>
+              <a:spcAft>
+                <a:spcPct val="0"/>
+              </a:spcAft>
+              <a:buClrTx/>
+              <a:buSzTx/>
+              <a:buFontTx/>
+              <a:buNone/>
+              <a:tabLst/>
+            </a:pPr>
+            <a:r>
+              <a:rPr kumimoji="0" lang="de-DE" altLang="de-DE" sz="1200" b="0" i="0" u="none" strike="noStrike" cap="none" normalizeH="0" baseline="0" dirty="0" err="1" smtClean="0">
+                <a:ln>
+                  <a:noFill/>
+                </a:ln>
+                <a:solidFill>
+                  <a:srgbClr val="0000FF"/>
+                </a:solidFill>
+                <a:effectLst/>
+                <a:latin typeface="Consolas" panose="020B0609020204030204" pitchFamily="49" charset="0"/>
+                <a:cs typeface="Consolas" panose="020B0609020204030204" pitchFamily="49" charset="0"/>
+              </a:rPr>
+              <a:t>public</a:t>
+            </a:r>
+            <a:r>
+              <a:rPr kumimoji="0" lang="de-DE" altLang="de-DE" sz="1200" b="0" i="0" u="none" strike="noStrike" cap="none" normalizeH="0" baseline="0" dirty="0" smtClean="0">
+                <a:ln>
+                  <a:noFill/>
+                </a:ln>
+                <a:solidFill>
+                  <a:srgbClr val="000000"/>
+                </a:solidFill>
+                <a:effectLst/>
+                <a:latin typeface="Consolas" panose="020B0609020204030204" pitchFamily="49" charset="0"/>
+                <a:cs typeface="Consolas" panose="020B0609020204030204" pitchFamily="49" charset="0"/>
+              </a:rPr>
+              <a:t> </a:t>
+            </a:r>
+            <a:r>
+              <a:rPr kumimoji="0" lang="de-DE" altLang="de-DE" sz="1200" b="0" i="0" u="none" strike="noStrike" cap="none" normalizeH="0" baseline="0" dirty="0" err="1" smtClean="0">
+                <a:ln>
+                  <a:noFill/>
+                </a:ln>
+                <a:solidFill>
+                  <a:srgbClr val="0000FF"/>
+                </a:solidFill>
+                <a:effectLst/>
+                <a:latin typeface="Consolas" panose="020B0609020204030204" pitchFamily="49" charset="0"/>
+                <a:cs typeface="Consolas" panose="020B0609020204030204" pitchFamily="49" charset="0"/>
+              </a:rPr>
+              <a:t>override</a:t>
+            </a:r>
+            <a:r>
+              <a:rPr kumimoji="0" lang="de-DE" altLang="de-DE" sz="1200" b="0" i="0" u="none" strike="noStrike" cap="none" normalizeH="0" baseline="0" dirty="0" smtClean="0">
+                <a:ln>
+                  <a:noFill/>
+                </a:ln>
+                <a:solidFill>
+                  <a:srgbClr val="000000"/>
+                </a:solidFill>
+                <a:effectLst/>
+                <a:latin typeface="Consolas" panose="020B0609020204030204" pitchFamily="49" charset="0"/>
+                <a:cs typeface="Consolas" panose="020B0609020204030204" pitchFamily="49" charset="0"/>
+              </a:rPr>
+              <a:t> </a:t>
+            </a:r>
+            <a:r>
+              <a:rPr kumimoji="0" lang="de-DE" altLang="de-DE" sz="1200" b="0" i="0" u="none" strike="noStrike" cap="none" normalizeH="0" baseline="0" dirty="0" smtClean="0">
+                <a:ln>
+                  <a:noFill/>
+                </a:ln>
+                <a:solidFill>
+                  <a:srgbClr val="2B91AF"/>
+                </a:solidFill>
+                <a:effectLst/>
+                <a:latin typeface="Consolas" panose="020B0609020204030204" pitchFamily="49" charset="0"/>
+                <a:cs typeface="Consolas" panose="020B0609020204030204" pitchFamily="49" charset="0"/>
+              </a:rPr>
+              <a:t>Type</a:t>
+            </a:r>
+            <a:r>
+              <a:rPr kumimoji="0" lang="de-DE" altLang="de-DE" sz="1200" b="0" i="0" u="none" strike="noStrike" cap="none" normalizeH="0" baseline="0" dirty="0" smtClean="0">
+                <a:ln>
+                  <a:noFill/>
+                </a:ln>
+                <a:solidFill>
+                  <a:srgbClr val="000000"/>
+                </a:solidFill>
+                <a:effectLst/>
+                <a:latin typeface="Consolas" panose="020B0609020204030204" pitchFamily="49" charset="0"/>
+                <a:cs typeface="Consolas" panose="020B0609020204030204" pitchFamily="49" charset="0"/>
+              </a:rPr>
+              <a:t> </a:t>
+            </a:r>
+            <a:r>
+              <a:rPr kumimoji="0" lang="de-DE" altLang="de-DE" sz="1200" b="0" i="0" u="none" strike="noStrike" cap="none" normalizeH="0" baseline="0" dirty="0" err="1" smtClean="0">
+                <a:ln>
+                  <a:noFill/>
+                </a:ln>
+                <a:solidFill>
+                  <a:srgbClr val="000000"/>
+                </a:solidFill>
+                <a:effectLst/>
+                <a:latin typeface="Consolas" panose="020B0609020204030204" pitchFamily="49" charset="0"/>
+                <a:cs typeface="Consolas" panose="020B0609020204030204" pitchFamily="49" charset="0"/>
+              </a:rPr>
+              <a:t>ProblemType</a:t>
+            </a:r>
+            <a:r>
+              <a:rPr kumimoji="0" lang="de-DE" altLang="de-DE" sz="1200" b="0" i="0" u="none" strike="noStrike" cap="none" normalizeH="0" baseline="0" dirty="0" smtClean="0">
+                <a:ln>
+                  <a:noFill/>
+                </a:ln>
+                <a:solidFill>
+                  <a:srgbClr val="000000"/>
+                </a:solidFill>
+                <a:effectLst/>
+                <a:latin typeface="Consolas" panose="020B0609020204030204" pitchFamily="49" charset="0"/>
+                <a:cs typeface="Consolas" panose="020B0609020204030204" pitchFamily="49" charset="0"/>
+              </a:rPr>
+              <a:t> {       </a:t>
+            </a:r>
+          </a:p>
+          <a:p>
+            <a:pPr marL="0" marR="0" lvl="0" indent="0" algn="l" defTabSz="914400" rtl="0" eaLnBrk="0" fontAlgn="base" latinLnBrk="0" hangingPunct="0">
+              <a:lnSpc>
+                <a:spcPct val="100000"/>
+              </a:lnSpc>
+              <a:spcBef>
+                <a:spcPct val="0"/>
+              </a:spcBef>
+              <a:spcAft>
+                <a:spcPct val="0"/>
+              </a:spcAft>
+              <a:buClrTx/>
+              <a:buSzTx/>
+              <a:buFontTx/>
+              <a:buNone/>
+              <a:tabLst/>
+            </a:pPr>
+            <a:r>
+              <a:rPr lang="de-DE" altLang="de-DE" sz="1200" dirty="0">
+                <a:solidFill>
+                  <a:srgbClr val="0000FF"/>
+                </a:solidFill>
+                <a:latin typeface="Consolas" panose="020B0609020204030204" pitchFamily="49" charset="0"/>
+                <a:cs typeface="Consolas" panose="020B0609020204030204" pitchFamily="49" charset="0"/>
+              </a:rPr>
+              <a:t> </a:t>
+            </a:r>
+            <a:r>
+              <a:rPr lang="de-DE" altLang="de-DE" sz="1200" dirty="0" smtClean="0">
+                <a:solidFill>
+                  <a:srgbClr val="0000FF"/>
+                </a:solidFill>
+                <a:latin typeface="Consolas" panose="020B0609020204030204" pitchFamily="49" charset="0"/>
+                <a:cs typeface="Consolas" panose="020B0609020204030204" pitchFamily="49" charset="0"/>
+              </a:rPr>
+              <a:t>  </a:t>
+            </a:r>
+            <a:r>
+              <a:rPr kumimoji="0" lang="de-DE" altLang="de-DE" sz="1200" b="0" i="0" u="none" strike="noStrike" cap="none" normalizeH="0" baseline="0" dirty="0" err="1" smtClean="0">
+                <a:ln>
+                  <a:noFill/>
+                </a:ln>
+                <a:solidFill>
+                  <a:srgbClr val="0000FF"/>
+                </a:solidFill>
+                <a:effectLst/>
+                <a:latin typeface="Consolas" panose="020B0609020204030204" pitchFamily="49" charset="0"/>
+                <a:cs typeface="Consolas" panose="020B0609020204030204" pitchFamily="49" charset="0"/>
+              </a:rPr>
+              <a:t>get</a:t>
+            </a:r>
+            <a:r>
+              <a:rPr kumimoji="0" lang="de-DE" altLang="de-DE" sz="1200" b="0" i="0" u="none" strike="noStrike" cap="none" normalizeH="0" baseline="0" dirty="0" smtClean="0">
+                <a:ln>
+                  <a:noFill/>
+                </a:ln>
+                <a:solidFill>
+                  <a:srgbClr val="000000"/>
+                </a:solidFill>
+                <a:effectLst/>
+                <a:latin typeface="Consolas" panose="020B0609020204030204" pitchFamily="49" charset="0"/>
+                <a:cs typeface="Consolas" panose="020B0609020204030204" pitchFamily="49" charset="0"/>
+              </a:rPr>
+              <a:t> { </a:t>
+            </a:r>
+            <a:r>
+              <a:rPr kumimoji="0" lang="de-DE" altLang="de-DE" sz="1200" b="0" i="0" u="none" strike="noStrike" cap="none" normalizeH="0" baseline="0" dirty="0" err="1" smtClean="0">
+                <a:ln>
+                  <a:noFill/>
+                </a:ln>
+                <a:solidFill>
+                  <a:srgbClr val="0000FF"/>
+                </a:solidFill>
+                <a:effectLst/>
+                <a:latin typeface="Consolas" panose="020B0609020204030204" pitchFamily="49" charset="0"/>
+                <a:cs typeface="Consolas" panose="020B0609020204030204" pitchFamily="49" charset="0"/>
+              </a:rPr>
+              <a:t>return</a:t>
+            </a:r>
+            <a:r>
+              <a:rPr kumimoji="0" lang="de-DE" altLang="de-DE" sz="1200" b="0" i="0" u="none" strike="noStrike" cap="none" normalizeH="0" baseline="0" dirty="0" smtClean="0">
+                <a:ln>
+                  <a:noFill/>
+                </a:ln>
+                <a:solidFill>
+                  <a:srgbClr val="000000"/>
+                </a:solidFill>
+                <a:effectLst/>
+                <a:latin typeface="Consolas" panose="020B0609020204030204" pitchFamily="49" charset="0"/>
+                <a:cs typeface="Consolas" panose="020B0609020204030204" pitchFamily="49" charset="0"/>
+              </a:rPr>
+              <a:t> </a:t>
+            </a:r>
+            <a:r>
+              <a:rPr kumimoji="0" lang="de-DE" altLang="de-DE" sz="1200" b="0" i="0" u="none" strike="noStrike" cap="none" normalizeH="0" baseline="0" dirty="0" err="1" smtClean="0">
+                <a:ln>
+                  <a:noFill/>
+                </a:ln>
+                <a:solidFill>
+                  <a:srgbClr val="0000FF"/>
+                </a:solidFill>
+                <a:effectLst/>
+                <a:latin typeface="Consolas" panose="020B0609020204030204" pitchFamily="49" charset="0"/>
+                <a:cs typeface="Consolas" panose="020B0609020204030204" pitchFamily="49" charset="0"/>
+              </a:rPr>
+              <a:t>typeof</a:t>
+            </a:r>
+            <a:r>
+              <a:rPr kumimoji="0" lang="de-DE" altLang="de-DE" sz="1200" b="0" i="0" u="none" strike="noStrike" cap="none" normalizeH="0" baseline="0" dirty="0" smtClean="0">
+                <a:ln>
+                  <a:noFill/>
+                </a:ln>
+                <a:solidFill>
+                  <a:srgbClr val="000000"/>
+                </a:solidFill>
+                <a:effectLst/>
+                <a:latin typeface="Consolas" panose="020B0609020204030204" pitchFamily="49" charset="0"/>
+                <a:cs typeface="Consolas" panose="020B0609020204030204" pitchFamily="49" charset="0"/>
+              </a:rPr>
+              <a:t>(</a:t>
+            </a:r>
+            <a:r>
+              <a:rPr kumimoji="0" lang="de-DE" altLang="de-DE" sz="1200" b="0" i="0" u="none" strike="noStrike" cap="none" normalizeH="0" baseline="0" dirty="0" err="1" smtClean="0">
+                <a:ln>
+                  <a:noFill/>
+                </a:ln>
+                <a:solidFill>
+                  <a:srgbClr val="2B91AF"/>
+                </a:solidFill>
+                <a:effectLst/>
+                <a:latin typeface="Consolas" panose="020B0609020204030204" pitchFamily="49" charset="0"/>
+                <a:cs typeface="Consolas" panose="020B0609020204030204" pitchFamily="49" charset="0"/>
+              </a:rPr>
+              <a:t>BinaryProblem</a:t>
+            </a:r>
+            <a:r>
+              <a:rPr kumimoji="0" lang="de-DE" altLang="de-DE" sz="1200" b="0" i="0" u="none" strike="noStrike" cap="none" normalizeH="0" baseline="0" dirty="0" smtClean="0">
+                <a:ln>
+                  <a:noFill/>
+                </a:ln>
+                <a:solidFill>
+                  <a:srgbClr val="000000"/>
+                </a:solidFill>
+                <a:effectLst/>
+                <a:latin typeface="Consolas" panose="020B0609020204030204" pitchFamily="49" charset="0"/>
+                <a:cs typeface="Consolas" panose="020B0609020204030204" pitchFamily="49" charset="0"/>
+              </a:rPr>
+              <a:t>); }     </a:t>
+            </a:r>
+          </a:p>
+          <a:p>
+            <a:pPr marL="0" marR="0" lvl="0" indent="0" algn="l" defTabSz="914400" rtl="0" eaLnBrk="0" fontAlgn="base" latinLnBrk="0" hangingPunct="0">
+              <a:lnSpc>
+                <a:spcPct val="100000"/>
+              </a:lnSpc>
+              <a:spcBef>
+                <a:spcPct val="0"/>
+              </a:spcBef>
+              <a:spcAft>
+                <a:spcPct val="0"/>
+              </a:spcAft>
+              <a:buClrTx/>
+              <a:buSzTx/>
+              <a:buFontTx/>
+              <a:buNone/>
+              <a:tabLst/>
+            </a:pPr>
+            <a:r>
+              <a:rPr kumimoji="0" lang="de-DE" altLang="de-DE" sz="1200" b="0" i="0" u="none" strike="noStrike" cap="none" normalizeH="0" baseline="0" dirty="0" smtClean="0">
+                <a:ln>
+                  <a:noFill/>
+                </a:ln>
+                <a:solidFill>
+                  <a:srgbClr val="000000"/>
+                </a:solidFill>
+                <a:effectLst/>
+                <a:latin typeface="Consolas" panose="020B0609020204030204" pitchFamily="49" charset="0"/>
+                <a:cs typeface="Consolas" panose="020B0609020204030204" pitchFamily="49" charset="0"/>
+              </a:rPr>
+              <a:t>}    </a:t>
+            </a:r>
+          </a:p>
+          <a:p>
+            <a:pPr marL="0" marR="0" lvl="0" indent="0" algn="l" defTabSz="914400" rtl="0" eaLnBrk="0" fontAlgn="base" latinLnBrk="0" hangingPunct="0">
+              <a:lnSpc>
+                <a:spcPct val="100000"/>
+              </a:lnSpc>
+              <a:spcBef>
+                <a:spcPct val="0"/>
+              </a:spcBef>
+              <a:spcAft>
+                <a:spcPct val="0"/>
+              </a:spcAft>
+              <a:buClrTx/>
+              <a:buSzTx/>
+              <a:buFontTx/>
+              <a:buNone/>
+              <a:tabLst/>
+            </a:pPr>
+            <a:r>
+              <a:rPr kumimoji="0" lang="de-DE" altLang="de-DE" sz="1200" b="0" i="0" u="none" strike="noStrike" cap="none" normalizeH="0" baseline="0" dirty="0" smtClean="0">
+                <a:ln>
+                  <a:noFill/>
+                </a:ln>
+                <a:solidFill>
+                  <a:srgbClr val="000000"/>
+                </a:solidFill>
+                <a:effectLst/>
+                <a:latin typeface="Consolas" panose="020B0609020204030204" pitchFamily="49" charset="0"/>
+                <a:cs typeface="Consolas" panose="020B0609020204030204" pitchFamily="49" charset="0"/>
+              </a:rPr>
+              <a:t> </a:t>
+            </a:r>
+          </a:p>
+          <a:p>
+            <a:pPr marL="0" marR="0" lvl="0" indent="0" algn="l" defTabSz="914400" rtl="0" eaLnBrk="0" fontAlgn="base" latinLnBrk="0" hangingPunct="0">
+              <a:lnSpc>
+                <a:spcPct val="100000"/>
+              </a:lnSpc>
+              <a:spcBef>
+                <a:spcPct val="0"/>
+              </a:spcBef>
+              <a:spcAft>
+                <a:spcPct val="0"/>
+              </a:spcAft>
+              <a:buClrTx/>
+              <a:buSzTx/>
+              <a:buFontTx/>
+              <a:buNone/>
+              <a:tabLst/>
+            </a:pPr>
+            <a:r>
+              <a:rPr kumimoji="0" lang="de-DE" altLang="de-DE" sz="1200" b="0" i="0" u="none" strike="noStrike" cap="none" normalizeH="0" baseline="0" dirty="0" err="1" smtClean="0">
+                <a:ln>
+                  <a:noFill/>
+                </a:ln>
+                <a:solidFill>
+                  <a:srgbClr val="0000FF"/>
+                </a:solidFill>
+                <a:effectLst/>
+                <a:latin typeface="Consolas" panose="020B0609020204030204" pitchFamily="49" charset="0"/>
+                <a:cs typeface="Consolas" panose="020B0609020204030204" pitchFamily="49" charset="0"/>
+              </a:rPr>
+              <a:t>public</a:t>
+            </a:r>
+            <a:r>
+              <a:rPr kumimoji="0" lang="de-DE" altLang="de-DE" sz="1200" b="0" i="0" u="none" strike="noStrike" cap="none" normalizeH="0" baseline="0" dirty="0" smtClean="0">
+                <a:ln>
+                  <a:noFill/>
+                </a:ln>
+                <a:solidFill>
+                  <a:srgbClr val="000000"/>
+                </a:solidFill>
+                <a:effectLst/>
+                <a:latin typeface="Consolas" panose="020B0609020204030204" pitchFamily="49" charset="0"/>
+                <a:cs typeface="Consolas" panose="020B0609020204030204" pitchFamily="49" charset="0"/>
+              </a:rPr>
+              <a:t> </a:t>
+            </a:r>
+            <a:r>
+              <a:rPr kumimoji="0" lang="de-DE" altLang="de-DE" sz="1200" b="0" i="0" u="none" strike="noStrike" cap="none" normalizeH="0" baseline="0" dirty="0" err="1" smtClean="0">
+                <a:ln>
+                  <a:noFill/>
+                </a:ln>
+                <a:solidFill>
+                  <a:srgbClr val="0000FF"/>
+                </a:solidFill>
+                <a:effectLst/>
+                <a:latin typeface="Consolas" panose="020B0609020204030204" pitchFamily="49" charset="0"/>
+                <a:cs typeface="Consolas" panose="020B0609020204030204" pitchFamily="49" charset="0"/>
+              </a:rPr>
+              <a:t>new</a:t>
+            </a:r>
+            <a:r>
+              <a:rPr kumimoji="0" lang="de-DE" altLang="de-DE" sz="1200" b="0" i="0" u="none" strike="noStrike" cap="none" normalizeH="0" baseline="0" dirty="0" smtClean="0">
+                <a:ln>
+                  <a:noFill/>
+                </a:ln>
+                <a:solidFill>
+                  <a:srgbClr val="000000"/>
+                </a:solidFill>
+                <a:effectLst/>
+                <a:latin typeface="Consolas" panose="020B0609020204030204" pitchFamily="49" charset="0"/>
+                <a:cs typeface="Consolas" panose="020B0609020204030204" pitchFamily="49" charset="0"/>
+              </a:rPr>
+              <a:t> </a:t>
+            </a:r>
+            <a:r>
+              <a:rPr kumimoji="0" lang="de-DE" altLang="de-DE" sz="1200" b="0" i="0" u="none" strike="noStrike" cap="none" normalizeH="0" baseline="0" dirty="0" err="1" smtClean="0">
+                <a:ln>
+                  <a:noFill/>
+                </a:ln>
+                <a:solidFill>
+                  <a:srgbClr val="2B91AF"/>
+                </a:solidFill>
+                <a:effectLst/>
+                <a:latin typeface="Consolas" panose="020B0609020204030204" pitchFamily="49" charset="0"/>
+                <a:cs typeface="Consolas" panose="020B0609020204030204" pitchFamily="49" charset="0"/>
+              </a:rPr>
+              <a:t>BinaryProblem</a:t>
+            </a:r>
+            <a:r>
+              <a:rPr kumimoji="0" lang="de-DE" altLang="de-DE" sz="1200" b="0" i="0" u="none" strike="noStrike" cap="none" normalizeH="0" baseline="0" dirty="0" smtClean="0">
+                <a:ln>
+                  <a:noFill/>
+                </a:ln>
+                <a:solidFill>
+                  <a:srgbClr val="000000"/>
+                </a:solidFill>
+                <a:effectLst/>
+                <a:latin typeface="Consolas" panose="020B0609020204030204" pitchFamily="49" charset="0"/>
+                <a:cs typeface="Consolas" panose="020B0609020204030204" pitchFamily="49" charset="0"/>
+              </a:rPr>
+              <a:t> Problem {      </a:t>
+            </a:r>
+          </a:p>
+          <a:p>
+            <a:pPr marL="0" marR="0" lvl="0" indent="0" algn="l" defTabSz="914400" rtl="0" eaLnBrk="0" fontAlgn="base" latinLnBrk="0" hangingPunct="0">
+              <a:lnSpc>
+                <a:spcPct val="100000"/>
+              </a:lnSpc>
+              <a:spcBef>
+                <a:spcPct val="0"/>
+              </a:spcBef>
+              <a:spcAft>
+                <a:spcPct val="0"/>
+              </a:spcAft>
+              <a:buClrTx/>
+              <a:buSzTx/>
+              <a:buFontTx/>
+              <a:buNone/>
+              <a:tabLst/>
+            </a:pPr>
+            <a:r>
+              <a:rPr kumimoji="0" lang="de-DE" altLang="de-DE" sz="1200" b="0" i="0" u="none" strike="noStrike" cap="none" normalizeH="0" baseline="0" dirty="0" smtClean="0">
+                <a:ln>
+                  <a:noFill/>
+                </a:ln>
+                <a:solidFill>
+                  <a:srgbClr val="000000"/>
+                </a:solidFill>
+                <a:effectLst/>
+                <a:latin typeface="Consolas" panose="020B0609020204030204" pitchFamily="49" charset="0"/>
+                <a:cs typeface="Consolas" panose="020B0609020204030204" pitchFamily="49" charset="0"/>
+              </a:rPr>
+              <a:t>   </a:t>
+            </a:r>
+            <a:r>
+              <a:rPr kumimoji="0" lang="de-DE" altLang="de-DE" sz="1200" b="0" i="0" u="none" strike="noStrike" cap="none" normalizeH="0" baseline="0" dirty="0" err="1" smtClean="0">
+                <a:ln>
+                  <a:noFill/>
+                </a:ln>
+                <a:solidFill>
+                  <a:srgbClr val="0000FF"/>
+                </a:solidFill>
+                <a:effectLst/>
+                <a:latin typeface="Consolas" panose="020B0609020204030204" pitchFamily="49" charset="0"/>
+                <a:cs typeface="Consolas" panose="020B0609020204030204" pitchFamily="49" charset="0"/>
+              </a:rPr>
+              <a:t>get</a:t>
+            </a:r>
+            <a:r>
+              <a:rPr kumimoji="0" lang="de-DE" altLang="de-DE" sz="1200" b="0" i="0" u="none" strike="noStrike" cap="none" normalizeH="0" baseline="0" dirty="0" smtClean="0">
+                <a:ln>
+                  <a:noFill/>
+                </a:ln>
+                <a:solidFill>
+                  <a:srgbClr val="000000"/>
+                </a:solidFill>
+                <a:effectLst/>
+                <a:latin typeface="Consolas" panose="020B0609020204030204" pitchFamily="49" charset="0"/>
+                <a:cs typeface="Consolas" panose="020B0609020204030204" pitchFamily="49" charset="0"/>
+              </a:rPr>
+              <a:t> { </a:t>
+            </a:r>
+            <a:r>
+              <a:rPr kumimoji="0" lang="de-DE" altLang="de-DE" sz="1200" b="0" i="0" u="none" strike="noStrike" cap="none" normalizeH="0" baseline="0" dirty="0" err="1" smtClean="0">
+                <a:ln>
+                  <a:noFill/>
+                </a:ln>
+                <a:solidFill>
+                  <a:srgbClr val="0000FF"/>
+                </a:solidFill>
+                <a:effectLst/>
+                <a:latin typeface="Consolas" panose="020B0609020204030204" pitchFamily="49" charset="0"/>
+                <a:cs typeface="Consolas" panose="020B0609020204030204" pitchFamily="49" charset="0"/>
+              </a:rPr>
+              <a:t>return</a:t>
+            </a:r>
+            <a:r>
+              <a:rPr kumimoji="0" lang="de-DE" altLang="de-DE" sz="1200" b="0" i="0" u="none" strike="noStrike" cap="none" normalizeH="0" baseline="0" dirty="0" smtClean="0">
+                <a:ln>
+                  <a:noFill/>
+                </a:ln>
+                <a:solidFill>
+                  <a:srgbClr val="000000"/>
+                </a:solidFill>
+                <a:effectLst/>
+                <a:latin typeface="Consolas" panose="020B0609020204030204" pitchFamily="49" charset="0"/>
+                <a:cs typeface="Consolas" panose="020B0609020204030204" pitchFamily="49" charset="0"/>
+              </a:rPr>
+              <a:t> (</a:t>
+            </a:r>
+            <a:r>
+              <a:rPr kumimoji="0" lang="de-DE" altLang="de-DE" sz="1200" b="0" i="0" u="none" strike="noStrike" cap="none" normalizeH="0" baseline="0" dirty="0" err="1" smtClean="0">
+                <a:ln>
+                  <a:noFill/>
+                </a:ln>
+                <a:solidFill>
+                  <a:srgbClr val="2B91AF"/>
+                </a:solidFill>
+                <a:effectLst/>
+                <a:latin typeface="Consolas" panose="020B0609020204030204" pitchFamily="49" charset="0"/>
+                <a:cs typeface="Consolas" panose="020B0609020204030204" pitchFamily="49" charset="0"/>
+              </a:rPr>
+              <a:t>BinaryProblem</a:t>
+            </a:r>
+            <a:r>
+              <a:rPr kumimoji="0" lang="de-DE" altLang="de-DE" sz="1200" b="0" i="0" u="none" strike="noStrike" cap="none" normalizeH="0" baseline="0" dirty="0" smtClean="0">
+                <a:ln>
+                  <a:noFill/>
+                </a:ln>
+                <a:solidFill>
+                  <a:srgbClr val="000000"/>
+                </a:solidFill>
+                <a:effectLst/>
+                <a:latin typeface="Consolas" panose="020B0609020204030204" pitchFamily="49" charset="0"/>
+                <a:cs typeface="Consolas" panose="020B0609020204030204" pitchFamily="49" charset="0"/>
+              </a:rPr>
+              <a:t>)</a:t>
+            </a:r>
+            <a:r>
+              <a:rPr kumimoji="0" lang="de-DE" altLang="de-DE" sz="1200" b="0" i="0" u="none" strike="noStrike" cap="none" normalizeH="0" baseline="0" dirty="0" err="1" smtClean="0">
+                <a:ln>
+                  <a:noFill/>
+                </a:ln>
+                <a:solidFill>
+                  <a:srgbClr val="0000FF"/>
+                </a:solidFill>
+                <a:effectLst/>
+                <a:latin typeface="Consolas" panose="020B0609020204030204" pitchFamily="49" charset="0"/>
+                <a:cs typeface="Consolas" panose="020B0609020204030204" pitchFamily="49" charset="0"/>
+              </a:rPr>
+              <a:t>base</a:t>
+            </a:r>
+            <a:r>
+              <a:rPr kumimoji="0" lang="de-DE" altLang="de-DE" sz="1200" b="0" i="0" u="none" strike="noStrike" cap="none" normalizeH="0" baseline="0" dirty="0" err="1" smtClean="0">
+                <a:ln>
+                  <a:noFill/>
+                </a:ln>
+                <a:solidFill>
+                  <a:srgbClr val="000000"/>
+                </a:solidFill>
+                <a:effectLst/>
+                <a:latin typeface="Consolas" panose="020B0609020204030204" pitchFamily="49" charset="0"/>
+                <a:cs typeface="Consolas" panose="020B0609020204030204" pitchFamily="49" charset="0"/>
+              </a:rPr>
+              <a:t>.Problem</a:t>
+            </a:r>
+            <a:r>
+              <a:rPr kumimoji="0" lang="de-DE" altLang="de-DE" sz="1200" b="0" i="0" u="none" strike="noStrike" cap="none" normalizeH="0" baseline="0" dirty="0" smtClean="0">
+                <a:ln>
+                  <a:noFill/>
+                </a:ln>
+                <a:solidFill>
+                  <a:srgbClr val="000000"/>
+                </a:solidFill>
+                <a:effectLst/>
+                <a:latin typeface="Consolas" panose="020B0609020204030204" pitchFamily="49" charset="0"/>
+                <a:cs typeface="Consolas" panose="020B0609020204030204" pitchFamily="49" charset="0"/>
+              </a:rPr>
+              <a:t>; }       </a:t>
+            </a:r>
+          </a:p>
+          <a:p>
+            <a:pPr marL="0" marR="0" lvl="0" indent="0" algn="l" defTabSz="914400" rtl="0" eaLnBrk="0" fontAlgn="base" latinLnBrk="0" hangingPunct="0">
+              <a:lnSpc>
+                <a:spcPct val="100000"/>
+              </a:lnSpc>
+              <a:spcBef>
+                <a:spcPct val="0"/>
+              </a:spcBef>
+              <a:spcAft>
+                <a:spcPct val="0"/>
+              </a:spcAft>
+              <a:buClrTx/>
+              <a:buSzTx/>
+              <a:buFontTx/>
+              <a:buNone/>
+              <a:tabLst/>
+            </a:pPr>
+            <a:r>
+              <a:rPr lang="de-DE" altLang="de-DE" sz="1200" dirty="0">
+                <a:solidFill>
+                  <a:srgbClr val="000000"/>
+                </a:solidFill>
+                <a:latin typeface="Consolas" panose="020B0609020204030204" pitchFamily="49" charset="0"/>
+                <a:cs typeface="Consolas" panose="020B0609020204030204" pitchFamily="49" charset="0"/>
+              </a:rPr>
+              <a:t> </a:t>
+            </a:r>
+            <a:r>
+              <a:rPr lang="de-DE" altLang="de-DE" sz="1200" dirty="0" smtClean="0">
+                <a:solidFill>
+                  <a:srgbClr val="000000"/>
+                </a:solidFill>
+                <a:latin typeface="Consolas" panose="020B0609020204030204" pitchFamily="49" charset="0"/>
+                <a:cs typeface="Consolas" panose="020B0609020204030204" pitchFamily="49" charset="0"/>
+              </a:rPr>
+              <a:t>  </a:t>
+            </a:r>
+            <a:r>
+              <a:rPr kumimoji="0" lang="de-DE" altLang="de-DE" sz="1200" b="0" i="0" u="none" strike="noStrike" cap="none" normalizeH="0" baseline="0" dirty="0" err="1" smtClean="0">
+                <a:ln>
+                  <a:noFill/>
+                </a:ln>
+                <a:solidFill>
+                  <a:srgbClr val="0000FF"/>
+                </a:solidFill>
+                <a:effectLst/>
+                <a:latin typeface="Consolas" panose="020B0609020204030204" pitchFamily="49" charset="0"/>
+                <a:cs typeface="Consolas" panose="020B0609020204030204" pitchFamily="49" charset="0"/>
+              </a:rPr>
+              <a:t>set</a:t>
+            </a:r>
+            <a:r>
+              <a:rPr kumimoji="0" lang="de-DE" altLang="de-DE" sz="1200" b="0" i="0" u="none" strike="noStrike" cap="none" normalizeH="0" baseline="0" dirty="0" smtClean="0">
+                <a:ln>
+                  <a:noFill/>
+                </a:ln>
+                <a:solidFill>
+                  <a:srgbClr val="000000"/>
+                </a:solidFill>
+                <a:effectLst/>
+                <a:latin typeface="Consolas" panose="020B0609020204030204" pitchFamily="49" charset="0"/>
+                <a:cs typeface="Consolas" panose="020B0609020204030204" pitchFamily="49" charset="0"/>
+              </a:rPr>
+              <a:t> { </a:t>
+            </a:r>
+            <a:r>
+              <a:rPr kumimoji="0" lang="de-DE" altLang="de-DE" sz="1200" b="0" i="0" u="none" strike="noStrike" cap="none" normalizeH="0" baseline="0" dirty="0" err="1" smtClean="0">
+                <a:ln>
+                  <a:noFill/>
+                </a:ln>
+                <a:solidFill>
+                  <a:srgbClr val="0000FF"/>
+                </a:solidFill>
+                <a:effectLst/>
+                <a:latin typeface="Consolas" panose="020B0609020204030204" pitchFamily="49" charset="0"/>
+                <a:cs typeface="Consolas" panose="020B0609020204030204" pitchFamily="49" charset="0"/>
+              </a:rPr>
+              <a:t>base</a:t>
+            </a:r>
+            <a:r>
+              <a:rPr kumimoji="0" lang="de-DE" altLang="de-DE" sz="1200" b="0" i="0" u="none" strike="noStrike" cap="none" normalizeH="0" baseline="0" dirty="0" err="1" smtClean="0">
+                <a:ln>
+                  <a:noFill/>
+                </a:ln>
+                <a:solidFill>
+                  <a:srgbClr val="000000"/>
+                </a:solidFill>
+                <a:effectLst/>
+                <a:latin typeface="Consolas" panose="020B0609020204030204" pitchFamily="49" charset="0"/>
+                <a:cs typeface="Consolas" panose="020B0609020204030204" pitchFamily="49" charset="0"/>
+              </a:rPr>
+              <a:t>.Problem</a:t>
+            </a:r>
+            <a:r>
+              <a:rPr kumimoji="0" lang="de-DE" altLang="de-DE" sz="1200" b="0" i="0" u="none" strike="noStrike" cap="none" normalizeH="0" baseline="0" dirty="0" smtClean="0">
+                <a:ln>
+                  <a:noFill/>
+                </a:ln>
+                <a:solidFill>
+                  <a:srgbClr val="000000"/>
+                </a:solidFill>
+                <a:effectLst/>
+                <a:latin typeface="Consolas" panose="020B0609020204030204" pitchFamily="49" charset="0"/>
+                <a:cs typeface="Consolas" panose="020B0609020204030204" pitchFamily="49" charset="0"/>
+              </a:rPr>
+              <a:t> = </a:t>
+            </a:r>
+            <a:r>
+              <a:rPr kumimoji="0" lang="de-DE" altLang="de-DE" sz="1200" b="0" i="0" u="none" strike="noStrike" cap="none" normalizeH="0" baseline="0" dirty="0" err="1" smtClean="0">
+                <a:ln>
+                  <a:noFill/>
+                </a:ln>
+                <a:solidFill>
+                  <a:srgbClr val="0000FF"/>
+                </a:solidFill>
+                <a:effectLst/>
+                <a:latin typeface="Consolas" panose="020B0609020204030204" pitchFamily="49" charset="0"/>
+                <a:cs typeface="Consolas" panose="020B0609020204030204" pitchFamily="49" charset="0"/>
+              </a:rPr>
+              <a:t>value</a:t>
+            </a:r>
+            <a:r>
+              <a:rPr kumimoji="0" lang="de-DE" altLang="de-DE" sz="1200" b="0" i="0" u="none" strike="noStrike" cap="none" normalizeH="0" baseline="0" dirty="0" smtClean="0">
+                <a:ln>
+                  <a:noFill/>
+                </a:ln>
+                <a:solidFill>
+                  <a:srgbClr val="000000"/>
+                </a:solidFill>
+                <a:effectLst/>
+                <a:latin typeface="Consolas" panose="020B0609020204030204" pitchFamily="49" charset="0"/>
+                <a:cs typeface="Consolas" panose="020B0609020204030204" pitchFamily="49" charset="0"/>
+              </a:rPr>
+              <a:t>; }     </a:t>
+            </a:r>
+          </a:p>
+          <a:p>
+            <a:pPr marL="0" marR="0" lvl="0" indent="0" algn="l" defTabSz="914400" rtl="0" eaLnBrk="0" fontAlgn="base" latinLnBrk="0" hangingPunct="0">
+              <a:lnSpc>
+                <a:spcPct val="100000"/>
+              </a:lnSpc>
+              <a:spcBef>
+                <a:spcPct val="0"/>
+              </a:spcBef>
+              <a:spcAft>
+                <a:spcPct val="0"/>
+              </a:spcAft>
+              <a:buClrTx/>
+              <a:buSzTx/>
+              <a:buFontTx/>
+              <a:buNone/>
+              <a:tabLst/>
+            </a:pPr>
+            <a:r>
+              <a:rPr kumimoji="0" lang="de-DE" altLang="de-DE" sz="1200" b="0" i="0" u="none" strike="noStrike" cap="none" normalizeH="0" baseline="0" dirty="0" smtClean="0">
+                <a:ln>
+                  <a:noFill/>
+                </a:ln>
+                <a:solidFill>
+                  <a:srgbClr val="000000"/>
+                </a:solidFill>
+                <a:effectLst/>
+                <a:latin typeface="Consolas" panose="020B0609020204030204" pitchFamily="49" charset="0"/>
+                <a:cs typeface="Consolas" panose="020B0609020204030204" pitchFamily="49" charset="0"/>
+              </a:rPr>
+              <a:t>}</a:t>
+            </a:r>
+            <a:endParaRPr kumimoji="0" lang="de-DE" altLang="de-DE" sz="3200" b="0" i="0" u="none" strike="noStrike" cap="none" normalizeH="0" baseline="0" dirty="0" smtClean="0">
+              <a:ln>
+                <a:noFill/>
+              </a:ln>
+              <a:solidFill>
+                <a:schemeClr val="tx1"/>
+              </a:solidFill>
+              <a:effectLst/>
+              <a:latin typeface="Arial" panose="020B0604020202020204" pitchFamily="34" charset="0"/>
+            </a:endParaRPr>
+          </a:p>
+        </p:txBody>
+      </p:sp>
+    </p:spTree>
+    <p:extLst>
+      <p:ext uri="{BB962C8B-B14F-4D97-AF65-F5344CB8AC3E}">
+        <p14:creationId xmlns:p14="http://schemas.microsoft.com/office/powerpoint/2010/main" val="3614277345"/>
+      </p:ext>
+    </p:extLst>
+  </p:cSld>
+  <p:clrMapOvr>
+    <a:masterClrMapping/>
+  </p:clrMapOvr>
+</p:sld>
+</file>
+
+<file path=ppt/slides/slide26.xml><?xml version="1.0" encoding="utf-8"?>
+<p:sld xmlns:a="http://schemas.openxmlformats.org/drawingml/2006/main" xmlns:r="http://schemas.openxmlformats.org/officeDocument/2006/relationships" xmlns:p="http://schemas.openxmlformats.org/presentationml/2006/main">
+  <p:cSld>
+    <p:spTree>
+      <p:nvGrpSpPr>
+        <p:cNvPr id="1" name=""/>
+        <p:cNvGrpSpPr/>
+        <p:nvPr/>
+      </p:nvGrpSpPr>
+      <p:grpSpPr>
+        <a:xfrm>
+          <a:off x="0" y="0"/>
+          <a:ext cx="0" cy="0"/>
+          <a:chOff x="0" y="0"/>
+          <a:chExt cx="0" cy="0"/>
+        </a:xfrm>
+      </p:grpSpPr>
+      <p:pic>
+        <p:nvPicPr>
+          <p:cNvPr id="9" name="Grafik 8"/>
+          <p:cNvPicPr>
+            <a:picLocks noChangeAspect="1"/>
+          </p:cNvPicPr>
+          <p:nvPr/>
+        </p:nvPicPr>
+        <p:blipFill rotWithShape="1">
+          <a:blip r:embed="rId2"/>
+          <a:srcRect r="7354"/>
+          <a:stretch/>
+        </p:blipFill>
+        <p:spPr>
+          <a:xfrm>
+            <a:off x="5580112" y="1988840"/>
+            <a:ext cx="3441551" cy="1600200"/>
+          </a:xfrm>
+          <a:prstGeom prst="rect">
+            <a:avLst/>
+          </a:prstGeom>
+        </p:spPr>
+      </p:pic>
+      <p:sp>
+        <p:nvSpPr>
+          <p:cNvPr id="2" name="Titel 1"/>
+          <p:cNvSpPr>
+            <a:spLocks noGrp="1"/>
+          </p:cNvSpPr>
+          <p:nvPr>
+            <p:ph type="title"/>
+          </p:nvPr>
+        </p:nvSpPr>
+        <p:spPr/>
+        <p:txBody>
+          <a:bodyPr/>
+          <a:lstStyle/>
+          <a:p>
+            <a:r>
+              <a:rPr lang="en-GB" dirty="0" smtClean="0"/>
+              <a:t>Example – Random Search</a:t>
+            </a:r>
+            <a:endParaRPr lang="en-GB" dirty="0"/>
+          </a:p>
+        </p:txBody>
+      </p:sp>
+      <p:sp>
+        <p:nvSpPr>
+          <p:cNvPr id="4" name="Datumsplatzhalter 3"/>
+          <p:cNvSpPr>
+            <a:spLocks noGrp="1"/>
+          </p:cNvSpPr>
+          <p:nvPr>
+            <p:ph type="dt" sz="half" idx="10"/>
+          </p:nvPr>
+        </p:nvSpPr>
+        <p:spPr/>
+        <p:txBody>
+          <a:bodyPr/>
+          <a:lstStyle/>
+          <a:p>
+            <a:r>
+              <a:rPr lang="de-DE" smtClean="0"/>
+              <a:t>Programming HeuristicLab</a:t>
+            </a:r>
+            <a:endParaRPr lang="de-DE" dirty="0"/>
+          </a:p>
+        </p:txBody>
+      </p:sp>
+      <p:sp>
+        <p:nvSpPr>
+          <p:cNvPr id="5" name="Fußzeilenplatzhalter 4"/>
+          <p:cNvSpPr>
+            <a:spLocks noGrp="1"/>
+          </p:cNvSpPr>
+          <p:nvPr>
+            <p:ph type="ftr" sz="quarter" idx="11"/>
+          </p:nvPr>
+        </p:nvSpPr>
+        <p:spPr/>
+        <p:txBody>
+          <a:bodyPr/>
+          <a:lstStyle/>
+          <a:p>
+            <a:r>
+              <a:rPr lang="de-DE" smtClean="0"/>
+              <a:t>http://dev.heuristiclab.com</a:t>
+            </a:r>
+            <a:endParaRPr lang="de-DE"/>
+          </a:p>
+        </p:txBody>
+      </p:sp>
+      <p:sp>
+        <p:nvSpPr>
+          <p:cNvPr id="6" name="Foliennummernplatzhalter 5"/>
+          <p:cNvSpPr>
+            <a:spLocks noGrp="1"/>
+          </p:cNvSpPr>
+          <p:nvPr>
+            <p:ph type="sldNum" sz="quarter" idx="12"/>
+          </p:nvPr>
+        </p:nvSpPr>
+        <p:spPr/>
+        <p:txBody>
+          <a:bodyPr/>
+          <a:lstStyle/>
+          <a:p>
+            <a:fld id="{6C6AE60A-B69C-4790-82F7-3882EDF23186}" type="slidenum">
+              <a:rPr lang="de-DE" smtClean="0"/>
+              <a:pPr/>
+              <a:t>26</a:t>
+            </a:fld>
+            <a:endParaRPr lang="de-DE"/>
+          </a:p>
+        </p:txBody>
+      </p:sp>
+      <p:sp>
+        <p:nvSpPr>
+          <p:cNvPr id="8" name="Rechteck 7"/>
+          <p:cNvSpPr/>
+          <p:nvPr/>
+        </p:nvSpPr>
+        <p:spPr>
+          <a:xfrm>
+            <a:off x="35496" y="1580014"/>
+            <a:ext cx="7128792" cy="4801314"/>
+          </a:xfrm>
+          <a:prstGeom prst="rect">
+            <a:avLst/>
+          </a:prstGeom>
+        </p:spPr>
+        <p:txBody>
+          <a:bodyPr wrap="square">
+            <a:spAutoFit/>
+          </a:bodyPr>
+          <a:lstStyle/>
+          <a:p>
+            <a:r>
+              <a:rPr lang="de-DE" dirty="0"/>
+              <a:t>      </a:t>
+            </a:r>
+            <a:r>
+              <a:rPr lang="de-DE" b="1" dirty="0" err="1">
+                <a:solidFill>
+                  <a:srgbClr val="0000FF"/>
+                </a:solidFill>
+              </a:rPr>
+              <a:t>protected</a:t>
+            </a:r>
+            <a:r>
+              <a:rPr lang="de-DE" dirty="0"/>
+              <a:t> </a:t>
+            </a:r>
+            <a:r>
+              <a:rPr lang="de-DE" dirty="0" err="1">
+                <a:solidFill>
+                  <a:srgbClr val="A52A2A"/>
+                </a:solidFill>
+              </a:rPr>
+              <a:t>override</a:t>
+            </a:r>
+            <a:r>
+              <a:rPr lang="de-DE" dirty="0"/>
+              <a:t> </a:t>
+            </a:r>
+            <a:r>
+              <a:rPr lang="de-DE" dirty="0" err="1">
+                <a:solidFill>
+                  <a:srgbClr val="FF0000"/>
+                </a:solidFill>
+              </a:rPr>
+              <a:t>void</a:t>
+            </a:r>
+            <a:r>
+              <a:rPr lang="de-DE" dirty="0"/>
+              <a:t> </a:t>
+            </a:r>
+            <a:r>
+              <a:rPr lang="de-DE" b="1" dirty="0">
+                <a:solidFill>
+                  <a:srgbClr val="191970"/>
+                </a:solidFill>
+              </a:rPr>
+              <a:t>Run</a:t>
+            </a:r>
+            <a:r>
+              <a:rPr lang="de-DE" dirty="0"/>
+              <a:t>(</a:t>
+            </a:r>
+            <a:r>
+              <a:rPr lang="de-DE" dirty="0" err="1"/>
+              <a:t>CancellationToken</a:t>
+            </a:r>
+            <a:r>
+              <a:rPr lang="de-DE" dirty="0"/>
+              <a:t> </a:t>
+            </a:r>
+            <a:r>
+              <a:rPr lang="de-DE" dirty="0" err="1"/>
+              <a:t>cancellationToken</a:t>
+            </a:r>
+            <a:r>
+              <a:rPr lang="de-DE" dirty="0"/>
+              <a:t>)  </a:t>
+            </a:r>
+            <a:r>
+              <a:rPr lang="de-DE" dirty="0" smtClean="0"/>
+              <a:t>{</a:t>
+            </a:r>
+            <a:r>
+              <a:rPr lang="de-DE" dirty="0"/>
+              <a:t/>
+            </a:r>
+            <a:br>
+              <a:rPr lang="de-DE" dirty="0"/>
+            </a:br>
+            <a:r>
+              <a:rPr lang="de-DE" dirty="0"/>
+              <a:t>         </a:t>
+            </a:r>
+            <a:r>
+              <a:rPr lang="de-DE" dirty="0" err="1"/>
+              <a:t>DoubleValue</a:t>
+            </a:r>
+            <a:r>
+              <a:rPr lang="de-DE" dirty="0"/>
+              <a:t> </a:t>
+            </a:r>
+            <a:r>
+              <a:rPr lang="de-DE" dirty="0" err="1"/>
+              <a:t>bestQuality</a:t>
+            </a:r>
+            <a:r>
+              <a:rPr lang="de-DE" dirty="0"/>
+              <a:t> = </a:t>
+            </a:r>
+            <a:r>
+              <a:rPr lang="de-DE" b="1" dirty="0" err="1">
+                <a:solidFill>
+                  <a:srgbClr val="008B8B"/>
+                </a:solidFill>
+              </a:rPr>
+              <a:t>new</a:t>
+            </a:r>
+            <a:r>
+              <a:rPr lang="de-DE" dirty="0"/>
+              <a:t> </a:t>
+            </a:r>
+            <a:r>
+              <a:rPr lang="de-DE" b="1" dirty="0" err="1">
+                <a:solidFill>
+                  <a:srgbClr val="191970"/>
+                </a:solidFill>
+              </a:rPr>
+              <a:t>DoubleValue</a:t>
+            </a:r>
+            <a:r>
+              <a:rPr lang="de-DE" dirty="0"/>
+              <a:t>(</a:t>
+            </a:r>
+            <a:r>
+              <a:rPr lang="de-DE" dirty="0">
+                <a:solidFill>
+                  <a:srgbClr val="00008B"/>
+                </a:solidFill>
+              </a:rPr>
+              <a:t>0.0</a:t>
+            </a:r>
+            <a:r>
+              <a:rPr lang="de-DE" dirty="0"/>
+              <a:t>);</a:t>
+            </a:r>
+            <a:br>
+              <a:rPr lang="de-DE" dirty="0"/>
+            </a:br>
+            <a:r>
+              <a:rPr lang="de-DE" dirty="0"/>
+              <a:t>         </a:t>
+            </a:r>
+            <a:r>
+              <a:rPr lang="de-DE" dirty="0" err="1"/>
+              <a:t>Results.</a:t>
+            </a:r>
+            <a:r>
+              <a:rPr lang="de-DE" b="1" dirty="0" err="1">
+                <a:solidFill>
+                  <a:srgbClr val="191970"/>
+                </a:solidFill>
+              </a:rPr>
+              <a:t>Add</a:t>
+            </a:r>
+            <a:r>
+              <a:rPr lang="de-DE" dirty="0"/>
+              <a:t>(</a:t>
+            </a:r>
+            <a:r>
+              <a:rPr lang="de-DE" b="1" dirty="0" err="1">
+                <a:solidFill>
+                  <a:srgbClr val="008B8B"/>
+                </a:solidFill>
+              </a:rPr>
+              <a:t>new</a:t>
+            </a:r>
+            <a:r>
+              <a:rPr lang="de-DE" dirty="0"/>
+              <a:t> </a:t>
+            </a:r>
+            <a:r>
+              <a:rPr lang="de-DE" b="1" dirty="0" err="1">
+                <a:solidFill>
+                  <a:srgbClr val="191970"/>
+                </a:solidFill>
+              </a:rPr>
+              <a:t>Result</a:t>
+            </a:r>
+            <a:r>
+              <a:rPr lang="de-DE" dirty="0"/>
+              <a:t>(</a:t>
+            </a:r>
+            <a:r>
+              <a:rPr lang="de-DE" dirty="0">
+                <a:solidFill>
+                  <a:srgbClr val="0000FF"/>
+                </a:solidFill>
+              </a:rPr>
+              <a:t>"</a:t>
+            </a:r>
+            <a:r>
+              <a:rPr lang="de-DE" dirty="0" err="1">
+                <a:solidFill>
+                  <a:srgbClr val="0000FF"/>
+                </a:solidFill>
+              </a:rPr>
+              <a:t>BestQuality</a:t>
+            </a:r>
+            <a:r>
+              <a:rPr lang="de-DE" dirty="0">
+                <a:solidFill>
+                  <a:srgbClr val="0000FF"/>
+                </a:solidFill>
+              </a:rPr>
+              <a:t>"</a:t>
+            </a:r>
+            <a:r>
+              <a:rPr lang="de-DE" dirty="0"/>
+              <a:t>, </a:t>
+            </a:r>
+            <a:r>
+              <a:rPr lang="de-DE" dirty="0" err="1"/>
+              <a:t>bestQuality</a:t>
+            </a:r>
+            <a:r>
+              <a:rPr lang="de-DE" dirty="0"/>
+              <a:t>));</a:t>
+            </a:r>
+            <a:br>
+              <a:rPr lang="de-DE" dirty="0"/>
+            </a:br>
+            <a:r>
+              <a:rPr lang="de-DE" dirty="0"/>
+              <a:t>        </a:t>
+            </a:r>
+            <a:br>
+              <a:rPr lang="de-DE" dirty="0"/>
+            </a:br>
+            <a:r>
+              <a:rPr lang="de-DE" dirty="0"/>
+              <a:t>         </a:t>
+            </a:r>
+            <a:r>
+              <a:rPr lang="de-DE" b="1" dirty="0" err="1">
+                <a:solidFill>
+                  <a:srgbClr val="0000FF"/>
+                </a:solidFill>
+              </a:rPr>
+              <a:t>for</a:t>
+            </a:r>
+            <a:r>
+              <a:rPr lang="de-DE" dirty="0"/>
+              <a:t>(</a:t>
+            </a:r>
+            <a:r>
+              <a:rPr lang="de-DE" b="1" dirty="0" err="1">
+                <a:solidFill>
+                  <a:srgbClr val="FF0000"/>
+                </a:solidFill>
+              </a:rPr>
+              <a:t>int</a:t>
+            </a:r>
+            <a:r>
+              <a:rPr lang="de-DE" dirty="0"/>
+              <a:t> i = </a:t>
+            </a:r>
+            <a:r>
+              <a:rPr lang="de-DE" dirty="0">
+                <a:solidFill>
+                  <a:srgbClr val="00008B"/>
+                </a:solidFill>
+              </a:rPr>
+              <a:t>0</a:t>
+            </a:r>
+            <a:r>
+              <a:rPr lang="de-DE" dirty="0"/>
+              <a:t>; i &lt; </a:t>
+            </a:r>
+            <a:r>
+              <a:rPr lang="de-DE" dirty="0">
+                <a:solidFill>
+                  <a:srgbClr val="00008B"/>
+                </a:solidFill>
+              </a:rPr>
+              <a:t>100000</a:t>
+            </a:r>
+            <a:r>
+              <a:rPr lang="de-DE" dirty="0"/>
+              <a:t>; i++) {</a:t>
+            </a:r>
+            <a:br>
+              <a:rPr lang="de-DE" dirty="0"/>
+            </a:br>
+            <a:r>
+              <a:rPr lang="de-DE" dirty="0"/>
+              <a:t>            </a:t>
+            </a:r>
+            <a:r>
+              <a:rPr lang="de-DE" dirty="0" err="1"/>
+              <a:t>cancellationToken.</a:t>
+            </a:r>
+            <a:r>
+              <a:rPr lang="de-DE" b="1" dirty="0" err="1">
+                <a:solidFill>
+                  <a:srgbClr val="191970"/>
+                </a:solidFill>
+              </a:rPr>
+              <a:t>ThrowIfCancellationRequested</a:t>
+            </a:r>
+            <a:r>
+              <a:rPr lang="de-DE" dirty="0"/>
+              <a:t>();</a:t>
+            </a:r>
+            <a:br>
+              <a:rPr lang="de-DE" dirty="0"/>
+            </a:br>
+            <a:r>
+              <a:rPr lang="de-DE" dirty="0"/>
+              <a:t>            </a:t>
+            </a:r>
+            <a:br>
+              <a:rPr lang="de-DE" dirty="0"/>
+            </a:br>
+            <a:r>
+              <a:rPr lang="de-DE" dirty="0"/>
+              <a:t>            </a:t>
+            </a:r>
+            <a:r>
+              <a:rPr lang="de-DE" dirty="0" err="1"/>
+              <a:t>BinaryVector</a:t>
+            </a:r>
+            <a:r>
+              <a:rPr lang="de-DE" dirty="0"/>
+              <a:t> b = </a:t>
+            </a:r>
+            <a:r>
+              <a:rPr lang="de-DE" b="1" dirty="0" err="1">
+                <a:solidFill>
+                  <a:srgbClr val="008B8B"/>
+                </a:solidFill>
+              </a:rPr>
+              <a:t>new</a:t>
+            </a:r>
+            <a:r>
+              <a:rPr lang="de-DE" dirty="0"/>
+              <a:t> </a:t>
+            </a:r>
+            <a:r>
+              <a:rPr lang="de-DE" b="1" dirty="0" err="1">
+                <a:solidFill>
+                  <a:srgbClr val="191970"/>
+                </a:solidFill>
+              </a:rPr>
+              <a:t>BinaryVector</a:t>
+            </a:r>
+            <a:r>
+              <a:rPr lang="de-DE" dirty="0"/>
+              <a:t>(</a:t>
+            </a:r>
+            <a:r>
+              <a:rPr lang="de-DE" dirty="0" err="1"/>
+              <a:t>Problem.Length</a:t>
+            </a:r>
+            <a:r>
+              <a:rPr lang="de-DE" dirty="0"/>
+              <a:t>, </a:t>
+            </a:r>
+            <a:r>
+              <a:rPr lang="de-DE" dirty="0" err="1"/>
+              <a:t>random</a:t>
+            </a:r>
+            <a:r>
+              <a:rPr lang="de-DE" dirty="0"/>
+              <a:t>);</a:t>
+            </a:r>
+            <a:br>
+              <a:rPr lang="de-DE" dirty="0"/>
+            </a:br>
+            <a:r>
+              <a:rPr lang="de-DE" dirty="0"/>
+              <a:t>            </a:t>
+            </a:r>
+            <a:r>
+              <a:rPr lang="de-DE" b="1" dirty="0">
+                <a:solidFill>
+                  <a:srgbClr val="FF0000"/>
+                </a:solidFill>
+              </a:rPr>
+              <a:t>double</a:t>
+            </a:r>
+            <a:r>
+              <a:rPr lang="de-DE" dirty="0"/>
+              <a:t> </a:t>
+            </a:r>
+            <a:r>
+              <a:rPr lang="de-DE" dirty="0" err="1"/>
+              <a:t>curQuality</a:t>
+            </a:r>
+            <a:r>
+              <a:rPr lang="de-DE" dirty="0"/>
+              <a:t> = </a:t>
+            </a:r>
+            <a:r>
+              <a:rPr lang="de-DE" dirty="0" err="1"/>
+              <a:t>Problem.</a:t>
+            </a:r>
+            <a:r>
+              <a:rPr lang="de-DE" b="1" dirty="0" err="1">
+                <a:solidFill>
+                  <a:srgbClr val="191970"/>
+                </a:solidFill>
+              </a:rPr>
+              <a:t>Evaluate</a:t>
+            </a:r>
+            <a:r>
+              <a:rPr lang="de-DE" dirty="0"/>
+              <a:t>(b, </a:t>
+            </a:r>
+            <a:r>
+              <a:rPr lang="de-DE" dirty="0" err="1"/>
+              <a:t>random</a:t>
+            </a:r>
+            <a:r>
+              <a:rPr lang="de-DE" dirty="0"/>
+              <a:t>);</a:t>
+            </a:r>
+            <a:br>
+              <a:rPr lang="de-DE" dirty="0"/>
+            </a:br>
+            <a:r>
+              <a:rPr lang="de-DE" dirty="0"/>
+              <a:t>            </a:t>
+            </a:r>
+            <a:br>
+              <a:rPr lang="de-DE" dirty="0"/>
+            </a:br>
+            <a:r>
+              <a:rPr lang="de-DE" dirty="0"/>
+              <a:t>            </a:t>
+            </a:r>
+            <a:r>
+              <a:rPr lang="de-DE" b="1" dirty="0" err="1">
+                <a:solidFill>
+                  <a:srgbClr val="0000FF"/>
+                </a:solidFill>
+              </a:rPr>
+              <a:t>if</a:t>
+            </a:r>
+            <a:r>
+              <a:rPr lang="de-DE" dirty="0"/>
+              <a:t>(</a:t>
+            </a:r>
+            <a:r>
+              <a:rPr lang="de-DE" dirty="0" err="1"/>
+              <a:t>Problem.Maximization</a:t>
+            </a:r>
+            <a:r>
+              <a:rPr lang="de-DE" dirty="0"/>
+              <a:t> &amp;&amp; </a:t>
+            </a:r>
+            <a:r>
+              <a:rPr lang="de-DE" dirty="0" err="1"/>
+              <a:t>curQuality</a:t>
+            </a:r>
+            <a:r>
+              <a:rPr lang="de-DE" dirty="0"/>
+              <a:t> &gt; </a:t>
+            </a:r>
+            <a:r>
+              <a:rPr lang="de-DE" dirty="0" err="1"/>
+              <a:t>bestQuality.Value</a:t>
+            </a:r>
+            <a:r>
+              <a:rPr lang="de-DE" dirty="0"/>
+              <a:t>) {</a:t>
+            </a:r>
+            <a:br>
+              <a:rPr lang="de-DE" dirty="0"/>
+            </a:br>
+            <a:r>
+              <a:rPr lang="de-DE" dirty="0"/>
+              <a:t>              </a:t>
+            </a:r>
+            <a:r>
+              <a:rPr lang="de-DE" dirty="0" err="1"/>
+              <a:t>bestQuality.Value</a:t>
+            </a:r>
+            <a:r>
+              <a:rPr lang="de-DE" dirty="0"/>
+              <a:t> = </a:t>
+            </a:r>
+            <a:r>
+              <a:rPr lang="de-DE" dirty="0" err="1"/>
+              <a:t>curQuality</a:t>
+            </a:r>
+            <a:r>
+              <a:rPr lang="de-DE" dirty="0"/>
+              <a:t>; </a:t>
+            </a:r>
+            <a:br>
+              <a:rPr lang="de-DE" dirty="0"/>
+            </a:br>
+            <a:r>
+              <a:rPr lang="de-DE" dirty="0"/>
+              <a:t>            } </a:t>
+            </a:r>
+            <a:r>
+              <a:rPr lang="de-DE" b="1" dirty="0" err="1">
+                <a:solidFill>
+                  <a:srgbClr val="0000FF"/>
+                </a:solidFill>
+              </a:rPr>
+              <a:t>else</a:t>
+            </a:r>
+            <a:r>
+              <a:rPr lang="de-DE" dirty="0"/>
+              <a:t> </a:t>
+            </a:r>
+            <a:r>
+              <a:rPr lang="de-DE" b="1" dirty="0" err="1">
+                <a:solidFill>
+                  <a:srgbClr val="0000FF"/>
+                </a:solidFill>
+              </a:rPr>
+              <a:t>if</a:t>
+            </a:r>
+            <a:r>
+              <a:rPr lang="de-DE" dirty="0"/>
+              <a:t>(!</a:t>
+            </a:r>
+            <a:r>
+              <a:rPr lang="de-DE" dirty="0" err="1"/>
+              <a:t>Problem.Maximization</a:t>
+            </a:r>
+            <a:r>
+              <a:rPr lang="de-DE" dirty="0"/>
+              <a:t> &amp;&amp; </a:t>
+            </a:r>
+            <a:r>
+              <a:rPr lang="de-DE" dirty="0" err="1"/>
+              <a:t>curQuality</a:t>
+            </a:r>
+            <a:r>
+              <a:rPr lang="de-DE" dirty="0"/>
+              <a:t> &lt; </a:t>
+            </a:r>
+            <a:r>
+              <a:rPr lang="de-DE" dirty="0" err="1"/>
+              <a:t>bestQuality.Value</a:t>
+            </a:r>
+            <a:r>
+              <a:rPr lang="de-DE" dirty="0"/>
+              <a:t>) {</a:t>
+            </a:r>
+            <a:br>
+              <a:rPr lang="de-DE" dirty="0"/>
+            </a:br>
+            <a:r>
+              <a:rPr lang="de-DE" dirty="0"/>
+              <a:t>              </a:t>
+            </a:r>
+            <a:r>
+              <a:rPr lang="de-DE" dirty="0" err="1"/>
+              <a:t>bestQuality.Value</a:t>
+            </a:r>
+            <a:r>
+              <a:rPr lang="de-DE" dirty="0"/>
+              <a:t> = </a:t>
+            </a:r>
+            <a:r>
+              <a:rPr lang="de-DE" dirty="0" err="1"/>
+              <a:t>curQuality</a:t>
+            </a:r>
+            <a:r>
+              <a:rPr lang="de-DE" dirty="0"/>
+              <a:t>; </a:t>
+            </a:r>
+            <a:br>
+              <a:rPr lang="de-DE" dirty="0"/>
+            </a:br>
+            <a:r>
+              <a:rPr lang="de-DE" dirty="0"/>
+              <a:t>            }         </a:t>
+            </a:r>
+            <a:br>
+              <a:rPr lang="de-DE" dirty="0"/>
+            </a:br>
+            <a:r>
+              <a:rPr lang="de-DE" dirty="0"/>
+              <a:t>         }</a:t>
+            </a:r>
+            <a:br>
+              <a:rPr lang="de-DE" dirty="0"/>
+            </a:br>
+            <a:r>
+              <a:rPr lang="de-DE" dirty="0"/>
+              <a:t>      }</a:t>
+            </a:r>
+            <a:endParaRPr lang="en-GB" dirty="0"/>
+          </a:p>
+        </p:txBody>
+      </p:sp>
+    </p:spTree>
+    <p:extLst>
+      <p:ext uri="{BB962C8B-B14F-4D97-AF65-F5344CB8AC3E}">
+        <p14:creationId xmlns:p14="http://schemas.microsoft.com/office/powerpoint/2010/main" val="2774488236"/>
+      </p:ext>
+    </p:extLst>
+  </p:cSld>
+  <p:clrMapOvr>
+    <a:masterClrMapping/>
+  </p:clrMapOvr>
+  <p:timing>
+    <p:tnLst>
+      <p:par>
+        <p:cTn id="1" dur="indefinite" restart="never" nodeType="tmRoot"/>
+      </p:par>
+    </p:tnLst>
+  </p:timing>
+</p:sld>
+</file>
+
+<file path=ppt/slides/slide27.xml><?xml version="1.0" encoding="utf-8"?>
+<p:sld xmlns:a="http://schemas.openxmlformats.org/drawingml/2006/main" xmlns:r="http://schemas.openxmlformats.org/officeDocument/2006/relationships" xmlns:p="http://schemas.openxmlformats.org/presentationml/2006/main">
+  <p:cSld>
+    <p:spTree>
+      <p:nvGrpSpPr>
+        <p:cNvPr id="1" name=""/>
+        <p:cNvGrpSpPr/>
+        <p:nvPr/>
+      </p:nvGrpSpPr>
+      <p:grpSpPr>
+        <a:xfrm>
+          <a:off x="0" y="0"/>
+          <a:ext cx="0" cy="0"/>
+          <a:chOff x="0" y="0"/>
+          <a:chExt cx="0" cy="0"/>
+        </a:xfrm>
+      </p:grpSpPr>
+      <p:sp>
+        <p:nvSpPr>
+          <p:cNvPr id="2" name="Titel 1"/>
+          <p:cNvSpPr>
+            <a:spLocks noGrp="1"/>
+          </p:cNvSpPr>
+          <p:nvPr>
+            <p:ph type="title"/>
+          </p:nvPr>
+        </p:nvSpPr>
+        <p:spPr/>
+        <p:txBody>
+          <a:bodyPr/>
+          <a:lstStyle/>
+          <a:p>
+            <a:r>
+              <a:rPr lang="de-AT" dirty="0" smtClean="0"/>
+              <a:t>Problems</a:t>
+            </a:r>
+            <a:endParaRPr lang="de-AT" dirty="0"/>
+          </a:p>
+        </p:txBody>
+      </p:sp>
+      <p:sp>
+        <p:nvSpPr>
+          <p:cNvPr id="3" name="Inhaltsplatzhalter 2"/>
+          <p:cNvSpPr>
+            <a:spLocks noGrp="1"/>
+          </p:cNvSpPr>
+          <p:nvPr>
+            <p:ph idx="1"/>
+          </p:nvPr>
+        </p:nvSpPr>
+        <p:spPr/>
+        <p:txBody>
+          <a:bodyPr>
+            <a:normAutofit fontScale="77500" lnSpcReduction="20000"/>
+          </a:bodyPr>
+          <a:lstStyle/>
+          <a:p>
+            <a:r>
+              <a:rPr lang="en-US" dirty="0" smtClean="0"/>
+              <a:t>Use encodings for representing solutions</a:t>
+            </a:r>
+          </a:p>
+          <a:p>
+            <a:r>
+              <a:rPr lang="en-US" dirty="0" smtClean="0"/>
+              <a:t>Encodings consist of solution candidate definitions and corresponding operators</a:t>
+            </a:r>
+          </a:p>
+          <a:p>
+            <a:r>
+              <a:rPr lang="en-US" dirty="0" smtClean="0"/>
+              <a:t>Problems contain </a:t>
+            </a:r>
+          </a:p>
+          <a:p>
+            <a:pPr lvl="1"/>
+            <a:r>
+              <a:rPr lang="en-US" dirty="0" smtClean="0"/>
+              <a:t>the evaluator</a:t>
+            </a:r>
+          </a:p>
+          <a:p>
+            <a:pPr lvl="1"/>
+            <a:r>
+              <a:rPr lang="en-US" dirty="0" smtClean="0"/>
+              <a:t>the solution creator</a:t>
+            </a:r>
+          </a:p>
+          <a:p>
+            <a:r>
+              <a:rPr lang="en-US" dirty="0" smtClean="0"/>
+              <a:t>Define maximization or minimization</a:t>
+            </a:r>
+          </a:p>
+          <a:p>
+            <a:r>
+              <a:rPr lang="en-US" dirty="0" smtClean="0"/>
+              <a:t>Contain the „problem data“ (e.g. a distance matrix, a simulation, a function definition), usually supplied by a </a:t>
+            </a:r>
+            <a:r>
+              <a:rPr lang="en-US" dirty="0" err="1" smtClean="0"/>
+              <a:t>ProblemInstanceProvider</a:t>
+            </a:r>
+            <a:endParaRPr lang="en-US" dirty="0" smtClean="0"/>
+          </a:p>
+          <a:p>
+            <a:r>
+              <a:rPr lang="en-US" dirty="0" smtClean="0"/>
+              <a:t>Can be single- or multi-objective</a:t>
+            </a:r>
+          </a:p>
+          <a:p>
+            <a:r>
+              <a:rPr lang="en-US" dirty="0" smtClean="0"/>
+              <a:t>Configured with parameters</a:t>
+            </a:r>
+          </a:p>
+          <a:p>
+            <a:endParaRPr lang="en-US" dirty="0"/>
+          </a:p>
+        </p:txBody>
+      </p:sp>
+      <p:sp>
+        <p:nvSpPr>
+          <p:cNvPr id="4" name="Datumsplatzhalter 3"/>
+          <p:cNvSpPr>
+            <a:spLocks noGrp="1"/>
+          </p:cNvSpPr>
+          <p:nvPr>
+            <p:ph type="dt" sz="half" idx="10"/>
+          </p:nvPr>
+        </p:nvSpPr>
+        <p:spPr/>
+        <p:txBody>
+          <a:bodyPr/>
+          <a:lstStyle/>
+          <a:p>
+            <a:r>
+              <a:rPr lang="de-DE" smtClean="0"/>
+              <a:t>Programming HeuristicLab</a:t>
+            </a:r>
+            <a:endParaRPr lang="de-DE" dirty="0"/>
+          </a:p>
+        </p:txBody>
+      </p:sp>
+      <p:sp>
+        <p:nvSpPr>
+          <p:cNvPr id="5" name="Fußzeilenplatzhalter 4"/>
+          <p:cNvSpPr>
+            <a:spLocks noGrp="1"/>
+          </p:cNvSpPr>
+          <p:nvPr>
+            <p:ph type="ftr" sz="quarter" idx="11"/>
+          </p:nvPr>
+        </p:nvSpPr>
+        <p:spPr/>
+        <p:txBody>
+          <a:bodyPr/>
+          <a:lstStyle/>
+          <a:p>
+            <a:r>
+              <a:rPr lang="de-DE" smtClean="0"/>
+              <a:t>http://dev.heuristiclab.com</a:t>
+            </a:r>
+            <a:endParaRPr lang="de-DE"/>
+          </a:p>
+        </p:txBody>
+      </p:sp>
+      <p:sp>
+        <p:nvSpPr>
+          <p:cNvPr id="6" name="Foliennummernplatzhalter 5"/>
+          <p:cNvSpPr>
+            <a:spLocks noGrp="1"/>
+          </p:cNvSpPr>
+          <p:nvPr>
+            <p:ph type="sldNum" sz="quarter" idx="12"/>
+          </p:nvPr>
+        </p:nvSpPr>
+        <p:spPr/>
+        <p:txBody>
+          <a:bodyPr/>
+          <a:lstStyle/>
+          <a:p>
+            <a:fld id="{6C6AE60A-B69C-4790-82F7-3882EDF23186}" type="slidenum">
+              <a:rPr lang="de-DE" smtClean="0"/>
+              <a:pPr/>
+              <a:t>27</a:t>
+            </a:fld>
+            <a:endParaRPr lang="de-DE"/>
+          </a:p>
+        </p:txBody>
+      </p:sp>
+    </p:spTree>
+    <p:extLst>
+      <p:ext uri="{BB962C8B-B14F-4D97-AF65-F5344CB8AC3E}">
+        <p14:creationId xmlns:p14="http://schemas.microsoft.com/office/powerpoint/2010/main" val="3170979348"/>
+      </p:ext>
+    </p:extLst>
+  </p:cSld>
+  <p:clrMapOvr>
+    <a:masterClrMapping/>
+  </p:clrMapOvr>
+  <p:timing>
+    <p:tnLst>
+      <p:par>
+        <p:cTn id="1" dur="indefinite" restart="never" nodeType="tmRoot"/>
+      </p:par>
+    </p:tnLst>
+  </p:timing>
+</p:sld>
+</file>
+
+<file path=ppt/slides/slide28.xml><?xml version="1.0" encoding="utf-8"?>
+<p:sld xmlns:a="http://schemas.openxmlformats.org/drawingml/2006/main" xmlns:r="http://schemas.openxmlformats.org/officeDocument/2006/relationships" xmlns:p="http://schemas.openxmlformats.org/presentationml/2006/main">
+  <p:cSld>
+    <p:spTree>
+      <p:nvGrpSpPr>
+        <p:cNvPr id="1" name=""/>
+        <p:cNvGrpSpPr/>
+        <p:nvPr/>
+      </p:nvGrpSpPr>
+      <p:grpSpPr>
+        <a:xfrm>
+          <a:off x="0" y="0"/>
+          <a:ext cx="0" cy="0"/>
+          <a:chOff x="0" y="0"/>
+          <a:chExt cx="0" cy="0"/>
+        </a:xfrm>
+      </p:grpSpPr>
+      <p:sp>
+        <p:nvSpPr>
+          <p:cNvPr id="2" name="Titel 1"/>
+          <p:cNvSpPr>
+            <a:spLocks noGrp="1"/>
+          </p:cNvSpPr>
+          <p:nvPr>
+            <p:ph type="title"/>
+          </p:nvPr>
+        </p:nvSpPr>
+        <p:spPr/>
+        <p:txBody>
+          <a:bodyPr/>
+          <a:lstStyle/>
+          <a:p>
+            <a:r>
+              <a:rPr lang="en-US" dirty="0" smtClean="0"/>
+              <a:t>Problem Architecture</a:t>
+            </a:r>
+            <a:endParaRPr lang="en-US" dirty="0"/>
+          </a:p>
+        </p:txBody>
+      </p:sp>
+      <p:sp>
+        <p:nvSpPr>
+          <p:cNvPr id="4" name="Datumsplatzhalter 3"/>
+          <p:cNvSpPr>
+            <a:spLocks noGrp="1"/>
+          </p:cNvSpPr>
+          <p:nvPr>
+            <p:ph type="dt" sz="half" idx="10"/>
+          </p:nvPr>
+        </p:nvSpPr>
+        <p:spPr/>
+        <p:txBody>
+          <a:bodyPr/>
+          <a:lstStyle/>
+          <a:p>
+            <a:r>
+              <a:rPr lang="de-DE" smtClean="0"/>
+              <a:t>Programming HeuristicLab</a:t>
+            </a:r>
+            <a:endParaRPr lang="de-DE" dirty="0"/>
+          </a:p>
+        </p:txBody>
+      </p:sp>
+      <p:sp>
+        <p:nvSpPr>
+          <p:cNvPr id="5" name="Fußzeilenplatzhalter 4"/>
+          <p:cNvSpPr>
+            <a:spLocks noGrp="1"/>
+          </p:cNvSpPr>
+          <p:nvPr>
+            <p:ph type="ftr" sz="quarter" idx="11"/>
+          </p:nvPr>
+        </p:nvSpPr>
+        <p:spPr/>
+        <p:txBody>
+          <a:bodyPr/>
+          <a:lstStyle/>
+          <a:p>
+            <a:r>
+              <a:rPr lang="de-DE" smtClean="0"/>
+              <a:t>http://dev.heuristiclab.com</a:t>
+            </a:r>
+            <a:endParaRPr lang="de-DE"/>
+          </a:p>
+        </p:txBody>
+      </p:sp>
+      <p:sp>
+        <p:nvSpPr>
+          <p:cNvPr id="6" name="Foliennummernplatzhalter 5"/>
+          <p:cNvSpPr>
+            <a:spLocks noGrp="1"/>
+          </p:cNvSpPr>
+          <p:nvPr>
+            <p:ph type="sldNum" sz="quarter" idx="12"/>
+          </p:nvPr>
+        </p:nvSpPr>
+        <p:spPr/>
+        <p:txBody>
+          <a:bodyPr/>
+          <a:lstStyle/>
+          <a:p>
+            <a:fld id="{6C6AE60A-B69C-4790-82F7-3882EDF23186}" type="slidenum">
+              <a:rPr lang="de-DE" smtClean="0"/>
+              <a:pPr/>
+              <a:t>28</a:t>
             </a:fld>
             <a:endParaRPr lang="de-DE"/>
           </a:p>
@@ -11105,7 +14615,7 @@
 </p:sld>
 </file>
 
-<file path=ppt/slides/slide24.xml><?xml version="1.0" encoding="utf-8"?>
+<file path=ppt/slides/slide29.xml><?xml version="1.0" encoding="utf-8"?>
 <p:sld xmlns:a="http://schemas.openxmlformats.org/drawingml/2006/main" xmlns:r="http://schemas.openxmlformats.org/officeDocument/2006/relationships" xmlns:p="http://schemas.openxmlformats.org/presentationml/2006/main">
   <p:cSld>
     <p:spTree>
@@ -11211,7 +14721,7 @@
             <a:fld id="{6C6AE60A-B69C-4790-82F7-3882EDF23186}" type="slidenum">
               <a:rPr lang="de-DE" smtClean="0"/>
               <a:pPr/>
-              <a:t>24</a:t>
+              <a:t>29</a:t>
             </a:fld>
             <a:endParaRPr lang="de-DE"/>
           </a:p>
@@ -11219,7 +14729,7 @@
       </p:sp>
       <p:pic>
         <p:nvPicPr>
-          <p:cNvPr id="7" name="Grafik 6"/>
+          <p:cNvPr id="8" name="Grafik 7"/>
           <p:cNvPicPr>
             <a:picLocks noChangeAspect="1"/>
           </p:cNvPicPr>
@@ -11233,8 +14743,8 @@
         </p:blipFill>
         <p:spPr>
           <a:xfrm>
-            <a:off x="1761895" y="1511909"/>
-            <a:ext cx="5620209" cy="4729348"/>
+            <a:off x="1418160" y="1812921"/>
+            <a:ext cx="6307681" cy="4208367"/>
           </a:xfrm>
           <a:prstGeom prst="rect">
             <a:avLst/>
@@ -11251,624 +14761,6 @@
   <p:clrMapOvr>
     <a:masterClrMapping/>
   </p:clrMapOvr>
-</p:sld>
-</file>
-
-<file path=ppt/slides/slide25.xml><?xml version="1.0" encoding="utf-8"?>
-<p:sld xmlns:a="http://schemas.openxmlformats.org/drawingml/2006/main" xmlns:r="http://schemas.openxmlformats.org/officeDocument/2006/relationships" xmlns:p="http://schemas.openxmlformats.org/presentationml/2006/main">
-  <p:cSld>
-    <p:spTree>
-      <p:nvGrpSpPr>
-        <p:cNvPr id="1" name=""/>
-        <p:cNvGrpSpPr/>
-        <p:nvPr/>
-      </p:nvGrpSpPr>
-      <p:grpSpPr>
-        <a:xfrm>
-          <a:off x="0" y="0"/>
-          <a:ext cx="0" cy="0"/>
-          <a:chOff x="0" y="0"/>
-          <a:chExt cx="0" cy="0"/>
-        </a:xfrm>
-      </p:grpSpPr>
-      <p:sp>
-        <p:nvSpPr>
-          <p:cNvPr id="2" name="Titel 1"/>
-          <p:cNvSpPr>
-            <a:spLocks noGrp="1"/>
-          </p:cNvSpPr>
-          <p:nvPr>
-            <p:ph type="title"/>
-          </p:nvPr>
-        </p:nvSpPr>
-        <p:spPr/>
-        <p:txBody>
-          <a:bodyPr>
-            <a:normAutofit fontScale="90000"/>
-          </a:bodyPr>
-          <a:lstStyle/>
-          <a:p>
-            <a:r>
-              <a:rPr lang="en-US" dirty="0"/>
-              <a:t>Base classes/interfaces for problems</a:t>
-            </a:r>
-            <a:endParaRPr lang="de-AT" dirty="0"/>
-          </a:p>
-        </p:txBody>
-      </p:sp>
-      <p:sp>
-        <p:nvSpPr>
-          <p:cNvPr id="3" name="Inhaltsplatzhalter 2"/>
-          <p:cNvSpPr>
-            <a:spLocks noGrp="1"/>
-          </p:cNvSpPr>
-          <p:nvPr>
-            <p:ph idx="1"/>
-          </p:nvPr>
-        </p:nvSpPr>
-        <p:spPr/>
-        <p:txBody>
-          <a:bodyPr>
-            <a:normAutofit lnSpcReduction="10000"/>
-          </a:bodyPr>
-          <a:lstStyle/>
-          <a:p>
-            <a:r>
-              <a:rPr lang="en-US" dirty="0" err="1" smtClean="0"/>
-              <a:t>IProblem</a:t>
-            </a:r>
-            <a:r>
-              <a:rPr lang="en-US" dirty="0" smtClean="0"/>
-              <a:t>:</a:t>
-            </a:r>
-          </a:p>
-          <a:p>
-            <a:pPr lvl="1"/>
-            <a:r>
-              <a:rPr lang="en-US" dirty="0" smtClean="0"/>
-              <a:t>Contains the operators collection; all operators that can be used by the problem, algorithm and user</a:t>
-            </a:r>
-          </a:p>
-          <a:p>
-            <a:r>
-              <a:rPr lang="en-US" dirty="0" err="1" smtClean="0"/>
-              <a:t>IHeuristicOptimizationProblem</a:t>
-            </a:r>
-            <a:r>
-              <a:rPr lang="en-US" dirty="0" smtClean="0"/>
-              <a:t>:</a:t>
-            </a:r>
-          </a:p>
-          <a:p>
-            <a:pPr lvl="1"/>
-            <a:r>
-              <a:rPr lang="en-US" dirty="0" smtClean="0"/>
-              <a:t>Defines solution creator and evaluator</a:t>
-            </a:r>
-          </a:p>
-          <a:p>
-            <a:r>
-              <a:rPr lang="en-US" dirty="0" smtClean="0"/>
-              <a:t>Problem, </a:t>
-            </a:r>
-            <a:r>
-              <a:rPr lang="en-US" dirty="0" err="1" smtClean="0"/>
-              <a:t>HeuristicOptimizationProblem</a:t>
-            </a:r>
-            <a:r>
-              <a:rPr lang="en-US" dirty="0" smtClean="0"/>
-              <a:t> and Single/</a:t>
-            </a:r>
-            <a:r>
-              <a:rPr lang="en-US" dirty="0" err="1" smtClean="0"/>
-              <a:t>MultiObjectiveHeuristicOptimizationProblem</a:t>
-            </a:r>
-            <a:r>
-              <a:rPr lang="en-US" dirty="0" smtClean="0"/>
-              <a:t> provide abstract base classes</a:t>
-            </a:r>
-          </a:p>
-          <a:p>
-            <a:endParaRPr lang="en-US" dirty="0"/>
-          </a:p>
-        </p:txBody>
-      </p:sp>
-      <p:sp>
-        <p:nvSpPr>
-          <p:cNvPr id="4" name="Datumsplatzhalter 3"/>
-          <p:cNvSpPr>
-            <a:spLocks noGrp="1"/>
-          </p:cNvSpPr>
-          <p:nvPr>
-            <p:ph type="dt" sz="half" idx="10"/>
-          </p:nvPr>
-        </p:nvSpPr>
-        <p:spPr/>
-        <p:txBody>
-          <a:bodyPr/>
-          <a:lstStyle/>
-          <a:p>
-            <a:r>
-              <a:rPr lang="de-DE" smtClean="0"/>
-              <a:t>Programming HeuristicLab</a:t>
-            </a:r>
-            <a:endParaRPr lang="de-DE" dirty="0"/>
-          </a:p>
-        </p:txBody>
-      </p:sp>
-      <p:sp>
-        <p:nvSpPr>
-          <p:cNvPr id="5" name="Fußzeilenplatzhalter 4"/>
-          <p:cNvSpPr>
-            <a:spLocks noGrp="1"/>
-          </p:cNvSpPr>
-          <p:nvPr>
-            <p:ph type="ftr" sz="quarter" idx="11"/>
-          </p:nvPr>
-        </p:nvSpPr>
-        <p:spPr/>
-        <p:txBody>
-          <a:bodyPr/>
-          <a:lstStyle/>
-          <a:p>
-            <a:r>
-              <a:rPr lang="de-DE" smtClean="0"/>
-              <a:t>http://dev.heuristiclab.com</a:t>
-            </a:r>
-            <a:endParaRPr lang="de-DE"/>
-          </a:p>
-        </p:txBody>
-      </p:sp>
-      <p:sp>
-        <p:nvSpPr>
-          <p:cNvPr id="6" name="Foliennummernplatzhalter 5"/>
-          <p:cNvSpPr>
-            <a:spLocks noGrp="1"/>
-          </p:cNvSpPr>
-          <p:nvPr>
-            <p:ph type="sldNum" sz="quarter" idx="12"/>
-          </p:nvPr>
-        </p:nvSpPr>
-        <p:spPr/>
-        <p:txBody>
-          <a:bodyPr/>
-          <a:lstStyle/>
-          <a:p>
-            <a:fld id="{6C6AE60A-B69C-4790-82F7-3882EDF23186}" type="slidenum">
-              <a:rPr lang="de-DE" smtClean="0"/>
-              <a:pPr/>
-              <a:t>25</a:t>
-            </a:fld>
-            <a:endParaRPr lang="de-DE"/>
-          </a:p>
-        </p:txBody>
-      </p:sp>
-    </p:spTree>
-    <p:extLst>
-      <p:ext uri="{BB962C8B-B14F-4D97-AF65-F5344CB8AC3E}">
-        <p14:creationId xmlns:p14="http://schemas.microsoft.com/office/powerpoint/2010/main" val="2089040920"/>
-      </p:ext>
-    </p:extLst>
-  </p:cSld>
-  <p:clrMapOvr>
-    <a:masterClrMapping/>
-  </p:clrMapOvr>
-</p:sld>
-</file>
-
-<file path=ppt/slides/slide26.xml><?xml version="1.0" encoding="utf-8"?>
-<p:sld xmlns:a="http://schemas.openxmlformats.org/drawingml/2006/main" xmlns:r="http://schemas.openxmlformats.org/officeDocument/2006/relationships" xmlns:p="http://schemas.openxmlformats.org/presentationml/2006/main">
-  <p:cSld>
-    <p:spTree>
-      <p:nvGrpSpPr>
-        <p:cNvPr id="1" name=""/>
-        <p:cNvGrpSpPr/>
-        <p:nvPr/>
-      </p:nvGrpSpPr>
-      <p:grpSpPr>
-        <a:xfrm>
-          <a:off x="0" y="0"/>
-          <a:ext cx="0" cy="0"/>
-          <a:chOff x="0" y="0"/>
-          <a:chExt cx="0" cy="0"/>
-        </a:xfrm>
-      </p:grpSpPr>
-      <p:sp>
-        <p:nvSpPr>
-          <p:cNvPr id="2" name="Titel 1"/>
-          <p:cNvSpPr>
-            <a:spLocks noGrp="1"/>
-          </p:cNvSpPr>
-          <p:nvPr>
-            <p:ph type="title"/>
-          </p:nvPr>
-        </p:nvSpPr>
-        <p:spPr/>
-        <p:txBody>
-          <a:bodyPr>
-            <a:normAutofit fontScale="90000"/>
-          </a:bodyPr>
-          <a:lstStyle/>
-          <a:p>
-            <a:r>
-              <a:rPr lang="en-US" dirty="0" smtClean="0"/>
-              <a:t>Recap: What does a HL problem do?</a:t>
-            </a:r>
-            <a:endParaRPr lang="en-US" dirty="0"/>
-          </a:p>
-        </p:txBody>
-      </p:sp>
-      <p:sp>
-        <p:nvSpPr>
-          <p:cNvPr id="3" name="Inhaltsplatzhalter 2"/>
-          <p:cNvSpPr>
-            <a:spLocks noGrp="1"/>
-          </p:cNvSpPr>
-          <p:nvPr>
-            <p:ph idx="1"/>
-          </p:nvPr>
-        </p:nvSpPr>
-        <p:spPr/>
-        <p:txBody>
-          <a:bodyPr/>
-          <a:lstStyle/>
-          <a:p>
-            <a:r>
-              <a:rPr lang="en-US" dirty="0" smtClean="0"/>
-              <a:t>Defines used encoding</a:t>
-            </a:r>
-          </a:p>
-          <a:p>
-            <a:r>
-              <a:rPr lang="en-US" dirty="0" smtClean="0"/>
-              <a:t>Defines single/multi objective</a:t>
-            </a:r>
-          </a:p>
-          <a:p>
-            <a:r>
-              <a:rPr lang="en-US" dirty="0" smtClean="0"/>
-              <a:t>Defines min/maximization</a:t>
-            </a:r>
-          </a:p>
-          <a:p>
-            <a:r>
-              <a:rPr lang="en-US" dirty="0" smtClean="0"/>
-              <a:t>Discovers correct operators</a:t>
-            </a:r>
-          </a:p>
-          <a:p>
-            <a:pPr lvl="1"/>
-            <a:r>
-              <a:rPr lang="en-US" dirty="0" smtClean="0"/>
-              <a:t>Are used by the algorithm</a:t>
-            </a:r>
-          </a:p>
-          <a:p>
-            <a:r>
-              <a:rPr lang="en-US" dirty="0" smtClean="0"/>
-              <a:t>Wires/parameterizes operators</a:t>
-            </a:r>
-          </a:p>
-          <a:p>
-            <a:r>
-              <a:rPr lang="en-US" dirty="0" smtClean="0"/>
-              <a:t>Loads problem data using a corresponding problem instance provider</a:t>
-            </a:r>
-            <a:endParaRPr lang="en-US" dirty="0"/>
-          </a:p>
-        </p:txBody>
-      </p:sp>
-      <p:sp>
-        <p:nvSpPr>
-          <p:cNvPr id="4" name="Datumsplatzhalter 3"/>
-          <p:cNvSpPr>
-            <a:spLocks noGrp="1"/>
-          </p:cNvSpPr>
-          <p:nvPr>
-            <p:ph type="dt" sz="half" idx="10"/>
-          </p:nvPr>
-        </p:nvSpPr>
-        <p:spPr/>
-        <p:txBody>
-          <a:bodyPr/>
-          <a:lstStyle/>
-          <a:p>
-            <a:r>
-              <a:rPr lang="de-DE" smtClean="0"/>
-              <a:t>Programming HeuristicLab</a:t>
-            </a:r>
-            <a:endParaRPr lang="de-DE" dirty="0"/>
-          </a:p>
-        </p:txBody>
-      </p:sp>
-      <p:sp>
-        <p:nvSpPr>
-          <p:cNvPr id="5" name="Fußzeilenplatzhalter 4"/>
-          <p:cNvSpPr>
-            <a:spLocks noGrp="1"/>
-          </p:cNvSpPr>
-          <p:nvPr>
-            <p:ph type="ftr" sz="quarter" idx="11"/>
-          </p:nvPr>
-        </p:nvSpPr>
-        <p:spPr/>
-        <p:txBody>
-          <a:bodyPr/>
-          <a:lstStyle/>
-          <a:p>
-            <a:r>
-              <a:rPr lang="de-DE" smtClean="0"/>
-              <a:t>http://dev.heuristiclab.com</a:t>
-            </a:r>
-            <a:endParaRPr lang="de-DE"/>
-          </a:p>
-        </p:txBody>
-      </p:sp>
-      <p:sp>
-        <p:nvSpPr>
-          <p:cNvPr id="6" name="Foliennummernplatzhalter 5"/>
-          <p:cNvSpPr>
-            <a:spLocks noGrp="1"/>
-          </p:cNvSpPr>
-          <p:nvPr>
-            <p:ph type="sldNum" sz="quarter" idx="12"/>
-          </p:nvPr>
-        </p:nvSpPr>
-        <p:spPr/>
-        <p:txBody>
-          <a:bodyPr/>
-          <a:lstStyle/>
-          <a:p>
-            <a:fld id="{6C6AE60A-B69C-4790-82F7-3882EDF23186}" type="slidenum">
-              <a:rPr lang="de-DE" smtClean="0"/>
-              <a:pPr/>
-              <a:t>26</a:t>
-            </a:fld>
-            <a:endParaRPr lang="de-DE"/>
-          </a:p>
-        </p:txBody>
-      </p:sp>
-    </p:spTree>
-    <p:extLst>
-      <p:ext uri="{BB962C8B-B14F-4D97-AF65-F5344CB8AC3E}">
-        <p14:creationId xmlns:p14="http://schemas.microsoft.com/office/powerpoint/2010/main" val="3946963009"/>
-      </p:ext>
-    </p:extLst>
-  </p:cSld>
-  <p:clrMapOvr>
-    <a:masterClrMapping/>
-  </p:clrMapOvr>
-</p:sld>
-</file>
-
-<file path=ppt/slides/slide27.xml><?xml version="1.0" encoding="utf-8"?>
-<p:sld xmlns:a="http://schemas.openxmlformats.org/drawingml/2006/main" xmlns:r="http://schemas.openxmlformats.org/officeDocument/2006/relationships" xmlns:p="http://schemas.openxmlformats.org/presentationml/2006/main">
-  <p:cSld>
-    <p:spTree>
-      <p:nvGrpSpPr>
-        <p:cNvPr id="1" name=""/>
-        <p:cNvGrpSpPr/>
-        <p:nvPr/>
-      </p:nvGrpSpPr>
-      <p:grpSpPr>
-        <a:xfrm>
-          <a:off x="0" y="0"/>
-          <a:ext cx="0" cy="0"/>
-          <a:chOff x="0" y="0"/>
-          <a:chExt cx="0" cy="0"/>
-        </a:xfrm>
-      </p:grpSpPr>
-      <p:sp>
-        <p:nvSpPr>
-          <p:cNvPr id="2" name="Titel 1"/>
-          <p:cNvSpPr>
-            <a:spLocks noGrp="1"/>
-          </p:cNvSpPr>
-          <p:nvPr>
-            <p:ph type="title"/>
-          </p:nvPr>
-        </p:nvSpPr>
-        <p:spPr/>
-        <p:txBody>
-          <a:bodyPr/>
-          <a:lstStyle/>
-          <a:p>
-            <a:r>
-              <a:rPr lang="en-US" dirty="0" smtClean="0"/>
-              <a:t>Useful Links</a:t>
-            </a:r>
-            <a:endParaRPr lang="en-US" dirty="0"/>
-          </a:p>
-        </p:txBody>
-      </p:sp>
-      <p:sp>
-        <p:nvSpPr>
-          <p:cNvPr id="3" name="Datumsplatzhalter 2"/>
-          <p:cNvSpPr>
-            <a:spLocks noGrp="1"/>
-          </p:cNvSpPr>
-          <p:nvPr>
-            <p:ph type="dt" sz="half" idx="10"/>
-          </p:nvPr>
-        </p:nvSpPr>
-        <p:spPr/>
-        <p:txBody>
-          <a:bodyPr/>
-          <a:lstStyle/>
-          <a:p>
-            <a:r>
-              <a:rPr lang="de-DE" dirty="0" err="1"/>
-              <a:t>Programming</a:t>
-            </a:r>
-            <a:r>
-              <a:rPr lang="de-DE" dirty="0"/>
-              <a:t> HeuristicLab</a:t>
-            </a:r>
-          </a:p>
-        </p:txBody>
-      </p:sp>
-      <p:sp>
-        <p:nvSpPr>
-          <p:cNvPr id="4" name="Fußzeilenplatzhalter 3"/>
-          <p:cNvSpPr>
-            <a:spLocks noGrp="1"/>
-          </p:cNvSpPr>
-          <p:nvPr>
-            <p:ph type="ftr" sz="quarter" idx="11"/>
-          </p:nvPr>
-        </p:nvSpPr>
-        <p:spPr/>
-        <p:txBody>
-          <a:bodyPr/>
-          <a:lstStyle/>
-          <a:p>
-            <a:r>
-              <a:rPr lang="en-US" smtClean="0"/>
-              <a:t>http://dev.heuristiclab.com</a:t>
-            </a:r>
-            <a:endParaRPr lang="en-US"/>
-          </a:p>
-        </p:txBody>
-      </p:sp>
-      <p:sp>
-        <p:nvSpPr>
-          <p:cNvPr id="5" name="Foliennummernplatzhalter 4"/>
-          <p:cNvSpPr>
-            <a:spLocks noGrp="1"/>
-          </p:cNvSpPr>
-          <p:nvPr>
-            <p:ph type="sldNum" sz="quarter" idx="12"/>
-          </p:nvPr>
-        </p:nvSpPr>
-        <p:spPr/>
-        <p:txBody>
-          <a:bodyPr/>
-          <a:lstStyle/>
-          <a:p>
-            <a:fld id="{6C6AE60A-B69C-4790-82F7-3882EDF23186}" type="slidenum">
-              <a:rPr lang="en-US" smtClean="0"/>
-              <a:pPr/>
-              <a:t>27</a:t>
-            </a:fld>
-            <a:endParaRPr lang="en-US"/>
-          </a:p>
-        </p:txBody>
-      </p:sp>
-      <p:sp>
-        <p:nvSpPr>
-          <p:cNvPr id="6" name="Textfeld 5"/>
-          <p:cNvSpPr txBox="1"/>
-          <p:nvPr/>
-        </p:nvSpPr>
-        <p:spPr>
-          <a:xfrm>
-            <a:off x="0" y="2204864"/>
-            <a:ext cx="9144000" cy="3354765"/>
-          </a:xfrm>
-          <a:prstGeom prst="rect">
-            <a:avLst/>
-          </a:prstGeom>
-          <a:noFill/>
-        </p:spPr>
-        <p:txBody>
-          <a:bodyPr wrap="square" rtlCol="0">
-            <a:spAutoFit/>
-          </a:bodyPr>
-          <a:lstStyle/>
-          <a:p>
-            <a:pPr algn="ctr"/>
-            <a:r>
-              <a:rPr lang="en-US" sz="2800" dirty="0">
-                <a:hlinkClick r:id="rId2"/>
-              </a:rPr>
-              <a:t>http://</a:t>
-            </a:r>
-            <a:r>
-              <a:rPr lang="en-US" sz="2800" dirty="0" smtClean="0">
-                <a:hlinkClick r:id="rId2"/>
-              </a:rPr>
-              <a:t>dev.heuristiclab.com/trac/hl/core/wiki/UsersHowtos</a:t>
-            </a:r>
-            <a:endParaRPr lang="en-US" sz="2800" dirty="0" smtClean="0"/>
-          </a:p>
-          <a:p>
-            <a:pPr algn="ctr"/>
-            <a:endParaRPr lang="en-US" sz="2800" dirty="0" smtClean="0"/>
-          </a:p>
-          <a:p>
-            <a:pPr algn="ctr"/>
-            <a:r>
-              <a:rPr lang="en-US" sz="2800" dirty="0" smtClean="0">
-                <a:hlinkClick r:id="rId3"/>
-              </a:rPr>
-              <a:t>http</a:t>
-            </a:r>
-            <a:r>
-              <a:rPr lang="en-US" sz="2800" dirty="0">
-                <a:hlinkClick r:id="rId3"/>
-              </a:rPr>
-              <a:t>://</a:t>
-            </a:r>
-            <a:r>
-              <a:rPr lang="en-US" sz="2800" dirty="0" smtClean="0">
-                <a:hlinkClick r:id="rId3"/>
-              </a:rPr>
-              <a:t>dev.heuristiclab.com/trac/hl/core/wiki/Publications</a:t>
-            </a:r>
-            <a:endParaRPr lang="en-US" sz="2800" dirty="0" smtClean="0"/>
-          </a:p>
-          <a:p>
-            <a:pPr algn="ctr"/>
-            <a:endParaRPr lang="en-US" sz="2800" dirty="0"/>
-          </a:p>
-          <a:p>
-            <a:pPr algn="ctr"/>
-            <a:r>
-              <a:rPr lang="en-US" sz="2800" dirty="0" smtClean="0">
-                <a:hlinkClick r:id="rId4"/>
-              </a:rPr>
-              <a:t>heuristiclab@googlegroups.com</a:t>
-            </a:r>
-            <a:endParaRPr lang="en-US" sz="2800" dirty="0" smtClean="0"/>
-          </a:p>
-          <a:p>
-            <a:pPr algn="ctr"/>
-            <a:endParaRPr lang="en-US" sz="2800" dirty="0"/>
-          </a:p>
-          <a:p>
-            <a:pPr algn="ctr"/>
-            <a:r>
-              <a:rPr lang="en-US" sz="2800" dirty="0" smtClean="0">
-                <a:hlinkClick r:id="rId5"/>
-              </a:rPr>
-              <a:t>http://www.youtube.com/heuristiclab</a:t>
-            </a:r>
-            <a:endParaRPr lang="en-US" sz="2800" dirty="0" smtClean="0"/>
-          </a:p>
-          <a:p>
-            <a:pPr algn="ctr"/>
-            <a:endParaRPr lang="en-US" sz="1600" dirty="0"/>
-          </a:p>
-        </p:txBody>
-      </p:sp>
-    </p:spTree>
-    <p:extLst>
-      <p:ext uri="{BB962C8B-B14F-4D97-AF65-F5344CB8AC3E}">
-        <p14:creationId xmlns:p14="http://schemas.microsoft.com/office/powerpoint/2010/main" val="1150598093"/>
-      </p:ext>
-    </p:extLst>
-  </p:cSld>
-  <p:clrMapOvr>
-    <a:masterClrMapping/>
-  </p:clrMapOvr>
-  <p:transition/>
-  <p:timing>
-    <p:tnLst>
-      <p:par>
-        <p:cTn id="1" dur="indefinite" restart="never" nodeType="tmRoot"/>
-      </p:par>
-    </p:tnLst>
-  </p:timing>
 </p:sld>
 </file>
 
@@ -12059,6 +14951,3355 @@
   <p:clrMapOvr>
     <a:masterClrMapping/>
   </p:clrMapOvr>
+  <p:timing>
+    <p:tnLst>
+      <p:par>
+        <p:cTn id="1" dur="indefinite" restart="never" nodeType="tmRoot"/>
+      </p:par>
+    </p:tnLst>
+  </p:timing>
+</p:sld>
+</file>
+
+<file path=ppt/slides/slide30.xml><?xml version="1.0" encoding="utf-8"?>
+<p:sld xmlns:a="http://schemas.openxmlformats.org/drawingml/2006/main" xmlns:r="http://schemas.openxmlformats.org/officeDocument/2006/relationships" xmlns:p="http://schemas.openxmlformats.org/presentationml/2006/main">
+  <p:cSld>
+    <p:spTree>
+      <p:nvGrpSpPr>
+        <p:cNvPr id="1" name=""/>
+        <p:cNvGrpSpPr/>
+        <p:nvPr/>
+      </p:nvGrpSpPr>
+      <p:grpSpPr>
+        <a:xfrm>
+          <a:off x="0" y="0"/>
+          <a:ext cx="0" cy="0"/>
+          <a:chOff x="0" y="0"/>
+          <a:chExt cx="0" cy="0"/>
+        </a:xfrm>
+      </p:grpSpPr>
+      <p:sp>
+        <p:nvSpPr>
+          <p:cNvPr id="2" name="Titel 1"/>
+          <p:cNvSpPr>
+            <a:spLocks noGrp="1"/>
+          </p:cNvSpPr>
+          <p:nvPr>
+            <p:ph type="title"/>
+          </p:nvPr>
+        </p:nvSpPr>
+        <p:spPr/>
+        <p:txBody>
+          <a:bodyPr>
+            <a:normAutofit fontScale="90000"/>
+          </a:bodyPr>
+          <a:lstStyle/>
+          <a:p>
+            <a:r>
+              <a:rPr lang="en-US" dirty="0"/>
+              <a:t>Base classes/interfaces for problems</a:t>
+            </a:r>
+            <a:endParaRPr lang="de-AT" dirty="0"/>
+          </a:p>
+        </p:txBody>
+      </p:sp>
+      <p:sp>
+        <p:nvSpPr>
+          <p:cNvPr id="3" name="Inhaltsplatzhalter 2"/>
+          <p:cNvSpPr>
+            <a:spLocks noGrp="1"/>
+          </p:cNvSpPr>
+          <p:nvPr>
+            <p:ph idx="1"/>
+          </p:nvPr>
+        </p:nvSpPr>
+        <p:spPr/>
+        <p:txBody>
+          <a:bodyPr>
+            <a:normAutofit lnSpcReduction="10000"/>
+          </a:bodyPr>
+          <a:lstStyle/>
+          <a:p>
+            <a:r>
+              <a:rPr lang="en-US" dirty="0" err="1" smtClean="0"/>
+              <a:t>IProblem</a:t>
+            </a:r>
+            <a:r>
+              <a:rPr lang="en-US" dirty="0" smtClean="0"/>
+              <a:t>:</a:t>
+            </a:r>
+          </a:p>
+          <a:p>
+            <a:pPr lvl="1"/>
+            <a:r>
+              <a:rPr lang="en-US" dirty="0" smtClean="0"/>
+              <a:t>Contains the operators collection; all operators that can be used by the problem, algorithm and user</a:t>
+            </a:r>
+          </a:p>
+          <a:p>
+            <a:r>
+              <a:rPr lang="en-US" dirty="0" err="1" smtClean="0"/>
+              <a:t>IHeuristicOptimizationProblem</a:t>
+            </a:r>
+            <a:r>
+              <a:rPr lang="en-US" dirty="0" smtClean="0"/>
+              <a:t>:</a:t>
+            </a:r>
+          </a:p>
+          <a:p>
+            <a:pPr lvl="1"/>
+            <a:r>
+              <a:rPr lang="en-US" dirty="0" smtClean="0"/>
+              <a:t>Defines solution creator and evaluator</a:t>
+            </a:r>
+          </a:p>
+          <a:p>
+            <a:r>
+              <a:rPr lang="en-US" dirty="0" smtClean="0"/>
+              <a:t>Problem, </a:t>
+            </a:r>
+            <a:r>
+              <a:rPr lang="en-US" dirty="0" err="1" smtClean="0"/>
+              <a:t>HeuristicOptimizationProblem</a:t>
+            </a:r>
+            <a:r>
+              <a:rPr lang="en-US" dirty="0" smtClean="0"/>
+              <a:t> and Single/</a:t>
+            </a:r>
+            <a:r>
+              <a:rPr lang="en-US" dirty="0" err="1" smtClean="0"/>
+              <a:t>MultiObjectiveHeuristicOptimizationProblem</a:t>
+            </a:r>
+            <a:r>
+              <a:rPr lang="en-US" dirty="0" smtClean="0"/>
+              <a:t> provide abstract base classes</a:t>
+            </a:r>
+          </a:p>
+          <a:p>
+            <a:endParaRPr lang="en-US" dirty="0"/>
+          </a:p>
+        </p:txBody>
+      </p:sp>
+      <p:sp>
+        <p:nvSpPr>
+          <p:cNvPr id="4" name="Datumsplatzhalter 3"/>
+          <p:cNvSpPr>
+            <a:spLocks noGrp="1"/>
+          </p:cNvSpPr>
+          <p:nvPr>
+            <p:ph type="dt" sz="half" idx="10"/>
+          </p:nvPr>
+        </p:nvSpPr>
+        <p:spPr/>
+        <p:txBody>
+          <a:bodyPr/>
+          <a:lstStyle/>
+          <a:p>
+            <a:r>
+              <a:rPr lang="de-DE" smtClean="0"/>
+              <a:t>Programming HeuristicLab</a:t>
+            </a:r>
+            <a:endParaRPr lang="de-DE" dirty="0"/>
+          </a:p>
+        </p:txBody>
+      </p:sp>
+      <p:sp>
+        <p:nvSpPr>
+          <p:cNvPr id="5" name="Fußzeilenplatzhalter 4"/>
+          <p:cNvSpPr>
+            <a:spLocks noGrp="1"/>
+          </p:cNvSpPr>
+          <p:nvPr>
+            <p:ph type="ftr" sz="quarter" idx="11"/>
+          </p:nvPr>
+        </p:nvSpPr>
+        <p:spPr/>
+        <p:txBody>
+          <a:bodyPr/>
+          <a:lstStyle/>
+          <a:p>
+            <a:r>
+              <a:rPr lang="de-DE" smtClean="0"/>
+              <a:t>http://dev.heuristiclab.com</a:t>
+            </a:r>
+            <a:endParaRPr lang="de-DE"/>
+          </a:p>
+        </p:txBody>
+      </p:sp>
+      <p:sp>
+        <p:nvSpPr>
+          <p:cNvPr id="6" name="Foliennummernplatzhalter 5"/>
+          <p:cNvSpPr>
+            <a:spLocks noGrp="1"/>
+          </p:cNvSpPr>
+          <p:nvPr>
+            <p:ph type="sldNum" sz="quarter" idx="12"/>
+          </p:nvPr>
+        </p:nvSpPr>
+        <p:spPr/>
+        <p:txBody>
+          <a:bodyPr/>
+          <a:lstStyle/>
+          <a:p>
+            <a:fld id="{6C6AE60A-B69C-4790-82F7-3882EDF23186}" type="slidenum">
+              <a:rPr lang="de-DE" smtClean="0"/>
+              <a:pPr/>
+              <a:t>30</a:t>
+            </a:fld>
+            <a:endParaRPr lang="de-DE"/>
+          </a:p>
+        </p:txBody>
+      </p:sp>
+    </p:spTree>
+    <p:extLst>
+      <p:ext uri="{BB962C8B-B14F-4D97-AF65-F5344CB8AC3E}">
+        <p14:creationId xmlns:p14="http://schemas.microsoft.com/office/powerpoint/2010/main" val="2089040920"/>
+      </p:ext>
+    </p:extLst>
+  </p:cSld>
+  <p:clrMapOvr>
+    <a:masterClrMapping/>
+  </p:clrMapOvr>
+</p:sld>
+</file>
+
+<file path=ppt/slides/slide31.xml><?xml version="1.0" encoding="utf-8"?>
+<p:sld xmlns:a="http://schemas.openxmlformats.org/drawingml/2006/main" xmlns:r="http://schemas.openxmlformats.org/officeDocument/2006/relationships" xmlns:p="http://schemas.openxmlformats.org/presentationml/2006/main">
+  <p:cSld>
+    <p:spTree>
+      <p:nvGrpSpPr>
+        <p:cNvPr id="1" name=""/>
+        <p:cNvGrpSpPr/>
+        <p:nvPr/>
+      </p:nvGrpSpPr>
+      <p:grpSpPr>
+        <a:xfrm>
+          <a:off x="0" y="0"/>
+          <a:ext cx="0" cy="0"/>
+          <a:chOff x="0" y="0"/>
+          <a:chExt cx="0" cy="0"/>
+        </a:xfrm>
+      </p:grpSpPr>
+      <p:sp>
+        <p:nvSpPr>
+          <p:cNvPr id="2" name="Titel 1"/>
+          <p:cNvSpPr>
+            <a:spLocks noGrp="1"/>
+          </p:cNvSpPr>
+          <p:nvPr>
+            <p:ph type="title"/>
+          </p:nvPr>
+        </p:nvSpPr>
+        <p:spPr/>
+        <p:txBody>
+          <a:bodyPr>
+            <a:normAutofit fontScale="90000"/>
+          </a:bodyPr>
+          <a:lstStyle/>
+          <a:p>
+            <a:r>
+              <a:rPr lang="en-US" dirty="0" smtClean="0"/>
+              <a:t>Recap: What does a HL problem do?</a:t>
+            </a:r>
+            <a:endParaRPr lang="en-US" dirty="0"/>
+          </a:p>
+        </p:txBody>
+      </p:sp>
+      <p:sp>
+        <p:nvSpPr>
+          <p:cNvPr id="3" name="Inhaltsplatzhalter 2"/>
+          <p:cNvSpPr>
+            <a:spLocks noGrp="1"/>
+          </p:cNvSpPr>
+          <p:nvPr>
+            <p:ph idx="1"/>
+          </p:nvPr>
+        </p:nvSpPr>
+        <p:spPr/>
+        <p:txBody>
+          <a:bodyPr/>
+          <a:lstStyle/>
+          <a:p>
+            <a:r>
+              <a:rPr lang="en-US" dirty="0" smtClean="0"/>
+              <a:t>Defines used encoding</a:t>
+            </a:r>
+          </a:p>
+          <a:p>
+            <a:r>
+              <a:rPr lang="en-US" dirty="0" smtClean="0"/>
+              <a:t>Defines single/multi objective</a:t>
+            </a:r>
+          </a:p>
+          <a:p>
+            <a:r>
+              <a:rPr lang="en-US" dirty="0" smtClean="0"/>
+              <a:t>Defines min/maximization</a:t>
+            </a:r>
+          </a:p>
+          <a:p>
+            <a:r>
+              <a:rPr lang="en-US" dirty="0" smtClean="0"/>
+              <a:t>Discovers correct operators</a:t>
+            </a:r>
+          </a:p>
+          <a:p>
+            <a:pPr lvl="1"/>
+            <a:r>
+              <a:rPr lang="en-US" dirty="0" smtClean="0"/>
+              <a:t>Are used by the algorithm</a:t>
+            </a:r>
+          </a:p>
+          <a:p>
+            <a:r>
+              <a:rPr lang="en-US" dirty="0" smtClean="0"/>
+              <a:t>Wires/parameterizes operators</a:t>
+            </a:r>
+          </a:p>
+          <a:p>
+            <a:r>
+              <a:rPr lang="en-US" dirty="0" smtClean="0"/>
+              <a:t>Loads problem data using a corresponding problem instance provider</a:t>
+            </a:r>
+            <a:endParaRPr lang="en-US" dirty="0"/>
+          </a:p>
+        </p:txBody>
+      </p:sp>
+      <p:sp>
+        <p:nvSpPr>
+          <p:cNvPr id="4" name="Datumsplatzhalter 3"/>
+          <p:cNvSpPr>
+            <a:spLocks noGrp="1"/>
+          </p:cNvSpPr>
+          <p:nvPr>
+            <p:ph type="dt" sz="half" idx="10"/>
+          </p:nvPr>
+        </p:nvSpPr>
+        <p:spPr/>
+        <p:txBody>
+          <a:bodyPr/>
+          <a:lstStyle/>
+          <a:p>
+            <a:r>
+              <a:rPr lang="de-DE" smtClean="0"/>
+              <a:t>Programming HeuristicLab</a:t>
+            </a:r>
+            <a:endParaRPr lang="de-DE" dirty="0"/>
+          </a:p>
+        </p:txBody>
+      </p:sp>
+      <p:sp>
+        <p:nvSpPr>
+          <p:cNvPr id="5" name="Fußzeilenplatzhalter 4"/>
+          <p:cNvSpPr>
+            <a:spLocks noGrp="1"/>
+          </p:cNvSpPr>
+          <p:nvPr>
+            <p:ph type="ftr" sz="quarter" idx="11"/>
+          </p:nvPr>
+        </p:nvSpPr>
+        <p:spPr/>
+        <p:txBody>
+          <a:bodyPr/>
+          <a:lstStyle/>
+          <a:p>
+            <a:r>
+              <a:rPr lang="de-DE" smtClean="0"/>
+              <a:t>http://dev.heuristiclab.com</a:t>
+            </a:r>
+            <a:endParaRPr lang="de-DE"/>
+          </a:p>
+        </p:txBody>
+      </p:sp>
+      <p:sp>
+        <p:nvSpPr>
+          <p:cNvPr id="6" name="Foliennummernplatzhalter 5"/>
+          <p:cNvSpPr>
+            <a:spLocks noGrp="1"/>
+          </p:cNvSpPr>
+          <p:nvPr>
+            <p:ph type="sldNum" sz="quarter" idx="12"/>
+          </p:nvPr>
+        </p:nvSpPr>
+        <p:spPr/>
+        <p:txBody>
+          <a:bodyPr/>
+          <a:lstStyle/>
+          <a:p>
+            <a:fld id="{6C6AE60A-B69C-4790-82F7-3882EDF23186}" type="slidenum">
+              <a:rPr lang="de-DE" smtClean="0"/>
+              <a:pPr/>
+              <a:t>31</a:t>
+            </a:fld>
+            <a:endParaRPr lang="de-DE"/>
+          </a:p>
+        </p:txBody>
+      </p:sp>
+    </p:spTree>
+    <p:extLst>
+      <p:ext uri="{BB962C8B-B14F-4D97-AF65-F5344CB8AC3E}">
+        <p14:creationId xmlns:p14="http://schemas.microsoft.com/office/powerpoint/2010/main" val="3946963009"/>
+      </p:ext>
+    </p:extLst>
+  </p:cSld>
+  <p:clrMapOvr>
+    <a:masterClrMapping/>
+  </p:clrMapOvr>
+</p:sld>
+</file>
+
+<file path=ppt/slides/slide32.xml><?xml version="1.0" encoding="utf-8"?>
+<p:sld xmlns:a="http://schemas.openxmlformats.org/drawingml/2006/main" xmlns:r="http://schemas.openxmlformats.org/officeDocument/2006/relationships" xmlns:p="http://schemas.openxmlformats.org/presentationml/2006/main">
+  <p:cSld>
+    <p:spTree>
+      <p:nvGrpSpPr>
+        <p:cNvPr id="1" name=""/>
+        <p:cNvGrpSpPr/>
+        <p:nvPr/>
+      </p:nvGrpSpPr>
+      <p:grpSpPr>
+        <a:xfrm>
+          <a:off x="0" y="0"/>
+          <a:ext cx="0" cy="0"/>
+          <a:chOff x="0" y="0"/>
+          <a:chExt cx="0" cy="0"/>
+        </a:xfrm>
+      </p:grpSpPr>
+      <p:sp>
+        <p:nvSpPr>
+          <p:cNvPr id="2" name="Titel 1"/>
+          <p:cNvSpPr>
+            <a:spLocks noGrp="1"/>
+          </p:cNvSpPr>
+          <p:nvPr>
+            <p:ph type="title"/>
+          </p:nvPr>
+        </p:nvSpPr>
+        <p:spPr/>
+        <p:txBody>
+          <a:bodyPr/>
+          <a:lstStyle/>
+          <a:p>
+            <a:r>
+              <a:rPr lang="en-GB" dirty="0" err="1" smtClean="0"/>
+              <a:t>BasicProblem</a:t>
+            </a:r>
+            <a:endParaRPr lang="en-GB" dirty="0"/>
+          </a:p>
+        </p:txBody>
+      </p:sp>
+      <p:sp>
+        <p:nvSpPr>
+          <p:cNvPr id="3" name="Inhaltsplatzhalter 2"/>
+          <p:cNvSpPr>
+            <a:spLocks noGrp="1"/>
+          </p:cNvSpPr>
+          <p:nvPr>
+            <p:ph idx="1"/>
+          </p:nvPr>
+        </p:nvSpPr>
+        <p:spPr/>
+        <p:txBody>
+          <a:bodyPr>
+            <a:normAutofit lnSpcReduction="10000"/>
+          </a:bodyPr>
+          <a:lstStyle/>
+          <a:p>
+            <a:r>
+              <a:rPr lang="en-GB" dirty="0" smtClean="0"/>
+              <a:t>Similar concept as </a:t>
+            </a:r>
+            <a:r>
+              <a:rPr lang="en-GB" dirty="0" err="1" smtClean="0"/>
+              <a:t>BasicAlgorithm</a:t>
+            </a:r>
+            <a:endParaRPr lang="en-GB" dirty="0" smtClean="0"/>
+          </a:p>
+          <a:p>
+            <a:r>
+              <a:rPr lang="en-GB" dirty="0" smtClean="0"/>
+              <a:t>Makes implementing new problems easier</a:t>
+            </a:r>
+          </a:p>
+          <a:p>
+            <a:r>
+              <a:rPr lang="en-GB" dirty="0" smtClean="0"/>
+              <a:t>No </a:t>
+            </a:r>
+            <a:r>
+              <a:rPr lang="en-GB" dirty="0" err="1" smtClean="0"/>
+              <a:t>wireing</a:t>
+            </a:r>
+            <a:r>
+              <a:rPr lang="en-GB" dirty="0" smtClean="0"/>
+              <a:t>/operators necessary</a:t>
+            </a:r>
+          </a:p>
+          <a:p>
+            <a:pPr marL="342900" lvl="1" indent="-342900">
+              <a:buFont typeface="Arial" pitchFamily="34" charset="0"/>
+              <a:buChar char="•"/>
+            </a:pPr>
+            <a:r>
+              <a:rPr lang="en-GB" sz="3200" dirty="0"/>
+              <a:t>Use automatic encoding </a:t>
+            </a:r>
+            <a:r>
+              <a:rPr lang="en-GB" sz="3200" dirty="0"/>
+              <a:t>configuration</a:t>
+            </a:r>
+          </a:p>
+          <a:p>
+            <a:pPr marL="342900" lvl="1" indent="-342900">
+              <a:buFont typeface="Arial" pitchFamily="34" charset="0"/>
+              <a:buChar char="•"/>
+            </a:pPr>
+            <a:r>
+              <a:rPr lang="en-GB" sz="3200" dirty="0"/>
+              <a:t>Don’t work with all algorithm </a:t>
+            </a:r>
+            <a:r>
+              <a:rPr lang="en-GB" sz="3200" dirty="0" smtClean="0"/>
+              <a:t>types, e.g. algorithms that use very specific operators</a:t>
+            </a:r>
+          </a:p>
+          <a:p>
+            <a:pPr marL="742950" lvl="2" indent="-342900"/>
+            <a:r>
+              <a:rPr lang="en-GB" dirty="0" smtClean="0"/>
+              <a:t>Simulated Annealing</a:t>
+            </a:r>
+          </a:p>
+          <a:p>
+            <a:pPr marL="742950" lvl="2" indent="-342900"/>
+            <a:r>
+              <a:rPr lang="en-GB" dirty="0" smtClean="0"/>
+              <a:t>Scatter Search</a:t>
+            </a:r>
+          </a:p>
+          <a:p>
+            <a:pPr marL="742950" lvl="2" indent="-342900"/>
+            <a:r>
+              <a:rPr lang="en-GB" dirty="0" smtClean="0"/>
+              <a:t>Particle Swarm Optimization</a:t>
+            </a:r>
+          </a:p>
+          <a:p>
+            <a:pPr marL="742950" lvl="2" indent="-342900"/>
+            <a:endParaRPr lang="en-GB" dirty="0"/>
+          </a:p>
+          <a:p>
+            <a:pPr marL="342900" lvl="1" indent="-342900">
+              <a:buFont typeface="Arial" pitchFamily="34" charset="0"/>
+              <a:buChar char="•"/>
+            </a:pPr>
+            <a:endParaRPr lang="en-GB" sz="3200" dirty="0"/>
+          </a:p>
+          <a:p>
+            <a:endParaRPr lang="en-GB" dirty="0"/>
+          </a:p>
+          <a:p>
+            <a:endParaRPr lang="en-GB" dirty="0"/>
+          </a:p>
+          <a:p>
+            <a:endParaRPr lang="en-GB" dirty="0"/>
+          </a:p>
+        </p:txBody>
+      </p:sp>
+      <p:sp>
+        <p:nvSpPr>
+          <p:cNvPr id="4" name="Datumsplatzhalter 3"/>
+          <p:cNvSpPr>
+            <a:spLocks noGrp="1"/>
+          </p:cNvSpPr>
+          <p:nvPr>
+            <p:ph type="dt" sz="half" idx="10"/>
+          </p:nvPr>
+        </p:nvSpPr>
+        <p:spPr/>
+        <p:txBody>
+          <a:bodyPr/>
+          <a:lstStyle/>
+          <a:p>
+            <a:r>
+              <a:rPr lang="de-DE" smtClean="0"/>
+              <a:t>Programming HeuristicLab</a:t>
+            </a:r>
+            <a:endParaRPr lang="de-DE" dirty="0"/>
+          </a:p>
+        </p:txBody>
+      </p:sp>
+      <p:sp>
+        <p:nvSpPr>
+          <p:cNvPr id="5" name="Fußzeilenplatzhalter 4"/>
+          <p:cNvSpPr>
+            <a:spLocks noGrp="1"/>
+          </p:cNvSpPr>
+          <p:nvPr>
+            <p:ph type="ftr" sz="quarter" idx="11"/>
+          </p:nvPr>
+        </p:nvSpPr>
+        <p:spPr/>
+        <p:txBody>
+          <a:bodyPr/>
+          <a:lstStyle/>
+          <a:p>
+            <a:r>
+              <a:rPr lang="de-DE" smtClean="0"/>
+              <a:t>http://dev.heuristiclab.com</a:t>
+            </a:r>
+            <a:endParaRPr lang="de-DE"/>
+          </a:p>
+        </p:txBody>
+      </p:sp>
+      <p:sp>
+        <p:nvSpPr>
+          <p:cNvPr id="6" name="Foliennummernplatzhalter 5"/>
+          <p:cNvSpPr>
+            <a:spLocks noGrp="1"/>
+          </p:cNvSpPr>
+          <p:nvPr>
+            <p:ph type="sldNum" sz="quarter" idx="12"/>
+          </p:nvPr>
+        </p:nvSpPr>
+        <p:spPr/>
+        <p:txBody>
+          <a:bodyPr/>
+          <a:lstStyle/>
+          <a:p>
+            <a:fld id="{6C6AE60A-B69C-4790-82F7-3882EDF23186}" type="slidenum">
+              <a:rPr lang="de-DE" smtClean="0"/>
+              <a:pPr/>
+              <a:t>32</a:t>
+            </a:fld>
+            <a:endParaRPr lang="de-DE"/>
+          </a:p>
+        </p:txBody>
+      </p:sp>
+    </p:spTree>
+    <p:extLst>
+      <p:ext uri="{BB962C8B-B14F-4D97-AF65-F5344CB8AC3E}">
+        <p14:creationId xmlns:p14="http://schemas.microsoft.com/office/powerpoint/2010/main" val="3011417785"/>
+      </p:ext>
+    </p:extLst>
+  </p:cSld>
+  <p:clrMapOvr>
+    <a:masterClrMapping/>
+  </p:clrMapOvr>
+</p:sld>
+</file>
+
+<file path=ppt/slides/slide33.xml><?xml version="1.0" encoding="utf-8"?>
+<p:sld xmlns:a="http://schemas.openxmlformats.org/drawingml/2006/main" xmlns:r="http://schemas.openxmlformats.org/officeDocument/2006/relationships" xmlns:p="http://schemas.openxmlformats.org/presentationml/2006/main">
+  <p:cSld>
+    <p:spTree>
+      <p:nvGrpSpPr>
+        <p:cNvPr id="1" name=""/>
+        <p:cNvGrpSpPr/>
+        <p:nvPr/>
+      </p:nvGrpSpPr>
+      <p:grpSpPr>
+        <a:xfrm>
+          <a:off x="0" y="0"/>
+          <a:ext cx="0" cy="0"/>
+          <a:chOff x="0" y="0"/>
+          <a:chExt cx="0" cy="0"/>
+        </a:xfrm>
+      </p:grpSpPr>
+      <p:sp>
+        <p:nvSpPr>
+          <p:cNvPr id="2" name="Titel 1"/>
+          <p:cNvSpPr>
+            <a:spLocks noGrp="1"/>
+          </p:cNvSpPr>
+          <p:nvPr>
+            <p:ph type="title"/>
+          </p:nvPr>
+        </p:nvSpPr>
+        <p:spPr/>
+        <p:txBody>
+          <a:bodyPr>
+            <a:normAutofit fontScale="90000"/>
+          </a:bodyPr>
+          <a:lstStyle/>
+          <a:p>
+            <a:r>
+              <a:rPr lang="en-US" dirty="0"/>
+              <a:t>Base classes/interfaces for </a:t>
+            </a:r>
+            <a:r>
+              <a:rPr lang="en-US" dirty="0" err="1" smtClean="0"/>
+              <a:t>BasicProblem</a:t>
+            </a:r>
+            <a:endParaRPr lang="en-GB" dirty="0"/>
+          </a:p>
+        </p:txBody>
+      </p:sp>
+      <p:sp>
+        <p:nvSpPr>
+          <p:cNvPr id="4" name="Datumsplatzhalter 3"/>
+          <p:cNvSpPr>
+            <a:spLocks noGrp="1"/>
+          </p:cNvSpPr>
+          <p:nvPr>
+            <p:ph type="dt" sz="half" idx="10"/>
+          </p:nvPr>
+        </p:nvSpPr>
+        <p:spPr/>
+        <p:txBody>
+          <a:bodyPr/>
+          <a:lstStyle/>
+          <a:p>
+            <a:r>
+              <a:rPr lang="de-DE" smtClean="0"/>
+              <a:t>Programming HeuristicLab</a:t>
+            </a:r>
+            <a:endParaRPr lang="de-DE" dirty="0"/>
+          </a:p>
+        </p:txBody>
+      </p:sp>
+      <p:sp>
+        <p:nvSpPr>
+          <p:cNvPr id="5" name="Fußzeilenplatzhalter 4"/>
+          <p:cNvSpPr>
+            <a:spLocks noGrp="1"/>
+          </p:cNvSpPr>
+          <p:nvPr>
+            <p:ph type="ftr" sz="quarter" idx="11"/>
+          </p:nvPr>
+        </p:nvSpPr>
+        <p:spPr/>
+        <p:txBody>
+          <a:bodyPr/>
+          <a:lstStyle/>
+          <a:p>
+            <a:r>
+              <a:rPr lang="de-DE" smtClean="0"/>
+              <a:t>http://dev.heuristiclab.com</a:t>
+            </a:r>
+            <a:endParaRPr lang="de-DE"/>
+          </a:p>
+        </p:txBody>
+      </p:sp>
+      <p:sp>
+        <p:nvSpPr>
+          <p:cNvPr id="6" name="Foliennummernplatzhalter 5"/>
+          <p:cNvSpPr>
+            <a:spLocks noGrp="1"/>
+          </p:cNvSpPr>
+          <p:nvPr>
+            <p:ph type="sldNum" sz="quarter" idx="12"/>
+          </p:nvPr>
+        </p:nvSpPr>
+        <p:spPr/>
+        <p:txBody>
+          <a:bodyPr/>
+          <a:lstStyle/>
+          <a:p>
+            <a:fld id="{6C6AE60A-B69C-4790-82F7-3882EDF23186}" type="slidenum">
+              <a:rPr lang="de-DE" smtClean="0"/>
+              <a:pPr/>
+              <a:t>33</a:t>
+            </a:fld>
+            <a:endParaRPr lang="de-DE"/>
+          </a:p>
+        </p:txBody>
+      </p:sp>
+      <p:pic>
+        <p:nvPicPr>
+          <p:cNvPr id="7" name="Grafik 6"/>
+          <p:cNvPicPr>
+            <a:picLocks noChangeAspect="1"/>
+          </p:cNvPicPr>
+          <p:nvPr/>
+        </p:nvPicPr>
+        <p:blipFill>
+          <a:blip r:embed="rId2"/>
+          <a:stretch>
+            <a:fillRect/>
+          </a:stretch>
+        </p:blipFill>
+        <p:spPr>
+          <a:xfrm>
+            <a:off x="1559748" y="1628800"/>
+            <a:ext cx="6024505" cy="4433893"/>
+          </a:xfrm>
+          <a:prstGeom prst="rect">
+            <a:avLst/>
+          </a:prstGeom>
+        </p:spPr>
+      </p:pic>
+    </p:spTree>
+    <p:extLst>
+      <p:ext uri="{BB962C8B-B14F-4D97-AF65-F5344CB8AC3E}">
+        <p14:creationId xmlns:p14="http://schemas.microsoft.com/office/powerpoint/2010/main" val="3141954467"/>
+      </p:ext>
+    </p:extLst>
+  </p:cSld>
+  <p:clrMapOvr>
+    <a:masterClrMapping/>
+  </p:clrMapOvr>
+</p:sld>
+</file>
+
+<file path=ppt/slides/slide34.xml><?xml version="1.0" encoding="utf-8"?>
+<p:sld xmlns:a="http://schemas.openxmlformats.org/drawingml/2006/main" xmlns:r="http://schemas.openxmlformats.org/officeDocument/2006/relationships" xmlns:p="http://schemas.openxmlformats.org/presentationml/2006/main">
+  <p:cSld>
+    <p:spTree>
+      <p:nvGrpSpPr>
+        <p:cNvPr id="1" name=""/>
+        <p:cNvGrpSpPr/>
+        <p:nvPr/>
+      </p:nvGrpSpPr>
+      <p:grpSpPr>
+        <a:xfrm>
+          <a:off x="0" y="0"/>
+          <a:ext cx="0" cy="0"/>
+          <a:chOff x="0" y="0"/>
+          <a:chExt cx="0" cy="0"/>
+        </a:xfrm>
+      </p:grpSpPr>
+      <p:sp>
+        <p:nvSpPr>
+          <p:cNvPr id="2" name="Titel 1"/>
+          <p:cNvSpPr>
+            <a:spLocks noGrp="1"/>
+          </p:cNvSpPr>
+          <p:nvPr>
+            <p:ph type="title"/>
+          </p:nvPr>
+        </p:nvSpPr>
+        <p:spPr/>
+        <p:txBody>
+          <a:bodyPr/>
+          <a:lstStyle/>
+          <a:p>
+            <a:r>
+              <a:rPr lang="en-GB" dirty="0" err="1" smtClean="0"/>
+              <a:t>BasicProblem</a:t>
+            </a:r>
+            <a:r>
+              <a:rPr lang="en-GB" dirty="0" smtClean="0"/>
+              <a:t> - Interface</a:t>
+            </a:r>
+            <a:endParaRPr lang="en-GB" dirty="0"/>
+          </a:p>
+        </p:txBody>
+      </p:sp>
+      <p:sp>
+        <p:nvSpPr>
+          <p:cNvPr id="3" name="Inhaltsplatzhalter 2"/>
+          <p:cNvSpPr>
+            <a:spLocks noGrp="1"/>
+          </p:cNvSpPr>
+          <p:nvPr>
+            <p:ph idx="1"/>
+          </p:nvPr>
+        </p:nvSpPr>
+        <p:spPr/>
+        <p:txBody>
+          <a:bodyPr>
+            <a:normAutofit/>
+          </a:bodyPr>
+          <a:lstStyle/>
+          <a:p>
+            <a:r>
+              <a:rPr lang="en-GB" dirty="0" smtClean="0"/>
+              <a:t>Define Encoding</a:t>
+            </a:r>
+          </a:p>
+          <a:p>
+            <a:endParaRPr lang="en-GB" dirty="0"/>
+          </a:p>
+          <a:p>
+            <a:r>
+              <a:rPr lang="en-GB" dirty="0" smtClean="0"/>
+              <a:t>Define maximization or minimization</a:t>
+            </a:r>
+          </a:p>
+          <a:p>
+            <a:endParaRPr lang="en-GB" dirty="0"/>
+          </a:p>
+          <a:p>
+            <a:r>
+              <a:rPr lang="en-GB" dirty="0" smtClean="0"/>
+              <a:t>Evaluate a solution and return quality</a:t>
+            </a:r>
+          </a:p>
+          <a:p>
+            <a:endParaRPr lang="en-GB" dirty="0"/>
+          </a:p>
+        </p:txBody>
+      </p:sp>
+      <p:sp>
+        <p:nvSpPr>
+          <p:cNvPr id="4" name="Datumsplatzhalter 3"/>
+          <p:cNvSpPr>
+            <a:spLocks noGrp="1"/>
+          </p:cNvSpPr>
+          <p:nvPr>
+            <p:ph type="dt" sz="half" idx="10"/>
+          </p:nvPr>
+        </p:nvSpPr>
+        <p:spPr/>
+        <p:txBody>
+          <a:bodyPr/>
+          <a:lstStyle/>
+          <a:p>
+            <a:r>
+              <a:rPr lang="de-DE" smtClean="0"/>
+              <a:t>Programming HeuristicLab</a:t>
+            </a:r>
+            <a:endParaRPr lang="de-DE" dirty="0"/>
+          </a:p>
+        </p:txBody>
+      </p:sp>
+      <p:sp>
+        <p:nvSpPr>
+          <p:cNvPr id="5" name="Fußzeilenplatzhalter 4"/>
+          <p:cNvSpPr>
+            <a:spLocks noGrp="1"/>
+          </p:cNvSpPr>
+          <p:nvPr>
+            <p:ph type="ftr" sz="quarter" idx="11"/>
+          </p:nvPr>
+        </p:nvSpPr>
+        <p:spPr/>
+        <p:txBody>
+          <a:bodyPr/>
+          <a:lstStyle/>
+          <a:p>
+            <a:r>
+              <a:rPr lang="de-DE" smtClean="0"/>
+              <a:t>http://dev.heuristiclab.com</a:t>
+            </a:r>
+            <a:endParaRPr lang="de-DE"/>
+          </a:p>
+        </p:txBody>
+      </p:sp>
+      <p:sp>
+        <p:nvSpPr>
+          <p:cNvPr id="6" name="Foliennummernplatzhalter 5"/>
+          <p:cNvSpPr>
+            <a:spLocks noGrp="1"/>
+          </p:cNvSpPr>
+          <p:nvPr>
+            <p:ph type="sldNum" sz="quarter" idx="12"/>
+          </p:nvPr>
+        </p:nvSpPr>
+        <p:spPr/>
+        <p:txBody>
+          <a:bodyPr/>
+          <a:lstStyle/>
+          <a:p>
+            <a:fld id="{6C6AE60A-B69C-4790-82F7-3882EDF23186}" type="slidenum">
+              <a:rPr lang="de-DE" smtClean="0"/>
+              <a:pPr/>
+              <a:t>34</a:t>
+            </a:fld>
+            <a:endParaRPr lang="de-DE"/>
+          </a:p>
+        </p:txBody>
+      </p:sp>
+      <p:sp>
+        <p:nvSpPr>
+          <p:cNvPr id="7" name="Rectangle 1"/>
+          <p:cNvSpPr>
+            <a:spLocks noChangeArrowheads="1"/>
+          </p:cNvSpPr>
+          <p:nvPr/>
+        </p:nvSpPr>
+        <p:spPr bwMode="auto">
+          <a:xfrm>
+            <a:off x="827584" y="3395311"/>
+            <a:ext cx="2590800" cy="276999"/>
+          </a:xfrm>
+          <a:prstGeom prst="rect">
+            <a:avLst/>
+          </a:prstGeom>
+          <a:solidFill>
+            <a:srgbClr val="FFFFFF"/>
+          </a:solidFill>
+          <a:ln>
+            <a:noFill/>
+          </a:ln>
+          <a:effectLst/>
+          <a:extLst>
+            <a:ext uri="{91240B29-F687-4F45-9708-019B960494DF}">
+              <a14:hiddenLine xmlns:a14="http://schemas.microsoft.com/office/drawing/2010/main" w="9525">
+                <a:solidFill>
+                  <a:schemeClr val="tx1"/>
+                </a:solidFill>
+                <a:miter lim="800000"/>
+                <a:headEnd/>
+                <a:tailEnd/>
+              </a14:hiddenLine>
+            </a:ext>
+            <a:ext uri="{AF507438-7753-43E0-B8FC-AC1667EBCBE1}">
+              <a14:hiddenEffects xmlns:a14="http://schemas.microsoft.com/office/drawing/2010/main">
+                <a:effectLst>
+                  <a:outerShdw dist="35921" dir="2700000" algn="ctr" rotWithShape="0">
+                    <a:schemeClr val="bg2"/>
+                  </a:outerShdw>
+                </a:effectLst>
+              </a14:hiddenEffects>
+            </a:ext>
+          </a:extLst>
+        </p:spPr>
+        <p:txBody>
+          <a:bodyPr vert="horz" wrap="square" lIns="91440" tIns="45720" rIns="91440" bIns="45720" numCol="1" anchor="ctr" anchorCtr="0" compatLnSpc="1">
+            <a:prstTxWarp prst="textNoShape">
+              <a:avLst/>
+            </a:prstTxWarp>
+            <a:spAutoFit/>
+          </a:bodyPr>
+          <a:lstStyle/>
+          <a:p>
+            <a:pPr marL="0" marR="0" lvl="0" indent="0" algn="l" defTabSz="914400" rtl="0" eaLnBrk="0" fontAlgn="base" latinLnBrk="0" hangingPunct="0">
+              <a:lnSpc>
+                <a:spcPct val="100000"/>
+              </a:lnSpc>
+              <a:spcBef>
+                <a:spcPct val="0"/>
+              </a:spcBef>
+              <a:spcAft>
+                <a:spcPct val="0"/>
+              </a:spcAft>
+              <a:buClrTx/>
+              <a:buSzTx/>
+              <a:buFontTx/>
+              <a:buNone/>
+              <a:tabLst/>
+            </a:pPr>
+            <a:r>
+              <a:rPr kumimoji="0" lang="de-DE" altLang="de-DE" sz="1200" b="0" i="0" u="none" strike="noStrike" cap="none" normalizeH="0" baseline="0" dirty="0" err="1" smtClean="0">
+                <a:ln>
+                  <a:noFill/>
+                </a:ln>
+                <a:solidFill>
+                  <a:srgbClr val="0000FF"/>
+                </a:solidFill>
+                <a:effectLst/>
+                <a:latin typeface="Consolas" panose="020B0609020204030204" pitchFamily="49" charset="0"/>
+                <a:cs typeface="Consolas" panose="020B0609020204030204" pitchFamily="49" charset="0"/>
+              </a:rPr>
+              <a:t>bool</a:t>
+            </a:r>
+            <a:r>
+              <a:rPr kumimoji="0" lang="de-DE" altLang="de-DE" sz="1200" b="0" i="0" u="none" strike="noStrike" cap="none" normalizeH="0" baseline="0" dirty="0" smtClean="0">
+                <a:ln>
+                  <a:noFill/>
+                </a:ln>
+                <a:solidFill>
+                  <a:srgbClr val="000000"/>
+                </a:solidFill>
+                <a:effectLst/>
+                <a:latin typeface="Consolas" panose="020B0609020204030204" pitchFamily="49" charset="0"/>
+                <a:cs typeface="Consolas" panose="020B0609020204030204" pitchFamily="49" charset="0"/>
+              </a:rPr>
+              <a:t> </a:t>
+            </a:r>
+            <a:r>
+              <a:rPr kumimoji="0" lang="de-DE" altLang="de-DE" sz="1200" b="0" i="0" u="none" strike="noStrike" cap="none" normalizeH="0" baseline="0" dirty="0" err="1" smtClean="0">
+                <a:ln>
+                  <a:noFill/>
+                </a:ln>
+                <a:solidFill>
+                  <a:srgbClr val="000000"/>
+                </a:solidFill>
+                <a:effectLst/>
+                <a:latin typeface="Consolas" panose="020B0609020204030204" pitchFamily="49" charset="0"/>
+                <a:cs typeface="Consolas" panose="020B0609020204030204" pitchFamily="49" charset="0"/>
+              </a:rPr>
+              <a:t>Maximization</a:t>
+            </a:r>
+            <a:r>
+              <a:rPr kumimoji="0" lang="de-DE" altLang="de-DE" sz="1200" b="0" i="0" u="none" strike="noStrike" cap="none" normalizeH="0" baseline="0" dirty="0" smtClean="0">
+                <a:ln>
+                  <a:noFill/>
+                </a:ln>
+                <a:solidFill>
+                  <a:srgbClr val="000000"/>
+                </a:solidFill>
+                <a:effectLst/>
+                <a:latin typeface="Consolas" panose="020B0609020204030204" pitchFamily="49" charset="0"/>
+                <a:cs typeface="Consolas" panose="020B0609020204030204" pitchFamily="49" charset="0"/>
+              </a:rPr>
+              <a:t> { </a:t>
+            </a:r>
+            <a:r>
+              <a:rPr kumimoji="0" lang="de-DE" altLang="de-DE" sz="1200" b="0" i="0" u="none" strike="noStrike" cap="none" normalizeH="0" baseline="0" dirty="0" err="1" smtClean="0">
+                <a:ln>
+                  <a:noFill/>
+                </a:ln>
+                <a:solidFill>
+                  <a:srgbClr val="0000FF"/>
+                </a:solidFill>
+                <a:effectLst/>
+                <a:latin typeface="Consolas" panose="020B0609020204030204" pitchFamily="49" charset="0"/>
+                <a:cs typeface="Consolas" panose="020B0609020204030204" pitchFamily="49" charset="0"/>
+              </a:rPr>
+              <a:t>get</a:t>
+            </a:r>
+            <a:r>
+              <a:rPr kumimoji="0" lang="de-DE" altLang="de-DE" sz="1200" b="0" i="0" u="none" strike="noStrike" cap="none" normalizeH="0" baseline="0" dirty="0" smtClean="0">
+                <a:ln>
+                  <a:noFill/>
+                </a:ln>
+                <a:solidFill>
+                  <a:srgbClr val="000000"/>
+                </a:solidFill>
+                <a:effectLst/>
+                <a:latin typeface="Consolas" panose="020B0609020204030204" pitchFamily="49" charset="0"/>
+                <a:cs typeface="Consolas" panose="020B0609020204030204" pitchFamily="49" charset="0"/>
+              </a:rPr>
+              <a:t>; } </a:t>
+            </a:r>
+            <a:endParaRPr kumimoji="0" lang="de-DE" altLang="de-DE" sz="3200" b="0" i="0" u="none" strike="noStrike" cap="none" normalizeH="0" baseline="0" dirty="0" smtClean="0">
+              <a:ln>
+                <a:noFill/>
+              </a:ln>
+              <a:solidFill>
+                <a:schemeClr val="tx1"/>
+              </a:solidFill>
+              <a:effectLst/>
+              <a:latin typeface="Arial" panose="020B0604020202020204" pitchFamily="34" charset="0"/>
+            </a:endParaRPr>
+          </a:p>
+        </p:txBody>
+      </p:sp>
+      <p:sp>
+        <p:nvSpPr>
+          <p:cNvPr id="8" name="Rectangle 2"/>
+          <p:cNvSpPr>
+            <a:spLocks noChangeArrowheads="1"/>
+          </p:cNvSpPr>
+          <p:nvPr/>
+        </p:nvSpPr>
+        <p:spPr bwMode="auto">
+          <a:xfrm>
+            <a:off x="827584" y="4622237"/>
+            <a:ext cx="5904656" cy="276999"/>
+          </a:xfrm>
+          <a:prstGeom prst="rect">
+            <a:avLst/>
+          </a:prstGeom>
+          <a:solidFill>
+            <a:srgbClr val="FFFFFF"/>
+          </a:solidFill>
+          <a:ln>
+            <a:noFill/>
+          </a:ln>
+          <a:effectLst/>
+          <a:extLst>
+            <a:ext uri="{91240B29-F687-4F45-9708-019B960494DF}">
+              <a14:hiddenLine xmlns:a14="http://schemas.microsoft.com/office/drawing/2010/main" w="9525">
+                <a:solidFill>
+                  <a:schemeClr val="tx1"/>
+                </a:solidFill>
+                <a:miter lim="800000"/>
+                <a:headEnd/>
+                <a:tailEnd/>
+              </a14:hiddenLine>
+            </a:ext>
+            <a:ext uri="{AF507438-7753-43E0-B8FC-AC1667EBCBE1}">
+              <a14:hiddenEffects xmlns:a14="http://schemas.microsoft.com/office/drawing/2010/main">
+                <a:effectLst>
+                  <a:outerShdw dist="35921" dir="2700000" algn="ctr" rotWithShape="0">
+                    <a:schemeClr val="bg2"/>
+                  </a:outerShdw>
+                </a:effectLst>
+              </a14:hiddenEffects>
+            </a:ext>
+          </a:extLst>
+        </p:spPr>
+        <p:txBody>
+          <a:bodyPr vert="horz" wrap="square" lIns="91440" tIns="45720" rIns="91440" bIns="45720" numCol="1" anchor="ctr" anchorCtr="0" compatLnSpc="1">
+            <a:prstTxWarp prst="textNoShape">
+              <a:avLst/>
+            </a:prstTxWarp>
+            <a:spAutoFit/>
+          </a:bodyPr>
+          <a:lstStyle/>
+          <a:p>
+            <a:pPr marL="0" marR="0" lvl="0" indent="0" algn="l" defTabSz="914400" rtl="0" eaLnBrk="0" fontAlgn="base" latinLnBrk="0" hangingPunct="0">
+              <a:lnSpc>
+                <a:spcPct val="100000"/>
+              </a:lnSpc>
+              <a:spcBef>
+                <a:spcPct val="0"/>
+              </a:spcBef>
+              <a:spcAft>
+                <a:spcPct val="0"/>
+              </a:spcAft>
+              <a:buClrTx/>
+              <a:buSzTx/>
+              <a:buFontTx/>
+              <a:buNone/>
+              <a:tabLst/>
+            </a:pPr>
+            <a:r>
+              <a:rPr kumimoji="0" lang="de-DE" altLang="de-DE" sz="1200" b="0" i="0" u="none" strike="noStrike" cap="none" normalizeH="0" baseline="0" dirty="0" smtClean="0">
+                <a:ln>
+                  <a:noFill/>
+                </a:ln>
+                <a:solidFill>
+                  <a:srgbClr val="0000FF"/>
+                </a:solidFill>
+                <a:effectLst/>
+                <a:latin typeface="Consolas" panose="020B0609020204030204" pitchFamily="49" charset="0"/>
+                <a:cs typeface="Consolas" panose="020B0609020204030204" pitchFamily="49" charset="0"/>
+              </a:rPr>
+              <a:t>double</a:t>
+            </a:r>
+            <a:r>
+              <a:rPr kumimoji="0" lang="de-DE" altLang="de-DE" sz="1200" b="0" i="0" u="none" strike="noStrike" cap="none" normalizeH="0" baseline="0" dirty="0" smtClean="0">
+                <a:ln>
+                  <a:noFill/>
+                </a:ln>
+                <a:solidFill>
+                  <a:srgbClr val="000000"/>
+                </a:solidFill>
+                <a:effectLst/>
+                <a:latin typeface="Consolas" panose="020B0609020204030204" pitchFamily="49" charset="0"/>
+                <a:cs typeface="Consolas" panose="020B0609020204030204" pitchFamily="49" charset="0"/>
+              </a:rPr>
+              <a:t> </a:t>
+            </a:r>
+            <a:r>
+              <a:rPr kumimoji="0" lang="de-DE" altLang="de-DE" sz="1200" b="0" i="0" u="none" strike="noStrike" cap="none" normalizeH="0" baseline="0" dirty="0" err="1" smtClean="0">
+                <a:ln>
+                  <a:noFill/>
+                </a:ln>
+                <a:solidFill>
+                  <a:srgbClr val="000000"/>
+                </a:solidFill>
+                <a:effectLst/>
+                <a:latin typeface="Consolas" panose="020B0609020204030204" pitchFamily="49" charset="0"/>
+                <a:cs typeface="Consolas" panose="020B0609020204030204" pitchFamily="49" charset="0"/>
+              </a:rPr>
+              <a:t>Evaluate</a:t>
+            </a:r>
+            <a:r>
+              <a:rPr kumimoji="0" lang="de-DE" altLang="de-DE" sz="1200" b="0" i="0" u="none" strike="noStrike" cap="none" normalizeH="0" baseline="0" dirty="0" smtClean="0">
+                <a:ln>
+                  <a:noFill/>
+                </a:ln>
+                <a:solidFill>
+                  <a:srgbClr val="000000"/>
+                </a:solidFill>
+                <a:effectLst/>
+                <a:latin typeface="Consolas" panose="020B0609020204030204" pitchFamily="49" charset="0"/>
+                <a:cs typeface="Consolas" panose="020B0609020204030204" pitchFamily="49" charset="0"/>
+              </a:rPr>
+              <a:t>(</a:t>
+            </a:r>
+            <a:r>
+              <a:rPr kumimoji="0" lang="de-DE" altLang="de-DE" sz="1200" b="0" i="0" u="none" strike="noStrike" cap="none" normalizeH="0" baseline="0" dirty="0" smtClean="0">
+                <a:ln>
+                  <a:noFill/>
+                </a:ln>
+                <a:solidFill>
+                  <a:srgbClr val="2B91AF"/>
+                </a:solidFill>
+                <a:effectLst/>
+                <a:latin typeface="Consolas" panose="020B0609020204030204" pitchFamily="49" charset="0"/>
+                <a:cs typeface="Consolas" panose="020B0609020204030204" pitchFamily="49" charset="0"/>
+              </a:rPr>
+              <a:t>Individual</a:t>
+            </a:r>
+            <a:r>
+              <a:rPr kumimoji="0" lang="de-DE" altLang="de-DE" sz="1200" b="0" i="0" u="none" strike="noStrike" cap="none" normalizeH="0" baseline="0" dirty="0" smtClean="0">
+                <a:ln>
+                  <a:noFill/>
+                </a:ln>
+                <a:solidFill>
+                  <a:srgbClr val="000000"/>
+                </a:solidFill>
+                <a:effectLst/>
+                <a:latin typeface="Consolas" panose="020B0609020204030204" pitchFamily="49" charset="0"/>
+                <a:cs typeface="Consolas" panose="020B0609020204030204" pitchFamily="49" charset="0"/>
+              </a:rPr>
+              <a:t> </a:t>
+            </a:r>
+            <a:r>
+              <a:rPr kumimoji="0" lang="de-DE" altLang="de-DE" sz="1200" b="0" i="0" u="none" strike="noStrike" cap="none" normalizeH="0" baseline="0" dirty="0" err="1" smtClean="0">
+                <a:ln>
+                  <a:noFill/>
+                </a:ln>
+                <a:solidFill>
+                  <a:srgbClr val="000000"/>
+                </a:solidFill>
+                <a:effectLst/>
+                <a:latin typeface="Consolas" panose="020B0609020204030204" pitchFamily="49" charset="0"/>
+                <a:cs typeface="Consolas" panose="020B0609020204030204" pitchFamily="49" charset="0"/>
+              </a:rPr>
+              <a:t>individual</a:t>
+            </a:r>
+            <a:r>
+              <a:rPr kumimoji="0" lang="de-DE" altLang="de-DE" sz="1200" b="0" i="0" u="none" strike="noStrike" cap="none" normalizeH="0" baseline="0" dirty="0" smtClean="0">
+                <a:ln>
+                  <a:noFill/>
+                </a:ln>
+                <a:solidFill>
+                  <a:srgbClr val="000000"/>
+                </a:solidFill>
+                <a:effectLst/>
+                <a:latin typeface="Consolas" panose="020B0609020204030204" pitchFamily="49" charset="0"/>
+                <a:cs typeface="Consolas" panose="020B0609020204030204" pitchFamily="49" charset="0"/>
+              </a:rPr>
+              <a:t>, </a:t>
+            </a:r>
+            <a:r>
+              <a:rPr kumimoji="0" lang="de-DE" altLang="de-DE" sz="1200" b="0" i="0" u="none" strike="noStrike" cap="none" normalizeH="0" baseline="0" dirty="0" err="1" smtClean="0">
+                <a:ln>
+                  <a:noFill/>
+                </a:ln>
+                <a:solidFill>
+                  <a:srgbClr val="2B91AF"/>
+                </a:solidFill>
+                <a:effectLst/>
+                <a:latin typeface="Consolas" panose="020B0609020204030204" pitchFamily="49" charset="0"/>
+                <a:cs typeface="Consolas" panose="020B0609020204030204" pitchFamily="49" charset="0"/>
+              </a:rPr>
+              <a:t>IRandom</a:t>
+            </a:r>
+            <a:r>
+              <a:rPr kumimoji="0" lang="de-DE" altLang="de-DE" sz="1200" b="0" i="0" u="none" strike="noStrike" cap="none" normalizeH="0" baseline="0" dirty="0" smtClean="0">
+                <a:ln>
+                  <a:noFill/>
+                </a:ln>
+                <a:solidFill>
+                  <a:srgbClr val="000000"/>
+                </a:solidFill>
+                <a:effectLst/>
+                <a:latin typeface="Consolas" panose="020B0609020204030204" pitchFamily="49" charset="0"/>
+                <a:cs typeface="Consolas" panose="020B0609020204030204" pitchFamily="49" charset="0"/>
+              </a:rPr>
+              <a:t> </a:t>
+            </a:r>
+            <a:r>
+              <a:rPr kumimoji="0" lang="de-DE" altLang="de-DE" sz="1200" b="0" i="0" u="none" strike="noStrike" cap="none" normalizeH="0" baseline="0" dirty="0" err="1" smtClean="0">
+                <a:ln>
+                  <a:noFill/>
+                </a:ln>
+                <a:solidFill>
+                  <a:srgbClr val="000000"/>
+                </a:solidFill>
+                <a:effectLst/>
+                <a:latin typeface="Consolas" panose="020B0609020204030204" pitchFamily="49" charset="0"/>
+                <a:cs typeface="Consolas" panose="020B0609020204030204" pitchFamily="49" charset="0"/>
+              </a:rPr>
+              <a:t>random</a:t>
+            </a:r>
+            <a:r>
+              <a:rPr kumimoji="0" lang="de-DE" altLang="de-DE" sz="1200" b="0" i="0" u="none" strike="noStrike" cap="none" normalizeH="0" baseline="0" dirty="0" smtClean="0">
+                <a:ln>
+                  <a:noFill/>
+                </a:ln>
+                <a:solidFill>
+                  <a:srgbClr val="000000"/>
+                </a:solidFill>
+                <a:effectLst/>
+                <a:latin typeface="Consolas" panose="020B0609020204030204" pitchFamily="49" charset="0"/>
+                <a:cs typeface="Consolas" panose="020B0609020204030204" pitchFamily="49" charset="0"/>
+              </a:rPr>
+              <a:t>); </a:t>
+            </a:r>
+            <a:endParaRPr kumimoji="0" lang="de-DE" altLang="de-DE" sz="3200" b="0" i="0" u="none" strike="noStrike" cap="none" normalizeH="0" baseline="0" dirty="0" smtClean="0">
+              <a:ln>
+                <a:noFill/>
+              </a:ln>
+              <a:solidFill>
+                <a:schemeClr val="tx1"/>
+              </a:solidFill>
+              <a:effectLst/>
+              <a:latin typeface="Arial" panose="020B0604020202020204" pitchFamily="34" charset="0"/>
+            </a:endParaRPr>
+          </a:p>
+        </p:txBody>
+      </p:sp>
+      <p:sp>
+        <p:nvSpPr>
+          <p:cNvPr id="11" name="Rectangle 5"/>
+          <p:cNvSpPr>
+            <a:spLocks noChangeArrowheads="1"/>
+          </p:cNvSpPr>
+          <p:nvPr/>
+        </p:nvSpPr>
+        <p:spPr bwMode="auto">
+          <a:xfrm>
+            <a:off x="827584" y="2266071"/>
+            <a:ext cx="6876256" cy="276999"/>
+          </a:xfrm>
+          <a:prstGeom prst="rect">
+            <a:avLst/>
+          </a:prstGeom>
+          <a:solidFill>
+            <a:srgbClr val="FFFFFF"/>
+          </a:solidFill>
+          <a:ln>
+            <a:noFill/>
+          </a:ln>
+          <a:effectLst/>
+          <a:extLst>
+            <a:ext uri="{91240B29-F687-4F45-9708-019B960494DF}">
+              <a14:hiddenLine xmlns:a14="http://schemas.microsoft.com/office/drawing/2010/main" w="9525">
+                <a:solidFill>
+                  <a:schemeClr val="tx1"/>
+                </a:solidFill>
+                <a:miter lim="800000"/>
+                <a:headEnd/>
+                <a:tailEnd/>
+              </a14:hiddenLine>
+            </a:ext>
+            <a:ext uri="{AF507438-7753-43E0-B8FC-AC1667EBCBE1}">
+              <a14:hiddenEffects xmlns:a14="http://schemas.microsoft.com/office/drawing/2010/main">
+                <a:effectLst>
+                  <a:outerShdw dist="35921" dir="2700000" algn="ctr" rotWithShape="0">
+                    <a:schemeClr val="bg2"/>
+                  </a:outerShdw>
+                </a:effectLst>
+              </a14:hiddenEffects>
+            </a:ext>
+          </a:extLst>
+        </p:spPr>
+        <p:txBody>
+          <a:bodyPr vert="horz" wrap="square" lIns="91440" tIns="45720" rIns="91440" bIns="45720" numCol="1" anchor="ctr" anchorCtr="0" compatLnSpc="1">
+            <a:prstTxWarp prst="textNoShape">
+              <a:avLst/>
+            </a:prstTxWarp>
+            <a:spAutoFit/>
+          </a:bodyPr>
+          <a:lstStyle/>
+          <a:p>
+            <a:pPr marL="0" marR="0" lvl="0" indent="0" algn="l" defTabSz="914400" rtl="0" eaLnBrk="0" fontAlgn="base" latinLnBrk="0" hangingPunct="0">
+              <a:lnSpc>
+                <a:spcPct val="100000"/>
+              </a:lnSpc>
+              <a:spcBef>
+                <a:spcPct val="0"/>
+              </a:spcBef>
+              <a:spcAft>
+                <a:spcPct val="0"/>
+              </a:spcAft>
+              <a:buClrTx/>
+              <a:buSzTx/>
+              <a:buFontTx/>
+              <a:buNone/>
+              <a:tabLst/>
+            </a:pPr>
+            <a:r>
+              <a:rPr kumimoji="0" lang="de-DE" altLang="de-DE" sz="1200" b="0" i="0" u="none" strike="noStrike" cap="none" normalizeH="0" baseline="0" dirty="0" err="1" smtClean="0">
+                <a:ln>
+                  <a:noFill/>
+                </a:ln>
+                <a:solidFill>
+                  <a:srgbClr val="2B91AF"/>
+                </a:solidFill>
+                <a:effectLst/>
+                <a:latin typeface="Consolas" panose="020B0609020204030204" pitchFamily="49" charset="0"/>
+                <a:cs typeface="Consolas" panose="020B0609020204030204" pitchFamily="49" charset="0"/>
+              </a:rPr>
+              <a:t>MyNewProblem</a:t>
+            </a:r>
+            <a:r>
+              <a:rPr kumimoji="0" lang="de-DE" altLang="de-DE" sz="1200" b="0" i="0" u="none" strike="noStrike" cap="none" normalizeH="0" baseline="0" dirty="0" smtClean="0">
+                <a:ln>
+                  <a:noFill/>
+                </a:ln>
+                <a:solidFill>
+                  <a:srgbClr val="000000"/>
+                </a:solidFill>
+                <a:effectLst/>
+                <a:latin typeface="Consolas" panose="020B0609020204030204" pitchFamily="49" charset="0"/>
+                <a:cs typeface="Consolas" panose="020B0609020204030204" pitchFamily="49" charset="0"/>
+              </a:rPr>
+              <a:t> : </a:t>
+            </a:r>
+            <a:r>
+              <a:rPr kumimoji="0" lang="de-DE" altLang="de-DE" sz="1200" b="0" i="0" u="none" strike="noStrike" cap="none" normalizeH="0" baseline="0" dirty="0" err="1" smtClean="0">
+                <a:ln>
+                  <a:noFill/>
+                </a:ln>
+                <a:solidFill>
+                  <a:srgbClr val="2B91AF"/>
+                </a:solidFill>
+                <a:effectLst/>
+                <a:latin typeface="Consolas" panose="020B0609020204030204" pitchFamily="49" charset="0"/>
+                <a:cs typeface="Consolas" panose="020B0609020204030204" pitchFamily="49" charset="0"/>
+              </a:rPr>
+              <a:t>SingleObjectiveBasicProblem</a:t>
+            </a:r>
+            <a:r>
+              <a:rPr kumimoji="0" lang="de-DE" altLang="de-DE" sz="1200" b="0" i="0" u="none" strike="noStrike" cap="none" normalizeH="0" baseline="0" dirty="0" smtClean="0">
+                <a:ln>
+                  <a:noFill/>
+                </a:ln>
+                <a:solidFill>
+                  <a:srgbClr val="000000"/>
+                </a:solidFill>
+                <a:effectLst/>
+                <a:latin typeface="Consolas" panose="020B0609020204030204" pitchFamily="49" charset="0"/>
+                <a:cs typeface="Consolas" panose="020B0609020204030204" pitchFamily="49" charset="0"/>
+              </a:rPr>
+              <a:t>&lt;</a:t>
+            </a:r>
+            <a:r>
+              <a:rPr kumimoji="0" lang="de-DE" altLang="de-DE" sz="1200" b="0" i="0" u="none" strike="noStrike" cap="none" normalizeH="0" baseline="0" dirty="0" err="1" smtClean="0">
+                <a:ln>
+                  <a:noFill/>
+                </a:ln>
+                <a:solidFill>
+                  <a:srgbClr val="2B91AF"/>
+                </a:solidFill>
+                <a:effectLst/>
+                <a:latin typeface="Consolas" panose="020B0609020204030204" pitchFamily="49" charset="0"/>
+                <a:cs typeface="Consolas" panose="020B0609020204030204" pitchFamily="49" charset="0"/>
+              </a:rPr>
+              <a:t>BinaryVectorEncoding</a:t>
+            </a:r>
+            <a:r>
+              <a:rPr kumimoji="0" lang="de-DE" altLang="de-DE" sz="1200" b="0" i="0" u="none" strike="noStrike" cap="none" normalizeH="0" baseline="0" dirty="0" smtClean="0">
+                <a:ln>
+                  <a:noFill/>
+                </a:ln>
+                <a:solidFill>
+                  <a:srgbClr val="000000"/>
+                </a:solidFill>
+                <a:effectLst/>
+                <a:latin typeface="Consolas" panose="020B0609020204030204" pitchFamily="49" charset="0"/>
+                <a:cs typeface="Consolas" panose="020B0609020204030204" pitchFamily="49" charset="0"/>
+              </a:rPr>
+              <a:t>&gt;  </a:t>
+            </a:r>
+            <a:endParaRPr kumimoji="0" lang="de-DE" altLang="de-DE" sz="3200" b="0" i="0" u="none" strike="noStrike" cap="none" normalizeH="0" baseline="0" dirty="0" smtClean="0">
+              <a:ln>
+                <a:noFill/>
+              </a:ln>
+              <a:solidFill>
+                <a:schemeClr val="tx1"/>
+              </a:solidFill>
+              <a:effectLst/>
+              <a:latin typeface="Arial" panose="020B0604020202020204" pitchFamily="34" charset="0"/>
+            </a:endParaRPr>
+          </a:p>
+        </p:txBody>
+      </p:sp>
+    </p:spTree>
+    <p:extLst>
+      <p:ext uri="{BB962C8B-B14F-4D97-AF65-F5344CB8AC3E}">
+        <p14:creationId xmlns:p14="http://schemas.microsoft.com/office/powerpoint/2010/main" val="2815654368"/>
+      </p:ext>
+    </p:extLst>
+  </p:cSld>
+  <p:clrMapOvr>
+    <a:masterClrMapping/>
+  </p:clrMapOvr>
+</p:sld>
+</file>
+
+<file path=ppt/slides/slide35.xml><?xml version="1.0" encoding="utf-8"?>
+<p:sld xmlns:a="http://schemas.openxmlformats.org/drawingml/2006/main" xmlns:r="http://schemas.openxmlformats.org/officeDocument/2006/relationships" xmlns:p="http://schemas.openxmlformats.org/presentationml/2006/main">
+  <p:cSld>
+    <p:spTree>
+      <p:nvGrpSpPr>
+        <p:cNvPr id="1" name=""/>
+        <p:cNvGrpSpPr/>
+        <p:nvPr/>
+      </p:nvGrpSpPr>
+      <p:grpSpPr>
+        <a:xfrm>
+          <a:off x="0" y="0"/>
+          <a:ext cx="0" cy="0"/>
+          <a:chOff x="0" y="0"/>
+          <a:chExt cx="0" cy="0"/>
+        </a:xfrm>
+      </p:grpSpPr>
+      <p:sp>
+        <p:nvSpPr>
+          <p:cNvPr id="2" name="Titel 1"/>
+          <p:cNvSpPr>
+            <a:spLocks noGrp="1"/>
+          </p:cNvSpPr>
+          <p:nvPr>
+            <p:ph type="title"/>
+          </p:nvPr>
+        </p:nvSpPr>
+        <p:spPr/>
+        <p:txBody>
+          <a:bodyPr/>
+          <a:lstStyle/>
+          <a:p>
+            <a:r>
+              <a:rPr lang="en-GB" dirty="0" err="1"/>
+              <a:t>BasicProblem</a:t>
+            </a:r>
+            <a:r>
+              <a:rPr lang="en-GB" dirty="0"/>
+              <a:t> - Interface</a:t>
+            </a:r>
+          </a:p>
+        </p:txBody>
+      </p:sp>
+      <p:sp>
+        <p:nvSpPr>
+          <p:cNvPr id="3" name="Inhaltsplatzhalter 2"/>
+          <p:cNvSpPr>
+            <a:spLocks noGrp="1"/>
+          </p:cNvSpPr>
+          <p:nvPr>
+            <p:ph idx="1"/>
+          </p:nvPr>
+        </p:nvSpPr>
+        <p:spPr/>
+        <p:txBody>
+          <a:bodyPr/>
+          <a:lstStyle/>
+          <a:p>
+            <a:r>
+              <a:rPr lang="en-GB" dirty="0" smtClean="0"/>
+              <a:t>Until now only GA variants can use the problem</a:t>
+            </a:r>
+          </a:p>
+          <a:p>
+            <a:r>
+              <a:rPr lang="en-GB" dirty="0" smtClean="0"/>
+              <a:t>Implement neighbourhood function to also use trajectory-based metaheuristics</a:t>
+            </a:r>
+          </a:p>
+          <a:p>
+            <a:endParaRPr lang="en-GB" dirty="0" smtClean="0"/>
+          </a:p>
+          <a:p>
+            <a:r>
+              <a:rPr lang="en-GB" dirty="0" smtClean="0"/>
+              <a:t>Optional: </a:t>
+            </a:r>
+            <a:r>
+              <a:rPr lang="en-GB" dirty="0"/>
+              <a:t>Add analysis code for tracking results</a:t>
+            </a:r>
+          </a:p>
+          <a:p>
+            <a:endParaRPr lang="en-GB" dirty="0"/>
+          </a:p>
+        </p:txBody>
+      </p:sp>
+      <p:sp>
+        <p:nvSpPr>
+          <p:cNvPr id="4" name="Datumsplatzhalter 3"/>
+          <p:cNvSpPr>
+            <a:spLocks noGrp="1"/>
+          </p:cNvSpPr>
+          <p:nvPr>
+            <p:ph type="dt" sz="half" idx="10"/>
+          </p:nvPr>
+        </p:nvSpPr>
+        <p:spPr/>
+        <p:txBody>
+          <a:bodyPr/>
+          <a:lstStyle/>
+          <a:p>
+            <a:r>
+              <a:rPr lang="de-DE" smtClean="0"/>
+              <a:t>Programming HeuristicLab</a:t>
+            </a:r>
+            <a:endParaRPr lang="de-DE" dirty="0"/>
+          </a:p>
+        </p:txBody>
+      </p:sp>
+      <p:sp>
+        <p:nvSpPr>
+          <p:cNvPr id="5" name="Fußzeilenplatzhalter 4"/>
+          <p:cNvSpPr>
+            <a:spLocks noGrp="1"/>
+          </p:cNvSpPr>
+          <p:nvPr>
+            <p:ph type="ftr" sz="quarter" idx="11"/>
+          </p:nvPr>
+        </p:nvSpPr>
+        <p:spPr/>
+        <p:txBody>
+          <a:bodyPr/>
+          <a:lstStyle/>
+          <a:p>
+            <a:r>
+              <a:rPr lang="de-DE" smtClean="0"/>
+              <a:t>http://dev.heuristiclab.com</a:t>
+            </a:r>
+            <a:endParaRPr lang="de-DE"/>
+          </a:p>
+        </p:txBody>
+      </p:sp>
+      <p:sp>
+        <p:nvSpPr>
+          <p:cNvPr id="6" name="Foliennummernplatzhalter 5"/>
+          <p:cNvSpPr>
+            <a:spLocks noGrp="1"/>
+          </p:cNvSpPr>
+          <p:nvPr>
+            <p:ph type="sldNum" sz="quarter" idx="12"/>
+          </p:nvPr>
+        </p:nvSpPr>
+        <p:spPr/>
+        <p:txBody>
+          <a:bodyPr/>
+          <a:lstStyle/>
+          <a:p>
+            <a:fld id="{6C6AE60A-B69C-4790-82F7-3882EDF23186}" type="slidenum">
+              <a:rPr lang="de-DE" smtClean="0"/>
+              <a:pPr/>
+              <a:t>35</a:t>
+            </a:fld>
+            <a:endParaRPr lang="de-DE"/>
+          </a:p>
+        </p:txBody>
+      </p:sp>
+      <p:sp>
+        <p:nvSpPr>
+          <p:cNvPr id="7" name="Rectangle 3"/>
+          <p:cNvSpPr>
+            <a:spLocks noChangeArrowheads="1"/>
+          </p:cNvSpPr>
+          <p:nvPr/>
+        </p:nvSpPr>
+        <p:spPr bwMode="auto">
+          <a:xfrm>
+            <a:off x="718480" y="3796823"/>
+            <a:ext cx="7048546" cy="276999"/>
+          </a:xfrm>
+          <a:prstGeom prst="rect">
+            <a:avLst/>
+          </a:prstGeom>
+          <a:solidFill>
+            <a:srgbClr val="FFFFFF"/>
+          </a:solidFill>
+          <a:ln>
+            <a:noFill/>
+          </a:ln>
+          <a:effectLst/>
+          <a:extLst>
+            <a:ext uri="{91240B29-F687-4F45-9708-019B960494DF}">
+              <a14:hiddenLine xmlns:a14="http://schemas.microsoft.com/office/drawing/2010/main" w="9525">
+                <a:solidFill>
+                  <a:schemeClr val="tx1"/>
+                </a:solidFill>
+                <a:miter lim="800000"/>
+                <a:headEnd/>
+                <a:tailEnd/>
+              </a14:hiddenLine>
+            </a:ext>
+            <a:ext uri="{AF507438-7753-43E0-B8FC-AC1667EBCBE1}">
+              <a14:hiddenEffects xmlns:a14="http://schemas.microsoft.com/office/drawing/2010/main">
+                <a:effectLst>
+                  <a:outerShdw dist="35921" dir="2700000" algn="ctr" rotWithShape="0">
+                    <a:schemeClr val="bg2"/>
+                  </a:outerShdw>
+                </a:effectLst>
+              </a14:hiddenEffects>
+            </a:ext>
+          </a:extLst>
+        </p:spPr>
+        <p:txBody>
+          <a:bodyPr vert="horz" wrap="square" lIns="91440" tIns="45720" rIns="91440" bIns="45720" numCol="1" anchor="ctr" anchorCtr="0" compatLnSpc="1">
+            <a:prstTxWarp prst="textNoShape">
+              <a:avLst/>
+            </a:prstTxWarp>
+            <a:spAutoFit/>
+          </a:bodyPr>
+          <a:lstStyle/>
+          <a:p>
+            <a:pPr marL="0" marR="0" lvl="0" indent="0" algn="l" defTabSz="914400" rtl="0" eaLnBrk="0" fontAlgn="base" latinLnBrk="0" hangingPunct="0">
+              <a:lnSpc>
+                <a:spcPct val="100000"/>
+              </a:lnSpc>
+              <a:spcBef>
+                <a:spcPct val="0"/>
+              </a:spcBef>
+              <a:spcAft>
+                <a:spcPct val="0"/>
+              </a:spcAft>
+              <a:buClrTx/>
+              <a:buSzTx/>
+              <a:buFontTx/>
+              <a:buNone/>
+              <a:tabLst/>
+            </a:pPr>
+            <a:r>
+              <a:rPr kumimoji="0" lang="de-DE" altLang="de-DE" sz="1200" b="0" i="0" u="none" strike="noStrike" cap="none" normalizeH="0" baseline="0" dirty="0" err="1" smtClean="0">
+                <a:ln>
+                  <a:noFill/>
+                </a:ln>
+                <a:solidFill>
+                  <a:srgbClr val="2B91AF"/>
+                </a:solidFill>
+                <a:effectLst/>
+                <a:latin typeface="Consolas" panose="020B0609020204030204" pitchFamily="49" charset="0"/>
+                <a:cs typeface="Consolas" panose="020B0609020204030204" pitchFamily="49" charset="0"/>
+              </a:rPr>
+              <a:t>IEnumerable</a:t>
+            </a:r>
+            <a:r>
+              <a:rPr kumimoji="0" lang="de-DE" altLang="de-DE" sz="1200" b="0" i="0" u="none" strike="noStrike" cap="none" normalizeH="0" baseline="0" dirty="0" smtClean="0">
+                <a:ln>
+                  <a:noFill/>
+                </a:ln>
+                <a:solidFill>
+                  <a:srgbClr val="000000"/>
+                </a:solidFill>
+                <a:effectLst/>
+                <a:latin typeface="Consolas" panose="020B0609020204030204" pitchFamily="49" charset="0"/>
+                <a:cs typeface="Consolas" panose="020B0609020204030204" pitchFamily="49" charset="0"/>
+              </a:rPr>
+              <a:t>&lt;</a:t>
+            </a:r>
+            <a:r>
+              <a:rPr kumimoji="0" lang="de-DE" altLang="de-DE" sz="1200" b="0" i="0" u="none" strike="noStrike" cap="none" normalizeH="0" baseline="0" dirty="0" smtClean="0">
+                <a:ln>
+                  <a:noFill/>
+                </a:ln>
+                <a:solidFill>
+                  <a:srgbClr val="2B91AF"/>
+                </a:solidFill>
+                <a:effectLst/>
+                <a:latin typeface="Consolas" panose="020B0609020204030204" pitchFamily="49" charset="0"/>
+                <a:cs typeface="Consolas" panose="020B0609020204030204" pitchFamily="49" charset="0"/>
+              </a:rPr>
+              <a:t>Individual</a:t>
+            </a:r>
+            <a:r>
+              <a:rPr kumimoji="0" lang="de-DE" altLang="de-DE" sz="1200" b="0" i="0" u="none" strike="noStrike" cap="none" normalizeH="0" baseline="0" dirty="0" smtClean="0">
+                <a:ln>
+                  <a:noFill/>
+                </a:ln>
+                <a:solidFill>
+                  <a:srgbClr val="000000"/>
+                </a:solidFill>
+                <a:effectLst/>
+                <a:latin typeface="Consolas" panose="020B0609020204030204" pitchFamily="49" charset="0"/>
+                <a:cs typeface="Consolas" panose="020B0609020204030204" pitchFamily="49" charset="0"/>
+              </a:rPr>
+              <a:t>&gt; </a:t>
+            </a:r>
+            <a:r>
+              <a:rPr kumimoji="0" lang="de-DE" altLang="de-DE" sz="1200" b="0" i="0" u="none" strike="noStrike" cap="none" normalizeH="0" baseline="0" dirty="0" err="1" smtClean="0">
+                <a:ln>
+                  <a:noFill/>
+                </a:ln>
+                <a:solidFill>
+                  <a:srgbClr val="000000"/>
+                </a:solidFill>
+                <a:effectLst/>
+                <a:latin typeface="Consolas" panose="020B0609020204030204" pitchFamily="49" charset="0"/>
+                <a:cs typeface="Consolas" panose="020B0609020204030204" pitchFamily="49" charset="0"/>
+              </a:rPr>
+              <a:t>GetNeighbors</a:t>
+            </a:r>
+            <a:r>
+              <a:rPr kumimoji="0" lang="de-DE" altLang="de-DE" sz="1200" b="0" i="0" u="none" strike="noStrike" cap="none" normalizeH="0" baseline="0" dirty="0" smtClean="0">
+                <a:ln>
+                  <a:noFill/>
+                </a:ln>
+                <a:solidFill>
+                  <a:srgbClr val="000000"/>
+                </a:solidFill>
+                <a:effectLst/>
+                <a:latin typeface="Consolas" panose="020B0609020204030204" pitchFamily="49" charset="0"/>
+                <a:cs typeface="Consolas" panose="020B0609020204030204" pitchFamily="49" charset="0"/>
+              </a:rPr>
+              <a:t>(</a:t>
+            </a:r>
+            <a:r>
+              <a:rPr kumimoji="0" lang="de-DE" altLang="de-DE" sz="1200" b="0" i="0" u="none" strike="noStrike" cap="none" normalizeH="0" baseline="0" dirty="0" smtClean="0">
+                <a:ln>
+                  <a:noFill/>
+                </a:ln>
+                <a:solidFill>
+                  <a:srgbClr val="2B91AF"/>
+                </a:solidFill>
+                <a:effectLst/>
+                <a:latin typeface="Consolas" panose="020B0609020204030204" pitchFamily="49" charset="0"/>
+                <a:cs typeface="Consolas" panose="020B0609020204030204" pitchFamily="49" charset="0"/>
+              </a:rPr>
+              <a:t>Individual</a:t>
+            </a:r>
+            <a:r>
+              <a:rPr kumimoji="0" lang="de-DE" altLang="de-DE" sz="1200" b="0" i="0" u="none" strike="noStrike" cap="none" normalizeH="0" baseline="0" dirty="0" smtClean="0">
+                <a:ln>
+                  <a:noFill/>
+                </a:ln>
+                <a:solidFill>
+                  <a:srgbClr val="000000"/>
+                </a:solidFill>
+                <a:effectLst/>
+                <a:latin typeface="Consolas" panose="020B0609020204030204" pitchFamily="49" charset="0"/>
+                <a:cs typeface="Consolas" panose="020B0609020204030204" pitchFamily="49" charset="0"/>
+              </a:rPr>
+              <a:t> </a:t>
+            </a:r>
+            <a:r>
+              <a:rPr kumimoji="0" lang="de-DE" altLang="de-DE" sz="1200" b="0" i="0" u="none" strike="noStrike" cap="none" normalizeH="0" baseline="0" dirty="0" err="1" smtClean="0">
+                <a:ln>
+                  <a:noFill/>
+                </a:ln>
+                <a:solidFill>
+                  <a:srgbClr val="000000"/>
+                </a:solidFill>
+                <a:effectLst/>
+                <a:latin typeface="Consolas" panose="020B0609020204030204" pitchFamily="49" charset="0"/>
+                <a:cs typeface="Consolas" panose="020B0609020204030204" pitchFamily="49" charset="0"/>
+              </a:rPr>
+              <a:t>individual</a:t>
+            </a:r>
+            <a:r>
+              <a:rPr kumimoji="0" lang="de-DE" altLang="de-DE" sz="1200" b="0" i="0" u="none" strike="noStrike" cap="none" normalizeH="0" baseline="0" dirty="0" smtClean="0">
+                <a:ln>
+                  <a:noFill/>
+                </a:ln>
+                <a:solidFill>
+                  <a:srgbClr val="000000"/>
+                </a:solidFill>
+                <a:effectLst/>
+                <a:latin typeface="Consolas" panose="020B0609020204030204" pitchFamily="49" charset="0"/>
+                <a:cs typeface="Consolas" panose="020B0609020204030204" pitchFamily="49" charset="0"/>
+              </a:rPr>
+              <a:t>, </a:t>
+            </a:r>
+            <a:r>
+              <a:rPr kumimoji="0" lang="de-DE" altLang="de-DE" sz="1200" b="0" i="0" u="none" strike="noStrike" cap="none" normalizeH="0" baseline="0" dirty="0" err="1" smtClean="0">
+                <a:ln>
+                  <a:noFill/>
+                </a:ln>
+                <a:solidFill>
+                  <a:srgbClr val="2B91AF"/>
+                </a:solidFill>
+                <a:effectLst/>
+                <a:latin typeface="Consolas" panose="020B0609020204030204" pitchFamily="49" charset="0"/>
+                <a:cs typeface="Consolas" panose="020B0609020204030204" pitchFamily="49" charset="0"/>
+              </a:rPr>
+              <a:t>IRandom</a:t>
+            </a:r>
+            <a:r>
+              <a:rPr kumimoji="0" lang="de-DE" altLang="de-DE" sz="1200" b="0" i="0" u="none" strike="noStrike" cap="none" normalizeH="0" baseline="0" dirty="0" smtClean="0">
+                <a:ln>
+                  <a:noFill/>
+                </a:ln>
+                <a:solidFill>
+                  <a:srgbClr val="000000"/>
+                </a:solidFill>
+                <a:effectLst/>
+                <a:latin typeface="Consolas" panose="020B0609020204030204" pitchFamily="49" charset="0"/>
+                <a:cs typeface="Consolas" panose="020B0609020204030204" pitchFamily="49" charset="0"/>
+              </a:rPr>
+              <a:t> </a:t>
+            </a:r>
+            <a:r>
+              <a:rPr kumimoji="0" lang="de-DE" altLang="de-DE" sz="1200" b="0" i="0" u="none" strike="noStrike" cap="none" normalizeH="0" baseline="0" dirty="0" err="1" smtClean="0">
+                <a:ln>
+                  <a:noFill/>
+                </a:ln>
+                <a:solidFill>
+                  <a:srgbClr val="000000"/>
+                </a:solidFill>
+                <a:effectLst/>
+                <a:latin typeface="Consolas" panose="020B0609020204030204" pitchFamily="49" charset="0"/>
+                <a:cs typeface="Consolas" panose="020B0609020204030204" pitchFamily="49" charset="0"/>
+              </a:rPr>
+              <a:t>random</a:t>
+            </a:r>
+            <a:r>
+              <a:rPr kumimoji="0" lang="de-DE" altLang="de-DE" sz="1200" b="0" i="0" u="none" strike="noStrike" cap="none" normalizeH="0" baseline="0" dirty="0" smtClean="0">
+                <a:ln>
+                  <a:noFill/>
+                </a:ln>
+                <a:solidFill>
+                  <a:srgbClr val="000000"/>
+                </a:solidFill>
+                <a:effectLst/>
+                <a:latin typeface="Consolas" panose="020B0609020204030204" pitchFamily="49" charset="0"/>
+                <a:cs typeface="Consolas" panose="020B0609020204030204" pitchFamily="49" charset="0"/>
+              </a:rPr>
+              <a:t>); </a:t>
+            </a:r>
+            <a:endParaRPr kumimoji="0" lang="de-DE" altLang="de-DE" sz="3200" b="0" i="0" u="none" strike="noStrike" cap="none" normalizeH="0" baseline="0" dirty="0" smtClean="0">
+              <a:ln>
+                <a:noFill/>
+              </a:ln>
+              <a:solidFill>
+                <a:schemeClr val="tx1"/>
+              </a:solidFill>
+              <a:effectLst/>
+              <a:latin typeface="Arial" panose="020B0604020202020204" pitchFamily="34" charset="0"/>
+            </a:endParaRPr>
+          </a:p>
+        </p:txBody>
+      </p:sp>
+      <p:sp>
+        <p:nvSpPr>
+          <p:cNvPr id="8" name="Rectangle 4"/>
+          <p:cNvSpPr>
+            <a:spLocks noChangeArrowheads="1"/>
+          </p:cNvSpPr>
+          <p:nvPr/>
+        </p:nvSpPr>
+        <p:spPr bwMode="auto">
+          <a:xfrm>
+            <a:off x="718480" y="5445224"/>
+            <a:ext cx="7408586" cy="461665"/>
+          </a:xfrm>
+          <a:prstGeom prst="rect">
+            <a:avLst/>
+          </a:prstGeom>
+          <a:solidFill>
+            <a:srgbClr val="FFFFFF"/>
+          </a:solidFill>
+          <a:ln>
+            <a:noFill/>
+          </a:ln>
+          <a:effectLst/>
+          <a:extLst>
+            <a:ext uri="{91240B29-F687-4F45-9708-019B960494DF}">
+              <a14:hiddenLine xmlns:a14="http://schemas.microsoft.com/office/drawing/2010/main" w="9525">
+                <a:solidFill>
+                  <a:schemeClr val="tx1"/>
+                </a:solidFill>
+                <a:miter lim="800000"/>
+                <a:headEnd/>
+                <a:tailEnd/>
+              </a14:hiddenLine>
+            </a:ext>
+            <a:ext uri="{AF507438-7753-43E0-B8FC-AC1667EBCBE1}">
+              <a14:hiddenEffects xmlns:a14="http://schemas.microsoft.com/office/drawing/2010/main">
+                <a:effectLst>
+                  <a:outerShdw dist="35921" dir="2700000" algn="ctr" rotWithShape="0">
+                    <a:schemeClr val="bg2"/>
+                  </a:outerShdw>
+                </a:effectLst>
+              </a14:hiddenEffects>
+            </a:ext>
+          </a:extLst>
+        </p:spPr>
+        <p:txBody>
+          <a:bodyPr vert="horz" wrap="square" lIns="91440" tIns="45720" rIns="91440" bIns="45720" numCol="1" anchor="ctr" anchorCtr="0" compatLnSpc="1">
+            <a:prstTxWarp prst="textNoShape">
+              <a:avLst/>
+            </a:prstTxWarp>
+            <a:spAutoFit/>
+          </a:bodyPr>
+          <a:lstStyle/>
+          <a:p>
+            <a:pPr marL="0" marR="0" lvl="0" indent="0" algn="l" defTabSz="914400" rtl="0" eaLnBrk="0" fontAlgn="base" latinLnBrk="0" hangingPunct="0">
+              <a:lnSpc>
+                <a:spcPct val="100000"/>
+              </a:lnSpc>
+              <a:spcBef>
+                <a:spcPct val="0"/>
+              </a:spcBef>
+              <a:spcAft>
+                <a:spcPct val="0"/>
+              </a:spcAft>
+              <a:buClrTx/>
+              <a:buSzTx/>
+              <a:buFontTx/>
+              <a:buNone/>
+              <a:tabLst/>
+            </a:pPr>
+            <a:r>
+              <a:rPr kumimoji="0" lang="de-DE" altLang="de-DE" sz="1200" b="0" i="0" u="none" strike="noStrike" cap="none" normalizeH="0" baseline="0" dirty="0" err="1" smtClean="0">
+                <a:ln>
+                  <a:noFill/>
+                </a:ln>
+                <a:solidFill>
+                  <a:srgbClr val="0000FF"/>
+                </a:solidFill>
+                <a:effectLst/>
+                <a:latin typeface="Consolas" panose="020B0609020204030204" pitchFamily="49" charset="0"/>
+                <a:cs typeface="Consolas" panose="020B0609020204030204" pitchFamily="49" charset="0"/>
+              </a:rPr>
+              <a:t>void</a:t>
+            </a:r>
+            <a:r>
+              <a:rPr kumimoji="0" lang="de-DE" altLang="de-DE" sz="1200" b="0" i="0" u="none" strike="noStrike" cap="none" normalizeH="0" baseline="0" dirty="0" smtClean="0">
+                <a:ln>
+                  <a:noFill/>
+                </a:ln>
+                <a:solidFill>
+                  <a:srgbClr val="000000"/>
+                </a:solidFill>
+                <a:effectLst/>
+                <a:latin typeface="Consolas" panose="020B0609020204030204" pitchFamily="49" charset="0"/>
+                <a:cs typeface="Consolas" panose="020B0609020204030204" pitchFamily="49" charset="0"/>
+              </a:rPr>
+              <a:t> </a:t>
+            </a:r>
+            <a:r>
+              <a:rPr kumimoji="0" lang="de-DE" altLang="de-DE" sz="1200" b="0" i="0" u="none" strike="noStrike" cap="none" normalizeH="0" baseline="0" dirty="0" err="1" smtClean="0">
+                <a:ln>
+                  <a:noFill/>
+                </a:ln>
+                <a:solidFill>
+                  <a:srgbClr val="000000"/>
+                </a:solidFill>
+                <a:effectLst/>
+                <a:latin typeface="Consolas" panose="020B0609020204030204" pitchFamily="49" charset="0"/>
+                <a:cs typeface="Consolas" panose="020B0609020204030204" pitchFamily="49" charset="0"/>
+              </a:rPr>
+              <a:t>Analyze</a:t>
+            </a:r>
+            <a:r>
+              <a:rPr kumimoji="0" lang="de-DE" altLang="de-DE" sz="1200" b="0" i="0" u="none" strike="noStrike" cap="none" normalizeH="0" baseline="0" dirty="0" smtClean="0">
+                <a:ln>
+                  <a:noFill/>
+                </a:ln>
+                <a:solidFill>
+                  <a:srgbClr val="000000"/>
+                </a:solidFill>
+                <a:effectLst/>
+                <a:latin typeface="Consolas" panose="020B0609020204030204" pitchFamily="49" charset="0"/>
+                <a:cs typeface="Consolas" panose="020B0609020204030204" pitchFamily="49" charset="0"/>
+              </a:rPr>
+              <a:t>(</a:t>
+            </a:r>
+            <a:r>
+              <a:rPr kumimoji="0" lang="de-DE" altLang="de-DE" sz="1200" b="0" i="0" u="none" strike="noStrike" cap="none" normalizeH="0" baseline="0" dirty="0" smtClean="0">
+                <a:ln>
+                  <a:noFill/>
+                </a:ln>
+                <a:solidFill>
+                  <a:srgbClr val="2B91AF"/>
+                </a:solidFill>
+                <a:effectLst/>
+                <a:latin typeface="Consolas" panose="020B0609020204030204" pitchFamily="49" charset="0"/>
+                <a:cs typeface="Consolas" panose="020B0609020204030204" pitchFamily="49" charset="0"/>
+              </a:rPr>
+              <a:t>Individual</a:t>
+            </a:r>
+            <a:r>
+              <a:rPr kumimoji="0" lang="de-DE" altLang="de-DE" sz="1200" b="0" i="0" u="none" strike="noStrike" cap="none" normalizeH="0" baseline="0" dirty="0" smtClean="0">
+                <a:ln>
+                  <a:noFill/>
+                </a:ln>
+                <a:solidFill>
+                  <a:srgbClr val="000000"/>
+                </a:solidFill>
+                <a:effectLst/>
+                <a:latin typeface="Consolas" panose="020B0609020204030204" pitchFamily="49" charset="0"/>
+                <a:cs typeface="Consolas" panose="020B0609020204030204" pitchFamily="49" charset="0"/>
+              </a:rPr>
+              <a:t>[] </a:t>
+            </a:r>
+            <a:r>
+              <a:rPr kumimoji="0" lang="de-DE" altLang="de-DE" sz="1200" b="0" i="0" u="none" strike="noStrike" cap="none" normalizeH="0" baseline="0" dirty="0" err="1" smtClean="0">
+                <a:ln>
+                  <a:noFill/>
+                </a:ln>
+                <a:solidFill>
+                  <a:srgbClr val="000000"/>
+                </a:solidFill>
+                <a:effectLst/>
+                <a:latin typeface="Consolas" panose="020B0609020204030204" pitchFamily="49" charset="0"/>
+                <a:cs typeface="Consolas" panose="020B0609020204030204" pitchFamily="49" charset="0"/>
+              </a:rPr>
+              <a:t>individuals</a:t>
+            </a:r>
+            <a:r>
+              <a:rPr kumimoji="0" lang="de-DE" altLang="de-DE" sz="1200" b="0" i="0" u="none" strike="noStrike" cap="none" normalizeH="0" baseline="0" dirty="0" smtClean="0">
+                <a:ln>
+                  <a:noFill/>
+                </a:ln>
+                <a:solidFill>
+                  <a:srgbClr val="000000"/>
+                </a:solidFill>
+                <a:effectLst/>
+                <a:latin typeface="Consolas" panose="020B0609020204030204" pitchFamily="49" charset="0"/>
+                <a:cs typeface="Consolas" panose="020B0609020204030204" pitchFamily="49" charset="0"/>
+              </a:rPr>
+              <a:t>, </a:t>
+            </a:r>
+            <a:r>
+              <a:rPr kumimoji="0" lang="de-DE" altLang="de-DE" sz="1200" b="0" i="0" u="none" strike="noStrike" cap="none" normalizeH="0" baseline="0" dirty="0" smtClean="0">
+                <a:ln>
+                  <a:noFill/>
+                </a:ln>
+                <a:solidFill>
+                  <a:srgbClr val="0000FF"/>
+                </a:solidFill>
+                <a:effectLst/>
+                <a:latin typeface="Consolas" panose="020B0609020204030204" pitchFamily="49" charset="0"/>
+                <a:cs typeface="Consolas" panose="020B0609020204030204" pitchFamily="49" charset="0"/>
+              </a:rPr>
+              <a:t>double</a:t>
+            </a:r>
+            <a:r>
+              <a:rPr kumimoji="0" lang="de-DE" altLang="de-DE" sz="1200" b="0" i="0" u="none" strike="noStrike" cap="none" normalizeH="0" baseline="0" dirty="0" smtClean="0">
+                <a:ln>
+                  <a:noFill/>
+                </a:ln>
+                <a:solidFill>
+                  <a:srgbClr val="000000"/>
+                </a:solidFill>
+                <a:effectLst/>
+                <a:latin typeface="Consolas" panose="020B0609020204030204" pitchFamily="49" charset="0"/>
+                <a:cs typeface="Consolas" panose="020B0609020204030204" pitchFamily="49" charset="0"/>
+              </a:rPr>
+              <a:t>[] </a:t>
+            </a:r>
+            <a:r>
+              <a:rPr kumimoji="0" lang="de-DE" altLang="de-DE" sz="1200" b="0" i="0" u="none" strike="noStrike" cap="none" normalizeH="0" baseline="0" dirty="0" err="1" smtClean="0">
+                <a:ln>
+                  <a:noFill/>
+                </a:ln>
+                <a:solidFill>
+                  <a:srgbClr val="000000"/>
+                </a:solidFill>
+                <a:effectLst/>
+                <a:latin typeface="Consolas" panose="020B0609020204030204" pitchFamily="49" charset="0"/>
+                <a:cs typeface="Consolas" panose="020B0609020204030204" pitchFamily="49" charset="0"/>
+              </a:rPr>
+              <a:t>qualities</a:t>
+            </a:r>
+            <a:r>
+              <a:rPr kumimoji="0" lang="de-DE" altLang="de-DE" sz="1200" b="0" i="0" u="none" strike="noStrike" cap="none" normalizeH="0" baseline="0" dirty="0" smtClean="0">
+                <a:ln>
+                  <a:noFill/>
+                </a:ln>
+                <a:solidFill>
+                  <a:srgbClr val="000000"/>
+                </a:solidFill>
+                <a:effectLst/>
+                <a:latin typeface="Consolas" panose="020B0609020204030204" pitchFamily="49" charset="0"/>
+                <a:cs typeface="Consolas" panose="020B0609020204030204" pitchFamily="49" charset="0"/>
+              </a:rPr>
+              <a:t>, </a:t>
+            </a:r>
+            <a:r>
+              <a:rPr kumimoji="0" lang="de-DE" altLang="de-DE" sz="1200" b="0" i="0" u="none" strike="noStrike" cap="none" normalizeH="0" baseline="0" dirty="0" err="1" smtClean="0">
+                <a:ln>
+                  <a:noFill/>
+                </a:ln>
+                <a:solidFill>
+                  <a:srgbClr val="2B91AF"/>
+                </a:solidFill>
+                <a:effectLst/>
+                <a:latin typeface="Consolas" panose="020B0609020204030204" pitchFamily="49" charset="0"/>
+                <a:cs typeface="Consolas" panose="020B0609020204030204" pitchFamily="49" charset="0"/>
+              </a:rPr>
+              <a:t>ResultCollection</a:t>
+            </a:r>
+            <a:r>
+              <a:rPr kumimoji="0" lang="de-DE" altLang="de-DE" sz="1200" b="0" i="0" u="none" strike="noStrike" cap="none" normalizeH="0" baseline="0" dirty="0" smtClean="0">
+                <a:ln>
+                  <a:noFill/>
+                </a:ln>
+                <a:solidFill>
+                  <a:srgbClr val="000000"/>
+                </a:solidFill>
+                <a:effectLst/>
+                <a:latin typeface="Consolas" panose="020B0609020204030204" pitchFamily="49" charset="0"/>
+                <a:cs typeface="Consolas" panose="020B0609020204030204" pitchFamily="49" charset="0"/>
+              </a:rPr>
+              <a:t> </a:t>
+            </a:r>
+            <a:r>
+              <a:rPr kumimoji="0" lang="de-DE" altLang="de-DE" sz="1200" b="0" i="0" u="none" strike="noStrike" cap="none" normalizeH="0" baseline="0" dirty="0" err="1" smtClean="0">
+                <a:ln>
+                  <a:noFill/>
+                </a:ln>
+                <a:solidFill>
+                  <a:srgbClr val="000000"/>
+                </a:solidFill>
+                <a:effectLst/>
+                <a:latin typeface="Consolas" panose="020B0609020204030204" pitchFamily="49" charset="0"/>
+                <a:cs typeface="Consolas" panose="020B0609020204030204" pitchFamily="49" charset="0"/>
+              </a:rPr>
+              <a:t>results</a:t>
+            </a:r>
+            <a:r>
+              <a:rPr kumimoji="0" lang="de-DE" altLang="de-DE" sz="1200" b="0" i="0" u="none" strike="noStrike" cap="none" normalizeH="0" baseline="0" dirty="0" smtClean="0">
+                <a:ln>
+                  <a:noFill/>
+                </a:ln>
+                <a:solidFill>
+                  <a:srgbClr val="000000"/>
+                </a:solidFill>
+                <a:effectLst/>
+                <a:latin typeface="Consolas" panose="020B0609020204030204" pitchFamily="49" charset="0"/>
+                <a:cs typeface="Consolas" panose="020B0609020204030204" pitchFamily="49" charset="0"/>
+              </a:rPr>
+              <a:t>, </a:t>
+            </a:r>
+            <a:r>
+              <a:rPr kumimoji="0" lang="de-DE" altLang="de-DE" sz="1200" b="0" i="0" u="none" strike="noStrike" cap="none" normalizeH="0" baseline="0" dirty="0" err="1" smtClean="0">
+                <a:ln>
+                  <a:noFill/>
+                </a:ln>
+                <a:solidFill>
+                  <a:srgbClr val="2B91AF"/>
+                </a:solidFill>
+                <a:effectLst/>
+                <a:latin typeface="Consolas" panose="020B0609020204030204" pitchFamily="49" charset="0"/>
+                <a:cs typeface="Consolas" panose="020B0609020204030204" pitchFamily="49" charset="0"/>
+              </a:rPr>
+              <a:t>IRandom</a:t>
+            </a:r>
+            <a:r>
+              <a:rPr kumimoji="0" lang="de-DE" altLang="de-DE" sz="1200" b="0" i="0" u="none" strike="noStrike" cap="none" normalizeH="0" baseline="0" dirty="0" smtClean="0">
+                <a:ln>
+                  <a:noFill/>
+                </a:ln>
+                <a:solidFill>
+                  <a:srgbClr val="000000"/>
+                </a:solidFill>
+                <a:effectLst/>
+                <a:latin typeface="Consolas" panose="020B0609020204030204" pitchFamily="49" charset="0"/>
+                <a:cs typeface="Consolas" panose="020B0609020204030204" pitchFamily="49" charset="0"/>
+              </a:rPr>
+              <a:t> </a:t>
+            </a:r>
+            <a:r>
+              <a:rPr kumimoji="0" lang="de-DE" altLang="de-DE" sz="1200" b="0" i="0" u="none" strike="noStrike" cap="none" normalizeH="0" baseline="0" dirty="0" err="1" smtClean="0">
+                <a:ln>
+                  <a:noFill/>
+                </a:ln>
+                <a:solidFill>
+                  <a:srgbClr val="000000"/>
+                </a:solidFill>
+                <a:effectLst/>
+                <a:latin typeface="Consolas" panose="020B0609020204030204" pitchFamily="49" charset="0"/>
+                <a:cs typeface="Consolas" panose="020B0609020204030204" pitchFamily="49" charset="0"/>
+              </a:rPr>
+              <a:t>random</a:t>
+            </a:r>
+            <a:r>
+              <a:rPr kumimoji="0" lang="de-DE" altLang="de-DE" sz="1200" b="0" i="0" u="none" strike="noStrike" cap="none" normalizeH="0" baseline="0" dirty="0" smtClean="0">
+                <a:ln>
+                  <a:noFill/>
+                </a:ln>
+                <a:solidFill>
+                  <a:srgbClr val="000000"/>
+                </a:solidFill>
+                <a:effectLst/>
+                <a:latin typeface="Consolas" panose="020B0609020204030204" pitchFamily="49" charset="0"/>
+                <a:cs typeface="Consolas" panose="020B0609020204030204" pitchFamily="49" charset="0"/>
+              </a:rPr>
+              <a:t>); </a:t>
+            </a:r>
+            <a:endParaRPr kumimoji="0" lang="de-DE" altLang="de-DE" sz="3200" b="0" i="0" u="none" strike="noStrike" cap="none" normalizeH="0" baseline="0" dirty="0" smtClean="0">
+              <a:ln>
+                <a:noFill/>
+              </a:ln>
+              <a:solidFill>
+                <a:schemeClr val="tx1"/>
+              </a:solidFill>
+              <a:effectLst/>
+              <a:latin typeface="Arial" panose="020B0604020202020204" pitchFamily="34" charset="0"/>
+            </a:endParaRPr>
+          </a:p>
+        </p:txBody>
+      </p:sp>
+    </p:spTree>
+    <p:extLst>
+      <p:ext uri="{BB962C8B-B14F-4D97-AF65-F5344CB8AC3E}">
+        <p14:creationId xmlns:p14="http://schemas.microsoft.com/office/powerpoint/2010/main" val="3011968941"/>
+      </p:ext>
+    </p:extLst>
+  </p:cSld>
+  <p:clrMapOvr>
+    <a:masterClrMapping/>
+  </p:clrMapOvr>
+</p:sld>
+</file>
+
+<file path=ppt/slides/slide36.xml><?xml version="1.0" encoding="utf-8"?>
+<p:sld xmlns:a="http://schemas.openxmlformats.org/drawingml/2006/main" xmlns:r="http://schemas.openxmlformats.org/officeDocument/2006/relationships" xmlns:p="http://schemas.openxmlformats.org/presentationml/2006/main">
+  <p:cSld>
+    <p:spTree>
+      <p:nvGrpSpPr>
+        <p:cNvPr id="1" name=""/>
+        <p:cNvGrpSpPr/>
+        <p:nvPr/>
+      </p:nvGrpSpPr>
+      <p:grpSpPr>
+        <a:xfrm>
+          <a:off x="0" y="0"/>
+          <a:ext cx="0" cy="0"/>
+          <a:chOff x="0" y="0"/>
+          <a:chExt cx="0" cy="0"/>
+        </a:xfrm>
+      </p:grpSpPr>
+      <p:sp>
+        <p:nvSpPr>
+          <p:cNvPr id="2" name="Titel 1"/>
+          <p:cNvSpPr>
+            <a:spLocks noGrp="1"/>
+          </p:cNvSpPr>
+          <p:nvPr>
+            <p:ph type="title"/>
+          </p:nvPr>
+        </p:nvSpPr>
+        <p:spPr/>
+        <p:txBody>
+          <a:bodyPr>
+            <a:normAutofit fontScale="90000"/>
+          </a:bodyPr>
+          <a:lstStyle/>
+          <a:p>
+            <a:r>
+              <a:rPr lang="en-GB" dirty="0" err="1" smtClean="0"/>
+              <a:t>BasicProblem</a:t>
+            </a:r>
+            <a:r>
+              <a:rPr lang="en-GB" dirty="0" smtClean="0"/>
+              <a:t> – Example: </a:t>
+            </a:r>
+            <a:r>
+              <a:rPr lang="en-GB" dirty="0" err="1" smtClean="0"/>
+              <a:t>OneMax</a:t>
+            </a:r>
+            <a:endParaRPr lang="en-GB" dirty="0"/>
+          </a:p>
+        </p:txBody>
+      </p:sp>
+      <p:sp>
+        <p:nvSpPr>
+          <p:cNvPr id="4" name="Datumsplatzhalter 3"/>
+          <p:cNvSpPr>
+            <a:spLocks noGrp="1"/>
+          </p:cNvSpPr>
+          <p:nvPr>
+            <p:ph type="dt" sz="half" idx="10"/>
+          </p:nvPr>
+        </p:nvSpPr>
+        <p:spPr/>
+        <p:txBody>
+          <a:bodyPr/>
+          <a:lstStyle/>
+          <a:p>
+            <a:r>
+              <a:rPr lang="de-DE" smtClean="0"/>
+              <a:t>Programming HeuristicLab</a:t>
+            </a:r>
+            <a:endParaRPr lang="de-DE" dirty="0"/>
+          </a:p>
+        </p:txBody>
+      </p:sp>
+      <p:sp>
+        <p:nvSpPr>
+          <p:cNvPr id="5" name="Fußzeilenplatzhalter 4"/>
+          <p:cNvSpPr>
+            <a:spLocks noGrp="1"/>
+          </p:cNvSpPr>
+          <p:nvPr>
+            <p:ph type="ftr" sz="quarter" idx="11"/>
+          </p:nvPr>
+        </p:nvSpPr>
+        <p:spPr/>
+        <p:txBody>
+          <a:bodyPr/>
+          <a:lstStyle/>
+          <a:p>
+            <a:r>
+              <a:rPr lang="de-DE" smtClean="0"/>
+              <a:t>http://dev.heuristiclab.com</a:t>
+            </a:r>
+            <a:endParaRPr lang="de-DE"/>
+          </a:p>
+        </p:txBody>
+      </p:sp>
+      <p:sp>
+        <p:nvSpPr>
+          <p:cNvPr id="6" name="Foliennummernplatzhalter 5"/>
+          <p:cNvSpPr>
+            <a:spLocks noGrp="1"/>
+          </p:cNvSpPr>
+          <p:nvPr>
+            <p:ph type="sldNum" sz="quarter" idx="12"/>
+          </p:nvPr>
+        </p:nvSpPr>
+        <p:spPr/>
+        <p:txBody>
+          <a:bodyPr/>
+          <a:lstStyle/>
+          <a:p>
+            <a:fld id="{6C6AE60A-B69C-4790-82F7-3882EDF23186}" type="slidenum">
+              <a:rPr lang="de-DE" smtClean="0"/>
+              <a:pPr/>
+              <a:t>36</a:t>
+            </a:fld>
+            <a:endParaRPr lang="de-DE"/>
+          </a:p>
+        </p:txBody>
+      </p:sp>
+      <p:sp>
+        <p:nvSpPr>
+          <p:cNvPr id="7" name="Rechteck 6"/>
+          <p:cNvSpPr/>
+          <p:nvPr/>
+        </p:nvSpPr>
+        <p:spPr>
+          <a:xfrm>
+            <a:off x="431540" y="1595319"/>
+            <a:ext cx="8388932" cy="4247317"/>
+          </a:xfrm>
+          <a:prstGeom prst="rect">
+            <a:avLst/>
+          </a:prstGeom>
+        </p:spPr>
+        <p:txBody>
+          <a:bodyPr wrap="square">
+            <a:spAutoFit/>
+          </a:bodyPr>
+          <a:lstStyle/>
+          <a:p>
+            <a:r>
+              <a:rPr lang="de-DE" dirty="0" err="1">
+                <a:solidFill>
+                  <a:srgbClr val="FF0000"/>
+                </a:solidFill>
+              </a:rPr>
+              <a:t>class</a:t>
+            </a:r>
+            <a:r>
+              <a:rPr lang="de-DE" dirty="0"/>
+              <a:t> </a:t>
+            </a:r>
+            <a:r>
+              <a:rPr lang="de-DE" dirty="0" err="1"/>
+              <a:t>OneMaxProblem</a:t>
+            </a:r>
+            <a:r>
+              <a:rPr lang="de-DE" dirty="0"/>
+              <a:t> : </a:t>
+            </a:r>
+            <a:r>
+              <a:rPr lang="de-DE" dirty="0" err="1"/>
+              <a:t>SingleObjectiveBasicProblem</a:t>
+            </a:r>
+            <a:r>
+              <a:rPr lang="de-DE" dirty="0"/>
+              <a:t>&lt;</a:t>
+            </a:r>
+            <a:r>
+              <a:rPr lang="de-DE" dirty="0" err="1"/>
+              <a:t>BinaryVectorEncoding</a:t>
+            </a:r>
+            <a:r>
+              <a:rPr lang="de-DE" dirty="0"/>
+              <a:t>&gt; {</a:t>
+            </a:r>
+            <a:br>
+              <a:rPr lang="de-DE" dirty="0"/>
+            </a:br>
+            <a:r>
+              <a:rPr lang="de-DE" dirty="0"/>
+              <a:t>      </a:t>
+            </a:r>
+            <a:r>
+              <a:rPr lang="de-DE" b="1" dirty="0" err="1">
+                <a:solidFill>
+                  <a:srgbClr val="0000FF"/>
+                </a:solidFill>
+              </a:rPr>
+              <a:t>public</a:t>
+            </a:r>
+            <a:r>
+              <a:rPr lang="de-DE" dirty="0"/>
+              <a:t> </a:t>
+            </a:r>
+            <a:r>
+              <a:rPr lang="de-DE" b="1" dirty="0" err="1">
+                <a:solidFill>
+                  <a:srgbClr val="191970"/>
+                </a:solidFill>
+              </a:rPr>
+              <a:t>OneMaxProblem</a:t>
+            </a:r>
+            <a:r>
+              <a:rPr lang="de-DE" dirty="0"/>
+              <a:t>() { } </a:t>
+            </a:r>
+            <a:br>
+              <a:rPr lang="de-DE" dirty="0"/>
+            </a:br>
+            <a:r>
+              <a:rPr lang="de-DE" dirty="0"/>
+              <a:t>      [</a:t>
+            </a:r>
+            <a:r>
+              <a:rPr lang="de-DE" dirty="0" err="1"/>
+              <a:t>StorableConstructor</a:t>
+            </a:r>
+            <a:r>
+              <a:rPr lang="de-DE" dirty="0"/>
+              <a:t>]</a:t>
+            </a:r>
+            <a:br>
+              <a:rPr lang="de-DE" dirty="0"/>
+            </a:br>
+            <a:r>
+              <a:rPr lang="de-DE" dirty="0"/>
+              <a:t>      </a:t>
+            </a:r>
+            <a:r>
+              <a:rPr lang="de-DE" b="1" dirty="0" err="1">
+                <a:solidFill>
+                  <a:srgbClr val="0000FF"/>
+                </a:solidFill>
+              </a:rPr>
+              <a:t>protected</a:t>
+            </a:r>
+            <a:r>
+              <a:rPr lang="de-DE" dirty="0"/>
+              <a:t> </a:t>
+            </a:r>
+            <a:r>
+              <a:rPr lang="de-DE" b="1" dirty="0" err="1">
+                <a:solidFill>
+                  <a:srgbClr val="191970"/>
+                </a:solidFill>
+              </a:rPr>
+              <a:t>OneMaxProblem</a:t>
+            </a:r>
+            <a:r>
+              <a:rPr lang="de-DE" dirty="0"/>
+              <a:t>(</a:t>
+            </a:r>
+            <a:r>
+              <a:rPr lang="de-DE" b="1" dirty="0" err="1">
+                <a:solidFill>
+                  <a:srgbClr val="FF0000"/>
+                </a:solidFill>
+              </a:rPr>
+              <a:t>bool</a:t>
+            </a:r>
+            <a:r>
+              <a:rPr lang="de-DE" dirty="0"/>
+              <a:t> </a:t>
+            </a:r>
+            <a:r>
+              <a:rPr lang="de-DE" dirty="0" err="1"/>
+              <a:t>deserializing</a:t>
+            </a:r>
+            <a:r>
+              <a:rPr lang="de-DE" dirty="0"/>
+              <a:t>) : </a:t>
+            </a:r>
+            <a:r>
+              <a:rPr lang="de-DE" b="1" dirty="0" err="1"/>
+              <a:t>base</a:t>
+            </a:r>
+            <a:r>
+              <a:rPr lang="de-DE" dirty="0"/>
+              <a:t>(</a:t>
+            </a:r>
+            <a:r>
+              <a:rPr lang="de-DE" dirty="0" err="1"/>
+              <a:t>deserializing</a:t>
+            </a:r>
+            <a:r>
+              <a:rPr lang="de-DE" dirty="0"/>
+              <a:t>) { }</a:t>
+            </a:r>
+            <a:br>
+              <a:rPr lang="de-DE" dirty="0"/>
+            </a:br>
+            <a:r>
+              <a:rPr lang="de-DE" dirty="0"/>
+              <a:t>      </a:t>
+            </a:r>
+            <a:r>
+              <a:rPr lang="de-DE" b="1" dirty="0" err="1">
+                <a:solidFill>
+                  <a:srgbClr val="0000FF"/>
+                </a:solidFill>
+              </a:rPr>
+              <a:t>public</a:t>
+            </a:r>
+            <a:r>
+              <a:rPr lang="de-DE" dirty="0"/>
+              <a:t> </a:t>
+            </a:r>
+            <a:r>
+              <a:rPr lang="de-DE" b="1" dirty="0" err="1">
+                <a:solidFill>
+                  <a:srgbClr val="191970"/>
+                </a:solidFill>
+              </a:rPr>
+              <a:t>OneMaxProblem</a:t>
+            </a:r>
+            <a:r>
+              <a:rPr lang="de-DE" dirty="0"/>
+              <a:t>(</a:t>
+            </a:r>
+            <a:r>
+              <a:rPr lang="de-DE" dirty="0" err="1"/>
+              <a:t>OneMaxProblem</a:t>
+            </a:r>
+            <a:r>
+              <a:rPr lang="de-DE" dirty="0"/>
+              <a:t> </a:t>
+            </a:r>
+            <a:r>
+              <a:rPr lang="de-DE" dirty="0" err="1"/>
+              <a:t>alg</a:t>
+            </a:r>
+            <a:r>
+              <a:rPr lang="de-DE" dirty="0"/>
+              <a:t>, </a:t>
+            </a:r>
+            <a:r>
+              <a:rPr lang="de-DE" dirty="0" err="1"/>
+              <a:t>Cloner</a:t>
+            </a:r>
+            <a:r>
+              <a:rPr lang="de-DE" dirty="0"/>
+              <a:t> </a:t>
+            </a:r>
+            <a:r>
+              <a:rPr lang="de-DE" dirty="0" err="1"/>
+              <a:t>cloner</a:t>
+            </a:r>
+            <a:r>
+              <a:rPr lang="de-DE" dirty="0"/>
+              <a:t>) : </a:t>
+            </a:r>
+            <a:r>
+              <a:rPr lang="de-DE" b="1" dirty="0" err="1"/>
+              <a:t>base</a:t>
+            </a:r>
+            <a:r>
+              <a:rPr lang="de-DE" dirty="0"/>
+              <a:t>(</a:t>
+            </a:r>
+            <a:r>
+              <a:rPr lang="de-DE" dirty="0" err="1"/>
+              <a:t>alg</a:t>
+            </a:r>
+            <a:r>
+              <a:rPr lang="de-DE" dirty="0"/>
+              <a:t>, </a:t>
+            </a:r>
+            <a:r>
+              <a:rPr lang="de-DE" dirty="0" err="1"/>
+              <a:t>cloner</a:t>
+            </a:r>
+            <a:r>
+              <a:rPr lang="de-DE" dirty="0"/>
+              <a:t>) { }    </a:t>
+            </a:r>
+            <a:br>
+              <a:rPr lang="de-DE" dirty="0"/>
+            </a:br>
+            <a:r>
+              <a:rPr lang="de-DE" dirty="0"/>
+              <a:t>      </a:t>
+            </a:r>
+            <a:r>
+              <a:rPr lang="de-DE" b="1" dirty="0" err="1">
+                <a:solidFill>
+                  <a:srgbClr val="0000FF"/>
+                </a:solidFill>
+              </a:rPr>
+              <a:t>public</a:t>
+            </a:r>
+            <a:r>
+              <a:rPr lang="de-DE" dirty="0"/>
+              <a:t> </a:t>
+            </a:r>
+            <a:r>
+              <a:rPr lang="de-DE" dirty="0" err="1">
+                <a:solidFill>
+                  <a:srgbClr val="A52A2A"/>
+                </a:solidFill>
+              </a:rPr>
+              <a:t>override</a:t>
+            </a:r>
+            <a:r>
+              <a:rPr lang="de-DE" dirty="0"/>
+              <a:t> </a:t>
+            </a:r>
+            <a:r>
+              <a:rPr lang="de-DE" dirty="0" err="1"/>
+              <a:t>IDeepCloneable</a:t>
+            </a:r>
+            <a:r>
+              <a:rPr lang="de-DE" dirty="0"/>
+              <a:t> </a:t>
+            </a:r>
+            <a:r>
+              <a:rPr lang="de-DE" b="1" dirty="0" err="1">
+                <a:solidFill>
+                  <a:srgbClr val="191970"/>
+                </a:solidFill>
+              </a:rPr>
+              <a:t>Clone</a:t>
+            </a:r>
+            <a:r>
+              <a:rPr lang="de-DE" dirty="0"/>
+              <a:t>(</a:t>
+            </a:r>
+            <a:r>
+              <a:rPr lang="de-DE" dirty="0" err="1"/>
+              <a:t>Cloner</a:t>
+            </a:r>
+            <a:r>
+              <a:rPr lang="de-DE" dirty="0"/>
+              <a:t> </a:t>
+            </a:r>
+            <a:r>
+              <a:rPr lang="de-DE" dirty="0" err="1"/>
+              <a:t>cloner</a:t>
+            </a:r>
+            <a:r>
+              <a:rPr lang="de-DE" dirty="0"/>
+              <a:t>) {</a:t>
+            </a:r>
+            <a:br>
+              <a:rPr lang="de-DE" dirty="0"/>
+            </a:br>
+            <a:r>
+              <a:rPr lang="de-DE" dirty="0"/>
+              <a:t>         </a:t>
+            </a:r>
+            <a:r>
+              <a:rPr lang="de-DE" dirty="0" err="1">
+                <a:solidFill>
+                  <a:srgbClr val="000080"/>
+                </a:solidFill>
+              </a:rPr>
+              <a:t>return</a:t>
+            </a:r>
+            <a:r>
+              <a:rPr lang="de-DE" dirty="0"/>
+              <a:t> </a:t>
+            </a:r>
+            <a:r>
+              <a:rPr lang="de-DE" b="1" dirty="0" err="1">
+                <a:solidFill>
+                  <a:srgbClr val="008B8B"/>
+                </a:solidFill>
+              </a:rPr>
+              <a:t>new</a:t>
+            </a:r>
+            <a:r>
+              <a:rPr lang="de-DE" dirty="0"/>
+              <a:t> </a:t>
+            </a:r>
+            <a:r>
+              <a:rPr lang="de-DE" b="1" dirty="0" err="1">
+                <a:solidFill>
+                  <a:srgbClr val="191970"/>
+                </a:solidFill>
+              </a:rPr>
+              <a:t>OneMaxProblem</a:t>
+            </a:r>
+            <a:r>
+              <a:rPr lang="de-DE" dirty="0"/>
+              <a:t>(</a:t>
+            </a:r>
+            <a:r>
+              <a:rPr lang="de-DE" b="1" dirty="0" err="1"/>
+              <a:t>this</a:t>
+            </a:r>
+            <a:r>
+              <a:rPr lang="de-DE" dirty="0"/>
+              <a:t>, </a:t>
+            </a:r>
+            <a:r>
+              <a:rPr lang="de-DE" dirty="0" err="1"/>
+              <a:t>cloner</a:t>
+            </a:r>
+            <a:r>
+              <a:rPr lang="de-DE" dirty="0"/>
+              <a:t>);</a:t>
+            </a:r>
+            <a:br>
+              <a:rPr lang="de-DE" dirty="0"/>
+            </a:br>
+            <a:r>
+              <a:rPr lang="de-DE" dirty="0"/>
+              <a:t>      }</a:t>
+            </a:r>
+            <a:br>
+              <a:rPr lang="de-DE" dirty="0"/>
+            </a:br>
+            <a:r>
+              <a:rPr lang="de-DE" dirty="0"/>
+              <a:t>      </a:t>
+            </a:r>
+            <a:br>
+              <a:rPr lang="de-DE" dirty="0"/>
+            </a:br>
+            <a:r>
+              <a:rPr lang="de-DE" dirty="0"/>
+              <a:t>      </a:t>
+            </a:r>
+            <a:r>
+              <a:rPr lang="de-DE" b="1" dirty="0" err="1">
+                <a:solidFill>
+                  <a:srgbClr val="0000FF"/>
+                </a:solidFill>
+              </a:rPr>
+              <a:t>public</a:t>
+            </a:r>
+            <a:r>
+              <a:rPr lang="de-DE" dirty="0"/>
+              <a:t> </a:t>
+            </a:r>
+            <a:r>
+              <a:rPr lang="de-DE" dirty="0" err="1">
+                <a:solidFill>
+                  <a:srgbClr val="A52A2A"/>
+                </a:solidFill>
+              </a:rPr>
+              <a:t>override</a:t>
+            </a:r>
+            <a:r>
+              <a:rPr lang="de-DE" dirty="0"/>
+              <a:t> </a:t>
+            </a:r>
+            <a:r>
+              <a:rPr lang="de-DE" b="1" dirty="0" err="1">
+                <a:solidFill>
+                  <a:srgbClr val="FF0000"/>
+                </a:solidFill>
+              </a:rPr>
+              <a:t>bool</a:t>
+            </a:r>
+            <a:r>
+              <a:rPr lang="de-DE" dirty="0"/>
+              <a:t> </a:t>
+            </a:r>
+            <a:r>
+              <a:rPr lang="de-DE" dirty="0" err="1"/>
+              <a:t>Maximization</a:t>
+            </a:r>
+            <a:r>
+              <a:rPr lang="de-DE" dirty="0"/>
+              <a:t> { </a:t>
+            </a:r>
+            <a:r>
+              <a:rPr lang="de-DE" dirty="0" err="1">
+                <a:solidFill>
+                  <a:srgbClr val="8B4513"/>
+                </a:solidFill>
+              </a:rPr>
+              <a:t>get</a:t>
+            </a:r>
+            <a:r>
+              <a:rPr lang="de-DE" dirty="0"/>
+              <a:t>{ </a:t>
+            </a:r>
+            <a:r>
+              <a:rPr lang="de-DE" dirty="0" err="1">
+                <a:solidFill>
+                  <a:srgbClr val="000080"/>
+                </a:solidFill>
+              </a:rPr>
+              <a:t>return</a:t>
+            </a:r>
+            <a:r>
+              <a:rPr lang="de-DE" dirty="0"/>
+              <a:t> </a:t>
+            </a:r>
+            <a:r>
+              <a:rPr lang="de-DE" b="1" dirty="0" err="1">
+                <a:solidFill>
+                  <a:srgbClr val="008B8B"/>
+                </a:solidFill>
+              </a:rPr>
+              <a:t>true</a:t>
+            </a:r>
+            <a:r>
+              <a:rPr lang="de-DE" dirty="0"/>
+              <a:t>; } }</a:t>
+            </a:r>
+            <a:br>
+              <a:rPr lang="de-DE" dirty="0"/>
+            </a:br>
+            <a:r>
+              <a:rPr lang="de-DE" dirty="0"/>
+              <a:t/>
+            </a:r>
+            <a:br>
+              <a:rPr lang="de-DE" dirty="0"/>
+            </a:br>
+            <a:r>
+              <a:rPr lang="de-DE" dirty="0"/>
+              <a:t>      </a:t>
+            </a:r>
+            <a:r>
+              <a:rPr lang="de-DE" b="1" dirty="0" err="1">
+                <a:solidFill>
+                  <a:srgbClr val="0000FF"/>
+                </a:solidFill>
+              </a:rPr>
+              <a:t>public</a:t>
+            </a:r>
+            <a:r>
+              <a:rPr lang="de-DE" dirty="0"/>
+              <a:t> </a:t>
+            </a:r>
+            <a:r>
+              <a:rPr lang="de-DE" dirty="0" err="1">
+                <a:solidFill>
+                  <a:srgbClr val="A52A2A"/>
+                </a:solidFill>
+              </a:rPr>
+              <a:t>override</a:t>
+            </a:r>
+            <a:r>
+              <a:rPr lang="de-DE" dirty="0"/>
+              <a:t> </a:t>
+            </a:r>
+            <a:r>
+              <a:rPr lang="de-DE" b="1" dirty="0">
+                <a:solidFill>
+                  <a:srgbClr val="FF0000"/>
+                </a:solidFill>
+              </a:rPr>
+              <a:t>double</a:t>
+            </a:r>
+            <a:r>
+              <a:rPr lang="de-DE" dirty="0"/>
+              <a:t> </a:t>
+            </a:r>
+            <a:r>
+              <a:rPr lang="de-DE" b="1" dirty="0" err="1">
+                <a:solidFill>
+                  <a:srgbClr val="191970"/>
+                </a:solidFill>
+              </a:rPr>
+              <a:t>Evaluate</a:t>
+            </a:r>
+            <a:r>
+              <a:rPr lang="de-DE" dirty="0"/>
+              <a:t>(Individual </a:t>
+            </a:r>
+            <a:r>
+              <a:rPr lang="de-DE" dirty="0" err="1"/>
+              <a:t>individual</a:t>
+            </a:r>
+            <a:r>
+              <a:rPr lang="de-DE" dirty="0"/>
+              <a:t>, </a:t>
+            </a:r>
+            <a:r>
+              <a:rPr lang="de-DE" dirty="0" err="1"/>
+              <a:t>IRandom</a:t>
+            </a:r>
+            <a:r>
+              <a:rPr lang="de-DE" dirty="0"/>
+              <a:t> </a:t>
+            </a:r>
+            <a:r>
+              <a:rPr lang="de-DE" dirty="0" err="1"/>
+              <a:t>random</a:t>
+            </a:r>
+            <a:r>
+              <a:rPr lang="de-DE" dirty="0"/>
+              <a:t>) {</a:t>
+            </a:r>
+            <a:br>
+              <a:rPr lang="de-DE" dirty="0"/>
+            </a:br>
+            <a:r>
+              <a:rPr lang="de-DE" dirty="0"/>
+              <a:t>        </a:t>
+            </a:r>
+            <a:r>
+              <a:rPr lang="de-DE" dirty="0" err="1">
+                <a:solidFill>
+                  <a:srgbClr val="000080"/>
+                </a:solidFill>
+              </a:rPr>
+              <a:t>return</a:t>
+            </a:r>
+            <a:r>
+              <a:rPr lang="de-DE" dirty="0"/>
+              <a:t> </a:t>
+            </a:r>
+            <a:r>
+              <a:rPr lang="de-DE" dirty="0" err="1"/>
+              <a:t>individual.</a:t>
+            </a:r>
+            <a:r>
+              <a:rPr lang="de-DE" b="1" dirty="0" err="1">
+                <a:solidFill>
+                  <a:srgbClr val="191970"/>
+                </a:solidFill>
+              </a:rPr>
+              <a:t>BinaryVector</a:t>
+            </a:r>
+            <a:r>
+              <a:rPr lang="de-DE" dirty="0"/>
+              <a:t>().</a:t>
+            </a:r>
+            <a:r>
+              <a:rPr lang="de-DE" b="1" dirty="0">
+                <a:solidFill>
+                  <a:srgbClr val="191970"/>
+                </a:solidFill>
+              </a:rPr>
+              <a:t>Count</a:t>
+            </a:r>
+            <a:r>
+              <a:rPr lang="de-DE" dirty="0"/>
+              <a:t>(b =&gt; b);</a:t>
+            </a:r>
+            <a:br>
+              <a:rPr lang="de-DE" dirty="0"/>
+            </a:br>
+            <a:r>
+              <a:rPr lang="de-DE" dirty="0"/>
+              <a:t>      }</a:t>
+            </a:r>
+            <a:br>
+              <a:rPr lang="de-DE" dirty="0"/>
+            </a:br>
+            <a:r>
+              <a:rPr lang="de-DE" dirty="0"/>
+              <a:t>   }</a:t>
+            </a:r>
+            <a:endParaRPr lang="en-GB" dirty="0"/>
+          </a:p>
+        </p:txBody>
+      </p:sp>
+    </p:spTree>
+    <p:extLst>
+      <p:ext uri="{BB962C8B-B14F-4D97-AF65-F5344CB8AC3E}">
+        <p14:creationId xmlns:p14="http://schemas.microsoft.com/office/powerpoint/2010/main" val="3015188310"/>
+      </p:ext>
+    </p:extLst>
+  </p:cSld>
+  <p:clrMapOvr>
+    <a:masterClrMapping/>
+  </p:clrMapOvr>
+</p:sld>
+</file>
+
+<file path=ppt/slides/slide37.xml><?xml version="1.0" encoding="utf-8"?>
+<p:sld xmlns:a="http://schemas.openxmlformats.org/drawingml/2006/main" xmlns:r="http://schemas.openxmlformats.org/officeDocument/2006/relationships" xmlns:p="http://schemas.openxmlformats.org/presentationml/2006/main">
+  <p:cSld>
+    <p:spTree>
+      <p:nvGrpSpPr>
+        <p:cNvPr id="1" name=""/>
+        <p:cNvGrpSpPr/>
+        <p:nvPr/>
+      </p:nvGrpSpPr>
+      <p:grpSpPr>
+        <a:xfrm>
+          <a:off x="0" y="0"/>
+          <a:ext cx="0" cy="0"/>
+          <a:chOff x="0" y="0"/>
+          <a:chExt cx="0" cy="0"/>
+        </a:xfrm>
+      </p:grpSpPr>
+      <p:sp>
+        <p:nvSpPr>
+          <p:cNvPr id="2" name="Titel 1"/>
+          <p:cNvSpPr>
+            <a:spLocks noGrp="1"/>
+          </p:cNvSpPr>
+          <p:nvPr>
+            <p:ph type="title"/>
+          </p:nvPr>
+        </p:nvSpPr>
+        <p:spPr/>
+        <p:txBody>
+          <a:bodyPr/>
+          <a:lstStyle/>
+          <a:p>
+            <a:r>
+              <a:rPr lang="en-US" dirty="0" smtClean="0"/>
+              <a:t>Useful Links</a:t>
+            </a:r>
+            <a:endParaRPr lang="en-US" dirty="0"/>
+          </a:p>
+        </p:txBody>
+      </p:sp>
+      <p:sp>
+        <p:nvSpPr>
+          <p:cNvPr id="3" name="Datumsplatzhalter 2"/>
+          <p:cNvSpPr>
+            <a:spLocks noGrp="1"/>
+          </p:cNvSpPr>
+          <p:nvPr>
+            <p:ph type="dt" sz="half" idx="10"/>
+          </p:nvPr>
+        </p:nvSpPr>
+        <p:spPr/>
+        <p:txBody>
+          <a:bodyPr/>
+          <a:lstStyle/>
+          <a:p>
+            <a:r>
+              <a:rPr lang="de-DE" dirty="0" err="1"/>
+              <a:t>Programming</a:t>
+            </a:r>
+            <a:r>
+              <a:rPr lang="de-DE" dirty="0"/>
+              <a:t> HeuristicLab</a:t>
+            </a:r>
+          </a:p>
+        </p:txBody>
+      </p:sp>
+      <p:sp>
+        <p:nvSpPr>
+          <p:cNvPr id="4" name="Fußzeilenplatzhalter 3"/>
+          <p:cNvSpPr>
+            <a:spLocks noGrp="1"/>
+          </p:cNvSpPr>
+          <p:nvPr>
+            <p:ph type="ftr" sz="quarter" idx="11"/>
+          </p:nvPr>
+        </p:nvSpPr>
+        <p:spPr/>
+        <p:txBody>
+          <a:bodyPr/>
+          <a:lstStyle/>
+          <a:p>
+            <a:r>
+              <a:rPr lang="en-US" smtClean="0"/>
+              <a:t>http://dev.heuristiclab.com</a:t>
+            </a:r>
+            <a:endParaRPr lang="en-US"/>
+          </a:p>
+        </p:txBody>
+      </p:sp>
+      <p:sp>
+        <p:nvSpPr>
+          <p:cNvPr id="5" name="Foliennummernplatzhalter 4"/>
+          <p:cNvSpPr>
+            <a:spLocks noGrp="1"/>
+          </p:cNvSpPr>
+          <p:nvPr>
+            <p:ph type="sldNum" sz="quarter" idx="12"/>
+          </p:nvPr>
+        </p:nvSpPr>
+        <p:spPr/>
+        <p:txBody>
+          <a:bodyPr/>
+          <a:lstStyle/>
+          <a:p>
+            <a:fld id="{6C6AE60A-B69C-4790-82F7-3882EDF23186}" type="slidenum">
+              <a:rPr lang="en-US" smtClean="0"/>
+              <a:pPr/>
+              <a:t>37</a:t>
+            </a:fld>
+            <a:endParaRPr lang="en-US"/>
+          </a:p>
+        </p:txBody>
+      </p:sp>
+      <p:sp>
+        <p:nvSpPr>
+          <p:cNvPr id="6" name="Textfeld 5"/>
+          <p:cNvSpPr txBox="1"/>
+          <p:nvPr/>
+        </p:nvSpPr>
+        <p:spPr>
+          <a:xfrm>
+            <a:off x="0" y="2204864"/>
+            <a:ext cx="9144000" cy="3354765"/>
+          </a:xfrm>
+          <a:prstGeom prst="rect">
+            <a:avLst/>
+          </a:prstGeom>
+          <a:noFill/>
+        </p:spPr>
+        <p:txBody>
+          <a:bodyPr wrap="square" rtlCol="0">
+            <a:spAutoFit/>
+          </a:bodyPr>
+          <a:lstStyle/>
+          <a:p>
+            <a:pPr algn="ctr"/>
+            <a:r>
+              <a:rPr lang="en-US" sz="2800" dirty="0">
+                <a:hlinkClick r:id="rId2"/>
+              </a:rPr>
+              <a:t>http://</a:t>
+            </a:r>
+            <a:r>
+              <a:rPr lang="en-US" sz="2800" dirty="0" smtClean="0">
+                <a:hlinkClick r:id="rId2"/>
+              </a:rPr>
+              <a:t>dev.heuristiclab.com/trac/hl/core/wiki/UsersHowtos</a:t>
+            </a:r>
+            <a:endParaRPr lang="en-US" sz="2800" dirty="0" smtClean="0"/>
+          </a:p>
+          <a:p>
+            <a:pPr algn="ctr"/>
+            <a:endParaRPr lang="en-US" sz="2800" dirty="0" smtClean="0"/>
+          </a:p>
+          <a:p>
+            <a:pPr algn="ctr"/>
+            <a:r>
+              <a:rPr lang="en-US" sz="2800" dirty="0" smtClean="0">
+                <a:hlinkClick r:id="rId3"/>
+              </a:rPr>
+              <a:t>http</a:t>
+            </a:r>
+            <a:r>
+              <a:rPr lang="en-US" sz="2800" dirty="0">
+                <a:hlinkClick r:id="rId3"/>
+              </a:rPr>
+              <a:t>://</a:t>
+            </a:r>
+            <a:r>
+              <a:rPr lang="en-US" sz="2800" dirty="0" smtClean="0">
+                <a:hlinkClick r:id="rId3"/>
+              </a:rPr>
+              <a:t>dev.heuristiclab.com/trac/hl/core/wiki/Publications</a:t>
+            </a:r>
+            <a:endParaRPr lang="en-US" sz="2800" dirty="0" smtClean="0"/>
+          </a:p>
+          <a:p>
+            <a:pPr algn="ctr"/>
+            <a:endParaRPr lang="en-US" sz="2800" dirty="0"/>
+          </a:p>
+          <a:p>
+            <a:pPr algn="ctr"/>
+            <a:r>
+              <a:rPr lang="en-US" sz="2800" dirty="0" smtClean="0">
+                <a:hlinkClick r:id="rId4"/>
+              </a:rPr>
+              <a:t>heuristiclab@googlegroups.com</a:t>
+            </a:r>
+            <a:endParaRPr lang="en-US" sz="2800" dirty="0" smtClean="0"/>
+          </a:p>
+          <a:p>
+            <a:pPr algn="ctr"/>
+            <a:endParaRPr lang="en-US" sz="2800" dirty="0"/>
+          </a:p>
+          <a:p>
+            <a:pPr algn="ctr"/>
+            <a:r>
+              <a:rPr lang="en-US" sz="2800" dirty="0" smtClean="0">
+                <a:hlinkClick r:id="rId5"/>
+              </a:rPr>
+              <a:t>http://www.youtube.com/heuristiclab</a:t>
+            </a:r>
+            <a:endParaRPr lang="en-US" sz="2800" dirty="0" smtClean="0"/>
+          </a:p>
+          <a:p>
+            <a:pPr algn="ctr"/>
+            <a:endParaRPr lang="en-US" sz="1600" dirty="0"/>
+          </a:p>
+        </p:txBody>
+      </p:sp>
+    </p:spTree>
+    <p:extLst>
+      <p:ext uri="{BB962C8B-B14F-4D97-AF65-F5344CB8AC3E}">
+        <p14:creationId xmlns:p14="http://schemas.microsoft.com/office/powerpoint/2010/main" val="1150598093"/>
+      </p:ext>
+    </p:extLst>
+  </p:cSld>
+  <p:clrMapOvr>
+    <a:masterClrMapping/>
+  </p:clrMapOvr>
+  <p:transition/>
   <p:timing>
     <p:tnLst>
       <p:par>
@@ -12489,13 +18730,8 @@
           <a:p>
             <a:r>
               <a:rPr lang="en-US" dirty="0" smtClean="0"/>
-              <a:t>Used to configure algorithms, problems and </a:t>
-            </a:r>
-            <a:r>
-              <a:rPr lang="en-US" dirty="0" smtClean="0"/>
-              <a:t>operators</a:t>
-            </a:r>
-            <a:endParaRPr lang="en-US" dirty="0" smtClean="0"/>
+              <a:t>Used to configure algorithms, problems and operators</a:t>
+            </a:r>
           </a:p>
           <a:p>
             <a:r>

--- a/documentation/Tutorials/Programming HeuristicLab - Algorithms and Problems.pptx
+++ b/documentation/Tutorials/Programming HeuristicLab - Algorithms and Problems.pptx
@@ -245,7 +245,7 @@
             <a:fld id="{EF88095B-826C-4D0E-ACE1-419E2A1A3ECD}" type="datetimeFigureOut">
               <a:rPr lang="de-AT" smtClean="0"/>
               <a:pPr/>
-              <a:t>20.02.2015</a:t>
+              <a:t>09.03.2015</a:t>
             </a:fld>
             <a:endParaRPr lang="de-AT"/>
           </a:p>
@@ -11803,13 +11803,8 @@
           <a:p>
             <a:r>
               <a:rPr lang="en-US" dirty="0" smtClean="0"/>
-              <a:t>Discover operators from the Operators collection of the </a:t>
-            </a:r>
-            <a:r>
-              <a:rPr lang="en-US" dirty="0" smtClean="0"/>
-              <a:t>problem/encoding</a:t>
-            </a:r>
-            <a:endParaRPr lang="en-US" dirty="0" smtClean="0"/>
+              <a:t>Discover operators from the Operators collection of the problem/encoding</a:t>
+            </a:r>
           </a:p>
           <a:p>
             <a:r>
@@ -14879,9 +14874,9 @@
       </p:sp>
       <p:pic>
         <p:nvPicPr>
-          <p:cNvPr id="1026" name="Picture 2"/>
+          <p:cNvPr id="3" name="Grafik 2"/>
           <p:cNvPicPr>
-            <a:picLocks noChangeAspect="1" noChangeArrowheads="1"/>
+            <a:picLocks noChangeAspect="1"/>
           </p:cNvPicPr>
           <p:nvPr/>
         </p:nvPicPr>
@@ -14893,52 +14888,18 @@
               </a:ext>
             </a:extLst>
           </a:blip>
-          <a:srcRect/>
           <a:stretch>
             <a:fillRect/>
           </a:stretch>
         </p:blipFill>
-        <p:spPr bwMode="auto">
+        <p:spPr>
           <a:xfrm>
-            <a:off x="107504" y="1708910"/>
-            <a:ext cx="8928992" cy="4168362"/>
+            <a:off x="0" y="1609745"/>
+            <a:ext cx="9144000" cy="4267527"/>
           </a:xfrm>
           <a:prstGeom prst="rect">
             <a:avLst/>
           </a:prstGeom>
-          <a:noFill/>
-          <a:ln>
-            <a:noFill/>
-          </a:ln>
-          <a:effectLst/>
-          <a:extLst>
-            <a:ext uri="{909E8E84-426E-40DD-AFC4-6F175D3DCCD1}">
-              <a14:hiddenFill xmlns:a14="http://schemas.microsoft.com/office/drawing/2010/main">
-                <a:solidFill>
-                  <a:schemeClr val="accent1"/>
-                </a:solidFill>
-              </a14:hiddenFill>
-            </a:ext>
-            <a:ext uri="{91240B29-F687-4F45-9708-019B960494DF}">
-              <a14:hiddenLine xmlns:a14="http://schemas.microsoft.com/office/drawing/2010/main" w="9525">
-                <a:solidFill>
-                  <a:schemeClr val="tx1"/>
-                </a:solidFill>
-                <a:miter lim="800000"/>
-                <a:headEnd/>
-                <a:tailEnd/>
-              </a14:hiddenLine>
-            </a:ext>
-            <a:ext uri="{AF507438-7753-43E0-B8FC-AC1667EBCBE1}">
-              <a14:hiddenEffects xmlns:a14="http://schemas.microsoft.com/office/drawing/2010/main">
-                <a:effectLst>
-                  <a:outerShdw dist="35921" dir="2700000" algn="ctr" rotWithShape="0">
-                    <a:schemeClr val="bg2"/>
-                  </a:outerShdw>
-                </a:effectLst>
-              </a14:hiddenEffects>
-            </a:ext>
-          </a:extLst>
         </p:spPr>
       </p:pic>
     </p:spTree>
@@ -15442,11 +15403,7 @@
             </a:pPr>
             <a:r>
               <a:rPr lang="en-GB" sz="3200" dirty="0"/>
-              <a:t>Use automatic encoding </a:t>
-            </a:r>
-            <a:r>
-              <a:rPr lang="en-GB" sz="3200" dirty="0"/>
-              <a:t>configuration</a:t>
+              <a:t>Use automatic encoding configuration</a:t>
             </a:r>
           </a:p>
           <a:p>

--- a/documentation/Tutorials/Programming HeuristicLab - Algorithms and Problems.pptx
+++ b/documentation/Tutorials/Programming HeuristicLab - Algorithms and Problems.pptx
@@ -5,7 +5,7 @@
     <p:sldMasterId id="2147483648" r:id="rId1"/>
   </p:sldMasterIdLst>
   <p:notesMasterIdLst>
-    <p:notesMasterId r:id="rId39"/>
+    <p:notesMasterId r:id="rId40"/>
   </p:notesMasterIdLst>
   <p:sldIdLst>
     <p:sldId id="256" r:id="rId2"/>
@@ -23,28 +23,29 @@
     <p:sldId id="453" r:id="rId14"/>
     <p:sldId id="454" r:id="rId15"/>
     <p:sldId id="435" r:id="rId16"/>
-    <p:sldId id="441" r:id="rId17"/>
-    <p:sldId id="446" r:id="rId18"/>
-    <p:sldId id="434" r:id="rId19"/>
-    <p:sldId id="447" r:id="rId20"/>
-    <p:sldId id="432" r:id="rId21"/>
-    <p:sldId id="442" r:id="rId22"/>
-    <p:sldId id="445" r:id="rId23"/>
-    <p:sldId id="455" r:id="rId24"/>
-    <p:sldId id="456" r:id="rId25"/>
-    <p:sldId id="457" r:id="rId26"/>
-    <p:sldId id="458" r:id="rId27"/>
-    <p:sldId id="443" r:id="rId28"/>
-    <p:sldId id="433" r:id="rId29"/>
-    <p:sldId id="438" r:id="rId30"/>
-    <p:sldId id="439" r:id="rId31"/>
-    <p:sldId id="444" r:id="rId32"/>
-    <p:sldId id="459" r:id="rId33"/>
-    <p:sldId id="460" r:id="rId34"/>
-    <p:sldId id="461" r:id="rId35"/>
-    <p:sldId id="462" r:id="rId36"/>
-    <p:sldId id="463" r:id="rId37"/>
-    <p:sldId id="412" r:id="rId38"/>
+    <p:sldId id="464" r:id="rId17"/>
+    <p:sldId id="441" r:id="rId18"/>
+    <p:sldId id="446" r:id="rId19"/>
+    <p:sldId id="434" r:id="rId20"/>
+    <p:sldId id="447" r:id="rId21"/>
+    <p:sldId id="432" r:id="rId22"/>
+    <p:sldId id="442" r:id="rId23"/>
+    <p:sldId id="445" r:id="rId24"/>
+    <p:sldId id="455" r:id="rId25"/>
+    <p:sldId id="456" r:id="rId26"/>
+    <p:sldId id="457" r:id="rId27"/>
+    <p:sldId id="458" r:id="rId28"/>
+    <p:sldId id="443" r:id="rId29"/>
+    <p:sldId id="433" r:id="rId30"/>
+    <p:sldId id="438" r:id="rId31"/>
+    <p:sldId id="439" r:id="rId32"/>
+    <p:sldId id="444" r:id="rId33"/>
+    <p:sldId id="459" r:id="rId34"/>
+    <p:sldId id="460" r:id="rId35"/>
+    <p:sldId id="461" r:id="rId36"/>
+    <p:sldId id="462" r:id="rId37"/>
+    <p:sldId id="463" r:id="rId38"/>
+    <p:sldId id="412" r:id="rId39"/>
   </p:sldIdLst>
   <p:sldSz cx="9144000" cy="6858000" type="screen4x3"/>
   <p:notesSz cx="6858000" cy="9144000"/>
@@ -245,7 +246,7 @@
             <a:fld id="{EF88095B-826C-4D0E-ACE1-419E2A1A3ECD}" type="datetimeFigureOut">
               <a:rPr lang="de-AT" smtClean="0"/>
               <a:pPr/>
-              <a:t>09.03.2015</a:t>
+              <a:t>24.03.2015</a:t>
             </a:fld>
             <a:endParaRPr lang="de-AT"/>
           </a:p>
@@ -3999,34 +4000,8 @@
         </p:blipFill>
         <p:spPr bwMode="auto">
           <a:xfrm>
-            <a:off x="3691573" y="5589240"/>
+            <a:off x="6876256" y="5589240"/>
             <a:ext cx="1760854" cy="1074420"/>
-          </a:xfrm>
-          <a:prstGeom prst="rect">
-            <a:avLst/>
-          </a:prstGeom>
-          <a:noFill/>
-        </p:spPr>
-      </p:pic>
-      <p:pic>
-        <p:nvPicPr>
-          <p:cNvPr id="11" name="Picture 6" descr="C:\FH\Ressel\documents\Logo\Ressel_Logo (transparent).png"/>
-          <p:cNvPicPr>
-            <a:picLocks noChangeAspect="1" noChangeArrowheads="1"/>
-          </p:cNvPicPr>
-          <p:nvPr/>
-        </p:nvPicPr>
-        <p:blipFill>
-          <a:blip r:embed="rId4" cstate="print"/>
-          <a:srcRect/>
-          <a:stretch>
-            <a:fillRect/>
-          </a:stretch>
-        </p:blipFill>
-        <p:spPr bwMode="auto">
-          <a:xfrm>
-            <a:off x="5916145" y="5733256"/>
-            <a:ext cx="2832319" cy="758656"/>
           </a:xfrm>
           <a:prstGeom prst="rect">
             <a:avLst/>
@@ -4043,7 +4018,7 @@
           <p:nvPr/>
         </p:nvPicPr>
         <p:blipFill>
-          <a:blip r:embed="rId5" cstate="print">
+          <a:blip r:embed="rId4" cstate="print">
             <a:extLst>
               <a:ext uri="{28A0092B-C50C-407E-A947-70E740481C1C}">
                 <a14:useLocalDpi xmlns:a14="http://schemas.microsoft.com/office/drawing/2010/main" val="0"/>
@@ -8157,6 +8132,13 @@
   <p:clrMapOvr>
     <a:masterClrMapping/>
   </p:clrMapOvr>
+  <p:timing>
+    <p:tnLst>
+      <p:par>
+        <p:cTn id="1" dur="indefinite" restart="never" nodeType="tmRoot"/>
+      </p:par>
+    </p:tnLst>
+  </p:timing>
 </p:sld>
 </file>
 
@@ -8573,6 +8555,13 @@
   <p:clrMapOvr>
     <a:masterClrMapping/>
   </p:clrMapOvr>
+  <p:timing>
+    <p:tnLst>
+      <p:par>
+        <p:cTn id="1" dur="indefinite" restart="never" nodeType="tmRoot"/>
+      </p:par>
+    </p:tnLst>
+  </p:timing>
 </p:sld>
 </file>
 
@@ -9723,6 +9712,13 @@
   <p:clrMapOvr>
     <a:masterClrMapping/>
   </p:clrMapOvr>
+  <p:timing>
+    <p:tnLst>
+      <p:par>
+        <p:cTn id="1" dur="indefinite" restart="never" nodeType="tmRoot"/>
+      </p:par>
+    </p:tnLst>
+  </p:timing>
 </p:sld>
 </file>
 
@@ -9802,7 +9798,15 @@
           <a:p>
             <a:r>
               <a:rPr lang="en-US" dirty="0" smtClean="0"/>
-              <a:t>Contains variables (e.g. solutions or their quality)</a:t>
+              <a:t>Contains variables (e.g</a:t>
+            </a:r>
+            <a:r>
+              <a:rPr lang="en-US" dirty="0" smtClean="0"/>
+              <a:t>., </a:t>
+            </a:r>
+            <a:r>
+              <a:rPr lang="en-US" dirty="0" smtClean="0"/>
+              <a:t>solutions or their quality)</a:t>
             </a:r>
           </a:p>
           <a:p>
@@ -9967,87 +9971,10 @@
           <a:lstStyle/>
           <a:p>
             <a:r>
-              <a:rPr lang="de-AT" dirty="0" smtClean="0"/>
-              <a:t>Operators</a:t>
-            </a:r>
-            <a:endParaRPr lang="de-AT" dirty="0"/>
-          </a:p>
-        </p:txBody>
-      </p:sp>
-      <p:sp>
-        <p:nvSpPr>
-          <p:cNvPr id="3" name="Inhaltsplatzhalter 2"/>
-          <p:cNvSpPr>
-            <a:spLocks noGrp="1"/>
-          </p:cNvSpPr>
-          <p:nvPr>
-            <p:ph idx="1"/>
-          </p:nvPr>
-        </p:nvSpPr>
-        <p:spPr/>
-        <p:txBody>
-          <a:bodyPr>
-            <a:normAutofit/>
-          </a:bodyPr>
-          <a:lstStyle/>
-          <a:p>
-            <a:r>
-              <a:rPr lang="en-US" dirty="0" smtClean="0"/>
-              <a:t>Inherit from </a:t>
-            </a:r>
-            <a:r>
-              <a:rPr lang="en-US" dirty="0" err="1" smtClean="0"/>
-              <a:t>SingleSuccessorOperator</a:t>
-            </a:r>
-            <a:endParaRPr lang="en-US" dirty="0" smtClean="0"/>
-          </a:p>
-          <a:p>
-            <a:r>
-              <a:rPr lang="en-US" dirty="0" smtClean="0"/>
-              <a:t>Override the Apply() method</a:t>
-            </a:r>
-          </a:p>
-          <a:p>
-            <a:r>
-              <a:rPr lang="en-US" dirty="0" smtClean="0"/>
-              <a:t>Must return </a:t>
-            </a:r>
-            <a:r>
-              <a:rPr lang="en-US" dirty="0" err="1" smtClean="0"/>
-              <a:t>base.Apply</a:t>
-            </a:r>
-            <a:r>
-              <a:rPr lang="en-US" dirty="0" smtClean="0"/>
-              <a:t>()</a:t>
-            </a:r>
-          </a:p>
-          <a:p>
-            <a:pPr lvl="1"/>
-            <a:r>
-              <a:rPr lang="en-US" dirty="0" smtClean="0"/>
-              <a:t>Returns successor operation</a:t>
-            </a:r>
-          </a:p>
-          <a:p>
-            <a:r>
-              <a:rPr lang="en-US" dirty="0" smtClean="0"/>
-              <a:t>Use </a:t>
-            </a:r>
-            <a:r>
-              <a:rPr lang="en-US" dirty="0" err="1" smtClean="0"/>
-              <a:t>ExecutionContext</a:t>
-            </a:r>
-            <a:r>
-              <a:rPr lang="en-US" dirty="0" smtClean="0"/>
-              <a:t> to access scopes</a:t>
-            </a:r>
-          </a:p>
-          <a:p>
-            <a:r>
-              <a:rPr lang="en-US" dirty="0" smtClean="0"/>
-              <a:t>Or better: Use parameters to retrieve scopes, values from scopes or manipulate them</a:t>
-            </a:r>
-            <a:endParaRPr lang="en-US" dirty="0"/>
+              <a:rPr lang="en-GB" dirty="0" smtClean="0"/>
+              <a:t>Scopes – Debug Engine</a:t>
+            </a:r>
+            <a:endParaRPr lang="en-GB" dirty="0"/>
           </a:p>
         </p:txBody>
       </p:sp>
@@ -10121,10 +10048,161 @@
           </a:p>
         </p:txBody>
       </p:sp>
+      <p:pic>
+        <p:nvPicPr>
+          <p:cNvPr id="7" name="Grafik 6"/>
+          <p:cNvPicPr>
+            <a:picLocks noChangeAspect="1"/>
+          </p:cNvPicPr>
+          <p:nvPr/>
+        </p:nvPicPr>
+        <p:blipFill rotWithShape="1">
+          <a:blip r:embed="rId2"/>
+          <a:srcRect r="3633"/>
+          <a:stretch/>
+        </p:blipFill>
+        <p:spPr>
+          <a:xfrm>
+            <a:off x="457200" y="1580485"/>
+            <a:ext cx="2168659" cy="4323382"/>
+          </a:xfrm>
+          <a:prstGeom prst="rect">
+            <a:avLst/>
+          </a:prstGeom>
+        </p:spPr>
+      </p:pic>
+      <p:pic>
+        <p:nvPicPr>
+          <p:cNvPr id="8" name="Grafik 7"/>
+          <p:cNvPicPr>
+            <a:picLocks noChangeAspect="1"/>
+          </p:cNvPicPr>
+          <p:nvPr/>
+        </p:nvPicPr>
+        <p:blipFill>
+          <a:blip r:embed="rId3"/>
+          <a:stretch>
+            <a:fillRect/>
+          </a:stretch>
+        </p:blipFill>
+        <p:spPr>
+          <a:xfrm>
+            <a:off x="3401424" y="1586853"/>
+            <a:ext cx="2250696" cy="4317013"/>
+          </a:xfrm>
+          <a:prstGeom prst="rect">
+            <a:avLst/>
+          </a:prstGeom>
+        </p:spPr>
+      </p:pic>
+      <p:pic>
+        <p:nvPicPr>
+          <p:cNvPr id="9" name="Grafik 8"/>
+          <p:cNvPicPr>
+            <a:picLocks noChangeAspect="1"/>
+          </p:cNvPicPr>
+          <p:nvPr/>
+        </p:nvPicPr>
+        <p:blipFill>
+          <a:blip r:embed="rId4"/>
+          <a:stretch>
+            <a:fillRect/>
+          </a:stretch>
+        </p:blipFill>
+        <p:spPr>
+          <a:xfrm>
+            <a:off x="6438673" y="1580484"/>
+            <a:ext cx="2247397" cy="4323382"/>
+          </a:xfrm>
+          <a:prstGeom prst="rect">
+            <a:avLst/>
+          </a:prstGeom>
+        </p:spPr>
+      </p:pic>
+      <p:sp>
+        <p:nvSpPr>
+          <p:cNvPr id="10" name="Pfeil nach rechts 9"/>
+          <p:cNvSpPr/>
+          <p:nvPr/>
+        </p:nvSpPr>
+        <p:spPr>
+          <a:xfrm>
+            <a:off x="2731103" y="3310127"/>
+            <a:ext cx="576064" cy="432048"/>
+          </a:xfrm>
+          <a:prstGeom prst="rightArrow">
+            <a:avLst/>
+          </a:prstGeom>
+        </p:spPr>
+        <p:style>
+          <a:lnRef idx="2">
+            <a:schemeClr val="accent1">
+              <a:shade val="50000"/>
+            </a:schemeClr>
+          </a:lnRef>
+          <a:fillRef idx="1">
+            <a:schemeClr val="accent1"/>
+          </a:fillRef>
+          <a:effectRef idx="0">
+            <a:schemeClr val="accent1"/>
+          </a:effectRef>
+          <a:fontRef idx="minor">
+            <a:schemeClr val="lt1"/>
+          </a:fontRef>
+        </p:style>
+        <p:txBody>
+          <a:bodyPr rtlCol="0" anchor="ctr"/>
+          <a:lstStyle/>
+          <a:p>
+            <a:pPr algn="ctr"/>
+            <a:endParaRPr lang="en-GB"/>
+          </a:p>
+        </p:txBody>
+      </p:sp>
+      <p:sp>
+        <p:nvSpPr>
+          <p:cNvPr id="11" name="Pfeil nach rechts 10"/>
+          <p:cNvSpPr/>
+          <p:nvPr/>
+        </p:nvSpPr>
+        <p:spPr>
+          <a:xfrm>
+            <a:off x="5796136" y="3310127"/>
+            <a:ext cx="576064" cy="432048"/>
+          </a:xfrm>
+          <a:prstGeom prst="rightArrow">
+            <a:avLst/>
+          </a:prstGeom>
+        </p:spPr>
+        <p:style>
+          <a:lnRef idx="2">
+            <a:schemeClr val="accent1">
+              <a:shade val="50000"/>
+            </a:schemeClr>
+          </a:lnRef>
+          <a:fillRef idx="1">
+            <a:schemeClr val="accent1"/>
+          </a:fillRef>
+          <a:effectRef idx="0">
+            <a:schemeClr val="accent1"/>
+          </a:effectRef>
+          <a:fontRef idx="minor">
+            <a:schemeClr val="lt1"/>
+          </a:fontRef>
+        </p:style>
+        <p:txBody>
+          <a:bodyPr rtlCol="0" anchor="ctr"/>
+          <a:lstStyle/>
+          <a:p>
+            <a:pPr algn="ctr"/>
+            <a:endParaRPr lang="en-GB"/>
+          </a:p>
+        </p:txBody>
+      </p:sp>
     </p:spTree>
     <p:extLst>
       <p:ext uri="{BB962C8B-B14F-4D97-AF65-F5344CB8AC3E}">
-        <p14:creationId xmlns:p14="http://schemas.microsoft.com/office/powerpoint/2010/main" val="1123579088"/>
+        <p14:creationId xmlns:p14="http://schemas.microsoft.com/office/powerpoint/2010/main" val="3430538645"/>
       </p:ext>
     </p:extLst>
   </p:cSld>
@@ -10174,6 +10252,239 @@
           <a:lstStyle/>
           <a:p>
             <a:r>
+              <a:rPr lang="de-AT" dirty="0" smtClean="0"/>
+              <a:t>Operators</a:t>
+            </a:r>
+            <a:endParaRPr lang="de-AT" dirty="0"/>
+          </a:p>
+        </p:txBody>
+      </p:sp>
+      <p:sp>
+        <p:nvSpPr>
+          <p:cNvPr id="3" name="Inhaltsplatzhalter 2"/>
+          <p:cNvSpPr>
+            <a:spLocks noGrp="1"/>
+          </p:cNvSpPr>
+          <p:nvPr>
+            <p:ph idx="1"/>
+          </p:nvPr>
+        </p:nvSpPr>
+        <p:spPr/>
+        <p:txBody>
+          <a:bodyPr>
+            <a:normAutofit/>
+          </a:bodyPr>
+          <a:lstStyle/>
+          <a:p>
+            <a:r>
+              <a:rPr lang="en-US" dirty="0" smtClean="0"/>
+              <a:t>Inherit from </a:t>
+            </a:r>
+            <a:r>
+              <a:rPr lang="en-US" dirty="0" err="1" smtClean="0">
+                <a:latin typeface="Courier New" panose="02070309020205020404" pitchFamily="49" charset="0"/>
+                <a:cs typeface="Courier New" panose="02070309020205020404" pitchFamily="49" charset="0"/>
+              </a:rPr>
+              <a:t>SingleSuccessorOperator</a:t>
+            </a:r>
+            <a:endParaRPr lang="en-US" dirty="0" smtClean="0">
+              <a:latin typeface="Courier New" panose="02070309020205020404" pitchFamily="49" charset="0"/>
+              <a:cs typeface="Courier New" panose="02070309020205020404" pitchFamily="49" charset="0"/>
+            </a:endParaRPr>
+          </a:p>
+          <a:p>
+            <a:r>
+              <a:rPr lang="en-US" dirty="0" smtClean="0"/>
+              <a:t>Override the </a:t>
+            </a:r>
+            <a:r>
+              <a:rPr lang="en-US" dirty="0" smtClean="0">
+                <a:latin typeface="Courier New" panose="02070309020205020404" pitchFamily="49" charset="0"/>
+                <a:cs typeface="Courier New" panose="02070309020205020404" pitchFamily="49" charset="0"/>
+              </a:rPr>
+              <a:t>Apply()</a:t>
+            </a:r>
+            <a:r>
+              <a:rPr lang="en-US" dirty="0" smtClean="0"/>
+              <a:t> method</a:t>
+            </a:r>
+          </a:p>
+          <a:p>
+            <a:r>
+              <a:rPr lang="en-US" dirty="0" smtClean="0"/>
+              <a:t>Must return </a:t>
+            </a:r>
+            <a:r>
+              <a:rPr lang="en-US" dirty="0" err="1" smtClean="0">
+                <a:latin typeface="Courier New" panose="02070309020205020404" pitchFamily="49" charset="0"/>
+                <a:cs typeface="Courier New" panose="02070309020205020404" pitchFamily="49" charset="0"/>
+              </a:rPr>
+              <a:t>base.Apply</a:t>
+            </a:r>
+            <a:r>
+              <a:rPr lang="en-US" dirty="0" smtClean="0">
+                <a:latin typeface="Courier New" panose="02070309020205020404" pitchFamily="49" charset="0"/>
+                <a:cs typeface="Courier New" panose="02070309020205020404" pitchFamily="49" charset="0"/>
+              </a:rPr>
+              <a:t>()</a:t>
+            </a:r>
+          </a:p>
+          <a:p>
+            <a:pPr lvl="1"/>
+            <a:r>
+              <a:rPr lang="en-US" dirty="0" smtClean="0"/>
+              <a:t>Returns successor operation</a:t>
+            </a:r>
+          </a:p>
+          <a:p>
+            <a:r>
+              <a:rPr lang="en-US" dirty="0" smtClean="0"/>
+              <a:t>Use </a:t>
+            </a:r>
+            <a:r>
+              <a:rPr lang="en-US" dirty="0" err="1" smtClean="0">
+                <a:latin typeface="Courier New" panose="02070309020205020404" pitchFamily="49" charset="0"/>
+                <a:cs typeface="Courier New" panose="02070309020205020404" pitchFamily="49" charset="0"/>
+              </a:rPr>
+              <a:t>ExecutionContext</a:t>
+            </a:r>
+            <a:r>
+              <a:rPr lang="en-US" dirty="0" smtClean="0"/>
+              <a:t> to access scopes</a:t>
+            </a:r>
+          </a:p>
+          <a:p>
+            <a:r>
+              <a:rPr lang="en-US" dirty="0" smtClean="0"/>
+              <a:t>Or better: Use parameters to retrieve scopes, values from scopes or manipulate them</a:t>
+            </a:r>
+            <a:endParaRPr lang="en-US" dirty="0"/>
+          </a:p>
+        </p:txBody>
+      </p:sp>
+      <p:sp>
+        <p:nvSpPr>
+          <p:cNvPr id="4" name="Datumsplatzhalter 3"/>
+          <p:cNvSpPr>
+            <a:spLocks noGrp="1"/>
+          </p:cNvSpPr>
+          <p:nvPr>
+            <p:ph type="dt" sz="half" idx="10"/>
+          </p:nvPr>
+        </p:nvSpPr>
+        <p:spPr/>
+        <p:txBody>
+          <a:bodyPr/>
+          <a:lstStyle/>
+          <a:p>
+            <a:r>
+              <a:rPr lang="de-DE" smtClean="0"/>
+              <a:t>Programming HeuristicLab</a:t>
+            </a:r>
+            <a:endParaRPr lang="de-DE" dirty="0"/>
+          </a:p>
+        </p:txBody>
+      </p:sp>
+      <p:sp>
+        <p:nvSpPr>
+          <p:cNvPr id="5" name="Fußzeilenplatzhalter 4"/>
+          <p:cNvSpPr>
+            <a:spLocks noGrp="1"/>
+          </p:cNvSpPr>
+          <p:nvPr>
+            <p:ph type="ftr" sz="quarter" idx="11"/>
+          </p:nvPr>
+        </p:nvSpPr>
+        <p:spPr/>
+        <p:txBody>
+          <a:bodyPr/>
+          <a:lstStyle/>
+          <a:p>
+            <a:r>
+              <a:rPr lang="de-DE" smtClean="0"/>
+              <a:t>http://dev.heuristiclab.com</a:t>
+            </a:r>
+            <a:endParaRPr lang="de-DE"/>
+          </a:p>
+        </p:txBody>
+      </p:sp>
+      <p:sp>
+        <p:nvSpPr>
+          <p:cNvPr id="6" name="Foliennummernplatzhalter 5"/>
+          <p:cNvSpPr>
+            <a:spLocks noGrp="1"/>
+          </p:cNvSpPr>
+          <p:nvPr>
+            <p:ph type="sldNum" sz="quarter" idx="12"/>
+          </p:nvPr>
+        </p:nvSpPr>
+        <p:spPr/>
+        <p:txBody>
+          <a:bodyPr/>
+          <a:lstStyle/>
+          <a:p>
+            <a:fld id="{6C6AE60A-B69C-4790-82F7-3882EDF23186}" type="slidenum">
+              <a:rPr lang="de-DE" smtClean="0"/>
+              <a:pPr/>
+              <a:t>17</a:t>
+            </a:fld>
+            <a:endParaRPr lang="de-DE"/>
+          </a:p>
+        </p:txBody>
+      </p:sp>
+    </p:spTree>
+    <p:extLst>
+      <p:ext uri="{BB962C8B-B14F-4D97-AF65-F5344CB8AC3E}">
+        <p14:creationId xmlns:p14="http://schemas.microsoft.com/office/powerpoint/2010/main" val="1123579088"/>
+      </p:ext>
+    </p:extLst>
+  </p:cSld>
+  <p:clrMapOvr>
+    <a:masterClrMapping/>
+  </p:clrMapOvr>
+  <p:timing>
+    <p:tnLst>
+      <p:par>
+        <p:cTn id="1" dur="indefinite" restart="never" nodeType="tmRoot"/>
+      </p:par>
+    </p:tnLst>
+  </p:timing>
+</p:sld>
+</file>
+
+<file path=ppt/slides/slide18.xml><?xml version="1.0" encoding="utf-8"?>
+<p:sld xmlns:a="http://schemas.openxmlformats.org/drawingml/2006/main" xmlns:r="http://schemas.openxmlformats.org/officeDocument/2006/relationships" xmlns:p="http://schemas.openxmlformats.org/presentationml/2006/main">
+  <p:cSld>
+    <p:spTree>
+      <p:nvGrpSpPr>
+        <p:cNvPr id="1" name=""/>
+        <p:cNvGrpSpPr/>
+        <p:nvPr/>
+      </p:nvGrpSpPr>
+      <p:grpSpPr>
+        <a:xfrm>
+          <a:off x="0" y="0"/>
+          <a:ext cx="0" cy="0"/>
+          <a:chOff x="0" y="0"/>
+          <a:chExt cx="0" cy="0"/>
+        </a:xfrm>
+      </p:grpSpPr>
+      <p:sp>
+        <p:nvSpPr>
+          <p:cNvPr id="2" name="Titel 1"/>
+          <p:cNvSpPr>
+            <a:spLocks noGrp="1"/>
+          </p:cNvSpPr>
+          <p:nvPr>
+            <p:ph type="title"/>
+          </p:nvPr>
+        </p:nvSpPr>
+        <p:spPr/>
+        <p:txBody>
+          <a:bodyPr/>
+          <a:lstStyle/>
+          <a:p>
+            <a:r>
               <a:rPr lang="en-GB" dirty="0" smtClean="0"/>
               <a:t>Instrumented Operators</a:t>
             </a:r>
@@ -10199,7 +10510,7 @@
         </p:spPr>
         <p:txBody>
           <a:bodyPr>
-            <a:normAutofit fontScale="77500" lnSpcReduction="20000"/>
+            <a:normAutofit fontScale="70000" lnSpcReduction="20000"/>
           </a:bodyPr>
           <a:lstStyle/>
           <a:p>
@@ -10212,10 +10523,16 @@
               <a:t>Inherit from </a:t>
             </a:r>
             <a:r>
-              <a:rPr lang="en-US" sz="3200" dirty="0" err="1"/>
+              <a:rPr lang="en-US" sz="3200" dirty="0" err="1">
+                <a:latin typeface="Courier New" panose="02070309020205020404" pitchFamily="49" charset="0"/>
+                <a:cs typeface="Courier New" panose="02070309020205020404" pitchFamily="49" charset="0"/>
+              </a:rPr>
               <a:t>InstrumentedOperator</a:t>
             </a:r>
-            <a:endParaRPr lang="en-US" dirty="0"/>
+            <a:endParaRPr lang="en-US" dirty="0">
+              <a:latin typeface="Courier New" panose="02070309020205020404" pitchFamily="49" charset="0"/>
+              <a:cs typeface="Courier New" panose="02070309020205020404" pitchFamily="49" charset="0"/>
+            </a:endParaRPr>
           </a:p>
           <a:p>
             <a:r>
@@ -10223,14 +10540,23 @@
               <a:t>Override </a:t>
             </a:r>
             <a:r>
-              <a:rPr lang="en-US" dirty="0" err="1" smtClean="0"/>
+              <a:rPr lang="en-US" dirty="0" err="1" smtClean="0">
+                <a:latin typeface="Courier New" panose="02070309020205020404" pitchFamily="49" charset="0"/>
+                <a:cs typeface="Courier New" panose="02070309020205020404" pitchFamily="49" charset="0"/>
+              </a:rPr>
               <a:t>InstrumentedApply</a:t>
             </a:r>
             <a:r>
-              <a:rPr lang="en-US" dirty="0" smtClean="0"/>
+              <a:rPr lang="en-US" dirty="0" smtClean="0">
+                <a:latin typeface="Courier New" panose="02070309020205020404" pitchFamily="49" charset="0"/>
+                <a:cs typeface="Courier New" panose="02070309020205020404" pitchFamily="49" charset="0"/>
+              </a:rPr>
               <a:t>()</a:t>
             </a:r>
-            <a:endParaRPr lang="en-US" dirty="0"/>
+            <a:endParaRPr lang="en-US" dirty="0">
+              <a:latin typeface="Courier New" panose="02070309020205020404" pitchFamily="49" charset="0"/>
+              <a:cs typeface="Courier New" panose="02070309020205020404" pitchFamily="49" charset="0"/>
+            </a:endParaRPr>
           </a:p>
           <a:p>
             <a:r>
@@ -10238,11 +10564,17 @@
               <a:t>Must return </a:t>
             </a:r>
             <a:r>
-              <a:rPr lang="en-US" dirty="0" err="1" smtClean="0"/>
+              <a:rPr lang="en-US" dirty="0" err="1" smtClean="0">
+                <a:latin typeface="Courier New" panose="02070309020205020404" pitchFamily="49" charset="0"/>
+                <a:cs typeface="Courier New" panose="02070309020205020404" pitchFamily="49" charset="0"/>
+              </a:rPr>
               <a:t>base.InstrumentedApply</a:t>
             </a:r>
             <a:r>
-              <a:rPr lang="en-US" dirty="0" smtClean="0"/>
+              <a:rPr lang="en-US" dirty="0" smtClean="0">
+                <a:latin typeface="Courier New" panose="02070309020205020404" pitchFamily="49" charset="0"/>
+                <a:cs typeface="Courier New" panose="02070309020205020404" pitchFamily="49" charset="0"/>
+              </a:rPr>
               <a:t>()</a:t>
             </a:r>
           </a:p>
@@ -10255,15 +10587,7 @@
           <a:p>
             <a:r>
               <a:rPr lang="en-US" dirty="0" smtClean="0"/>
-              <a:t>Useful for analyzers, additional functionality,… </a:t>
-            </a:r>
-            <a:r>
-              <a:rPr lang="en-US" smtClean="0"/>
-              <a:t>without changing </a:t>
-            </a:r>
-            <a:r>
-              <a:rPr lang="en-US" dirty="0" smtClean="0"/>
-              <a:t>the algorithm</a:t>
+              <a:t>Useful for analyzers, additional functionality,… without changing the algorithm</a:t>
             </a:r>
           </a:p>
           <a:p>
@@ -10342,7 +10666,7 @@
             <a:fld id="{6C6AE60A-B69C-4790-82F7-3882EDF23186}" type="slidenum">
               <a:rPr lang="de-DE" smtClean="0"/>
               <a:pPr/>
-              <a:t>17</a:t>
+              <a:t>18</a:t>
             </a:fld>
             <a:endParaRPr lang="de-DE"/>
           </a:p>
@@ -10382,10 +10706,17 @@
   <p:clrMapOvr>
     <a:masterClrMapping/>
   </p:clrMapOvr>
+  <p:timing>
+    <p:tnLst>
+      <p:par>
+        <p:cTn id="1" dur="indefinite" restart="never" nodeType="tmRoot"/>
+      </p:par>
+    </p:tnLst>
+  </p:timing>
 </p:sld>
 </file>
 
-<file path=ppt/slides/slide18.xml><?xml version="1.0" encoding="utf-8"?>
+<file path=ppt/slides/slide19.xml><?xml version="1.0" encoding="utf-8"?>
 <p:sld xmlns:a="http://schemas.openxmlformats.org/drawingml/2006/main" xmlns:r="http://schemas.openxmlformats.org/officeDocument/2006/relationships" xmlns:p="http://schemas.openxmlformats.org/presentationml/2006/main">
   <p:cSld>
     <p:spTree>
@@ -10513,7 +10844,7 @@
             <a:fld id="{6C6AE60A-B69C-4790-82F7-3882EDF23186}" type="slidenum">
               <a:rPr lang="de-DE" smtClean="0"/>
               <a:pPr/>
-              <a:t>18</a:t>
+              <a:t>19</a:t>
             </a:fld>
             <a:endParaRPr lang="de-DE"/>
           </a:p>
@@ -10893,229 +11224,6 @@
 </p:sld>
 </file>
 
-<file path=ppt/slides/slide19.xml><?xml version="1.0" encoding="utf-8"?>
-<p:sld xmlns:a="http://schemas.openxmlformats.org/drawingml/2006/main" xmlns:r="http://schemas.openxmlformats.org/officeDocument/2006/relationships" xmlns:p="http://schemas.openxmlformats.org/presentationml/2006/main">
-  <p:cSld>
-    <p:spTree>
-      <p:nvGrpSpPr>
-        <p:cNvPr id="1" name=""/>
-        <p:cNvGrpSpPr/>
-        <p:nvPr/>
-      </p:nvGrpSpPr>
-      <p:grpSpPr>
-        <a:xfrm>
-          <a:off x="0" y="0"/>
-          <a:ext cx="0" cy="0"/>
-          <a:chOff x="0" y="0"/>
-          <a:chExt cx="0" cy="0"/>
-        </a:xfrm>
-      </p:grpSpPr>
-      <p:sp>
-        <p:nvSpPr>
-          <p:cNvPr id="2" name="Titel 1"/>
-          <p:cNvSpPr>
-            <a:spLocks noGrp="1"/>
-          </p:cNvSpPr>
-          <p:nvPr>
-            <p:ph type="title"/>
-          </p:nvPr>
-        </p:nvSpPr>
-        <p:spPr/>
-        <p:txBody>
-          <a:bodyPr/>
-          <a:lstStyle/>
-          <a:p>
-            <a:r>
-              <a:rPr lang="en-GB" dirty="0" smtClean="0"/>
-              <a:t>Algorithms and Problems</a:t>
-            </a:r>
-            <a:endParaRPr lang="en-GB" dirty="0"/>
-          </a:p>
-        </p:txBody>
-      </p:sp>
-      <p:sp>
-        <p:nvSpPr>
-          <p:cNvPr id="3" name="Inhaltsplatzhalter 2"/>
-          <p:cNvSpPr>
-            <a:spLocks noGrp="1"/>
-          </p:cNvSpPr>
-          <p:nvPr>
-            <p:ph idx="1"/>
-          </p:nvPr>
-        </p:nvSpPr>
-        <p:spPr/>
-        <p:txBody>
-          <a:bodyPr>
-            <a:normAutofit fontScale="92500" lnSpcReduction="20000"/>
-          </a:bodyPr>
-          <a:lstStyle/>
-          <a:p>
-            <a:r>
-              <a:rPr lang="en-GB" dirty="0" smtClean="0"/>
-              <a:t>Different ways how to implement algorithms and problems</a:t>
-            </a:r>
-          </a:p>
-          <a:p>
-            <a:r>
-              <a:rPr lang="en-GB" dirty="0" smtClean="0"/>
-              <a:t>Algorithms</a:t>
-            </a:r>
-          </a:p>
-          <a:p>
-            <a:pPr lvl="1"/>
-            <a:r>
-              <a:rPr lang="en-GB" dirty="0" smtClean="0"/>
-              <a:t>Flexible: Inherit from </a:t>
-            </a:r>
-            <a:r>
-              <a:rPr lang="en-GB" dirty="0" err="1" smtClean="0"/>
-              <a:t>HeuristicOptimizationEngineAlgorithm</a:t>
-            </a:r>
-            <a:endParaRPr lang="en-GB" dirty="0" smtClean="0"/>
-          </a:p>
-          <a:p>
-            <a:pPr lvl="1"/>
-            <a:r>
-              <a:rPr lang="en-GB" dirty="0"/>
-              <a:t>Easy: Inherit from </a:t>
-            </a:r>
-            <a:r>
-              <a:rPr lang="en-GB" dirty="0" err="1" smtClean="0"/>
-              <a:t>BasicAlgorithm</a:t>
-            </a:r>
-            <a:endParaRPr lang="en-GB" dirty="0"/>
-          </a:p>
-          <a:p>
-            <a:r>
-              <a:rPr lang="en-GB" dirty="0" smtClean="0"/>
-              <a:t>Problems</a:t>
-            </a:r>
-          </a:p>
-          <a:p>
-            <a:pPr lvl="1"/>
-            <a:r>
-              <a:rPr lang="en-GB" dirty="0" smtClean="0"/>
-              <a:t>Flexible: Inherit from </a:t>
-            </a:r>
-            <a:r>
-              <a:rPr lang="en-GB" dirty="0" err="1"/>
-              <a:t>SingleObjectiveHeuristicOptimizationProblem</a:t>
-            </a:r>
-            <a:endParaRPr lang="en-GB" dirty="0" smtClean="0"/>
-          </a:p>
-          <a:p>
-            <a:pPr lvl="1"/>
-            <a:r>
-              <a:rPr lang="en-GB" dirty="0"/>
-              <a:t>Easy: Inherit from </a:t>
-            </a:r>
-            <a:r>
-              <a:rPr lang="en-GB" dirty="0" smtClean="0"/>
-              <a:t>[</a:t>
-            </a:r>
-            <a:r>
-              <a:rPr lang="en-GB" dirty="0" err="1" smtClean="0"/>
-              <a:t>Single|Multi</a:t>
-            </a:r>
-            <a:r>
-              <a:rPr lang="en-GB" dirty="0" smtClean="0"/>
-              <a:t>]</a:t>
-            </a:r>
-            <a:r>
-              <a:rPr lang="en-GB" dirty="0" err="1" smtClean="0"/>
-              <a:t>ObjectiveBasicProblem</a:t>
-            </a:r>
-            <a:endParaRPr lang="en-GB" dirty="0"/>
-          </a:p>
-          <a:p>
-            <a:pPr lvl="1"/>
-            <a:endParaRPr lang="en-GB" dirty="0"/>
-          </a:p>
-        </p:txBody>
-      </p:sp>
-      <p:sp>
-        <p:nvSpPr>
-          <p:cNvPr id="4" name="Datumsplatzhalter 3"/>
-          <p:cNvSpPr>
-            <a:spLocks noGrp="1"/>
-          </p:cNvSpPr>
-          <p:nvPr>
-            <p:ph type="dt" sz="half" idx="10"/>
-          </p:nvPr>
-        </p:nvSpPr>
-        <p:spPr/>
-        <p:txBody>
-          <a:bodyPr/>
-          <a:lstStyle/>
-          <a:p>
-            <a:r>
-              <a:rPr lang="de-DE" smtClean="0"/>
-              <a:t>Programming HeuristicLab</a:t>
-            </a:r>
-            <a:endParaRPr lang="de-DE" dirty="0"/>
-          </a:p>
-        </p:txBody>
-      </p:sp>
-      <p:sp>
-        <p:nvSpPr>
-          <p:cNvPr id="5" name="Fußzeilenplatzhalter 4"/>
-          <p:cNvSpPr>
-            <a:spLocks noGrp="1"/>
-          </p:cNvSpPr>
-          <p:nvPr>
-            <p:ph type="ftr" sz="quarter" idx="11"/>
-          </p:nvPr>
-        </p:nvSpPr>
-        <p:spPr/>
-        <p:txBody>
-          <a:bodyPr/>
-          <a:lstStyle/>
-          <a:p>
-            <a:r>
-              <a:rPr lang="de-DE" smtClean="0"/>
-              <a:t>http://dev.heuristiclab.com</a:t>
-            </a:r>
-            <a:endParaRPr lang="de-DE"/>
-          </a:p>
-        </p:txBody>
-      </p:sp>
-      <p:sp>
-        <p:nvSpPr>
-          <p:cNvPr id="6" name="Foliennummernplatzhalter 5"/>
-          <p:cNvSpPr>
-            <a:spLocks noGrp="1"/>
-          </p:cNvSpPr>
-          <p:nvPr>
-            <p:ph type="sldNum" sz="quarter" idx="12"/>
-          </p:nvPr>
-        </p:nvSpPr>
-        <p:spPr/>
-        <p:txBody>
-          <a:bodyPr/>
-          <a:lstStyle/>
-          <a:p>
-            <a:fld id="{6C6AE60A-B69C-4790-82F7-3882EDF23186}" type="slidenum">
-              <a:rPr lang="de-DE" smtClean="0"/>
-              <a:pPr/>
-              <a:t>19</a:t>
-            </a:fld>
-            <a:endParaRPr lang="de-DE"/>
-          </a:p>
-        </p:txBody>
-      </p:sp>
-    </p:spTree>
-    <p:extLst>
-      <p:ext uri="{BB962C8B-B14F-4D97-AF65-F5344CB8AC3E}">
-        <p14:creationId xmlns:p14="http://schemas.microsoft.com/office/powerpoint/2010/main" val="2486980561"/>
-      </p:ext>
-    </p:extLst>
-  </p:cSld>
-  <p:clrMapOvr>
-    <a:masterClrMapping/>
-  </p:clrMapOvr>
-</p:sld>
-</file>
-
 <file path=ppt/slides/slide2.xml><?xml version="1.0" encoding="utf-8"?>
 <p:sld xmlns:a="http://schemas.openxmlformats.org/drawingml/2006/main" xmlns:r="http://schemas.openxmlformats.org/officeDocument/2006/relationships" xmlns:p="http://schemas.openxmlformats.org/presentationml/2006/main">
   <p:cSld>
@@ -11279,6 +11387,82 @@
               <a:t>2</a:t>
             </a:fld>
             <a:endParaRPr lang="de-DE"/>
+          </a:p>
+        </p:txBody>
+      </p:sp>
+      <p:pic>
+        <p:nvPicPr>
+          <p:cNvPr id="7" name="Grafik 6"/>
+          <p:cNvPicPr>
+            <a:picLocks noChangeAspect="1"/>
+          </p:cNvPicPr>
+          <p:nvPr/>
+        </p:nvPicPr>
+        <p:blipFill>
+          <a:blip r:embed="rId2" cstate="print">
+            <a:extLst>
+              <a:ext uri="{28A0092B-C50C-407E-A947-70E740481C1C}">
+                <a14:useLocalDpi xmlns:a14="http://schemas.microsoft.com/office/drawing/2010/main" val="0"/>
+              </a:ext>
+            </a:extLst>
+          </a:blip>
+          <a:stretch>
+            <a:fillRect/>
+          </a:stretch>
+        </p:blipFill>
+        <p:spPr>
+          <a:xfrm>
+            <a:off x="2599026" y="3284984"/>
+            <a:ext cx="6087774" cy="2841179"/>
+          </a:xfrm>
+          <a:prstGeom prst="rect">
+            <a:avLst/>
+          </a:prstGeom>
+        </p:spPr>
+      </p:pic>
+      <p:sp>
+        <p:nvSpPr>
+          <p:cNvPr id="8" name="Rechteck 7"/>
+          <p:cNvSpPr/>
+          <p:nvPr/>
+        </p:nvSpPr>
+        <p:spPr>
+          <a:xfrm>
+            <a:off x="2915816" y="3573016"/>
+            <a:ext cx="3888432" cy="1080120"/>
+          </a:xfrm>
+          <a:prstGeom prst="rect">
+            <a:avLst/>
+          </a:prstGeom>
+          <a:noFill/>
+          <a:ln w="57150">
+            <a:solidFill>
+              <a:srgbClr val="FF0000"/>
+            </a:solidFill>
+          </a:ln>
+        </p:spPr>
+        <p:style>
+          <a:lnRef idx="2">
+            <a:schemeClr val="accent1">
+              <a:shade val="50000"/>
+            </a:schemeClr>
+          </a:lnRef>
+          <a:fillRef idx="1">
+            <a:schemeClr val="accent1"/>
+          </a:fillRef>
+          <a:effectRef idx="0">
+            <a:schemeClr val="accent1"/>
+          </a:effectRef>
+          <a:fontRef idx="minor">
+            <a:schemeClr val="lt1"/>
+          </a:fontRef>
+        </p:style>
+        <p:txBody>
+          <a:bodyPr rtlCol="0" anchor="ctr"/>
+          <a:lstStyle/>
+          <a:p>
+            <a:pPr algn="ctr"/>
+            <a:endParaRPr lang="en-GB"/>
           </a:p>
         </p:txBody>
       </p:sp>
@@ -11331,23 +11515,147 @@
         </p:nvSpPr>
         <p:spPr/>
         <p:txBody>
+          <a:bodyPr/>
+          <a:lstStyle/>
+          <a:p>
+            <a:r>
+              <a:rPr lang="en-GB" dirty="0" smtClean="0"/>
+              <a:t>Algorithms and Problems</a:t>
+            </a:r>
+            <a:endParaRPr lang="en-GB" dirty="0"/>
+          </a:p>
+        </p:txBody>
+      </p:sp>
+      <p:sp>
+        <p:nvSpPr>
+          <p:cNvPr id="3" name="Inhaltsplatzhalter 2"/>
+          <p:cNvSpPr>
+            <a:spLocks noGrp="1"/>
+          </p:cNvSpPr>
+          <p:nvPr>
+            <p:ph idx="1"/>
+          </p:nvPr>
+        </p:nvSpPr>
+        <p:spPr/>
+        <p:txBody>
           <a:bodyPr>
-            <a:normAutofit fontScale="90000"/>
+            <a:normAutofit fontScale="85000" lnSpcReduction="20000"/>
           </a:bodyPr>
           <a:lstStyle/>
           <a:p>
             <a:r>
-              <a:rPr lang="en-US" dirty="0" smtClean="0"/>
-              <a:t>Base classes/interfaces </a:t>
-            </a:r>
-            <a:br>
-              <a:rPr lang="en-US" dirty="0" smtClean="0"/>
-            </a:br>
-            <a:r>
-              <a:rPr lang="en-US" dirty="0" smtClean="0"/>
-              <a:t>for algorithms</a:t>
-            </a:r>
-            <a:endParaRPr lang="en-US" dirty="0"/>
+              <a:rPr lang="en-GB" dirty="0" smtClean="0"/>
+              <a:t>Different ways how to implement algorithms and problems</a:t>
+            </a:r>
+          </a:p>
+          <a:p>
+            <a:r>
+              <a:rPr lang="en-GB" dirty="0" smtClean="0"/>
+              <a:t>Algorithms</a:t>
+            </a:r>
+          </a:p>
+          <a:p>
+            <a:pPr lvl="1"/>
+            <a:r>
+              <a:rPr lang="en-GB" dirty="0" smtClean="0"/>
+              <a:t>Flexible: Inherit from </a:t>
+            </a:r>
+            <a:r>
+              <a:rPr lang="en-GB" dirty="0" err="1" smtClean="0">
+                <a:latin typeface="Courier New" panose="02070309020205020404" pitchFamily="49" charset="0"/>
+                <a:cs typeface="Courier New" panose="02070309020205020404" pitchFamily="49" charset="0"/>
+              </a:rPr>
+              <a:t>HeuristicOptimizationEngineAlgorithm</a:t>
+            </a:r>
+            <a:endParaRPr lang="en-GB" dirty="0" smtClean="0">
+              <a:latin typeface="Courier New" panose="02070309020205020404" pitchFamily="49" charset="0"/>
+              <a:cs typeface="Courier New" panose="02070309020205020404" pitchFamily="49" charset="0"/>
+            </a:endParaRPr>
+          </a:p>
+          <a:p>
+            <a:pPr lvl="1"/>
+            <a:r>
+              <a:rPr lang="en-GB" dirty="0"/>
+              <a:t>Easy: Inherit from </a:t>
+            </a:r>
+            <a:r>
+              <a:rPr lang="en-GB" dirty="0" err="1" smtClean="0">
+                <a:latin typeface="Courier New" panose="02070309020205020404" pitchFamily="49" charset="0"/>
+                <a:cs typeface="Courier New" panose="02070309020205020404" pitchFamily="49" charset="0"/>
+              </a:rPr>
+              <a:t>BasicAlgorithm</a:t>
+            </a:r>
+            <a:endParaRPr lang="en-GB" dirty="0">
+              <a:latin typeface="Courier New" panose="02070309020205020404" pitchFamily="49" charset="0"/>
+              <a:cs typeface="Courier New" panose="02070309020205020404" pitchFamily="49" charset="0"/>
+            </a:endParaRPr>
+          </a:p>
+          <a:p>
+            <a:r>
+              <a:rPr lang="en-GB" dirty="0" smtClean="0"/>
+              <a:t>Problems</a:t>
+            </a:r>
+          </a:p>
+          <a:p>
+            <a:pPr lvl="1"/>
+            <a:r>
+              <a:rPr lang="en-GB" dirty="0" smtClean="0"/>
+              <a:t>Flexible: Inherit from </a:t>
+            </a:r>
+            <a:r>
+              <a:rPr lang="en-GB" dirty="0" err="1">
+                <a:latin typeface="Courier New" panose="02070309020205020404" pitchFamily="49" charset="0"/>
+                <a:cs typeface="Courier New" panose="02070309020205020404" pitchFamily="49" charset="0"/>
+              </a:rPr>
+              <a:t>SingleObjectiveHeuristicOptimizationProblem</a:t>
+            </a:r>
+            <a:endParaRPr lang="en-GB" dirty="0" smtClean="0">
+              <a:latin typeface="Courier New" panose="02070309020205020404" pitchFamily="49" charset="0"/>
+              <a:cs typeface="Courier New" panose="02070309020205020404" pitchFamily="49" charset="0"/>
+            </a:endParaRPr>
+          </a:p>
+          <a:p>
+            <a:pPr lvl="1"/>
+            <a:r>
+              <a:rPr lang="en-GB" dirty="0"/>
+              <a:t>Easy: Inherit from </a:t>
+            </a:r>
+            <a:r>
+              <a:rPr lang="en-GB" dirty="0" smtClean="0">
+                <a:latin typeface="Courier New" panose="02070309020205020404" pitchFamily="49" charset="0"/>
+                <a:cs typeface="Courier New" panose="02070309020205020404" pitchFamily="49" charset="0"/>
+              </a:rPr>
+              <a:t>[</a:t>
+            </a:r>
+            <a:r>
+              <a:rPr lang="en-GB" dirty="0" err="1" smtClean="0">
+                <a:latin typeface="Courier New" panose="02070309020205020404" pitchFamily="49" charset="0"/>
+                <a:cs typeface="Courier New" panose="02070309020205020404" pitchFamily="49" charset="0"/>
+              </a:rPr>
+              <a:t>Single|Multi</a:t>
+            </a:r>
+            <a:r>
+              <a:rPr lang="en-GB" dirty="0" smtClean="0">
+                <a:latin typeface="Courier New" panose="02070309020205020404" pitchFamily="49" charset="0"/>
+                <a:cs typeface="Courier New" panose="02070309020205020404" pitchFamily="49" charset="0"/>
+              </a:rPr>
+              <a:t>]</a:t>
+            </a:r>
+            <a:r>
+              <a:rPr lang="en-GB" dirty="0" err="1" smtClean="0">
+                <a:latin typeface="Courier New" panose="02070309020205020404" pitchFamily="49" charset="0"/>
+                <a:cs typeface="Courier New" panose="02070309020205020404" pitchFamily="49" charset="0"/>
+              </a:rPr>
+              <a:t>ObjectiveBasicProblem</a:t>
+            </a:r>
+            <a:endParaRPr lang="en-GB" dirty="0">
+              <a:latin typeface="Courier New" panose="02070309020205020404" pitchFamily="49" charset="0"/>
+              <a:cs typeface="Courier New" panose="02070309020205020404" pitchFamily="49" charset="0"/>
+            </a:endParaRPr>
+          </a:p>
+          <a:p>
+            <a:pPr lvl="1"/>
+            <a:endParaRPr lang="en-GB" dirty="0"/>
           </a:p>
         </p:txBody>
       </p:sp>
@@ -11416,6 +11724,153 @@
               <a:rPr lang="de-DE" smtClean="0"/>
               <a:pPr/>
               <a:t>20</a:t>
+            </a:fld>
+            <a:endParaRPr lang="de-DE"/>
+          </a:p>
+        </p:txBody>
+      </p:sp>
+    </p:spTree>
+    <p:extLst>
+      <p:ext uri="{BB962C8B-B14F-4D97-AF65-F5344CB8AC3E}">
+        <p14:creationId xmlns:p14="http://schemas.microsoft.com/office/powerpoint/2010/main" val="2486980561"/>
+      </p:ext>
+    </p:extLst>
+  </p:cSld>
+  <p:clrMapOvr>
+    <a:masterClrMapping/>
+  </p:clrMapOvr>
+  <p:timing>
+    <p:tnLst>
+      <p:par>
+        <p:cTn id="1" dur="indefinite" restart="never" nodeType="tmRoot"/>
+      </p:par>
+    </p:tnLst>
+  </p:timing>
+</p:sld>
+</file>
+
+<file path=ppt/slides/slide21.xml><?xml version="1.0" encoding="utf-8"?>
+<p:sld xmlns:a="http://schemas.openxmlformats.org/drawingml/2006/main" xmlns:r="http://schemas.openxmlformats.org/officeDocument/2006/relationships" xmlns:p="http://schemas.openxmlformats.org/presentationml/2006/main">
+  <p:cSld>
+    <p:spTree>
+      <p:nvGrpSpPr>
+        <p:cNvPr id="1" name=""/>
+        <p:cNvGrpSpPr/>
+        <p:nvPr/>
+      </p:nvGrpSpPr>
+      <p:grpSpPr>
+        <a:xfrm>
+          <a:off x="0" y="0"/>
+          <a:ext cx="0" cy="0"/>
+          <a:chOff x="0" y="0"/>
+          <a:chExt cx="0" cy="0"/>
+        </a:xfrm>
+      </p:grpSpPr>
+      <p:sp>
+        <p:nvSpPr>
+          <p:cNvPr id="2" name="Titel 1"/>
+          <p:cNvSpPr>
+            <a:spLocks noGrp="1"/>
+          </p:cNvSpPr>
+          <p:nvPr>
+            <p:ph type="title"/>
+          </p:nvPr>
+        </p:nvSpPr>
+        <p:spPr/>
+        <p:txBody>
+          <a:bodyPr>
+            <a:normAutofit fontScale="90000"/>
+          </a:bodyPr>
+          <a:lstStyle/>
+          <a:p>
+            <a:r>
+              <a:rPr lang="en-US" dirty="0" smtClean="0"/>
+              <a:t>Base </a:t>
+            </a:r>
+            <a:r>
+              <a:rPr lang="en-US" dirty="0" smtClean="0"/>
+              <a:t>classes/Interfaces </a:t>
+            </a:r>
+            <a:r>
+              <a:rPr lang="en-US" dirty="0" smtClean="0"/>
+              <a:t/>
+            </a:r>
+            <a:br>
+              <a:rPr lang="en-US" dirty="0" smtClean="0"/>
+            </a:br>
+            <a:r>
+              <a:rPr lang="en-US" dirty="0" smtClean="0"/>
+              <a:t>for algorithms</a:t>
+            </a:r>
+            <a:endParaRPr lang="en-US" dirty="0"/>
+          </a:p>
+        </p:txBody>
+      </p:sp>
+      <p:sp>
+        <p:nvSpPr>
+          <p:cNvPr id="4" name="Datumsplatzhalter 3"/>
+          <p:cNvSpPr>
+            <a:spLocks noGrp="1"/>
+          </p:cNvSpPr>
+          <p:nvPr>
+            <p:ph type="dt" sz="half" idx="10"/>
+          </p:nvPr>
+        </p:nvSpPr>
+        <p:spPr/>
+        <p:txBody>
+          <a:bodyPr/>
+          <a:lstStyle/>
+          <a:p>
+            <a:r>
+              <a:rPr lang="de-DE" smtClean="0"/>
+              <a:t>Programming HeuristicLab</a:t>
+            </a:r>
+            <a:endParaRPr lang="de-DE" dirty="0"/>
+          </a:p>
+        </p:txBody>
+      </p:sp>
+      <p:sp>
+        <p:nvSpPr>
+          <p:cNvPr id="5" name="Fußzeilenplatzhalter 4"/>
+          <p:cNvSpPr>
+            <a:spLocks noGrp="1"/>
+          </p:cNvSpPr>
+          <p:nvPr>
+            <p:ph type="ftr" sz="quarter" idx="11"/>
+          </p:nvPr>
+        </p:nvSpPr>
+        <p:spPr/>
+        <p:txBody>
+          <a:bodyPr/>
+          <a:lstStyle/>
+          <a:p>
+            <a:r>
+              <a:rPr lang="de-DE" smtClean="0"/>
+              <a:t>http://dev.heuristiclab.com</a:t>
+            </a:r>
+            <a:endParaRPr lang="de-DE"/>
+          </a:p>
+        </p:txBody>
+      </p:sp>
+      <p:sp>
+        <p:nvSpPr>
+          <p:cNvPr id="6" name="Foliennummernplatzhalter 5"/>
+          <p:cNvSpPr>
+            <a:spLocks noGrp="1"/>
+          </p:cNvSpPr>
+          <p:nvPr>
+            <p:ph type="sldNum" sz="quarter" idx="12"/>
+          </p:nvPr>
+        </p:nvSpPr>
+        <p:spPr/>
+        <p:txBody>
+          <a:bodyPr/>
+          <a:lstStyle/>
+          <a:p>
+            <a:fld id="{6C6AE60A-B69C-4790-82F7-3882EDF23186}" type="slidenum">
+              <a:rPr lang="de-DE" smtClean="0"/>
+              <a:pPr/>
+              <a:t>21</a:t>
             </a:fld>
             <a:endParaRPr lang="de-DE"/>
           </a:p>
@@ -11465,265 +11920,6 @@
 </p:sld>
 </file>
 
-<file path=ppt/slides/slide21.xml><?xml version="1.0" encoding="utf-8"?>
-<p:sld xmlns:a="http://schemas.openxmlformats.org/drawingml/2006/main" xmlns:r="http://schemas.openxmlformats.org/officeDocument/2006/relationships" xmlns:p="http://schemas.openxmlformats.org/presentationml/2006/main">
-  <p:cSld>
-    <p:spTree>
-      <p:nvGrpSpPr>
-        <p:cNvPr id="1" name=""/>
-        <p:cNvGrpSpPr/>
-        <p:nvPr/>
-      </p:nvGrpSpPr>
-      <p:grpSpPr>
-        <a:xfrm>
-          <a:off x="0" y="0"/>
-          <a:ext cx="0" cy="0"/>
-          <a:chOff x="0" y="0"/>
-          <a:chExt cx="0" cy="0"/>
-        </a:xfrm>
-      </p:grpSpPr>
-      <p:sp>
-        <p:nvSpPr>
-          <p:cNvPr id="2" name="Titel 1"/>
-          <p:cNvSpPr>
-            <a:spLocks noGrp="1"/>
-          </p:cNvSpPr>
-          <p:nvPr>
-            <p:ph type="title"/>
-          </p:nvPr>
-        </p:nvSpPr>
-        <p:spPr/>
-        <p:txBody>
-          <a:bodyPr>
-            <a:normAutofit fontScale="90000"/>
-          </a:bodyPr>
-          <a:lstStyle/>
-          <a:p>
-            <a:r>
-              <a:rPr lang="en-US" dirty="0"/>
-              <a:t>Base classes/interfaces </a:t>
-            </a:r>
-            <a:r>
-              <a:rPr lang="en-US" dirty="0" smtClean="0"/>
-              <a:t>for </a:t>
-            </a:r>
-            <a:r>
-              <a:rPr lang="en-US" dirty="0"/>
-              <a:t>algorithms</a:t>
-            </a:r>
-            <a:endParaRPr lang="de-AT" dirty="0"/>
-          </a:p>
-        </p:txBody>
-      </p:sp>
-      <p:sp>
-        <p:nvSpPr>
-          <p:cNvPr id="3" name="Inhaltsplatzhalter 2"/>
-          <p:cNvSpPr>
-            <a:spLocks noGrp="1"/>
-          </p:cNvSpPr>
-          <p:nvPr>
-            <p:ph idx="1"/>
-          </p:nvPr>
-        </p:nvSpPr>
-        <p:spPr/>
-        <p:txBody>
-          <a:bodyPr>
-            <a:normAutofit fontScale="70000" lnSpcReduction="20000"/>
-          </a:bodyPr>
-          <a:lstStyle/>
-          <a:p>
-            <a:r>
-              <a:rPr lang="en-US" dirty="0" err="1" smtClean="0"/>
-              <a:t>IExecutable</a:t>
-            </a:r>
-            <a:r>
-              <a:rPr lang="en-US" dirty="0" smtClean="0"/>
-              <a:t> (Executable): </a:t>
-            </a:r>
-          </a:p>
-          <a:p>
-            <a:pPr lvl="1"/>
-            <a:r>
-              <a:rPr lang="en-US" dirty="0" smtClean="0"/>
-              <a:t>Defines methods for starting, stopping, etc. of algorithms</a:t>
-            </a:r>
-          </a:p>
-          <a:p>
-            <a:r>
-              <a:rPr lang="en-US" dirty="0" err="1" smtClean="0"/>
-              <a:t>IOptimizer</a:t>
-            </a:r>
-            <a:r>
-              <a:rPr lang="en-US" dirty="0" smtClean="0"/>
-              <a:t>: </a:t>
-            </a:r>
-          </a:p>
-          <a:p>
-            <a:pPr lvl="1"/>
-            <a:r>
-              <a:rPr lang="en-US" dirty="0" smtClean="0"/>
-              <a:t>Contains a run collection</a:t>
-            </a:r>
-          </a:p>
-          <a:p>
-            <a:r>
-              <a:rPr lang="en-US" dirty="0" err="1" smtClean="0"/>
-              <a:t>IAlgorithm</a:t>
-            </a:r>
-            <a:r>
-              <a:rPr lang="en-US" dirty="0" smtClean="0"/>
-              <a:t>: </a:t>
-            </a:r>
-          </a:p>
-          <a:p>
-            <a:pPr lvl="1"/>
-            <a:r>
-              <a:rPr lang="en-US" dirty="0" smtClean="0"/>
-              <a:t>Contains a problem on which the algorithm is applied as well as a result</a:t>
-            </a:r>
-          </a:p>
-          <a:p>
-            <a:r>
-              <a:rPr lang="en-US" dirty="0" smtClean="0"/>
-              <a:t>Algorithm: </a:t>
-            </a:r>
-          </a:p>
-          <a:p>
-            <a:pPr lvl="1"/>
-            <a:r>
-              <a:rPr lang="en-US" dirty="0" smtClean="0"/>
-              <a:t>Base class, implements </a:t>
-            </a:r>
-            <a:r>
-              <a:rPr lang="en-US" dirty="0" err="1" smtClean="0"/>
-              <a:t>IAlgorithm</a:t>
-            </a:r>
-            <a:endParaRPr lang="en-US" dirty="0" smtClean="0"/>
-          </a:p>
-          <a:p>
-            <a:r>
-              <a:rPr lang="en-US" dirty="0" err="1" smtClean="0"/>
-              <a:t>EngineAlgorithm</a:t>
-            </a:r>
-            <a:r>
-              <a:rPr lang="en-US" dirty="0" smtClean="0"/>
-              <a:t>: </a:t>
-            </a:r>
-          </a:p>
-          <a:p>
-            <a:pPr lvl="1"/>
-            <a:r>
-              <a:rPr lang="en-US" dirty="0" smtClean="0"/>
-              <a:t>Extensions for execution with an engine (operator graph, scope, engine)</a:t>
-            </a:r>
-          </a:p>
-          <a:p>
-            <a:r>
-              <a:rPr lang="en-US" dirty="0" err="1" smtClean="0"/>
-              <a:t>HeuristicOptimizationEngineAlgorithm</a:t>
-            </a:r>
-            <a:r>
-              <a:rPr lang="en-US" dirty="0" smtClean="0"/>
-              <a:t>: </a:t>
-            </a:r>
-          </a:p>
-          <a:p>
-            <a:pPr lvl="1"/>
-            <a:r>
-              <a:rPr lang="en-US" dirty="0" smtClean="0"/>
-              <a:t>Specifies problem: </a:t>
-            </a:r>
-            <a:r>
-              <a:rPr lang="en-US" dirty="0" err="1" smtClean="0"/>
-              <a:t>IHeuristicOptimizationProblem</a:t>
-            </a:r>
-            <a:endParaRPr lang="en-US" dirty="0"/>
-          </a:p>
-        </p:txBody>
-      </p:sp>
-      <p:sp>
-        <p:nvSpPr>
-          <p:cNvPr id="4" name="Datumsplatzhalter 3"/>
-          <p:cNvSpPr>
-            <a:spLocks noGrp="1"/>
-          </p:cNvSpPr>
-          <p:nvPr>
-            <p:ph type="dt" sz="half" idx="10"/>
-          </p:nvPr>
-        </p:nvSpPr>
-        <p:spPr/>
-        <p:txBody>
-          <a:bodyPr/>
-          <a:lstStyle/>
-          <a:p>
-            <a:r>
-              <a:rPr lang="de-DE" smtClean="0"/>
-              <a:t>Programming HeuristicLab</a:t>
-            </a:r>
-            <a:endParaRPr lang="de-DE" dirty="0"/>
-          </a:p>
-        </p:txBody>
-      </p:sp>
-      <p:sp>
-        <p:nvSpPr>
-          <p:cNvPr id="5" name="Fußzeilenplatzhalter 4"/>
-          <p:cNvSpPr>
-            <a:spLocks noGrp="1"/>
-          </p:cNvSpPr>
-          <p:nvPr>
-            <p:ph type="ftr" sz="quarter" idx="11"/>
-          </p:nvPr>
-        </p:nvSpPr>
-        <p:spPr/>
-        <p:txBody>
-          <a:bodyPr/>
-          <a:lstStyle/>
-          <a:p>
-            <a:r>
-              <a:rPr lang="de-DE" smtClean="0"/>
-              <a:t>http://dev.heuristiclab.com</a:t>
-            </a:r>
-            <a:endParaRPr lang="de-DE"/>
-          </a:p>
-        </p:txBody>
-      </p:sp>
-      <p:sp>
-        <p:nvSpPr>
-          <p:cNvPr id="6" name="Foliennummernplatzhalter 5"/>
-          <p:cNvSpPr>
-            <a:spLocks noGrp="1"/>
-          </p:cNvSpPr>
-          <p:nvPr>
-            <p:ph type="sldNum" sz="quarter" idx="12"/>
-          </p:nvPr>
-        </p:nvSpPr>
-        <p:spPr/>
-        <p:txBody>
-          <a:bodyPr/>
-          <a:lstStyle/>
-          <a:p>
-            <a:fld id="{6C6AE60A-B69C-4790-82F7-3882EDF23186}" type="slidenum">
-              <a:rPr lang="de-DE" smtClean="0"/>
-              <a:pPr/>
-              <a:t>21</a:t>
-            </a:fld>
-            <a:endParaRPr lang="de-DE"/>
-          </a:p>
-        </p:txBody>
-      </p:sp>
-    </p:spTree>
-    <p:extLst>
-      <p:ext uri="{BB962C8B-B14F-4D97-AF65-F5344CB8AC3E}">
-        <p14:creationId xmlns:p14="http://schemas.microsoft.com/office/powerpoint/2010/main" val="1686843175"/>
-      </p:ext>
-    </p:extLst>
-  </p:cSld>
-  <p:clrMapOvr>
-    <a:masterClrMapping/>
-  </p:clrMapOvr>
-</p:sld>
-</file>
-
 <file path=ppt/slides/slide22.xml><?xml version="1.0" encoding="utf-8"?>
 <p:sld xmlns:a="http://schemas.openxmlformats.org/drawingml/2006/main" xmlns:r="http://schemas.openxmlformats.org/officeDocument/2006/relationships" xmlns:p="http://schemas.openxmlformats.org/presentationml/2006/main">
   <p:cSld>
@@ -11753,20 +11949,26 @@
         </p:nvSpPr>
         <p:spPr/>
         <p:txBody>
-          <a:bodyPr/>
+          <a:bodyPr>
+            <a:normAutofit fontScale="90000"/>
+          </a:bodyPr>
           <a:lstStyle/>
           <a:p>
             <a:r>
               <a:rPr lang="en-US" dirty="0"/>
-              <a:t>What does </a:t>
+              <a:t>Base </a:t>
             </a:r>
             <a:r>
               <a:rPr lang="en-US" dirty="0" smtClean="0"/>
-              <a:t>an HL algorithm </a:t>
+              <a:t>classes/Interfaces </a:t>
+            </a:r>
+            <a:r>
+              <a:rPr lang="en-US" dirty="0" smtClean="0"/>
+              <a:t>for </a:t>
             </a:r>
             <a:r>
               <a:rPr lang="en-US" dirty="0"/>
-              <a:t>do?</a:t>
+              <a:t>algorithms</a:t>
             </a:r>
             <a:endParaRPr lang="de-AT" dirty="0"/>
           </a:p>
@@ -11785,33 +11987,161 @@
         <p:spPr/>
         <p:txBody>
           <a:bodyPr>
-            <a:normAutofit lnSpcReduction="10000"/>
+            <a:normAutofit fontScale="70000" lnSpcReduction="20000"/>
           </a:bodyPr>
           <a:lstStyle/>
           <a:p>
             <a:r>
+              <a:rPr lang="en-US" dirty="0" err="1" smtClean="0">
+                <a:latin typeface="Courier New" panose="02070309020205020404" pitchFamily="49" charset="0"/>
+                <a:cs typeface="Courier New" panose="02070309020205020404" pitchFamily="49" charset="0"/>
+              </a:rPr>
+              <a:t>IExecutable</a:t>
+            </a:r>
+            <a:r>
               <a:rPr lang="en-US" dirty="0" smtClean="0"/>
-              <a:t>Create operator graph of algorithm by chaining together operators (the actual algorithm)</a:t>
-            </a:r>
-          </a:p>
-          <a:p>
+              <a:t> (</a:t>
+            </a:r>
+            <a:r>
+              <a:rPr lang="en-US" dirty="0" smtClean="0">
+                <a:latin typeface="Courier New" panose="02070309020205020404" pitchFamily="49" charset="0"/>
+                <a:cs typeface="Courier New" panose="02070309020205020404" pitchFamily="49" charset="0"/>
+              </a:rPr>
+              <a:t>Executable</a:t>
+            </a:r>
             <a:r>
               <a:rPr lang="en-US" dirty="0" smtClean="0"/>
-              <a:t>Offer user configuration options through parameters</a:t>
-            </a:r>
-          </a:p>
-          <a:p>
+              <a:t>): </a:t>
+            </a:r>
+          </a:p>
+          <a:p>
+            <a:pPr lvl="1"/>
             <a:r>
               <a:rPr lang="en-US" dirty="0" smtClean="0"/>
-              <a:t>Discover operators from the Operators collection of the problem/encoding</a:t>
-            </a:r>
-          </a:p>
-          <a:p>
+              <a:t>Defines methods for starting, stopping, etc. of algorithms</a:t>
+            </a:r>
+          </a:p>
+          <a:p>
+            <a:r>
+              <a:rPr lang="en-US" dirty="0" err="1" smtClean="0">
+                <a:latin typeface="Courier New" panose="02070309020205020404" pitchFamily="49" charset="0"/>
+                <a:cs typeface="Courier New" panose="02070309020205020404" pitchFamily="49" charset="0"/>
+              </a:rPr>
+              <a:t>IOptimizer</a:t>
+            </a:r>
             <a:r>
               <a:rPr lang="en-US" dirty="0" smtClean="0"/>
-              <a:t>Parameterize/wire (react to changes in operators) operators where necessary</a:t>
-            </a:r>
-            <a:endParaRPr lang="en-US" dirty="0"/>
+              <a:t>: </a:t>
+            </a:r>
+          </a:p>
+          <a:p>
+            <a:pPr lvl="1"/>
+            <a:r>
+              <a:rPr lang="en-US" dirty="0" smtClean="0"/>
+              <a:t>Contains a run collection</a:t>
+            </a:r>
+          </a:p>
+          <a:p>
+            <a:r>
+              <a:rPr lang="en-US" dirty="0" err="1" smtClean="0">
+                <a:latin typeface="Courier New" panose="02070309020205020404" pitchFamily="49" charset="0"/>
+                <a:cs typeface="Courier New" panose="02070309020205020404" pitchFamily="49" charset="0"/>
+              </a:rPr>
+              <a:t>IAlgorithm</a:t>
+            </a:r>
+            <a:r>
+              <a:rPr lang="en-US" dirty="0" smtClean="0"/>
+              <a:t>: </a:t>
+            </a:r>
+          </a:p>
+          <a:p>
+            <a:pPr lvl="1"/>
+            <a:r>
+              <a:rPr lang="en-US" dirty="0" smtClean="0"/>
+              <a:t>Contains a problem on which the algorithm is applied as well as a result</a:t>
+            </a:r>
+          </a:p>
+          <a:p>
+            <a:r>
+              <a:rPr lang="en-US" dirty="0" smtClean="0">
+                <a:latin typeface="Courier New" panose="02070309020205020404" pitchFamily="49" charset="0"/>
+                <a:cs typeface="Courier New" panose="02070309020205020404" pitchFamily="49" charset="0"/>
+              </a:rPr>
+              <a:t>Algorithm</a:t>
+            </a:r>
+            <a:r>
+              <a:rPr lang="en-US" dirty="0" smtClean="0"/>
+              <a:t>: </a:t>
+            </a:r>
+          </a:p>
+          <a:p>
+            <a:pPr lvl="1"/>
+            <a:r>
+              <a:rPr lang="en-US" dirty="0" smtClean="0"/>
+              <a:t>Base class, implements </a:t>
+            </a:r>
+            <a:r>
+              <a:rPr lang="en-US" dirty="0" err="1" smtClean="0">
+                <a:latin typeface="Courier New" panose="02070309020205020404" pitchFamily="49" charset="0"/>
+                <a:cs typeface="Courier New" panose="02070309020205020404" pitchFamily="49" charset="0"/>
+              </a:rPr>
+              <a:t>IAlgorithm</a:t>
+            </a:r>
+            <a:endParaRPr lang="en-US" dirty="0" smtClean="0">
+              <a:latin typeface="Courier New" panose="02070309020205020404" pitchFamily="49" charset="0"/>
+              <a:cs typeface="Courier New" panose="02070309020205020404" pitchFamily="49" charset="0"/>
+            </a:endParaRPr>
+          </a:p>
+          <a:p>
+            <a:r>
+              <a:rPr lang="en-US" dirty="0" err="1" smtClean="0">
+                <a:latin typeface="Courier New" panose="02070309020205020404" pitchFamily="49" charset="0"/>
+                <a:cs typeface="Courier New" panose="02070309020205020404" pitchFamily="49" charset="0"/>
+              </a:rPr>
+              <a:t>EngineAlgorithm</a:t>
+            </a:r>
+            <a:r>
+              <a:rPr lang="en-US" dirty="0" smtClean="0"/>
+              <a:t>: </a:t>
+            </a:r>
+          </a:p>
+          <a:p>
+            <a:pPr lvl="1"/>
+            <a:r>
+              <a:rPr lang="en-US" dirty="0" smtClean="0"/>
+              <a:t>Extensions for execution with an engine (operator graph, scope, engine)</a:t>
+            </a:r>
+          </a:p>
+          <a:p>
+            <a:r>
+              <a:rPr lang="en-US" dirty="0" err="1" smtClean="0">
+                <a:latin typeface="Courier New" panose="02070309020205020404" pitchFamily="49" charset="0"/>
+                <a:cs typeface="Courier New" panose="02070309020205020404" pitchFamily="49" charset="0"/>
+              </a:rPr>
+              <a:t>HeuristicOptimizationEngineAlgorithm</a:t>
+            </a:r>
+            <a:r>
+              <a:rPr lang="en-US" dirty="0" smtClean="0"/>
+              <a:t>: </a:t>
+            </a:r>
+          </a:p>
+          <a:p>
+            <a:pPr lvl="1"/>
+            <a:r>
+              <a:rPr lang="en-US" dirty="0" smtClean="0"/>
+              <a:t>Specifies problem: </a:t>
+            </a:r>
+            <a:r>
+              <a:rPr lang="en-US" dirty="0" err="1" smtClean="0">
+                <a:latin typeface="Courier New" panose="02070309020205020404" pitchFamily="49" charset="0"/>
+                <a:cs typeface="Courier New" panose="02070309020205020404" pitchFamily="49" charset="0"/>
+              </a:rPr>
+              <a:t>IHeuristicOptimizationProblem</a:t>
+            </a:r>
+            <a:endParaRPr lang="en-US" dirty="0">
+              <a:latin typeface="Courier New" panose="02070309020205020404" pitchFamily="49" charset="0"/>
+              <a:cs typeface="Courier New" panose="02070309020205020404" pitchFamily="49" charset="0"/>
+            </a:endParaRPr>
           </a:p>
         </p:txBody>
       </p:sp>
@@ -11888,13 +12218,20 @@
     </p:spTree>
     <p:extLst>
       <p:ext uri="{BB962C8B-B14F-4D97-AF65-F5344CB8AC3E}">
-        <p14:creationId xmlns:p14="http://schemas.microsoft.com/office/powerpoint/2010/main" val="4244634258"/>
+        <p14:creationId xmlns:p14="http://schemas.microsoft.com/office/powerpoint/2010/main" val="1686843175"/>
       </p:ext>
     </p:extLst>
   </p:cSld>
   <p:clrMapOvr>
     <a:masterClrMapping/>
   </p:clrMapOvr>
+  <p:timing>
+    <p:tnLst>
+      <p:par>
+        <p:cTn id="1" dur="indefinite" restart="never" nodeType="tmRoot"/>
+      </p:par>
+    </p:tnLst>
+  </p:timing>
 </p:sld>
 </file>
 
@@ -11931,10 +12268,18 @@
           <a:lstStyle/>
           <a:p>
             <a:r>
-              <a:rPr lang="en-GB" dirty="0" err="1" smtClean="0"/>
-              <a:t>BasicAlgorithm</a:t>
-            </a:r>
-            <a:endParaRPr lang="en-GB" dirty="0"/>
+              <a:rPr lang="en-US" dirty="0"/>
+              <a:t>What does </a:t>
+            </a:r>
+            <a:r>
+              <a:rPr lang="en-US" dirty="0" smtClean="0"/>
+              <a:t>an HL algorithm </a:t>
+            </a:r>
+            <a:r>
+              <a:rPr lang="en-US" dirty="0"/>
+              <a:t>do?</a:t>
+            </a:r>
+            <a:endParaRPr lang="de-AT" dirty="0"/>
           </a:p>
         </p:txBody>
       </p:sp>
@@ -11950,57 +12295,42 @@
         </p:nvSpPr>
         <p:spPr/>
         <p:txBody>
-          <a:bodyPr/>
-          <a:lstStyle/>
-          <a:p>
-            <a:r>
-              <a:rPr lang="en-GB" dirty="0" smtClean="0"/>
-              <a:t>Creating an operator graph can be quite tricky</a:t>
-            </a:r>
-          </a:p>
-          <a:p>
-            <a:r>
-              <a:rPr lang="en-GB" dirty="0" smtClean="0"/>
-              <a:t>Wiring operators is error-prone</a:t>
-            </a:r>
-          </a:p>
-          <a:p>
-            <a:r>
-              <a:rPr lang="en-GB" dirty="0" err="1" smtClean="0"/>
-              <a:t>BasicAlgorithms</a:t>
-            </a:r>
-            <a:r>
-              <a:rPr lang="en-GB" dirty="0" smtClean="0"/>
-              <a:t> are </a:t>
-            </a:r>
-          </a:p>
-          <a:p>
-            <a:pPr lvl="1"/>
-            <a:r>
-              <a:rPr lang="en-GB" dirty="0" smtClean="0"/>
-              <a:t>Easy to implement</a:t>
-            </a:r>
-          </a:p>
-          <a:p>
-            <a:pPr lvl="1"/>
-            <a:r>
-              <a:rPr lang="en-GB" dirty="0" smtClean="0"/>
-              <a:t>No boilerplate code</a:t>
-            </a:r>
-          </a:p>
-          <a:p>
-            <a:pPr lvl="1"/>
-            <a:r>
-              <a:rPr lang="en-GB" dirty="0" smtClean="0"/>
-              <a:t>Hard-coded (no operator graph)</a:t>
-            </a:r>
-          </a:p>
-          <a:p>
-            <a:pPr lvl="1"/>
-            <a:r>
-              <a:rPr lang="en-GB" dirty="0" smtClean="0"/>
-              <a:t>Don’t support pause</a:t>
-            </a:r>
+          <a:bodyPr>
+            <a:normAutofit lnSpcReduction="10000"/>
+          </a:bodyPr>
+          <a:lstStyle/>
+          <a:p>
+            <a:r>
+              <a:rPr lang="en-US" dirty="0" smtClean="0"/>
+              <a:t>Create operator graph of algorithm by chaining together operators (the actual algorithm)</a:t>
+            </a:r>
+          </a:p>
+          <a:p>
+            <a:r>
+              <a:rPr lang="en-US" dirty="0" smtClean="0"/>
+              <a:t>Offer user configuration options through parameters</a:t>
+            </a:r>
+          </a:p>
+          <a:p>
+            <a:r>
+              <a:rPr lang="en-US" dirty="0" smtClean="0"/>
+              <a:t>Discover operators from the </a:t>
+            </a:r>
+            <a:r>
+              <a:rPr lang="en-US" dirty="0" smtClean="0"/>
+              <a:t>operators </a:t>
+            </a:r>
+            <a:r>
+              <a:rPr lang="en-US" dirty="0" smtClean="0"/>
+              <a:t>collection of the problem/encoding</a:t>
+            </a:r>
+          </a:p>
+          <a:p>
+            <a:r>
+              <a:rPr lang="en-US" dirty="0" smtClean="0"/>
+              <a:t>Parameterize/wire (react to changes in operators) operators where necessary</a:t>
+            </a:r>
+            <a:endParaRPr lang="en-US" dirty="0"/>
           </a:p>
         </p:txBody>
       </p:sp>
@@ -12077,13 +12407,20 @@
     </p:spTree>
     <p:extLst>
       <p:ext uri="{BB962C8B-B14F-4D97-AF65-F5344CB8AC3E}">
-        <p14:creationId xmlns:p14="http://schemas.microsoft.com/office/powerpoint/2010/main" val="3905736715"/>
+        <p14:creationId xmlns:p14="http://schemas.microsoft.com/office/powerpoint/2010/main" val="4244634258"/>
       </p:ext>
     </p:extLst>
   </p:cSld>
   <p:clrMapOvr>
     <a:masterClrMapping/>
   </p:clrMapOvr>
+  <p:timing>
+    <p:tnLst>
+      <p:par>
+        <p:cTn id="1" dur="indefinite" restart="never" nodeType="tmRoot"/>
+      </p:par>
+    </p:tnLst>
+  </p:timing>
 </p:sld>
 </file>
 
@@ -12116,27 +12453,88 @@
         </p:nvSpPr>
         <p:spPr/>
         <p:txBody>
-          <a:bodyPr>
-            <a:normAutofit fontScale="90000"/>
-          </a:bodyPr>
-          <a:lstStyle/>
-          <a:p>
-            <a:r>
-              <a:rPr lang="en-US" dirty="0"/>
-              <a:t>Base classes/interfaces </a:t>
-            </a:r>
-            <a:br>
-              <a:rPr lang="en-US" dirty="0"/>
-            </a:br>
-            <a:r>
-              <a:rPr lang="en-US" dirty="0"/>
-              <a:t>for </a:t>
-            </a:r>
-            <a:r>
-              <a:rPr lang="en-US" dirty="0" err="1" smtClean="0"/>
+          <a:bodyPr/>
+          <a:lstStyle/>
+          <a:p>
+            <a:r>
+              <a:rPr lang="en-GB" dirty="0" err="1" smtClean="0"/>
               <a:t>BasicAlgorithm</a:t>
             </a:r>
             <a:endParaRPr lang="en-GB" dirty="0"/>
+          </a:p>
+        </p:txBody>
+      </p:sp>
+      <p:sp>
+        <p:nvSpPr>
+          <p:cNvPr id="3" name="Inhaltsplatzhalter 2"/>
+          <p:cNvSpPr>
+            <a:spLocks noGrp="1"/>
+          </p:cNvSpPr>
+          <p:nvPr>
+            <p:ph idx="1"/>
+          </p:nvPr>
+        </p:nvSpPr>
+        <p:spPr/>
+        <p:txBody>
+          <a:bodyPr/>
+          <a:lstStyle/>
+          <a:p>
+            <a:r>
+              <a:rPr lang="en-GB" dirty="0" smtClean="0"/>
+              <a:t>Creating an operator graph can be quite tricky</a:t>
+            </a:r>
+          </a:p>
+          <a:p>
+            <a:r>
+              <a:rPr lang="en-GB" dirty="0" smtClean="0"/>
+              <a:t>Wiring operators is error-prone</a:t>
+            </a:r>
+          </a:p>
+          <a:p>
+            <a:r>
+              <a:rPr lang="en-GB" dirty="0" err="1" smtClean="0">
+                <a:latin typeface="Courier New" panose="02070309020205020404" pitchFamily="49" charset="0"/>
+                <a:cs typeface="Courier New" panose="02070309020205020404" pitchFamily="49" charset="0"/>
+              </a:rPr>
+              <a:t>BasicAlgorithms</a:t>
+            </a:r>
+            <a:r>
+              <a:rPr lang="en-GB" dirty="0" smtClean="0"/>
+              <a:t> are </a:t>
+            </a:r>
+          </a:p>
+          <a:p>
+            <a:pPr lvl="1"/>
+            <a:r>
+              <a:rPr lang="en-GB" dirty="0" smtClean="0"/>
+              <a:t>Easy to implement</a:t>
+            </a:r>
+          </a:p>
+          <a:p>
+            <a:pPr lvl="1"/>
+            <a:r>
+              <a:rPr lang="en-GB" dirty="0" smtClean="0"/>
+              <a:t>No boilerplate code</a:t>
+            </a:r>
+          </a:p>
+          <a:p>
+            <a:pPr lvl="1"/>
+            <a:r>
+              <a:rPr lang="en-GB" dirty="0" smtClean="0"/>
+              <a:t>Hard-coded (no operator graph)</a:t>
+            </a:r>
+          </a:p>
+          <a:p>
+            <a:pPr lvl="1"/>
+            <a:r>
+              <a:rPr lang="en-GB" dirty="0" smtClean="0"/>
+              <a:t>Don’t support </a:t>
+            </a:r>
+            <a:r>
+              <a:rPr lang="en-GB" dirty="0" smtClean="0"/>
+              <a:t>pausing</a:t>
+            </a:r>
+            <a:endParaRPr lang="en-GB" dirty="0" smtClean="0"/>
           </a:p>
         </p:txBody>
       </p:sp>
@@ -12205,6 +12603,157 @@
               <a:rPr lang="de-DE" smtClean="0"/>
               <a:pPr/>
               <a:t>24</a:t>
+            </a:fld>
+            <a:endParaRPr lang="de-DE"/>
+          </a:p>
+        </p:txBody>
+      </p:sp>
+    </p:spTree>
+    <p:extLst>
+      <p:ext uri="{BB962C8B-B14F-4D97-AF65-F5344CB8AC3E}">
+        <p14:creationId xmlns:p14="http://schemas.microsoft.com/office/powerpoint/2010/main" val="3905736715"/>
+      </p:ext>
+    </p:extLst>
+  </p:cSld>
+  <p:clrMapOvr>
+    <a:masterClrMapping/>
+  </p:clrMapOvr>
+  <p:timing>
+    <p:tnLst>
+      <p:par>
+        <p:cTn id="1" dur="indefinite" restart="never" nodeType="tmRoot"/>
+      </p:par>
+    </p:tnLst>
+  </p:timing>
+</p:sld>
+</file>
+
+<file path=ppt/slides/slide25.xml><?xml version="1.0" encoding="utf-8"?>
+<p:sld xmlns:a="http://schemas.openxmlformats.org/drawingml/2006/main" xmlns:r="http://schemas.openxmlformats.org/officeDocument/2006/relationships" xmlns:p="http://schemas.openxmlformats.org/presentationml/2006/main">
+  <p:cSld>
+    <p:spTree>
+      <p:nvGrpSpPr>
+        <p:cNvPr id="1" name=""/>
+        <p:cNvGrpSpPr/>
+        <p:nvPr/>
+      </p:nvGrpSpPr>
+      <p:grpSpPr>
+        <a:xfrm>
+          <a:off x="0" y="0"/>
+          <a:ext cx="0" cy="0"/>
+          <a:chOff x="0" y="0"/>
+          <a:chExt cx="0" cy="0"/>
+        </a:xfrm>
+      </p:grpSpPr>
+      <p:sp>
+        <p:nvSpPr>
+          <p:cNvPr id="2" name="Titel 1"/>
+          <p:cNvSpPr>
+            <a:spLocks noGrp="1"/>
+          </p:cNvSpPr>
+          <p:nvPr>
+            <p:ph type="title"/>
+          </p:nvPr>
+        </p:nvSpPr>
+        <p:spPr/>
+        <p:txBody>
+          <a:bodyPr>
+            <a:normAutofit fontScale="90000"/>
+          </a:bodyPr>
+          <a:lstStyle/>
+          <a:p>
+            <a:r>
+              <a:rPr lang="en-US" dirty="0"/>
+              <a:t>Base </a:t>
+            </a:r>
+            <a:r>
+              <a:rPr lang="en-US" dirty="0" smtClean="0"/>
+              <a:t>classes/Interfaces </a:t>
+            </a:r>
+            <a:r>
+              <a:rPr lang="en-US" dirty="0"/>
+              <a:t/>
+            </a:r>
+            <a:br>
+              <a:rPr lang="en-US" dirty="0"/>
+            </a:br>
+            <a:r>
+              <a:rPr lang="en-US" dirty="0"/>
+              <a:t>for </a:t>
+            </a:r>
+            <a:r>
+              <a:rPr lang="en-US" dirty="0" err="1" smtClean="0"/>
+              <a:t>BasicAlgorithm</a:t>
+            </a:r>
+            <a:endParaRPr lang="en-GB" dirty="0"/>
+          </a:p>
+        </p:txBody>
+      </p:sp>
+      <p:sp>
+        <p:nvSpPr>
+          <p:cNvPr id="4" name="Datumsplatzhalter 3"/>
+          <p:cNvSpPr>
+            <a:spLocks noGrp="1"/>
+          </p:cNvSpPr>
+          <p:nvPr>
+            <p:ph type="dt" sz="half" idx="10"/>
+          </p:nvPr>
+        </p:nvSpPr>
+        <p:spPr/>
+        <p:txBody>
+          <a:bodyPr/>
+          <a:lstStyle/>
+          <a:p>
+            <a:r>
+              <a:rPr lang="de-DE" smtClean="0"/>
+              <a:t>Programming HeuristicLab</a:t>
+            </a:r>
+            <a:endParaRPr lang="de-DE" dirty="0"/>
+          </a:p>
+        </p:txBody>
+      </p:sp>
+      <p:sp>
+        <p:nvSpPr>
+          <p:cNvPr id="5" name="Fußzeilenplatzhalter 4"/>
+          <p:cNvSpPr>
+            <a:spLocks noGrp="1"/>
+          </p:cNvSpPr>
+          <p:nvPr>
+            <p:ph type="ftr" sz="quarter" idx="11"/>
+          </p:nvPr>
+        </p:nvSpPr>
+        <p:spPr/>
+        <p:txBody>
+          <a:bodyPr/>
+          <a:lstStyle/>
+          <a:p>
+            <a:r>
+              <a:rPr lang="de-DE" smtClean="0"/>
+              <a:t>http://dev.heuristiclab.com</a:t>
+            </a:r>
+            <a:endParaRPr lang="de-DE"/>
+          </a:p>
+        </p:txBody>
+      </p:sp>
+      <p:sp>
+        <p:nvSpPr>
+          <p:cNvPr id="6" name="Foliennummernplatzhalter 5"/>
+          <p:cNvSpPr>
+            <a:spLocks noGrp="1"/>
+          </p:cNvSpPr>
+          <p:nvPr>
+            <p:ph type="sldNum" sz="quarter" idx="12"/>
+          </p:nvPr>
+        </p:nvSpPr>
+        <p:spPr/>
+        <p:txBody>
+          <a:bodyPr/>
+          <a:lstStyle/>
+          <a:p>
+            <a:fld id="{6C6AE60A-B69C-4790-82F7-3882EDF23186}" type="slidenum">
+              <a:rPr lang="de-DE" smtClean="0"/>
+              <a:pPr/>
+              <a:t>25</a:t>
             </a:fld>
             <a:endParaRPr lang="de-DE"/>
           </a:p>
@@ -12254,7 +12803,7 @@
 </p:sld>
 </file>
 
-<file path=ppt/slides/slide25.xml><?xml version="1.0" encoding="utf-8"?>
+<file path=ppt/slides/slide26.xml><?xml version="1.0" encoding="utf-8"?>
 <p:sld xmlns:a="http://schemas.openxmlformats.org/drawingml/2006/main" xmlns:r="http://schemas.openxmlformats.org/officeDocument/2006/relationships" xmlns:p="http://schemas.openxmlformats.org/presentationml/2006/main">
   <p:cSld>
     <p:spTree>
@@ -12399,7 +12948,7 @@
             <a:fld id="{6C6AE60A-B69C-4790-82F7-3882EDF23186}" type="slidenum">
               <a:rPr lang="de-DE" smtClean="0"/>
               <a:pPr/>
-              <a:t>25</a:t>
+              <a:t>26</a:t>
             </a:fld>
             <a:endParaRPr lang="de-DE"/>
           </a:p>
@@ -13469,765 +14018,6 @@
     <p:extLst>
       <p:ext uri="{BB962C8B-B14F-4D97-AF65-F5344CB8AC3E}">
         <p14:creationId xmlns:p14="http://schemas.microsoft.com/office/powerpoint/2010/main" val="3614277345"/>
-      </p:ext>
-    </p:extLst>
-  </p:cSld>
-  <p:clrMapOvr>
-    <a:masterClrMapping/>
-  </p:clrMapOvr>
-</p:sld>
-</file>
-
-<file path=ppt/slides/slide26.xml><?xml version="1.0" encoding="utf-8"?>
-<p:sld xmlns:a="http://schemas.openxmlformats.org/drawingml/2006/main" xmlns:r="http://schemas.openxmlformats.org/officeDocument/2006/relationships" xmlns:p="http://schemas.openxmlformats.org/presentationml/2006/main">
-  <p:cSld>
-    <p:spTree>
-      <p:nvGrpSpPr>
-        <p:cNvPr id="1" name=""/>
-        <p:cNvGrpSpPr/>
-        <p:nvPr/>
-      </p:nvGrpSpPr>
-      <p:grpSpPr>
-        <a:xfrm>
-          <a:off x="0" y="0"/>
-          <a:ext cx="0" cy="0"/>
-          <a:chOff x="0" y="0"/>
-          <a:chExt cx="0" cy="0"/>
-        </a:xfrm>
-      </p:grpSpPr>
-      <p:pic>
-        <p:nvPicPr>
-          <p:cNvPr id="9" name="Grafik 8"/>
-          <p:cNvPicPr>
-            <a:picLocks noChangeAspect="1"/>
-          </p:cNvPicPr>
-          <p:nvPr/>
-        </p:nvPicPr>
-        <p:blipFill rotWithShape="1">
-          <a:blip r:embed="rId2"/>
-          <a:srcRect r="7354"/>
-          <a:stretch/>
-        </p:blipFill>
-        <p:spPr>
-          <a:xfrm>
-            <a:off x="5580112" y="1988840"/>
-            <a:ext cx="3441551" cy="1600200"/>
-          </a:xfrm>
-          <a:prstGeom prst="rect">
-            <a:avLst/>
-          </a:prstGeom>
-        </p:spPr>
-      </p:pic>
-      <p:sp>
-        <p:nvSpPr>
-          <p:cNvPr id="2" name="Titel 1"/>
-          <p:cNvSpPr>
-            <a:spLocks noGrp="1"/>
-          </p:cNvSpPr>
-          <p:nvPr>
-            <p:ph type="title"/>
-          </p:nvPr>
-        </p:nvSpPr>
-        <p:spPr/>
-        <p:txBody>
-          <a:bodyPr/>
-          <a:lstStyle/>
-          <a:p>
-            <a:r>
-              <a:rPr lang="en-GB" dirty="0" smtClean="0"/>
-              <a:t>Example – Random Search</a:t>
-            </a:r>
-            <a:endParaRPr lang="en-GB" dirty="0"/>
-          </a:p>
-        </p:txBody>
-      </p:sp>
-      <p:sp>
-        <p:nvSpPr>
-          <p:cNvPr id="4" name="Datumsplatzhalter 3"/>
-          <p:cNvSpPr>
-            <a:spLocks noGrp="1"/>
-          </p:cNvSpPr>
-          <p:nvPr>
-            <p:ph type="dt" sz="half" idx="10"/>
-          </p:nvPr>
-        </p:nvSpPr>
-        <p:spPr/>
-        <p:txBody>
-          <a:bodyPr/>
-          <a:lstStyle/>
-          <a:p>
-            <a:r>
-              <a:rPr lang="de-DE" smtClean="0"/>
-              <a:t>Programming HeuristicLab</a:t>
-            </a:r>
-            <a:endParaRPr lang="de-DE" dirty="0"/>
-          </a:p>
-        </p:txBody>
-      </p:sp>
-      <p:sp>
-        <p:nvSpPr>
-          <p:cNvPr id="5" name="Fußzeilenplatzhalter 4"/>
-          <p:cNvSpPr>
-            <a:spLocks noGrp="1"/>
-          </p:cNvSpPr>
-          <p:nvPr>
-            <p:ph type="ftr" sz="quarter" idx="11"/>
-          </p:nvPr>
-        </p:nvSpPr>
-        <p:spPr/>
-        <p:txBody>
-          <a:bodyPr/>
-          <a:lstStyle/>
-          <a:p>
-            <a:r>
-              <a:rPr lang="de-DE" smtClean="0"/>
-              <a:t>http://dev.heuristiclab.com</a:t>
-            </a:r>
-            <a:endParaRPr lang="de-DE"/>
-          </a:p>
-        </p:txBody>
-      </p:sp>
-      <p:sp>
-        <p:nvSpPr>
-          <p:cNvPr id="6" name="Foliennummernplatzhalter 5"/>
-          <p:cNvSpPr>
-            <a:spLocks noGrp="1"/>
-          </p:cNvSpPr>
-          <p:nvPr>
-            <p:ph type="sldNum" sz="quarter" idx="12"/>
-          </p:nvPr>
-        </p:nvSpPr>
-        <p:spPr/>
-        <p:txBody>
-          <a:bodyPr/>
-          <a:lstStyle/>
-          <a:p>
-            <a:fld id="{6C6AE60A-B69C-4790-82F7-3882EDF23186}" type="slidenum">
-              <a:rPr lang="de-DE" smtClean="0"/>
-              <a:pPr/>
-              <a:t>26</a:t>
-            </a:fld>
-            <a:endParaRPr lang="de-DE"/>
-          </a:p>
-        </p:txBody>
-      </p:sp>
-      <p:sp>
-        <p:nvSpPr>
-          <p:cNvPr id="8" name="Rechteck 7"/>
-          <p:cNvSpPr/>
-          <p:nvPr/>
-        </p:nvSpPr>
-        <p:spPr>
-          <a:xfrm>
-            <a:off x="35496" y="1580014"/>
-            <a:ext cx="7128792" cy="4801314"/>
-          </a:xfrm>
-          <a:prstGeom prst="rect">
-            <a:avLst/>
-          </a:prstGeom>
-        </p:spPr>
-        <p:txBody>
-          <a:bodyPr wrap="square">
-            <a:spAutoFit/>
-          </a:bodyPr>
-          <a:lstStyle/>
-          <a:p>
-            <a:r>
-              <a:rPr lang="de-DE" dirty="0"/>
-              <a:t>      </a:t>
-            </a:r>
-            <a:r>
-              <a:rPr lang="de-DE" b="1" dirty="0" err="1">
-                <a:solidFill>
-                  <a:srgbClr val="0000FF"/>
-                </a:solidFill>
-              </a:rPr>
-              <a:t>protected</a:t>
-            </a:r>
-            <a:r>
-              <a:rPr lang="de-DE" dirty="0"/>
-              <a:t> </a:t>
-            </a:r>
-            <a:r>
-              <a:rPr lang="de-DE" dirty="0" err="1">
-                <a:solidFill>
-                  <a:srgbClr val="A52A2A"/>
-                </a:solidFill>
-              </a:rPr>
-              <a:t>override</a:t>
-            </a:r>
-            <a:r>
-              <a:rPr lang="de-DE" dirty="0"/>
-              <a:t> </a:t>
-            </a:r>
-            <a:r>
-              <a:rPr lang="de-DE" dirty="0" err="1">
-                <a:solidFill>
-                  <a:srgbClr val="FF0000"/>
-                </a:solidFill>
-              </a:rPr>
-              <a:t>void</a:t>
-            </a:r>
-            <a:r>
-              <a:rPr lang="de-DE" dirty="0"/>
-              <a:t> </a:t>
-            </a:r>
-            <a:r>
-              <a:rPr lang="de-DE" b="1" dirty="0">
-                <a:solidFill>
-                  <a:srgbClr val="191970"/>
-                </a:solidFill>
-              </a:rPr>
-              <a:t>Run</a:t>
-            </a:r>
-            <a:r>
-              <a:rPr lang="de-DE" dirty="0"/>
-              <a:t>(</a:t>
-            </a:r>
-            <a:r>
-              <a:rPr lang="de-DE" dirty="0" err="1"/>
-              <a:t>CancellationToken</a:t>
-            </a:r>
-            <a:r>
-              <a:rPr lang="de-DE" dirty="0"/>
-              <a:t> </a:t>
-            </a:r>
-            <a:r>
-              <a:rPr lang="de-DE" dirty="0" err="1"/>
-              <a:t>cancellationToken</a:t>
-            </a:r>
-            <a:r>
-              <a:rPr lang="de-DE" dirty="0"/>
-              <a:t>)  </a:t>
-            </a:r>
-            <a:r>
-              <a:rPr lang="de-DE" dirty="0" smtClean="0"/>
-              <a:t>{</a:t>
-            </a:r>
-            <a:r>
-              <a:rPr lang="de-DE" dirty="0"/>
-              <a:t/>
-            </a:r>
-            <a:br>
-              <a:rPr lang="de-DE" dirty="0"/>
-            </a:br>
-            <a:r>
-              <a:rPr lang="de-DE" dirty="0"/>
-              <a:t>         </a:t>
-            </a:r>
-            <a:r>
-              <a:rPr lang="de-DE" dirty="0" err="1"/>
-              <a:t>DoubleValue</a:t>
-            </a:r>
-            <a:r>
-              <a:rPr lang="de-DE" dirty="0"/>
-              <a:t> </a:t>
-            </a:r>
-            <a:r>
-              <a:rPr lang="de-DE" dirty="0" err="1"/>
-              <a:t>bestQuality</a:t>
-            </a:r>
-            <a:r>
-              <a:rPr lang="de-DE" dirty="0"/>
-              <a:t> = </a:t>
-            </a:r>
-            <a:r>
-              <a:rPr lang="de-DE" b="1" dirty="0" err="1">
-                <a:solidFill>
-                  <a:srgbClr val="008B8B"/>
-                </a:solidFill>
-              </a:rPr>
-              <a:t>new</a:t>
-            </a:r>
-            <a:r>
-              <a:rPr lang="de-DE" dirty="0"/>
-              <a:t> </a:t>
-            </a:r>
-            <a:r>
-              <a:rPr lang="de-DE" b="1" dirty="0" err="1">
-                <a:solidFill>
-                  <a:srgbClr val="191970"/>
-                </a:solidFill>
-              </a:rPr>
-              <a:t>DoubleValue</a:t>
-            </a:r>
-            <a:r>
-              <a:rPr lang="de-DE" dirty="0"/>
-              <a:t>(</a:t>
-            </a:r>
-            <a:r>
-              <a:rPr lang="de-DE" dirty="0">
-                <a:solidFill>
-                  <a:srgbClr val="00008B"/>
-                </a:solidFill>
-              </a:rPr>
-              <a:t>0.0</a:t>
-            </a:r>
-            <a:r>
-              <a:rPr lang="de-DE" dirty="0"/>
-              <a:t>);</a:t>
-            </a:r>
-            <a:br>
-              <a:rPr lang="de-DE" dirty="0"/>
-            </a:br>
-            <a:r>
-              <a:rPr lang="de-DE" dirty="0"/>
-              <a:t>         </a:t>
-            </a:r>
-            <a:r>
-              <a:rPr lang="de-DE" dirty="0" err="1"/>
-              <a:t>Results.</a:t>
-            </a:r>
-            <a:r>
-              <a:rPr lang="de-DE" b="1" dirty="0" err="1">
-                <a:solidFill>
-                  <a:srgbClr val="191970"/>
-                </a:solidFill>
-              </a:rPr>
-              <a:t>Add</a:t>
-            </a:r>
-            <a:r>
-              <a:rPr lang="de-DE" dirty="0"/>
-              <a:t>(</a:t>
-            </a:r>
-            <a:r>
-              <a:rPr lang="de-DE" b="1" dirty="0" err="1">
-                <a:solidFill>
-                  <a:srgbClr val="008B8B"/>
-                </a:solidFill>
-              </a:rPr>
-              <a:t>new</a:t>
-            </a:r>
-            <a:r>
-              <a:rPr lang="de-DE" dirty="0"/>
-              <a:t> </a:t>
-            </a:r>
-            <a:r>
-              <a:rPr lang="de-DE" b="1" dirty="0" err="1">
-                <a:solidFill>
-                  <a:srgbClr val="191970"/>
-                </a:solidFill>
-              </a:rPr>
-              <a:t>Result</a:t>
-            </a:r>
-            <a:r>
-              <a:rPr lang="de-DE" dirty="0"/>
-              <a:t>(</a:t>
-            </a:r>
-            <a:r>
-              <a:rPr lang="de-DE" dirty="0">
-                <a:solidFill>
-                  <a:srgbClr val="0000FF"/>
-                </a:solidFill>
-              </a:rPr>
-              <a:t>"</a:t>
-            </a:r>
-            <a:r>
-              <a:rPr lang="de-DE" dirty="0" err="1">
-                <a:solidFill>
-                  <a:srgbClr val="0000FF"/>
-                </a:solidFill>
-              </a:rPr>
-              <a:t>BestQuality</a:t>
-            </a:r>
-            <a:r>
-              <a:rPr lang="de-DE" dirty="0">
-                <a:solidFill>
-                  <a:srgbClr val="0000FF"/>
-                </a:solidFill>
-              </a:rPr>
-              <a:t>"</a:t>
-            </a:r>
-            <a:r>
-              <a:rPr lang="de-DE" dirty="0"/>
-              <a:t>, </a:t>
-            </a:r>
-            <a:r>
-              <a:rPr lang="de-DE" dirty="0" err="1"/>
-              <a:t>bestQuality</a:t>
-            </a:r>
-            <a:r>
-              <a:rPr lang="de-DE" dirty="0"/>
-              <a:t>));</a:t>
-            </a:r>
-            <a:br>
-              <a:rPr lang="de-DE" dirty="0"/>
-            </a:br>
-            <a:r>
-              <a:rPr lang="de-DE" dirty="0"/>
-              <a:t>        </a:t>
-            </a:r>
-            <a:br>
-              <a:rPr lang="de-DE" dirty="0"/>
-            </a:br>
-            <a:r>
-              <a:rPr lang="de-DE" dirty="0"/>
-              <a:t>         </a:t>
-            </a:r>
-            <a:r>
-              <a:rPr lang="de-DE" b="1" dirty="0" err="1">
-                <a:solidFill>
-                  <a:srgbClr val="0000FF"/>
-                </a:solidFill>
-              </a:rPr>
-              <a:t>for</a:t>
-            </a:r>
-            <a:r>
-              <a:rPr lang="de-DE" dirty="0"/>
-              <a:t>(</a:t>
-            </a:r>
-            <a:r>
-              <a:rPr lang="de-DE" b="1" dirty="0" err="1">
-                <a:solidFill>
-                  <a:srgbClr val="FF0000"/>
-                </a:solidFill>
-              </a:rPr>
-              <a:t>int</a:t>
-            </a:r>
-            <a:r>
-              <a:rPr lang="de-DE" dirty="0"/>
-              <a:t> i = </a:t>
-            </a:r>
-            <a:r>
-              <a:rPr lang="de-DE" dirty="0">
-                <a:solidFill>
-                  <a:srgbClr val="00008B"/>
-                </a:solidFill>
-              </a:rPr>
-              <a:t>0</a:t>
-            </a:r>
-            <a:r>
-              <a:rPr lang="de-DE" dirty="0"/>
-              <a:t>; i &lt; </a:t>
-            </a:r>
-            <a:r>
-              <a:rPr lang="de-DE" dirty="0">
-                <a:solidFill>
-                  <a:srgbClr val="00008B"/>
-                </a:solidFill>
-              </a:rPr>
-              <a:t>100000</a:t>
-            </a:r>
-            <a:r>
-              <a:rPr lang="de-DE" dirty="0"/>
-              <a:t>; i++) {</a:t>
-            </a:r>
-            <a:br>
-              <a:rPr lang="de-DE" dirty="0"/>
-            </a:br>
-            <a:r>
-              <a:rPr lang="de-DE" dirty="0"/>
-              <a:t>            </a:t>
-            </a:r>
-            <a:r>
-              <a:rPr lang="de-DE" dirty="0" err="1"/>
-              <a:t>cancellationToken.</a:t>
-            </a:r>
-            <a:r>
-              <a:rPr lang="de-DE" b="1" dirty="0" err="1">
-                <a:solidFill>
-                  <a:srgbClr val="191970"/>
-                </a:solidFill>
-              </a:rPr>
-              <a:t>ThrowIfCancellationRequested</a:t>
-            </a:r>
-            <a:r>
-              <a:rPr lang="de-DE" dirty="0"/>
-              <a:t>();</a:t>
-            </a:r>
-            <a:br>
-              <a:rPr lang="de-DE" dirty="0"/>
-            </a:br>
-            <a:r>
-              <a:rPr lang="de-DE" dirty="0"/>
-              <a:t>            </a:t>
-            </a:r>
-            <a:br>
-              <a:rPr lang="de-DE" dirty="0"/>
-            </a:br>
-            <a:r>
-              <a:rPr lang="de-DE" dirty="0"/>
-              <a:t>            </a:t>
-            </a:r>
-            <a:r>
-              <a:rPr lang="de-DE" dirty="0" err="1"/>
-              <a:t>BinaryVector</a:t>
-            </a:r>
-            <a:r>
-              <a:rPr lang="de-DE" dirty="0"/>
-              <a:t> b = </a:t>
-            </a:r>
-            <a:r>
-              <a:rPr lang="de-DE" b="1" dirty="0" err="1">
-                <a:solidFill>
-                  <a:srgbClr val="008B8B"/>
-                </a:solidFill>
-              </a:rPr>
-              <a:t>new</a:t>
-            </a:r>
-            <a:r>
-              <a:rPr lang="de-DE" dirty="0"/>
-              <a:t> </a:t>
-            </a:r>
-            <a:r>
-              <a:rPr lang="de-DE" b="1" dirty="0" err="1">
-                <a:solidFill>
-                  <a:srgbClr val="191970"/>
-                </a:solidFill>
-              </a:rPr>
-              <a:t>BinaryVector</a:t>
-            </a:r>
-            <a:r>
-              <a:rPr lang="de-DE" dirty="0"/>
-              <a:t>(</a:t>
-            </a:r>
-            <a:r>
-              <a:rPr lang="de-DE" dirty="0" err="1"/>
-              <a:t>Problem.Length</a:t>
-            </a:r>
-            <a:r>
-              <a:rPr lang="de-DE" dirty="0"/>
-              <a:t>, </a:t>
-            </a:r>
-            <a:r>
-              <a:rPr lang="de-DE" dirty="0" err="1"/>
-              <a:t>random</a:t>
-            </a:r>
-            <a:r>
-              <a:rPr lang="de-DE" dirty="0"/>
-              <a:t>);</a:t>
-            </a:r>
-            <a:br>
-              <a:rPr lang="de-DE" dirty="0"/>
-            </a:br>
-            <a:r>
-              <a:rPr lang="de-DE" dirty="0"/>
-              <a:t>            </a:t>
-            </a:r>
-            <a:r>
-              <a:rPr lang="de-DE" b="1" dirty="0">
-                <a:solidFill>
-                  <a:srgbClr val="FF0000"/>
-                </a:solidFill>
-              </a:rPr>
-              <a:t>double</a:t>
-            </a:r>
-            <a:r>
-              <a:rPr lang="de-DE" dirty="0"/>
-              <a:t> </a:t>
-            </a:r>
-            <a:r>
-              <a:rPr lang="de-DE" dirty="0" err="1"/>
-              <a:t>curQuality</a:t>
-            </a:r>
-            <a:r>
-              <a:rPr lang="de-DE" dirty="0"/>
-              <a:t> = </a:t>
-            </a:r>
-            <a:r>
-              <a:rPr lang="de-DE" dirty="0" err="1"/>
-              <a:t>Problem.</a:t>
-            </a:r>
-            <a:r>
-              <a:rPr lang="de-DE" b="1" dirty="0" err="1">
-                <a:solidFill>
-                  <a:srgbClr val="191970"/>
-                </a:solidFill>
-              </a:rPr>
-              <a:t>Evaluate</a:t>
-            </a:r>
-            <a:r>
-              <a:rPr lang="de-DE" dirty="0"/>
-              <a:t>(b, </a:t>
-            </a:r>
-            <a:r>
-              <a:rPr lang="de-DE" dirty="0" err="1"/>
-              <a:t>random</a:t>
-            </a:r>
-            <a:r>
-              <a:rPr lang="de-DE" dirty="0"/>
-              <a:t>);</a:t>
-            </a:r>
-            <a:br>
-              <a:rPr lang="de-DE" dirty="0"/>
-            </a:br>
-            <a:r>
-              <a:rPr lang="de-DE" dirty="0"/>
-              <a:t>            </a:t>
-            </a:r>
-            <a:br>
-              <a:rPr lang="de-DE" dirty="0"/>
-            </a:br>
-            <a:r>
-              <a:rPr lang="de-DE" dirty="0"/>
-              <a:t>            </a:t>
-            </a:r>
-            <a:r>
-              <a:rPr lang="de-DE" b="1" dirty="0" err="1">
-                <a:solidFill>
-                  <a:srgbClr val="0000FF"/>
-                </a:solidFill>
-              </a:rPr>
-              <a:t>if</a:t>
-            </a:r>
-            <a:r>
-              <a:rPr lang="de-DE" dirty="0"/>
-              <a:t>(</a:t>
-            </a:r>
-            <a:r>
-              <a:rPr lang="de-DE" dirty="0" err="1"/>
-              <a:t>Problem.Maximization</a:t>
-            </a:r>
-            <a:r>
-              <a:rPr lang="de-DE" dirty="0"/>
-              <a:t> &amp;&amp; </a:t>
-            </a:r>
-            <a:r>
-              <a:rPr lang="de-DE" dirty="0" err="1"/>
-              <a:t>curQuality</a:t>
-            </a:r>
-            <a:r>
-              <a:rPr lang="de-DE" dirty="0"/>
-              <a:t> &gt; </a:t>
-            </a:r>
-            <a:r>
-              <a:rPr lang="de-DE" dirty="0" err="1"/>
-              <a:t>bestQuality.Value</a:t>
-            </a:r>
-            <a:r>
-              <a:rPr lang="de-DE" dirty="0"/>
-              <a:t>) {</a:t>
-            </a:r>
-            <a:br>
-              <a:rPr lang="de-DE" dirty="0"/>
-            </a:br>
-            <a:r>
-              <a:rPr lang="de-DE" dirty="0"/>
-              <a:t>              </a:t>
-            </a:r>
-            <a:r>
-              <a:rPr lang="de-DE" dirty="0" err="1"/>
-              <a:t>bestQuality.Value</a:t>
-            </a:r>
-            <a:r>
-              <a:rPr lang="de-DE" dirty="0"/>
-              <a:t> = </a:t>
-            </a:r>
-            <a:r>
-              <a:rPr lang="de-DE" dirty="0" err="1"/>
-              <a:t>curQuality</a:t>
-            </a:r>
-            <a:r>
-              <a:rPr lang="de-DE" dirty="0"/>
-              <a:t>; </a:t>
-            </a:r>
-            <a:br>
-              <a:rPr lang="de-DE" dirty="0"/>
-            </a:br>
-            <a:r>
-              <a:rPr lang="de-DE" dirty="0"/>
-              <a:t>            } </a:t>
-            </a:r>
-            <a:r>
-              <a:rPr lang="de-DE" b="1" dirty="0" err="1">
-                <a:solidFill>
-                  <a:srgbClr val="0000FF"/>
-                </a:solidFill>
-              </a:rPr>
-              <a:t>else</a:t>
-            </a:r>
-            <a:r>
-              <a:rPr lang="de-DE" dirty="0"/>
-              <a:t> </a:t>
-            </a:r>
-            <a:r>
-              <a:rPr lang="de-DE" b="1" dirty="0" err="1">
-                <a:solidFill>
-                  <a:srgbClr val="0000FF"/>
-                </a:solidFill>
-              </a:rPr>
-              <a:t>if</a:t>
-            </a:r>
-            <a:r>
-              <a:rPr lang="de-DE" dirty="0"/>
-              <a:t>(!</a:t>
-            </a:r>
-            <a:r>
-              <a:rPr lang="de-DE" dirty="0" err="1"/>
-              <a:t>Problem.Maximization</a:t>
-            </a:r>
-            <a:r>
-              <a:rPr lang="de-DE" dirty="0"/>
-              <a:t> &amp;&amp; </a:t>
-            </a:r>
-            <a:r>
-              <a:rPr lang="de-DE" dirty="0" err="1"/>
-              <a:t>curQuality</a:t>
-            </a:r>
-            <a:r>
-              <a:rPr lang="de-DE" dirty="0"/>
-              <a:t> &lt; </a:t>
-            </a:r>
-            <a:r>
-              <a:rPr lang="de-DE" dirty="0" err="1"/>
-              <a:t>bestQuality.Value</a:t>
-            </a:r>
-            <a:r>
-              <a:rPr lang="de-DE" dirty="0"/>
-              <a:t>) {</a:t>
-            </a:r>
-            <a:br>
-              <a:rPr lang="de-DE" dirty="0"/>
-            </a:br>
-            <a:r>
-              <a:rPr lang="de-DE" dirty="0"/>
-              <a:t>              </a:t>
-            </a:r>
-            <a:r>
-              <a:rPr lang="de-DE" dirty="0" err="1"/>
-              <a:t>bestQuality.Value</a:t>
-            </a:r>
-            <a:r>
-              <a:rPr lang="de-DE" dirty="0"/>
-              <a:t> = </a:t>
-            </a:r>
-            <a:r>
-              <a:rPr lang="de-DE" dirty="0" err="1"/>
-              <a:t>curQuality</a:t>
-            </a:r>
-            <a:r>
-              <a:rPr lang="de-DE" dirty="0"/>
-              <a:t>; </a:t>
-            </a:r>
-            <a:br>
-              <a:rPr lang="de-DE" dirty="0"/>
-            </a:br>
-            <a:r>
-              <a:rPr lang="de-DE" dirty="0"/>
-              <a:t>            }         </a:t>
-            </a:r>
-            <a:br>
-              <a:rPr lang="de-DE" dirty="0"/>
-            </a:br>
-            <a:r>
-              <a:rPr lang="de-DE" dirty="0"/>
-              <a:t>         }</a:t>
-            </a:r>
-            <a:br>
-              <a:rPr lang="de-DE" dirty="0"/>
-            </a:br>
-            <a:r>
-              <a:rPr lang="de-DE" dirty="0"/>
-              <a:t>      }</a:t>
-            </a:r>
-            <a:endParaRPr lang="en-GB" dirty="0"/>
-          </a:p>
-        </p:txBody>
-      </p:sp>
-    </p:spTree>
-    <p:extLst>
-      <p:ext uri="{BB962C8B-B14F-4D97-AF65-F5344CB8AC3E}">
-        <p14:creationId xmlns:p14="http://schemas.microsoft.com/office/powerpoint/2010/main" val="2774488236"/>
       </p:ext>
     </p:extLst>
   </p:cSld>
@@ -14261,6 +14051,29 @@
           <a:chExt cx="0" cy="0"/>
         </a:xfrm>
       </p:grpSpPr>
+      <p:pic>
+        <p:nvPicPr>
+          <p:cNvPr id="9" name="Grafik 8"/>
+          <p:cNvPicPr>
+            <a:picLocks noChangeAspect="1"/>
+          </p:cNvPicPr>
+          <p:nvPr/>
+        </p:nvPicPr>
+        <p:blipFill rotWithShape="1">
+          <a:blip r:embed="rId2"/>
+          <a:srcRect r="7354"/>
+          <a:stretch/>
+        </p:blipFill>
+        <p:spPr>
+          <a:xfrm>
+            <a:off x="5220072" y="4565104"/>
+            <a:ext cx="3441551" cy="1600200"/>
+          </a:xfrm>
+          <a:prstGeom prst="rect">
+            <a:avLst/>
+          </a:prstGeom>
+        </p:spPr>
+      </p:pic>
       <p:sp>
         <p:nvSpPr>
           <p:cNvPr id="2" name="Titel 1"/>
@@ -14277,92 +14090,10 @@
           <a:lstStyle/>
           <a:p>
             <a:r>
-              <a:rPr lang="de-AT" dirty="0" smtClean="0"/>
-              <a:t>Problems</a:t>
-            </a:r>
-            <a:endParaRPr lang="de-AT" dirty="0"/>
-          </a:p>
-        </p:txBody>
-      </p:sp>
-      <p:sp>
-        <p:nvSpPr>
-          <p:cNvPr id="3" name="Inhaltsplatzhalter 2"/>
-          <p:cNvSpPr>
-            <a:spLocks noGrp="1"/>
-          </p:cNvSpPr>
-          <p:nvPr>
-            <p:ph idx="1"/>
-          </p:nvPr>
-        </p:nvSpPr>
-        <p:spPr/>
-        <p:txBody>
-          <a:bodyPr>
-            <a:normAutofit fontScale="77500" lnSpcReduction="20000"/>
-          </a:bodyPr>
-          <a:lstStyle/>
-          <a:p>
-            <a:r>
-              <a:rPr lang="en-US" dirty="0" smtClean="0"/>
-              <a:t>Use encodings for representing solutions</a:t>
-            </a:r>
-          </a:p>
-          <a:p>
-            <a:r>
-              <a:rPr lang="en-US" dirty="0" smtClean="0"/>
-              <a:t>Encodings consist of solution candidate definitions and corresponding operators</a:t>
-            </a:r>
-          </a:p>
-          <a:p>
-            <a:r>
-              <a:rPr lang="en-US" dirty="0" smtClean="0"/>
-              <a:t>Problems contain </a:t>
-            </a:r>
-          </a:p>
-          <a:p>
-            <a:pPr lvl="1"/>
-            <a:r>
-              <a:rPr lang="en-US" dirty="0" smtClean="0"/>
-              <a:t>the evaluator</a:t>
-            </a:r>
-          </a:p>
-          <a:p>
-            <a:pPr lvl="1"/>
-            <a:r>
-              <a:rPr lang="en-US" dirty="0" smtClean="0"/>
-              <a:t>the solution creator</a:t>
-            </a:r>
-          </a:p>
-          <a:p>
-            <a:r>
-              <a:rPr lang="en-US" dirty="0" smtClean="0"/>
-              <a:t>Define maximization or minimization</a:t>
-            </a:r>
-          </a:p>
-          <a:p>
-            <a:r>
-              <a:rPr lang="en-US" dirty="0" smtClean="0"/>
-              <a:t>Contain the „problem data“ (e.g. a distance matrix, a simulation, a function definition), usually supplied by a </a:t>
-            </a:r>
-            <a:r>
-              <a:rPr lang="en-US" dirty="0" err="1" smtClean="0"/>
-              <a:t>ProblemInstanceProvider</a:t>
-            </a:r>
-            <a:endParaRPr lang="en-US" dirty="0" smtClean="0"/>
-          </a:p>
-          <a:p>
-            <a:r>
-              <a:rPr lang="en-US" dirty="0" smtClean="0"/>
-              <a:t>Can be single- or multi-objective</a:t>
-            </a:r>
-          </a:p>
-          <a:p>
-            <a:r>
-              <a:rPr lang="en-US" dirty="0" smtClean="0"/>
-              <a:t>Configured with parameters</a:t>
-            </a:r>
-          </a:p>
-          <a:p>
-            <a:endParaRPr lang="en-US" dirty="0"/>
+              <a:rPr lang="en-GB" dirty="0" smtClean="0"/>
+              <a:t>Example – Random Search</a:t>
+            </a:r>
+            <a:endParaRPr lang="en-GB" dirty="0"/>
           </a:p>
         </p:txBody>
       </p:sp>
@@ -14436,10 +14167,976 @@
           </a:p>
         </p:txBody>
       </p:sp>
+      <p:sp>
+        <p:nvSpPr>
+          <p:cNvPr id="8" name="Rechteck 7"/>
+          <p:cNvSpPr/>
+          <p:nvPr/>
+        </p:nvSpPr>
+        <p:spPr>
+          <a:xfrm>
+            <a:off x="35496" y="1580014"/>
+            <a:ext cx="8208912" cy="3847207"/>
+          </a:xfrm>
+          <a:prstGeom prst="rect">
+            <a:avLst/>
+          </a:prstGeom>
+        </p:spPr>
+        <p:txBody>
+          <a:bodyPr wrap="square">
+            <a:spAutoFit/>
+          </a:bodyPr>
+          <a:lstStyle/>
+          <a:p>
+            <a:r>
+              <a:rPr lang="de-DE" sz="2000" dirty="0"/>
+              <a:t>     </a:t>
+            </a:r>
+            <a:r>
+              <a:rPr lang="de-DE" sz="1400" b="1" dirty="0" err="1" smtClean="0">
+                <a:solidFill>
+                  <a:srgbClr val="0000FF"/>
+                </a:solidFill>
+                <a:latin typeface="Consolas" panose="020B0609020204030204" pitchFamily="49" charset="0"/>
+                <a:cs typeface="Consolas" panose="020B0609020204030204" pitchFamily="49" charset="0"/>
+              </a:rPr>
+              <a:t>protected</a:t>
+            </a:r>
+            <a:r>
+              <a:rPr lang="de-DE" sz="1400" dirty="0">
+                <a:latin typeface="Consolas" panose="020B0609020204030204" pitchFamily="49" charset="0"/>
+                <a:cs typeface="Consolas" panose="020B0609020204030204" pitchFamily="49" charset="0"/>
+              </a:rPr>
+              <a:t> </a:t>
+            </a:r>
+            <a:r>
+              <a:rPr lang="de-DE" sz="1400" dirty="0" err="1">
+                <a:solidFill>
+                  <a:srgbClr val="A52A2A"/>
+                </a:solidFill>
+                <a:latin typeface="Consolas" panose="020B0609020204030204" pitchFamily="49" charset="0"/>
+                <a:cs typeface="Consolas" panose="020B0609020204030204" pitchFamily="49" charset="0"/>
+              </a:rPr>
+              <a:t>override</a:t>
+            </a:r>
+            <a:r>
+              <a:rPr lang="de-DE" sz="1400" dirty="0">
+                <a:latin typeface="Consolas" panose="020B0609020204030204" pitchFamily="49" charset="0"/>
+                <a:cs typeface="Consolas" panose="020B0609020204030204" pitchFamily="49" charset="0"/>
+              </a:rPr>
+              <a:t> </a:t>
+            </a:r>
+            <a:r>
+              <a:rPr lang="de-DE" sz="1400" dirty="0" err="1">
+                <a:solidFill>
+                  <a:srgbClr val="FF0000"/>
+                </a:solidFill>
+                <a:latin typeface="Consolas" panose="020B0609020204030204" pitchFamily="49" charset="0"/>
+                <a:cs typeface="Consolas" panose="020B0609020204030204" pitchFamily="49" charset="0"/>
+              </a:rPr>
+              <a:t>void</a:t>
+            </a:r>
+            <a:r>
+              <a:rPr lang="de-DE" sz="1400" dirty="0">
+                <a:latin typeface="Consolas" panose="020B0609020204030204" pitchFamily="49" charset="0"/>
+                <a:cs typeface="Consolas" panose="020B0609020204030204" pitchFamily="49" charset="0"/>
+              </a:rPr>
+              <a:t> </a:t>
+            </a:r>
+            <a:r>
+              <a:rPr lang="de-DE" sz="1400" b="1" dirty="0">
+                <a:solidFill>
+                  <a:srgbClr val="191970"/>
+                </a:solidFill>
+                <a:latin typeface="Consolas" panose="020B0609020204030204" pitchFamily="49" charset="0"/>
+                <a:cs typeface="Consolas" panose="020B0609020204030204" pitchFamily="49" charset="0"/>
+              </a:rPr>
+              <a:t>Run</a:t>
+            </a:r>
+            <a:r>
+              <a:rPr lang="de-DE" sz="1400" dirty="0">
+                <a:latin typeface="Consolas" panose="020B0609020204030204" pitchFamily="49" charset="0"/>
+                <a:cs typeface="Consolas" panose="020B0609020204030204" pitchFamily="49" charset="0"/>
+              </a:rPr>
+              <a:t>(</a:t>
+            </a:r>
+            <a:r>
+              <a:rPr lang="de-DE" sz="1400" dirty="0" err="1">
+                <a:latin typeface="Consolas" panose="020B0609020204030204" pitchFamily="49" charset="0"/>
+                <a:cs typeface="Consolas" panose="020B0609020204030204" pitchFamily="49" charset="0"/>
+              </a:rPr>
+              <a:t>CancellationToken</a:t>
+            </a:r>
+            <a:r>
+              <a:rPr lang="de-DE" sz="1400" dirty="0">
+                <a:latin typeface="Consolas" panose="020B0609020204030204" pitchFamily="49" charset="0"/>
+                <a:cs typeface="Consolas" panose="020B0609020204030204" pitchFamily="49" charset="0"/>
+              </a:rPr>
+              <a:t> </a:t>
+            </a:r>
+            <a:r>
+              <a:rPr lang="de-DE" sz="1400" dirty="0" err="1">
+                <a:latin typeface="Consolas" panose="020B0609020204030204" pitchFamily="49" charset="0"/>
+                <a:cs typeface="Consolas" panose="020B0609020204030204" pitchFamily="49" charset="0"/>
+              </a:rPr>
+              <a:t>cancellationToken</a:t>
+            </a:r>
+            <a:r>
+              <a:rPr lang="de-DE" sz="1400" dirty="0">
+                <a:latin typeface="Consolas" panose="020B0609020204030204" pitchFamily="49" charset="0"/>
+                <a:cs typeface="Consolas" panose="020B0609020204030204" pitchFamily="49" charset="0"/>
+              </a:rPr>
+              <a:t>)  </a:t>
+            </a:r>
+            <a:r>
+              <a:rPr lang="de-DE" sz="1400" dirty="0" smtClean="0">
+                <a:latin typeface="Consolas" panose="020B0609020204030204" pitchFamily="49" charset="0"/>
+                <a:cs typeface="Consolas" panose="020B0609020204030204" pitchFamily="49" charset="0"/>
+              </a:rPr>
+              <a:t>{</a:t>
+            </a:r>
+            <a:r>
+              <a:rPr lang="de-DE" sz="1400" dirty="0">
+                <a:latin typeface="Consolas" panose="020B0609020204030204" pitchFamily="49" charset="0"/>
+                <a:cs typeface="Consolas" panose="020B0609020204030204" pitchFamily="49" charset="0"/>
+              </a:rPr>
+              <a:t/>
+            </a:r>
+            <a:br>
+              <a:rPr lang="de-DE" sz="1400" dirty="0">
+                <a:latin typeface="Consolas" panose="020B0609020204030204" pitchFamily="49" charset="0"/>
+                <a:cs typeface="Consolas" panose="020B0609020204030204" pitchFamily="49" charset="0"/>
+              </a:rPr>
+            </a:br>
+            <a:r>
+              <a:rPr lang="de-DE" sz="1400" dirty="0">
+                <a:latin typeface="Consolas" panose="020B0609020204030204" pitchFamily="49" charset="0"/>
+                <a:cs typeface="Consolas" panose="020B0609020204030204" pitchFamily="49" charset="0"/>
+              </a:rPr>
+              <a:t>         </a:t>
+            </a:r>
+            <a:r>
+              <a:rPr lang="de-DE" sz="1400" dirty="0" err="1">
+                <a:latin typeface="Consolas" panose="020B0609020204030204" pitchFamily="49" charset="0"/>
+                <a:cs typeface="Consolas" panose="020B0609020204030204" pitchFamily="49" charset="0"/>
+              </a:rPr>
+              <a:t>DoubleValue</a:t>
+            </a:r>
+            <a:r>
+              <a:rPr lang="de-DE" sz="1400" dirty="0">
+                <a:latin typeface="Consolas" panose="020B0609020204030204" pitchFamily="49" charset="0"/>
+                <a:cs typeface="Consolas" panose="020B0609020204030204" pitchFamily="49" charset="0"/>
+              </a:rPr>
+              <a:t> </a:t>
+            </a:r>
+            <a:r>
+              <a:rPr lang="de-DE" sz="1400" dirty="0" err="1">
+                <a:latin typeface="Consolas" panose="020B0609020204030204" pitchFamily="49" charset="0"/>
+                <a:cs typeface="Consolas" panose="020B0609020204030204" pitchFamily="49" charset="0"/>
+              </a:rPr>
+              <a:t>bestQuality</a:t>
+            </a:r>
+            <a:r>
+              <a:rPr lang="de-DE" sz="1400" dirty="0">
+                <a:latin typeface="Consolas" panose="020B0609020204030204" pitchFamily="49" charset="0"/>
+                <a:cs typeface="Consolas" panose="020B0609020204030204" pitchFamily="49" charset="0"/>
+              </a:rPr>
+              <a:t> = </a:t>
+            </a:r>
+            <a:r>
+              <a:rPr lang="de-DE" sz="1400" b="1" dirty="0" err="1">
+                <a:solidFill>
+                  <a:srgbClr val="008B8B"/>
+                </a:solidFill>
+                <a:latin typeface="Consolas" panose="020B0609020204030204" pitchFamily="49" charset="0"/>
+                <a:cs typeface="Consolas" panose="020B0609020204030204" pitchFamily="49" charset="0"/>
+              </a:rPr>
+              <a:t>new</a:t>
+            </a:r>
+            <a:r>
+              <a:rPr lang="de-DE" sz="1400" dirty="0">
+                <a:latin typeface="Consolas" panose="020B0609020204030204" pitchFamily="49" charset="0"/>
+                <a:cs typeface="Consolas" panose="020B0609020204030204" pitchFamily="49" charset="0"/>
+              </a:rPr>
+              <a:t> </a:t>
+            </a:r>
+            <a:r>
+              <a:rPr lang="de-DE" sz="1400" b="1" dirty="0" err="1">
+                <a:solidFill>
+                  <a:srgbClr val="191970"/>
+                </a:solidFill>
+                <a:latin typeface="Consolas" panose="020B0609020204030204" pitchFamily="49" charset="0"/>
+                <a:cs typeface="Consolas" panose="020B0609020204030204" pitchFamily="49" charset="0"/>
+              </a:rPr>
+              <a:t>DoubleValue</a:t>
+            </a:r>
+            <a:r>
+              <a:rPr lang="de-DE" sz="1400" dirty="0">
+                <a:latin typeface="Consolas" panose="020B0609020204030204" pitchFamily="49" charset="0"/>
+                <a:cs typeface="Consolas" panose="020B0609020204030204" pitchFamily="49" charset="0"/>
+              </a:rPr>
+              <a:t>(</a:t>
+            </a:r>
+            <a:r>
+              <a:rPr lang="de-DE" sz="1400" dirty="0">
+                <a:solidFill>
+                  <a:srgbClr val="00008B"/>
+                </a:solidFill>
+                <a:latin typeface="Consolas" panose="020B0609020204030204" pitchFamily="49" charset="0"/>
+                <a:cs typeface="Consolas" panose="020B0609020204030204" pitchFamily="49" charset="0"/>
+              </a:rPr>
+              <a:t>0.0</a:t>
+            </a:r>
+            <a:r>
+              <a:rPr lang="de-DE" sz="1400" dirty="0">
+                <a:latin typeface="Consolas" panose="020B0609020204030204" pitchFamily="49" charset="0"/>
+                <a:cs typeface="Consolas" panose="020B0609020204030204" pitchFamily="49" charset="0"/>
+              </a:rPr>
+              <a:t>);</a:t>
+            </a:r>
+            <a:br>
+              <a:rPr lang="de-DE" sz="1400" dirty="0">
+                <a:latin typeface="Consolas" panose="020B0609020204030204" pitchFamily="49" charset="0"/>
+                <a:cs typeface="Consolas" panose="020B0609020204030204" pitchFamily="49" charset="0"/>
+              </a:rPr>
+            </a:br>
+            <a:r>
+              <a:rPr lang="de-DE" sz="1400" dirty="0">
+                <a:latin typeface="Consolas" panose="020B0609020204030204" pitchFamily="49" charset="0"/>
+                <a:cs typeface="Consolas" panose="020B0609020204030204" pitchFamily="49" charset="0"/>
+              </a:rPr>
+              <a:t>         </a:t>
+            </a:r>
+            <a:r>
+              <a:rPr lang="de-DE" sz="1400" dirty="0" err="1">
+                <a:latin typeface="Consolas" panose="020B0609020204030204" pitchFamily="49" charset="0"/>
+                <a:cs typeface="Consolas" panose="020B0609020204030204" pitchFamily="49" charset="0"/>
+              </a:rPr>
+              <a:t>Results.</a:t>
+            </a:r>
+            <a:r>
+              <a:rPr lang="de-DE" sz="1400" b="1" dirty="0" err="1">
+                <a:solidFill>
+                  <a:srgbClr val="191970"/>
+                </a:solidFill>
+                <a:latin typeface="Consolas" panose="020B0609020204030204" pitchFamily="49" charset="0"/>
+                <a:cs typeface="Consolas" panose="020B0609020204030204" pitchFamily="49" charset="0"/>
+              </a:rPr>
+              <a:t>Add</a:t>
+            </a:r>
+            <a:r>
+              <a:rPr lang="de-DE" sz="1400" dirty="0">
+                <a:latin typeface="Consolas" panose="020B0609020204030204" pitchFamily="49" charset="0"/>
+                <a:cs typeface="Consolas" panose="020B0609020204030204" pitchFamily="49" charset="0"/>
+              </a:rPr>
+              <a:t>(</a:t>
+            </a:r>
+            <a:r>
+              <a:rPr lang="de-DE" sz="1400" b="1" dirty="0" err="1">
+                <a:solidFill>
+                  <a:srgbClr val="008B8B"/>
+                </a:solidFill>
+                <a:latin typeface="Consolas" panose="020B0609020204030204" pitchFamily="49" charset="0"/>
+                <a:cs typeface="Consolas" panose="020B0609020204030204" pitchFamily="49" charset="0"/>
+              </a:rPr>
+              <a:t>new</a:t>
+            </a:r>
+            <a:r>
+              <a:rPr lang="de-DE" sz="1400" dirty="0">
+                <a:latin typeface="Consolas" panose="020B0609020204030204" pitchFamily="49" charset="0"/>
+                <a:cs typeface="Consolas" panose="020B0609020204030204" pitchFamily="49" charset="0"/>
+              </a:rPr>
+              <a:t> </a:t>
+            </a:r>
+            <a:r>
+              <a:rPr lang="de-DE" sz="1400" b="1" dirty="0" err="1">
+                <a:solidFill>
+                  <a:srgbClr val="191970"/>
+                </a:solidFill>
+                <a:latin typeface="Consolas" panose="020B0609020204030204" pitchFamily="49" charset="0"/>
+                <a:cs typeface="Consolas" panose="020B0609020204030204" pitchFamily="49" charset="0"/>
+              </a:rPr>
+              <a:t>Result</a:t>
+            </a:r>
+            <a:r>
+              <a:rPr lang="de-DE" sz="1400" dirty="0">
+                <a:latin typeface="Consolas" panose="020B0609020204030204" pitchFamily="49" charset="0"/>
+                <a:cs typeface="Consolas" panose="020B0609020204030204" pitchFamily="49" charset="0"/>
+              </a:rPr>
+              <a:t>(</a:t>
+            </a:r>
+            <a:r>
+              <a:rPr lang="de-DE" sz="1400" dirty="0">
+                <a:solidFill>
+                  <a:srgbClr val="0000FF"/>
+                </a:solidFill>
+                <a:latin typeface="Consolas" panose="020B0609020204030204" pitchFamily="49" charset="0"/>
+                <a:cs typeface="Consolas" panose="020B0609020204030204" pitchFamily="49" charset="0"/>
+              </a:rPr>
+              <a:t>"</a:t>
+            </a:r>
+            <a:r>
+              <a:rPr lang="de-DE" sz="1400" dirty="0" err="1">
+                <a:solidFill>
+                  <a:srgbClr val="0000FF"/>
+                </a:solidFill>
+                <a:latin typeface="Consolas" panose="020B0609020204030204" pitchFamily="49" charset="0"/>
+                <a:cs typeface="Consolas" panose="020B0609020204030204" pitchFamily="49" charset="0"/>
+              </a:rPr>
+              <a:t>BestQuality</a:t>
+            </a:r>
+            <a:r>
+              <a:rPr lang="de-DE" sz="1400" dirty="0">
+                <a:solidFill>
+                  <a:srgbClr val="0000FF"/>
+                </a:solidFill>
+                <a:latin typeface="Consolas" panose="020B0609020204030204" pitchFamily="49" charset="0"/>
+                <a:cs typeface="Consolas" panose="020B0609020204030204" pitchFamily="49" charset="0"/>
+              </a:rPr>
+              <a:t>"</a:t>
+            </a:r>
+            <a:r>
+              <a:rPr lang="de-DE" sz="1400" dirty="0">
+                <a:latin typeface="Consolas" panose="020B0609020204030204" pitchFamily="49" charset="0"/>
+                <a:cs typeface="Consolas" panose="020B0609020204030204" pitchFamily="49" charset="0"/>
+              </a:rPr>
+              <a:t>, </a:t>
+            </a:r>
+            <a:r>
+              <a:rPr lang="de-DE" sz="1400" dirty="0" err="1">
+                <a:latin typeface="Consolas" panose="020B0609020204030204" pitchFamily="49" charset="0"/>
+                <a:cs typeface="Consolas" panose="020B0609020204030204" pitchFamily="49" charset="0"/>
+              </a:rPr>
+              <a:t>bestQuality</a:t>
+            </a:r>
+            <a:r>
+              <a:rPr lang="de-DE" sz="1400" dirty="0">
+                <a:latin typeface="Consolas" panose="020B0609020204030204" pitchFamily="49" charset="0"/>
+                <a:cs typeface="Consolas" panose="020B0609020204030204" pitchFamily="49" charset="0"/>
+              </a:rPr>
+              <a:t>));</a:t>
+            </a:r>
+            <a:br>
+              <a:rPr lang="de-DE" sz="1400" dirty="0">
+                <a:latin typeface="Consolas" panose="020B0609020204030204" pitchFamily="49" charset="0"/>
+                <a:cs typeface="Consolas" panose="020B0609020204030204" pitchFamily="49" charset="0"/>
+              </a:rPr>
+            </a:br>
+            <a:r>
+              <a:rPr lang="de-DE" sz="1400" dirty="0">
+                <a:latin typeface="Consolas" panose="020B0609020204030204" pitchFamily="49" charset="0"/>
+                <a:cs typeface="Consolas" panose="020B0609020204030204" pitchFamily="49" charset="0"/>
+              </a:rPr>
+              <a:t>        </a:t>
+            </a:r>
+            <a:br>
+              <a:rPr lang="de-DE" sz="1400" dirty="0">
+                <a:latin typeface="Consolas" panose="020B0609020204030204" pitchFamily="49" charset="0"/>
+                <a:cs typeface="Consolas" panose="020B0609020204030204" pitchFamily="49" charset="0"/>
+              </a:rPr>
+            </a:br>
+            <a:r>
+              <a:rPr lang="de-DE" sz="1400" dirty="0">
+                <a:latin typeface="Consolas" panose="020B0609020204030204" pitchFamily="49" charset="0"/>
+                <a:cs typeface="Consolas" panose="020B0609020204030204" pitchFamily="49" charset="0"/>
+              </a:rPr>
+              <a:t>         </a:t>
+            </a:r>
+            <a:r>
+              <a:rPr lang="de-DE" sz="1400" b="1" dirty="0" err="1">
+                <a:solidFill>
+                  <a:srgbClr val="0000FF"/>
+                </a:solidFill>
+                <a:latin typeface="Consolas" panose="020B0609020204030204" pitchFamily="49" charset="0"/>
+                <a:cs typeface="Consolas" panose="020B0609020204030204" pitchFamily="49" charset="0"/>
+              </a:rPr>
+              <a:t>for</a:t>
+            </a:r>
+            <a:r>
+              <a:rPr lang="de-DE" sz="1400" dirty="0">
+                <a:latin typeface="Consolas" panose="020B0609020204030204" pitchFamily="49" charset="0"/>
+                <a:cs typeface="Consolas" panose="020B0609020204030204" pitchFamily="49" charset="0"/>
+              </a:rPr>
+              <a:t>(</a:t>
+            </a:r>
+            <a:r>
+              <a:rPr lang="de-DE" sz="1400" b="1" dirty="0" err="1">
+                <a:solidFill>
+                  <a:srgbClr val="FF0000"/>
+                </a:solidFill>
+                <a:latin typeface="Consolas" panose="020B0609020204030204" pitchFamily="49" charset="0"/>
+                <a:cs typeface="Consolas" panose="020B0609020204030204" pitchFamily="49" charset="0"/>
+              </a:rPr>
+              <a:t>int</a:t>
+            </a:r>
+            <a:r>
+              <a:rPr lang="de-DE" sz="1400" dirty="0">
+                <a:latin typeface="Consolas" panose="020B0609020204030204" pitchFamily="49" charset="0"/>
+                <a:cs typeface="Consolas" panose="020B0609020204030204" pitchFamily="49" charset="0"/>
+              </a:rPr>
+              <a:t> i = </a:t>
+            </a:r>
+            <a:r>
+              <a:rPr lang="de-DE" sz="1400" dirty="0">
+                <a:solidFill>
+                  <a:srgbClr val="00008B"/>
+                </a:solidFill>
+                <a:latin typeface="Consolas" panose="020B0609020204030204" pitchFamily="49" charset="0"/>
+                <a:cs typeface="Consolas" panose="020B0609020204030204" pitchFamily="49" charset="0"/>
+              </a:rPr>
+              <a:t>0</a:t>
+            </a:r>
+            <a:r>
+              <a:rPr lang="de-DE" sz="1400" dirty="0">
+                <a:latin typeface="Consolas" panose="020B0609020204030204" pitchFamily="49" charset="0"/>
+                <a:cs typeface="Consolas" panose="020B0609020204030204" pitchFamily="49" charset="0"/>
+              </a:rPr>
+              <a:t>; i &lt; </a:t>
+            </a:r>
+            <a:r>
+              <a:rPr lang="de-DE" sz="1400" dirty="0">
+                <a:solidFill>
+                  <a:srgbClr val="00008B"/>
+                </a:solidFill>
+                <a:latin typeface="Consolas" panose="020B0609020204030204" pitchFamily="49" charset="0"/>
+                <a:cs typeface="Consolas" panose="020B0609020204030204" pitchFamily="49" charset="0"/>
+              </a:rPr>
+              <a:t>100000</a:t>
+            </a:r>
+            <a:r>
+              <a:rPr lang="de-DE" sz="1400" dirty="0">
+                <a:latin typeface="Consolas" panose="020B0609020204030204" pitchFamily="49" charset="0"/>
+                <a:cs typeface="Consolas" panose="020B0609020204030204" pitchFamily="49" charset="0"/>
+              </a:rPr>
+              <a:t>; i++) {</a:t>
+            </a:r>
+            <a:br>
+              <a:rPr lang="de-DE" sz="1400" dirty="0">
+                <a:latin typeface="Consolas" panose="020B0609020204030204" pitchFamily="49" charset="0"/>
+                <a:cs typeface="Consolas" panose="020B0609020204030204" pitchFamily="49" charset="0"/>
+              </a:rPr>
+            </a:br>
+            <a:r>
+              <a:rPr lang="de-DE" sz="1400" dirty="0">
+                <a:latin typeface="Consolas" panose="020B0609020204030204" pitchFamily="49" charset="0"/>
+                <a:cs typeface="Consolas" panose="020B0609020204030204" pitchFamily="49" charset="0"/>
+              </a:rPr>
+              <a:t>            </a:t>
+            </a:r>
+            <a:r>
+              <a:rPr lang="de-DE" sz="1400" dirty="0" err="1">
+                <a:latin typeface="Consolas" panose="020B0609020204030204" pitchFamily="49" charset="0"/>
+                <a:cs typeface="Consolas" panose="020B0609020204030204" pitchFamily="49" charset="0"/>
+              </a:rPr>
+              <a:t>cancellationToken.</a:t>
+            </a:r>
+            <a:r>
+              <a:rPr lang="de-DE" sz="1400" b="1" dirty="0" err="1">
+                <a:solidFill>
+                  <a:srgbClr val="191970"/>
+                </a:solidFill>
+                <a:latin typeface="Consolas" panose="020B0609020204030204" pitchFamily="49" charset="0"/>
+                <a:cs typeface="Consolas" panose="020B0609020204030204" pitchFamily="49" charset="0"/>
+              </a:rPr>
+              <a:t>ThrowIfCancellationRequested</a:t>
+            </a:r>
+            <a:r>
+              <a:rPr lang="de-DE" sz="1400" dirty="0">
+                <a:latin typeface="Consolas" panose="020B0609020204030204" pitchFamily="49" charset="0"/>
+                <a:cs typeface="Consolas" panose="020B0609020204030204" pitchFamily="49" charset="0"/>
+              </a:rPr>
+              <a:t>();</a:t>
+            </a:r>
+            <a:br>
+              <a:rPr lang="de-DE" sz="1400" dirty="0">
+                <a:latin typeface="Consolas" panose="020B0609020204030204" pitchFamily="49" charset="0"/>
+                <a:cs typeface="Consolas" panose="020B0609020204030204" pitchFamily="49" charset="0"/>
+              </a:rPr>
+            </a:br>
+            <a:r>
+              <a:rPr lang="de-DE" sz="1400" dirty="0">
+                <a:latin typeface="Consolas" panose="020B0609020204030204" pitchFamily="49" charset="0"/>
+                <a:cs typeface="Consolas" panose="020B0609020204030204" pitchFamily="49" charset="0"/>
+              </a:rPr>
+              <a:t>            </a:t>
+            </a:r>
+            <a:br>
+              <a:rPr lang="de-DE" sz="1400" dirty="0">
+                <a:latin typeface="Consolas" panose="020B0609020204030204" pitchFamily="49" charset="0"/>
+                <a:cs typeface="Consolas" panose="020B0609020204030204" pitchFamily="49" charset="0"/>
+              </a:rPr>
+            </a:br>
+            <a:r>
+              <a:rPr lang="de-DE" sz="1400" dirty="0">
+                <a:latin typeface="Consolas" panose="020B0609020204030204" pitchFamily="49" charset="0"/>
+                <a:cs typeface="Consolas" panose="020B0609020204030204" pitchFamily="49" charset="0"/>
+              </a:rPr>
+              <a:t>            </a:t>
+            </a:r>
+            <a:r>
+              <a:rPr lang="de-DE" sz="1400" dirty="0" err="1">
+                <a:latin typeface="Consolas" panose="020B0609020204030204" pitchFamily="49" charset="0"/>
+                <a:cs typeface="Consolas" panose="020B0609020204030204" pitchFamily="49" charset="0"/>
+              </a:rPr>
+              <a:t>BinaryVector</a:t>
+            </a:r>
+            <a:r>
+              <a:rPr lang="de-DE" sz="1400" dirty="0">
+                <a:latin typeface="Consolas" panose="020B0609020204030204" pitchFamily="49" charset="0"/>
+                <a:cs typeface="Consolas" panose="020B0609020204030204" pitchFamily="49" charset="0"/>
+              </a:rPr>
+              <a:t> b = </a:t>
+            </a:r>
+            <a:r>
+              <a:rPr lang="de-DE" sz="1400" b="1" dirty="0" err="1">
+                <a:solidFill>
+                  <a:srgbClr val="008B8B"/>
+                </a:solidFill>
+                <a:latin typeface="Consolas" panose="020B0609020204030204" pitchFamily="49" charset="0"/>
+                <a:cs typeface="Consolas" panose="020B0609020204030204" pitchFamily="49" charset="0"/>
+              </a:rPr>
+              <a:t>new</a:t>
+            </a:r>
+            <a:r>
+              <a:rPr lang="de-DE" sz="1400" dirty="0">
+                <a:latin typeface="Consolas" panose="020B0609020204030204" pitchFamily="49" charset="0"/>
+                <a:cs typeface="Consolas" panose="020B0609020204030204" pitchFamily="49" charset="0"/>
+              </a:rPr>
+              <a:t> </a:t>
+            </a:r>
+            <a:r>
+              <a:rPr lang="de-DE" sz="1400" b="1" dirty="0" err="1">
+                <a:solidFill>
+                  <a:srgbClr val="191970"/>
+                </a:solidFill>
+                <a:latin typeface="Consolas" panose="020B0609020204030204" pitchFamily="49" charset="0"/>
+                <a:cs typeface="Consolas" panose="020B0609020204030204" pitchFamily="49" charset="0"/>
+              </a:rPr>
+              <a:t>BinaryVector</a:t>
+            </a:r>
+            <a:r>
+              <a:rPr lang="de-DE" sz="1400" dirty="0">
+                <a:latin typeface="Consolas" panose="020B0609020204030204" pitchFamily="49" charset="0"/>
+                <a:cs typeface="Consolas" panose="020B0609020204030204" pitchFamily="49" charset="0"/>
+              </a:rPr>
+              <a:t>(</a:t>
+            </a:r>
+            <a:r>
+              <a:rPr lang="de-DE" sz="1400" dirty="0" err="1">
+                <a:latin typeface="Consolas" panose="020B0609020204030204" pitchFamily="49" charset="0"/>
+                <a:cs typeface="Consolas" panose="020B0609020204030204" pitchFamily="49" charset="0"/>
+              </a:rPr>
+              <a:t>Problem.Length</a:t>
+            </a:r>
+            <a:r>
+              <a:rPr lang="de-DE" sz="1400" dirty="0">
+                <a:latin typeface="Consolas" panose="020B0609020204030204" pitchFamily="49" charset="0"/>
+                <a:cs typeface="Consolas" panose="020B0609020204030204" pitchFamily="49" charset="0"/>
+              </a:rPr>
+              <a:t>, </a:t>
+            </a:r>
+            <a:r>
+              <a:rPr lang="de-DE" sz="1400" dirty="0" err="1">
+                <a:latin typeface="Consolas" panose="020B0609020204030204" pitchFamily="49" charset="0"/>
+                <a:cs typeface="Consolas" panose="020B0609020204030204" pitchFamily="49" charset="0"/>
+              </a:rPr>
+              <a:t>random</a:t>
+            </a:r>
+            <a:r>
+              <a:rPr lang="de-DE" sz="1400" dirty="0">
+                <a:latin typeface="Consolas" panose="020B0609020204030204" pitchFamily="49" charset="0"/>
+                <a:cs typeface="Consolas" panose="020B0609020204030204" pitchFamily="49" charset="0"/>
+              </a:rPr>
+              <a:t>);</a:t>
+            </a:r>
+            <a:br>
+              <a:rPr lang="de-DE" sz="1400" dirty="0">
+                <a:latin typeface="Consolas" panose="020B0609020204030204" pitchFamily="49" charset="0"/>
+                <a:cs typeface="Consolas" panose="020B0609020204030204" pitchFamily="49" charset="0"/>
+              </a:rPr>
+            </a:br>
+            <a:r>
+              <a:rPr lang="de-DE" sz="1400" dirty="0">
+                <a:latin typeface="Consolas" panose="020B0609020204030204" pitchFamily="49" charset="0"/>
+                <a:cs typeface="Consolas" panose="020B0609020204030204" pitchFamily="49" charset="0"/>
+              </a:rPr>
+              <a:t>            </a:t>
+            </a:r>
+            <a:r>
+              <a:rPr lang="de-DE" sz="1400" b="1" dirty="0">
+                <a:solidFill>
+                  <a:srgbClr val="FF0000"/>
+                </a:solidFill>
+                <a:latin typeface="Consolas" panose="020B0609020204030204" pitchFamily="49" charset="0"/>
+                <a:cs typeface="Consolas" panose="020B0609020204030204" pitchFamily="49" charset="0"/>
+              </a:rPr>
+              <a:t>double</a:t>
+            </a:r>
+            <a:r>
+              <a:rPr lang="de-DE" sz="1400" dirty="0">
+                <a:latin typeface="Consolas" panose="020B0609020204030204" pitchFamily="49" charset="0"/>
+                <a:cs typeface="Consolas" panose="020B0609020204030204" pitchFamily="49" charset="0"/>
+              </a:rPr>
+              <a:t> </a:t>
+            </a:r>
+            <a:r>
+              <a:rPr lang="de-DE" sz="1400" dirty="0" err="1">
+                <a:latin typeface="Consolas" panose="020B0609020204030204" pitchFamily="49" charset="0"/>
+                <a:cs typeface="Consolas" panose="020B0609020204030204" pitchFamily="49" charset="0"/>
+              </a:rPr>
+              <a:t>curQuality</a:t>
+            </a:r>
+            <a:r>
+              <a:rPr lang="de-DE" sz="1400" dirty="0">
+                <a:latin typeface="Consolas" panose="020B0609020204030204" pitchFamily="49" charset="0"/>
+                <a:cs typeface="Consolas" panose="020B0609020204030204" pitchFamily="49" charset="0"/>
+              </a:rPr>
+              <a:t> = </a:t>
+            </a:r>
+            <a:r>
+              <a:rPr lang="de-DE" sz="1400" dirty="0" err="1">
+                <a:latin typeface="Consolas" panose="020B0609020204030204" pitchFamily="49" charset="0"/>
+                <a:cs typeface="Consolas" panose="020B0609020204030204" pitchFamily="49" charset="0"/>
+              </a:rPr>
+              <a:t>Problem.</a:t>
+            </a:r>
+            <a:r>
+              <a:rPr lang="de-DE" sz="1400" b="1" dirty="0" err="1">
+                <a:solidFill>
+                  <a:srgbClr val="191970"/>
+                </a:solidFill>
+                <a:latin typeface="Consolas" panose="020B0609020204030204" pitchFamily="49" charset="0"/>
+                <a:cs typeface="Consolas" panose="020B0609020204030204" pitchFamily="49" charset="0"/>
+              </a:rPr>
+              <a:t>Evaluate</a:t>
+            </a:r>
+            <a:r>
+              <a:rPr lang="de-DE" sz="1400" dirty="0">
+                <a:latin typeface="Consolas" panose="020B0609020204030204" pitchFamily="49" charset="0"/>
+                <a:cs typeface="Consolas" panose="020B0609020204030204" pitchFamily="49" charset="0"/>
+              </a:rPr>
+              <a:t>(b, </a:t>
+            </a:r>
+            <a:r>
+              <a:rPr lang="de-DE" sz="1400" dirty="0" err="1">
+                <a:latin typeface="Consolas" panose="020B0609020204030204" pitchFamily="49" charset="0"/>
+                <a:cs typeface="Consolas" panose="020B0609020204030204" pitchFamily="49" charset="0"/>
+              </a:rPr>
+              <a:t>random</a:t>
+            </a:r>
+            <a:r>
+              <a:rPr lang="de-DE" sz="1400" dirty="0">
+                <a:latin typeface="Consolas" panose="020B0609020204030204" pitchFamily="49" charset="0"/>
+                <a:cs typeface="Consolas" panose="020B0609020204030204" pitchFamily="49" charset="0"/>
+              </a:rPr>
+              <a:t>);</a:t>
+            </a:r>
+            <a:br>
+              <a:rPr lang="de-DE" sz="1400" dirty="0">
+                <a:latin typeface="Consolas" panose="020B0609020204030204" pitchFamily="49" charset="0"/>
+                <a:cs typeface="Consolas" panose="020B0609020204030204" pitchFamily="49" charset="0"/>
+              </a:rPr>
+            </a:br>
+            <a:r>
+              <a:rPr lang="de-DE" sz="1400" dirty="0">
+                <a:latin typeface="Consolas" panose="020B0609020204030204" pitchFamily="49" charset="0"/>
+                <a:cs typeface="Consolas" panose="020B0609020204030204" pitchFamily="49" charset="0"/>
+              </a:rPr>
+              <a:t>            </a:t>
+            </a:r>
+            <a:br>
+              <a:rPr lang="de-DE" sz="1400" dirty="0">
+                <a:latin typeface="Consolas" panose="020B0609020204030204" pitchFamily="49" charset="0"/>
+                <a:cs typeface="Consolas" panose="020B0609020204030204" pitchFamily="49" charset="0"/>
+              </a:rPr>
+            </a:br>
+            <a:r>
+              <a:rPr lang="de-DE" sz="1400" dirty="0">
+                <a:latin typeface="Consolas" panose="020B0609020204030204" pitchFamily="49" charset="0"/>
+                <a:cs typeface="Consolas" panose="020B0609020204030204" pitchFamily="49" charset="0"/>
+              </a:rPr>
+              <a:t>            </a:t>
+            </a:r>
+            <a:r>
+              <a:rPr lang="de-DE" sz="1400" b="1" dirty="0" err="1">
+                <a:solidFill>
+                  <a:srgbClr val="0000FF"/>
+                </a:solidFill>
+                <a:latin typeface="Consolas" panose="020B0609020204030204" pitchFamily="49" charset="0"/>
+                <a:cs typeface="Consolas" panose="020B0609020204030204" pitchFamily="49" charset="0"/>
+              </a:rPr>
+              <a:t>if</a:t>
+            </a:r>
+            <a:r>
+              <a:rPr lang="de-DE" sz="1400" dirty="0">
+                <a:latin typeface="Consolas" panose="020B0609020204030204" pitchFamily="49" charset="0"/>
+                <a:cs typeface="Consolas" panose="020B0609020204030204" pitchFamily="49" charset="0"/>
+              </a:rPr>
+              <a:t>(</a:t>
+            </a:r>
+            <a:r>
+              <a:rPr lang="de-DE" sz="1400" dirty="0" err="1">
+                <a:latin typeface="Consolas" panose="020B0609020204030204" pitchFamily="49" charset="0"/>
+                <a:cs typeface="Consolas" panose="020B0609020204030204" pitchFamily="49" charset="0"/>
+              </a:rPr>
+              <a:t>Problem.Maximization</a:t>
+            </a:r>
+            <a:r>
+              <a:rPr lang="de-DE" sz="1400" dirty="0">
+                <a:latin typeface="Consolas" panose="020B0609020204030204" pitchFamily="49" charset="0"/>
+                <a:cs typeface="Consolas" panose="020B0609020204030204" pitchFamily="49" charset="0"/>
+              </a:rPr>
+              <a:t> &amp;&amp; </a:t>
+            </a:r>
+            <a:r>
+              <a:rPr lang="de-DE" sz="1400" dirty="0" err="1">
+                <a:latin typeface="Consolas" panose="020B0609020204030204" pitchFamily="49" charset="0"/>
+                <a:cs typeface="Consolas" panose="020B0609020204030204" pitchFamily="49" charset="0"/>
+              </a:rPr>
+              <a:t>curQuality</a:t>
+            </a:r>
+            <a:r>
+              <a:rPr lang="de-DE" sz="1400" dirty="0">
+                <a:latin typeface="Consolas" panose="020B0609020204030204" pitchFamily="49" charset="0"/>
+                <a:cs typeface="Consolas" panose="020B0609020204030204" pitchFamily="49" charset="0"/>
+              </a:rPr>
+              <a:t> &gt; </a:t>
+            </a:r>
+            <a:r>
+              <a:rPr lang="de-DE" sz="1400" dirty="0" err="1">
+                <a:latin typeface="Consolas" panose="020B0609020204030204" pitchFamily="49" charset="0"/>
+                <a:cs typeface="Consolas" panose="020B0609020204030204" pitchFamily="49" charset="0"/>
+              </a:rPr>
+              <a:t>bestQuality.Value</a:t>
+            </a:r>
+            <a:r>
+              <a:rPr lang="de-DE" sz="1400" dirty="0">
+                <a:latin typeface="Consolas" panose="020B0609020204030204" pitchFamily="49" charset="0"/>
+                <a:cs typeface="Consolas" panose="020B0609020204030204" pitchFamily="49" charset="0"/>
+              </a:rPr>
+              <a:t>) {</a:t>
+            </a:r>
+            <a:br>
+              <a:rPr lang="de-DE" sz="1400" dirty="0">
+                <a:latin typeface="Consolas" panose="020B0609020204030204" pitchFamily="49" charset="0"/>
+                <a:cs typeface="Consolas" panose="020B0609020204030204" pitchFamily="49" charset="0"/>
+              </a:rPr>
+            </a:br>
+            <a:r>
+              <a:rPr lang="de-DE" sz="1400" dirty="0">
+                <a:latin typeface="Consolas" panose="020B0609020204030204" pitchFamily="49" charset="0"/>
+                <a:cs typeface="Consolas" panose="020B0609020204030204" pitchFamily="49" charset="0"/>
+              </a:rPr>
+              <a:t>              </a:t>
+            </a:r>
+            <a:r>
+              <a:rPr lang="de-DE" sz="1400" dirty="0" err="1">
+                <a:latin typeface="Consolas" panose="020B0609020204030204" pitchFamily="49" charset="0"/>
+                <a:cs typeface="Consolas" panose="020B0609020204030204" pitchFamily="49" charset="0"/>
+              </a:rPr>
+              <a:t>bestQuality.Value</a:t>
+            </a:r>
+            <a:r>
+              <a:rPr lang="de-DE" sz="1400" dirty="0">
+                <a:latin typeface="Consolas" panose="020B0609020204030204" pitchFamily="49" charset="0"/>
+                <a:cs typeface="Consolas" panose="020B0609020204030204" pitchFamily="49" charset="0"/>
+              </a:rPr>
+              <a:t> = </a:t>
+            </a:r>
+            <a:r>
+              <a:rPr lang="de-DE" sz="1400" dirty="0" err="1">
+                <a:latin typeface="Consolas" panose="020B0609020204030204" pitchFamily="49" charset="0"/>
+                <a:cs typeface="Consolas" panose="020B0609020204030204" pitchFamily="49" charset="0"/>
+              </a:rPr>
+              <a:t>curQuality</a:t>
+            </a:r>
+            <a:r>
+              <a:rPr lang="de-DE" sz="1400" dirty="0">
+                <a:latin typeface="Consolas" panose="020B0609020204030204" pitchFamily="49" charset="0"/>
+                <a:cs typeface="Consolas" panose="020B0609020204030204" pitchFamily="49" charset="0"/>
+              </a:rPr>
+              <a:t>; </a:t>
+            </a:r>
+            <a:br>
+              <a:rPr lang="de-DE" sz="1400" dirty="0">
+                <a:latin typeface="Consolas" panose="020B0609020204030204" pitchFamily="49" charset="0"/>
+                <a:cs typeface="Consolas" panose="020B0609020204030204" pitchFamily="49" charset="0"/>
+              </a:rPr>
+            </a:br>
+            <a:r>
+              <a:rPr lang="de-DE" sz="1400" dirty="0">
+                <a:latin typeface="Consolas" panose="020B0609020204030204" pitchFamily="49" charset="0"/>
+                <a:cs typeface="Consolas" panose="020B0609020204030204" pitchFamily="49" charset="0"/>
+              </a:rPr>
+              <a:t>            } </a:t>
+            </a:r>
+            <a:r>
+              <a:rPr lang="de-DE" sz="1400" b="1" dirty="0" err="1">
+                <a:solidFill>
+                  <a:srgbClr val="0000FF"/>
+                </a:solidFill>
+                <a:latin typeface="Consolas" panose="020B0609020204030204" pitchFamily="49" charset="0"/>
+                <a:cs typeface="Consolas" panose="020B0609020204030204" pitchFamily="49" charset="0"/>
+              </a:rPr>
+              <a:t>else</a:t>
+            </a:r>
+            <a:r>
+              <a:rPr lang="de-DE" sz="1400" dirty="0">
+                <a:latin typeface="Consolas" panose="020B0609020204030204" pitchFamily="49" charset="0"/>
+                <a:cs typeface="Consolas" panose="020B0609020204030204" pitchFamily="49" charset="0"/>
+              </a:rPr>
+              <a:t> </a:t>
+            </a:r>
+            <a:r>
+              <a:rPr lang="de-DE" sz="1400" b="1" dirty="0" err="1">
+                <a:solidFill>
+                  <a:srgbClr val="0000FF"/>
+                </a:solidFill>
+                <a:latin typeface="Consolas" panose="020B0609020204030204" pitchFamily="49" charset="0"/>
+                <a:cs typeface="Consolas" panose="020B0609020204030204" pitchFamily="49" charset="0"/>
+              </a:rPr>
+              <a:t>if</a:t>
+            </a:r>
+            <a:r>
+              <a:rPr lang="de-DE" sz="1400" dirty="0">
+                <a:latin typeface="Consolas" panose="020B0609020204030204" pitchFamily="49" charset="0"/>
+                <a:cs typeface="Consolas" panose="020B0609020204030204" pitchFamily="49" charset="0"/>
+              </a:rPr>
+              <a:t>(!</a:t>
+            </a:r>
+            <a:r>
+              <a:rPr lang="de-DE" sz="1400" dirty="0" err="1">
+                <a:latin typeface="Consolas" panose="020B0609020204030204" pitchFamily="49" charset="0"/>
+                <a:cs typeface="Consolas" panose="020B0609020204030204" pitchFamily="49" charset="0"/>
+              </a:rPr>
+              <a:t>Problem.Maximization</a:t>
+            </a:r>
+            <a:r>
+              <a:rPr lang="de-DE" sz="1400" dirty="0">
+                <a:latin typeface="Consolas" panose="020B0609020204030204" pitchFamily="49" charset="0"/>
+                <a:cs typeface="Consolas" panose="020B0609020204030204" pitchFamily="49" charset="0"/>
+              </a:rPr>
+              <a:t> &amp;&amp; </a:t>
+            </a:r>
+            <a:r>
+              <a:rPr lang="de-DE" sz="1400" dirty="0" err="1">
+                <a:latin typeface="Consolas" panose="020B0609020204030204" pitchFamily="49" charset="0"/>
+                <a:cs typeface="Consolas" panose="020B0609020204030204" pitchFamily="49" charset="0"/>
+              </a:rPr>
+              <a:t>curQuality</a:t>
+            </a:r>
+            <a:r>
+              <a:rPr lang="de-DE" sz="1400" dirty="0">
+                <a:latin typeface="Consolas" panose="020B0609020204030204" pitchFamily="49" charset="0"/>
+                <a:cs typeface="Consolas" panose="020B0609020204030204" pitchFamily="49" charset="0"/>
+              </a:rPr>
+              <a:t> &lt; </a:t>
+            </a:r>
+            <a:r>
+              <a:rPr lang="de-DE" sz="1400" dirty="0" err="1">
+                <a:latin typeface="Consolas" panose="020B0609020204030204" pitchFamily="49" charset="0"/>
+                <a:cs typeface="Consolas" panose="020B0609020204030204" pitchFamily="49" charset="0"/>
+              </a:rPr>
+              <a:t>bestQuality.Value</a:t>
+            </a:r>
+            <a:r>
+              <a:rPr lang="de-DE" sz="1400" dirty="0">
+                <a:latin typeface="Consolas" panose="020B0609020204030204" pitchFamily="49" charset="0"/>
+                <a:cs typeface="Consolas" panose="020B0609020204030204" pitchFamily="49" charset="0"/>
+              </a:rPr>
+              <a:t>) {</a:t>
+            </a:r>
+            <a:br>
+              <a:rPr lang="de-DE" sz="1400" dirty="0">
+                <a:latin typeface="Consolas" panose="020B0609020204030204" pitchFamily="49" charset="0"/>
+                <a:cs typeface="Consolas" panose="020B0609020204030204" pitchFamily="49" charset="0"/>
+              </a:rPr>
+            </a:br>
+            <a:r>
+              <a:rPr lang="de-DE" sz="1400" dirty="0">
+                <a:latin typeface="Consolas" panose="020B0609020204030204" pitchFamily="49" charset="0"/>
+                <a:cs typeface="Consolas" panose="020B0609020204030204" pitchFamily="49" charset="0"/>
+              </a:rPr>
+              <a:t>              </a:t>
+            </a:r>
+            <a:r>
+              <a:rPr lang="de-DE" sz="1400" dirty="0" err="1">
+                <a:latin typeface="Consolas" panose="020B0609020204030204" pitchFamily="49" charset="0"/>
+                <a:cs typeface="Consolas" panose="020B0609020204030204" pitchFamily="49" charset="0"/>
+              </a:rPr>
+              <a:t>bestQuality.Value</a:t>
+            </a:r>
+            <a:r>
+              <a:rPr lang="de-DE" sz="1400" dirty="0">
+                <a:latin typeface="Consolas" panose="020B0609020204030204" pitchFamily="49" charset="0"/>
+                <a:cs typeface="Consolas" panose="020B0609020204030204" pitchFamily="49" charset="0"/>
+              </a:rPr>
+              <a:t> = </a:t>
+            </a:r>
+            <a:r>
+              <a:rPr lang="de-DE" sz="1400" dirty="0" err="1">
+                <a:latin typeface="Consolas" panose="020B0609020204030204" pitchFamily="49" charset="0"/>
+                <a:cs typeface="Consolas" panose="020B0609020204030204" pitchFamily="49" charset="0"/>
+              </a:rPr>
+              <a:t>curQuality</a:t>
+            </a:r>
+            <a:r>
+              <a:rPr lang="de-DE" sz="1400" dirty="0">
+                <a:latin typeface="Consolas" panose="020B0609020204030204" pitchFamily="49" charset="0"/>
+                <a:cs typeface="Consolas" panose="020B0609020204030204" pitchFamily="49" charset="0"/>
+              </a:rPr>
+              <a:t>; </a:t>
+            </a:r>
+            <a:br>
+              <a:rPr lang="de-DE" sz="1400" dirty="0">
+                <a:latin typeface="Consolas" panose="020B0609020204030204" pitchFamily="49" charset="0"/>
+                <a:cs typeface="Consolas" panose="020B0609020204030204" pitchFamily="49" charset="0"/>
+              </a:rPr>
+            </a:br>
+            <a:r>
+              <a:rPr lang="de-DE" sz="1400" dirty="0">
+                <a:latin typeface="Consolas" panose="020B0609020204030204" pitchFamily="49" charset="0"/>
+                <a:cs typeface="Consolas" panose="020B0609020204030204" pitchFamily="49" charset="0"/>
+              </a:rPr>
+              <a:t>            }         </a:t>
+            </a:r>
+            <a:br>
+              <a:rPr lang="de-DE" sz="1400" dirty="0">
+                <a:latin typeface="Consolas" panose="020B0609020204030204" pitchFamily="49" charset="0"/>
+                <a:cs typeface="Consolas" panose="020B0609020204030204" pitchFamily="49" charset="0"/>
+              </a:rPr>
+            </a:br>
+            <a:r>
+              <a:rPr lang="de-DE" sz="1400" dirty="0">
+                <a:latin typeface="Consolas" panose="020B0609020204030204" pitchFamily="49" charset="0"/>
+                <a:cs typeface="Consolas" panose="020B0609020204030204" pitchFamily="49" charset="0"/>
+              </a:rPr>
+              <a:t>         }</a:t>
+            </a:r>
+            <a:br>
+              <a:rPr lang="de-DE" sz="1400" dirty="0">
+                <a:latin typeface="Consolas" panose="020B0609020204030204" pitchFamily="49" charset="0"/>
+                <a:cs typeface="Consolas" panose="020B0609020204030204" pitchFamily="49" charset="0"/>
+              </a:rPr>
+            </a:br>
+            <a:r>
+              <a:rPr lang="de-DE" sz="1400" dirty="0" smtClean="0">
+                <a:latin typeface="Consolas" panose="020B0609020204030204" pitchFamily="49" charset="0"/>
+                <a:cs typeface="Consolas" panose="020B0609020204030204" pitchFamily="49" charset="0"/>
+              </a:rPr>
+              <a:t>   }</a:t>
+            </a:r>
+            <a:endParaRPr lang="en-GB" sz="1400" dirty="0">
+              <a:latin typeface="Consolas" panose="020B0609020204030204" pitchFamily="49" charset="0"/>
+              <a:cs typeface="Consolas" panose="020B0609020204030204" pitchFamily="49" charset="0"/>
+            </a:endParaRPr>
+          </a:p>
+        </p:txBody>
+      </p:sp>
     </p:spTree>
     <p:extLst>
       <p:ext uri="{BB962C8B-B14F-4D97-AF65-F5344CB8AC3E}">
-        <p14:creationId xmlns:p14="http://schemas.microsoft.com/office/powerpoint/2010/main" val="3170979348"/>
+        <p14:creationId xmlns:p14="http://schemas.microsoft.com/office/powerpoint/2010/main" val="2774488236"/>
       </p:ext>
     </p:extLst>
   </p:cSld>
@@ -14489,9 +15186,99 @@
           <a:lstStyle/>
           <a:p>
             <a:r>
+              <a:rPr lang="de-AT" dirty="0" smtClean="0"/>
+              <a:t>Problems</a:t>
+            </a:r>
+            <a:endParaRPr lang="de-AT" dirty="0"/>
+          </a:p>
+        </p:txBody>
+      </p:sp>
+      <p:sp>
+        <p:nvSpPr>
+          <p:cNvPr id="3" name="Inhaltsplatzhalter 2"/>
+          <p:cNvSpPr>
+            <a:spLocks noGrp="1"/>
+          </p:cNvSpPr>
+          <p:nvPr>
+            <p:ph idx="1"/>
+          </p:nvPr>
+        </p:nvSpPr>
+        <p:spPr/>
+        <p:txBody>
+          <a:bodyPr>
+            <a:normAutofit fontScale="77500" lnSpcReduction="20000"/>
+          </a:bodyPr>
+          <a:lstStyle/>
+          <a:p>
+            <a:r>
               <a:rPr lang="en-US" dirty="0" smtClean="0"/>
-              <a:t>Problem Architecture</a:t>
-            </a:r>
+              <a:t>Use encodings for representing solutions</a:t>
+            </a:r>
+          </a:p>
+          <a:p>
+            <a:r>
+              <a:rPr lang="en-US" dirty="0" smtClean="0"/>
+              <a:t>Encodings consist of solution candidate definitions and corresponding operators</a:t>
+            </a:r>
+          </a:p>
+          <a:p>
+            <a:r>
+              <a:rPr lang="en-US" dirty="0" smtClean="0"/>
+              <a:t>Problems contain </a:t>
+            </a:r>
+          </a:p>
+          <a:p>
+            <a:pPr lvl="1"/>
+            <a:r>
+              <a:rPr lang="en-US" dirty="0" smtClean="0"/>
+              <a:t>the evaluator</a:t>
+            </a:r>
+          </a:p>
+          <a:p>
+            <a:pPr lvl="1"/>
+            <a:r>
+              <a:rPr lang="en-US" dirty="0" smtClean="0"/>
+              <a:t>the solution creator</a:t>
+            </a:r>
+          </a:p>
+          <a:p>
+            <a:r>
+              <a:rPr lang="en-US" dirty="0" smtClean="0"/>
+              <a:t>Define maximization or minimization</a:t>
+            </a:r>
+          </a:p>
+          <a:p>
+            <a:r>
+              <a:rPr lang="en-US" dirty="0" smtClean="0"/>
+              <a:t>Contain the „problem data“ (e.g</a:t>
+            </a:r>
+            <a:r>
+              <a:rPr lang="en-US" dirty="0" smtClean="0"/>
+              <a:t>., </a:t>
+            </a:r>
+            <a:r>
+              <a:rPr lang="en-US" dirty="0" smtClean="0"/>
+              <a:t>a distance matrix, a simulation, a function definition), usually supplied by a </a:t>
+            </a:r>
+            <a:r>
+              <a:rPr lang="en-US" dirty="0" smtClean="0"/>
+              <a:t>problem instance provider</a:t>
+            </a:r>
+            <a:endParaRPr lang="en-US" dirty="0" smtClean="0"/>
+          </a:p>
+          <a:p>
+            <a:r>
+              <a:rPr lang="en-US" dirty="0" smtClean="0"/>
+              <a:t>Can be single- or multi-objective</a:t>
+            </a:r>
+          </a:p>
+          <a:p>
+            <a:r>
+              <a:rPr lang="en-US" dirty="0" smtClean="0"/>
+              <a:t>Configured with parameters</a:t>
+            </a:r>
+          </a:p>
+          <a:p>
             <a:endParaRPr lang="en-US" dirty="0"/>
           </a:p>
         </p:txBody>
@@ -14561,6 +15348,136 @@
               <a:rPr lang="de-DE" smtClean="0"/>
               <a:pPr/>
               <a:t>28</a:t>
+            </a:fld>
+            <a:endParaRPr lang="de-DE"/>
+          </a:p>
+        </p:txBody>
+      </p:sp>
+    </p:spTree>
+    <p:extLst>
+      <p:ext uri="{BB962C8B-B14F-4D97-AF65-F5344CB8AC3E}">
+        <p14:creationId xmlns:p14="http://schemas.microsoft.com/office/powerpoint/2010/main" val="3170979348"/>
+      </p:ext>
+    </p:extLst>
+  </p:cSld>
+  <p:clrMapOvr>
+    <a:masterClrMapping/>
+  </p:clrMapOvr>
+  <p:timing>
+    <p:tnLst>
+      <p:par>
+        <p:cTn id="1" dur="indefinite" restart="never" nodeType="tmRoot"/>
+      </p:par>
+    </p:tnLst>
+  </p:timing>
+</p:sld>
+</file>
+
+<file path=ppt/slides/slide29.xml><?xml version="1.0" encoding="utf-8"?>
+<p:sld xmlns:a="http://schemas.openxmlformats.org/drawingml/2006/main" xmlns:r="http://schemas.openxmlformats.org/officeDocument/2006/relationships" xmlns:p="http://schemas.openxmlformats.org/presentationml/2006/main">
+  <p:cSld>
+    <p:spTree>
+      <p:nvGrpSpPr>
+        <p:cNvPr id="1" name=""/>
+        <p:cNvGrpSpPr/>
+        <p:nvPr/>
+      </p:nvGrpSpPr>
+      <p:grpSpPr>
+        <a:xfrm>
+          <a:off x="0" y="0"/>
+          <a:ext cx="0" cy="0"/>
+          <a:chOff x="0" y="0"/>
+          <a:chExt cx="0" cy="0"/>
+        </a:xfrm>
+      </p:grpSpPr>
+      <p:sp>
+        <p:nvSpPr>
+          <p:cNvPr id="2" name="Titel 1"/>
+          <p:cNvSpPr>
+            <a:spLocks noGrp="1"/>
+          </p:cNvSpPr>
+          <p:nvPr>
+            <p:ph type="title"/>
+          </p:nvPr>
+        </p:nvSpPr>
+        <p:spPr/>
+        <p:txBody>
+          <a:bodyPr/>
+          <a:lstStyle/>
+          <a:p>
+            <a:r>
+              <a:rPr lang="en-US" dirty="0" smtClean="0"/>
+              <a:t>Problem Architecture</a:t>
+            </a:r>
+            <a:endParaRPr lang="en-US" dirty="0"/>
+          </a:p>
+        </p:txBody>
+      </p:sp>
+      <p:sp>
+        <p:nvSpPr>
+          <p:cNvPr id="4" name="Datumsplatzhalter 3"/>
+          <p:cNvSpPr>
+            <a:spLocks noGrp="1"/>
+          </p:cNvSpPr>
+          <p:nvPr>
+            <p:ph type="dt" sz="half" idx="10"/>
+          </p:nvPr>
+        </p:nvSpPr>
+        <p:spPr/>
+        <p:txBody>
+          <a:bodyPr/>
+          <a:lstStyle/>
+          <a:p>
+            <a:r>
+              <a:rPr lang="de-DE" smtClean="0"/>
+              <a:t>Programming HeuristicLab</a:t>
+            </a:r>
+            <a:endParaRPr lang="de-DE" dirty="0"/>
+          </a:p>
+        </p:txBody>
+      </p:sp>
+      <p:sp>
+        <p:nvSpPr>
+          <p:cNvPr id="5" name="Fußzeilenplatzhalter 4"/>
+          <p:cNvSpPr>
+            <a:spLocks noGrp="1"/>
+          </p:cNvSpPr>
+          <p:nvPr>
+            <p:ph type="ftr" sz="quarter" idx="11"/>
+          </p:nvPr>
+        </p:nvSpPr>
+        <p:spPr/>
+        <p:txBody>
+          <a:bodyPr/>
+          <a:lstStyle/>
+          <a:p>
+            <a:r>
+              <a:rPr lang="de-DE" smtClean="0"/>
+              <a:t>http://dev.heuristiclab.com</a:t>
+            </a:r>
+            <a:endParaRPr lang="de-DE"/>
+          </a:p>
+        </p:txBody>
+      </p:sp>
+      <p:sp>
+        <p:nvSpPr>
+          <p:cNvPr id="6" name="Foliennummernplatzhalter 5"/>
+          <p:cNvSpPr>
+            <a:spLocks noGrp="1"/>
+          </p:cNvSpPr>
+          <p:nvPr>
+            <p:ph type="sldNum" sz="quarter" idx="12"/>
+          </p:nvPr>
+        </p:nvSpPr>
+        <p:spPr/>
+        <p:txBody>
+          <a:bodyPr/>
+          <a:lstStyle/>
+          <a:p>
+            <a:fld id="{6C6AE60A-B69C-4790-82F7-3882EDF23186}" type="slidenum">
+              <a:rPr lang="de-DE" smtClean="0"/>
+              <a:pPr/>
+              <a:t>29</a:t>
             </a:fld>
             <a:endParaRPr lang="de-DE"/>
           </a:p>
@@ -14610,155 +15527,6 @@
 </p:sld>
 </file>
 
-<file path=ppt/slides/slide29.xml><?xml version="1.0" encoding="utf-8"?>
-<p:sld xmlns:a="http://schemas.openxmlformats.org/drawingml/2006/main" xmlns:r="http://schemas.openxmlformats.org/officeDocument/2006/relationships" xmlns:p="http://schemas.openxmlformats.org/presentationml/2006/main">
-  <p:cSld>
-    <p:spTree>
-      <p:nvGrpSpPr>
-        <p:cNvPr id="1" name=""/>
-        <p:cNvGrpSpPr/>
-        <p:nvPr/>
-      </p:nvGrpSpPr>
-      <p:grpSpPr>
-        <a:xfrm>
-          <a:off x="0" y="0"/>
-          <a:ext cx="0" cy="0"/>
-          <a:chOff x="0" y="0"/>
-          <a:chExt cx="0" cy="0"/>
-        </a:xfrm>
-      </p:grpSpPr>
-      <p:sp>
-        <p:nvSpPr>
-          <p:cNvPr id="2" name="Titel 1"/>
-          <p:cNvSpPr>
-            <a:spLocks noGrp="1"/>
-          </p:cNvSpPr>
-          <p:nvPr>
-            <p:ph type="title"/>
-          </p:nvPr>
-        </p:nvSpPr>
-        <p:spPr/>
-        <p:txBody>
-          <a:bodyPr>
-            <a:normAutofit fontScale="90000"/>
-          </a:bodyPr>
-          <a:lstStyle/>
-          <a:p>
-            <a:r>
-              <a:rPr lang="en-US" dirty="0" smtClean="0"/>
-              <a:t>Base classes/interfaces for problems</a:t>
-            </a:r>
-            <a:endParaRPr lang="en-US" dirty="0"/>
-          </a:p>
-        </p:txBody>
-      </p:sp>
-      <p:sp>
-        <p:nvSpPr>
-          <p:cNvPr id="4" name="Datumsplatzhalter 3"/>
-          <p:cNvSpPr>
-            <a:spLocks noGrp="1"/>
-          </p:cNvSpPr>
-          <p:nvPr>
-            <p:ph type="dt" sz="half" idx="10"/>
-          </p:nvPr>
-        </p:nvSpPr>
-        <p:spPr/>
-        <p:txBody>
-          <a:bodyPr/>
-          <a:lstStyle/>
-          <a:p>
-            <a:r>
-              <a:rPr lang="de-DE" smtClean="0"/>
-              <a:t>Programming HeuristicLab</a:t>
-            </a:r>
-            <a:endParaRPr lang="de-DE" dirty="0"/>
-          </a:p>
-        </p:txBody>
-      </p:sp>
-      <p:sp>
-        <p:nvSpPr>
-          <p:cNvPr id="5" name="Fußzeilenplatzhalter 4"/>
-          <p:cNvSpPr>
-            <a:spLocks noGrp="1"/>
-          </p:cNvSpPr>
-          <p:nvPr>
-            <p:ph type="ftr" sz="quarter" idx="11"/>
-          </p:nvPr>
-        </p:nvSpPr>
-        <p:spPr/>
-        <p:txBody>
-          <a:bodyPr/>
-          <a:lstStyle/>
-          <a:p>
-            <a:r>
-              <a:rPr lang="de-DE" smtClean="0"/>
-              <a:t>http://dev.heuristiclab.com</a:t>
-            </a:r>
-            <a:endParaRPr lang="de-DE"/>
-          </a:p>
-        </p:txBody>
-      </p:sp>
-      <p:sp>
-        <p:nvSpPr>
-          <p:cNvPr id="6" name="Foliennummernplatzhalter 5"/>
-          <p:cNvSpPr>
-            <a:spLocks noGrp="1"/>
-          </p:cNvSpPr>
-          <p:nvPr>
-            <p:ph type="sldNum" sz="quarter" idx="12"/>
-          </p:nvPr>
-        </p:nvSpPr>
-        <p:spPr/>
-        <p:txBody>
-          <a:bodyPr/>
-          <a:lstStyle/>
-          <a:p>
-            <a:fld id="{6C6AE60A-B69C-4790-82F7-3882EDF23186}" type="slidenum">
-              <a:rPr lang="de-DE" smtClean="0"/>
-              <a:pPr/>
-              <a:t>29</a:t>
-            </a:fld>
-            <a:endParaRPr lang="de-DE"/>
-          </a:p>
-        </p:txBody>
-      </p:sp>
-      <p:pic>
-        <p:nvPicPr>
-          <p:cNvPr id="8" name="Grafik 7"/>
-          <p:cNvPicPr>
-            <a:picLocks noChangeAspect="1"/>
-          </p:cNvPicPr>
-          <p:nvPr/>
-        </p:nvPicPr>
-        <p:blipFill>
-          <a:blip r:embed="rId2"/>
-          <a:stretch>
-            <a:fillRect/>
-          </a:stretch>
-        </p:blipFill>
-        <p:spPr>
-          <a:xfrm>
-            <a:off x="1418160" y="1812921"/>
-            <a:ext cx="6307681" cy="4208367"/>
-          </a:xfrm>
-          <a:prstGeom prst="rect">
-            <a:avLst/>
-          </a:prstGeom>
-        </p:spPr>
-      </p:pic>
-    </p:spTree>
-    <p:extLst>
-      <p:ext uri="{BB962C8B-B14F-4D97-AF65-F5344CB8AC3E}">
-        <p14:creationId xmlns:p14="http://schemas.microsoft.com/office/powerpoint/2010/main" val="1507870541"/>
-      </p:ext>
-    </p:extLst>
-  </p:cSld>
-  <p:clrMapOvr>
-    <a:masterClrMapping/>
-  </p:clrMapOvr>
-</p:sld>
-</file>
-
 <file path=ppt/slides/slide3.xml><?xml version="1.0" encoding="utf-8"?>
 <p:sld xmlns:a="http://schemas.openxmlformats.org/drawingml/2006/main" xmlns:r="http://schemas.openxmlformats.org/officeDocument/2006/relationships" xmlns:p="http://schemas.openxmlformats.org/presentationml/2006/main">
   <p:cSld>
@@ -14788,12 +15556,22 @@
         </p:nvSpPr>
         <p:spPr/>
         <p:txBody>
-          <a:bodyPr/>
+          <a:bodyPr>
+            <a:normAutofit fontScale="90000"/>
+          </a:bodyPr>
           <a:lstStyle/>
           <a:p>
             <a:r>
               <a:rPr lang="en-US" dirty="0" smtClean="0"/>
-              <a:t>Where are we?</a:t>
+              <a:t>Parameters</a:t>
+            </a:r>
+            <a:r>
+              <a:rPr lang="en-US" dirty="0"/>
+              <a:t>, Operators and </a:t>
+            </a:r>
+            <a:r>
+              <a:rPr lang="en-US" dirty="0" smtClean="0"/>
+              <a:t>Scopes</a:t>
             </a:r>
             <a:endParaRPr lang="en-US" dirty="0"/>
           </a:p>
@@ -14874,28 +15652,46 @@
       </p:sp>
       <p:pic>
         <p:nvPicPr>
-          <p:cNvPr id="3" name="Grafik 2"/>
+          <p:cNvPr id="7" name="Grafik 6"/>
           <p:cNvPicPr>
             <a:picLocks noChangeAspect="1"/>
           </p:cNvPicPr>
           <p:nvPr/>
         </p:nvPicPr>
         <p:blipFill>
-          <a:blip r:embed="rId2">
-            <a:extLst>
-              <a:ext uri="{28A0092B-C50C-407E-A947-70E740481C1C}">
-                <a14:useLocalDpi xmlns:a14="http://schemas.microsoft.com/office/drawing/2010/main" val="0"/>
-              </a:ext>
-            </a:extLst>
-          </a:blip>
+          <a:blip r:embed="rId2"/>
           <a:stretch>
             <a:fillRect/>
           </a:stretch>
         </p:blipFill>
         <p:spPr>
           <a:xfrm>
-            <a:off x="0" y="1609745"/>
-            <a:ext cx="9144000" cy="4267527"/>
+            <a:off x="191803" y="1628800"/>
+            <a:ext cx="6486939" cy="3240360"/>
+          </a:xfrm>
+          <a:prstGeom prst="rect">
+            <a:avLst/>
+          </a:prstGeom>
+        </p:spPr>
+      </p:pic>
+      <p:pic>
+        <p:nvPicPr>
+          <p:cNvPr id="8" name="Grafik 7"/>
+          <p:cNvPicPr>
+            <a:picLocks noChangeAspect="1"/>
+          </p:cNvPicPr>
+          <p:nvPr/>
+        </p:nvPicPr>
+        <p:blipFill>
+          <a:blip r:embed="rId3"/>
+          <a:stretch>
+            <a:fillRect/>
+          </a:stretch>
+        </p:blipFill>
+        <p:spPr>
+          <a:xfrm>
+            <a:off x="6739966" y="1611511"/>
+            <a:ext cx="2198747" cy="4121745"/>
           </a:xfrm>
           <a:prstGeom prst="rect">
             <a:avLst/>
@@ -14957,86 +15753,17 @@
           <a:lstStyle/>
           <a:p>
             <a:r>
-              <a:rPr lang="en-US" dirty="0"/>
-              <a:t>Base classes/interfaces for problems</a:t>
-            </a:r>
-            <a:endParaRPr lang="de-AT" dirty="0"/>
-          </a:p>
-        </p:txBody>
-      </p:sp>
-      <p:sp>
-        <p:nvSpPr>
-          <p:cNvPr id="3" name="Inhaltsplatzhalter 2"/>
-          <p:cNvSpPr>
-            <a:spLocks noGrp="1"/>
-          </p:cNvSpPr>
-          <p:nvPr>
-            <p:ph idx="1"/>
-          </p:nvPr>
-        </p:nvSpPr>
-        <p:spPr/>
-        <p:txBody>
-          <a:bodyPr>
-            <a:normAutofit lnSpcReduction="10000"/>
-          </a:bodyPr>
-          <a:lstStyle/>
-          <a:p>
-            <a:r>
-              <a:rPr lang="en-US" dirty="0" err="1" smtClean="0"/>
-              <a:t>IProblem</a:t>
-            </a:r>
-            <a:r>
               <a:rPr lang="en-US" dirty="0" smtClean="0"/>
-              <a:t>:</a:t>
-            </a:r>
-          </a:p>
-          <a:p>
-            <a:pPr lvl="1"/>
+              <a:t>Base </a:t>
+            </a:r>
             <a:r>
               <a:rPr lang="en-US" dirty="0" smtClean="0"/>
-              <a:t>Contains the operators collection; all operators that can be used by the problem, algorithm and user</a:t>
-            </a:r>
-          </a:p>
-          <a:p>
-            <a:r>
-              <a:rPr lang="en-US" dirty="0" err="1" smtClean="0"/>
-              <a:t>IHeuristicOptimizationProblem</a:t>
+              <a:t>classes/Interfaces </a:t>
             </a:r>
             <a:r>
               <a:rPr lang="en-US" dirty="0" smtClean="0"/>
-              <a:t>:</a:t>
-            </a:r>
-          </a:p>
-          <a:p>
-            <a:pPr lvl="1"/>
-            <a:r>
-              <a:rPr lang="en-US" dirty="0" smtClean="0"/>
-              <a:t>Defines solution creator and evaluator</a:t>
-            </a:r>
-          </a:p>
-          <a:p>
-            <a:r>
-              <a:rPr lang="en-US" dirty="0" smtClean="0"/>
-              <a:t>Problem, </a:t>
-            </a:r>
-            <a:r>
-              <a:rPr lang="en-US" dirty="0" err="1" smtClean="0"/>
-              <a:t>HeuristicOptimizationProblem</a:t>
-            </a:r>
-            <a:r>
-              <a:rPr lang="en-US" dirty="0" smtClean="0"/>
-              <a:t> and Single/</a:t>
-            </a:r>
-            <a:r>
-              <a:rPr lang="en-US" dirty="0" err="1" smtClean="0"/>
-              <a:t>MultiObjectiveHeuristicOptimizationProblem</a:t>
-            </a:r>
-            <a:r>
-              <a:rPr lang="en-US" dirty="0" smtClean="0"/>
-              <a:t> provide abstract base classes</a:t>
-            </a:r>
-          </a:p>
-          <a:p>
+              <a:t>for problems</a:t>
+            </a:r>
             <a:endParaRPr lang="en-US" dirty="0"/>
           </a:p>
         </p:txBody>
@@ -15111,16 +15838,47 @@
           </a:p>
         </p:txBody>
       </p:sp>
+      <p:pic>
+        <p:nvPicPr>
+          <p:cNvPr id="8" name="Grafik 7"/>
+          <p:cNvPicPr>
+            <a:picLocks noChangeAspect="1"/>
+          </p:cNvPicPr>
+          <p:nvPr/>
+        </p:nvPicPr>
+        <p:blipFill>
+          <a:blip r:embed="rId2"/>
+          <a:stretch>
+            <a:fillRect/>
+          </a:stretch>
+        </p:blipFill>
+        <p:spPr>
+          <a:xfrm>
+            <a:off x="1418160" y="1812921"/>
+            <a:ext cx="6307681" cy="4208367"/>
+          </a:xfrm>
+          <a:prstGeom prst="rect">
+            <a:avLst/>
+          </a:prstGeom>
+        </p:spPr>
+      </p:pic>
     </p:spTree>
     <p:extLst>
       <p:ext uri="{BB962C8B-B14F-4D97-AF65-F5344CB8AC3E}">
-        <p14:creationId xmlns:p14="http://schemas.microsoft.com/office/powerpoint/2010/main" val="2089040920"/>
+        <p14:creationId xmlns:p14="http://schemas.microsoft.com/office/powerpoint/2010/main" val="1507870541"/>
       </p:ext>
     </p:extLst>
   </p:cSld>
   <p:clrMapOvr>
     <a:masterClrMapping/>
   </p:clrMapOvr>
+  <p:timing>
+    <p:tnLst>
+      <p:par>
+        <p:cTn id="1" dur="indefinite" restart="never" nodeType="tmRoot"/>
+      </p:par>
+    </p:tnLst>
+  </p:timing>
 </p:sld>
 </file>
 
@@ -15159,10 +15917,18 @@
           <a:lstStyle/>
           <a:p>
             <a:r>
+              <a:rPr lang="en-US" dirty="0"/>
+              <a:t>Base </a:t>
+            </a:r>
+            <a:r>
               <a:rPr lang="en-US" dirty="0" smtClean="0"/>
-              <a:t>Recap: What does a HL problem do?</a:t>
-            </a:r>
-            <a:endParaRPr lang="en-US" dirty="0"/>
+              <a:t>classes/Interfaces </a:t>
+            </a:r>
+            <a:r>
+              <a:rPr lang="en-US" dirty="0"/>
+              <a:t>for problems</a:t>
+            </a:r>
+            <a:endParaRPr lang="de-AT" dirty="0"/>
           </a:p>
         </p:txBody>
       </p:sp>
@@ -15178,50 +15944,93 @@
         </p:nvSpPr>
         <p:spPr/>
         <p:txBody>
-          <a:bodyPr/>
-          <a:lstStyle/>
-          <a:p>
+          <a:bodyPr>
+            <a:normAutofit fontScale="92500" lnSpcReduction="10000"/>
+          </a:bodyPr>
+          <a:lstStyle/>
+          <a:p>
+            <a:r>
+              <a:rPr lang="en-US" dirty="0" err="1" smtClean="0">
+                <a:latin typeface="Courier New" panose="02070309020205020404" pitchFamily="49" charset="0"/>
+                <a:cs typeface="Courier New" panose="02070309020205020404" pitchFamily="49" charset="0"/>
+              </a:rPr>
+              <a:t>IProblem</a:t>
+            </a:r>
             <a:r>
               <a:rPr lang="en-US" dirty="0" smtClean="0"/>
-              <a:t>Defines used encoding</a:t>
-            </a:r>
-          </a:p>
-          <a:p>
+              <a:t>:</a:t>
+            </a:r>
+          </a:p>
+          <a:p>
+            <a:pPr lvl="1"/>
             <a:r>
               <a:rPr lang="en-US" dirty="0" smtClean="0"/>
-              <a:t>Defines single/multi objective</a:t>
-            </a:r>
-          </a:p>
-          <a:p>
+              <a:t>Contains the operators collection; all operators that can be used by the problem, algorithm and user</a:t>
+            </a:r>
+          </a:p>
+          <a:p>
+            <a:r>
+              <a:rPr lang="en-US" dirty="0" err="1" smtClean="0">
+                <a:latin typeface="Courier New" panose="02070309020205020404" pitchFamily="49" charset="0"/>
+                <a:cs typeface="Courier New" panose="02070309020205020404" pitchFamily="49" charset="0"/>
+              </a:rPr>
+              <a:t>IHeuristicOptimizationProblem</a:t>
+            </a:r>
             <a:r>
               <a:rPr lang="en-US" dirty="0" smtClean="0"/>
-              <a:t>Defines min/maximization</a:t>
-            </a:r>
-          </a:p>
-          <a:p>
+              <a:t>:</a:t>
+            </a:r>
+          </a:p>
+          <a:p>
+            <a:pPr lvl="1"/>
             <a:r>
               <a:rPr lang="en-US" dirty="0" smtClean="0"/>
-              <a:t>Discovers correct operators</a:t>
-            </a:r>
-          </a:p>
-          <a:p>
-            <a:pPr lvl="1"/>
+              <a:t>Defines solution creator and evaluator</a:t>
+            </a:r>
+          </a:p>
+          <a:p>
+            <a:r>
+              <a:rPr lang="en-US" dirty="0" smtClean="0">
+                <a:latin typeface="Courier New" panose="02070309020205020404" pitchFamily="49" charset="0"/>
+                <a:cs typeface="Courier New" panose="02070309020205020404" pitchFamily="49" charset="0"/>
+              </a:rPr>
+              <a:t>Problem</a:t>
+            </a:r>
             <a:r>
               <a:rPr lang="en-US" dirty="0" smtClean="0"/>
-              <a:t>Are used by the algorithm</a:t>
-            </a:r>
-          </a:p>
-          <a:p>
+              <a:t>, </a:t>
+            </a:r>
+            <a:r>
+              <a:rPr lang="en-US" dirty="0" err="1" smtClean="0">
+                <a:latin typeface="Courier New" panose="02070309020205020404" pitchFamily="49" charset="0"/>
+                <a:cs typeface="Courier New" panose="02070309020205020404" pitchFamily="49" charset="0"/>
+              </a:rPr>
+              <a:t>HeuristicOptimizationProblem</a:t>
+            </a:r>
             <a:r>
               <a:rPr lang="en-US" dirty="0" smtClean="0"/>
-              <a:t>Wires/parameterizes operators</a:t>
-            </a:r>
-          </a:p>
-          <a:p>
+              <a:t> and </a:t>
+            </a:r>
+            <a:r>
+              <a:rPr lang="en-US" dirty="0" smtClean="0">
+                <a:latin typeface="Courier New" panose="02070309020205020404" pitchFamily="49" charset="0"/>
+                <a:cs typeface="Courier New" panose="02070309020205020404" pitchFamily="49" charset="0"/>
+              </a:rPr>
+              <a:t>Single/</a:t>
+            </a:r>
+            <a:r>
+              <a:rPr lang="en-US" dirty="0" err="1" smtClean="0">
+                <a:latin typeface="Courier New" panose="02070309020205020404" pitchFamily="49" charset="0"/>
+                <a:cs typeface="Courier New" panose="02070309020205020404" pitchFamily="49" charset="0"/>
+              </a:rPr>
+              <a:t>MultiObjectiveHeuristicOptimizationProblem</a:t>
+            </a:r>
             <a:r>
               <a:rPr lang="en-US" dirty="0" smtClean="0"/>
-              <a:t>Loads problem data using a corresponding problem instance provider</a:t>
-            </a:r>
+              <a:t> provide abstract base classes</a:t>
+            </a:r>
+          </a:p>
+          <a:p>
             <a:endParaRPr lang="en-US" dirty="0"/>
           </a:p>
         </p:txBody>
@@ -15299,13 +16108,20 @@
     </p:spTree>
     <p:extLst>
       <p:ext uri="{BB962C8B-B14F-4D97-AF65-F5344CB8AC3E}">
-        <p14:creationId xmlns:p14="http://schemas.microsoft.com/office/powerpoint/2010/main" val="3946963009"/>
+        <p14:creationId xmlns:p14="http://schemas.microsoft.com/office/powerpoint/2010/main" val="2089040920"/>
       </p:ext>
     </p:extLst>
   </p:cSld>
   <p:clrMapOvr>
     <a:masterClrMapping/>
   </p:clrMapOvr>
+  <p:timing>
+    <p:tnLst>
+      <p:par>
+        <p:cTn id="1" dur="indefinite" restart="never" nodeType="tmRoot"/>
+      </p:par>
+    </p:tnLst>
+  </p:timing>
 </p:sld>
 </file>
 
@@ -15338,128 +16154,76 @@
         </p:nvSpPr>
         <p:spPr/>
         <p:txBody>
+          <a:bodyPr>
+            <a:normAutofit fontScale="90000"/>
+          </a:bodyPr>
+          <a:lstStyle/>
+          <a:p>
+            <a:r>
+              <a:rPr lang="en-US" dirty="0" smtClean="0"/>
+              <a:t>Recap: What does a HL problem do?</a:t>
+            </a:r>
+            <a:endParaRPr lang="en-US" dirty="0"/>
+          </a:p>
+        </p:txBody>
+      </p:sp>
+      <p:sp>
+        <p:nvSpPr>
+          <p:cNvPr id="3" name="Inhaltsplatzhalter 2"/>
+          <p:cNvSpPr>
+            <a:spLocks noGrp="1"/>
+          </p:cNvSpPr>
+          <p:nvPr>
+            <p:ph idx="1"/>
+          </p:nvPr>
+        </p:nvSpPr>
+        <p:spPr/>
+        <p:txBody>
           <a:bodyPr/>
           <a:lstStyle/>
           <a:p>
             <a:r>
-              <a:rPr lang="en-GB" dirty="0" err="1" smtClean="0"/>
-              <a:t>BasicProblem</a:t>
-            </a:r>
-            <a:endParaRPr lang="en-GB" dirty="0"/>
-          </a:p>
-        </p:txBody>
-      </p:sp>
-      <p:sp>
-        <p:nvSpPr>
-          <p:cNvPr id="3" name="Inhaltsplatzhalter 2"/>
-          <p:cNvSpPr>
-            <a:spLocks noGrp="1"/>
-          </p:cNvSpPr>
-          <p:nvPr>
-            <p:ph idx="1"/>
-          </p:nvPr>
-        </p:nvSpPr>
-        <p:spPr/>
-        <p:txBody>
-          <a:bodyPr>
-            <a:normAutofit lnSpcReduction="10000"/>
-          </a:bodyPr>
-          <a:lstStyle/>
-          <a:p>
-            <a:r>
-              <a:rPr lang="en-GB" dirty="0" smtClean="0"/>
-              <a:t>Similar concept as </a:t>
-            </a:r>
-            <a:r>
-              <a:rPr lang="en-GB" dirty="0" err="1" smtClean="0"/>
-              <a:t>BasicAlgorithm</a:t>
-            </a:r>
-            <a:endParaRPr lang="en-GB" dirty="0" smtClean="0"/>
-          </a:p>
-          <a:p>
-            <a:r>
-              <a:rPr lang="en-GB" dirty="0" smtClean="0"/>
-              <a:t>Makes implementing new problems easier</a:t>
-            </a:r>
-          </a:p>
-          <a:p>
-            <a:r>
-              <a:rPr lang="en-GB" dirty="0" smtClean="0"/>
-              <a:t>No </a:t>
-            </a:r>
-            <a:r>
-              <a:rPr lang="en-GB" dirty="0" err="1" smtClean="0"/>
-              <a:t>wireing</a:t>
-            </a:r>
-            <a:r>
-              <a:rPr lang="en-GB" dirty="0" smtClean="0"/>
-              <a:t>/operators necessary</a:t>
-            </a:r>
-          </a:p>
-          <a:p>
-            <a:pPr marL="342900" lvl="1" indent="-342900">
-              <a:buFont typeface="Arial" pitchFamily="34" charset="0"/>
-              <a:buChar char="•"/>
-            </a:pPr>
-            <a:r>
-              <a:rPr lang="en-GB" sz="3200" dirty="0"/>
-              <a:t>Use automatic encoding configuration</a:t>
-            </a:r>
-          </a:p>
-          <a:p>
-            <a:pPr marL="342900" lvl="1" indent="-342900">
-              <a:buFont typeface="Arial" pitchFamily="34" charset="0"/>
-              <a:buChar char="•"/>
-            </a:pPr>
-            <a:r>
-              <a:rPr lang="en-GB" sz="3200" dirty="0"/>
-              <a:t>Don’t work with all algorithm </a:t>
-            </a:r>
-            <a:r>
-              <a:rPr lang="en-GB" sz="3200" dirty="0" smtClean="0"/>
-              <a:t>types, e.g. algorithms that use very specific operators</a:t>
-            </a:r>
-          </a:p>
-          <a:p>
-            <a:pPr marL="742950" lvl="2" indent="-342900"/>
-            <a:r>
-              <a:rPr lang="en-GB" dirty="0" smtClean="0"/>
-              <a:t>Simulated Annealing</a:t>
-            </a:r>
-          </a:p>
-          <a:p>
-            <a:pPr marL="742950" lvl="2" indent="-342900"/>
-            <a:r>
-              <a:rPr lang="en-GB" dirty="0" smtClean="0"/>
-              <a:t>Scatter Search</a:t>
-            </a:r>
-          </a:p>
-          <a:p>
-            <a:pPr marL="742950" lvl="2" indent="-342900"/>
-            <a:r>
-              <a:rPr lang="en-GB" dirty="0" smtClean="0"/>
-              <a:t>Particle Swarm Optimization</a:t>
-            </a:r>
-          </a:p>
-          <a:p>
-            <a:pPr marL="742950" lvl="2" indent="-342900"/>
-            <a:endParaRPr lang="en-GB" dirty="0"/>
-          </a:p>
-          <a:p>
-            <a:pPr marL="342900" lvl="1" indent="-342900">
-              <a:buFont typeface="Arial" pitchFamily="34" charset="0"/>
-              <a:buChar char="•"/>
-            </a:pPr>
-            <a:endParaRPr lang="en-GB" sz="3200" dirty="0"/>
-          </a:p>
-          <a:p>
-            <a:endParaRPr lang="en-GB" dirty="0"/>
-          </a:p>
-          <a:p>
-            <a:endParaRPr lang="en-GB" dirty="0"/>
-          </a:p>
-          <a:p>
-            <a:endParaRPr lang="en-GB" dirty="0"/>
+              <a:rPr lang="en-US" dirty="0" smtClean="0"/>
+              <a:t>Defines used encoding</a:t>
+            </a:r>
+          </a:p>
+          <a:p>
+            <a:r>
+              <a:rPr lang="en-US" dirty="0" smtClean="0"/>
+              <a:t>Defines single/multi objective</a:t>
+            </a:r>
+          </a:p>
+          <a:p>
+            <a:r>
+              <a:rPr lang="en-US" dirty="0" smtClean="0"/>
+              <a:t>Defines min/maximization</a:t>
+            </a:r>
+          </a:p>
+          <a:p>
+            <a:r>
+              <a:rPr lang="en-US" dirty="0" smtClean="0"/>
+              <a:t>Discovers correct operators</a:t>
+            </a:r>
+          </a:p>
+          <a:p>
+            <a:pPr lvl="1"/>
+            <a:r>
+              <a:rPr lang="en-US" dirty="0" smtClean="0"/>
+              <a:t>Are used by the algorithm</a:t>
+            </a:r>
+          </a:p>
+          <a:p>
+            <a:r>
+              <a:rPr lang="en-US" dirty="0" smtClean="0"/>
+              <a:t>Wires/parameterizes operators</a:t>
+            </a:r>
+          </a:p>
+          <a:p>
+            <a:r>
+              <a:rPr lang="en-US" dirty="0" smtClean="0"/>
+              <a:t>Loads problem data using a corresponding problem instance provider</a:t>
+            </a:r>
+            <a:endParaRPr lang="en-US" dirty="0"/>
           </a:p>
         </p:txBody>
       </p:sp>
@@ -15536,13 +16300,20 @@
     </p:spTree>
     <p:extLst>
       <p:ext uri="{BB962C8B-B14F-4D97-AF65-F5344CB8AC3E}">
-        <p14:creationId xmlns:p14="http://schemas.microsoft.com/office/powerpoint/2010/main" val="3011417785"/>
+        <p14:creationId xmlns:p14="http://schemas.microsoft.com/office/powerpoint/2010/main" val="3946963009"/>
       </p:ext>
     </p:extLst>
   </p:cSld>
   <p:clrMapOvr>
     <a:masterClrMapping/>
   </p:clrMapOvr>
+  <p:timing>
+    <p:tnLst>
+      <p:par>
+        <p:cTn id="1" dur="indefinite" restart="never" nodeType="tmRoot"/>
+      </p:par>
+    </p:tnLst>
+  </p:timing>
 </p:sld>
 </file>
 
@@ -15575,19 +16346,141 @@
         </p:nvSpPr>
         <p:spPr/>
         <p:txBody>
+          <a:bodyPr/>
+          <a:lstStyle/>
+          <a:p>
+            <a:r>
+              <a:rPr lang="en-GB" dirty="0" err="1" smtClean="0"/>
+              <a:t>BasicProblem</a:t>
+            </a:r>
+            <a:endParaRPr lang="en-GB" dirty="0"/>
+          </a:p>
+        </p:txBody>
+      </p:sp>
+      <p:sp>
+        <p:nvSpPr>
+          <p:cNvPr id="3" name="Inhaltsplatzhalter 2"/>
+          <p:cNvSpPr>
+            <a:spLocks noGrp="1"/>
+          </p:cNvSpPr>
+          <p:nvPr>
+            <p:ph idx="1"/>
+          </p:nvPr>
+        </p:nvSpPr>
+        <p:spPr/>
+        <p:txBody>
           <a:bodyPr>
-            <a:normAutofit fontScale="90000"/>
+            <a:normAutofit lnSpcReduction="10000"/>
           </a:bodyPr>
           <a:lstStyle/>
           <a:p>
             <a:r>
-              <a:rPr lang="en-US" dirty="0"/>
-              <a:t>Base classes/interfaces for </a:t>
-            </a:r>
-            <a:r>
-              <a:rPr lang="en-US" dirty="0" err="1" smtClean="0"/>
-              <a:t>BasicProblem</a:t>
-            </a:r>
+              <a:rPr lang="en-GB" dirty="0" smtClean="0"/>
+              <a:t>Similar concept as </a:t>
+            </a:r>
+            <a:r>
+              <a:rPr lang="en-GB" dirty="0" err="1" smtClean="0">
+                <a:latin typeface="Courier New" panose="02070309020205020404" pitchFamily="49" charset="0"/>
+                <a:cs typeface="Courier New" panose="02070309020205020404" pitchFamily="49" charset="0"/>
+              </a:rPr>
+              <a:t>BasicAlgorithm</a:t>
+            </a:r>
+            <a:endParaRPr lang="en-GB" dirty="0" smtClean="0">
+              <a:latin typeface="Courier New" panose="02070309020205020404" pitchFamily="49" charset="0"/>
+              <a:cs typeface="Courier New" panose="02070309020205020404" pitchFamily="49" charset="0"/>
+            </a:endParaRPr>
+          </a:p>
+          <a:p>
+            <a:r>
+              <a:rPr lang="en-GB" dirty="0" smtClean="0"/>
+              <a:t>Makes implementing new problems easier</a:t>
+            </a:r>
+          </a:p>
+          <a:p>
+            <a:r>
+              <a:rPr lang="en-GB" dirty="0" smtClean="0"/>
+              <a:t>No </a:t>
+            </a:r>
+            <a:r>
+              <a:rPr lang="en-GB" dirty="0" err="1" smtClean="0"/>
+              <a:t>wireing</a:t>
+            </a:r>
+            <a:r>
+              <a:rPr lang="en-GB" dirty="0" smtClean="0"/>
+              <a:t>/operators necessary</a:t>
+            </a:r>
+          </a:p>
+          <a:p>
+            <a:pPr marL="342900" lvl="1" indent="-342900">
+              <a:buFont typeface="Arial" pitchFamily="34" charset="0"/>
+              <a:buChar char="•"/>
+            </a:pPr>
+            <a:r>
+              <a:rPr lang="en-GB" sz="3200" dirty="0"/>
+              <a:t>Use automatic encoding configuration</a:t>
+            </a:r>
+          </a:p>
+          <a:p>
+            <a:pPr marL="342900" lvl="1" indent="-342900">
+              <a:buFont typeface="Arial" pitchFamily="34" charset="0"/>
+              <a:buChar char="•"/>
+            </a:pPr>
+            <a:r>
+              <a:rPr lang="en-GB" sz="3200" dirty="0"/>
+              <a:t>Don’t work with all algorithm </a:t>
+            </a:r>
+            <a:r>
+              <a:rPr lang="en-GB" sz="3200" dirty="0" smtClean="0"/>
+              <a:t>types, e.g</a:t>
+            </a:r>
+            <a:r>
+              <a:rPr lang="en-GB" sz="3200" dirty="0" smtClean="0"/>
+              <a:t>., </a:t>
+            </a:r>
+            <a:r>
+              <a:rPr lang="en-GB" sz="3200" dirty="0" smtClean="0"/>
+              <a:t>algorithms that use very specific operators</a:t>
+            </a:r>
+          </a:p>
+          <a:p>
+            <a:pPr marL="742950" lvl="2" indent="-342900"/>
+            <a:r>
+              <a:rPr lang="en-GB" dirty="0" smtClean="0"/>
+              <a:t>Simulated Annealing</a:t>
+            </a:r>
+          </a:p>
+          <a:p>
+            <a:pPr marL="742950" lvl="2" indent="-342900"/>
+            <a:r>
+              <a:rPr lang="en-GB" dirty="0" smtClean="0"/>
+              <a:t>Scatter Search</a:t>
+            </a:r>
+          </a:p>
+          <a:p>
+            <a:pPr marL="742950" lvl="2" indent="-342900"/>
+            <a:r>
+              <a:rPr lang="en-GB" dirty="0" smtClean="0"/>
+              <a:t>Particle Swarm Optimization</a:t>
+            </a:r>
+          </a:p>
+          <a:p>
+            <a:pPr marL="742950" lvl="2" indent="-342900"/>
+            <a:endParaRPr lang="en-GB" dirty="0"/>
+          </a:p>
+          <a:p>
+            <a:pPr marL="342900" lvl="1" indent="-342900">
+              <a:buFont typeface="Arial" pitchFamily="34" charset="0"/>
+              <a:buChar char="•"/>
+            </a:pPr>
+            <a:endParaRPr lang="en-GB" sz="3200" dirty="0"/>
+          </a:p>
+          <a:p>
+            <a:endParaRPr lang="en-GB" dirty="0"/>
+          </a:p>
+          <a:p>
+            <a:endParaRPr lang="en-GB" dirty="0"/>
+          </a:p>
+          <a:p>
             <a:endParaRPr lang="en-GB" dirty="0"/>
           </a:p>
         </p:txBody>
@@ -15657,6 +16550,150 @@
               <a:rPr lang="de-DE" smtClean="0"/>
               <a:pPr/>
               <a:t>33</a:t>
+            </a:fld>
+            <a:endParaRPr lang="de-DE"/>
+          </a:p>
+        </p:txBody>
+      </p:sp>
+    </p:spTree>
+    <p:extLst>
+      <p:ext uri="{BB962C8B-B14F-4D97-AF65-F5344CB8AC3E}">
+        <p14:creationId xmlns:p14="http://schemas.microsoft.com/office/powerpoint/2010/main" val="3011417785"/>
+      </p:ext>
+    </p:extLst>
+  </p:cSld>
+  <p:clrMapOvr>
+    <a:masterClrMapping/>
+  </p:clrMapOvr>
+  <p:timing>
+    <p:tnLst>
+      <p:par>
+        <p:cTn id="1" dur="indefinite" restart="never" nodeType="tmRoot"/>
+      </p:par>
+    </p:tnLst>
+  </p:timing>
+</p:sld>
+</file>
+
+<file path=ppt/slides/slide34.xml><?xml version="1.0" encoding="utf-8"?>
+<p:sld xmlns:a="http://schemas.openxmlformats.org/drawingml/2006/main" xmlns:r="http://schemas.openxmlformats.org/officeDocument/2006/relationships" xmlns:p="http://schemas.openxmlformats.org/presentationml/2006/main">
+  <p:cSld>
+    <p:spTree>
+      <p:nvGrpSpPr>
+        <p:cNvPr id="1" name=""/>
+        <p:cNvGrpSpPr/>
+        <p:nvPr/>
+      </p:nvGrpSpPr>
+      <p:grpSpPr>
+        <a:xfrm>
+          <a:off x="0" y="0"/>
+          <a:ext cx="0" cy="0"/>
+          <a:chOff x="0" y="0"/>
+          <a:chExt cx="0" cy="0"/>
+        </a:xfrm>
+      </p:grpSpPr>
+      <p:sp>
+        <p:nvSpPr>
+          <p:cNvPr id="2" name="Titel 1"/>
+          <p:cNvSpPr>
+            <a:spLocks noGrp="1"/>
+          </p:cNvSpPr>
+          <p:nvPr>
+            <p:ph type="title"/>
+          </p:nvPr>
+        </p:nvSpPr>
+        <p:spPr/>
+        <p:txBody>
+          <a:bodyPr>
+            <a:normAutofit fontScale="90000"/>
+          </a:bodyPr>
+          <a:lstStyle/>
+          <a:p>
+            <a:r>
+              <a:rPr lang="en-US" dirty="0"/>
+              <a:t>Base </a:t>
+            </a:r>
+            <a:r>
+              <a:rPr lang="en-US" dirty="0" smtClean="0"/>
+              <a:t>classes/Interfaces </a:t>
+            </a:r>
+            <a:r>
+              <a:rPr lang="en-US" dirty="0"/>
+              <a:t>for </a:t>
+            </a:r>
+            <a:r>
+              <a:rPr lang="en-US" dirty="0" err="1" smtClean="0"/>
+              <a:t>BasicProblem</a:t>
+            </a:r>
+            <a:endParaRPr lang="en-GB" dirty="0"/>
+          </a:p>
+        </p:txBody>
+      </p:sp>
+      <p:sp>
+        <p:nvSpPr>
+          <p:cNvPr id="4" name="Datumsplatzhalter 3"/>
+          <p:cNvSpPr>
+            <a:spLocks noGrp="1"/>
+          </p:cNvSpPr>
+          <p:nvPr>
+            <p:ph type="dt" sz="half" idx="10"/>
+          </p:nvPr>
+        </p:nvSpPr>
+        <p:spPr/>
+        <p:txBody>
+          <a:bodyPr/>
+          <a:lstStyle/>
+          <a:p>
+            <a:r>
+              <a:rPr lang="de-DE" smtClean="0"/>
+              <a:t>Programming HeuristicLab</a:t>
+            </a:r>
+            <a:endParaRPr lang="de-DE" dirty="0"/>
+          </a:p>
+        </p:txBody>
+      </p:sp>
+      <p:sp>
+        <p:nvSpPr>
+          <p:cNvPr id="5" name="Fußzeilenplatzhalter 4"/>
+          <p:cNvSpPr>
+            <a:spLocks noGrp="1"/>
+          </p:cNvSpPr>
+          <p:nvPr>
+            <p:ph type="ftr" sz="quarter" idx="11"/>
+          </p:nvPr>
+        </p:nvSpPr>
+        <p:spPr/>
+        <p:txBody>
+          <a:bodyPr/>
+          <a:lstStyle/>
+          <a:p>
+            <a:r>
+              <a:rPr lang="de-DE" smtClean="0"/>
+              <a:t>http://dev.heuristiclab.com</a:t>
+            </a:r>
+            <a:endParaRPr lang="de-DE"/>
+          </a:p>
+        </p:txBody>
+      </p:sp>
+      <p:sp>
+        <p:nvSpPr>
+          <p:cNvPr id="6" name="Foliennummernplatzhalter 5"/>
+          <p:cNvSpPr>
+            <a:spLocks noGrp="1"/>
+          </p:cNvSpPr>
+          <p:nvPr>
+            <p:ph type="sldNum" sz="quarter" idx="12"/>
+          </p:nvPr>
+        </p:nvSpPr>
+        <p:spPr/>
+        <p:txBody>
+          <a:bodyPr/>
+          <a:lstStyle/>
+          <a:p>
+            <a:fld id="{6C6AE60A-B69C-4790-82F7-3882EDF23186}" type="slidenum">
+              <a:rPr lang="de-DE" smtClean="0"/>
+              <a:pPr/>
+              <a:t>34</a:t>
             </a:fld>
             <a:endParaRPr lang="de-DE"/>
           </a:p>
@@ -15696,763 +16733,13 @@
   <p:clrMapOvr>
     <a:masterClrMapping/>
   </p:clrMapOvr>
-</p:sld>
-</file>
-
-<file path=ppt/slides/slide34.xml><?xml version="1.0" encoding="utf-8"?>
-<p:sld xmlns:a="http://schemas.openxmlformats.org/drawingml/2006/main" xmlns:r="http://schemas.openxmlformats.org/officeDocument/2006/relationships" xmlns:p="http://schemas.openxmlformats.org/presentationml/2006/main">
-  <p:cSld>
-    <p:spTree>
-      <p:nvGrpSpPr>
-        <p:cNvPr id="1" name=""/>
-        <p:cNvGrpSpPr/>
-        <p:nvPr/>
-      </p:nvGrpSpPr>
-      <p:grpSpPr>
-        <a:xfrm>
-          <a:off x="0" y="0"/>
-          <a:ext cx="0" cy="0"/>
-          <a:chOff x="0" y="0"/>
-          <a:chExt cx="0" cy="0"/>
-        </a:xfrm>
-      </p:grpSpPr>
-      <p:sp>
-        <p:nvSpPr>
-          <p:cNvPr id="2" name="Titel 1"/>
-          <p:cNvSpPr>
-            <a:spLocks noGrp="1"/>
-          </p:cNvSpPr>
-          <p:nvPr>
-            <p:ph type="title"/>
-          </p:nvPr>
-        </p:nvSpPr>
-        <p:spPr/>
-        <p:txBody>
-          <a:bodyPr/>
-          <a:lstStyle/>
-          <a:p>
-            <a:r>
-              <a:rPr lang="en-GB" dirty="0" err="1" smtClean="0"/>
-              <a:t>BasicProblem</a:t>
-            </a:r>
-            <a:r>
-              <a:rPr lang="en-GB" dirty="0" smtClean="0"/>
-              <a:t> - Interface</a:t>
-            </a:r>
-            <a:endParaRPr lang="en-GB" dirty="0"/>
-          </a:p>
-        </p:txBody>
-      </p:sp>
-      <p:sp>
-        <p:nvSpPr>
-          <p:cNvPr id="3" name="Inhaltsplatzhalter 2"/>
-          <p:cNvSpPr>
-            <a:spLocks noGrp="1"/>
-          </p:cNvSpPr>
-          <p:nvPr>
-            <p:ph idx="1"/>
-          </p:nvPr>
-        </p:nvSpPr>
-        <p:spPr/>
-        <p:txBody>
-          <a:bodyPr>
-            <a:normAutofit/>
-          </a:bodyPr>
-          <a:lstStyle/>
-          <a:p>
-            <a:r>
-              <a:rPr lang="en-GB" dirty="0" smtClean="0"/>
-              <a:t>Define Encoding</a:t>
-            </a:r>
-          </a:p>
-          <a:p>
-            <a:endParaRPr lang="en-GB" dirty="0"/>
-          </a:p>
-          <a:p>
-            <a:r>
-              <a:rPr lang="en-GB" dirty="0" smtClean="0"/>
-              <a:t>Define maximization or minimization</a:t>
-            </a:r>
-          </a:p>
-          <a:p>
-            <a:endParaRPr lang="en-GB" dirty="0"/>
-          </a:p>
-          <a:p>
-            <a:r>
-              <a:rPr lang="en-GB" dirty="0" smtClean="0"/>
-              <a:t>Evaluate a solution and return quality</a:t>
-            </a:r>
-          </a:p>
-          <a:p>
-            <a:endParaRPr lang="en-GB" dirty="0"/>
-          </a:p>
-        </p:txBody>
-      </p:sp>
-      <p:sp>
-        <p:nvSpPr>
-          <p:cNvPr id="4" name="Datumsplatzhalter 3"/>
-          <p:cNvSpPr>
-            <a:spLocks noGrp="1"/>
-          </p:cNvSpPr>
-          <p:nvPr>
-            <p:ph type="dt" sz="half" idx="10"/>
-          </p:nvPr>
-        </p:nvSpPr>
-        <p:spPr/>
-        <p:txBody>
-          <a:bodyPr/>
-          <a:lstStyle/>
-          <a:p>
-            <a:r>
-              <a:rPr lang="de-DE" smtClean="0"/>
-              <a:t>Programming HeuristicLab</a:t>
-            </a:r>
-            <a:endParaRPr lang="de-DE" dirty="0"/>
-          </a:p>
-        </p:txBody>
-      </p:sp>
-      <p:sp>
-        <p:nvSpPr>
-          <p:cNvPr id="5" name="Fußzeilenplatzhalter 4"/>
-          <p:cNvSpPr>
-            <a:spLocks noGrp="1"/>
-          </p:cNvSpPr>
-          <p:nvPr>
-            <p:ph type="ftr" sz="quarter" idx="11"/>
-          </p:nvPr>
-        </p:nvSpPr>
-        <p:spPr/>
-        <p:txBody>
-          <a:bodyPr/>
-          <a:lstStyle/>
-          <a:p>
-            <a:r>
-              <a:rPr lang="de-DE" smtClean="0"/>
-              <a:t>http://dev.heuristiclab.com</a:t>
-            </a:r>
-            <a:endParaRPr lang="de-DE"/>
-          </a:p>
-        </p:txBody>
-      </p:sp>
-      <p:sp>
-        <p:nvSpPr>
-          <p:cNvPr id="6" name="Foliennummernplatzhalter 5"/>
-          <p:cNvSpPr>
-            <a:spLocks noGrp="1"/>
-          </p:cNvSpPr>
-          <p:nvPr>
-            <p:ph type="sldNum" sz="quarter" idx="12"/>
-          </p:nvPr>
-        </p:nvSpPr>
-        <p:spPr/>
-        <p:txBody>
-          <a:bodyPr/>
-          <a:lstStyle/>
-          <a:p>
-            <a:fld id="{6C6AE60A-B69C-4790-82F7-3882EDF23186}" type="slidenum">
-              <a:rPr lang="de-DE" smtClean="0"/>
-              <a:pPr/>
-              <a:t>34</a:t>
-            </a:fld>
-            <a:endParaRPr lang="de-DE"/>
-          </a:p>
-        </p:txBody>
-      </p:sp>
-      <p:sp>
-        <p:nvSpPr>
-          <p:cNvPr id="7" name="Rectangle 1"/>
-          <p:cNvSpPr>
-            <a:spLocks noChangeArrowheads="1"/>
-          </p:cNvSpPr>
-          <p:nvPr/>
-        </p:nvSpPr>
-        <p:spPr bwMode="auto">
-          <a:xfrm>
-            <a:off x="827584" y="3395311"/>
-            <a:ext cx="2590800" cy="276999"/>
-          </a:xfrm>
-          <a:prstGeom prst="rect">
-            <a:avLst/>
-          </a:prstGeom>
-          <a:solidFill>
-            <a:srgbClr val="FFFFFF"/>
-          </a:solidFill>
-          <a:ln>
-            <a:noFill/>
-          </a:ln>
-          <a:effectLst/>
-          <a:extLst>
-            <a:ext uri="{91240B29-F687-4F45-9708-019B960494DF}">
-              <a14:hiddenLine xmlns:a14="http://schemas.microsoft.com/office/drawing/2010/main" w="9525">
-                <a:solidFill>
-                  <a:schemeClr val="tx1"/>
-                </a:solidFill>
-                <a:miter lim="800000"/>
-                <a:headEnd/>
-                <a:tailEnd/>
-              </a14:hiddenLine>
-            </a:ext>
-            <a:ext uri="{AF507438-7753-43E0-B8FC-AC1667EBCBE1}">
-              <a14:hiddenEffects xmlns:a14="http://schemas.microsoft.com/office/drawing/2010/main">
-                <a:effectLst>
-                  <a:outerShdw dist="35921" dir="2700000" algn="ctr" rotWithShape="0">
-                    <a:schemeClr val="bg2"/>
-                  </a:outerShdw>
-                </a:effectLst>
-              </a14:hiddenEffects>
-            </a:ext>
-          </a:extLst>
-        </p:spPr>
-        <p:txBody>
-          <a:bodyPr vert="horz" wrap="square" lIns="91440" tIns="45720" rIns="91440" bIns="45720" numCol="1" anchor="ctr" anchorCtr="0" compatLnSpc="1">
-            <a:prstTxWarp prst="textNoShape">
-              <a:avLst/>
-            </a:prstTxWarp>
-            <a:spAutoFit/>
-          </a:bodyPr>
-          <a:lstStyle/>
-          <a:p>
-            <a:pPr marL="0" marR="0" lvl="0" indent="0" algn="l" defTabSz="914400" rtl="0" eaLnBrk="0" fontAlgn="base" latinLnBrk="0" hangingPunct="0">
-              <a:lnSpc>
-                <a:spcPct val="100000"/>
-              </a:lnSpc>
-              <a:spcBef>
-                <a:spcPct val="0"/>
-              </a:spcBef>
-              <a:spcAft>
-                <a:spcPct val="0"/>
-              </a:spcAft>
-              <a:buClrTx/>
-              <a:buSzTx/>
-              <a:buFontTx/>
-              <a:buNone/>
-              <a:tabLst/>
-            </a:pPr>
-            <a:r>
-              <a:rPr kumimoji="0" lang="de-DE" altLang="de-DE" sz="1200" b="0" i="0" u="none" strike="noStrike" cap="none" normalizeH="0" baseline="0" dirty="0" err="1" smtClean="0">
-                <a:ln>
-                  <a:noFill/>
-                </a:ln>
-                <a:solidFill>
-                  <a:srgbClr val="0000FF"/>
-                </a:solidFill>
-                <a:effectLst/>
-                <a:latin typeface="Consolas" panose="020B0609020204030204" pitchFamily="49" charset="0"/>
-                <a:cs typeface="Consolas" panose="020B0609020204030204" pitchFamily="49" charset="0"/>
-              </a:rPr>
-              <a:t>bool</a:t>
-            </a:r>
-            <a:r>
-              <a:rPr kumimoji="0" lang="de-DE" altLang="de-DE" sz="1200" b="0" i="0" u="none" strike="noStrike" cap="none" normalizeH="0" baseline="0" dirty="0" smtClean="0">
-                <a:ln>
-                  <a:noFill/>
-                </a:ln>
-                <a:solidFill>
-                  <a:srgbClr val="000000"/>
-                </a:solidFill>
-                <a:effectLst/>
-                <a:latin typeface="Consolas" panose="020B0609020204030204" pitchFamily="49" charset="0"/>
-                <a:cs typeface="Consolas" panose="020B0609020204030204" pitchFamily="49" charset="0"/>
-              </a:rPr>
-              <a:t> </a:t>
-            </a:r>
-            <a:r>
-              <a:rPr kumimoji="0" lang="de-DE" altLang="de-DE" sz="1200" b="0" i="0" u="none" strike="noStrike" cap="none" normalizeH="0" baseline="0" dirty="0" err="1" smtClean="0">
-                <a:ln>
-                  <a:noFill/>
-                </a:ln>
-                <a:solidFill>
-                  <a:srgbClr val="000000"/>
-                </a:solidFill>
-                <a:effectLst/>
-                <a:latin typeface="Consolas" panose="020B0609020204030204" pitchFamily="49" charset="0"/>
-                <a:cs typeface="Consolas" panose="020B0609020204030204" pitchFamily="49" charset="0"/>
-              </a:rPr>
-              <a:t>Maximization</a:t>
-            </a:r>
-            <a:r>
-              <a:rPr kumimoji="0" lang="de-DE" altLang="de-DE" sz="1200" b="0" i="0" u="none" strike="noStrike" cap="none" normalizeH="0" baseline="0" dirty="0" smtClean="0">
-                <a:ln>
-                  <a:noFill/>
-                </a:ln>
-                <a:solidFill>
-                  <a:srgbClr val="000000"/>
-                </a:solidFill>
-                <a:effectLst/>
-                <a:latin typeface="Consolas" panose="020B0609020204030204" pitchFamily="49" charset="0"/>
-                <a:cs typeface="Consolas" panose="020B0609020204030204" pitchFamily="49" charset="0"/>
-              </a:rPr>
-              <a:t> { </a:t>
-            </a:r>
-            <a:r>
-              <a:rPr kumimoji="0" lang="de-DE" altLang="de-DE" sz="1200" b="0" i="0" u="none" strike="noStrike" cap="none" normalizeH="0" baseline="0" dirty="0" err="1" smtClean="0">
-                <a:ln>
-                  <a:noFill/>
-                </a:ln>
-                <a:solidFill>
-                  <a:srgbClr val="0000FF"/>
-                </a:solidFill>
-                <a:effectLst/>
-                <a:latin typeface="Consolas" panose="020B0609020204030204" pitchFamily="49" charset="0"/>
-                <a:cs typeface="Consolas" panose="020B0609020204030204" pitchFamily="49" charset="0"/>
-              </a:rPr>
-              <a:t>get</a:t>
-            </a:r>
-            <a:r>
-              <a:rPr kumimoji="0" lang="de-DE" altLang="de-DE" sz="1200" b="0" i="0" u="none" strike="noStrike" cap="none" normalizeH="0" baseline="0" dirty="0" smtClean="0">
-                <a:ln>
-                  <a:noFill/>
-                </a:ln>
-                <a:solidFill>
-                  <a:srgbClr val="000000"/>
-                </a:solidFill>
-                <a:effectLst/>
-                <a:latin typeface="Consolas" panose="020B0609020204030204" pitchFamily="49" charset="0"/>
-                <a:cs typeface="Consolas" panose="020B0609020204030204" pitchFamily="49" charset="0"/>
-              </a:rPr>
-              <a:t>; } </a:t>
-            </a:r>
-            <a:endParaRPr kumimoji="0" lang="de-DE" altLang="de-DE" sz="3200" b="0" i="0" u="none" strike="noStrike" cap="none" normalizeH="0" baseline="0" dirty="0" smtClean="0">
-              <a:ln>
-                <a:noFill/>
-              </a:ln>
-              <a:solidFill>
-                <a:schemeClr val="tx1"/>
-              </a:solidFill>
-              <a:effectLst/>
-              <a:latin typeface="Arial" panose="020B0604020202020204" pitchFamily="34" charset="0"/>
-            </a:endParaRPr>
-          </a:p>
-        </p:txBody>
-      </p:sp>
-      <p:sp>
-        <p:nvSpPr>
-          <p:cNvPr id="8" name="Rectangle 2"/>
-          <p:cNvSpPr>
-            <a:spLocks noChangeArrowheads="1"/>
-          </p:cNvSpPr>
-          <p:nvPr/>
-        </p:nvSpPr>
-        <p:spPr bwMode="auto">
-          <a:xfrm>
-            <a:off x="827584" y="4622237"/>
-            <a:ext cx="5904656" cy="276999"/>
-          </a:xfrm>
-          <a:prstGeom prst="rect">
-            <a:avLst/>
-          </a:prstGeom>
-          <a:solidFill>
-            <a:srgbClr val="FFFFFF"/>
-          </a:solidFill>
-          <a:ln>
-            <a:noFill/>
-          </a:ln>
-          <a:effectLst/>
-          <a:extLst>
-            <a:ext uri="{91240B29-F687-4F45-9708-019B960494DF}">
-              <a14:hiddenLine xmlns:a14="http://schemas.microsoft.com/office/drawing/2010/main" w="9525">
-                <a:solidFill>
-                  <a:schemeClr val="tx1"/>
-                </a:solidFill>
-                <a:miter lim="800000"/>
-                <a:headEnd/>
-                <a:tailEnd/>
-              </a14:hiddenLine>
-            </a:ext>
-            <a:ext uri="{AF507438-7753-43E0-B8FC-AC1667EBCBE1}">
-              <a14:hiddenEffects xmlns:a14="http://schemas.microsoft.com/office/drawing/2010/main">
-                <a:effectLst>
-                  <a:outerShdw dist="35921" dir="2700000" algn="ctr" rotWithShape="0">
-                    <a:schemeClr val="bg2"/>
-                  </a:outerShdw>
-                </a:effectLst>
-              </a14:hiddenEffects>
-            </a:ext>
-          </a:extLst>
-        </p:spPr>
-        <p:txBody>
-          <a:bodyPr vert="horz" wrap="square" lIns="91440" tIns="45720" rIns="91440" bIns="45720" numCol="1" anchor="ctr" anchorCtr="0" compatLnSpc="1">
-            <a:prstTxWarp prst="textNoShape">
-              <a:avLst/>
-            </a:prstTxWarp>
-            <a:spAutoFit/>
-          </a:bodyPr>
-          <a:lstStyle/>
-          <a:p>
-            <a:pPr marL="0" marR="0" lvl="0" indent="0" algn="l" defTabSz="914400" rtl="0" eaLnBrk="0" fontAlgn="base" latinLnBrk="0" hangingPunct="0">
-              <a:lnSpc>
-                <a:spcPct val="100000"/>
-              </a:lnSpc>
-              <a:spcBef>
-                <a:spcPct val="0"/>
-              </a:spcBef>
-              <a:spcAft>
-                <a:spcPct val="0"/>
-              </a:spcAft>
-              <a:buClrTx/>
-              <a:buSzTx/>
-              <a:buFontTx/>
-              <a:buNone/>
-              <a:tabLst/>
-            </a:pPr>
-            <a:r>
-              <a:rPr kumimoji="0" lang="de-DE" altLang="de-DE" sz="1200" b="0" i="0" u="none" strike="noStrike" cap="none" normalizeH="0" baseline="0" dirty="0" smtClean="0">
-                <a:ln>
-                  <a:noFill/>
-                </a:ln>
-                <a:solidFill>
-                  <a:srgbClr val="0000FF"/>
-                </a:solidFill>
-                <a:effectLst/>
-                <a:latin typeface="Consolas" panose="020B0609020204030204" pitchFamily="49" charset="0"/>
-                <a:cs typeface="Consolas" panose="020B0609020204030204" pitchFamily="49" charset="0"/>
-              </a:rPr>
-              <a:t>double</a:t>
-            </a:r>
-            <a:r>
-              <a:rPr kumimoji="0" lang="de-DE" altLang="de-DE" sz="1200" b="0" i="0" u="none" strike="noStrike" cap="none" normalizeH="0" baseline="0" dirty="0" smtClean="0">
-                <a:ln>
-                  <a:noFill/>
-                </a:ln>
-                <a:solidFill>
-                  <a:srgbClr val="000000"/>
-                </a:solidFill>
-                <a:effectLst/>
-                <a:latin typeface="Consolas" panose="020B0609020204030204" pitchFamily="49" charset="0"/>
-                <a:cs typeface="Consolas" panose="020B0609020204030204" pitchFamily="49" charset="0"/>
-              </a:rPr>
-              <a:t> </a:t>
-            </a:r>
-            <a:r>
-              <a:rPr kumimoji="0" lang="de-DE" altLang="de-DE" sz="1200" b="0" i="0" u="none" strike="noStrike" cap="none" normalizeH="0" baseline="0" dirty="0" err="1" smtClean="0">
-                <a:ln>
-                  <a:noFill/>
-                </a:ln>
-                <a:solidFill>
-                  <a:srgbClr val="000000"/>
-                </a:solidFill>
-                <a:effectLst/>
-                <a:latin typeface="Consolas" panose="020B0609020204030204" pitchFamily="49" charset="0"/>
-                <a:cs typeface="Consolas" panose="020B0609020204030204" pitchFamily="49" charset="0"/>
-              </a:rPr>
-              <a:t>Evaluate</a:t>
-            </a:r>
-            <a:r>
-              <a:rPr kumimoji="0" lang="de-DE" altLang="de-DE" sz="1200" b="0" i="0" u="none" strike="noStrike" cap="none" normalizeH="0" baseline="0" dirty="0" smtClean="0">
-                <a:ln>
-                  <a:noFill/>
-                </a:ln>
-                <a:solidFill>
-                  <a:srgbClr val="000000"/>
-                </a:solidFill>
-                <a:effectLst/>
-                <a:latin typeface="Consolas" panose="020B0609020204030204" pitchFamily="49" charset="0"/>
-                <a:cs typeface="Consolas" panose="020B0609020204030204" pitchFamily="49" charset="0"/>
-              </a:rPr>
-              <a:t>(</a:t>
-            </a:r>
-            <a:r>
-              <a:rPr kumimoji="0" lang="de-DE" altLang="de-DE" sz="1200" b="0" i="0" u="none" strike="noStrike" cap="none" normalizeH="0" baseline="0" dirty="0" smtClean="0">
-                <a:ln>
-                  <a:noFill/>
-                </a:ln>
-                <a:solidFill>
-                  <a:srgbClr val="2B91AF"/>
-                </a:solidFill>
-                <a:effectLst/>
-                <a:latin typeface="Consolas" panose="020B0609020204030204" pitchFamily="49" charset="0"/>
-                <a:cs typeface="Consolas" panose="020B0609020204030204" pitchFamily="49" charset="0"/>
-              </a:rPr>
-              <a:t>Individual</a:t>
-            </a:r>
-            <a:r>
-              <a:rPr kumimoji="0" lang="de-DE" altLang="de-DE" sz="1200" b="0" i="0" u="none" strike="noStrike" cap="none" normalizeH="0" baseline="0" dirty="0" smtClean="0">
-                <a:ln>
-                  <a:noFill/>
-                </a:ln>
-                <a:solidFill>
-                  <a:srgbClr val="000000"/>
-                </a:solidFill>
-                <a:effectLst/>
-                <a:latin typeface="Consolas" panose="020B0609020204030204" pitchFamily="49" charset="0"/>
-                <a:cs typeface="Consolas" panose="020B0609020204030204" pitchFamily="49" charset="0"/>
-              </a:rPr>
-              <a:t> </a:t>
-            </a:r>
-            <a:r>
-              <a:rPr kumimoji="0" lang="de-DE" altLang="de-DE" sz="1200" b="0" i="0" u="none" strike="noStrike" cap="none" normalizeH="0" baseline="0" dirty="0" err="1" smtClean="0">
-                <a:ln>
-                  <a:noFill/>
-                </a:ln>
-                <a:solidFill>
-                  <a:srgbClr val="000000"/>
-                </a:solidFill>
-                <a:effectLst/>
-                <a:latin typeface="Consolas" panose="020B0609020204030204" pitchFamily="49" charset="0"/>
-                <a:cs typeface="Consolas" panose="020B0609020204030204" pitchFamily="49" charset="0"/>
-              </a:rPr>
-              <a:t>individual</a:t>
-            </a:r>
-            <a:r>
-              <a:rPr kumimoji="0" lang="de-DE" altLang="de-DE" sz="1200" b="0" i="0" u="none" strike="noStrike" cap="none" normalizeH="0" baseline="0" dirty="0" smtClean="0">
-                <a:ln>
-                  <a:noFill/>
-                </a:ln>
-                <a:solidFill>
-                  <a:srgbClr val="000000"/>
-                </a:solidFill>
-                <a:effectLst/>
-                <a:latin typeface="Consolas" panose="020B0609020204030204" pitchFamily="49" charset="0"/>
-                <a:cs typeface="Consolas" panose="020B0609020204030204" pitchFamily="49" charset="0"/>
-              </a:rPr>
-              <a:t>, </a:t>
-            </a:r>
-            <a:r>
-              <a:rPr kumimoji="0" lang="de-DE" altLang="de-DE" sz="1200" b="0" i="0" u="none" strike="noStrike" cap="none" normalizeH="0" baseline="0" dirty="0" err="1" smtClean="0">
-                <a:ln>
-                  <a:noFill/>
-                </a:ln>
-                <a:solidFill>
-                  <a:srgbClr val="2B91AF"/>
-                </a:solidFill>
-                <a:effectLst/>
-                <a:latin typeface="Consolas" panose="020B0609020204030204" pitchFamily="49" charset="0"/>
-                <a:cs typeface="Consolas" panose="020B0609020204030204" pitchFamily="49" charset="0"/>
-              </a:rPr>
-              <a:t>IRandom</a:t>
-            </a:r>
-            <a:r>
-              <a:rPr kumimoji="0" lang="de-DE" altLang="de-DE" sz="1200" b="0" i="0" u="none" strike="noStrike" cap="none" normalizeH="0" baseline="0" dirty="0" smtClean="0">
-                <a:ln>
-                  <a:noFill/>
-                </a:ln>
-                <a:solidFill>
-                  <a:srgbClr val="000000"/>
-                </a:solidFill>
-                <a:effectLst/>
-                <a:latin typeface="Consolas" panose="020B0609020204030204" pitchFamily="49" charset="0"/>
-                <a:cs typeface="Consolas" panose="020B0609020204030204" pitchFamily="49" charset="0"/>
-              </a:rPr>
-              <a:t> </a:t>
-            </a:r>
-            <a:r>
-              <a:rPr kumimoji="0" lang="de-DE" altLang="de-DE" sz="1200" b="0" i="0" u="none" strike="noStrike" cap="none" normalizeH="0" baseline="0" dirty="0" err="1" smtClean="0">
-                <a:ln>
-                  <a:noFill/>
-                </a:ln>
-                <a:solidFill>
-                  <a:srgbClr val="000000"/>
-                </a:solidFill>
-                <a:effectLst/>
-                <a:latin typeface="Consolas" panose="020B0609020204030204" pitchFamily="49" charset="0"/>
-                <a:cs typeface="Consolas" panose="020B0609020204030204" pitchFamily="49" charset="0"/>
-              </a:rPr>
-              <a:t>random</a:t>
-            </a:r>
-            <a:r>
-              <a:rPr kumimoji="0" lang="de-DE" altLang="de-DE" sz="1200" b="0" i="0" u="none" strike="noStrike" cap="none" normalizeH="0" baseline="0" dirty="0" smtClean="0">
-                <a:ln>
-                  <a:noFill/>
-                </a:ln>
-                <a:solidFill>
-                  <a:srgbClr val="000000"/>
-                </a:solidFill>
-                <a:effectLst/>
-                <a:latin typeface="Consolas" panose="020B0609020204030204" pitchFamily="49" charset="0"/>
-                <a:cs typeface="Consolas" panose="020B0609020204030204" pitchFamily="49" charset="0"/>
-              </a:rPr>
-              <a:t>); </a:t>
-            </a:r>
-            <a:endParaRPr kumimoji="0" lang="de-DE" altLang="de-DE" sz="3200" b="0" i="0" u="none" strike="noStrike" cap="none" normalizeH="0" baseline="0" dirty="0" smtClean="0">
-              <a:ln>
-                <a:noFill/>
-              </a:ln>
-              <a:solidFill>
-                <a:schemeClr val="tx1"/>
-              </a:solidFill>
-              <a:effectLst/>
-              <a:latin typeface="Arial" panose="020B0604020202020204" pitchFamily="34" charset="0"/>
-            </a:endParaRPr>
-          </a:p>
-        </p:txBody>
-      </p:sp>
-      <p:sp>
-        <p:nvSpPr>
-          <p:cNvPr id="11" name="Rectangle 5"/>
-          <p:cNvSpPr>
-            <a:spLocks noChangeArrowheads="1"/>
-          </p:cNvSpPr>
-          <p:nvPr/>
-        </p:nvSpPr>
-        <p:spPr bwMode="auto">
-          <a:xfrm>
-            <a:off x="827584" y="2266071"/>
-            <a:ext cx="6876256" cy="276999"/>
-          </a:xfrm>
-          <a:prstGeom prst="rect">
-            <a:avLst/>
-          </a:prstGeom>
-          <a:solidFill>
-            <a:srgbClr val="FFFFFF"/>
-          </a:solidFill>
-          <a:ln>
-            <a:noFill/>
-          </a:ln>
-          <a:effectLst/>
-          <a:extLst>
-            <a:ext uri="{91240B29-F687-4F45-9708-019B960494DF}">
-              <a14:hiddenLine xmlns:a14="http://schemas.microsoft.com/office/drawing/2010/main" w="9525">
-                <a:solidFill>
-                  <a:schemeClr val="tx1"/>
-                </a:solidFill>
-                <a:miter lim="800000"/>
-                <a:headEnd/>
-                <a:tailEnd/>
-              </a14:hiddenLine>
-            </a:ext>
-            <a:ext uri="{AF507438-7753-43E0-B8FC-AC1667EBCBE1}">
-              <a14:hiddenEffects xmlns:a14="http://schemas.microsoft.com/office/drawing/2010/main">
-                <a:effectLst>
-                  <a:outerShdw dist="35921" dir="2700000" algn="ctr" rotWithShape="0">
-                    <a:schemeClr val="bg2"/>
-                  </a:outerShdw>
-                </a:effectLst>
-              </a14:hiddenEffects>
-            </a:ext>
-          </a:extLst>
-        </p:spPr>
-        <p:txBody>
-          <a:bodyPr vert="horz" wrap="square" lIns="91440" tIns="45720" rIns="91440" bIns="45720" numCol="1" anchor="ctr" anchorCtr="0" compatLnSpc="1">
-            <a:prstTxWarp prst="textNoShape">
-              <a:avLst/>
-            </a:prstTxWarp>
-            <a:spAutoFit/>
-          </a:bodyPr>
-          <a:lstStyle/>
-          <a:p>
-            <a:pPr marL="0" marR="0" lvl="0" indent="0" algn="l" defTabSz="914400" rtl="0" eaLnBrk="0" fontAlgn="base" latinLnBrk="0" hangingPunct="0">
-              <a:lnSpc>
-                <a:spcPct val="100000"/>
-              </a:lnSpc>
-              <a:spcBef>
-                <a:spcPct val="0"/>
-              </a:spcBef>
-              <a:spcAft>
-                <a:spcPct val="0"/>
-              </a:spcAft>
-              <a:buClrTx/>
-              <a:buSzTx/>
-              <a:buFontTx/>
-              <a:buNone/>
-              <a:tabLst/>
-            </a:pPr>
-            <a:r>
-              <a:rPr kumimoji="0" lang="de-DE" altLang="de-DE" sz="1200" b="0" i="0" u="none" strike="noStrike" cap="none" normalizeH="0" baseline="0" dirty="0" err="1" smtClean="0">
-                <a:ln>
-                  <a:noFill/>
-                </a:ln>
-                <a:solidFill>
-                  <a:srgbClr val="2B91AF"/>
-                </a:solidFill>
-                <a:effectLst/>
-                <a:latin typeface="Consolas" panose="020B0609020204030204" pitchFamily="49" charset="0"/>
-                <a:cs typeface="Consolas" panose="020B0609020204030204" pitchFamily="49" charset="0"/>
-              </a:rPr>
-              <a:t>MyNewProblem</a:t>
-            </a:r>
-            <a:r>
-              <a:rPr kumimoji="0" lang="de-DE" altLang="de-DE" sz="1200" b="0" i="0" u="none" strike="noStrike" cap="none" normalizeH="0" baseline="0" dirty="0" smtClean="0">
-                <a:ln>
-                  <a:noFill/>
-                </a:ln>
-                <a:solidFill>
-                  <a:srgbClr val="000000"/>
-                </a:solidFill>
-                <a:effectLst/>
-                <a:latin typeface="Consolas" panose="020B0609020204030204" pitchFamily="49" charset="0"/>
-                <a:cs typeface="Consolas" panose="020B0609020204030204" pitchFamily="49" charset="0"/>
-              </a:rPr>
-              <a:t> : </a:t>
-            </a:r>
-            <a:r>
-              <a:rPr kumimoji="0" lang="de-DE" altLang="de-DE" sz="1200" b="0" i="0" u="none" strike="noStrike" cap="none" normalizeH="0" baseline="0" dirty="0" err="1" smtClean="0">
-                <a:ln>
-                  <a:noFill/>
-                </a:ln>
-                <a:solidFill>
-                  <a:srgbClr val="2B91AF"/>
-                </a:solidFill>
-                <a:effectLst/>
-                <a:latin typeface="Consolas" panose="020B0609020204030204" pitchFamily="49" charset="0"/>
-                <a:cs typeface="Consolas" panose="020B0609020204030204" pitchFamily="49" charset="0"/>
-              </a:rPr>
-              <a:t>SingleObjectiveBasicProblem</a:t>
-            </a:r>
-            <a:r>
-              <a:rPr kumimoji="0" lang="de-DE" altLang="de-DE" sz="1200" b="0" i="0" u="none" strike="noStrike" cap="none" normalizeH="0" baseline="0" dirty="0" smtClean="0">
-                <a:ln>
-                  <a:noFill/>
-                </a:ln>
-                <a:solidFill>
-                  <a:srgbClr val="000000"/>
-                </a:solidFill>
-                <a:effectLst/>
-                <a:latin typeface="Consolas" panose="020B0609020204030204" pitchFamily="49" charset="0"/>
-                <a:cs typeface="Consolas" panose="020B0609020204030204" pitchFamily="49" charset="0"/>
-              </a:rPr>
-              <a:t>&lt;</a:t>
-            </a:r>
-            <a:r>
-              <a:rPr kumimoji="0" lang="de-DE" altLang="de-DE" sz="1200" b="0" i="0" u="none" strike="noStrike" cap="none" normalizeH="0" baseline="0" dirty="0" err="1" smtClean="0">
-                <a:ln>
-                  <a:noFill/>
-                </a:ln>
-                <a:solidFill>
-                  <a:srgbClr val="2B91AF"/>
-                </a:solidFill>
-                <a:effectLst/>
-                <a:latin typeface="Consolas" panose="020B0609020204030204" pitchFamily="49" charset="0"/>
-                <a:cs typeface="Consolas" panose="020B0609020204030204" pitchFamily="49" charset="0"/>
-              </a:rPr>
-              <a:t>BinaryVectorEncoding</a:t>
-            </a:r>
-            <a:r>
-              <a:rPr kumimoji="0" lang="de-DE" altLang="de-DE" sz="1200" b="0" i="0" u="none" strike="noStrike" cap="none" normalizeH="0" baseline="0" dirty="0" smtClean="0">
-                <a:ln>
-                  <a:noFill/>
-                </a:ln>
-                <a:solidFill>
-                  <a:srgbClr val="000000"/>
-                </a:solidFill>
-                <a:effectLst/>
-                <a:latin typeface="Consolas" panose="020B0609020204030204" pitchFamily="49" charset="0"/>
-                <a:cs typeface="Consolas" panose="020B0609020204030204" pitchFamily="49" charset="0"/>
-              </a:rPr>
-              <a:t>&gt;  </a:t>
-            </a:r>
-            <a:endParaRPr kumimoji="0" lang="de-DE" altLang="de-DE" sz="3200" b="0" i="0" u="none" strike="noStrike" cap="none" normalizeH="0" baseline="0" dirty="0" smtClean="0">
-              <a:ln>
-                <a:noFill/>
-              </a:ln>
-              <a:solidFill>
-                <a:schemeClr val="tx1"/>
-              </a:solidFill>
-              <a:effectLst/>
-              <a:latin typeface="Arial" panose="020B0604020202020204" pitchFamily="34" charset="0"/>
-            </a:endParaRPr>
-          </a:p>
-        </p:txBody>
-      </p:sp>
-    </p:spTree>
-    <p:extLst>
-      <p:ext uri="{BB962C8B-B14F-4D97-AF65-F5344CB8AC3E}">
-        <p14:creationId xmlns:p14="http://schemas.microsoft.com/office/powerpoint/2010/main" val="2815654368"/>
-      </p:ext>
-    </p:extLst>
-  </p:cSld>
-  <p:clrMapOvr>
-    <a:masterClrMapping/>
-  </p:clrMapOvr>
+  <p:timing>
+    <p:tnLst>
+      <p:par>
+        <p:cTn id="1" dur="indefinite" restart="never" nodeType="tmRoot"/>
+      </p:par>
+    </p:tnLst>
+  </p:timing>
 </p:sld>
 </file>
 
@@ -16489,13 +16776,14 @@
           <a:lstStyle/>
           <a:p>
             <a:r>
-              <a:rPr lang="en-GB" dirty="0" err="1"/>
+              <a:rPr lang="en-GB" dirty="0" err="1" smtClean="0"/>
               <a:t>BasicProblem</a:t>
             </a:r>
             <a:r>
-              <a:rPr lang="en-GB" dirty="0"/>
+              <a:rPr lang="en-GB" dirty="0" smtClean="0"/>
               <a:t> - Interface</a:t>
             </a:r>
+            <a:endParaRPr lang="en-GB" dirty="0"/>
           </a:p>
         </p:txBody>
       </p:sp>
@@ -16511,31 +16799,37 @@
         </p:nvSpPr>
         <p:spPr/>
         <p:txBody>
-          <a:bodyPr/>
+          <a:bodyPr>
+            <a:normAutofit/>
+          </a:bodyPr>
           <a:lstStyle/>
           <a:p>
             <a:r>
               <a:rPr lang="en-GB" dirty="0" smtClean="0"/>
-              <a:t>Until now only GA variants can use the problem</a:t>
-            </a:r>
-          </a:p>
-          <a:p>
+              <a:t>Define </a:t>
+            </a:r>
             <a:r>
               <a:rPr lang="en-GB" dirty="0" smtClean="0"/>
-              <a:t>Implement neighbourhood function to also use trajectory-based metaheuristics</a:t>
-            </a:r>
-          </a:p>
-          <a:p>
+              <a:t>encoding</a:t>
+            </a:r>
             <a:endParaRPr lang="en-GB" dirty="0" smtClean="0"/>
           </a:p>
           <a:p>
+            <a:endParaRPr lang="en-GB" dirty="0"/>
+          </a:p>
+          <a:p>
             <a:r>
               <a:rPr lang="en-GB" dirty="0" smtClean="0"/>
-              <a:t>Optional: </a:t>
-            </a:r>
-            <a:r>
-              <a:rPr lang="en-GB" dirty="0"/>
-              <a:t>Add analysis code for tracking results</a:t>
+              <a:t>Define maximization or minimization</a:t>
+            </a:r>
+          </a:p>
+          <a:p>
+            <a:endParaRPr lang="en-GB" dirty="0"/>
+          </a:p>
+          <a:p>
+            <a:r>
+              <a:rPr lang="en-GB" dirty="0" smtClean="0"/>
+              <a:t>Evaluate a solution and return quality</a:t>
             </a:r>
           </a:p>
           <a:p>
@@ -16615,7 +16909,7 @@
       </p:sp>
       <p:sp>
         <p:nvSpPr>
-          <p:cNvPr id="7" name="Rectangle 3"/>
+          <p:cNvPr id="7" name="Rectangle 1"/>
           <p:cNvSpPr>
             <a:spLocks noChangeArrowheads="1"/>
           </p:cNvSpPr>
@@ -16623,8 +16917,8 @@
         </p:nvSpPr>
         <p:spPr bwMode="auto">
           <a:xfrm>
-            <a:off x="718480" y="3796823"/>
-            <a:ext cx="7048546" cy="276999"/>
+            <a:off x="827584" y="3395311"/>
+            <a:ext cx="2590800" cy="276999"/>
           </a:xfrm>
           <a:prstGeom prst="rect">
             <a:avLst/>
@@ -16689,13 +16983,13 @@
                   <a:noFill/>
                 </a:ln>
                 <a:solidFill>
-                  <a:srgbClr val="2B91AF"/>
-                </a:solidFill>
-                <a:effectLst/>
-                <a:latin typeface="Consolas" panose="020B0609020204030204" pitchFamily="49" charset="0"/>
-                <a:cs typeface="Consolas" panose="020B0609020204030204" pitchFamily="49" charset="0"/>
-              </a:rPr>
-              <a:t>IEnumerable</a:t>
+                  <a:srgbClr val="0000FF"/>
+                </a:solidFill>
+                <a:effectLst/>
+                <a:latin typeface="Consolas" panose="020B0609020204030204" pitchFamily="49" charset="0"/>
+                <a:cs typeface="Consolas" panose="020B0609020204030204" pitchFamily="49" charset="0"/>
+              </a:rPr>
+              <a:t>bool</a:t>
             </a:r>
             <a:r>
               <a:rPr kumimoji="0" lang="de-DE" altLang="de-DE" sz="1200" b="0" i="0" u="none" strike="noStrike" cap="none" normalizeH="0" baseline="0" dirty="0" smtClean="0">
@@ -16709,7 +17003,21 @@
                 <a:latin typeface="Consolas" panose="020B0609020204030204" pitchFamily="49" charset="0"/>
                 <a:cs typeface="Consolas" panose="020B0609020204030204" pitchFamily="49" charset="0"/>
               </a:rPr>
-              <a:t>&lt;</a:t>
+              <a:t> </a:t>
+            </a:r>
+            <a:r>
+              <a:rPr kumimoji="0" lang="de-DE" altLang="de-DE" sz="1200" b="0" i="0" u="none" strike="noStrike" cap="none" normalizeH="0" baseline="0" dirty="0" err="1" smtClean="0">
+                <a:ln>
+                  <a:noFill/>
+                </a:ln>
+                <a:solidFill>
+                  <a:srgbClr val="000000"/>
+                </a:solidFill>
+                <a:effectLst/>
+                <a:latin typeface="Consolas" panose="020B0609020204030204" pitchFamily="49" charset="0"/>
+                <a:cs typeface="Consolas" panose="020B0609020204030204" pitchFamily="49" charset="0"/>
+              </a:rPr>
+              <a:t>Maximization</a:t>
             </a:r>
             <a:r>
               <a:rPr kumimoji="0" lang="de-DE" altLang="de-DE" sz="1200" b="0" i="0" u="none" strike="noStrike" cap="none" normalizeH="0" baseline="0" dirty="0" smtClean="0">
@@ -16717,13 +17025,27 @@
                   <a:noFill/>
                 </a:ln>
                 <a:solidFill>
-                  <a:srgbClr val="2B91AF"/>
-                </a:solidFill>
-                <a:effectLst/>
-                <a:latin typeface="Consolas" panose="020B0609020204030204" pitchFamily="49" charset="0"/>
-                <a:cs typeface="Consolas" panose="020B0609020204030204" pitchFamily="49" charset="0"/>
-              </a:rPr>
-              <a:t>Individual</a:t>
+                  <a:srgbClr val="000000"/>
+                </a:solidFill>
+                <a:effectLst/>
+                <a:latin typeface="Consolas" panose="020B0609020204030204" pitchFamily="49" charset="0"/>
+                <a:cs typeface="Consolas" panose="020B0609020204030204" pitchFamily="49" charset="0"/>
+              </a:rPr>
+              <a:t> { </a:t>
+            </a:r>
+            <a:r>
+              <a:rPr kumimoji="0" lang="de-DE" altLang="de-DE" sz="1200" b="0" i="0" u="none" strike="noStrike" cap="none" normalizeH="0" baseline="0" dirty="0" err="1" smtClean="0">
+                <a:ln>
+                  <a:noFill/>
+                </a:ln>
+                <a:solidFill>
+                  <a:srgbClr val="0000FF"/>
+                </a:solidFill>
+                <a:effectLst/>
+                <a:latin typeface="Consolas" panose="020B0609020204030204" pitchFamily="49" charset="0"/>
+                <a:cs typeface="Consolas" panose="020B0609020204030204" pitchFamily="49" charset="0"/>
+              </a:rPr>
+              <a:t>get</a:t>
             </a:r>
             <a:r>
               <a:rPr kumimoji="0" lang="de-DE" altLang="de-DE" sz="1200" b="0" i="0" u="none" strike="noStrike" cap="none" normalizeH="0" baseline="0" dirty="0" smtClean="0">
@@ -16737,147 +17059,7 @@
                 <a:latin typeface="Consolas" panose="020B0609020204030204" pitchFamily="49" charset="0"/>
                 <a:cs typeface="Consolas" panose="020B0609020204030204" pitchFamily="49" charset="0"/>
               </a:rPr>
-              <a:t>&gt; </a:t>
-            </a:r>
-            <a:r>
-              <a:rPr kumimoji="0" lang="de-DE" altLang="de-DE" sz="1200" b="0" i="0" u="none" strike="noStrike" cap="none" normalizeH="0" baseline="0" dirty="0" err="1" smtClean="0">
-                <a:ln>
-                  <a:noFill/>
-                </a:ln>
-                <a:solidFill>
-                  <a:srgbClr val="000000"/>
-                </a:solidFill>
-                <a:effectLst/>
-                <a:latin typeface="Consolas" panose="020B0609020204030204" pitchFamily="49" charset="0"/>
-                <a:cs typeface="Consolas" panose="020B0609020204030204" pitchFamily="49" charset="0"/>
-              </a:rPr>
-              <a:t>GetNeighbors</a:t>
-            </a:r>
-            <a:r>
-              <a:rPr kumimoji="0" lang="de-DE" altLang="de-DE" sz="1200" b="0" i="0" u="none" strike="noStrike" cap="none" normalizeH="0" baseline="0" dirty="0" smtClean="0">
-                <a:ln>
-                  <a:noFill/>
-                </a:ln>
-                <a:solidFill>
-                  <a:srgbClr val="000000"/>
-                </a:solidFill>
-                <a:effectLst/>
-                <a:latin typeface="Consolas" panose="020B0609020204030204" pitchFamily="49" charset="0"/>
-                <a:cs typeface="Consolas" panose="020B0609020204030204" pitchFamily="49" charset="0"/>
-              </a:rPr>
-              <a:t>(</a:t>
-            </a:r>
-            <a:r>
-              <a:rPr kumimoji="0" lang="de-DE" altLang="de-DE" sz="1200" b="0" i="0" u="none" strike="noStrike" cap="none" normalizeH="0" baseline="0" dirty="0" smtClean="0">
-                <a:ln>
-                  <a:noFill/>
-                </a:ln>
-                <a:solidFill>
-                  <a:srgbClr val="2B91AF"/>
-                </a:solidFill>
-                <a:effectLst/>
-                <a:latin typeface="Consolas" panose="020B0609020204030204" pitchFamily="49" charset="0"/>
-                <a:cs typeface="Consolas" panose="020B0609020204030204" pitchFamily="49" charset="0"/>
-              </a:rPr>
-              <a:t>Individual</a:t>
-            </a:r>
-            <a:r>
-              <a:rPr kumimoji="0" lang="de-DE" altLang="de-DE" sz="1200" b="0" i="0" u="none" strike="noStrike" cap="none" normalizeH="0" baseline="0" dirty="0" smtClean="0">
-                <a:ln>
-                  <a:noFill/>
-                </a:ln>
-                <a:solidFill>
-                  <a:srgbClr val="000000"/>
-                </a:solidFill>
-                <a:effectLst/>
-                <a:latin typeface="Consolas" panose="020B0609020204030204" pitchFamily="49" charset="0"/>
-                <a:cs typeface="Consolas" panose="020B0609020204030204" pitchFamily="49" charset="0"/>
-              </a:rPr>
-              <a:t> </a:t>
-            </a:r>
-            <a:r>
-              <a:rPr kumimoji="0" lang="de-DE" altLang="de-DE" sz="1200" b="0" i="0" u="none" strike="noStrike" cap="none" normalizeH="0" baseline="0" dirty="0" err="1" smtClean="0">
-                <a:ln>
-                  <a:noFill/>
-                </a:ln>
-                <a:solidFill>
-                  <a:srgbClr val="000000"/>
-                </a:solidFill>
-                <a:effectLst/>
-                <a:latin typeface="Consolas" panose="020B0609020204030204" pitchFamily="49" charset="0"/>
-                <a:cs typeface="Consolas" panose="020B0609020204030204" pitchFamily="49" charset="0"/>
-              </a:rPr>
-              <a:t>individual</a:t>
-            </a:r>
-            <a:r>
-              <a:rPr kumimoji="0" lang="de-DE" altLang="de-DE" sz="1200" b="0" i="0" u="none" strike="noStrike" cap="none" normalizeH="0" baseline="0" dirty="0" smtClean="0">
-                <a:ln>
-                  <a:noFill/>
-                </a:ln>
-                <a:solidFill>
-                  <a:srgbClr val="000000"/>
-                </a:solidFill>
-                <a:effectLst/>
-                <a:latin typeface="Consolas" panose="020B0609020204030204" pitchFamily="49" charset="0"/>
-                <a:cs typeface="Consolas" panose="020B0609020204030204" pitchFamily="49" charset="0"/>
-              </a:rPr>
-              <a:t>, </a:t>
-            </a:r>
-            <a:r>
-              <a:rPr kumimoji="0" lang="de-DE" altLang="de-DE" sz="1200" b="0" i="0" u="none" strike="noStrike" cap="none" normalizeH="0" baseline="0" dirty="0" err="1" smtClean="0">
-                <a:ln>
-                  <a:noFill/>
-                </a:ln>
-                <a:solidFill>
-                  <a:srgbClr val="2B91AF"/>
-                </a:solidFill>
-                <a:effectLst/>
-                <a:latin typeface="Consolas" panose="020B0609020204030204" pitchFamily="49" charset="0"/>
-                <a:cs typeface="Consolas" panose="020B0609020204030204" pitchFamily="49" charset="0"/>
-              </a:rPr>
-              <a:t>IRandom</a:t>
-            </a:r>
-            <a:r>
-              <a:rPr kumimoji="0" lang="de-DE" altLang="de-DE" sz="1200" b="0" i="0" u="none" strike="noStrike" cap="none" normalizeH="0" baseline="0" dirty="0" smtClean="0">
-                <a:ln>
-                  <a:noFill/>
-                </a:ln>
-                <a:solidFill>
-                  <a:srgbClr val="000000"/>
-                </a:solidFill>
-                <a:effectLst/>
-                <a:latin typeface="Consolas" panose="020B0609020204030204" pitchFamily="49" charset="0"/>
-                <a:cs typeface="Consolas" panose="020B0609020204030204" pitchFamily="49" charset="0"/>
-              </a:rPr>
-              <a:t> </a:t>
-            </a:r>
-            <a:r>
-              <a:rPr kumimoji="0" lang="de-DE" altLang="de-DE" sz="1200" b="0" i="0" u="none" strike="noStrike" cap="none" normalizeH="0" baseline="0" dirty="0" err="1" smtClean="0">
-                <a:ln>
-                  <a:noFill/>
-                </a:ln>
-                <a:solidFill>
-                  <a:srgbClr val="000000"/>
-                </a:solidFill>
-                <a:effectLst/>
-                <a:latin typeface="Consolas" panose="020B0609020204030204" pitchFamily="49" charset="0"/>
-                <a:cs typeface="Consolas" panose="020B0609020204030204" pitchFamily="49" charset="0"/>
-              </a:rPr>
-              <a:t>random</a:t>
-            </a:r>
-            <a:r>
-              <a:rPr kumimoji="0" lang="de-DE" altLang="de-DE" sz="1200" b="0" i="0" u="none" strike="noStrike" cap="none" normalizeH="0" baseline="0" dirty="0" smtClean="0">
-                <a:ln>
-                  <a:noFill/>
-                </a:ln>
-                <a:solidFill>
-                  <a:srgbClr val="000000"/>
-                </a:solidFill>
-                <a:effectLst/>
-                <a:latin typeface="Consolas" panose="020B0609020204030204" pitchFamily="49" charset="0"/>
-                <a:cs typeface="Consolas" panose="020B0609020204030204" pitchFamily="49" charset="0"/>
-              </a:rPr>
-              <a:t>); </a:t>
+              <a:t>; } </a:t>
             </a:r>
             <a:endParaRPr kumimoji="0" lang="de-DE" altLang="de-DE" sz="3200" b="0" i="0" u="none" strike="noStrike" cap="none" normalizeH="0" baseline="0" dirty="0" smtClean="0">
               <a:ln>
@@ -16894,7 +17076,7 @@
       </p:sp>
       <p:sp>
         <p:nvSpPr>
-          <p:cNvPr id="8" name="Rectangle 4"/>
+          <p:cNvPr id="8" name="Rectangle 2"/>
           <p:cNvSpPr>
             <a:spLocks noChangeArrowheads="1"/>
           </p:cNvSpPr>
@@ -16902,8 +17084,8 @@
         </p:nvSpPr>
         <p:spPr bwMode="auto">
           <a:xfrm>
-            <a:off x="718480" y="5445224"/>
-            <a:ext cx="7408586" cy="461665"/>
+            <a:off x="827584" y="4622237"/>
+            <a:ext cx="5904656" cy="276999"/>
           </a:xfrm>
           <a:prstGeom prst="rect">
             <a:avLst/>
@@ -16963,18 +17145,46 @@
               <a:tabLst/>
             </a:pPr>
             <a:r>
+              <a:rPr kumimoji="0" lang="de-DE" altLang="de-DE" sz="1200" b="0" i="0" u="none" strike="noStrike" cap="none" normalizeH="0" baseline="0" dirty="0" smtClean="0">
+                <a:ln>
+                  <a:noFill/>
+                </a:ln>
+                <a:solidFill>
+                  <a:srgbClr val="0000FF"/>
+                </a:solidFill>
+                <a:effectLst/>
+                <a:latin typeface="Consolas" panose="020B0609020204030204" pitchFamily="49" charset="0"/>
+                <a:cs typeface="Consolas" panose="020B0609020204030204" pitchFamily="49" charset="0"/>
+              </a:rPr>
+              <a:t>double</a:t>
+            </a:r>
+            <a:r>
+              <a:rPr kumimoji="0" lang="de-DE" altLang="de-DE" sz="1200" b="0" i="0" u="none" strike="noStrike" cap="none" normalizeH="0" baseline="0" dirty="0" smtClean="0">
+                <a:ln>
+                  <a:noFill/>
+                </a:ln>
+                <a:solidFill>
+                  <a:srgbClr val="000000"/>
+                </a:solidFill>
+                <a:effectLst/>
+                <a:latin typeface="Consolas" panose="020B0609020204030204" pitchFamily="49" charset="0"/>
+                <a:cs typeface="Consolas" panose="020B0609020204030204" pitchFamily="49" charset="0"/>
+              </a:rPr>
+              <a:t> </a:t>
+            </a:r>
+            <a:r>
               <a:rPr kumimoji="0" lang="de-DE" altLang="de-DE" sz="1200" b="0" i="0" u="none" strike="noStrike" cap="none" normalizeH="0" baseline="0" dirty="0" err="1" smtClean="0">
                 <a:ln>
                   <a:noFill/>
                 </a:ln>
                 <a:solidFill>
-                  <a:srgbClr val="0000FF"/>
-                </a:solidFill>
-                <a:effectLst/>
-                <a:latin typeface="Consolas" panose="020B0609020204030204" pitchFamily="49" charset="0"/>
-                <a:cs typeface="Consolas" panose="020B0609020204030204" pitchFamily="49" charset="0"/>
-              </a:rPr>
-              <a:t>void</a:t>
+                  <a:srgbClr val="000000"/>
+                </a:solidFill>
+                <a:effectLst/>
+                <a:latin typeface="Consolas" panose="020B0609020204030204" pitchFamily="49" charset="0"/>
+                <a:cs typeface="Consolas" panose="020B0609020204030204" pitchFamily="49" charset="0"/>
+              </a:rPr>
+              <a:t>Evaluate</a:t>
             </a:r>
             <a:r>
               <a:rPr kumimoji="0" lang="de-DE" altLang="de-DE" sz="1200" b="0" i="0" u="none" strike="noStrike" cap="none" normalizeH="0" baseline="0" dirty="0" smtClean="0">
@@ -16988,6 +17198,34 @@
                 <a:latin typeface="Consolas" panose="020B0609020204030204" pitchFamily="49" charset="0"/>
                 <a:cs typeface="Consolas" panose="020B0609020204030204" pitchFamily="49" charset="0"/>
               </a:rPr>
+              <a:t>(</a:t>
+            </a:r>
+            <a:r>
+              <a:rPr kumimoji="0" lang="de-DE" altLang="de-DE" sz="1200" b="0" i="0" u="none" strike="noStrike" cap="none" normalizeH="0" baseline="0" dirty="0" smtClean="0">
+                <a:ln>
+                  <a:noFill/>
+                </a:ln>
+                <a:solidFill>
+                  <a:srgbClr val="2B91AF"/>
+                </a:solidFill>
+                <a:effectLst/>
+                <a:latin typeface="Consolas" panose="020B0609020204030204" pitchFamily="49" charset="0"/>
+                <a:cs typeface="Consolas" panose="020B0609020204030204" pitchFamily="49" charset="0"/>
+              </a:rPr>
+              <a:t>Individual</a:t>
+            </a:r>
+            <a:r>
+              <a:rPr kumimoji="0" lang="de-DE" altLang="de-DE" sz="1200" b="0" i="0" u="none" strike="noStrike" cap="none" normalizeH="0" baseline="0" dirty="0" smtClean="0">
+                <a:ln>
+                  <a:noFill/>
+                </a:ln>
+                <a:solidFill>
+                  <a:srgbClr val="000000"/>
+                </a:solidFill>
+                <a:effectLst/>
+                <a:latin typeface="Consolas" panose="020B0609020204030204" pitchFamily="49" charset="0"/>
+                <a:cs typeface="Consolas" panose="020B0609020204030204" pitchFamily="49" charset="0"/>
+              </a:rPr>
               <a:t> </a:t>
             </a:r>
             <a:r>
@@ -17002,175 +17240,7 @@
                 <a:latin typeface="Consolas" panose="020B0609020204030204" pitchFamily="49" charset="0"/>
                 <a:cs typeface="Consolas" panose="020B0609020204030204" pitchFamily="49" charset="0"/>
               </a:rPr>
-              <a:t>Analyze</a:t>
-            </a:r>
-            <a:r>
-              <a:rPr kumimoji="0" lang="de-DE" altLang="de-DE" sz="1200" b="0" i="0" u="none" strike="noStrike" cap="none" normalizeH="0" baseline="0" dirty="0" smtClean="0">
-                <a:ln>
-                  <a:noFill/>
-                </a:ln>
-                <a:solidFill>
-                  <a:srgbClr val="000000"/>
-                </a:solidFill>
-                <a:effectLst/>
-                <a:latin typeface="Consolas" panose="020B0609020204030204" pitchFamily="49" charset="0"/>
-                <a:cs typeface="Consolas" panose="020B0609020204030204" pitchFamily="49" charset="0"/>
-              </a:rPr>
-              <a:t>(</a:t>
-            </a:r>
-            <a:r>
-              <a:rPr kumimoji="0" lang="de-DE" altLang="de-DE" sz="1200" b="0" i="0" u="none" strike="noStrike" cap="none" normalizeH="0" baseline="0" dirty="0" smtClean="0">
-                <a:ln>
-                  <a:noFill/>
-                </a:ln>
-                <a:solidFill>
-                  <a:srgbClr val="2B91AF"/>
-                </a:solidFill>
-                <a:effectLst/>
-                <a:latin typeface="Consolas" panose="020B0609020204030204" pitchFamily="49" charset="0"/>
-                <a:cs typeface="Consolas" panose="020B0609020204030204" pitchFamily="49" charset="0"/>
-              </a:rPr>
-              <a:t>Individual</a:t>
-            </a:r>
-            <a:r>
-              <a:rPr kumimoji="0" lang="de-DE" altLang="de-DE" sz="1200" b="0" i="0" u="none" strike="noStrike" cap="none" normalizeH="0" baseline="0" dirty="0" smtClean="0">
-                <a:ln>
-                  <a:noFill/>
-                </a:ln>
-                <a:solidFill>
-                  <a:srgbClr val="000000"/>
-                </a:solidFill>
-                <a:effectLst/>
-                <a:latin typeface="Consolas" panose="020B0609020204030204" pitchFamily="49" charset="0"/>
-                <a:cs typeface="Consolas" panose="020B0609020204030204" pitchFamily="49" charset="0"/>
-              </a:rPr>
-              <a:t>[] </a:t>
-            </a:r>
-            <a:r>
-              <a:rPr kumimoji="0" lang="de-DE" altLang="de-DE" sz="1200" b="0" i="0" u="none" strike="noStrike" cap="none" normalizeH="0" baseline="0" dirty="0" err="1" smtClean="0">
-                <a:ln>
-                  <a:noFill/>
-                </a:ln>
-                <a:solidFill>
-                  <a:srgbClr val="000000"/>
-                </a:solidFill>
-                <a:effectLst/>
-                <a:latin typeface="Consolas" panose="020B0609020204030204" pitchFamily="49" charset="0"/>
-                <a:cs typeface="Consolas" panose="020B0609020204030204" pitchFamily="49" charset="0"/>
-              </a:rPr>
-              <a:t>individuals</a:t>
-            </a:r>
-            <a:r>
-              <a:rPr kumimoji="0" lang="de-DE" altLang="de-DE" sz="1200" b="0" i="0" u="none" strike="noStrike" cap="none" normalizeH="0" baseline="0" dirty="0" smtClean="0">
-                <a:ln>
-                  <a:noFill/>
-                </a:ln>
-                <a:solidFill>
-                  <a:srgbClr val="000000"/>
-                </a:solidFill>
-                <a:effectLst/>
-                <a:latin typeface="Consolas" panose="020B0609020204030204" pitchFamily="49" charset="0"/>
-                <a:cs typeface="Consolas" panose="020B0609020204030204" pitchFamily="49" charset="0"/>
-              </a:rPr>
-              <a:t>, </a:t>
-            </a:r>
-            <a:r>
-              <a:rPr kumimoji="0" lang="de-DE" altLang="de-DE" sz="1200" b="0" i="0" u="none" strike="noStrike" cap="none" normalizeH="0" baseline="0" dirty="0" smtClean="0">
-                <a:ln>
-                  <a:noFill/>
-                </a:ln>
-                <a:solidFill>
-                  <a:srgbClr val="0000FF"/>
-                </a:solidFill>
-                <a:effectLst/>
-                <a:latin typeface="Consolas" panose="020B0609020204030204" pitchFamily="49" charset="0"/>
-                <a:cs typeface="Consolas" panose="020B0609020204030204" pitchFamily="49" charset="0"/>
-              </a:rPr>
-              <a:t>double</a:t>
-            </a:r>
-            <a:r>
-              <a:rPr kumimoji="0" lang="de-DE" altLang="de-DE" sz="1200" b="0" i="0" u="none" strike="noStrike" cap="none" normalizeH="0" baseline="0" dirty="0" smtClean="0">
-                <a:ln>
-                  <a:noFill/>
-                </a:ln>
-                <a:solidFill>
-                  <a:srgbClr val="000000"/>
-                </a:solidFill>
-                <a:effectLst/>
-                <a:latin typeface="Consolas" panose="020B0609020204030204" pitchFamily="49" charset="0"/>
-                <a:cs typeface="Consolas" panose="020B0609020204030204" pitchFamily="49" charset="0"/>
-              </a:rPr>
-              <a:t>[] </a:t>
-            </a:r>
-            <a:r>
-              <a:rPr kumimoji="0" lang="de-DE" altLang="de-DE" sz="1200" b="0" i="0" u="none" strike="noStrike" cap="none" normalizeH="0" baseline="0" dirty="0" err="1" smtClean="0">
-                <a:ln>
-                  <a:noFill/>
-                </a:ln>
-                <a:solidFill>
-                  <a:srgbClr val="000000"/>
-                </a:solidFill>
-                <a:effectLst/>
-                <a:latin typeface="Consolas" panose="020B0609020204030204" pitchFamily="49" charset="0"/>
-                <a:cs typeface="Consolas" panose="020B0609020204030204" pitchFamily="49" charset="0"/>
-              </a:rPr>
-              <a:t>qualities</a:t>
-            </a:r>
-            <a:r>
-              <a:rPr kumimoji="0" lang="de-DE" altLang="de-DE" sz="1200" b="0" i="0" u="none" strike="noStrike" cap="none" normalizeH="0" baseline="0" dirty="0" smtClean="0">
-                <a:ln>
-                  <a:noFill/>
-                </a:ln>
-                <a:solidFill>
-                  <a:srgbClr val="000000"/>
-                </a:solidFill>
-                <a:effectLst/>
-                <a:latin typeface="Consolas" panose="020B0609020204030204" pitchFamily="49" charset="0"/>
-                <a:cs typeface="Consolas" panose="020B0609020204030204" pitchFamily="49" charset="0"/>
-              </a:rPr>
-              <a:t>, </a:t>
-            </a:r>
-            <a:r>
-              <a:rPr kumimoji="0" lang="de-DE" altLang="de-DE" sz="1200" b="0" i="0" u="none" strike="noStrike" cap="none" normalizeH="0" baseline="0" dirty="0" err="1" smtClean="0">
-                <a:ln>
-                  <a:noFill/>
-                </a:ln>
-                <a:solidFill>
-                  <a:srgbClr val="2B91AF"/>
-                </a:solidFill>
-                <a:effectLst/>
-                <a:latin typeface="Consolas" panose="020B0609020204030204" pitchFamily="49" charset="0"/>
-                <a:cs typeface="Consolas" panose="020B0609020204030204" pitchFamily="49" charset="0"/>
-              </a:rPr>
-              <a:t>ResultCollection</a:t>
-            </a:r>
-            <a:r>
-              <a:rPr kumimoji="0" lang="de-DE" altLang="de-DE" sz="1200" b="0" i="0" u="none" strike="noStrike" cap="none" normalizeH="0" baseline="0" dirty="0" smtClean="0">
-                <a:ln>
-                  <a:noFill/>
-                </a:ln>
-                <a:solidFill>
-                  <a:srgbClr val="000000"/>
-                </a:solidFill>
-                <a:effectLst/>
-                <a:latin typeface="Consolas" panose="020B0609020204030204" pitchFamily="49" charset="0"/>
-                <a:cs typeface="Consolas" panose="020B0609020204030204" pitchFamily="49" charset="0"/>
-              </a:rPr>
-              <a:t> </a:t>
-            </a:r>
-            <a:r>
-              <a:rPr kumimoji="0" lang="de-DE" altLang="de-DE" sz="1200" b="0" i="0" u="none" strike="noStrike" cap="none" normalizeH="0" baseline="0" dirty="0" err="1" smtClean="0">
-                <a:ln>
-                  <a:noFill/>
-                </a:ln>
-                <a:solidFill>
-                  <a:srgbClr val="000000"/>
-                </a:solidFill>
-                <a:effectLst/>
-                <a:latin typeface="Consolas" panose="020B0609020204030204" pitchFamily="49" charset="0"/>
-                <a:cs typeface="Consolas" panose="020B0609020204030204" pitchFamily="49" charset="0"/>
-              </a:rPr>
-              <a:t>results</a:t>
+              <a:t>individual</a:t>
             </a:r>
             <a:r>
               <a:rPr kumimoji="0" lang="de-DE" altLang="de-DE" sz="1200" b="0" i="0" u="none" strike="noStrike" cap="none" normalizeH="0" baseline="0" dirty="0" smtClean="0">
@@ -17255,16 +17325,190 @@
           </a:p>
         </p:txBody>
       </p:sp>
+      <p:sp>
+        <p:nvSpPr>
+          <p:cNvPr id="11" name="Rectangle 5"/>
+          <p:cNvSpPr>
+            <a:spLocks noChangeArrowheads="1"/>
+          </p:cNvSpPr>
+          <p:nvPr/>
+        </p:nvSpPr>
+        <p:spPr bwMode="auto">
+          <a:xfrm>
+            <a:off x="827584" y="2266071"/>
+            <a:ext cx="6876256" cy="276999"/>
+          </a:xfrm>
+          <a:prstGeom prst="rect">
+            <a:avLst/>
+          </a:prstGeom>
+          <a:solidFill>
+            <a:srgbClr val="FFFFFF"/>
+          </a:solidFill>
+          <a:ln>
+            <a:noFill/>
+          </a:ln>
+          <a:effectLst/>
+          <a:extLst>
+            <a:ext uri="{91240B29-F687-4F45-9708-019B960494DF}">
+              <a14:hiddenLine xmlns:a14="http://schemas.microsoft.com/office/drawing/2010/main" w="9525">
+                <a:solidFill>
+                  <a:schemeClr val="tx1"/>
+                </a:solidFill>
+                <a:miter lim="800000"/>
+                <a:headEnd/>
+                <a:tailEnd/>
+              </a14:hiddenLine>
+            </a:ext>
+            <a:ext uri="{AF507438-7753-43E0-B8FC-AC1667EBCBE1}">
+              <a14:hiddenEffects xmlns:a14="http://schemas.microsoft.com/office/drawing/2010/main">
+                <a:effectLst>
+                  <a:outerShdw dist="35921" dir="2700000" algn="ctr" rotWithShape="0">
+                    <a:schemeClr val="bg2"/>
+                  </a:outerShdw>
+                </a:effectLst>
+              </a14:hiddenEffects>
+            </a:ext>
+          </a:extLst>
+        </p:spPr>
+        <p:txBody>
+          <a:bodyPr vert="horz" wrap="square" lIns="91440" tIns="45720" rIns="91440" bIns="45720" numCol="1" anchor="ctr" anchorCtr="0" compatLnSpc="1">
+            <a:prstTxWarp prst="textNoShape">
+              <a:avLst/>
+            </a:prstTxWarp>
+            <a:spAutoFit/>
+          </a:bodyPr>
+          <a:lstStyle/>
+          <a:p>
+            <a:pPr marL="0" marR="0" lvl="0" indent="0" algn="l" defTabSz="914400" rtl="0" eaLnBrk="0" fontAlgn="base" latinLnBrk="0" hangingPunct="0">
+              <a:lnSpc>
+                <a:spcPct val="100000"/>
+              </a:lnSpc>
+              <a:spcBef>
+                <a:spcPct val="0"/>
+              </a:spcBef>
+              <a:spcAft>
+                <a:spcPct val="0"/>
+              </a:spcAft>
+              <a:buClrTx/>
+              <a:buSzTx/>
+              <a:buFontTx/>
+              <a:buNone/>
+              <a:tabLst/>
+            </a:pPr>
+            <a:r>
+              <a:rPr kumimoji="0" lang="de-DE" altLang="de-DE" sz="1200" b="0" i="0" u="none" strike="noStrike" cap="none" normalizeH="0" baseline="0" dirty="0" err="1" smtClean="0">
+                <a:ln>
+                  <a:noFill/>
+                </a:ln>
+                <a:solidFill>
+                  <a:srgbClr val="2B91AF"/>
+                </a:solidFill>
+                <a:effectLst/>
+                <a:latin typeface="Consolas" panose="020B0609020204030204" pitchFamily="49" charset="0"/>
+                <a:cs typeface="Consolas" panose="020B0609020204030204" pitchFamily="49" charset="0"/>
+              </a:rPr>
+              <a:t>MyNewProblem</a:t>
+            </a:r>
+            <a:r>
+              <a:rPr kumimoji="0" lang="de-DE" altLang="de-DE" sz="1200" b="0" i="0" u="none" strike="noStrike" cap="none" normalizeH="0" baseline="0" dirty="0" smtClean="0">
+                <a:ln>
+                  <a:noFill/>
+                </a:ln>
+                <a:solidFill>
+                  <a:srgbClr val="000000"/>
+                </a:solidFill>
+                <a:effectLst/>
+                <a:latin typeface="Consolas" panose="020B0609020204030204" pitchFamily="49" charset="0"/>
+                <a:cs typeface="Consolas" panose="020B0609020204030204" pitchFamily="49" charset="0"/>
+              </a:rPr>
+              <a:t> : </a:t>
+            </a:r>
+            <a:r>
+              <a:rPr kumimoji="0" lang="de-DE" altLang="de-DE" sz="1200" b="0" i="0" u="none" strike="noStrike" cap="none" normalizeH="0" baseline="0" dirty="0" err="1" smtClean="0">
+                <a:ln>
+                  <a:noFill/>
+                </a:ln>
+                <a:solidFill>
+                  <a:srgbClr val="2B91AF"/>
+                </a:solidFill>
+                <a:effectLst/>
+                <a:latin typeface="Consolas" panose="020B0609020204030204" pitchFamily="49" charset="0"/>
+                <a:cs typeface="Consolas" panose="020B0609020204030204" pitchFamily="49" charset="0"/>
+              </a:rPr>
+              <a:t>SingleObjectiveBasicProblem</a:t>
+            </a:r>
+            <a:r>
+              <a:rPr kumimoji="0" lang="de-DE" altLang="de-DE" sz="1200" b="0" i="0" u="none" strike="noStrike" cap="none" normalizeH="0" baseline="0" dirty="0" smtClean="0">
+                <a:ln>
+                  <a:noFill/>
+                </a:ln>
+                <a:solidFill>
+                  <a:srgbClr val="000000"/>
+                </a:solidFill>
+                <a:effectLst/>
+                <a:latin typeface="Consolas" panose="020B0609020204030204" pitchFamily="49" charset="0"/>
+                <a:cs typeface="Consolas" panose="020B0609020204030204" pitchFamily="49" charset="0"/>
+              </a:rPr>
+              <a:t>&lt;</a:t>
+            </a:r>
+            <a:r>
+              <a:rPr kumimoji="0" lang="de-DE" altLang="de-DE" sz="1200" b="0" i="0" u="none" strike="noStrike" cap="none" normalizeH="0" baseline="0" dirty="0" err="1" smtClean="0">
+                <a:ln>
+                  <a:noFill/>
+                </a:ln>
+                <a:solidFill>
+                  <a:srgbClr val="2B91AF"/>
+                </a:solidFill>
+                <a:effectLst/>
+                <a:latin typeface="Consolas" panose="020B0609020204030204" pitchFamily="49" charset="0"/>
+                <a:cs typeface="Consolas" panose="020B0609020204030204" pitchFamily="49" charset="0"/>
+              </a:rPr>
+              <a:t>BinaryVectorEncoding</a:t>
+            </a:r>
+            <a:r>
+              <a:rPr kumimoji="0" lang="de-DE" altLang="de-DE" sz="1200" b="0" i="0" u="none" strike="noStrike" cap="none" normalizeH="0" baseline="0" dirty="0" smtClean="0">
+                <a:ln>
+                  <a:noFill/>
+                </a:ln>
+                <a:solidFill>
+                  <a:srgbClr val="000000"/>
+                </a:solidFill>
+                <a:effectLst/>
+                <a:latin typeface="Consolas" panose="020B0609020204030204" pitchFamily="49" charset="0"/>
+                <a:cs typeface="Consolas" panose="020B0609020204030204" pitchFamily="49" charset="0"/>
+              </a:rPr>
+              <a:t>&gt;  </a:t>
+            </a:r>
+            <a:endParaRPr kumimoji="0" lang="de-DE" altLang="de-DE" sz="3200" b="0" i="0" u="none" strike="noStrike" cap="none" normalizeH="0" baseline="0" dirty="0" smtClean="0">
+              <a:ln>
+                <a:noFill/>
+              </a:ln>
+              <a:solidFill>
+                <a:schemeClr val="tx1"/>
+              </a:solidFill>
+              <a:effectLst/>
+              <a:latin typeface="Arial" panose="020B0604020202020204" pitchFamily="34" charset="0"/>
+            </a:endParaRPr>
+          </a:p>
+        </p:txBody>
+      </p:sp>
     </p:spTree>
     <p:extLst>
       <p:ext uri="{BB962C8B-B14F-4D97-AF65-F5344CB8AC3E}">
-        <p14:creationId xmlns:p14="http://schemas.microsoft.com/office/powerpoint/2010/main" val="3011968941"/>
+        <p14:creationId xmlns:p14="http://schemas.microsoft.com/office/powerpoint/2010/main" val="2815654368"/>
       </p:ext>
     </p:extLst>
   </p:cSld>
   <p:clrMapOvr>
     <a:masterClrMapping/>
   </p:clrMapOvr>
+  <p:timing>
+    <p:tnLst>
+      <p:par>
+        <p:cTn id="1" dur="indefinite" restart="never" nodeType="tmRoot"/>
+      </p:par>
+    </p:tnLst>
+  </p:timing>
 </p:sld>
 </file>
 
@@ -17297,23 +17541,60 @@
         </p:nvSpPr>
         <p:spPr/>
         <p:txBody>
-          <a:bodyPr>
-            <a:normAutofit fontScale="90000"/>
-          </a:bodyPr>
-          <a:lstStyle/>
-          <a:p>
-            <a:r>
-              <a:rPr lang="en-GB" dirty="0" err="1" smtClean="0"/>
+          <a:bodyPr/>
+          <a:lstStyle/>
+          <a:p>
+            <a:r>
+              <a:rPr lang="en-GB" dirty="0" err="1"/>
               <a:t>BasicProblem</a:t>
             </a:r>
             <a:r>
+              <a:rPr lang="en-GB" dirty="0"/>
+              <a:t> - Interface</a:t>
+            </a:r>
+          </a:p>
+        </p:txBody>
+      </p:sp>
+      <p:sp>
+        <p:nvSpPr>
+          <p:cNvPr id="3" name="Inhaltsplatzhalter 2"/>
+          <p:cNvSpPr>
+            <a:spLocks noGrp="1"/>
+          </p:cNvSpPr>
+          <p:nvPr>
+            <p:ph idx="1"/>
+          </p:nvPr>
+        </p:nvSpPr>
+        <p:spPr/>
+        <p:txBody>
+          <a:bodyPr/>
+          <a:lstStyle/>
+          <a:p>
+            <a:r>
               <a:rPr lang="en-GB" dirty="0" smtClean="0"/>
-              <a:t> – Example: </a:t>
-            </a:r>
-            <a:r>
-              <a:rPr lang="en-GB" dirty="0" err="1" smtClean="0"/>
-              <a:t>OneMax</a:t>
-            </a:r>
+              <a:t>Until now only GA variants can use the problem</a:t>
+            </a:r>
+          </a:p>
+          <a:p>
+            <a:r>
+              <a:rPr lang="en-GB" dirty="0" smtClean="0"/>
+              <a:t>Implement neighbourhood function to also use trajectory-based metaheuristics</a:t>
+            </a:r>
+          </a:p>
+          <a:p>
+            <a:endParaRPr lang="en-GB" dirty="0" smtClean="0"/>
+          </a:p>
+          <a:p>
+            <a:r>
+              <a:rPr lang="en-GB" dirty="0" smtClean="0"/>
+              <a:t>Optional: </a:t>
+            </a:r>
+            <a:r>
+              <a:rPr lang="en-GB" dirty="0"/>
+              <a:t>Add analysis code for tracking results</a:t>
+            </a:r>
+          </a:p>
+          <a:p>
             <a:endParaRPr lang="en-GB" dirty="0"/>
           </a:p>
         </p:txBody>
@@ -17390,649 +17671,663 @@
       </p:sp>
       <p:sp>
         <p:nvSpPr>
-          <p:cNvPr id="7" name="Rechteck 6"/>
-          <p:cNvSpPr/>
+          <p:cNvPr id="7" name="Rectangle 3"/>
+          <p:cNvSpPr>
+            <a:spLocks noChangeArrowheads="1"/>
+          </p:cNvSpPr>
           <p:nvPr/>
         </p:nvSpPr>
-        <p:spPr>
+        <p:spPr bwMode="auto">
           <a:xfrm>
-            <a:off x="431540" y="1595319"/>
-            <a:ext cx="8388932" cy="4247317"/>
+            <a:off x="718480" y="3796823"/>
+            <a:ext cx="7048546" cy="276999"/>
           </a:xfrm>
           <a:prstGeom prst="rect">
             <a:avLst/>
           </a:prstGeom>
+          <a:solidFill>
+            <a:srgbClr val="FFFFFF"/>
+          </a:solidFill>
+          <a:ln>
+            <a:noFill/>
+          </a:ln>
+          <a:effectLst/>
+          <a:extLst>
+            <a:ext uri="{91240B29-F687-4F45-9708-019B960494DF}">
+              <a14:hiddenLine xmlns:a14="http://schemas.microsoft.com/office/drawing/2010/main" w="9525">
+                <a:solidFill>
+                  <a:schemeClr val="tx1"/>
+                </a:solidFill>
+                <a:miter lim="800000"/>
+                <a:headEnd/>
+                <a:tailEnd/>
+              </a14:hiddenLine>
+            </a:ext>
+            <a:ext uri="{AF507438-7753-43E0-B8FC-AC1667EBCBE1}">
+              <a14:hiddenEffects xmlns:a14="http://schemas.microsoft.com/office/drawing/2010/main">
+                <a:effectLst>
+                  <a:outerShdw dist="35921" dir="2700000" algn="ctr" rotWithShape="0">
+                    <a:schemeClr val="bg2"/>
+                  </a:outerShdw>
+                </a:effectLst>
+              </a14:hiddenEffects>
+            </a:ext>
+          </a:extLst>
         </p:spPr>
         <p:txBody>
-          <a:bodyPr wrap="square">
+          <a:bodyPr vert="horz" wrap="square" lIns="91440" tIns="45720" rIns="91440" bIns="45720" numCol="1" anchor="ctr" anchorCtr="0" compatLnSpc="1">
+            <a:prstTxWarp prst="textNoShape">
+              <a:avLst/>
+            </a:prstTxWarp>
             <a:spAutoFit/>
           </a:bodyPr>
           <a:lstStyle/>
           <a:p>
-            <a:r>
-              <a:rPr lang="de-DE" dirty="0" err="1">
-                <a:solidFill>
-                  <a:srgbClr val="FF0000"/>
-                </a:solidFill>
-              </a:rPr>
-              <a:t>class</a:t>
-            </a:r>
-            <a:r>
-              <a:rPr lang="de-DE" dirty="0"/>
-              <a:t> </a:t>
-            </a:r>
-            <a:r>
-              <a:rPr lang="de-DE" dirty="0" err="1"/>
-              <a:t>OneMaxProblem</a:t>
-            </a:r>
-            <a:r>
-              <a:rPr lang="de-DE" dirty="0"/>
-              <a:t> : </a:t>
-            </a:r>
-            <a:r>
-              <a:rPr lang="de-DE" dirty="0" err="1"/>
-              <a:t>SingleObjectiveBasicProblem</a:t>
-            </a:r>
-            <a:r>
-              <a:rPr lang="de-DE" dirty="0"/>
+            <a:pPr marL="0" marR="0" lvl="0" indent="0" algn="l" defTabSz="914400" rtl="0" eaLnBrk="0" fontAlgn="base" latinLnBrk="0" hangingPunct="0">
+              <a:lnSpc>
+                <a:spcPct val="100000"/>
+              </a:lnSpc>
+              <a:spcBef>
+                <a:spcPct val="0"/>
+              </a:spcBef>
+              <a:spcAft>
+                <a:spcPct val="0"/>
+              </a:spcAft>
+              <a:buClrTx/>
+              <a:buSzTx/>
+              <a:buFontTx/>
+              <a:buNone/>
+              <a:tabLst/>
+            </a:pPr>
+            <a:r>
+              <a:rPr kumimoji="0" lang="de-DE" altLang="de-DE" sz="1200" b="0" i="0" u="none" strike="noStrike" cap="none" normalizeH="0" baseline="0" dirty="0" err="1" smtClean="0">
+                <a:ln>
+                  <a:noFill/>
+                </a:ln>
+                <a:solidFill>
+                  <a:srgbClr val="2B91AF"/>
+                </a:solidFill>
+                <a:effectLst/>
+                <a:latin typeface="Consolas" panose="020B0609020204030204" pitchFamily="49" charset="0"/>
+                <a:cs typeface="Consolas" panose="020B0609020204030204" pitchFamily="49" charset="0"/>
+              </a:rPr>
+              <a:t>IEnumerable</a:t>
+            </a:r>
+            <a:r>
+              <a:rPr kumimoji="0" lang="de-DE" altLang="de-DE" sz="1200" b="0" i="0" u="none" strike="noStrike" cap="none" normalizeH="0" baseline="0" dirty="0" smtClean="0">
+                <a:ln>
+                  <a:noFill/>
+                </a:ln>
+                <a:solidFill>
+                  <a:srgbClr val="000000"/>
+                </a:solidFill>
+                <a:effectLst/>
+                <a:latin typeface="Consolas" panose="020B0609020204030204" pitchFamily="49" charset="0"/>
+                <a:cs typeface="Consolas" panose="020B0609020204030204" pitchFamily="49" charset="0"/>
+              </a:rPr>
               <a:t>&lt;</a:t>
             </a:r>
             <a:r>
-              <a:rPr lang="de-DE" dirty="0" err="1"/>
-              <a:t>BinaryVectorEncoding</a:t>
-            </a:r>
-            <a:r>
-              <a:rPr lang="de-DE" dirty="0"/>
-              <a:t>&gt; {</a:t>
-            </a:r>
-            <a:br>
-              <a:rPr lang="de-DE" dirty="0"/>
-            </a:br>
-            <a:r>
-              <a:rPr lang="de-DE" dirty="0"/>
-              <a:t>      </a:t>
-            </a:r>
-            <a:r>
-              <a:rPr lang="de-DE" b="1" dirty="0" err="1">
+              <a:rPr kumimoji="0" lang="de-DE" altLang="de-DE" sz="1200" b="0" i="0" u="none" strike="noStrike" cap="none" normalizeH="0" baseline="0" dirty="0" smtClean="0">
+                <a:ln>
+                  <a:noFill/>
+                </a:ln>
+                <a:solidFill>
+                  <a:srgbClr val="2B91AF"/>
+                </a:solidFill>
+                <a:effectLst/>
+                <a:latin typeface="Consolas" panose="020B0609020204030204" pitchFamily="49" charset="0"/>
+                <a:cs typeface="Consolas" panose="020B0609020204030204" pitchFamily="49" charset="0"/>
+              </a:rPr>
+              <a:t>Individual</a:t>
+            </a:r>
+            <a:r>
+              <a:rPr kumimoji="0" lang="de-DE" altLang="de-DE" sz="1200" b="0" i="0" u="none" strike="noStrike" cap="none" normalizeH="0" baseline="0" dirty="0" smtClean="0">
+                <a:ln>
+                  <a:noFill/>
+                </a:ln>
+                <a:solidFill>
+                  <a:srgbClr val="000000"/>
+                </a:solidFill>
+                <a:effectLst/>
+                <a:latin typeface="Consolas" panose="020B0609020204030204" pitchFamily="49" charset="0"/>
+                <a:cs typeface="Consolas" panose="020B0609020204030204" pitchFamily="49" charset="0"/>
+              </a:rPr>
+              <a:t>&gt; </a:t>
+            </a:r>
+            <a:r>
+              <a:rPr kumimoji="0" lang="de-DE" altLang="de-DE" sz="1200" b="0" i="0" u="none" strike="noStrike" cap="none" normalizeH="0" baseline="0" dirty="0" err="1" smtClean="0">
+                <a:ln>
+                  <a:noFill/>
+                </a:ln>
+                <a:solidFill>
+                  <a:srgbClr val="000000"/>
+                </a:solidFill>
+                <a:effectLst/>
+                <a:latin typeface="Consolas" panose="020B0609020204030204" pitchFamily="49" charset="0"/>
+                <a:cs typeface="Consolas" panose="020B0609020204030204" pitchFamily="49" charset="0"/>
+              </a:rPr>
+              <a:t>GetNeighbors</a:t>
+            </a:r>
+            <a:r>
+              <a:rPr kumimoji="0" lang="de-DE" altLang="de-DE" sz="1200" b="0" i="0" u="none" strike="noStrike" cap="none" normalizeH="0" baseline="0" dirty="0" smtClean="0">
+                <a:ln>
+                  <a:noFill/>
+                </a:ln>
+                <a:solidFill>
+                  <a:srgbClr val="000000"/>
+                </a:solidFill>
+                <a:effectLst/>
+                <a:latin typeface="Consolas" panose="020B0609020204030204" pitchFamily="49" charset="0"/>
+                <a:cs typeface="Consolas" panose="020B0609020204030204" pitchFamily="49" charset="0"/>
+              </a:rPr>
+              <a:t>(</a:t>
+            </a:r>
+            <a:r>
+              <a:rPr kumimoji="0" lang="de-DE" altLang="de-DE" sz="1200" b="0" i="0" u="none" strike="noStrike" cap="none" normalizeH="0" baseline="0" dirty="0" smtClean="0">
+                <a:ln>
+                  <a:noFill/>
+                </a:ln>
+                <a:solidFill>
+                  <a:srgbClr val="2B91AF"/>
+                </a:solidFill>
+                <a:effectLst/>
+                <a:latin typeface="Consolas" panose="020B0609020204030204" pitchFamily="49" charset="0"/>
+                <a:cs typeface="Consolas" panose="020B0609020204030204" pitchFamily="49" charset="0"/>
+              </a:rPr>
+              <a:t>Individual</a:t>
+            </a:r>
+            <a:r>
+              <a:rPr kumimoji="0" lang="de-DE" altLang="de-DE" sz="1200" b="0" i="0" u="none" strike="noStrike" cap="none" normalizeH="0" baseline="0" dirty="0" smtClean="0">
+                <a:ln>
+                  <a:noFill/>
+                </a:ln>
+                <a:solidFill>
+                  <a:srgbClr val="000000"/>
+                </a:solidFill>
+                <a:effectLst/>
+                <a:latin typeface="Consolas" panose="020B0609020204030204" pitchFamily="49" charset="0"/>
+                <a:cs typeface="Consolas" panose="020B0609020204030204" pitchFamily="49" charset="0"/>
+              </a:rPr>
+              <a:t> </a:t>
+            </a:r>
+            <a:r>
+              <a:rPr kumimoji="0" lang="de-DE" altLang="de-DE" sz="1200" b="0" i="0" u="none" strike="noStrike" cap="none" normalizeH="0" baseline="0" dirty="0" err="1" smtClean="0">
+                <a:ln>
+                  <a:noFill/>
+                </a:ln>
+                <a:solidFill>
+                  <a:srgbClr val="000000"/>
+                </a:solidFill>
+                <a:effectLst/>
+                <a:latin typeface="Consolas" panose="020B0609020204030204" pitchFamily="49" charset="0"/>
+                <a:cs typeface="Consolas" panose="020B0609020204030204" pitchFamily="49" charset="0"/>
+              </a:rPr>
+              <a:t>individual</a:t>
+            </a:r>
+            <a:r>
+              <a:rPr kumimoji="0" lang="de-DE" altLang="de-DE" sz="1200" b="0" i="0" u="none" strike="noStrike" cap="none" normalizeH="0" baseline="0" dirty="0" smtClean="0">
+                <a:ln>
+                  <a:noFill/>
+                </a:ln>
+                <a:solidFill>
+                  <a:srgbClr val="000000"/>
+                </a:solidFill>
+                <a:effectLst/>
+                <a:latin typeface="Consolas" panose="020B0609020204030204" pitchFamily="49" charset="0"/>
+                <a:cs typeface="Consolas" panose="020B0609020204030204" pitchFamily="49" charset="0"/>
+              </a:rPr>
+              <a:t>, </a:t>
+            </a:r>
+            <a:r>
+              <a:rPr kumimoji="0" lang="de-DE" altLang="de-DE" sz="1200" b="0" i="0" u="none" strike="noStrike" cap="none" normalizeH="0" baseline="0" dirty="0" err="1" smtClean="0">
+                <a:ln>
+                  <a:noFill/>
+                </a:ln>
+                <a:solidFill>
+                  <a:srgbClr val="2B91AF"/>
+                </a:solidFill>
+                <a:effectLst/>
+                <a:latin typeface="Consolas" panose="020B0609020204030204" pitchFamily="49" charset="0"/>
+                <a:cs typeface="Consolas" panose="020B0609020204030204" pitchFamily="49" charset="0"/>
+              </a:rPr>
+              <a:t>IRandom</a:t>
+            </a:r>
+            <a:r>
+              <a:rPr kumimoji="0" lang="de-DE" altLang="de-DE" sz="1200" b="0" i="0" u="none" strike="noStrike" cap="none" normalizeH="0" baseline="0" dirty="0" smtClean="0">
+                <a:ln>
+                  <a:noFill/>
+                </a:ln>
+                <a:solidFill>
+                  <a:srgbClr val="000000"/>
+                </a:solidFill>
+                <a:effectLst/>
+                <a:latin typeface="Consolas" panose="020B0609020204030204" pitchFamily="49" charset="0"/>
+                <a:cs typeface="Consolas" panose="020B0609020204030204" pitchFamily="49" charset="0"/>
+              </a:rPr>
+              <a:t> </a:t>
+            </a:r>
+            <a:r>
+              <a:rPr kumimoji="0" lang="de-DE" altLang="de-DE" sz="1200" b="0" i="0" u="none" strike="noStrike" cap="none" normalizeH="0" baseline="0" dirty="0" err="1" smtClean="0">
+                <a:ln>
+                  <a:noFill/>
+                </a:ln>
+                <a:solidFill>
+                  <a:srgbClr val="000000"/>
+                </a:solidFill>
+                <a:effectLst/>
+                <a:latin typeface="Consolas" panose="020B0609020204030204" pitchFamily="49" charset="0"/>
+                <a:cs typeface="Consolas" panose="020B0609020204030204" pitchFamily="49" charset="0"/>
+              </a:rPr>
+              <a:t>random</a:t>
+            </a:r>
+            <a:r>
+              <a:rPr kumimoji="0" lang="de-DE" altLang="de-DE" sz="1200" b="0" i="0" u="none" strike="noStrike" cap="none" normalizeH="0" baseline="0" dirty="0" smtClean="0">
+                <a:ln>
+                  <a:noFill/>
+                </a:ln>
+                <a:solidFill>
+                  <a:srgbClr val="000000"/>
+                </a:solidFill>
+                <a:effectLst/>
+                <a:latin typeface="Consolas" panose="020B0609020204030204" pitchFamily="49" charset="0"/>
+                <a:cs typeface="Consolas" panose="020B0609020204030204" pitchFamily="49" charset="0"/>
+              </a:rPr>
+              <a:t>); </a:t>
+            </a:r>
+            <a:endParaRPr kumimoji="0" lang="de-DE" altLang="de-DE" sz="3200" b="0" i="0" u="none" strike="noStrike" cap="none" normalizeH="0" baseline="0" dirty="0" smtClean="0">
+              <a:ln>
+                <a:noFill/>
+              </a:ln>
+              <a:solidFill>
+                <a:schemeClr val="tx1"/>
+              </a:solidFill>
+              <a:effectLst/>
+              <a:latin typeface="Arial" panose="020B0604020202020204" pitchFamily="34" charset="0"/>
+            </a:endParaRPr>
+          </a:p>
+        </p:txBody>
+      </p:sp>
+      <p:sp>
+        <p:nvSpPr>
+          <p:cNvPr id="8" name="Rectangle 4"/>
+          <p:cNvSpPr>
+            <a:spLocks noChangeArrowheads="1"/>
+          </p:cNvSpPr>
+          <p:nvPr/>
+        </p:nvSpPr>
+        <p:spPr bwMode="auto">
+          <a:xfrm>
+            <a:off x="718480" y="5445224"/>
+            <a:ext cx="7408586" cy="461665"/>
+          </a:xfrm>
+          <a:prstGeom prst="rect">
+            <a:avLst/>
+          </a:prstGeom>
+          <a:solidFill>
+            <a:srgbClr val="FFFFFF"/>
+          </a:solidFill>
+          <a:ln>
+            <a:noFill/>
+          </a:ln>
+          <a:effectLst/>
+          <a:extLst>
+            <a:ext uri="{91240B29-F687-4F45-9708-019B960494DF}">
+              <a14:hiddenLine xmlns:a14="http://schemas.microsoft.com/office/drawing/2010/main" w="9525">
+                <a:solidFill>
+                  <a:schemeClr val="tx1"/>
+                </a:solidFill>
+                <a:miter lim="800000"/>
+                <a:headEnd/>
+                <a:tailEnd/>
+              </a14:hiddenLine>
+            </a:ext>
+            <a:ext uri="{AF507438-7753-43E0-B8FC-AC1667EBCBE1}">
+              <a14:hiddenEffects xmlns:a14="http://schemas.microsoft.com/office/drawing/2010/main">
+                <a:effectLst>
+                  <a:outerShdw dist="35921" dir="2700000" algn="ctr" rotWithShape="0">
+                    <a:schemeClr val="bg2"/>
+                  </a:outerShdw>
+                </a:effectLst>
+              </a14:hiddenEffects>
+            </a:ext>
+          </a:extLst>
+        </p:spPr>
+        <p:txBody>
+          <a:bodyPr vert="horz" wrap="square" lIns="91440" tIns="45720" rIns="91440" bIns="45720" numCol="1" anchor="ctr" anchorCtr="0" compatLnSpc="1">
+            <a:prstTxWarp prst="textNoShape">
+              <a:avLst/>
+            </a:prstTxWarp>
+            <a:spAutoFit/>
+          </a:bodyPr>
+          <a:lstStyle/>
+          <a:p>
+            <a:pPr marL="0" marR="0" lvl="0" indent="0" algn="l" defTabSz="914400" rtl="0" eaLnBrk="0" fontAlgn="base" latinLnBrk="0" hangingPunct="0">
+              <a:lnSpc>
+                <a:spcPct val="100000"/>
+              </a:lnSpc>
+              <a:spcBef>
+                <a:spcPct val="0"/>
+              </a:spcBef>
+              <a:spcAft>
+                <a:spcPct val="0"/>
+              </a:spcAft>
+              <a:buClrTx/>
+              <a:buSzTx/>
+              <a:buFontTx/>
+              <a:buNone/>
+              <a:tabLst/>
+            </a:pPr>
+            <a:r>
+              <a:rPr kumimoji="0" lang="de-DE" altLang="de-DE" sz="1200" b="0" i="0" u="none" strike="noStrike" cap="none" normalizeH="0" baseline="0" dirty="0" err="1" smtClean="0">
+                <a:ln>
+                  <a:noFill/>
+                </a:ln>
                 <a:solidFill>
                   <a:srgbClr val="0000FF"/>
                 </a:solidFill>
-              </a:rPr>
-              <a:t>public</a:t>
-            </a:r>
-            <a:r>
-              <a:rPr lang="de-DE" dirty="0"/>
-              <a:t> </a:t>
-            </a:r>
-            <a:r>
-              <a:rPr lang="de-DE" b="1" dirty="0" err="1">
-                <a:solidFill>
-                  <a:srgbClr val="191970"/>
-                </a:solidFill>
-              </a:rPr>
-              <a:t>OneMaxProblem</a:t>
-            </a:r>
-            <a:r>
-              <a:rPr lang="de-DE" dirty="0"/>
-              <a:t>() { } </a:t>
-            </a:r>
-            <a:br>
-              <a:rPr lang="de-DE" dirty="0"/>
-            </a:br>
-            <a:r>
-              <a:rPr lang="de-DE" dirty="0"/>
-              <a:t>      [</a:t>
-            </a:r>
-            <a:r>
-              <a:rPr lang="de-DE" dirty="0" err="1"/>
-              <a:t>StorableConstructor</a:t>
-            </a:r>
-            <a:r>
-              <a:rPr lang="de-DE" dirty="0"/>
-              <a:t>]</a:t>
-            </a:r>
-            <a:br>
-              <a:rPr lang="de-DE" dirty="0"/>
-            </a:br>
-            <a:r>
-              <a:rPr lang="de-DE" dirty="0"/>
-              <a:t>      </a:t>
-            </a:r>
-            <a:r>
-              <a:rPr lang="de-DE" b="1" dirty="0" err="1">
+                <a:effectLst/>
+                <a:latin typeface="Consolas" panose="020B0609020204030204" pitchFamily="49" charset="0"/>
+                <a:cs typeface="Consolas" panose="020B0609020204030204" pitchFamily="49" charset="0"/>
+              </a:rPr>
+              <a:t>void</a:t>
+            </a:r>
+            <a:r>
+              <a:rPr kumimoji="0" lang="de-DE" altLang="de-DE" sz="1200" b="0" i="0" u="none" strike="noStrike" cap="none" normalizeH="0" baseline="0" dirty="0" smtClean="0">
+                <a:ln>
+                  <a:noFill/>
+                </a:ln>
+                <a:solidFill>
+                  <a:srgbClr val="000000"/>
+                </a:solidFill>
+                <a:effectLst/>
+                <a:latin typeface="Consolas" panose="020B0609020204030204" pitchFamily="49" charset="0"/>
+                <a:cs typeface="Consolas" panose="020B0609020204030204" pitchFamily="49" charset="0"/>
+              </a:rPr>
+              <a:t> </a:t>
+            </a:r>
+            <a:r>
+              <a:rPr kumimoji="0" lang="de-DE" altLang="de-DE" sz="1200" b="0" i="0" u="none" strike="noStrike" cap="none" normalizeH="0" baseline="0" dirty="0" err="1" smtClean="0">
+                <a:ln>
+                  <a:noFill/>
+                </a:ln>
+                <a:solidFill>
+                  <a:srgbClr val="000000"/>
+                </a:solidFill>
+                <a:effectLst/>
+                <a:latin typeface="Consolas" panose="020B0609020204030204" pitchFamily="49" charset="0"/>
+                <a:cs typeface="Consolas" panose="020B0609020204030204" pitchFamily="49" charset="0"/>
+              </a:rPr>
+              <a:t>Analyze</a:t>
+            </a:r>
+            <a:r>
+              <a:rPr kumimoji="0" lang="de-DE" altLang="de-DE" sz="1200" b="0" i="0" u="none" strike="noStrike" cap="none" normalizeH="0" baseline="0" dirty="0" smtClean="0">
+                <a:ln>
+                  <a:noFill/>
+                </a:ln>
+                <a:solidFill>
+                  <a:srgbClr val="000000"/>
+                </a:solidFill>
+                <a:effectLst/>
+                <a:latin typeface="Consolas" panose="020B0609020204030204" pitchFamily="49" charset="0"/>
+                <a:cs typeface="Consolas" panose="020B0609020204030204" pitchFamily="49" charset="0"/>
+              </a:rPr>
+              <a:t>(</a:t>
+            </a:r>
+            <a:r>
+              <a:rPr kumimoji="0" lang="de-DE" altLang="de-DE" sz="1200" b="0" i="0" u="none" strike="noStrike" cap="none" normalizeH="0" baseline="0" dirty="0" smtClean="0">
+                <a:ln>
+                  <a:noFill/>
+                </a:ln>
+                <a:solidFill>
+                  <a:srgbClr val="2B91AF"/>
+                </a:solidFill>
+                <a:effectLst/>
+                <a:latin typeface="Consolas" panose="020B0609020204030204" pitchFamily="49" charset="0"/>
+                <a:cs typeface="Consolas" panose="020B0609020204030204" pitchFamily="49" charset="0"/>
+              </a:rPr>
+              <a:t>Individual</a:t>
+            </a:r>
+            <a:r>
+              <a:rPr kumimoji="0" lang="de-DE" altLang="de-DE" sz="1200" b="0" i="0" u="none" strike="noStrike" cap="none" normalizeH="0" baseline="0" dirty="0" smtClean="0">
+                <a:ln>
+                  <a:noFill/>
+                </a:ln>
+                <a:solidFill>
+                  <a:srgbClr val="000000"/>
+                </a:solidFill>
+                <a:effectLst/>
+                <a:latin typeface="Consolas" panose="020B0609020204030204" pitchFamily="49" charset="0"/>
+                <a:cs typeface="Consolas" panose="020B0609020204030204" pitchFamily="49" charset="0"/>
+              </a:rPr>
+              <a:t>[] </a:t>
+            </a:r>
+            <a:r>
+              <a:rPr kumimoji="0" lang="de-DE" altLang="de-DE" sz="1200" b="0" i="0" u="none" strike="noStrike" cap="none" normalizeH="0" baseline="0" dirty="0" err="1" smtClean="0">
+                <a:ln>
+                  <a:noFill/>
+                </a:ln>
+                <a:solidFill>
+                  <a:srgbClr val="000000"/>
+                </a:solidFill>
+                <a:effectLst/>
+                <a:latin typeface="Consolas" panose="020B0609020204030204" pitchFamily="49" charset="0"/>
+                <a:cs typeface="Consolas" panose="020B0609020204030204" pitchFamily="49" charset="0"/>
+              </a:rPr>
+              <a:t>individuals</a:t>
+            </a:r>
+            <a:r>
+              <a:rPr kumimoji="0" lang="de-DE" altLang="de-DE" sz="1200" b="0" i="0" u="none" strike="noStrike" cap="none" normalizeH="0" baseline="0" dirty="0" smtClean="0">
+                <a:ln>
+                  <a:noFill/>
+                </a:ln>
+                <a:solidFill>
+                  <a:srgbClr val="000000"/>
+                </a:solidFill>
+                <a:effectLst/>
+                <a:latin typeface="Consolas" panose="020B0609020204030204" pitchFamily="49" charset="0"/>
+                <a:cs typeface="Consolas" panose="020B0609020204030204" pitchFamily="49" charset="0"/>
+              </a:rPr>
+              <a:t>, </a:t>
+            </a:r>
+            <a:r>
+              <a:rPr kumimoji="0" lang="de-DE" altLang="de-DE" sz="1200" b="0" i="0" u="none" strike="noStrike" cap="none" normalizeH="0" baseline="0" dirty="0" smtClean="0">
+                <a:ln>
+                  <a:noFill/>
+                </a:ln>
                 <a:solidFill>
                   <a:srgbClr val="0000FF"/>
                 </a:solidFill>
-              </a:rPr>
-              <a:t>protected</a:t>
-            </a:r>
-            <a:r>
-              <a:rPr lang="de-DE" dirty="0"/>
-              <a:t> </a:t>
-            </a:r>
-            <a:r>
-              <a:rPr lang="de-DE" b="1" dirty="0" err="1">
-                <a:solidFill>
-                  <a:srgbClr val="191970"/>
-                </a:solidFill>
-              </a:rPr>
-              <a:t>OneMaxProblem</a:t>
-            </a:r>
-            <a:r>
-              <a:rPr lang="de-DE" dirty="0"/>
-              <a:t>(</a:t>
-            </a:r>
-            <a:r>
-              <a:rPr lang="de-DE" b="1" dirty="0" err="1">
-                <a:solidFill>
-                  <a:srgbClr val="FF0000"/>
-                </a:solidFill>
-              </a:rPr>
-              <a:t>bool</a:t>
-            </a:r>
-            <a:r>
-              <a:rPr lang="de-DE" dirty="0"/>
-              <a:t> </a:t>
-            </a:r>
-            <a:r>
-              <a:rPr lang="de-DE" dirty="0" err="1"/>
-              <a:t>deserializing</a:t>
-            </a:r>
-            <a:r>
-              <a:rPr lang="de-DE" dirty="0"/>
-              <a:t>) : </a:t>
-            </a:r>
-            <a:r>
-              <a:rPr lang="de-DE" b="1" dirty="0" err="1"/>
-              <a:t>base</a:t>
-            </a:r>
-            <a:r>
-              <a:rPr lang="de-DE" dirty="0"/>
-              <a:t>(</a:t>
-            </a:r>
-            <a:r>
-              <a:rPr lang="de-DE" dirty="0" err="1"/>
-              <a:t>deserializing</a:t>
-            </a:r>
-            <a:r>
-              <a:rPr lang="de-DE" dirty="0"/>
-              <a:t>) { }</a:t>
-            </a:r>
-            <a:br>
-              <a:rPr lang="de-DE" dirty="0"/>
-            </a:br>
-            <a:r>
-              <a:rPr lang="de-DE" dirty="0"/>
-              <a:t>      </a:t>
-            </a:r>
-            <a:r>
-              <a:rPr lang="de-DE" b="1" dirty="0" err="1">
-                <a:solidFill>
-                  <a:srgbClr val="0000FF"/>
-                </a:solidFill>
-              </a:rPr>
-              <a:t>public</a:t>
-            </a:r>
-            <a:r>
-              <a:rPr lang="de-DE" dirty="0"/>
-              <a:t> </a:t>
-            </a:r>
-            <a:r>
-              <a:rPr lang="de-DE" b="1" dirty="0" err="1">
-                <a:solidFill>
-                  <a:srgbClr val="191970"/>
-                </a:solidFill>
-              </a:rPr>
-              <a:t>OneMaxProblem</a:t>
-            </a:r>
-            <a:r>
-              <a:rPr lang="de-DE" dirty="0"/>
-              <a:t>(</a:t>
-            </a:r>
-            <a:r>
-              <a:rPr lang="de-DE" dirty="0" err="1"/>
-              <a:t>OneMaxProblem</a:t>
-            </a:r>
-            <a:r>
-              <a:rPr lang="de-DE" dirty="0"/>
-              <a:t> </a:t>
-            </a:r>
-            <a:r>
-              <a:rPr lang="de-DE" dirty="0" err="1"/>
-              <a:t>alg</a:t>
-            </a:r>
-            <a:r>
-              <a:rPr lang="de-DE" dirty="0"/>
-              <a:t>, </a:t>
-            </a:r>
-            <a:r>
-              <a:rPr lang="de-DE" dirty="0" err="1"/>
-              <a:t>Cloner</a:t>
-            </a:r>
-            <a:r>
-              <a:rPr lang="de-DE" dirty="0"/>
-              <a:t> </a:t>
-            </a:r>
-            <a:r>
-              <a:rPr lang="de-DE" dirty="0" err="1"/>
-              <a:t>cloner</a:t>
-            </a:r>
-            <a:r>
-              <a:rPr lang="de-DE" dirty="0"/>
-              <a:t>) : </a:t>
-            </a:r>
-            <a:r>
-              <a:rPr lang="de-DE" b="1" dirty="0" err="1"/>
-              <a:t>base</a:t>
-            </a:r>
-            <a:r>
-              <a:rPr lang="de-DE" dirty="0"/>
-              <a:t>(</a:t>
-            </a:r>
-            <a:r>
-              <a:rPr lang="de-DE" dirty="0" err="1"/>
-              <a:t>alg</a:t>
-            </a:r>
-            <a:r>
-              <a:rPr lang="de-DE" dirty="0"/>
-              <a:t>, </a:t>
-            </a:r>
-            <a:r>
-              <a:rPr lang="de-DE" dirty="0" err="1"/>
-              <a:t>cloner</a:t>
-            </a:r>
-            <a:r>
-              <a:rPr lang="de-DE" dirty="0"/>
-              <a:t>) { }    </a:t>
-            </a:r>
-            <a:br>
-              <a:rPr lang="de-DE" dirty="0"/>
-            </a:br>
-            <a:r>
-              <a:rPr lang="de-DE" dirty="0"/>
-              <a:t>      </a:t>
-            </a:r>
-            <a:r>
-              <a:rPr lang="de-DE" b="1" dirty="0" err="1">
-                <a:solidFill>
-                  <a:srgbClr val="0000FF"/>
-                </a:solidFill>
-              </a:rPr>
-              <a:t>public</a:t>
-            </a:r>
-            <a:r>
-              <a:rPr lang="de-DE" dirty="0"/>
-              <a:t> </a:t>
-            </a:r>
-            <a:r>
-              <a:rPr lang="de-DE" dirty="0" err="1">
-                <a:solidFill>
-                  <a:srgbClr val="A52A2A"/>
-                </a:solidFill>
-              </a:rPr>
-              <a:t>override</a:t>
-            </a:r>
-            <a:r>
-              <a:rPr lang="de-DE" dirty="0"/>
-              <a:t> </a:t>
-            </a:r>
-            <a:r>
-              <a:rPr lang="de-DE" dirty="0" err="1"/>
-              <a:t>IDeepCloneable</a:t>
-            </a:r>
-            <a:r>
-              <a:rPr lang="de-DE" dirty="0"/>
-              <a:t> </a:t>
-            </a:r>
-            <a:r>
-              <a:rPr lang="de-DE" b="1" dirty="0" err="1">
-                <a:solidFill>
-                  <a:srgbClr val="191970"/>
-                </a:solidFill>
-              </a:rPr>
-              <a:t>Clone</a:t>
-            </a:r>
-            <a:r>
-              <a:rPr lang="de-DE" dirty="0"/>
-              <a:t>(</a:t>
-            </a:r>
-            <a:r>
-              <a:rPr lang="de-DE" dirty="0" err="1"/>
-              <a:t>Cloner</a:t>
-            </a:r>
-            <a:r>
-              <a:rPr lang="de-DE" dirty="0"/>
-              <a:t> </a:t>
-            </a:r>
-            <a:r>
-              <a:rPr lang="de-DE" dirty="0" err="1"/>
-              <a:t>cloner</a:t>
-            </a:r>
-            <a:r>
-              <a:rPr lang="de-DE" dirty="0"/>
-              <a:t>) {</a:t>
-            </a:r>
-            <a:br>
-              <a:rPr lang="de-DE" dirty="0"/>
-            </a:br>
-            <a:r>
-              <a:rPr lang="de-DE" dirty="0"/>
-              <a:t>         </a:t>
-            </a:r>
-            <a:r>
-              <a:rPr lang="de-DE" dirty="0" err="1">
-                <a:solidFill>
-                  <a:srgbClr val="000080"/>
-                </a:solidFill>
-              </a:rPr>
-              <a:t>return</a:t>
-            </a:r>
-            <a:r>
-              <a:rPr lang="de-DE" dirty="0"/>
-              <a:t> </a:t>
-            </a:r>
-            <a:r>
-              <a:rPr lang="de-DE" b="1" dirty="0" err="1">
-                <a:solidFill>
-                  <a:srgbClr val="008B8B"/>
-                </a:solidFill>
-              </a:rPr>
-              <a:t>new</a:t>
-            </a:r>
-            <a:r>
-              <a:rPr lang="de-DE" dirty="0"/>
-              <a:t> </a:t>
-            </a:r>
-            <a:r>
-              <a:rPr lang="de-DE" b="1" dirty="0" err="1">
-                <a:solidFill>
-                  <a:srgbClr val="191970"/>
-                </a:solidFill>
-              </a:rPr>
-              <a:t>OneMaxProblem</a:t>
-            </a:r>
-            <a:r>
-              <a:rPr lang="de-DE" dirty="0"/>
-              <a:t>(</a:t>
-            </a:r>
-            <a:r>
-              <a:rPr lang="de-DE" b="1" dirty="0" err="1"/>
-              <a:t>this</a:t>
-            </a:r>
-            <a:r>
-              <a:rPr lang="de-DE" dirty="0"/>
-              <a:t>, </a:t>
-            </a:r>
-            <a:r>
-              <a:rPr lang="de-DE" dirty="0" err="1"/>
-              <a:t>cloner</a:t>
-            </a:r>
-            <a:r>
-              <a:rPr lang="de-DE" dirty="0"/>
-              <a:t>);</a:t>
-            </a:r>
-            <a:br>
-              <a:rPr lang="de-DE" dirty="0"/>
-            </a:br>
-            <a:r>
-              <a:rPr lang="de-DE" dirty="0"/>
-              <a:t>      }</a:t>
-            </a:r>
-            <a:br>
-              <a:rPr lang="de-DE" dirty="0"/>
-            </a:br>
-            <a:r>
-              <a:rPr lang="de-DE" dirty="0"/>
-              <a:t>      </a:t>
-            </a:r>
-            <a:br>
-              <a:rPr lang="de-DE" dirty="0"/>
-            </a:br>
-            <a:r>
-              <a:rPr lang="de-DE" dirty="0"/>
-              <a:t>      </a:t>
-            </a:r>
-            <a:r>
-              <a:rPr lang="de-DE" b="1" dirty="0" err="1">
-                <a:solidFill>
-                  <a:srgbClr val="0000FF"/>
-                </a:solidFill>
-              </a:rPr>
-              <a:t>public</a:t>
-            </a:r>
-            <a:r>
-              <a:rPr lang="de-DE" dirty="0"/>
-              <a:t> </a:t>
-            </a:r>
-            <a:r>
-              <a:rPr lang="de-DE" dirty="0" err="1">
-                <a:solidFill>
-                  <a:srgbClr val="A52A2A"/>
-                </a:solidFill>
-              </a:rPr>
-              <a:t>override</a:t>
-            </a:r>
-            <a:r>
-              <a:rPr lang="de-DE" dirty="0"/>
-              <a:t> </a:t>
-            </a:r>
-            <a:r>
-              <a:rPr lang="de-DE" b="1" dirty="0" err="1">
-                <a:solidFill>
-                  <a:srgbClr val="FF0000"/>
-                </a:solidFill>
-              </a:rPr>
-              <a:t>bool</a:t>
-            </a:r>
-            <a:r>
-              <a:rPr lang="de-DE" dirty="0"/>
-              <a:t> </a:t>
-            </a:r>
-            <a:r>
-              <a:rPr lang="de-DE" dirty="0" err="1"/>
-              <a:t>Maximization</a:t>
-            </a:r>
-            <a:r>
-              <a:rPr lang="de-DE" dirty="0"/>
-              <a:t> { </a:t>
-            </a:r>
-            <a:r>
-              <a:rPr lang="de-DE" dirty="0" err="1">
-                <a:solidFill>
-                  <a:srgbClr val="8B4513"/>
-                </a:solidFill>
-              </a:rPr>
-              <a:t>get</a:t>
-            </a:r>
-            <a:r>
-              <a:rPr lang="de-DE" dirty="0"/>
-              <a:t>{ </a:t>
-            </a:r>
-            <a:r>
-              <a:rPr lang="de-DE" dirty="0" err="1">
-                <a:solidFill>
-                  <a:srgbClr val="000080"/>
-                </a:solidFill>
-              </a:rPr>
-              <a:t>return</a:t>
-            </a:r>
-            <a:r>
-              <a:rPr lang="de-DE" dirty="0"/>
-              <a:t> </a:t>
-            </a:r>
-            <a:r>
-              <a:rPr lang="de-DE" b="1" dirty="0" err="1">
-                <a:solidFill>
-                  <a:srgbClr val="008B8B"/>
-                </a:solidFill>
-              </a:rPr>
-              <a:t>true</a:t>
-            </a:r>
-            <a:r>
-              <a:rPr lang="de-DE" dirty="0"/>
-              <a:t>; } }</a:t>
-            </a:r>
-            <a:br>
-              <a:rPr lang="de-DE" dirty="0"/>
-            </a:br>
-            <a:r>
-              <a:rPr lang="de-DE" dirty="0"/>
-              <a:t/>
-            </a:r>
-            <a:br>
-              <a:rPr lang="de-DE" dirty="0"/>
-            </a:br>
-            <a:r>
-              <a:rPr lang="de-DE" dirty="0"/>
-              <a:t>      </a:t>
-            </a:r>
-            <a:r>
-              <a:rPr lang="de-DE" b="1" dirty="0" err="1">
-                <a:solidFill>
-                  <a:srgbClr val="0000FF"/>
-                </a:solidFill>
-              </a:rPr>
-              <a:t>public</a:t>
-            </a:r>
-            <a:r>
-              <a:rPr lang="de-DE" dirty="0"/>
-              <a:t> </a:t>
-            </a:r>
-            <a:r>
-              <a:rPr lang="de-DE" dirty="0" err="1">
-                <a:solidFill>
-                  <a:srgbClr val="A52A2A"/>
-                </a:solidFill>
-              </a:rPr>
-              <a:t>override</a:t>
-            </a:r>
-            <a:r>
-              <a:rPr lang="de-DE" dirty="0"/>
-              <a:t> </a:t>
-            </a:r>
-            <a:r>
-              <a:rPr lang="de-DE" b="1" dirty="0">
-                <a:solidFill>
-                  <a:srgbClr val="FF0000"/>
-                </a:solidFill>
+                <a:effectLst/>
+                <a:latin typeface="Consolas" panose="020B0609020204030204" pitchFamily="49" charset="0"/>
+                <a:cs typeface="Consolas" panose="020B0609020204030204" pitchFamily="49" charset="0"/>
               </a:rPr>
               <a:t>double</a:t>
             </a:r>
             <a:r>
-              <a:rPr lang="de-DE" dirty="0"/>
-              <a:t> </a:t>
-            </a:r>
-            <a:r>
-              <a:rPr lang="de-DE" b="1" dirty="0" err="1">
-                <a:solidFill>
-                  <a:srgbClr val="191970"/>
-                </a:solidFill>
-              </a:rPr>
-              <a:t>Evaluate</a:t>
-            </a:r>
-            <a:r>
-              <a:rPr lang="de-DE" dirty="0"/>
-              <a:t>(Individual </a:t>
-            </a:r>
-            <a:r>
-              <a:rPr lang="de-DE" dirty="0" err="1"/>
-              <a:t>individual</a:t>
-            </a:r>
-            <a:r>
-              <a:rPr lang="de-DE" dirty="0"/>
-              <a:t>, </a:t>
-            </a:r>
-            <a:r>
-              <a:rPr lang="de-DE" dirty="0" err="1"/>
+              <a:rPr kumimoji="0" lang="de-DE" altLang="de-DE" sz="1200" b="0" i="0" u="none" strike="noStrike" cap="none" normalizeH="0" baseline="0" dirty="0" smtClean="0">
+                <a:ln>
+                  <a:noFill/>
+                </a:ln>
+                <a:solidFill>
+                  <a:srgbClr val="000000"/>
+                </a:solidFill>
+                <a:effectLst/>
+                <a:latin typeface="Consolas" panose="020B0609020204030204" pitchFamily="49" charset="0"/>
+                <a:cs typeface="Consolas" panose="020B0609020204030204" pitchFamily="49" charset="0"/>
+              </a:rPr>
+              <a:t>[] </a:t>
+            </a:r>
+            <a:r>
+              <a:rPr kumimoji="0" lang="de-DE" altLang="de-DE" sz="1200" b="0" i="0" u="none" strike="noStrike" cap="none" normalizeH="0" baseline="0" dirty="0" err="1" smtClean="0">
+                <a:ln>
+                  <a:noFill/>
+                </a:ln>
+                <a:solidFill>
+                  <a:srgbClr val="000000"/>
+                </a:solidFill>
+                <a:effectLst/>
+                <a:latin typeface="Consolas" panose="020B0609020204030204" pitchFamily="49" charset="0"/>
+                <a:cs typeface="Consolas" panose="020B0609020204030204" pitchFamily="49" charset="0"/>
+              </a:rPr>
+              <a:t>qualities</a:t>
+            </a:r>
+            <a:r>
+              <a:rPr kumimoji="0" lang="de-DE" altLang="de-DE" sz="1200" b="0" i="0" u="none" strike="noStrike" cap="none" normalizeH="0" baseline="0" dirty="0" smtClean="0">
+                <a:ln>
+                  <a:noFill/>
+                </a:ln>
+                <a:solidFill>
+                  <a:srgbClr val="000000"/>
+                </a:solidFill>
+                <a:effectLst/>
+                <a:latin typeface="Consolas" panose="020B0609020204030204" pitchFamily="49" charset="0"/>
+                <a:cs typeface="Consolas" panose="020B0609020204030204" pitchFamily="49" charset="0"/>
+              </a:rPr>
+              <a:t>, </a:t>
+            </a:r>
+            <a:r>
+              <a:rPr kumimoji="0" lang="de-DE" altLang="de-DE" sz="1200" b="0" i="0" u="none" strike="noStrike" cap="none" normalizeH="0" baseline="0" dirty="0" err="1" smtClean="0">
+                <a:ln>
+                  <a:noFill/>
+                </a:ln>
+                <a:solidFill>
+                  <a:srgbClr val="2B91AF"/>
+                </a:solidFill>
+                <a:effectLst/>
+                <a:latin typeface="Consolas" panose="020B0609020204030204" pitchFamily="49" charset="0"/>
+                <a:cs typeface="Consolas" panose="020B0609020204030204" pitchFamily="49" charset="0"/>
+              </a:rPr>
+              <a:t>ResultCollection</a:t>
+            </a:r>
+            <a:r>
+              <a:rPr kumimoji="0" lang="de-DE" altLang="de-DE" sz="1200" b="0" i="0" u="none" strike="noStrike" cap="none" normalizeH="0" baseline="0" dirty="0" smtClean="0">
+                <a:ln>
+                  <a:noFill/>
+                </a:ln>
+                <a:solidFill>
+                  <a:srgbClr val="000000"/>
+                </a:solidFill>
+                <a:effectLst/>
+                <a:latin typeface="Consolas" panose="020B0609020204030204" pitchFamily="49" charset="0"/>
+                <a:cs typeface="Consolas" panose="020B0609020204030204" pitchFamily="49" charset="0"/>
+              </a:rPr>
+              <a:t> </a:t>
+            </a:r>
+            <a:r>
+              <a:rPr kumimoji="0" lang="de-DE" altLang="de-DE" sz="1200" b="0" i="0" u="none" strike="noStrike" cap="none" normalizeH="0" baseline="0" dirty="0" err="1" smtClean="0">
+                <a:ln>
+                  <a:noFill/>
+                </a:ln>
+                <a:solidFill>
+                  <a:srgbClr val="000000"/>
+                </a:solidFill>
+                <a:effectLst/>
+                <a:latin typeface="Consolas" panose="020B0609020204030204" pitchFamily="49" charset="0"/>
+                <a:cs typeface="Consolas" panose="020B0609020204030204" pitchFamily="49" charset="0"/>
+              </a:rPr>
+              <a:t>results</a:t>
+            </a:r>
+            <a:r>
+              <a:rPr kumimoji="0" lang="de-DE" altLang="de-DE" sz="1200" b="0" i="0" u="none" strike="noStrike" cap="none" normalizeH="0" baseline="0" dirty="0" smtClean="0">
+                <a:ln>
+                  <a:noFill/>
+                </a:ln>
+                <a:solidFill>
+                  <a:srgbClr val="000000"/>
+                </a:solidFill>
+                <a:effectLst/>
+                <a:latin typeface="Consolas" panose="020B0609020204030204" pitchFamily="49" charset="0"/>
+                <a:cs typeface="Consolas" panose="020B0609020204030204" pitchFamily="49" charset="0"/>
+              </a:rPr>
+              <a:t>, </a:t>
+            </a:r>
+            <a:r>
+              <a:rPr kumimoji="0" lang="de-DE" altLang="de-DE" sz="1200" b="0" i="0" u="none" strike="noStrike" cap="none" normalizeH="0" baseline="0" dirty="0" err="1" smtClean="0">
+                <a:ln>
+                  <a:noFill/>
+                </a:ln>
+                <a:solidFill>
+                  <a:srgbClr val="2B91AF"/>
+                </a:solidFill>
+                <a:effectLst/>
+                <a:latin typeface="Consolas" panose="020B0609020204030204" pitchFamily="49" charset="0"/>
+                <a:cs typeface="Consolas" panose="020B0609020204030204" pitchFamily="49" charset="0"/>
+              </a:rPr>
               <a:t>IRandom</a:t>
             </a:r>
             <a:r>
-              <a:rPr lang="de-DE" dirty="0"/>
-              <a:t> </a:t>
-            </a:r>
-            <a:r>
-              <a:rPr lang="de-DE" dirty="0" err="1"/>
+              <a:rPr kumimoji="0" lang="de-DE" altLang="de-DE" sz="1200" b="0" i="0" u="none" strike="noStrike" cap="none" normalizeH="0" baseline="0" dirty="0" smtClean="0">
+                <a:ln>
+                  <a:noFill/>
+                </a:ln>
+                <a:solidFill>
+                  <a:srgbClr val="000000"/>
+                </a:solidFill>
+                <a:effectLst/>
+                <a:latin typeface="Consolas" panose="020B0609020204030204" pitchFamily="49" charset="0"/>
+                <a:cs typeface="Consolas" panose="020B0609020204030204" pitchFamily="49" charset="0"/>
+              </a:rPr>
+              <a:t> </a:t>
+            </a:r>
+            <a:r>
+              <a:rPr kumimoji="0" lang="de-DE" altLang="de-DE" sz="1200" b="0" i="0" u="none" strike="noStrike" cap="none" normalizeH="0" baseline="0" dirty="0" err="1" smtClean="0">
+                <a:ln>
+                  <a:noFill/>
+                </a:ln>
+                <a:solidFill>
+                  <a:srgbClr val="000000"/>
+                </a:solidFill>
+                <a:effectLst/>
+                <a:latin typeface="Consolas" panose="020B0609020204030204" pitchFamily="49" charset="0"/>
+                <a:cs typeface="Consolas" panose="020B0609020204030204" pitchFamily="49" charset="0"/>
+              </a:rPr>
               <a:t>random</a:t>
             </a:r>
             <a:r>
-              <a:rPr lang="de-DE" dirty="0"/>
-              <a:t>) {</a:t>
-            </a:r>
-            <a:br>
-              <a:rPr lang="de-DE" dirty="0"/>
-            </a:br>
-            <a:r>
-              <a:rPr lang="de-DE" dirty="0"/>
-              <a:t>        </a:t>
-            </a:r>
-            <a:r>
-              <a:rPr lang="de-DE" dirty="0" err="1">
-                <a:solidFill>
-                  <a:srgbClr val="000080"/>
-                </a:solidFill>
-              </a:rPr>
-              <a:t>return</a:t>
-            </a:r>
-            <a:r>
-              <a:rPr lang="de-DE" dirty="0"/>
-              <a:t> </a:t>
-            </a:r>
-            <a:r>
-              <a:rPr lang="de-DE" dirty="0" err="1"/>
-              <a:t>individual.</a:t>
-            </a:r>
-            <a:r>
-              <a:rPr lang="de-DE" b="1" dirty="0" err="1">
-                <a:solidFill>
-                  <a:srgbClr val="191970"/>
-                </a:solidFill>
-              </a:rPr>
-              <a:t>BinaryVector</a:t>
-            </a:r>
-            <a:r>
-              <a:rPr lang="de-DE" dirty="0"/>
-              <a:t>().</a:t>
-            </a:r>
-            <a:r>
-              <a:rPr lang="de-DE" b="1" dirty="0">
-                <a:solidFill>
-                  <a:srgbClr val="191970"/>
-                </a:solidFill>
-              </a:rPr>
-              <a:t>Count</a:t>
-            </a:r>
-            <a:r>
-              <a:rPr lang="de-DE" dirty="0"/>
-              <a:t>(b =&gt; b);</a:t>
-            </a:r>
-            <a:br>
-              <a:rPr lang="de-DE" dirty="0"/>
-            </a:br>
-            <a:r>
-              <a:rPr lang="de-DE" dirty="0"/>
-              <a:t>      }</a:t>
-            </a:r>
-            <a:br>
-              <a:rPr lang="de-DE" dirty="0"/>
-            </a:br>
-            <a:r>
-              <a:rPr lang="de-DE" dirty="0"/>
-              <a:t>   }</a:t>
-            </a:r>
-            <a:endParaRPr lang="en-GB" dirty="0"/>
+              <a:rPr kumimoji="0" lang="de-DE" altLang="de-DE" sz="1200" b="0" i="0" u="none" strike="noStrike" cap="none" normalizeH="0" baseline="0" dirty="0" smtClean="0">
+                <a:ln>
+                  <a:noFill/>
+                </a:ln>
+                <a:solidFill>
+                  <a:srgbClr val="000000"/>
+                </a:solidFill>
+                <a:effectLst/>
+                <a:latin typeface="Consolas" panose="020B0609020204030204" pitchFamily="49" charset="0"/>
+                <a:cs typeface="Consolas" panose="020B0609020204030204" pitchFamily="49" charset="0"/>
+              </a:rPr>
+              <a:t>); </a:t>
+            </a:r>
+            <a:endParaRPr kumimoji="0" lang="de-DE" altLang="de-DE" sz="3200" b="0" i="0" u="none" strike="noStrike" cap="none" normalizeH="0" baseline="0" dirty="0" smtClean="0">
+              <a:ln>
+                <a:noFill/>
+              </a:ln>
+              <a:solidFill>
+                <a:schemeClr val="tx1"/>
+              </a:solidFill>
+              <a:effectLst/>
+              <a:latin typeface="Arial" panose="020B0604020202020204" pitchFamily="34" charset="0"/>
+            </a:endParaRPr>
           </a:p>
         </p:txBody>
       </p:sp>
     </p:spTree>
     <p:extLst>
       <p:ext uri="{BB962C8B-B14F-4D97-AF65-F5344CB8AC3E}">
-        <p14:creationId xmlns:p14="http://schemas.microsoft.com/office/powerpoint/2010/main" val="3015188310"/>
+        <p14:creationId xmlns:p14="http://schemas.microsoft.com/office/powerpoint/2010/main" val="3011968941"/>
       </p:ext>
     </p:extLst>
   </p:cSld>
   <p:clrMapOvr>
     <a:masterClrMapping/>
   </p:clrMapOvr>
+  <p:timing>
+    <p:tnLst>
+      <p:par>
+        <p:cTn id="1" dur="indefinite" restart="never" nodeType="tmRoot"/>
+      </p:par>
+    </p:tnLst>
+  </p:timing>
 </p:sld>
 </file>
 
@@ -18065,6 +18360,1164 @@
         </p:nvSpPr>
         <p:spPr/>
         <p:txBody>
+          <a:bodyPr>
+            <a:normAutofit fontScale="90000"/>
+          </a:bodyPr>
+          <a:lstStyle/>
+          <a:p>
+            <a:r>
+              <a:rPr lang="en-GB" dirty="0" err="1" smtClean="0"/>
+              <a:t>BasicProblem</a:t>
+            </a:r>
+            <a:r>
+              <a:rPr lang="en-GB" dirty="0" smtClean="0"/>
+              <a:t> – Example: </a:t>
+            </a:r>
+            <a:r>
+              <a:rPr lang="en-GB" dirty="0" err="1" smtClean="0"/>
+              <a:t>OneMax</a:t>
+            </a:r>
+            <a:endParaRPr lang="en-GB" dirty="0"/>
+          </a:p>
+        </p:txBody>
+      </p:sp>
+      <p:sp>
+        <p:nvSpPr>
+          <p:cNvPr id="4" name="Datumsplatzhalter 3"/>
+          <p:cNvSpPr>
+            <a:spLocks noGrp="1"/>
+          </p:cNvSpPr>
+          <p:nvPr>
+            <p:ph type="dt" sz="half" idx="10"/>
+          </p:nvPr>
+        </p:nvSpPr>
+        <p:spPr/>
+        <p:txBody>
+          <a:bodyPr/>
+          <a:lstStyle/>
+          <a:p>
+            <a:r>
+              <a:rPr lang="de-DE" smtClean="0"/>
+              <a:t>Programming HeuristicLab</a:t>
+            </a:r>
+            <a:endParaRPr lang="de-DE" dirty="0"/>
+          </a:p>
+        </p:txBody>
+      </p:sp>
+      <p:sp>
+        <p:nvSpPr>
+          <p:cNvPr id="5" name="Fußzeilenplatzhalter 4"/>
+          <p:cNvSpPr>
+            <a:spLocks noGrp="1"/>
+          </p:cNvSpPr>
+          <p:nvPr>
+            <p:ph type="ftr" sz="quarter" idx="11"/>
+          </p:nvPr>
+        </p:nvSpPr>
+        <p:spPr/>
+        <p:txBody>
+          <a:bodyPr/>
+          <a:lstStyle/>
+          <a:p>
+            <a:r>
+              <a:rPr lang="de-DE" smtClean="0"/>
+              <a:t>http://dev.heuristiclab.com</a:t>
+            </a:r>
+            <a:endParaRPr lang="de-DE"/>
+          </a:p>
+        </p:txBody>
+      </p:sp>
+      <p:sp>
+        <p:nvSpPr>
+          <p:cNvPr id="6" name="Foliennummernplatzhalter 5"/>
+          <p:cNvSpPr>
+            <a:spLocks noGrp="1"/>
+          </p:cNvSpPr>
+          <p:nvPr>
+            <p:ph type="sldNum" sz="quarter" idx="12"/>
+          </p:nvPr>
+        </p:nvSpPr>
+        <p:spPr/>
+        <p:txBody>
+          <a:bodyPr/>
+          <a:lstStyle/>
+          <a:p>
+            <a:fld id="{6C6AE60A-B69C-4790-82F7-3882EDF23186}" type="slidenum">
+              <a:rPr lang="de-DE" smtClean="0"/>
+              <a:pPr/>
+              <a:t>37</a:t>
+            </a:fld>
+            <a:endParaRPr lang="de-DE"/>
+          </a:p>
+        </p:txBody>
+      </p:sp>
+      <p:sp>
+        <p:nvSpPr>
+          <p:cNvPr id="7" name="Rechteck 6"/>
+          <p:cNvSpPr/>
+          <p:nvPr/>
+        </p:nvSpPr>
+        <p:spPr>
+          <a:xfrm>
+            <a:off x="431540" y="1595319"/>
+            <a:ext cx="8388932" cy="4524315"/>
+          </a:xfrm>
+          <a:prstGeom prst="rect">
+            <a:avLst/>
+          </a:prstGeom>
+        </p:spPr>
+        <p:txBody>
+          <a:bodyPr wrap="square">
+            <a:spAutoFit/>
+          </a:bodyPr>
+          <a:lstStyle/>
+          <a:p>
+            <a:r>
+              <a:rPr lang="de-DE" sz="1600" dirty="0" err="1">
+                <a:solidFill>
+                  <a:srgbClr val="FF0000"/>
+                </a:solidFill>
+                <a:latin typeface="Consolas" panose="020B0609020204030204" pitchFamily="49" charset="0"/>
+                <a:cs typeface="Consolas" panose="020B0609020204030204" pitchFamily="49" charset="0"/>
+              </a:rPr>
+              <a:t>class</a:t>
+            </a:r>
+            <a:r>
+              <a:rPr lang="de-DE" sz="1600" dirty="0">
+                <a:latin typeface="Consolas" panose="020B0609020204030204" pitchFamily="49" charset="0"/>
+                <a:cs typeface="Consolas" panose="020B0609020204030204" pitchFamily="49" charset="0"/>
+              </a:rPr>
+              <a:t> </a:t>
+            </a:r>
+            <a:r>
+              <a:rPr lang="de-DE" sz="1600" dirty="0" err="1">
+                <a:latin typeface="Consolas" panose="020B0609020204030204" pitchFamily="49" charset="0"/>
+                <a:cs typeface="Consolas" panose="020B0609020204030204" pitchFamily="49" charset="0"/>
+              </a:rPr>
+              <a:t>OneMaxProblem</a:t>
+            </a:r>
+            <a:r>
+              <a:rPr lang="de-DE" sz="1600" dirty="0">
+                <a:latin typeface="Consolas" panose="020B0609020204030204" pitchFamily="49" charset="0"/>
+                <a:cs typeface="Consolas" panose="020B0609020204030204" pitchFamily="49" charset="0"/>
+              </a:rPr>
+              <a:t> : </a:t>
+            </a:r>
+            <a:r>
+              <a:rPr lang="de-DE" sz="1600" dirty="0" err="1">
+                <a:latin typeface="Consolas" panose="020B0609020204030204" pitchFamily="49" charset="0"/>
+                <a:cs typeface="Consolas" panose="020B0609020204030204" pitchFamily="49" charset="0"/>
+              </a:rPr>
+              <a:t>SingleObjectiveBasicProblem</a:t>
+            </a:r>
+            <a:r>
+              <a:rPr lang="de-DE" sz="1600" dirty="0">
+                <a:latin typeface="Consolas" panose="020B0609020204030204" pitchFamily="49" charset="0"/>
+                <a:cs typeface="Consolas" panose="020B0609020204030204" pitchFamily="49" charset="0"/>
+              </a:rPr>
+              <a:t>&lt;</a:t>
+            </a:r>
+            <a:r>
+              <a:rPr lang="de-DE" sz="1600" dirty="0" err="1">
+                <a:latin typeface="Consolas" panose="020B0609020204030204" pitchFamily="49" charset="0"/>
+                <a:cs typeface="Consolas" panose="020B0609020204030204" pitchFamily="49" charset="0"/>
+              </a:rPr>
+              <a:t>BinaryVectorEncoding</a:t>
+            </a:r>
+            <a:r>
+              <a:rPr lang="de-DE" sz="1600" dirty="0">
+                <a:latin typeface="Consolas" panose="020B0609020204030204" pitchFamily="49" charset="0"/>
+                <a:cs typeface="Consolas" panose="020B0609020204030204" pitchFamily="49" charset="0"/>
+              </a:rPr>
+              <a:t>&gt; {</a:t>
+            </a:r>
+            <a:br>
+              <a:rPr lang="de-DE" sz="1600" dirty="0">
+                <a:latin typeface="Consolas" panose="020B0609020204030204" pitchFamily="49" charset="0"/>
+                <a:cs typeface="Consolas" panose="020B0609020204030204" pitchFamily="49" charset="0"/>
+              </a:rPr>
+            </a:br>
+            <a:r>
+              <a:rPr lang="de-DE" sz="1600" dirty="0">
+                <a:latin typeface="Consolas" panose="020B0609020204030204" pitchFamily="49" charset="0"/>
+                <a:cs typeface="Consolas" panose="020B0609020204030204" pitchFamily="49" charset="0"/>
+              </a:rPr>
+              <a:t>      </a:t>
+            </a:r>
+            <a:r>
+              <a:rPr lang="de-DE" sz="1600" b="1" dirty="0" err="1">
+                <a:solidFill>
+                  <a:srgbClr val="0000FF"/>
+                </a:solidFill>
+                <a:latin typeface="Consolas" panose="020B0609020204030204" pitchFamily="49" charset="0"/>
+                <a:cs typeface="Consolas" panose="020B0609020204030204" pitchFamily="49" charset="0"/>
+              </a:rPr>
+              <a:t>public</a:t>
+            </a:r>
+            <a:r>
+              <a:rPr lang="de-DE" sz="1600" dirty="0">
+                <a:latin typeface="Consolas" panose="020B0609020204030204" pitchFamily="49" charset="0"/>
+                <a:cs typeface="Consolas" panose="020B0609020204030204" pitchFamily="49" charset="0"/>
+              </a:rPr>
+              <a:t> </a:t>
+            </a:r>
+            <a:r>
+              <a:rPr lang="de-DE" sz="1600" b="1" dirty="0" err="1">
+                <a:solidFill>
+                  <a:srgbClr val="191970"/>
+                </a:solidFill>
+                <a:latin typeface="Consolas" panose="020B0609020204030204" pitchFamily="49" charset="0"/>
+                <a:cs typeface="Consolas" panose="020B0609020204030204" pitchFamily="49" charset="0"/>
+              </a:rPr>
+              <a:t>OneMaxProblem</a:t>
+            </a:r>
+            <a:r>
+              <a:rPr lang="de-DE" sz="1600" dirty="0">
+                <a:latin typeface="Consolas" panose="020B0609020204030204" pitchFamily="49" charset="0"/>
+                <a:cs typeface="Consolas" panose="020B0609020204030204" pitchFamily="49" charset="0"/>
+              </a:rPr>
+              <a:t>() { } </a:t>
+            </a:r>
+            <a:br>
+              <a:rPr lang="de-DE" sz="1600" dirty="0">
+                <a:latin typeface="Consolas" panose="020B0609020204030204" pitchFamily="49" charset="0"/>
+                <a:cs typeface="Consolas" panose="020B0609020204030204" pitchFamily="49" charset="0"/>
+              </a:rPr>
+            </a:br>
+            <a:r>
+              <a:rPr lang="de-DE" sz="1600" dirty="0">
+                <a:latin typeface="Consolas" panose="020B0609020204030204" pitchFamily="49" charset="0"/>
+                <a:cs typeface="Consolas" panose="020B0609020204030204" pitchFamily="49" charset="0"/>
+              </a:rPr>
+              <a:t>      [</a:t>
+            </a:r>
+            <a:r>
+              <a:rPr lang="de-DE" sz="1600" dirty="0" err="1">
+                <a:latin typeface="Consolas" panose="020B0609020204030204" pitchFamily="49" charset="0"/>
+                <a:cs typeface="Consolas" panose="020B0609020204030204" pitchFamily="49" charset="0"/>
+              </a:rPr>
+              <a:t>StorableConstructor</a:t>
+            </a:r>
+            <a:r>
+              <a:rPr lang="de-DE" sz="1600" dirty="0">
+                <a:latin typeface="Consolas" panose="020B0609020204030204" pitchFamily="49" charset="0"/>
+                <a:cs typeface="Consolas" panose="020B0609020204030204" pitchFamily="49" charset="0"/>
+              </a:rPr>
+              <a:t>]</a:t>
+            </a:r>
+            <a:br>
+              <a:rPr lang="de-DE" sz="1600" dirty="0">
+                <a:latin typeface="Consolas" panose="020B0609020204030204" pitchFamily="49" charset="0"/>
+                <a:cs typeface="Consolas" panose="020B0609020204030204" pitchFamily="49" charset="0"/>
+              </a:rPr>
+            </a:br>
+            <a:r>
+              <a:rPr lang="de-DE" sz="1600" dirty="0">
+                <a:latin typeface="Consolas" panose="020B0609020204030204" pitchFamily="49" charset="0"/>
+                <a:cs typeface="Consolas" panose="020B0609020204030204" pitchFamily="49" charset="0"/>
+              </a:rPr>
+              <a:t>      </a:t>
+            </a:r>
+            <a:r>
+              <a:rPr lang="de-DE" sz="1600" b="1" dirty="0" err="1">
+                <a:solidFill>
+                  <a:srgbClr val="0000FF"/>
+                </a:solidFill>
+                <a:latin typeface="Consolas" panose="020B0609020204030204" pitchFamily="49" charset="0"/>
+                <a:cs typeface="Consolas" panose="020B0609020204030204" pitchFamily="49" charset="0"/>
+              </a:rPr>
+              <a:t>protected</a:t>
+            </a:r>
+            <a:r>
+              <a:rPr lang="de-DE" sz="1600" dirty="0">
+                <a:latin typeface="Consolas" panose="020B0609020204030204" pitchFamily="49" charset="0"/>
+                <a:cs typeface="Consolas" panose="020B0609020204030204" pitchFamily="49" charset="0"/>
+              </a:rPr>
+              <a:t> </a:t>
+            </a:r>
+            <a:r>
+              <a:rPr lang="de-DE" sz="1600" b="1" dirty="0" err="1">
+                <a:solidFill>
+                  <a:srgbClr val="191970"/>
+                </a:solidFill>
+                <a:latin typeface="Consolas" panose="020B0609020204030204" pitchFamily="49" charset="0"/>
+                <a:cs typeface="Consolas" panose="020B0609020204030204" pitchFamily="49" charset="0"/>
+              </a:rPr>
+              <a:t>OneMaxProblem</a:t>
+            </a:r>
+            <a:r>
+              <a:rPr lang="de-DE" sz="1600" dirty="0">
+                <a:latin typeface="Consolas" panose="020B0609020204030204" pitchFamily="49" charset="0"/>
+                <a:cs typeface="Consolas" panose="020B0609020204030204" pitchFamily="49" charset="0"/>
+              </a:rPr>
+              <a:t>(</a:t>
+            </a:r>
+            <a:r>
+              <a:rPr lang="de-DE" sz="1600" b="1" dirty="0" err="1">
+                <a:solidFill>
+                  <a:srgbClr val="FF0000"/>
+                </a:solidFill>
+                <a:latin typeface="Consolas" panose="020B0609020204030204" pitchFamily="49" charset="0"/>
+                <a:cs typeface="Consolas" panose="020B0609020204030204" pitchFamily="49" charset="0"/>
+              </a:rPr>
+              <a:t>bool</a:t>
+            </a:r>
+            <a:r>
+              <a:rPr lang="de-DE" sz="1600" dirty="0">
+                <a:latin typeface="Consolas" panose="020B0609020204030204" pitchFamily="49" charset="0"/>
+                <a:cs typeface="Consolas" panose="020B0609020204030204" pitchFamily="49" charset="0"/>
+              </a:rPr>
+              <a:t> </a:t>
+            </a:r>
+            <a:r>
+              <a:rPr lang="de-DE" sz="1600" dirty="0" err="1">
+                <a:latin typeface="Consolas" panose="020B0609020204030204" pitchFamily="49" charset="0"/>
+                <a:cs typeface="Consolas" panose="020B0609020204030204" pitchFamily="49" charset="0"/>
+              </a:rPr>
+              <a:t>deserializing</a:t>
+            </a:r>
+            <a:r>
+              <a:rPr lang="de-DE" sz="1600" dirty="0">
+                <a:latin typeface="Consolas" panose="020B0609020204030204" pitchFamily="49" charset="0"/>
+                <a:cs typeface="Consolas" panose="020B0609020204030204" pitchFamily="49" charset="0"/>
+              </a:rPr>
+              <a:t>) : </a:t>
+            </a:r>
+            <a:r>
+              <a:rPr lang="de-DE" sz="1600" b="1" dirty="0" err="1">
+                <a:latin typeface="Consolas" panose="020B0609020204030204" pitchFamily="49" charset="0"/>
+                <a:cs typeface="Consolas" panose="020B0609020204030204" pitchFamily="49" charset="0"/>
+              </a:rPr>
+              <a:t>base</a:t>
+            </a:r>
+            <a:r>
+              <a:rPr lang="de-DE" sz="1600" dirty="0">
+                <a:latin typeface="Consolas" panose="020B0609020204030204" pitchFamily="49" charset="0"/>
+                <a:cs typeface="Consolas" panose="020B0609020204030204" pitchFamily="49" charset="0"/>
+              </a:rPr>
+              <a:t>(</a:t>
+            </a:r>
+            <a:r>
+              <a:rPr lang="de-DE" sz="1600" dirty="0" err="1">
+                <a:latin typeface="Consolas" panose="020B0609020204030204" pitchFamily="49" charset="0"/>
+                <a:cs typeface="Consolas" panose="020B0609020204030204" pitchFamily="49" charset="0"/>
+              </a:rPr>
+              <a:t>deserializing</a:t>
+            </a:r>
+            <a:r>
+              <a:rPr lang="de-DE" sz="1600" dirty="0">
+                <a:latin typeface="Consolas" panose="020B0609020204030204" pitchFamily="49" charset="0"/>
+                <a:cs typeface="Consolas" panose="020B0609020204030204" pitchFamily="49" charset="0"/>
+              </a:rPr>
+              <a:t>) { }</a:t>
+            </a:r>
+            <a:br>
+              <a:rPr lang="de-DE" sz="1600" dirty="0">
+                <a:latin typeface="Consolas" panose="020B0609020204030204" pitchFamily="49" charset="0"/>
+                <a:cs typeface="Consolas" panose="020B0609020204030204" pitchFamily="49" charset="0"/>
+              </a:rPr>
+            </a:br>
+            <a:r>
+              <a:rPr lang="de-DE" sz="1600" dirty="0">
+                <a:latin typeface="Consolas" panose="020B0609020204030204" pitchFamily="49" charset="0"/>
+                <a:cs typeface="Consolas" panose="020B0609020204030204" pitchFamily="49" charset="0"/>
+              </a:rPr>
+              <a:t>      </a:t>
+            </a:r>
+            <a:r>
+              <a:rPr lang="de-DE" sz="1600" b="1" dirty="0" err="1">
+                <a:solidFill>
+                  <a:srgbClr val="0000FF"/>
+                </a:solidFill>
+                <a:latin typeface="Consolas" panose="020B0609020204030204" pitchFamily="49" charset="0"/>
+                <a:cs typeface="Consolas" panose="020B0609020204030204" pitchFamily="49" charset="0"/>
+              </a:rPr>
+              <a:t>public</a:t>
+            </a:r>
+            <a:r>
+              <a:rPr lang="de-DE" sz="1600" dirty="0">
+                <a:latin typeface="Consolas" panose="020B0609020204030204" pitchFamily="49" charset="0"/>
+                <a:cs typeface="Consolas" panose="020B0609020204030204" pitchFamily="49" charset="0"/>
+              </a:rPr>
+              <a:t> </a:t>
+            </a:r>
+            <a:r>
+              <a:rPr lang="de-DE" sz="1600" b="1" dirty="0" err="1">
+                <a:solidFill>
+                  <a:srgbClr val="191970"/>
+                </a:solidFill>
+                <a:latin typeface="Consolas" panose="020B0609020204030204" pitchFamily="49" charset="0"/>
+                <a:cs typeface="Consolas" panose="020B0609020204030204" pitchFamily="49" charset="0"/>
+              </a:rPr>
+              <a:t>OneMaxProblem</a:t>
+            </a:r>
+            <a:r>
+              <a:rPr lang="de-DE" sz="1600" dirty="0">
+                <a:latin typeface="Consolas" panose="020B0609020204030204" pitchFamily="49" charset="0"/>
+                <a:cs typeface="Consolas" panose="020B0609020204030204" pitchFamily="49" charset="0"/>
+              </a:rPr>
+              <a:t>(</a:t>
+            </a:r>
+            <a:r>
+              <a:rPr lang="de-DE" sz="1600" dirty="0" err="1">
+                <a:latin typeface="Consolas" panose="020B0609020204030204" pitchFamily="49" charset="0"/>
+                <a:cs typeface="Consolas" panose="020B0609020204030204" pitchFamily="49" charset="0"/>
+              </a:rPr>
+              <a:t>OneMaxProblem</a:t>
+            </a:r>
+            <a:r>
+              <a:rPr lang="de-DE" sz="1600" dirty="0">
+                <a:latin typeface="Consolas" panose="020B0609020204030204" pitchFamily="49" charset="0"/>
+                <a:cs typeface="Consolas" panose="020B0609020204030204" pitchFamily="49" charset="0"/>
+              </a:rPr>
+              <a:t> </a:t>
+            </a:r>
+            <a:r>
+              <a:rPr lang="de-DE" sz="1600" dirty="0" err="1">
+                <a:latin typeface="Consolas" panose="020B0609020204030204" pitchFamily="49" charset="0"/>
+                <a:cs typeface="Consolas" panose="020B0609020204030204" pitchFamily="49" charset="0"/>
+              </a:rPr>
+              <a:t>alg</a:t>
+            </a:r>
+            <a:r>
+              <a:rPr lang="de-DE" sz="1600" dirty="0">
+                <a:latin typeface="Consolas" panose="020B0609020204030204" pitchFamily="49" charset="0"/>
+                <a:cs typeface="Consolas" panose="020B0609020204030204" pitchFamily="49" charset="0"/>
+              </a:rPr>
+              <a:t>, </a:t>
+            </a:r>
+            <a:r>
+              <a:rPr lang="de-DE" sz="1600" dirty="0" err="1">
+                <a:latin typeface="Consolas" panose="020B0609020204030204" pitchFamily="49" charset="0"/>
+                <a:cs typeface="Consolas" panose="020B0609020204030204" pitchFamily="49" charset="0"/>
+              </a:rPr>
+              <a:t>Cloner</a:t>
+            </a:r>
+            <a:r>
+              <a:rPr lang="de-DE" sz="1600" dirty="0">
+                <a:latin typeface="Consolas" panose="020B0609020204030204" pitchFamily="49" charset="0"/>
+                <a:cs typeface="Consolas" panose="020B0609020204030204" pitchFamily="49" charset="0"/>
+              </a:rPr>
+              <a:t> </a:t>
+            </a:r>
+            <a:r>
+              <a:rPr lang="de-DE" sz="1600" dirty="0" err="1">
+                <a:latin typeface="Consolas" panose="020B0609020204030204" pitchFamily="49" charset="0"/>
+                <a:cs typeface="Consolas" panose="020B0609020204030204" pitchFamily="49" charset="0"/>
+              </a:rPr>
+              <a:t>cloner</a:t>
+            </a:r>
+            <a:r>
+              <a:rPr lang="de-DE" sz="1600" dirty="0">
+                <a:latin typeface="Consolas" panose="020B0609020204030204" pitchFamily="49" charset="0"/>
+                <a:cs typeface="Consolas" panose="020B0609020204030204" pitchFamily="49" charset="0"/>
+              </a:rPr>
+              <a:t>) : </a:t>
+            </a:r>
+            <a:r>
+              <a:rPr lang="de-DE" sz="1600" b="1" dirty="0" err="1">
+                <a:latin typeface="Consolas" panose="020B0609020204030204" pitchFamily="49" charset="0"/>
+                <a:cs typeface="Consolas" panose="020B0609020204030204" pitchFamily="49" charset="0"/>
+              </a:rPr>
+              <a:t>base</a:t>
+            </a:r>
+            <a:r>
+              <a:rPr lang="de-DE" sz="1600" dirty="0">
+                <a:latin typeface="Consolas" panose="020B0609020204030204" pitchFamily="49" charset="0"/>
+                <a:cs typeface="Consolas" panose="020B0609020204030204" pitchFamily="49" charset="0"/>
+              </a:rPr>
+              <a:t>(</a:t>
+            </a:r>
+            <a:r>
+              <a:rPr lang="de-DE" sz="1600" dirty="0" err="1">
+                <a:latin typeface="Consolas" panose="020B0609020204030204" pitchFamily="49" charset="0"/>
+                <a:cs typeface="Consolas" panose="020B0609020204030204" pitchFamily="49" charset="0"/>
+              </a:rPr>
+              <a:t>alg</a:t>
+            </a:r>
+            <a:r>
+              <a:rPr lang="de-DE" sz="1600" dirty="0">
+                <a:latin typeface="Consolas" panose="020B0609020204030204" pitchFamily="49" charset="0"/>
+                <a:cs typeface="Consolas" panose="020B0609020204030204" pitchFamily="49" charset="0"/>
+              </a:rPr>
+              <a:t>, </a:t>
+            </a:r>
+            <a:r>
+              <a:rPr lang="de-DE" sz="1600" dirty="0" err="1">
+                <a:latin typeface="Consolas" panose="020B0609020204030204" pitchFamily="49" charset="0"/>
+                <a:cs typeface="Consolas" panose="020B0609020204030204" pitchFamily="49" charset="0"/>
+              </a:rPr>
+              <a:t>cloner</a:t>
+            </a:r>
+            <a:r>
+              <a:rPr lang="de-DE" sz="1600" dirty="0">
+                <a:latin typeface="Consolas" panose="020B0609020204030204" pitchFamily="49" charset="0"/>
+                <a:cs typeface="Consolas" panose="020B0609020204030204" pitchFamily="49" charset="0"/>
+              </a:rPr>
+              <a:t>) { }    </a:t>
+            </a:r>
+            <a:br>
+              <a:rPr lang="de-DE" sz="1600" dirty="0">
+                <a:latin typeface="Consolas" panose="020B0609020204030204" pitchFamily="49" charset="0"/>
+                <a:cs typeface="Consolas" panose="020B0609020204030204" pitchFamily="49" charset="0"/>
+              </a:rPr>
+            </a:br>
+            <a:r>
+              <a:rPr lang="de-DE" sz="1600" dirty="0">
+                <a:latin typeface="Consolas" panose="020B0609020204030204" pitchFamily="49" charset="0"/>
+                <a:cs typeface="Consolas" panose="020B0609020204030204" pitchFamily="49" charset="0"/>
+              </a:rPr>
+              <a:t>      </a:t>
+            </a:r>
+            <a:r>
+              <a:rPr lang="de-DE" sz="1600" b="1" dirty="0" err="1">
+                <a:solidFill>
+                  <a:srgbClr val="0000FF"/>
+                </a:solidFill>
+                <a:latin typeface="Consolas" panose="020B0609020204030204" pitchFamily="49" charset="0"/>
+                <a:cs typeface="Consolas" panose="020B0609020204030204" pitchFamily="49" charset="0"/>
+              </a:rPr>
+              <a:t>public</a:t>
+            </a:r>
+            <a:r>
+              <a:rPr lang="de-DE" sz="1600" dirty="0">
+                <a:latin typeface="Consolas" panose="020B0609020204030204" pitchFamily="49" charset="0"/>
+                <a:cs typeface="Consolas" panose="020B0609020204030204" pitchFamily="49" charset="0"/>
+              </a:rPr>
+              <a:t> </a:t>
+            </a:r>
+            <a:r>
+              <a:rPr lang="de-DE" sz="1600" dirty="0" err="1">
+                <a:solidFill>
+                  <a:srgbClr val="A52A2A"/>
+                </a:solidFill>
+                <a:latin typeface="Consolas" panose="020B0609020204030204" pitchFamily="49" charset="0"/>
+                <a:cs typeface="Consolas" panose="020B0609020204030204" pitchFamily="49" charset="0"/>
+              </a:rPr>
+              <a:t>override</a:t>
+            </a:r>
+            <a:r>
+              <a:rPr lang="de-DE" sz="1600" dirty="0">
+                <a:latin typeface="Consolas" panose="020B0609020204030204" pitchFamily="49" charset="0"/>
+                <a:cs typeface="Consolas" panose="020B0609020204030204" pitchFamily="49" charset="0"/>
+              </a:rPr>
+              <a:t> </a:t>
+            </a:r>
+            <a:r>
+              <a:rPr lang="de-DE" sz="1600" dirty="0" err="1">
+                <a:latin typeface="Consolas" panose="020B0609020204030204" pitchFamily="49" charset="0"/>
+                <a:cs typeface="Consolas" panose="020B0609020204030204" pitchFamily="49" charset="0"/>
+              </a:rPr>
+              <a:t>IDeepCloneable</a:t>
+            </a:r>
+            <a:r>
+              <a:rPr lang="de-DE" sz="1600" dirty="0">
+                <a:latin typeface="Consolas" panose="020B0609020204030204" pitchFamily="49" charset="0"/>
+                <a:cs typeface="Consolas" panose="020B0609020204030204" pitchFamily="49" charset="0"/>
+              </a:rPr>
+              <a:t> </a:t>
+            </a:r>
+            <a:r>
+              <a:rPr lang="de-DE" sz="1600" b="1" dirty="0" err="1">
+                <a:solidFill>
+                  <a:srgbClr val="191970"/>
+                </a:solidFill>
+                <a:latin typeface="Consolas" panose="020B0609020204030204" pitchFamily="49" charset="0"/>
+                <a:cs typeface="Consolas" panose="020B0609020204030204" pitchFamily="49" charset="0"/>
+              </a:rPr>
+              <a:t>Clone</a:t>
+            </a:r>
+            <a:r>
+              <a:rPr lang="de-DE" sz="1600" dirty="0">
+                <a:latin typeface="Consolas" panose="020B0609020204030204" pitchFamily="49" charset="0"/>
+                <a:cs typeface="Consolas" panose="020B0609020204030204" pitchFamily="49" charset="0"/>
+              </a:rPr>
+              <a:t>(</a:t>
+            </a:r>
+            <a:r>
+              <a:rPr lang="de-DE" sz="1600" dirty="0" err="1">
+                <a:latin typeface="Consolas" panose="020B0609020204030204" pitchFamily="49" charset="0"/>
+                <a:cs typeface="Consolas" panose="020B0609020204030204" pitchFamily="49" charset="0"/>
+              </a:rPr>
+              <a:t>Cloner</a:t>
+            </a:r>
+            <a:r>
+              <a:rPr lang="de-DE" sz="1600" dirty="0">
+                <a:latin typeface="Consolas" panose="020B0609020204030204" pitchFamily="49" charset="0"/>
+                <a:cs typeface="Consolas" panose="020B0609020204030204" pitchFamily="49" charset="0"/>
+              </a:rPr>
+              <a:t> </a:t>
+            </a:r>
+            <a:r>
+              <a:rPr lang="de-DE" sz="1600" dirty="0" err="1">
+                <a:latin typeface="Consolas" panose="020B0609020204030204" pitchFamily="49" charset="0"/>
+                <a:cs typeface="Consolas" panose="020B0609020204030204" pitchFamily="49" charset="0"/>
+              </a:rPr>
+              <a:t>cloner</a:t>
+            </a:r>
+            <a:r>
+              <a:rPr lang="de-DE" sz="1600" dirty="0">
+                <a:latin typeface="Consolas" panose="020B0609020204030204" pitchFamily="49" charset="0"/>
+                <a:cs typeface="Consolas" panose="020B0609020204030204" pitchFamily="49" charset="0"/>
+              </a:rPr>
+              <a:t>) {</a:t>
+            </a:r>
+            <a:br>
+              <a:rPr lang="de-DE" sz="1600" dirty="0">
+                <a:latin typeface="Consolas" panose="020B0609020204030204" pitchFamily="49" charset="0"/>
+                <a:cs typeface="Consolas" panose="020B0609020204030204" pitchFamily="49" charset="0"/>
+              </a:rPr>
+            </a:br>
+            <a:r>
+              <a:rPr lang="de-DE" sz="1600" dirty="0">
+                <a:latin typeface="Consolas" panose="020B0609020204030204" pitchFamily="49" charset="0"/>
+                <a:cs typeface="Consolas" panose="020B0609020204030204" pitchFamily="49" charset="0"/>
+              </a:rPr>
+              <a:t>         </a:t>
+            </a:r>
+            <a:r>
+              <a:rPr lang="de-DE" sz="1600" dirty="0" err="1">
+                <a:solidFill>
+                  <a:srgbClr val="000080"/>
+                </a:solidFill>
+                <a:latin typeface="Consolas" panose="020B0609020204030204" pitchFamily="49" charset="0"/>
+                <a:cs typeface="Consolas" panose="020B0609020204030204" pitchFamily="49" charset="0"/>
+              </a:rPr>
+              <a:t>return</a:t>
+            </a:r>
+            <a:r>
+              <a:rPr lang="de-DE" sz="1600" dirty="0">
+                <a:latin typeface="Consolas" panose="020B0609020204030204" pitchFamily="49" charset="0"/>
+                <a:cs typeface="Consolas" panose="020B0609020204030204" pitchFamily="49" charset="0"/>
+              </a:rPr>
+              <a:t> </a:t>
+            </a:r>
+            <a:r>
+              <a:rPr lang="de-DE" sz="1600" b="1" dirty="0" err="1">
+                <a:solidFill>
+                  <a:srgbClr val="008B8B"/>
+                </a:solidFill>
+                <a:latin typeface="Consolas" panose="020B0609020204030204" pitchFamily="49" charset="0"/>
+                <a:cs typeface="Consolas" panose="020B0609020204030204" pitchFamily="49" charset="0"/>
+              </a:rPr>
+              <a:t>new</a:t>
+            </a:r>
+            <a:r>
+              <a:rPr lang="de-DE" sz="1600" dirty="0">
+                <a:latin typeface="Consolas" panose="020B0609020204030204" pitchFamily="49" charset="0"/>
+                <a:cs typeface="Consolas" panose="020B0609020204030204" pitchFamily="49" charset="0"/>
+              </a:rPr>
+              <a:t> </a:t>
+            </a:r>
+            <a:r>
+              <a:rPr lang="de-DE" sz="1600" b="1" dirty="0" err="1">
+                <a:solidFill>
+                  <a:srgbClr val="191970"/>
+                </a:solidFill>
+                <a:latin typeface="Consolas" panose="020B0609020204030204" pitchFamily="49" charset="0"/>
+                <a:cs typeface="Consolas" panose="020B0609020204030204" pitchFamily="49" charset="0"/>
+              </a:rPr>
+              <a:t>OneMaxProblem</a:t>
+            </a:r>
+            <a:r>
+              <a:rPr lang="de-DE" sz="1600" dirty="0">
+                <a:latin typeface="Consolas" panose="020B0609020204030204" pitchFamily="49" charset="0"/>
+                <a:cs typeface="Consolas" panose="020B0609020204030204" pitchFamily="49" charset="0"/>
+              </a:rPr>
+              <a:t>(</a:t>
+            </a:r>
+            <a:r>
+              <a:rPr lang="de-DE" sz="1600" b="1" dirty="0" err="1">
+                <a:latin typeface="Consolas" panose="020B0609020204030204" pitchFamily="49" charset="0"/>
+                <a:cs typeface="Consolas" panose="020B0609020204030204" pitchFamily="49" charset="0"/>
+              </a:rPr>
+              <a:t>this</a:t>
+            </a:r>
+            <a:r>
+              <a:rPr lang="de-DE" sz="1600" dirty="0">
+                <a:latin typeface="Consolas" panose="020B0609020204030204" pitchFamily="49" charset="0"/>
+                <a:cs typeface="Consolas" panose="020B0609020204030204" pitchFamily="49" charset="0"/>
+              </a:rPr>
+              <a:t>, </a:t>
+            </a:r>
+            <a:r>
+              <a:rPr lang="de-DE" sz="1600" dirty="0" err="1">
+                <a:latin typeface="Consolas" panose="020B0609020204030204" pitchFamily="49" charset="0"/>
+                <a:cs typeface="Consolas" panose="020B0609020204030204" pitchFamily="49" charset="0"/>
+              </a:rPr>
+              <a:t>cloner</a:t>
+            </a:r>
+            <a:r>
+              <a:rPr lang="de-DE" sz="1600" dirty="0">
+                <a:latin typeface="Consolas" panose="020B0609020204030204" pitchFamily="49" charset="0"/>
+                <a:cs typeface="Consolas" panose="020B0609020204030204" pitchFamily="49" charset="0"/>
+              </a:rPr>
+              <a:t>);</a:t>
+            </a:r>
+            <a:br>
+              <a:rPr lang="de-DE" sz="1600" dirty="0">
+                <a:latin typeface="Consolas" panose="020B0609020204030204" pitchFamily="49" charset="0"/>
+                <a:cs typeface="Consolas" panose="020B0609020204030204" pitchFamily="49" charset="0"/>
+              </a:rPr>
+            </a:br>
+            <a:r>
+              <a:rPr lang="de-DE" sz="1600" dirty="0">
+                <a:latin typeface="Consolas" panose="020B0609020204030204" pitchFamily="49" charset="0"/>
+                <a:cs typeface="Consolas" panose="020B0609020204030204" pitchFamily="49" charset="0"/>
+              </a:rPr>
+              <a:t>      }</a:t>
+            </a:r>
+            <a:br>
+              <a:rPr lang="de-DE" sz="1600" dirty="0">
+                <a:latin typeface="Consolas" panose="020B0609020204030204" pitchFamily="49" charset="0"/>
+                <a:cs typeface="Consolas" panose="020B0609020204030204" pitchFamily="49" charset="0"/>
+              </a:rPr>
+            </a:br>
+            <a:r>
+              <a:rPr lang="de-DE" sz="1600" dirty="0">
+                <a:latin typeface="Consolas" panose="020B0609020204030204" pitchFamily="49" charset="0"/>
+                <a:cs typeface="Consolas" panose="020B0609020204030204" pitchFamily="49" charset="0"/>
+              </a:rPr>
+              <a:t>      </a:t>
+            </a:r>
+            <a:br>
+              <a:rPr lang="de-DE" sz="1600" dirty="0">
+                <a:latin typeface="Consolas" panose="020B0609020204030204" pitchFamily="49" charset="0"/>
+                <a:cs typeface="Consolas" panose="020B0609020204030204" pitchFamily="49" charset="0"/>
+              </a:rPr>
+            </a:br>
+            <a:r>
+              <a:rPr lang="de-DE" sz="1600" dirty="0">
+                <a:latin typeface="Consolas" panose="020B0609020204030204" pitchFamily="49" charset="0"/>
+                <a:cs typeface="Consolas" panose="020B0609020204030204" pitchFamily="49" charset="0"/>
+              </a:rPr>
+              <a:t>      </a:t>
+            </a:r>
+            <a:r>
+              <a:rPr lang="de-DE" sz="1600" b="1" dirty="0" err="1">
+                <a:solidFill>
+                  <a:srgbClr val="0000FF"/>
+                </a:solidFill>
+                <a:latin typeface="Consolas" panose="020B0609020204030204" pitchFamily="49" charset="0"/>
+                <a:cs typeface="Consolas" panose="020B0609020204030204" pitchFamily="49" charset="0"/>
+              </a:rPr>
+              <a:t>public</a:t>
+            </a:r>
+            <a:r>
+              <a:rPr lang="de-DE" sz="1600" dirty="0">
+                <a:latin typeface="Consolas" panose="020B0609020204030204" pitchFamily="49" charset="0"/>
+                <a:cs typeface="Consolas" panose="020B0609020204030204" pitchFamily="49" charset="0"/>
+              </a:rPr>
+              <a:t> </a:t>
+            </a:r>
+            <a:r>
+              <a:rPr lang="de-DE" sz="1600" dirty="0" err="1">
+                <a:solidFill>
+                  <a:srgbClr val="A52A2A"/>
+                </a:solidFill>
+                <a:latin typeface="Consolas" panose="020B0609020204030204" pitchFamily="49" charset="0"/>
+                <a:cs typeface="Consolas" panose="020B0609020204030204" pitchFamily="49" charset="0"/>
+              </a:rPr>
+              <a:t>override</a:t>
+            </a:r>
+            <a:r>
+              <a:rPr lang="de-DE" sz="1600" dirty="0">
+                <a:latin typeface="Consolas" panose="020B0609020204030204" pitchFamily="49" charset="0"/>
+                <a:cs typeface="Consolas" panose="020B0609020204030204" pitchFamily="49" charset="0"/>
+              </a:rPr>
+              <a:t> </a:t>
+            </a:r>
+            <a:r>
+              <a:rPr lang="de-DE" sz="1600" b="1" dirty="0" err="1">
+                <a:solidFill>
+                  <a:srgbClr val="FF0000"/>
+                </a:solidFill>
+                <a:latin typeface="Consolas" panose="020B0609020204030204" pitchFamily="49" charset="0"/>
+                <a:cs typeface="Consolas" panose="020B0609020204030204" pitchFamily="49" charset="0"/>
+              </a:rPr>
+              <a:t>bool</a:t>
+            </a:r>
+            <a:r>
+              <a:rPr lang="de-DE" sz="1600" dirty="0">
+                <a:latin typeface="Consolas" panose="020B0609020204030204" pitchFamily="49" charset="0"/>
+                <a:cs typeface="Consolas" panose="020B0609020204030204" pitchFamily="49" charset="0"/>
+              </a:rPr>
+              <a:t> </a:t>
+            </a:r>
+            <a:r>
+              <a:rPr lang="de-DE" sz="1600" dirty="0" err="1">
+                <a:latin typeface="Consolas" panose="020B0609020204030204" pitchFamily="49" charset="0"/>
+                <a:cs typeface="Consolas" panose="020B0609020204030204" pitchFamily="49" charset="0"/>
+              </a:rPr>
+              <a:t>Maximization</a:t>
+            </a:r>
+            <a:r>
+              <a:rPr lang="de-DE" sz="1600" dirty="0">
+                <a:latin typeface="Consolas" panose="020B0609020204030204" pitchFamily="49" charset="0"/>
+                <a:cs typeface="Consolas" panose="020B0609020204030204" pitchFamily="49" charset="0"/>
+              </a:rPr>
+              <a:t> { </a:t>
+            </a:r>
+            <a:r>
+              <a:rPr lang="de-DE" sz="1600" dirty="0" err="1">
+                <a:solidFill>
+                  <a:srgbClr val="8B4513"/>
+                </a:solidFill>
+                <a:latin typeface="Consolas" panose="020B0609020204030204" pitchFamily="49" charset="0"/>
+                <a:cs typeface="Consolas" panose="020B0609020204030204" pitchFamily="49" charset="0"/>
+              </a:rPr>
+              <a:t>get</a:t>
+            </a:r>
+            <a:r>
+              <a:rPr lang="de-DE" sz="1600" dirty="0">
+                <a:latin typeface="Consolas" panose="020B0609020204030204" pitchFamily="49" charset="0"/>
+                <a:cs typeface="Consolas" panose="020B0609020204030204" pitchFamily="49" charset="0"/>
+              </a:rPr>
+              <a:t>{ </a:t>
+            </a:r>
+            <a:r>
+              <a:rPr lang="de-DE" sz="1600" dirty="0" err="1">
+                <a:solidFill>
+                  <a:srgbClr val="000080"/>
+                </a:solidFill>
+                <a:latin typeface="Consolas" panose="020B0609020204030204" pitchFamily="49" charset="0"/>
+                <a:cs typeface="Consolas" panose="020B0609020204030204" pitchFamily="49" charset="0"/>
+              </a:rPr>
+              <a:t>return</a:t>
+            </a:r>
+            <a:r>
+              <a:rPr lang="de-DE" sz="1600" dirty="0">
+                <a:latin typeface="Consolas" panose="020B0609020204030204" pitchFamily="49" charset="0"/>
+                <a:cs typeface="Consolas" panose="020B0609020204030204" pitchFamily="49" charset="0"/>
+              </a:rPr>
+              <a:t> </a:t>
+            </a:r>
+            <a:r>
+              <a:rPr lang="de-DE" sz="1600" b="1" dirty="0" err="1">
+                <a:solidFill>
+                  <a:srgbClr val="008B8B"/>
+                </a:solidFill>
+                <a:latin typeface="Consolas" panose="020B0609020204030204" pitchFamily="49" charset="0"/>
+                <a:cs typeface="Consolas" panose="020B0609020204030204" pitchFamily="49" charset="0"/>
+              </a:rPr>
+              <a:t>true</a:t>
+            </a:r>
+            <a:r>
+              <a:rPr lang="de-DE" sz="1600" dirty="0">
+                <a:latin typeface="Consolas" panose="020B0609020204030204" pitchFamily="49" charset="0"/>
+                <a:cs typeface="Consolas" panose="020B0609020204030204" pitchFamily="49" charset="0"/>
+              </a:rPr>
+              <a:t>; } }</a:t>
+            </a:r>
+            <a:br>
+              <a:rPr lang="de-DE" sz="1600" dirty="0">
+                <a:latin typeface="Consolas" panose="020B0609020204030204" pitchFamily="49" charset="0"/>
+                <a:cs typeface="Consolas" panose="020B0609020204030204" pitchFamily="49" charset="0"/>
+              </a:rPr>
+            </a:br>
+            <a:r>
+              <a:rPr lang="de-DE" sz="1600" dirty="0">
+                <a:latin typeface="Consolas" panose="020B0609020204030204" pitchFamily="49" charset="0"/>
+                <a:cs typeface="Consolas" panose="020B0609020204030204" pitchFamily="49" charset="0"/>
+              </a:rPr>
+              <a:t/>
+            </a:r>
+            <a:br>
+              <a:rPr lang="de-DE" sz="1600" dirty="0">
+                <a:latin typeface="Consolas" panose="020B0609020204030204" pitchFamily="49" charset="0"/>
+                <a:cs typeface="Consolas" panose="020B0609020204030204" pitchFamily="49" charset="0"/>
+              </a:rPr>
+            </a:br>
+            <a:r>
+              <a:rPr lang="de-DE" sz="1600" dirty="0">
+                <a:latin typeface="Consolas" panose="020B0609020204030204" pitchFamily="49" charset="0"/>
+                <a:cs typeface="Consolas" panose="020B0609020204030204" pitchFamily="49" charset="0"/>
+              </a:rPr>
+              <a:t>      </a:t>
+            </a:r>
+            <a:r>
+              <a:rPr lang="de-DE" sz="1600" b="1" dirty="0" err="1">
+                <a:solidFill>
+                  <a:srgbClr val="0000FF"/>
+                </a:solidFill>
+                <a:latin typeface="Consolas" panose="020B0609020204030204" pitchFamily="49" charset="0"/>
+                <a:cs typeface="Consolas" panose="020B0609020204030204" pitchFamily="49" charset="0"/>
+              </a:rPr>
+              <a:t>public</a:t>
+            </a:r>
+            <a:r>
+              <a:rPr lang="de-DE" sz="1600" dirty="0">
+                <a:latin typeface="Consolas" panose="020B0609020204030204" pitchFamily="49" charset="0"/>
+                <a:cs typeface="Consolas" panose="020B0609020204030204" pitchFamily="49" charset="0"/>
+              </a:rPr>
+              <a:t> </a:t>
+            </a:r>
+            <a:r>
+              <a:rPr lang="de-DE" sz="1600" dirty="0" err="1">
+                <a:solidFill>
+                  <a:srgbClr val="A52A2A"/>
+                </a:solidFill>
+                <a:latin typeface="Consolas" panose="020B0609020204030204" pitchFamily="49" charset="0"/>
+                <a:cs typeface="Consolas" panose="020B0609020204030204" pitchFamily="49" charset="0"/>
+              </a:rPr>
+              <a:t>override</a:t>
+            </a:r>
+            <a:r>
+              <a:rPr lang="de-DE" sz="1600" dirty="0">
+                <a:latin typeface="Consolas" panose="020B0609020204030204" pitchFamily="49" charset="0"/>
+                <a:cs typeface="Consolas" panose="020B0609020204030204" pitchFamily="49" charset="0"/>
+              </a:rPr>
+              <a:t> </a:t>
+            </a:r>
+            <a:r>
+              <a:rPr lang="de-DE" sz="1600" b="1" dirty="0">
+                <a:solidFill>
+                  <a:srgbClr val="FF0000"/>
+                </a:solidFill>
+                <a:latin typeface="Consolas" panose="020B0609020204030204" pitchFamily="49" charset="0"/>
+                <a:cs typeface="Consolas" panose="020B0609020204030204" pitchFamily="49" charset="0"/>
+              </a:rPr>
+              <a:t>double</a:t>
+            </a:r>
+            <a:r>
+              <a:rPr lang="de-DE" sz="1600" dirty="0">
+                <a:latin typeface="Consolas" panose="020B0609020204030204" pitchFamily="49" charset="0"/>
+                <a:cs typeface="Consolas" panose="020B0609020204030204" pitchFamily="49" charset="0"/>
+              </a:rPr>
+              <a:t> </a:t>
+            </a:r>
+            <a:r>
+              <a:rPr lang="de-DE" sz="1600" b="1" dirty="0" err="1">
+                <a:solidFill>
+                  <a:srgbClr val="191970"/>
+                </a:solidFill>
+                <a:latin typeface="Consolas" panose="020B0609020204030204" pitchFamily="49" charset="0"/>
+                <a:cs typeface="Consolas" panose="020B0609020204030204" pitchFamily="49" charset="0"/>
+              </a:rPr>
+              <a:t>Evaluate</a:t>
+            </a:r>
+            <a:r>
+              <a:rPr lang="de-DE" sz="1600" dirty="0">
+                <a:latin typeface="Consolas" panose="020B0609020204030204" pitchFamily="49" charset="0"/>
+                <a:cs typeface="Consolas" panose="020B0609020204030204" pitchFamily="49" charset="0"/>
+              </a:rPr>
+              <a:t>(Individual </a:t>
+            </a:r>
+            <a:r>
+              <a:rPr lang="de-DE" sz="1600" dirty="0" err="1">
+                <a:latin typeface="Consolas" panose="020B0609020204030204" pitchFamily="49" charset="0"/>
+                <a:cs typeface="Consolas" panose="020B0609020204030204" pitchFamily="49" charset="0"/>
+              </a:rPr>
+              <a:t>individual</a:t>
+            </a:r>
+            <a:r>
+              <a:rPr lang="de-DE" sz="1600" dirty="0">
+                <a:latin typeface="Consolas" panose="020B0609020204030204" pitchFamily="49" charset="0"/>
+                <a:cs typeface="Consolas" panose="020B0609020204030204" pitchFamily="49" charset="0"/>
+              </a:rPr>
+              <a:t>, </a:t>
+            </a:r>
+            <a:endParaRPr lang="de-DE" sz="1600" dirty="0" smtClean="0">
+              <a:latin typeface="Consolas" panose="020B0609020204030204" pitchFamily="49" charset="0"/>
+              <a:cs typeface="Consolas" panose="020B0609020204030204" pitchFamily="49" charset="0"/>
+            </a:endParaRPr>
+          </a:p>
+          <a:p>
+            <a:r>
+              <a:rPr lang="de-DE" sz="1600" dirty="0">
+                <a:latin typeface="Consolas" panose="020B0609020204030204" pitchFamily="49" charset="0"/>
+                <a:cs typeface="Consolas" panose="020B0609020204030204" pitchFamily="49" charset="0"/>
+              </a:rPr>
+              <a:t>		</a:t>
+            </a:r>
+            <a:r>
+              <a:rPr lang="de-DE" sz="1600" dirty="0" smtClean="0">
+                <a:latin typeface="Consolas" panose="020B0609020204030204" pitchFamily="49" charset="0"/>
+                <a:cs typeface="Consolas" panose="020B0609020204030204" pitchFamily="49" charset="0"/>
+              </a:rPr>
+              <a:t>		     </a:t>
+            </a:r>
+            <a:r>
+              <a:rPr lang="de-DE" sz="1600" dirty="0" err="1" smtClean="0">
+                <a:latin typeface="Consolas" panose="020B0609020204030204" pitchFamily="49" charset="0"/>
+                <a:cs typeface="Consolas" panose="020B0609020204030204" pitchFamily="49" charset="0"/>
+              </a:rPr>
+              <a:t>IRandom</a:t>
+            </a:r>
+            <a:r>
+              <a:rPr lang="de-DE" sz="1600" dirty="0" smtClean="0">
+                <a:latin typeface="Consolas" panose="020B0609020204030204" pitchFamily="49" charset="0"/>
+                <a:cs typeface="Consolas" panose="020B0609020204030204" pitchFamily="49" charset="0"/>
+              </a:rPr>
+              <a:t> </a:t>
+            </a:r>
+            <a:r>
+              <a:rPr lang="de-DE" sz="1600" dirty="0" err="1">
+                <a:latin typeface="Consolas" panose="020B0609020204030204" pitchFamily="49" charset="0"/>
+                <a:cs typeface="Consolas" panose="020B0609020204030204" pitchFamily="49" charset="0"/>
+              </a:rPr>
+              <a:t>random</a:t>
+            </a:r>
+            <a:r>
+              <a:rPr lang="de-DE" sz="1600" dirty="0">
+                <a:latin typeface="Consolas" panose="020B0609020204030204" pitchFamily="49" charset="0"/>
+                <a:cs typeface="Consolas" panose="020B0609020204030204" pitchFamily="49" charset="0"/>
+              </a:rPr>
+              <a:t>) {</a:t>
+            </a:r>
+            <a:br>
+              <a:rPr lang="de-DE" sz="1600" dirty="0">
+                <a:latin typeface="Consolas" panose="020B0609020204030204" pitchFamily="49" charset="0"/>
+                <a:cs typeface="Consolas" panose="020B0609020204030204" pitchFamily="49" charset="0"/>
+              </a:rPr>
+            </a:br>
+            <a:r>
+              <a:rPr lang="de-DE" sz="1600" dirty="0">
+                <a:latin typeface="Consolas" panose="020B0609020204030204" pitchFamily="49" charset="0"/>
+                <a:cs typeface="Consolas" panose="020B0609020204030204" pitchFamily="49" charset="0"/>
+              </a:rPr>
+              <a:t>        </a:t>
+            </a:r>
+            <a:r>
+              <a:rPr lang="de-DE" sz="1600" dirty="0" err="1">
+                <a:solidFill>
+                  <a:srgbClr val="000080"/>
+                </a:solidFill>
+                <a:latin typeface="Consolas" panose="020B0609020204030204" pitchFamily="49" charset="0"/>
+                <a:cs typeface="Consolas" panose="020B0609020204030204" pitchFamily="49" charset="0"/>
+              </a:rPr>
+              <a:t>return</a:t>
+            </a:r>
+            <a:r>
+              <a:rPr lang="de-DE" sz="1600" dirty="0">
+                <a:latin typeface="Consolas" panose="020B0609020204030204" pitchFamily="49" charset="0"/>
+                <a:cs typeface="Consolas" panose="020B0609020204030204" pitchFamily="49" charset="0"/>
+              </a:rPr>
+              <a:t> </a:t>
+            </a:r>
+            <a:r>
+              <a:rPr lang="de-DE" sz="1600" dirty="0" err="1">
+                <a:latin typeface="Consolas" panose="020B0609020204030204" pitchFamily="49" charset="0"/>
+                <a:cs typeface="Consolas" panose="020B0609020204030204" pitchFamily="49" charset="0"/>
+              </a:rPr>
+              <a:t>individual.</a:t>
+            </a:r>
+            <a:r>
+              <a:rPr lang="de-DE" sz="1600" b="1" dirty="0" err="1">
+                <a:solidFill>
+                  <a:srgbClr val="191970"/>
+                </a:solidFill>
+                <a:latin typeface="Consolas" panose="020B0609020204030204" pitchFamily="49" charset="0"/>
+                <a:cs typeface="Consolas" panose="020B0609020204030204" pitchFamily="49" charset="0"/>
+              </a:rPr>
+              <a:t>BinaryVector</a:t>
+            </a:r>
+            <a:r>
+              <a:rPr lang="de-DE" sz="1600" dirty="0">
+                <a:latin typeface="Consolas" panose="020B0609020204030204" pitchFamily="49" charset="0"/>
+                <a:cs typeface="Consolas" panose="020B0609020204030204" pitchFamily="49" charset="0"/>
+              </a:rPr>
+              <a:t>().</a:t>
+            </a:r>
+            <a:r>
+              <a:rPr lang="de-DE" sz="1600" b="1" dirty="0">
+                <a:solidFill>
+                  <a:srgbClr val="191970"/>
+                </a:solidFill>
+                <a:latin typeface="Consolas" panose="020B0609020204030204" pitchFamily="49" charset="0"/>
+                <a:cs typeface="Consolas" panose="020B0609020204030204" pitchFamily="49" charset="0"/>
+              </a:rPr>
+              <a:t>Count</a:t>
+            </a:r>
+            <a:r>
+              <a:rPr lang="de-DE" sz="1600" dirty="0">
+                <a:latin typeface="Consolas" panose="020B0609020204030204" pitchFamily="49" charset="0"/>
+                <a:cs typeface="Consolas" panose="020B0609020204030204" pitchFamily="49" charset="0"/>
+              </a:rPr>
+              <a:t>(b =&gt; b);</a:t>
+            </a:r>
+            <a:br>
+              <a:rPr lang="de-DE" sz="1600" dirty="0">
+                <a:latin typeface="Consolas" panose="020B0609020204030204" pitchFamily="49" charset="0"/>
+                <a:cs typeface="Consolas" panose="020B0609020204030204" pitchFamily="49" charset="0"/>
+              </a:rPr>
+            </a:br>
+            <a:r>
+              <a:rPr lang="de-DE" sz="1600" dirty="0">
+                <a:latin typeface="Consolas" panose="020B0609020204030204" pitchFamily="49" charset="0"/>
+                <a:cs typeface="Consolas" panose="020B0609020204030204" pitchFamily="49" charset="0"/>
+              </a:rPr>
+              <a:t>      }</a:t>
+            </a:r>
+            <a:br>
+              <a:rPr lang="de-DE" sz="1600" dirty="0">
+                <a:latin typeface="Consolas" panose="020B0609020204030204" pitchFamily="49" charset="0"/>
+                <a:cs typeface="Consolas" panose="020B0609020204030204" pitchFamily="49" charset="0"/>
+              </a:rPr>
+            </a:br>
+            <a:r>
+              <a:rPr lang="de-DE" sz="1600" dirty="0">
+                <a:latin typeface="Consolas" panose="020B0609020204030204" pitchFamily="49" charset="0"/>
+                <a:cs typeface="Consolas" panose="020B0609020204030204" pitchFamily="49" charset="0"/>
+              </a:rPr>
+              <a:t>   }</a:t>
+            </a:r>
+            <a:endParaRPr lang="en-GB" sz="1600" dirty="0">
+              <a:latin typeface="Consolas" panose="020B0609020204030204" pitchFamily="49" charset="0"/>
+              <a:cs typeface="Consolas" panose="020B0609020204030204" pitchFamily="49" charset="0"/>
+            </a:endParaRPr>
+          </a:p>
+        </p:txBody>
+      </p:sp>
+    </p:spTree>
+    <p:extLst>
+      <p:ext uri="{BB962C8B-B14F-4D97-AF65-F5344CB8AC3E}">
+        <p14:creationId xmlns:p14="http://schemas.microsoft.com/office/powerpoint/2010/main" val="3015188310"/>
+      </p:ext>
+    </p:extLst>
+  </p:cSld>
+  <p:clrMapOvr>
+    <a:masterClrMapping/>
+  </p:clrMapOvr>
+  <p:timing>
+    <p:tnLst>
+      <p:par>
+        <p:cTn id="1" dur="indefinite" restart="never" nodeType="tmRoot"/>
+      </p:par>
+    </p:tnLst>
+  </p:timing>
+</p:sld>
+</file>
+
+<file path=ppt/slides/slide38.xml><?xml version="1.0" encoding="utf-8"?>
+<p:sld xmlns:a="http://schemas.openxmlformats.org/drawingml/2006/main" xmlns:r="http://schemas.openxmlformats.org/officeDocument/2006/relationships" xmlns:p="http://schemas.openxmlformats.org/presentationml/2006/main">
+  <p:cSld>
+    <p:spTree>
+      <p:nvGrpSpPr>
+        <p:cNvPr id="1" name=""/>
+        <p:cNvGrpSpPr/>
+        <p:nvPr/>
+      </p:nvGrpSpPr>
+      <p:grpSpPr>
+        <a:xfrm>
+          <a:off x="0" y="0"/>
+          <a:ext cx="0" cy="0"/>
+          <a:chOff x="0" y="0"/>
+          <a:chExt cx="0" cy="0"/>
+        </a:xfrm>
+      </p:grpSpPr>
+      <p:sp>
+        <p:nvSpPr>
+          <p:cNvPr id="2" name="Titel 1"/>
+          <p:cNvSpPr>
+            <a:spLocks noGrp="1"/>
+          </p:cNvSpPr>
+          <p:nvPr>
+            <p:ph type="title"/>
+          </p:nvPr>
+        </p:nvSpPr>
+        <p:spPr/>
+        <p:txBody>
           <a:bodyPr/>
           <a:lstStyle/>
           <a:p>
@@ -18143,7 +19596,7 @@
             <a:fld id="{6C6AE60A-B69C-4790-82F7-3882EDF23186}" type="slidenum">
               <a:rPr lang="en-US" smtClean="0"/>
               <a:pPr/>
-              <a:t>37</a:t>
+              <a:t>38</a:t>
             </a:fld>
             <a:endParaRPr lang="en-US"/>
           </a:p>
@@ -18182,7 +19635,11 @@
               <a:rPr lang="en-US" sz="2800" dirty="0" smtClean="0">
                 <a:hlinkClick r:id="rId2"/>
               </a:rPr>
-              <a:t>dev.heuristiclab.com/trac/hl/core/wiki/UsersHowtos</a:t>
+              <a:t>dev.heuristiclab.com/trac.fcgi/wiki/Documentation</a:t>
+            </a:r>
+            <a:r>
+              <a:rPr lang="en-US" sz="2800" dirty="0" smtClean="0"/>
+              <a:t> </a:t>
             </a:r>
             <a:endParaRPr lang="en-US" sz="2800" dirty="0" smtClean="0"/>
           </a:p>
@@ -18193,22 +19650,20 @@
           <a:p>
             <a:pPr algn="ctr"/>
             <a:r>
+              <a:rPr lang="en-US" sz="2800" dirty="0">
+                <a:hlinkClick r:id="rId3"/>
+              </a:rPr>
+              <a:t>http://</a:t>
+            </a:r>
+            <a:r>
               <a:rPr lang="en-US" sz="2800" dirty="0" smtClean="0">
                 <a:hlinkClick r:id="rId3"/>
               </a:rPr>
-              <a:t>http</a:t>
-            </a:r>
-            <a:r>
-              <a:rPr lang="en-US" sz="2800" dirty="0">
-                <a:hlinkClick r:id="rId3"/>
-              </a:rPr>
-              <a:t>://</a:t>
-            </a:r>
-            <a:r>
-              <a:rPr lang="en-US" sz="2800" dirty="0" smtClean="0">
-                <a:hlinkClick r:id="rId3"/>
-              </a:rPr>
-              <a:t>dev.heuristiclab.com/trac/hl/core/wiki/Publications</a:t>
+              <a:t>dev.heuristiclab.com/trac.fcgi/wiki/Research</a:t>
+            </a:r>
+            <a:r>
+              <a:rPr lang="en-US" sz="2800" dirty="0" smtClean="0"/>
+              <a:t> </a:t>
             </a:r>
             <a:endParaRPr lang="en-US" sz="2800" dirty="0" smtClean="0"/>
           </a:p>
@@ -18464,6 +19919,13 @@
   <p:clrMapOvr>
     <a:masterClrMapping/>
   </p:clrMapOvr>
+  <p:timing>
+    <p:tnLst>
+      <p:par>
+        <p:cTn id="1" dur="indefinite" restart="never" nodeType="tmRoot"/>
+      </p:par>
+    </p:tnLst>
+  </p:timing>
 </p:sld>
 </file>
 
@@ -18699,7 +20161,15 @@
           <a:p>
             <a:r>
               <a:rPr lang="en-US" dirty="0" smtClean="0"/>
-              <a:t>E.g. population size, analyzers, crossover operator</a:t>
+              <a:t>E.g</a:t>
+            </a:r>
+            <a:r>
+              <a:rPr lang="en-US" dirty="0" smtClean="0"/>
+              <a:t>., </a:t>
+            </a:r>
+            <a:r>
+              <a:rPr lang="en-US" dirty="0" smtClean="0"/>
+              <a:t>population size, analyzers, crossover operator</a:t>
             </a:r>
           </a:p>
           <a:p>
@@ -18902,7 +20372,10 @@
           <a:lstStyle/>
           <a:p>
             <a:r>
-              <a:rPr lang="en-US" sz="3800" dirty="0" err="1" smtClean="0"/>
+              <a:rPr lang="en-US" sz="3800" dirty="0" err="1" smtClean="0">
+                <a:latin typeface="Courier New" panose="02070309020205020404" pitchFamily="49" charset="0"/>
+                <a:cs typeface="Courier New" panose="02070309020205020404" pitchFamily="49" charset="0"/>
+              </a:rPr>
               <a:t>ValueParameter</a:t>
             </a:r>
             <a:r>
@@ -18914,7 +20387,15 @@
             <a:pPr lvl="1"/>
             <a:r>
               <a:rPr lang="en-US" dirty="0" smtClean="0"/>
-              <a:t>Stores a value (Item) that can be looked up. E.g. mutation rate, crossover operator,…</a:t>
+              <a:t>Stores a value (Item) that can be looked </a:t>
+            </a:r>
+            <a:r>
+              <a:rPr lang="en-US" dirty="0" smtClean="0"/>
+              <a:t>up; e.g., </a:t>
+            </a:r>
+            <a:r>
+              <a:rPr lang="en-US" dirty="0" smtClean="0"/>
+              <a:t>mutation rate, crossover operator,…</a:t>
             </a:r>
           </a:p>
           <a:p>
@@ -18922,7 +20403,10 @@
           </a:p>
           <a:p>
             <a:r>
-              <a:rPr lang="en-US" sz="3800" dirty="0" err="1"/>
+              <a:rPr lang="en-US" sz="3800" dirty="0" err="1">
+                <a:latin typeface="Courier New" panose="02070309020205020404" pitchFamily="49" charset="0"/>
+                <a:cs typeface="Courier New" panose="02070309020205020404" pitchFamily="49" charset="0"/>
+              </a:rPr>
               <a:t>LookupParameter</a:t>
             </a:r>
             <a:r>
@@ -18942,7 +20426,10 @@
           </a:p>
           <a:p>
             <a:r>
-              <a:rPr lang="en-US" sz="3800" dirty="0" err="1"/>
+              <a:rPr lang="en-US" sz="3800" dirty="0" err="1">
+                <a:latin typeface="Courier New" panose="02070309020205020404" pitchFamily="49" charset="0"/>
+                <a:cs typeface="Courier New" panose="02070309020205020404" pitchFamily="49" charset="0"/>
+              </a:rPr>
               <a:t>ConstrainedValueParameter</a:t>
             </a:r>
             <a:r>
@@ -18962,13 +20449,17 @@
           </a:p>
           <a:p>
             <a:r>
-              <a:rPr lang="en-US" sz="3800" dirty="0" err="1"/>
+              <a:rPr lang="en-US" sz="3800" dirty="0" err="1" smtClean="0">
+                <a:latin typeface="Courier New" panose="02070309020205020404" pitchFamily="49" charset="0"/>
+                <a:cs typeface="Courier New" panose="02070309020205020404" pitchFamily="49" charset="0"/>
+              </a:rPr>
               <a:t>ScopeTreeLookupParameter</a:t>
             </a:r>
             <a:r>
-              <a:rPr lang="en-US" sz="3800" dirty="0"/>
+              <a:rPr lang="en-US" sz="3800" dirty="0" smtClean="0"/>
               <a:t>: </a:t>
             </a:r>
+            <a:endParaRPr lang="en-US" sz="3800" dirty="0"/>
           </a:p>
           <a:p>
             <a:pPr lvl="1"/>
@@ -18982,7 +20473,10 @@
           </a:p>
           <a:p>
             <a:r>
-              <a:rPr lang="en-US" sz="3800" dirty="0" err="1"/>
+              <a:rPr lang="en-US" sz="3800" dirty="0" err="1">
+                <a:latin typeface="Courier New" panose="02070309020205020404" pitchFamily="49" charset="0"/>
+                <a:cs typeface="Courier New" panose="02070309020205020404" pitchFamily="49" charset="0"/>
+              </a:rPr>
               <a:t>ScopeParameter</a:t>
             </a:r>
             <a:r>
@@ -19003,39 +20497,66 @@
           </a:p>
           <a:p>
             <a:r>
-              <a:rPr lang="en-US" sz="3800" dirty="0" err="1"/>
+              <a:rPr lang="en-US" sz="3800" dirty="0" err="1">
+                <a:latin typeface="Courier New" panose="02070309020205020404" pitchFamily="49" charset="0"/>
+                <a:cs typeface="Courier New" panose="02070309020205020404" pitchFamily="49" charset="0"/>
+              </a:rPr>
               <a:t>ValueLookupParameter</a:t>
             </a:r>
             <a:r>
-              <a:rPr lang="en-US" sz="3800" dirty="0"/>
+              <a:rPr lang="en-US" sz="3800" dirty="0">
+                <a:latin typeface="Courier New" panose="02070309020205020404" pitchFamily="49" charset="0"/>
+                <a:cs typeface="Courier New" panose="02070309020205020404" pitchFamily="49" charset="0"/>
+              </a:rPr>
               <a:t>, </a:t>
             </a:r>
             <a:r>
-              <a:rPr lang="en-US" sz="3800" dirty="0" err="1"/>
+              <a:rPr lang="en-US" sz="3800" dirty="0" err="1">
+                <a:latin typeface="Courier New" panose="02070309020205020404" pitchFamily="49" charset="0"/>
+                <a:cs typeface="Courier New" panose="02070309020205020404" pitchFamily="49" charset="0"/>
+              </a:rPr>
               <a:t>OptionalConstrainedValueParameter</a:t>
             </a:r>
             <a:r>
-              <a:rPr lang="en-US" sz="3800" dirty="0"/>
+              <a:rPr lang="en-US" sz="3800" dirty="0">
+                <a:latin typeface="Courier New" panose="02070309020205020404" pitchFamily="49" charset="0"/>
+                <a:cs typeface="Courier New" panose="02070309020205020404" pitchFamily="49" charset="0"/>
+              </a:rPr>
               <a:t>, </a:t>
             </a:r>
             <a:r>
-              <a:rPr lang="en-US" sz="3800" dirty="0" err="1"/>
+              <a:rPr lang="en-US" sz="3800" dirty="0" err="1">
+                <a:latin typeface="Courier New" panose="02070309020205020404" pitchFamily="49" charset="0"/>
+                <a:cs typeface="Courier New" panose="02070309020205020404" pitchFamily="49" charset="0"/>
+              </a:rPr>
               <a:t>OperatorParameter</a:t>
             </a:r>
             <a:r>
-              <a:rPr lang="en-US" sz="3800" dirty="0"/>
+              <a:rPr lang="en-US" sz="3800" dirty="0">
+                <a:latin typeface="Courier New" panose="02070309020205020404" pitchFamily="49" charset="0"/>
+                <a:cs typeface="Courier New" panose="02070309020205020404" pitchFamily="49" charset="0"/>
+              </a:rPr>
               <a:t>, </a:t>
             </a:r>
             <a:r>
-              <a:rPr lang="en-US" sz="3800" dirty="0" err="1"/>
+              <a:rPr lang="en-US" sz="3800" dirty="0" err="1">
+                <a:latin typeface="Courier New" panose="02070309020205020404" pitchFamily="49" charset="0"/>
+                <a:cs typeface="Courier New" panose="02070309020205020404" pitchFamily="49" charset="0"/>
+              </a:rPr>
               <a:t>FixedValueParameter</a:t>
             </a:r>
             <a:r>
-              <a:rPr lang="en-US" sz="3800" dirty="0"/>
+              <a:rPr lang="en-US" sz="3800" dirty="0">
+                <a:latin typeface="Courier New" panose="02070309020205020404" pitchFamily="49" charset="0"/>
+                <a:cs typeface="Courier New" panose="02070309020205020404" pitchFamily="49" charset="0"/>
+              </a:rPr>
               <a:t>, </a:t>
             </a:r>
             <a:r>
-              <a:rPr lang="en-US" sz="3800" dirty="0" err="1"/>
+              <a:rPr lang="en-US" sz="3800" dirty="0" err="1">
+                <a:latin typeface="Courier New" panose="02070309020205020404" pitchFamily="49" charset="0"/>
+                <a:cs typeface="Courier New" panose="02070309020205020404" pitchFamily="49" charset="0"/>
+              </a:rPr>
               <a:t>OptionalValueParameter</a:t>
             </a:r>
             <a:r>
@@ -19197,12 +20718,23 @@
               <a:t>Everything that is a </a:t>
             </a:r>
             <a:r>
-              <a:rPr lang="en-US" dirty="0" err="1" smtClean="0"/>
+              <a:rPr lang="en-US" dirty="0" err="1" smtClean="0">
+                <a:latin typeface="Courier New" panose="02070309020205020404" pitchFamily="49" charset="0"/>
+                <a:cs typeface="Courier New" panose="02070309020205020404" pitchFamily="49" charset="0"/>
+              </a:rPr>
               <a:t>ParameterizedNamedItem</a:t>
             </a:r>
             <a:r>
               <a:rPr lang="en-US" dirty="0" smtClean="0"/>
-              <a:t> has a Parameters collection</a:t>
+              <a:t> has a </a:t>
+            </a:r>
+            <a:r>
+              <a:rPr lang="en-US" dirty="0" smtClean="0"/>
+              <a:t>parameters </a:t>
+            </a:r>
+            <a:r>
+              <a:rPr lang="en-US" dirty="0" smtClean="0"/>
+              <a:t>collection</a:t>
             </a:r>
           </a:p>
           <a:p>
@@ -19326,6 +20858,13 @@
   <p:clrMapOvr>
     <a:masterClrMapping/>
   </p:clrMapOvr>
+  <p:timing>
+    <p:tnLst>
+      <p:par>
+        <p:cTn id="1" dur="indefinite" restart="never" nodeType="tmRoot"/>
+      </p:par>
+    </p:tnLst>
+  </p:timing>
 </p:sld>
 </file>
 
@@ -19365,7 +20904,15 @@
           <a:p>
             <a:r>
               <a:rPr lang="en-US" dirty="0"/>
-              <a:t>Add parameter to Parameters collection</a:t>
+              <a:t>Add parameter to </a:t>
+            </a:r>
+            <a:r>
+              <a:rPr lang="en-US" dirty="0" smtClean="0"/>
+              <a:t>parameters </a:t>
+            </a:r>
+            <a:r>
+              <a:rPr lang="en-US" dirty="0"/>
+              <a:t>collection</a:t>
             </a:r>
             <a:endParaRPr lang="de-AT" dirty="0"/>
           </a:p>

--- a/documentation/Tutorials/Programming HeuristicLab - Algorithms and Problems.pptx
+++ b/documentation/Tutorials/Programming HeuristicLab - Algorithms and Problems.pptx
@@ -5510,7 +5510,7 @@
         </p:nvSpPr>
         <p:spPr bwMode="auto">
           <a:xfrm>
-            <a:off x="700844" y="4593610"/>
+            <a:off x="792088" y="4593610"/>
             <a:ext cx="3779912" cy="276999"/>
           </a:xfrm>
           <a:prstGeom prst="rect">
@@ -5621,7 +5621,7 @@
         </p:nvSpPr>
         <p:spPr bwMode="auto">
           <a:xfrm>
-            <a:off x="683568" y="2276872"/>
+            <a:off x="793661" y="2276872"/>
             <a:ext cx="8170827" cy="830997"/>
           </a:xfrm>
           <a:prstGeom prst="rect">
@@ -9798,15 +9798,7 @@
           <a:p>
             <a:r>
               <a:rPr lang="en-US" dirty="0" smtClean="0"/>
-              <a:t>Contains variables (e.g</a:t>
-            </a:r>
-            <a:r>
-              <a:rPr lang="en-US" dirty="0" smtClean="0"/>
-              <a:t>., </a:t>
-            </a:r>
-            <a:r>
-              <a:rPr lang="en-US" dirty="0" smtClean="0"/>
-              <a:t>solutions or their quality)</a:t>
+              <a:t>Contains variables (e.g., solutions or their quality)</a:t>
             </a:r>
           </a:p>
           <a:p>
@@ -11785,15 +11777,7 @@
           <a:p>
             <a:r>
               <a:rPr lang="en-US" dirty="0" smtClean="0"/>
-              <a:t>Base </a:t>
-            </a:r>
-            <a:r>
-              <a:rPr lang="en-US" dirty="0" smtClean="0"/>
-              <a:t>classes/Interfaces </a:t>
-            </a:r>
-            <a:r>
-              <a:rPr lang="en-US" dirty="0" smtClean="0"/>
-              <a:t/>
+              <a:t>Base classes/Interfaces </a:t>
             </a:r>
             <a:br>
               <a:rPr lang="en-US" dirty="0" smtClean="0"/>
@@ -11960,11 +11944,7 @@
             </a:r>
             <a:r>
               <a:rPr lang="en-US" dirty="0" smtClean="0"/>
-              <a:t>classes/Interfaces </a:t>
-            </a:r>
-            <a:r>
-              <a:rPr lang="en-US" dirty="0" smtClean="0"/>
-              <a:t>for </a:t>
+              <a:t>classes/Interfaces for </a:t>
             </a:r>
             <a:r>
               <a:rPr lang="en-US" dirty="0"/>
@@ -12314,15 +12294,7 @@
           <a:p>
             <a:r>
               <a:rPr lang="en-US" dirty="0" smtClean="0"/>
-              <a:t>Discover operators from the </a:t>
-            </a:r>
-            <a:r>
-              <a:rPr lang="en-US" dirty="0" smtClean="0"/>
-              <a:t>operators </a:t>
-            </a:r>
-            <a:r>
-              <a:rPr lang="en-US" dirty="0" smtClean="0"/>
-              <a:t>collection of the problem/encoding</a:t>
+              <a:t>Discover operators from the operators collection of the problem/encoding</a:t>
             </a:r>
           </a:p>
           <a:p>
@@ -12528,13 +12500,8 @@
             <a:pPr lvl="1"/>
             <a:r>
               <a:rPr lang="en-GB" dirty="0" smtClean="0"/>
-              <a:t>Don’t support </a:t>
-            </a:r>
-            <a:r>
-              <a:rPr lang="en-GB" dirty="0" smtClean="0"/>
-              <a:t>pausing</a:t>
-            </a:r>
-            <a:endParaRPr lang="en-GB" dirty="0" smtClean="0"/>
+              <a:t>Don’t support pausing</a:t>
+            </a:r>
           </a:p>
         </p:txBody>
       </p:sp>
@@ -15250,21 +15217,8 @@
           <a:p>
             <a:r>
               <a:rPr lang="en-US" dirty="0" smtClean="0"/>
-              <a:t>Contain the „problem data“ (e.g</a:t>
-            </a:r>
-            <a:r>
-              <a:rPr lang="en-US" dirty="0" smtClean="0"/>
-              <a:t>., </a:t>
-            </a:r>
-            <a:r>
-              <a:rPr lang="en-US" dirty="0" smtClean="0"/>
-              <a:t>a distance matrix, a simulation, a function definition), usually supplied by a </a:t>
-            </a:r>
-            <a:r>
-              <a:rPr lang="en-US" dirty="0" smtClean="0"/>
-              <a:t>problem instance provider</a:t>
-            </a:r>
-            <a:endParaRPr lang="en-US" dirty="0" smtClean="0"/>
+              <a:t>Contain the „problem data“ (e.g., a distance matrix, a simulation, a function definition), usually supplied by a problem instance provider</a:t>
+            </a:r>
           </a:p>
           <a:p>
             <a:r>
@@ -15754,15 +15708,7 @@
           <a:p>
             <a:r>
               <a:rPr lang="en-US" dirty="0" smtClean="0"/>
-              <a:t>Base </a:t>
-            </a:r>
-            <a:r>
-              <a:rPr lang="en-US" dirty="0" smtClean="0"/>
-              <a:t>classes/Interfaces </a:t>
-            </a:r>
-            <a:r>
-              <a:rPr lang="en-US" dirty="0" smtClean="0"/>
-              <a:t>for problems</a:t>
+              <a:t>Base classes/Interfaces for problems</a:t>
             </a:r>
             <a:endParaRPr lang="en-US" dirty="0"/>
           </a:p>
@@ -16431,15 +16377,7 @@
             </a:r>
             <a:r>
               <a:rPr lang="en-GB" sz="3200" dirty="0" smtClean="0"/>
-              <a:t>types, e.g</a:t>
-            </a:r>
-            <a:r>
-              <a:rPr lang="en-GB" sz="3200" dirty="0" smtClean="0"/>
-              <a:t>., </a:t>
-            </a:r>
-            <a:r>
-              <a:rPr lang="en-GB" sz="3200" dirty="0" smtClean="0"/>
-              <a:t>algorithms that use very specific operators</a:t>
+              <a:t>types, e.g., algorithms that use very specific operators</a:t>
             </a:r>
           </a:p>
           <a:p>
@@ -16806,13 +16744,8 @@
           <a:p>
             <a:r>
               <a:rPr lang="en-GB" dirty="0" smtClean="0"/>
-              <a:t>Define </a:t>
-            </a:r>
-            <a:r>
-              <a:rPr lang="en-GB" dirty="0" smtClean="0"/>
-              <a:t>encoding</a:t>
-            </a:r>
-            <a:endParaRPr lang="en-GB" dirty="0" smtClean="0"/>
+              <a:t>Define encoding</a:t>
+            </a:r>
           </a:p>
           <a:p>
             <a:endParaRPr lang="en-GB" dirty="0"/>
@@ -17679,7 +17612,7 @@
         </p:nvSpPr>
         <p:spPr bwMode="auto">
           <a:xfrm>
-            <a:off x="718480" y="3796823"/>
+            <a:off x="827584" y="3796823"/>
             <a:ext cx="7048546" cy="276999"/>
           </a:xfrm>
           <a:prstGeom prst="rect">
@@ -17958,7 +17891,7 @@
         </p:nvSpPr>
         <p:spPr bwMode="auto">
           <a:xfrm>
-            <a:off x="718480" y="5445224"/>
+            <a:off x="827584" y="5445224"/>
             <a:ext cx="7408586" cy="461665"/>
           </a:xfrm>
           <a:prstGeom prst="rect">
@@ -18812,7 +18745,27 @@
                 <a:latin typeface="Consolas" panose="020B0609020204030204" pitchFamily="49" charset="0"/>
                 <a:cs typeface="Consolas" panose="020B0609020204030204" pitchFamily="49" charset="0"/>
               </a:rPr>
-              <a:t>) : </a:t>
+              <a:t>) </a:t>
+            </a:r>
+            <a:endParaRPr lang="de-DE" sz="1600" dirty="0" smtClean="0">
+              <a:latin typeface="Consolas" panose="020B0609020204030204" pitchFamily="49" charset="0"/>
+              <a:cs typeface="Consolas" panose="020B0609020204030204" pitchFamily="49" charset="0"/>
+            </a:endParaRPr>
+          </a:p>
+          <a:p>
+            <a:r>
+              <a:rPr lang="de-DE" sz="1600" dirty="0">
+                <a:latin typeface="Consolas" panose="020B0609020204030204" pitchFamily="49" charset="0"/>
+                <a:cs typeface="Consolas" panose="020B0609020204030204" pitchFamily="49" charset="0"/>
+              </a:rPr>
+              <a:t>	</a:t>
+            </a:r>
+            <a:r>
+              <a:rPr lang="de-DE" sz="1600" dirty="0" smtClean="0">
+                <a:latin typeface="Consolas" panose="020B0609020204030204" pitchFamily="49" charset="0"/>
+                <a:cs typeface="Consolas" panose="020B0609020204030204" pitchFamily="49" charset="0"/>
+              </a:rPr>
+              <a:t>: </a:t>
             </a:r>
             <a:r>
               <a:rPr lang="de-DE" sz="1600" b="1" dirty="0" err="1">
@@ -19641,7 +19594,6 @@
               <a:rPr lang="en-US" sz="2800" dirty="0" smtClean="0"/>
               <a:t> </a:t>
             </a:r>
-            <a:endParaRPr lang="en-US" sz="2800" dirty="0" smtClean="0"/>
           </a:p>
           <a:p>
             <a:pPr algn="ctr"/>
@@ -19665,7 +19617,6 @@
               <a:rPr lang="en-US" sz="2800" dirty="0" smtClean="0"/>
               <a:t> </a:t>
             </a:r>
-            <a:endParaRPr lang="en-US" sz="2800" dirty="0" smtClean="0"/>
           </a:p>
           <a:p>
             <a:pPr algn="ctr"/>
@@ -20161,15 +20112,7 @@
           <a:p>
             <a:r>
               <a:rPr lang="en-US" dirty="0" smtClean="0"/>
-              <a:t>E.g</a:t>
-            </a:r>
-            <a:r>
-              <a:rPr lang="en-US" dirty="0" smtClean="0"/>
-              <a:t>., </a:t>
-            </a:r>
-            <a:r>
-              <a:rPr lang="en-US" dirty="0" smtClean="0"/>
-              <a:t>population size, analyzers, crossover operator</a:t>
+              <a:t>E.g., population size, analyzers, crossover operator</a:t>
             </a:r>
           </a:p>
           <a:p>
@@ -20387,15 +20330,7 @@
             <a:pPr lvl="1"/>
             <a:r>
               <a:rPr lang="en-US" dirty="0" smtClean="0"/>
-              <a:t>Stores a value (Item) that can be looked </a:t>
-            </a:r>
-            <a:r>
-              <a:rPr lang="en-US" dirty="0" smtClean="0"/>
-              <a:t>up; e.g., </a:t>
-            </a:r>
-            <a:r>
-              <a:rPr lang="en-US" dirty="0" smtClean="0"/>
-              <a:t>mutation rate, crossover operator,…</a:t>
+              <a:t>Stores a value (Item) that can be looked up; e.g., mutation rate, crossover operator,…</a:t>
             </a:r>
           </a:p>
           <a:p>
@@ -20726,7 +20661,20 @@
             </a:r>
             <a:r>
               <a:rPr lang="en-US" dirty="0" smtClean="0"/>
-              <a:t> has a </a:t>
+              <a:t> has a parameters collection</a:t>
+            </a:r>
+          </a:p>
+          <a:p>
+            <a:r>
+              <a:rPr lang="en-US" dirty="0" smtClean="0"/>
+              <a:t>Normally used in the following way:</a:t>
+            </a:r>
+          </a:p>
+          <a:p>
+            <a:pPr lvl="1"/>
+            <a:r>
+              <a:rPr lang="en-US" dirty="0" smtClean="0"/>
+              <a:t>Add parameter to </a:t>
             </a:r>
             <a:r>
               <a:rPr lang="en-US" dirty="0" smtClean="0"/>
@@ -20735,19 +20683,6 @@
             <a:r>
               <a:rPr lang="en-US" dirty="0" smtClean="0"/>
               <a:t>collection</a:t>
-            </a:r>
-          </a:p>
-          <a:p>
-            <a:r>
-              <a:rPr lang="en-US" dirty="0" smtClean="0"/>
-              <a:t>Normally used in the following way:</a:t>
-            </a:r>
-          </a:p>
-          <a:p>
-            <a:pPr lvl="1"/>
-            <a:r>
-              <a:rPr lang="en-US" dirty="0" smtClean="0"/>
-              <a:t>Add parameter to Parameters collection</a:t>
             </a:r>
             <a:endParaRPr lang="en-US" dirty="0"/>
           </a:p>
@@ -21134,6 +21069,936 @@
           </a:p>
         </p:txBody>
       </p:sp>
+      <p:sp>
+        <p:nvSpPr>
+          <p:cNvPr id="8" name="Rectangle 1"/>
+          <p:cNvSpPr>
+            <a:spLocks noChangeArrowheads="1"/>
+          </p:cNvSpPr>
+          <p:nvPr/>
+        </p:nvSpPr>
+        <p:spPr bwMode="auto">
+          <a:xfrm>
+            <a:off x="747936" y="3194496"/>
+            <a:ext cx="6200328" cy="461665"/>
+          </a:xfrm>
+          <a:prstGeom prst="rect">
+            <a:avLst/>
+          </a:prstGeom>
+          <a:solidFill>
+            <a:srgbClr val="FFFFFF"/>
+          </a:solidFill>
+          <a:ln>
+            <a:noFill/>
+          </a:ln>
+          <a:effectLst/>
+          <a:extLst>
+            <a:ext uri="{91240B29-F687-4F45-9708-019B960494DF}">
+              <a14:hiddenLine xmlns:a14="http://schemas.microsoft.com/office/drawing/2010/main" w="9525">
+                <a:solidFill>
+                  <a:schemeClr val="tx1"/>
+                </a:solidFill>
+                <a:miter lim="800000"/>
+                <a:headEnd/>
+                <a:tailEnd/>
+              </a14:hiddenLine>
+            </a:ext>
+            <a:ext uri="{AF507438-7753-43E0-B8FC-AC1667EBCBE1}">
+              <a14:hiddenEffects xmlns:a14="http://schemas.microsoft.com/office/drawing/2010/main">
+                <a:effectLst>
+                  <a:outerShdw dist="35921" dir="2700000" algn="ctr" rotWithShape="0">
+                    <a:schemeClr val="bg2"/>
+                  </a:outerShdw>
+                </a:effectLst>
+              </a14:hiddenEffects>
+            </a:ext>
+          </a:extLst>
+        </p:spPr>
+        <p:txBody>
+          <a:bodyPr vert="horz" wrap="square" lIns="91440" tIns="45720" rIns="91440" bIns="45720" numCol="1" anchor="ctr" anchorCtr="0" compatLnSpc="1">
+            <a:prstTxWarp prst="textNoShape">
+              <a:avLst/>
+            </a:prstTxWarp>
+            <a:spAutoFit/>
+          </a:bodyPr>
+          <a:lstStyle/>
+          <a:p>
+            <a:pPr marL="0" marR="0" lvl="0" indent="0" algn="l" defTabSz="914400" rtl="0" eaLnBrk="0" fontAlgn="base" latinLnBrk="0" hangingPunct="0">
+              <a:lnSpc>
+                <a:spcPct val="100000"/>
+              </a:lnSpc>
+              <a:spcBef>
+                <a:spcPct val="0"/>
+              </a:spcBef>
+              <a:spcAft>
+                <a:spcPct val="0"/>
+              </a:spcAft>
+              <a:buClrTx/>
+              <a:buSzTx/>
+              <a:buFontTx/>
+              <a:buNone/>
+              <a:tabLst/>
+            </a:pPr>
+            <a:r>
+              <a:rPr kumimoji="0" lang="de-DE" altLang="de-DE" sz="1200" b="0" i="0" u="none" strike="noStrike" cap="none" normalizeH="0" baseline="0" dirty="0" err="1" smtClean="0">
+                <a:ln>
+                  <a:noFill/>
+                </a:ln>
+                <a:solidFill>
+                  <a:srgbClr val="000000"/>
+                </a:solidFill>
+                <a:effectLst/>
+                <a:latin typeface="Consolas" panose="020B0609020204030204" pitchFamily="49" charset="0"/>
+                <a:cs typeface="Consolas" panose="020B0609020204030204" pitchFamily="49" charset="0"/>
+              </a:rPr>
+              <a:t>Parameters.Add</a:t>
+            </a:r>
+            <a:r>
+              <a:rPr kumimoji="0" lang="de-DE" altLang="de-DE" sz="1200" b="0" i="0" u="none" strike="noStrike" cap="none" normalizeH="0" baseline="0" dirty="0" smtClean="0">
+                <a:ln>
+                  <a:noFill/>
+                </a:ln>
+                <a:solidFill>
+                  <a:srgbClr val="000000"/>
+                </a:solidFill>
+                <a:effectLst/>
+                <a:latin typeface="Consolas" panose="020B0609020204030204" pitchFamily="49" charset="0"/>
+                <a:cs typeface="Consolas" panose="020B0609020204030204" pitchFamily="49" charset="0"/>
+              </a:rPr>
+              <a:t>(</a:t>
+            </a:r>
+            <a:r>
+              <a:rPr kumimoji="0" lang="de-DE" altLang="de-DE" sz="1200" b="0" i="0" u="none" strike="noStrike" cap="none" normalizeH="0" baseline="0" dirty="0" err="1" smtClean="0">
+                <a:ln>
+                  <a:noFill/>
+                </a:ln>
+                <a:solidFill>
+                  <a:srgbClr val="0000FF"/>
+                </a:solidFill>
+                <a:effectLst/>
+                <a:latin typeface="Consolas" panose="020B0609020204030204" pitchFamily="49" charset="0"/>
+                <a:cs typeface="Consolas" panose="020B0609020204030204" pitchFamily="49" charset="0"/>
+              </a:rPr>
+              <a:t>new</a:t>
+            </a:r>
+            <a:r>
+              <a:rPr kumimoji="0" lang="de-DE" altLang="de-DE" sz="1200" b="0" i="0" u="none" strike="noStrike" cap="none" normalizeH="0" baseline="0" dirty="0" smtClean="0">
+                <a:ln>
+                  <a:noFill/>
+                </a:ln>
+                <a:solidFill>
+                  <a:srgbClr val="000000"/>
+                </a:solidFill>
+                <a:effectLst/>
+                <a:latin typeface="Consolas" panose="020B0609020204030204" pitchFamily="49" charset="0"/>
+                <a:cs typeface="Consolas" panose="020B0609020204030204" pitchFamily="49" charset="0"/>
+              </a:rPr>
+              <a:t> </a:t>
+            </a:r>
+            <a:r>
+              <a:rPr kumimoji="0" lang="de-DE" altLang="de-DE" sz="1200" b="0" i="0" u="none" strike="noStrike" cap="none" normalizeH="0" baseline="0" dirty="0" err="1" smtClean="0">
+                <a:ln>
+                  <a:noFill/>
+                </a:ln>
+                <a:solidFill>
+                  <a:srgbClr val="2B91AF"/>
+                </a:solidFill>
+                <a:effectLst/>
+                <a:latin typeface="Consolas" panose="020B0609020204030204" pitchFamily="49" charset="0"/>
+                <a:cs typeface="Consolas" panose="020B0609020204030204" pitchFamily="49" charset="0"/>
+              </a:rPr>
+              <a:t>ConstrainedValueParameter</a:t>
+            </a:r>
+            <a:r>
+              <a:rPr kumimoji="0" lang="de-DE" altLang="de-DE" sz="1200" b="0" i="0" u="none" strike="noStrike" cap="none" normalizeH="0" baseline="0" dirty="0" smtClean="0">
+                <a:ln>
+                  <a:noFill/>
+                </a:ln>
+                <a:solidFill>
+                  <a:srgbClr val="000000"/>
+                </a:solidFill>
+                <a:effectLst/>
+                <a:latin typeface="Consolas" panose="020B0609020204030204" pitchFamily="49" charset="0"/>
+                <a:cs typeface="Consolas" panose="020B0609020204030204" pitchFamily="49" charset="0"/>
+              </a:rPr>
+              <a:t>&lt;</a:t>
+            </a:r>
+            <a:r>
+              <a:rPr kumimoji="0" lang="de-DE" altLang="de-DE" sz="1200" b="0" i="0" u="none" strike="noStrike" cap="none" normalizeH="0" baseline="0" dirty="0" err="1" smtClean="0">
+                <a:ln>
+                  <a:noFill/>
+                </a:ln>
+                <a:solidFill>
+                  <a:srgbClr val="2B91AF"/>
+                </a:solidFill>
+                <a:effectLst/>
+                <a:latin typeface="Consolas" panose="020B0609020204030204" pitchFamily="49" charset="0"/>
+                <a:cs typeface="Consolas" panose="020B0609020204030204" pitchFamily="49" charset="0"/>
+              </a:rPr>
+              <a:t>ICrossover</a:t>
+            </a:r>
+            <a:r>
+              <a:rPr kumimoji="0" lang="de-DE" altLang="de-DE" sz="1200" b="0" i="0" u="none" strike="noStrike" cap="none" normalizeH="0" baseline="0" dirty="0" smtClean="0">
+                <a:ln>
+                  <a:noFill/>
+                </a:ln>
+                <a:solidFill>
+                  <a:srgbClr val="000000"/>
+                </a:solidFill>
+                <a:effectLst/>
+                <a:latin typeface="Consolas" panose="020B0609020204030204" pitchFamily="49" charset="0"/>
+                <a:cs typeface="Consolas" panose="020B0609020204030204" pitchFamily="49" charset="0"/>
+              </a:rPr>
+              <a:t>&gt;(</a:t>
+            </a:r>
+            <a:r>
+              <a:rPr kumimoji="0" lang="de-DE" altLang="de-DE" sz="1200" b="0" i="0" u="none" strike="noStrike" cap="none" normalizeH="0" baseline="0" dirty="0" smtClean="0">
+                <a:ln>
+                  <a:noFill/>
+                </a:ln>
+                <a:solidFill>
+                  <a:srgbClr val="A31515"/>
+                </a:solidFill>
+                <a:effectLst/>
+                <a:latin typeface="Consolas" panose="020B0609020204030204" pitchFamily="49" charset="0"/>
+                <a:cs typeface="Consolas" panose="020B0609020204030204" pitchFamily="49" charset="0"/>
+              </a:rPr>
+              <a:t>"Crossover"</a:t>
+            </a:r>
+            <a:r>
+              <a:rPr kumimoji="0" lang="de-DE" altLang="de-DE" sz="1200" b="0" i="0" u="none" strike="noStrike" cap="none" normalizeH="0" baseline="0" dirty="0" smtClean="0">
+                <a:ln>
+                  <a:noFill/>
+                </a:ln>
+                <a:solidFill>
+                  <a:srgbClr val="000000"/>
+                </a:solidFill>
+                <a:effectLst/>
+                <a:latin typeface="Consolas" panose="020B0609020204030204" pitchFamily="49" charset="0"/>
+                <a:cs typeface="Consolas" panose="020B0609020204030204" pitchFamily="49" charset="0"/>
+              </a:rPr>
+              <a:t>, </a:t>
+            </a:r>
+          </a:p>
+          <a:p>
+            <a:pPr marL="0" marR="0" lvl="0" indent="0" algn="l" defTabSz="914400" rtl="0" eaLnBrk="0" fontAlgn="base" latinLnBrk="0" hangingPunct="0">
+              <a:lnSpc>
+                <a:spcPct val="100000"/>
+              </a:lnSpc>
+              <a:spcBef>
+                <a:spcPct val="0"/>
+              </a:spcBef>
+              <a:spcAft>
+                <a:spcPct val="0"/>
+              </a:spcAft>
+              <a:buClrTx/>
+              <a:buSzTx/>
+              <a:buFontTx/>
+              <a:buNone/>
+              <a:tabLst/>
+            </a:pPr>
+            <a:r>
+              <a:rPr kumimoji="0" lang="de-DE" altLang="de-DE" sz="1200" b="0" i="0" u="none" strike="noStrike" cap="none" normalizeH="0" baseline="0" dirty="0" smtClean="0">
+                <a:ln>
+                  <a:noFill/>
+                </a:ln>
+                <a:solidFill>
+                  <a:srgbClr val="A31515"/>
+                </a:solidFill>
+                <a:effectLst/>
+                <a:latin typeface="Consolas" panose="020B0609020204030204" pitchFamily="49" charset="0"/>
+                <a:cs typeface="Consolas" panose="020B0609020204030204" pitchFamily="49" charset="0"/>
+              </a:rPr>
+              <a:t>"The </a:t>
+            </a:r>
+            <a:r>
+              <a:rPr kumimoji="0" lang="de-DE" altLang="de-DE" sz="1200" b="0" i="0" u="none" strike="noStrike" cap="none" normalizeH="0" baseline="0" dirty="0" err="1" smtClean="0">
+                <a:ln>
+                  <a:noFill/>
+                </a:ln>
+                <a:solidFill>
+                  <a:srgbClr val="A31515"/>
+                </a:solidFill>
+                <a:effectLst/>
+                <a:latin typeface="Consolas" panose="020B0609020204030204" pitchFamily="49" charset="0"/>
+                <a:cs typeface="Consolas" panose="020B0609020204030204" pitchFamily="49" charset="0"/>
+              </a:rPr>
+              <a:t>operator</a:t>
+            </a:r>
+            <a:r>
+              <a:rPr kumimoji="0" lang="de-DE" altLang="de-DE" sz="1200" b="0" i="0" u="none" strike="noStrike" cap="none" normalizeH="0" baseline="0" dirty="0" smtClean="0">
+                <a:ln>
+                  <a:noFill/>
+                </a:ln>
+                <a:solidFill>
+                  <a:srgbClr val="A31515"/>
+                </a:solidFill>
+                <a:effectLst/>
+                <a:latin typeface="Consolas" panose="020B0609020204030204" pitchFamily="49" charset="0"/>
+                <a:cs typeface="Consolas" panose="020B0609020204030204" pitchFamily="49" charset="0"/>
+              </a:rPr>
+              <a:t> </a:t>
+            </a:r>
+            <a:r>
+              <a:rPr kumimoji="0" lang="de-DE" altLang="de-DE" sz="1200" b="0" i="0" u="none" strike="noStrike" cap="none" normalizeH="0" baseline="0" dirty="0" err="1" smtClean="0">
+                <a:ln>
+                  <a:noFill/>
+                </a:ln>
+                <a:solidFill>
+                  <a:srgbClr val="A31515"/>
+                </a:solidFill>
+                <a:effectLst/>
+                <a:latin typeface="Consolas" panose="020B0609020204030204" pitchFamily="49" charset="0"/>
+                <a:cs typeface="Consolas" panose="020B0609020204030204" pitchFamily="49" charset="0"/>
+              </a:rPr>
+              <a:t>used</a:t>
+            </a:r>
+            <a:r>
+              <a:rPr kumimoji="0" lang="de-DE" altLang="de-DE" sz="1200" b="0" i="0" u="none" strike="noStrike" cap="none" normalizeH="0" baseline="0" dirty="0" smtClean="0">
+                <a:ln>
+                  <a:noFill/>
+                </a:ln>
+                <a:solidFill>
+                  <a:srgbClr val="A31515"/>
+                </a:solidFill>
+                <a:effectLst/>
+                <a:latin typeface="Consolas" panose="020B0609020204030204" pitchFamily="49" charset="0"/>
+                <a:cs typeface="Consolas" panose="020B0609020204030204" pitchFamily="49" charset="0"/>
+              </a:rPr>
+              <a:t> </a:t>
+            </a:r>
+            <a:r>
+              <a:rPr kumimoji="0" lang="de-DE" altLang="de-DE" sz="1200" b="0" i="0" u="none" strike="noStrike" cap="none" normalizeH="0" baseline="0" dirty="0" err="1" smtClean="0">
+                <a:ln>
+                  <a:noFill/>
+                </a:ln>
+                <a:solidFill>
+                  <a:srgbClr val="A31515"/>
+                </a:solidFill>
+                <a:effectLst/>
+                <a:latin typeface="Consolas" panose="020B0609020204030204" pitchFamily="49" charset="0"/>
+                <a:cs typeface="Consolas" panose="020B0609020204030204" pitchFamily="49" charset="0"/>
+              </a:rPr>
+              <a:t>to</a:t>
+            </a:r>
+            <a:r>
+              <a:rPr kumimoji="0" lang="de-DE" altLang="de-DE" sz="1200" b="0" i="0" u="none" strike="noStrike" cap="none" normalizeH="0" baseline="0" dirty="0" smtClean="0">
+                <a:ln>
+                  <a:noFill/>
+                </a:ln>
+                <a:solidFill>
+                  <a:srgbClr val="A31515"/>
+                </a:solidFill>
+                <a:effectLst/>
+                <a:latin typeface="Consolas" panose="020B0609020204030204" pitchFamily="49" charset="0"/>
+                <a:cs typeface="Consolas" panose="020B0609020204030204" pitchFamily="49" charset="0"/>
+              </a:rPr>
+              <a:t> </a:t>
+            </a:r>
+            <a:r>
+              <a:rPr kumimoji="0" lang="de-DE" altLang="de-DE" sz="1200" b="0" i="0" u="none" strike="noStrike" cap="none" normalizeH="0" baseline="0" dirty="0" err="1" smtClean="0">
+                <a:ln>
+                  <a:noFill/>
+                </a:ln>
+                <a:solidFill>
+                  <a:srgbClr val="A31515"/>
+                </a:solidFill>
+                <a:effectLst/>
+                <a:latin typeface="Consolas" panose="020B0609020204030204" pitchFamily="49" charset="0"/>
+                <a:cs typeface="Consolas" panose="020B0609020204030204" pitchFamily="49" charset="0"/>
+              </a:rPr>
+              <a:t>cross</a:t>
+            </a:r>
+            <a:r>
+              <a:rPr kumimoji="0" lang="de-DE" altLang="de-DE" sz="1200" b="0" i="0" u="none" strike="noStrike" cap="none" normalizeH="0" baseline="0" dirty="0" smtClean="0">
+                <a:ln>
+                  <a:noFill/>
+                </a:ln>
+                <a:solidFill>
+                  <a:srgbClr val="A31515"/>
+                </a:solidFill>
+                <a:effectLst/>
+                <a:latin typeface="Consolas" panose="020B0609020204030204" pitchFamily="49" charset="0"/>
+                <a:cs typeface="Consolas" panose="020B0609020204030204" pitchFamily="49" charset="0"/>
+              </a:rPr>
+              <a:t> </a:t>
+            </a:r>
+            <a:r>
+              <a:rPr kumimoji="0" lang="de-DE" altLang="de-DE" sz="1200" b="0" i="0" u="none" strike="noStrike" cap="none" normalizeH="0" baseline="0" dirty="0" err="1" smtClean="0">
+                <a:ln>
+                  <a:noFill/>
+                </a:ln>
+                <a:solidFill>
+                  <a:srgbClr val="A31515"/>
+                </a:solidFill>
+                <a:effectLst/>
+                <a:latin typeface="Consolas" panose="020B0609020204030204" pitchFamily="49" charset="0"/>
+                <a:cs typeface="Consolas" panose="020B0609020204030204" pitchFamily="49" charset="0"/>
+              </a:rPr>
+              <a:t>solutions</a:t>
+            </a:r>
+            <a:r>
+              <a:rPr kumimoji="0" lang="de-DE" altLang="de-DE" sz="1200" b="0" i="0" u="none" strike="noStrike" cap="none" normalizeH="0" baseline="0" dirty="0" smtClean="0">
+                <a:ln>
+                  <a:noFill/>
+                </a:ln>
+                <a:solidFill>
+                  <a:srgbClr val="A31515"/>
+                </a:solidFill>
+                <a:effectLst/>
+                <a:latin typeface="Consolas" panose="020B0609020204030204" pitchFamily="49" charset="0"/>
+                <a:cs typeface="Consolas" panose="020B0609020204030204" pitchFamily="49" charset="0"/>
+              </a:rPr>
+              <a:t>."</a:t>
+            </a:r>
+            <a:r>
+              <a:rPr kumimoji="0" lang="de-DE" altLang="de-DE" sz="1200" b="0" i="0" u="none" strike="noStrike" cap="none" normalizeH="0" baseline="0" dirty="0" smtClean="0">
+                <a:ln>
+                  <a:noFill/>
+                </a:ln>
+                <a:solidFill>
+                  <a:srgbClr val="000000"/>
+                </a:solidFill>
+                <a:effectLst/>
+                <a:latin typeface="Consolas" panose="020B0609020204030204" pitchFamily="49" charset="0"/>
+                <a:cs typeface="Consolas" panose="020B0609020204030204" pitchFamily="49" charset="0"/>
+              </a:rPr>
+              <a:t>)); </a:t>
+            </a:r>
+            <a:endParaRPr kumimoji="0" lang="de-DE" altLang="de-DE" sz="3200" b="0" i="0" u="none" strike="noStrike" cap="none" normalizeH="0" baseline="0" dirty="0" smtClean="0">
+              <a:ln>
+                <a:noFill/>
+              </a:ln>
+              <a:solidFill>
+                <a:schemeClr val="tx1"/>
+              </a:solidFill>
+              <a:effectLst/>
+              <a:latin typeface="Arial" panose="020B0604020202020204" pitchFamily="34" charset="0"/>
+            </a:endParaRPr>
+          </a:p>
+        </p:txBody>
+      </p:sp>
+      <p:sp>
+        <p:nvSpPr>
+          <p:cNvPr id="9" name="Rectangle 2"/>
+          <p:cNvSpPr>
+            <a:spLocks noChangeArrowheads="1"/>
+          </p:cNvSpPr>
+          <p:nvPr/>
+        </p:nvSpPr>
+        <p:spPr bwMode="auto">
+          <a:xfrm>
+            <a:off x="747936" y="4812244"/>
+            <a:ext cx="6200328" cy="446276"/>
+          </a:xfrm>
+          <a:prstGeom prst="rect">
+            <a:avLst/>
+          </a:prstGeom>
+          <a:solidFill>
+            <a:srgbClr val="FFFFFF"/>
+          </a:solidFill>
+          <a:ln>
+            <a:noFill/>
+          </a:ln>
+          <a:effectLst/>
+          <a:extLst>
+            <a:ext uri="{91240B29-F687-4F45-9708-019B960494DF}">
+              <a14:hiddenLine xmlns:a14="http://schemas.microsoft.com/office/drawing/2010/main" w="9525">
+                <a:solidFill>
+                  <a:schemeClr val="tx1"/>
+                </a:solidFill>
+                <a:miter lim="800000"/>
+                <a:headEnd/>
+                <a:tailEnd/>
+              </a14:hiddenLine>
+            </a:ext>
+            <a:ext uri="{AF507438-7753-43E0-B8FC-AC1667EBCBE1}">
+              <a14:hiddenEffects xmlns:a14="http://schemas.microsoft.com/office/drawing/2010/main">
+                <a:effectLst>
+                  <a:outerShdw dist="35921" dir="2700000" algn="ctr" rotWithShape="0">
+                    <a:schemeClr val="bg2"/>
+                  </a:outerShdw>
+                </a:effectLst>
+              </a14:hiddenEffects>
+            </a:ext>
+          </a:extLst>
+        </p:spPr>
+        <p:txBody>
+          <a:bodyPr vert="horz" wrap="square" lIns="91440" tIns="45720" rIns="91440" bIns="45720" numCol="1" anchor="ctr" anchorCtr="0" compatLnSpc="1">
+            <a:prstTxWarp prst="textNoShape">
+              <a:avLst/>
+            </a:prstTxWarp>
+            <a:spAutoFit/>
+          </a:bodyPr>
+          <a:lstStyle/>
+          <a:p>
+            <a:pPr marL="0" marR="0" lvl="0" indent="0" algn="l" defTabSz="914400" rtl="0" eaLnBrk="0" fontAlgn="base" latinLnBrk="0" hangingPunct="0">
+              <a:lnSpc>
+                <a:spcPct val="100000"/>
+              </a:lnSpc>
+              <a:spcBef>
+                <a:spcPct val="0"/>
+              </a:spcBef>
+              <a:spcAft>
+                <a:spcPct val="0"/>
+              </a:spcAft>
+              <a:buClrTx/>
+              <a:buSzTx/>
+              <a:buFontTx/>
+              <a:buNone/>
+              <a:tabLst/>
+            </a:pPr>
+            <a:r>
+              <a:rPr kumimoji="0" lang="de-DE" altLang="de-DE" sz="1100" b="0" i="0" u="none" strike="noStrike" cap="none" normalizeH="0" baseline="0" dirty="0" err="1" smtClean="0">
+                <a:ln>
+                  <a:noFill/>
+                </a:ln>
+                <a:solidFill>
+                  <a:srgbClr val="000000"/>
+                </a:solidFill>
+                <a:effectLst/>
+                <a:latin typeface="Consolas" panose="020B0609020204030204" pitchFamily="49" charset="0"/>
+                <a:cs typeface="Consolas" panose="020B0609020204030204" pitchFamily="49" charset="0"/>
+              </a:rPr>
+              <a:t>Parameters.Add</a:t>
+            </a:r>
+            <a:r>
+              <a:rPr kumimoji="0" lang="de-DE" altLang="de-DE" sz="1100" b="0" i="0" u="none" strike="noStrike" cap="none" normalizeH="0" baseline="0" dirty="0" smtClean="0">
+                <a:ln>
+                  <a:noFill/>
+                </a:ln>
+                <a:solidFill>
+                  <a:srgbClr val="000000"/>
+                </a:solidFill>
+                <a:effectLst/>
+                <a:latin typeface="Consolas" panose="020B0609020204030204" pitchFamily="49" charset="0"/>
+                <a:cs typeface="Consolas" panose="020B0609020204030204" pitchFamily="49" charset="0"/>
+              </a:rPr>
+              <a:t>(</a:t>
+            </a:r>
+            <a:r>
+              <a:rPr kumimoji="0" lang="de-DE" altLang="de-DE" sz="1100" b="0" i="0" u="none" strike="noStrike" cap="none" normalizeH="0" baseline="0" dirty="0" err="1" smtClean="0">
+                <a:ln>
+                  <a:noFill/>
+                </a:ln>
+                <a:solidFill>
+                  <a:srgbClr val="0000FF"/>
+                </a:solidFill>
+                <a:effectLst/>
+                <a:latin typeface="Consolas" panose="020B0609020204030204" pitchFamily="49" charset="0"/>
+                <a:cs typeface="Consolas" panose="020B0609020204030204" pitchFamily="49" charset="0"/>
+              </a:rPr>
+              <a:t>new</a:t>
+            </a:r>
+            <a:r>
+              <a:rPr kumimoji="0" lang="de-DE" altLang="de-DE" sz="1100" b="0" i="0" u="none" strike="noStrike" cap="none" normalizeH="0" baseline="0" dirty="0" smtClean="0">
+                <a:ln>
+                  <a:noFill/>
+                </a:ln>
+                <a:solidFill>
+                  <a:srgbClr val="000000"/>
+                </a:solidFill>
+                <a:effectLst/>
+                <a:latin typeface="Consolas" panose="020B0609020204030204" pitchFamily="49" charset="0"/>
+                <a:cs typeface="Consolas" panose="020B0609020204030204" pitchFamily="49" charset="0"/>
+              </a:rPr>
+              <a:t> </a:t>
+            </a:r>
+            <a:r>
+              <a:rPr kumimoji="0" lang="de-DE" altLang="de-DE" sz="1100" b="0" i="0" u="none" strike="noStrike" cap="none" normalizeH="0" baseline="0" dirty="0" err="1" smtClean="0">
+                <a:ln>
+                  <a:noFill/>
+                </a:ln>
+                <a:solidFill>
+                  <a:srgbClr val="2B91AF"/>
+                </a:solidFill>
+                <a:effectLst/>
+                <a:latin typeface="Consolas" panose="020B0609020204030204" pitchFamily="49" charset="0"/>
+                <a:cs typeface="Consolas" panose="020B0609020204030204" pitchFamily="49" charset="0"/>
+              </a:rPr>
+              <a:t>ValueParameter</a:t>
+            </a:r>
+            <a:r>
+              <a:rPr kumimoji="0" lang="de-DE" altLang="de-DE" sz="1100" b="0" i="0" u="none" strike="noStrike" cap="none" normalizeH="0" baseline="0" dirty="0" smtClean="0">
+                <a:ln>
+                  <a:noFill/>
+                </a:ln>
+                <a:solidFill>
+                  <a:srgbClr val="000000"/>
+                </a:solidFill>
+                <a:effectLst/>
+                <a:latin typeface="Consolas" panose="020B0609020204030204" pitchFamily="49" charset="0"/>
+                <a:cs typeface="Consolas" panose="020B0609020204030204" pitchFamily="49" charset="0"/>
+              </a:rPr>
+              <a:t>&lt;</a:t>
+            </a:r>
+            <a:r>
+              <a:rPr kumimoji="0" lang="de-DE" altLang="de-DE" sz="1100" b="0" i="0" u="none" strike="noStrike" cap="none" normalizeH="0" baseline="0" dirty="0" err="1" smtClean="0">
+                <a:ln>
+                  <a:noFill/>
+                </a:ln>
+                <a:solidFill>
+                  <a:srgbClr val="2B91AF"/>
+                </a:solidFill>
+                <a:effectLst/>
+                <a:latin typeface="Consolas" panose="020B0609020204030204" pitchFamily="49" charset="0"/>
+                <a:cs typeface="Consolas" panose="020B0609020204030204" pitchFamily="49" charset="0"/>
+              </a:rPr>
+              <a:t>IntValue</a:t>
+            </a:r>
+            <a:r>
+              <a:rPr kumimoji="0" lang="de-DE" altLang="de-DE" sz="1100" b="0" i="0" u="none" strike="noStrike" cap="none" normalizeH="0" baseline="0" dirty="0" smtClean="0">
+                <a:ln>
+                  <a:noFill/>
+                </a:ln>
+                <a:solidFill>
+                  <a:srgbClr val="000000"/>
+                </a:solidFill>
+                <a:effectLst/>
+                <a:latin typeface="Consolas" panose="020B0609020204030204" pitchFamily="49" charset="0"/>
+                <a:cs typeface="Consolas" panose="020B0609020204030204" pitchFamily="49" charset="0"/>
+              </a:rPr>
+              <a:t>&gt;(</a:t>
+            </a:r>
+            <a:r>
+              <a:rPr kumimoji="0" lang="de-DE" altLang="de-DE" sz="1100" b="0" i="0" u="none" strike="noStrike" cap="none" normalizeH="0" baseline="0" dirty="0" smtClean="0">
+                <a:ln>
+                  <a:noFill/>
+                </a:ln>
+                <a:solidFill>
+                  <a:srgbClr val="A31515"/>
+                </a:solidFill>
+                <a:effectLst/>
+                <a:latin typeface="Consolas" panose="020B0609020204030204" pitchFamily="49" charset="0"/>
+                <a:cs typeface="Consolas" panose="020B0609020204030204" pitchFamily="49" charset="0"/>
+              </a:rPr>
+              <a:t>"</a:t>
+            </a:r>
+            <a:r>
+              <a:rPr kumimoji="0" lang="de-DE" altLang="de-DE" sz="1100" b="0" i="0" u="none" strike="noStrike" cap="none" normalizeH="0" baseline="0" dirty="0" err="1" smtClean="0">
+                <a:ln>
+                  <a:noFill/>
+                </a:ln>
+                <a:solidFill>
+                  <a:srgbClr val="A31515"/>
+                </a:solidFill>
+                <a:effectLst/>
+                <a:latin typeface="Consolas" panose="020B0609020204030204" pitchFamily="49" charset="0"/>
+                <a:cs typeface="Consolas" panose="020B0609020204030204" pitchFamily="49" charset="0"/>
+              </a:rPr>
+              <a:t>PopulationSize</a:t>
+            </a:r>
+            <a:r>
+              <a:rPr kumimoji="0" lang="de-DE" altLang="de-DE" sz="1100" b="0" i="0" u="none" strike="noStrike" cap="none" normalizeH="0" baseline="0" dirty="0" smtClean="0">
+                <a:ln>
+                  <a:noFill/>
+                </a:ln>
+                <a:solidFill>
+                  <a:srgbClr val="A31515"/>
+                </a:solidFill>
+                <a:effectLst/>
+                <a:latin typeface="Consolas" panose="020B0609020204030204" pitchFamily="49" charset="0"/>
+                <a:cs typeface="Consolas" panose="020B0609020204030204" pitchFamily="49" charset="0"/>
+              </a:rPr>
+              <a:t>"</a:t>
+            </a:r>
+            <a:r>
+              <a:rPr kumimoji="0" lang="de-DE" altLang="de-DE" sz="1100" b="0" i="0" u="none" strike="noStrike" cap="none" normalizeH="0" baseline="0" dirty="0" smtClean="0">
+                <a:ln>
+                  <a:noFill/>
+                </a:ln>
+                <a:solidFill>
+                  <a:srgbClr val="000000"/>
+                </a:solidFill>
+                <a:effectLst/>
+                <a:latin typeface="Consolas" panose="020B0609020204030204" pitchFamily="49" charset="0"/>
+                <a:cs typeface="Consolas" panose="020B0609020204030204" pitchFamily="49" charset="0"/>
+              </a:rPr>
+              <a:t>, </a:t>
+            </a:r>
+          </a:p>
+          <a:p>
+            <a:pPr marL="0" marR="0" lvl="0" indent="0" algn="l" defTabSz="914400" rtl="0" eaLnBrk="0" fontAlgn="base" latinLnBrk="0" hangingPunct="0">
+              <a:lnSpc>
+                <a:spcPct val="100000"/>
+              </a:lnSpc>
+              <a:spcBef>
+                <a:spcPct val="0"/>
+              </a:spcBef>
+              <a:spcAft>
+                <a:spcPct val="0"/>
+              </a:spcAft>
+              <a:buClrTx/>
+              <a:buSzTx/>
+              <a:buFontTx/>
+              <a:buNone/>
+              <a:tabLst/>
+            </a:pPr>
+            <a:r>
+              <a:rPr kumimoji="0" lang="de-DE" altLang="de-DE" sz="1100" b="0" i="0" u="none" strike="noStrike" cap="none" normalizeH="0" baseline="0" dirty="0" smtClean="0">
+                <a:ln>
+                  <a:noFill/>
+                </a:ln>
+                <a:solidFill>
+                  <a:srgbClr val="A31515"/>
+                </a:solidFill>
+                <a:effectLst/>
+                <a:latin typeface="Consolas" panose="020B0609020204030204" pitchFamily="49" charset="0"/>
+                <a:cs typeface="Consolas" panose="020B0609020204030204" pitchFamily="49" charset="0"/>
+              </a:rPr>
+              <a:t>"The </a:t>
+            </a:r>
+            <a:r>
+              <a:rPr kumimoji="0" lang="de-DE" altLang="de-DE" sz="1100" b="0" i="0" u="none" strike="noStrike" cap="none" normalizeH="0" baseline="0" dirty="0" err="1" smtClean="0">
+                <a:ln>
+                  <a:noFill/>
+                </a:ln>
+                <a:solidFill>
+                  <a:srgbClr val="A31515"/>
+                </a:solidFill>
+                <a:effectLst/>
+                <a:latin typeface="Consolas" panose="020B0609020204030204" pitchFamily="49" charset="0"/>
+                <a:cs typeface="Consolas" panose="020B0609020204030204" pitchFamily="49" charset="0"/>
+              </a:rPr>
+              <a:t>size</a:t>
+            </a:r>
+            <a:r>
+              <a:rPr kumimoji="0" lang="de-DE" altLang="de-DE" sz="1100" b="0" i="0" u="none" strike="noStrike" cap="none" normalizeH="0" baseline="0" dirty="0" smtClean="0">
+                <a:ln>
+                  <a:noFill/>
+                </a:ln>
+                <a:solidFill>
+                  <a:srgbClr val="A31515"/>
+                </a:solidFill>
+                <a:effectLst/>
+                <a:latin typeface="Consolas" panose="020B0609020204030204" pitchFamily="49" charset="0"/>
+                <a:cs typeface="Consolas" panose="020B0609020204030204" pitchFamily="49" charset="0"/>
+              </a:rPr>
+              <a:t> </a:t>
+            </a:r>
+            <a:r>
+              <a:rPr kumimoji="0" lang="de-DE" altLang="de-DE" sz="1100" b="0" i="0" u="none" strike="noStrike" cap="none" normalizeH="0" baseline="0" dirty="0" err="1" smtClean="0">
+                <a:ln>
+                  <a:noFill/>
+                </a:ln>
+                <a:solidFill>
+                  <a:srgbClr val="A31515"/>
+                </a:solidFill>
+                <a:effectLst/>
+                <a:latin typeface="Consolas" panose="020B0609020204030204" pitchFamily="49" charset="0"/>
+                <a:cs typeface="Consolas" panose="020B0609020204030204" pitchFamily="49" charset="0"/>
+              </a:rPr>
+              <a:t>of</a:t>
+            </a:r>
+            <a:r>
+              <a:rPr kumimoji="0" lang="de-DE" altLang="de-DE" sz="1100" b="0" i="0" u="none" strike="noStrike" cap="none" normalizeH="0" baseline="0" dirty="0" smtClean="0">
+                <a:ln>
+                  <a:noFill/>
+                </a:ln>
+                <a:solidFill>
+                  <a:srgbClr val="A31515"/>
+                </a:solidFill>
+                <a:effectLst/>
+                <a:latin typeface="Consolas" panose="020B0609020204030204" pitchFamily="49" charset="0"/>
+                <a:cs typeface="Consolas" panose="020B0609020204030204" pitchFamily="49" charset="0"/>
+              </a:rPr>
+              <a:t> </a:t>
+            </a:r>
+            <a:r>
+              <a:rPr kumimoji="0" lang="de-DE" altLang="de-DE" sz="1100" b="0" i="0" u="none" strike="noStrike" cap="none" normalizeH="0" baseline="0" dirty="0" err="1" smtClean="0">
+                <a:ln>
+                  <a:noFill/>
+                </a:ln>
+                <a:solidFill>
+                  <a:srgbClr val="A31515"/>
+                </a:solidFill>
+                <a:effectLst/>
+                <a:latin typeface="Consolas" panose="020B0609020204030204" pitchFamily="49" charset="0"/>
+                <a:cs typeface="Consolas" panose="020B0609020204030204" pitchFamily="49" charset="0"/>
+              </a:rPr>
+              <a:t>the</a:t>
+            </a:r>
+            <a:r>
+              <a:rPr kumimoji="0" lang="de-DE" altLang="de-DE" sz="1100" b="0" i="0" u="none" strike="noStrike" cap="none" normalizeH="0" baseline="0" dirty="0" smtClean="0">
+                <a:ln>
+                  <a:noFill/>
+                </a:ln>
+                <a:solidFill>
+                  <a:srgbClr val="A31515"/>
+                </a:solidFill>
+                <a:effectLst/>
+                <a:latin typeface="Consolas" panose="020B0609020204030204" pitchFamily="49" charset="0"/>
+                <a:cs typeface="Consolas" panose="020B0609020204030204" pitchFamily="49" charset="0"/>
+              </a:rPr>
+              <a:t> </a:t>
+            </a:r>
+            <a:r>
+              <a:rPr kumimoji="0" lang="de-DE" altLang="de-DE" sz="1200" b="0" i="0" u="none" strike="noStrike" cap="none" normalizeH="0" baseline="0" dirty="0" err="1" smtClean="0">
+                <a:ln>
+                  <a:noFill/>
+                </a:ln>
+                <a:solidFill>
+                  <a:srgbClr val="A31515"/>
+                </a:solidFill>
+                <a:effectLst/>
+                <a:latin typeface="Consolas" panose="020B0609020204030204" pitchFamily="49" charset="0"/>
+                <a:cs typeface="Consolas" panose="020B0609020204030204" pitchFamily="49" charset="0"/>
+              </a:rPr>
+              <a:t>population</a:t>
+            </a:r>
+            <a:r>
+              <a:rPr kumimoji="0" lang="de-DE" altLang="de-DE" sz="1100" b="0" i="0" u="none" strike="noStrike" cap="none" normalizeH="0" baseline="0" dirty="0" smtClean="0">
+                <a:ln>
+                  <a:noFill/>
+                </a:ln>
+                <a:solidFill>
+                  <a:srgbClr val="A31515"/>
+                </a:solidFill>
+                <a:effectLst/>
+                <a:latin typeface="Consolas" panose="020B0609020204030204" pitchFamily="49" charset="0"/>
+                <a:cs typeface="Consolas" panose="020B0609020204030204" pitchFamily="49" charset="0"/>
+              </a:rPr>
+              <a:t> </a:t>
+            </a:r>
+            <a:r>
+              <a:rPr kumimoji="0" lang="de-DE" altLang="de-DE" sz="1100" b="0" i="0" u="none" strike="noStrike" cap="none" normalizeH="0" baseline="0" dirty="0" err="1" smtClean="0">
+                <a:ln>
+                  <a:noFill/>
+                </a:ln>
+                <a:solidFill>
+                  <a:srgbClr val="A31515"/>
+                </a:solidFill>
+                <a:effectLst/>
+                <a:latin typeface="Consolas" panose="020B0609020204030204" pitchFamily="49" charset="0"/>
+                <a:cs typeface="Consolas" panose="020B0609020204030204" pitchFamily="49" charset="0"/>
+              </a:rPr>
+              <a:t>of</a:t>
+            </a:r>
+            <a:r>
+              <a:rPr kumimoji="0" lang="de-DE" altLang="de-DE" sz="1100" b="0" i="0" u="none" strike="noStrike" cap="none" normalizeH="0" baseline="0" dirty="0" smtClean="0">
+                <a:ln>
+                  <a:noFill/>
+                </a:ln>
+                <a:solidFill>
+                  <a:srgbClr val="A31515"/>
+                </a:solidFill>
+                <a:effectLst/>
+                <a:latin typeface="Consolas" panose="020B0609020204030204" pitchFamily="49" charset="0"/>
+                <a:cs typeface="Consolas" panose="020B0609020204030204" pitchFamily="49" charset="0"/>
+              </a:rPr>
+              <a:t> </a:t>
+            </a:r>
+            <a:r>
+              <a:rPr kumimoji="0" lang="de-DE" altLang="de-DE" sz="1100" b="0" i="0" u="none" strike="noStrike" cap="none" normalizeH="0" baseline="0" dirty="0" err="1" smtClean="0">
+                <a:ln>
+                  <a:noFill/>
+                </a:ln>
+                <a:solidFill>
+                  <a:srgbClr val="A31515"/>
+                </a:solidFill>
+                <a:effectLst/>
+                <a:latin typeface="Consolas" panose="020B0609020204030204" pitchFamily="49" charset="0"/>
+                <a:cs typeface="Consolas" panose="020B0609020204030204" pitchFamily="49" charset="0"/>
+              </a:rPr>
+              <a:t>solutions</a:t>
+            </a:r>
+            <a:r>
+              <a:rPr kumimoji="0" lang="de-DE" altLang="de-DE" sz="1100" b="0" i="0" u="none" strike="noStrike" cap="none" normalizeH="0" baseline="0" dirty="0" smtClean="0">
+                <a:ln>
+                  <a:noFill/>
+                </a:ln>
+                <a:solidFill>
+                  <a:srgbClr val="A31515"/>
+                </a:solidFill>
+                <a:effectLst/>
+                <a:latin typeface="Consolas" panose="020B0609020204030204" pitchFamily="49" charset="0"/>
+                <a:cs typeface="Consolas" panose="020B0609020204030204" pitchFamily="49" charset="0"/>
+              </a:rPr>
+              <a:t>."</a:t>
+            </a:r>
+            <a:r>
+              <a:rPr kumimoji="0" lang="de-DE" altLang="de-DE" sz="1100" b="0" i="0" u="none" strike="noStrike" cap="none" normalizeH="0" baseline="0" dirty="0" smtClean="0">
+                <a:ln>
+                  <a:noFill/>
+                </a:ln>
+                <a:solidFill>
+                  <a:srgbClr val="000000"/>
+                </a:solidFill>
+                <a:effectLst/>
+                <a:latin typeface="Consolas" panose="020B0609020204030204" pitchFamily="49" charset="0"/>
+                <a:cs typeface="Consolas" panose="020B0609020204030204" pitchFamily="49" charset="0"/>
+              </a:rPr>
+              <a:t>, </a:t>
+            </a:r>
+            <a:r>
+              <a:rPr kumimoji="0" lang="de-DE" altLang="de-DE" sz="1100" b="0" i="0" u="none" strike="noStrike" cap="none" normalizeH="0" baseline="0" dirty="0" err="1" smtClean="0">
+                <a:ln>
+                  <a:noFill/>
+                </a:ln>
+                <a:solidFill>
+                  <a:srgbClr val="0000FF"/>
+                </a:solidFill>
+                <a:effectLst/>
+                <a:latin typeface="Consolas" panose="020B0609020204030204" pitchFamily="49" charset="0"/>
+                <a:cs typeface="Consolas" panose="020B0609020204030204" pitchFamily="49" charset="0"/>
+              </a:rPr>
+              <a:t>new</a:t>
+            </a:r>
+            <a:r>
+              <a:rPr kumimoji="0" lang="de-DE" altLang="de-DE" sz="1100" b="0" i="0" u="none" strike="noStrike" cap="none" normalizeH="0" baseline="0" dirty="0" smtClean="0">
+                <a:ln>
+                  <a:noFill/>
+                </a:ln>
+                <a:solidFill>
+                  <a:srgbClr val="000000"/>
+                </a:solidFill>
+                <a:effectLst/>
+                <a:latin typeface="Consolas" panose="020B0609020204030204" pitchFamily="49" charset="0"/>
+                <a:cs typeface="Consolas" panose="020B0609020204030204" pitchFamily="49" charset="0"/>
+              </a:rPr>
+              <a:t> </a:t>
+            </a:r>
+            <a:r>
+              <a:rPr kumimoji="0" lang="de-DE" altLang="de-DE" sz="1100" b="0" i="0" u="none" strike="noStrike" cap="none" normalizeH="0" baseline="0" dirty="0" err="1" smtClean="0">
+                <a:ln>
+                  <a:noFill/>
+                </a:ln>
+                <a:solidFill>
+                  <a:srgbClr val="2B91AF"/>
+                </a:solidFill>
+                <a:effectLst/>
+                <a:latin typeface="Consolas" panose="020B0609020204030204" pitchFamily="49" charset="0"/>
+                <a:cs typeface="Consolas" panose="020B0609020204030204" pitchFamily="49" charset="0"/>
+              </a:rPr>
+              <a:t>IntValue</a:t>
+            </a:r>
+            <a:r>
+              <a:rPr kumimoji="0" lang="de-DE" altLang="de-DE" sz="1100" b="0" i="0" u="none" strike="noStrike" cap="none" normalizeH="0" baseline="0" dirty="0" smtClean="0">
+                <a:ln>
+                  <a:noFill/>
+                </a:ln>
+                <a:solidFill>
+                  <a:srgbClr val="000000"/>
+                </a:solidFill>
+                <a:effectLst/>
+                <a:latin typeface="Consolas" panose="020B0609020204030204" pitchFamily="49" charset="0"/>
+                <a:cs typeface="Consolas" panose="020B0609020204030204" pitchFamily="49" charset="0"/>
+              </a:rPr>
+              <a:t>(100))); </a:t>
+            </a:r>
+            <a:endParaRPr kumimoji="0" lang="de-DE" altLang="de-DE" sz="2800" b="0" i="0" u="none" strike="noStrike" cap="none" normalizeH="0" baseline="0" dirty="0" smtClean="0">
+              <a:ln>
+                <a:noFill/>
+              </a:ln>
+              <a:solidFill>
+                <a:schemeClr val="tx1"/>
+              </a:solidFill>
+              <a:effectLst/>
+              <a:latin typeface="Arial" panose="020B0604020202020204" pitchFamily="34" charset="0"/>
+            </a:endParaRPr>
+          </a:p>
+        </p:txBody>
+      </p:sp>
       <p:pic>
         <p:nvPicPr>
           <p:cNvPr id="7" name="Grafik 6"/>
@@ -21157,936 +22022,6 @@
           </a:prstGeom>
         </p:spPr>
       </p:pic>
-      <p:sp>
-        <p:nvSpPr>
-          <p:cNvPr id="8" name="Rectangle 1"/>
-          <p:cNvSpPr>
-            <a:spLocks noChangeArrowheads="1"/>
-          </p:cNvSpPr>
-          <p:nvPr/>
-        </p:nvSpPr>
-        <p:spPr bwMode="auto">
-          <a:xfrm>
-            <a:off x="604402" y="3194496"/>
-            <a:ext cx="6200328" cy="461665"/>
-          </a:xfrm>
-          <a:prstGeom prst="rect">
-            <a:avLst/>
-          </a:prstGeom>
-          <a:solidFill>
-            <a:srgbClr val="FFFFFF"/>
-          </a:solidFill>
-          <a:ln>
-            <a:noFill/>
-          </a:ln>
-          <a:effectLst/>
-          <a:extLst>
-            <a:ext uri="{91240B29-F687-4F45-9708-019B960494DF}">
-              <a14:hiddenLine xmlns:a14="http://schemas.microsoft.com/office/drawing/2010/main" w="9525">
-                <a:solidFill>
-                  <a:schemeClr val="tx1"/>
-                </a:solidFill>
-                <a:miter lim="800000"/>
-                <a:headEnd/>
-                <a:tailEnd/>
-              </a14:hiddenLine>
-            </a:ext>
-            <a:ext uri="{AF507438-7753-43E0-B8FC-AC1667EBCBE1}">
-              <a14:hiddenEffects xmlns:a14="http://schemas.microsoft.com/office/drawing/2010/main">
-                <a:effectLst>
-                  <a:outerShdw dist="35921" dir="2700000" algn="ctr" rotWithShape="0">
-                    <a:schemeClr val="bg2"/>
-                  </a:outerShdw>
-                </a:effectLst>
-              </a14:hiddenEffects>
-            </a:ext>
-          </a:extLst>
-        </p:spPr>
-        <p:txBody>
-          <a:bodyPr vert="horz" wrap="square" lIns="91440" tIns="45720" rIns="91440" bIns="45720" numCol="1" anchor="ctr" anchorCtr="0" compatLnSpc="1">
-            <a:prstTxWarp prst="textNoShape">
-              <a:avLst/>
-            </a:prstTxWarp>
-            <a:spAutoFit/>
-          </a:bodyPr>
-          <a:lstStyle/>
-          <a:p>
-            <a:pPr marL="0" marR="0" lvl="0" indent="0" algn="l" defTabSz="914400" rtl="0" eaLnBrk="0" fontAlgn="base" latinLnBrk="0" hangingPunct="0">
-              <a:lnSpc>
-                <a:spcPct val="100000"/>
-              </a:lnSpc>
-              <a:spcBef>
-                <a:spcPct val="0"/>
-              </a:spcBef>
-              <a:spcAft>
-                <a:spcPct val="0"/>
-              </a:spcAft>
-              <a:buClrTx/>
-              <a:buSzTx/>
-              <a:buFontTx/>
-              <a:buNone/>
-              <a:tabLst/>
-            </a:pPr>
-            <a:r>
-              <a:rPr kumimoji="0" lang="de-DE" altLang="de-DE" sz="1200" b="0" i="0" u="none" strike="noStrike" cap="none" normalizeH="0" baseline="0" dirty="0" err="1" smtClean="0">
-                <a:ln>
-                  <a:noFill/>
-                </a:ln>
-                <a:solidFill>
-                  <a:srgbClr val="000000"/>
-                </a:solidFill>
-                <a:effectLst/>
-                <a:latin typeface="Consolas" panose="020B0609020204030204" pitchFamily="49" charset="0"/>
-                <a:cs typeface="Consolas" panose="020B0609020204030204" pitchFamily="49" charset="0"/>
-              </a:rPr>
-              <a:t>Parameters.Add</a:t>
-            </a:r>
-            <a:r>
-              <a:rPr kumimoji="0" lang="de-DE" altLang="de-DE" sz="1200" b="0" i="0" u="none" strike="noStrike" cap="none" normalizeH="0" baseline="0" dirty="0" smtClean="0">
-                <a:ln>
-                  <a:noFill/>
-                </a:ln>
-                <a:solidFill>
-                  <a:srgbClr val="000000"/>
-                </a:solidFill>
-                <a:effectLst/>
-                <a:latin typeface="Consolas" panose="020B0609020204030204" pitchFamily="49" charset="0"/>
-                <a:cs typeface="Consolas" panose="020B0609020204030204" pitchFamily="49" charset="0"/>
-              </a:rPr>
-              <a:t>(</a:t>
-            </a:r>
-            <a:r>
-              <a:rPr kumimoji="0" lang="de-DE" altLang="de-DE" sz="1200" b="0" i="0" u="none" strike="noStrike" cap="none" normalizeH="0" baseline="0" dirty="0" err="1" smtClean="0">
-                <a:ln>
-                  <a:noFill/>
-                </a:ln>
-                <a:solidFill>
-                  <a:srgbClr val="0000FF"/>
-                </a:solidFill>
-                <a:effectLst/>
-                <a:latin typeface="Consolas" panose="020B0609020204030204" pitchFamily="49" charset="0"/>
-                <a:cs typeface="Consolas" panose="020B0609020204030204" pitchFamily="49" charset="0"/>
-              </a:rPr>
-              <a:t>new</a:t>
-            </a:r>
-            <a:r>
-              <a:rPr kumimoji="0" lang="de-DE" altLang="de-DE" sz="1200" b="0" i="0" u="none" strike="noStrike" cap="none" normalizeH="0" baseline="0" dirty="0" smtClean="0">
-                <a:ln>
-                  <a:noFill/>
-                </a:ln>
-                <a:solidFill>
-                  <a:srgbClr val="000000"/>
-                </a:solidFill>
-                <a:effectLst/>
-                <a:latin typeface="Consolas" panose="020B0609020204030204" pitchFamily="49" charset="0"/>
-                <a:cs typeface="Consolas" panose="020B0609020204030204" pitchFamily="49" charset="0"/>
-              </a:rPr>
-              <a:t> </a:t>
-            </a:r>
-            <a:r>
-              <a:rPr kumimoji="0" lang="de-DE" altLang="de-DE" sz="1200" b="0" i="0" u="none" strike="noStrike" cap="none" normalizeH="0" baseline="0" dirty="0" err="1" smtClean="0">
-                <a:ln>
-                  <a:noFill/>
-                </a:ln>
-                <a:solidFill>
-                  <a:srgbClr val="2B91AF"/>
-                </a:solidFill>
-                <a:effectLst/>
-                <a:latin typeface="Consolas" panose="020B0609020204030204" pitchFamily="49" charset="0"/>
-                <a:cs typeface="Consolas" panose="020B0609020204030204" pitchFamily="49" charset="0"/>
-              </a:rPr>
-              <a:t>ConstrainedValueParameter</a:t>
-            </a:r>
-            <a:r>
-              <a:rPr kumimoji="0" lang="de-DE" altLang="de-DE" sz="1200" b="0" i="0" u="none" strike="noStrike" cap="none" normalizeH="0" baseline="0" dirty="0" smtClean="0">
-                <a:ln>
-                  <a:noFill/>
-                </a:ln>
-                <a:solidFill>
-                  <a:srgbClr val="000000"/>
-                </a:solidFill>
-                <a:effectLst/>
-                <a:latin typeface="Consolas" panose="020B0609020204030204" pitchFamily="49" charset="0"/>
-                <a:cs typeface="Consolas" panose="020B0609020204030204" pitchFamily="49" charset="0"/>
-              </a:rPr>
-              <a:t>&lt;</a:t>
-            </a:r>
-            <a:r>
-              <a:rPr kumimoji="0" lang="de-DE" altLang="de-DE" sz="1200" b="0" i="0" u="none" strike="noStrike" cap="none" normalizeH="0" baseline="0" dirty="0" err="1" smtClean="0">
-                <a:ln>
-                  <a:noFill/>
-                </a:ln>
-                <a:solidFill>
-                  <a:srgbClr val="2B91AF"/>
-                </a:solidFill>
-                <a:effectLst/>
-                <a:latin typeface="Consolas" panose="020B0609020204030204" pitchFamily="49" charset="0"/>
-                <a:cs typeface="Consolas" panose="020B0609020204030204" pitchFamily="49" charset="0"/>
-              </a:rPr>
-              <a:t>ICrossover</a:t>
-            </a:r>
-            <a:r>
-              <a:rPr kumimoji="0" lang="de-DE" altLang="de-DE" sz="1200" b="0" i="0" u="none" strike="noStrike" cap="none" normalizeH="0" baseline="0" dirty="0" smtClean="0">
-                <a:ln>
-                  <a:noFill/>
-                </a:ln>
-                <a:solidFill>
-                  <a:srgbClr val="000000"/>
-                </a:solidFill>
-                <a:effectLst/>
-                <a:latin typeface="Consolas" panose="020B0609020204030204" pitchFamily="49" charset="0"/>
-                <a:cs typeface="Consolas" panose="020B0609020204030204" pitchFamily="49" charset="0"/>
-              </a:rPr>
-              <a:t>&gt;(</a:t>
-            </a:r>
-            <a:r>
-              <a:rPr kumimoji="0" lang="de-DE" altLang="de-DE" sz="1200" b="0" i="0" u="none" strike="noStrike" cap="none" normalizeH="0" baseline="0" dirty="0" smtClean="0">
-                <a:ln>
-                  <a:noFill/>
-                </a:ln>
-                <a:solidFill>
-                  <a:srgbClr val="A31515"/>
-                </a:solidFill>
-                <a:effectLst/>
-                <a:latin typeface="Consolas" panose="020B0609020204030204" pitchFamily="49" charset="0"/>
-                <a:cs typeface="Consolas" panose="020B0609020204030204" pitchFamily="49" charset="0"/>
-              </a:rPr>
-              <a:t>"Crossover"</a:t>
-            </a:r>
-            <a:r>
-              <a:rPr kumimoji="0" lang="de-DE" altLang="de-DE" sz="1200" b="0" i="0" u="none" strike="noStrike" cap="none" normalizeH="0" baseline="0" dirty="0" smtClean="0">
-                <a:ln>
-                  <a:noFill/>
-                </a:ln>
-                <a:solidFill>
-                  <a:srgbClr val="000000"/>
-                </a:solidFill>
-                <a:effectLst/>
-                <a:latin typeface="Consolas" panose="020B0609020204030204" pitchFamily="49" charset="0"/>
-                <a:cs typeface="Consolas" panose="020B0609020204030204" pitchFamily="49" charset="0"/>
-              </a:rPr>
-              <a:t>, </a:t>
-            </a:r>
-          </a:p>
-          <a:p>
-            <a:pPr marL="0" marR="0" lvl="0" indent="0" algn="l" defTabSz="914400" rtl="0" eaLnBrk="0" fontAlgn="base" latinLnBrk="0" hangingPunct="0">
-              <a:lnSpc>
-                <a:spcPct val="100000"/>
-              </a:lnSpc>
-              <a:spcBef>
-                <a:spcPct val="0"/>
-              </a:spcBef>
-              <a:spcAft>
-                <a:spcPct val="0"/>
-              </a:spcAft>
-              <a:buClrTx/>
-              <a:buSzTx/>
-              <a:buFontTx/>
-              <a:buNone/>
-              <a:tabLst/>
-            </a:pPr>
-            <a:r>
-              <a:rPr kumimoji="0" lang="de-DE" altLang="de-DE" sz="1200" b="0" i="0" u="none" strike="noStrike" cap="none" normalizeH="0" baseline="0" dirty="0" smtClean="0">
-                <a:ln>
-                  <a:noFill/>
-                </a:ln>
-                <a:solidFill>
-                  <a:srgbClr val="A31515"/>
-                </a:solidFill>
-                <a:effectLst/>
-                <a:latin typeface="Consolas" panose="020B0609020204030204" pitchFamily="49" charset="0"/>
-                <a:cs typeface="Consolas" panose="020B0609020204030204" pitchFamily="49" charset="0"/>
-              </a:rPr>
-              <a:t>"The </a:t>
-            </a:r>
-            <a:r>
-              <a:rPr kumimoji="0" lang="de-DE" altLang="de-DE" sz="1200" b="0" i="0" u="none" strike="noStrike" cap="none" normalizeH="0" baseline="0" dirty="0" err="1" smtClean="0">
-                <a:ln>
-                  <a:noFill/>
-                </a:ln>
-                <a:solidFill>
-                  <a:srgbClr val="A31515"/>
-                </a:solidFill>
-                <a:effectLst/>
-                <a:latin typeface="Consolas" panose="020B0609020204030204" pitchFamily="49" charset="0"/>
-                <a:cs typeface="Consolas" panose="020B0609020204030204" pitchFamily="49" charset="0"/>
-              </a:rPr>
-              <a:t>operator</a:t>
-            </a:r>
-            <a:r>
-              <a:rPr kumimoji="0" lang="de-DE" altLang="de-DE" sz="1200" b="0" i="0" u="none" strike="noStrike" cap="none" normalizeH="0" baseline="0" dirty="0" smtClean="0">
-                <a:ln>
-                  <a:noFill/>
-                </a:ln>
-                <a:solidFill>
-                  <a:srgbClr val="A31515"/>
-                </a:solidFill>
-                <a:effectLst/>
-                <a:latin typeface="Consolas" panose="020B0609020204030204" pitchFamily="49" charset="0"/>
-                <a:cs typeface="Consolas" panose="020B0609020204030204" pitchFamily="49" charset="0"/>
-              </a:rPr>
-              <a:t> </a:t>
-            </a:r>
-            <a:r>
-              <a:rPr kumimoji="0" lang="de-DE" altLang="de-DE" sz="1200" b="0" i="0" u="none" strike="noStrike" cap="none" normalizeH="0" baseline="0" dirty="0" err="1" smtClean="0">
-                <a:ln>
-                  <a:noFill/>
-                </a:ln>
-                <a:solidFill>
-                  <a:srgbClr val="A31515"/>
-                </a:solidFill>
-                <a:effectLst/>
-                <a:latin typeface="Consolas" panose="020B0609020204030204" pitchFamily="49" charset="0"/>
-                <a:cs typeface="Consolas" panose="020B0609020204030204" pitchFamily="49" charset="0"/>
-              </a:rPr>
-              <a:t>used</a:t>
-            </a:r>
-            <a:r>
-              <a:rPr kumimoji="0" lang="de-DE" altLang="de-DE" sz="1200" b="0" i="0" u="none" strike="noStrike" cap="none" normalizeH="0" baseline="0" dirty="0" smtClean="0">
-                <a:ln>
-                  <a:noFill/>
-                </a:ln>
-                <a:solidFill>
-                  <a:srgbClr val="A31515"/>
-                </a:solidFill>
-                <a:effectLst/>
-                <a:latin typeface="Consolas" panose="020B0609020204030204" pitchFamily="49" charset="0"/>
-                <a:cs typeface="Consolas" panose="020B0609020204030204" pitchFamily="49" charset="0"/>
-              </a:rPr>
-              <a:t> </a:t>
-            </a:r>
-            <a:r>
-              <a:rPr kumimoji="0" lang="de-DE" altLang="de-DE" sz="1200" b="0" i="0" u="none" strike="noStrike" cap="none" normalizeH="0" baseline="0" dirty="0" err="1" smtClean="0">
-                <a:ln>
-                  <a:noFill/>
-                </a:ln>
-                <a:solidFill>
-                  <a:srgbClr val="A31515"/>
-                </a:solidFill>
-                <a:effectLst/>
-                <a:latin typeface="Consolas" panose="020B0609020204030204" pitchFamily="49" charset="0"/>
-                <a:cs typeface="Consolas" panose="020B0609020204030204" pitchFamily="49" charset="0"/>
-              </a:rPr>
-              <a:t>to</a:t>
-            </a:r>
-            <a:r>
-              <a:rPr kumimoji="0" lang="de-DE" altLang="de-DE" sz="1200" b="0" i="0" u="none" strike="noStrike" cap="none" normalizeH="0" baseline="0" dirty="0" smtClean="0">
-                <a:ln>
-                  <a:noFill/>
-                </a:ln>
-                <a:solidFill>
-                  <a:srgbClr val="A31515"/>
-                </a:solidFill>
-                <a:effectLst/>
-                <a:latin typeface="Consolas" panose="020B0609020204030204" pitchFamily="49" charset="0"/>
-                <a:cs typeface="Consolas" panose="020B0609020204030204" pitchFamily="49" charset="0"/>
-              </a:rPr>
-              <a:t> </a:t>
-            </a:r>
-            <a:r>
-              <a:rPr kumimoji="0" lang="de-DE" altLang="de-DE" sz="1200" b="0" i="0" u="none" strike="noStrike" cap="none" normalizeH="0" baseline="0" dirty="0" err="1" smtClean="0">
-                <a:ln>
-                  <a:noFill/>
-                </a:ln>
-                <a:solidFill>
-                  <a:srgbClr val="A31515"/>
-                </a:solidFill>
-                <a:effectLst/>
-                <a:latin typeface="Consolas" panose="020B0609020204030204" pitchFamily="49" charset="0"/>
-                <a:cs typeface="Consolas" panose="020B0609020204030204" pitchFamily="49" charset="0"/>
-              </a:rPr>
-              <a:t>cross</a:t>
-            </a:r>
-            <a:r>
-              <a:rPr kumimoji="0" lang="de-DE" altLang="de-DE" sz="1200" b="0" i="0" u="none" strike="noStrike" cap="none" normalizeH="0" baseline="0" dirty="0" smtClean="0">
-                <a:ln>
-                  <a:noFill/>
-                </a:ln>
-                <a:solidFill>
-                  <a:srgbClr val="A31515"/>
-                </a:solidFill>
-                <a:effectLst/>
-                <a:latin typeface="Consolas" panose="020B0609020204030204" pitchFamily="49" charset="0"/>
-                <a:cs typeface="Consolas" panose="020B0609020204030204" pitchFamily="49" charset="0"/>
-              </a:rPr>
-              <a:t> </a:t>
-            </a:r>
-            <a:r>
-              <a:rPr kumimoji="0" lang="de-DE" altLang="de-DE" sz="1200" b="0" i="0" u="none" strike="noStrike" cap="none" normalizeH="0" baseline="0" dirty="0" err="1" smtClean="0">
-                <a:ln>
-                  <a:noFill/>
-                </a:ln>
-                <a:solidFill>
-                  <a:srgbClr val="A31515"/>
-                </a:solidFill>
-                <a:effectLst/>
-                <a:latin typeface="Consolas" panose="020B0609020204030204" pitchFamily="49" charset="0"/>
-                <a:cs typeface="Consolas" panose="020B0609020204030204" pitchFamily="49" charset="0"/>
-              </a:rPr>
-              <a:t>solutions</a:t>
-            </a:r>
-            <a:r>
-              <a:rPr kumimoji="0" lang="de-DE" altLang="de-DE" sz="1200" b="0" i="0" u="none" strike="noStrike" cap="none" normalizeH="0" baseline="0" dirty="0" smtClean="0">
-                <a:ln>
-                  <a:noFill/>
-                </a:ln>
-                <a:solidFill>
-                  <a:srgbClr val="A31515"/>
-                </a:solidFill>
-                <a:effectLst/>
-                <a:latin typeface="Consolas" panose="020B0609020204030204" pitchFamily="49" charset="0"/>
-                <a:cs typeface="Consolas" panose="020B0609020204030204" pitchFamily="49" charset="0"/>
-              </a:rPr>
-              <a:t>."</a:t>
-            </a:r>
-            <a:r>
-              <a:rPr kumimoji="0" lang="de-DE" altLang="de-DE" sz="1200" b="0" i="0" u="none" strike="noStrike" cap="none" normalizeH="0" baseline="0" dirty="0" smtClean="0">
-                <a:ln>
-                  <a:noFill/>
-                </a:ln>
-                <a:solidFill>
-                  <a:srgbClr val="000000"/>
-                </a:solidFill>
-                <a:effectLst/>
-                <a:latin typeface="Consolas" panose="020B0609020204030204" pitchFamily="49" charset="0"/>
-                <a:cs typeface="Consolas" panose="020B0609020204030204" pitchFamily="49" charset="0"/>
-              </a:rPr>
-              <a:t>)); </a:t>
-            </a:r>
-            <a:endParaRPr kumimoji="0" lang="de-DE" altLang="de-DE" sz="3200" b="0" i="0" u="none" strike="noStrike" cap="none" normalizeH="0" baseline="0" dirty="0" smtClean="0">
-              <a:ln>
-                <a:noFill/>
-              </a:ln>
-              <a:solidFill>
-                <a:schemeClr val="tx1"/>
-              </a:solidFill>
-              <a:effectLst/>
-              <a:latin typeface="Arial" panose="020B0604020202020204" pitchFamily="34" charset="0"/>
-            </a:endParaRPr>
-          </a:p>
-        </p:txBody>
-      </p:sp>
-      <p:sp>
-        <p:nvSpPr>
-          <p:cNvPr id="9" name="Rectangle 2"/>
-          <p:cNvSpPr>
-            <a:spLocks noChangeArrowheads="1"/>
-          </p:cNvSpPr>
-          <p:nvPr/>
-        </p:nvSpPr>
-        <p:spPr bwMode="auto">
-          <a:xfrm>
-            <a:off x="604402" y="4850347"/>
-            <a:ext cx="6200328" cy="446276"/>
-          </a:xfrm>
-          <a:prstGeom prst="rect">
-            <a:avLst/>
-          </a:prstGeom>
-          <a:solidFill>
-            <a:srgbClr val="FFFFFF"/>
-          </a:solidFill>
-          <a:ln>
-            <a:noFill/>
-          </a:ln>
-          <a:effectLst/>
-          <a:extLst>
-            <a:ext uri="{91240B29-F687-4F45-9708-019B960494DF}">
-              <a14:hiddenLine xmlns:a14="http://schemas.microsoft.com/office/drawing/2010/main" w="9525">
-                <a:solidFill>
-                  <a:schemeClr val="tx1"/>
-                </a:solidFill>
-                <a:miter lim="800000"/>
-                <a:headEnd/>
-                <a:tailEnd/>
-              </a14:hiddenLine>
-            </a:ext>
-            <a:ext uri="{AF507438-7753-43E0-B8FC-AC1667EBCBE1}">
-              <a14:hiddenEffects xmlns:a14="http://schemas.microsoft.com/office/drawing/2010/main">
-                <a:effectLst>
-                  <a:outerShdw dist="35921" dir="2700000" algn="ctr" rotWithShape="0">
-                    <a:schemeClr val="bg2"/>
-                  </a:outerShdw>
-                </a:effectLst>
-              </a14:hiddenEffects>
-            </a:ext>
-          </a:extLst>
-        </p:spPr>
-        <p:txBody>
-          <a:bodyPr vert="horz" wrap="square" lIns="91440" tIns="45720" rIns="91440" bIns="45720" numCol="1" anchor="ctr" anchorCtr="0" compatLnSpc="1">
-            <a:prstTxWarp prst="textNoShape">
-              <a:avLst/>
-            </a:prstTxWarp>
-            <a:spAutoFit/>
-          </a:bodyPr>
-          <a:lstStyle/>
-          <a:p>
-            <a:pPr marL="0" marR="0" lvl="0" indent="0" algn="l" defTabSz="914400" rtl="0" eaLnBrk="0" fontAlgn="base" latinLnBrk="0" hangingPunct="0">
-              <a:lnSpc>
-                <a:spcPct val="100000"/>
-              </a:lnSpc>
-              <a:spcBef>
-                <a:spcPct val="0"/>
-              </a:spcBef>
-              <a:spcAft>
-                <a:spcPct val="0"/>
-              </a:spcAft>
-              <a:buClrTx/>
-              <a:buSzTx/>
-              <a:buFontTx/>
-              <a:buNone/>
-              <a:tabLst/>
-            </a:pPr>
-            <a:r>
-              <a:rPr kumimoji="0" lang="de-DE" altLang="de-DE" sz="1100" b="0" i="0" u="none" strike="noStrike" cap="none" normalizeH="0" baseline="0" dirty="0" err="1" smtClean="0">
-                <a:ln>
-                  <a:noFill/>
-                </a:ln>
-                <a:solidFill>
-                  <a:srgbClr val="000000"/>
-                </a:solidFill>
-                <a:effectLst/>
-                <a:latin typeface="Consolas" panose="020B0609020204030204" pitchFamily="49" charset="0"/>
-                <a:cs typeface="Consolas" panose="020B0609020204030204" pitchFamily="49" charset="0"/>
-              </a:rPr>
-              <a:t>Parameters.Add</a:t>
-            </a:r>
-            <a:r>
-              <a:rPr kumimoji="0" lang="de-DE" altLang="de-DE" sz="1100" b="0" i="0" u="none" strike="noStrike" cap="none" normalizeH="0" baseline="0" dirty="0" smtClean="0">
-                <a:ln>
-                  <a:noFill/>
-                </a:ln>
-                <a:solidFill>
-                  <a:srgbClr val="000000"/>
-                </a:solidFill>
-                <a:effectLst/>
-                <a:latin typeface="Consolas" panose="020B0609020204030204" pitchFamily="49" charset="0"/>
-                <a:cs typeface="Consolas" panose="020B0609020204030204" pitchFamily="49" charset="0"/>
-              </a:rPr>
-              <a:t>(</a:t>
-            </a:r>
-            <a:r>
-              <a:rPr kumimoji="0" lang="de-DE" altLang="de-DE" sz="1100" b="0" i="0" u="none" strike="noStrike" cap="none" normalizeH="0" baseline="0" dirty="0" err="1" smtClean="0">
-                <a:ln>
-                  <a:noFill/>
-                </a:ln>
-                <a:solidFill>
-                  <a:srgbClr val="0000FF"/>
-                </a:solidFill>
-                <a:effectLst/>
-                <a:latin typeface="Consolas" panose="020B0609020204030204" pitchFamily="49" charset="0"/>
-                <a:cs typeface="Consolas" panose="020B0609020204030204" pitchFamily="49" charset="0"/>
-              </a:rPr>
-              <a:t>new</a:t>
-            </a:r>
-            <a:r>
-              <a:rPr kumimoji="0" lang="de-DE" altLang="de-DE" sz="1100" b="0" i="0" u="none" strike="noStrike" cap="none" normalizeH="0" baseline="0" dirty="0" smtClean="0">
-                <a:ln>
-                  <a:noFill/>
-                </a:ln>
-                <a:solidFill>
-                  <a:srgbClr val="000000"/>
-                </a:solidFill>
-                <a:effectLst/>
-                <a:latin typeface="Consolas" panose="020B0609020204030204" pitchFamily="49" charset="0"/>
-                <a:cs typeface="Consolas" panose="020B0609020204030204" pitchFamily="49" charset="0"/>
-              </a:rPr>
-              <a:t> </a:t>
-            </a:r>
-            <a:r>
-              <a:rPr kumimoji="0" lang="de-DE" altLang="de-DE" sz="1100" b="0" i="0" u="none" strike="noStrike" cap="none" normalizeH="0" baseline="0" dirty="0" err="1" smtClean="0">
-                <a:ln>
-                  <a:noFill/>
-                </a:ln>
-                <a:solidFill>
-                  <a:srgbClr val="2B91AF"/>
-                </a:solidFill>
-                <a:effectLst/>
-                <a:latin typeface="Consolas" panose="020B0609020204030204" pitchFamily="49" charset="0"/>
-                <a:cs typeface="Consolas" panose="020B0609020204030204" pitchFamily="49" charset="0"/>
-              </a:rPr>
-              <a:t>ValueParameter</a:t>
-            </a:r>
-            <a:r>
-              <a:rPr kumimoji="0" lang="de-DE" altLang="de-DE" sz="1100" b="0" i="0" u="none" strike="noStrike" cap="none" normalizeH="0" baseline="0" dirty="0" smtClean="0">
-                <a:ln>
-                  <a:noFill/>
-                </a:ln>
-                <a:solidFill>
-                  <a:srgbClr val="000000"/>
-                </a:solidFill>
-                <a:effectLst/>
-                <a:latin typeface="Consolas" panose="020B0609020204030204" pitchFamily="49" charset="0"/>
-                <a:cs typeface="Consolas" panose="020B0609020204030204" pitchFamily="49" charset="0"/>
-              </a:rPr>
-              <a:t>&lt;</a:t>
-            </a:r>
-            <a:r>
-              <a:rPr kumimoji="0" lang="de-DE" altLang="de-DE" sz="1100" b="0" i="0" u="none" strike="noStrike" cap="none" normalizeH="0" baseline="0" dirty="0" err="1" smtClean="0">
-                <a:ln>
-                  <a:noFill/>
-                </a:ln>
-                <a:solidFill>
-                  <a:srgbClr val="2B91AF"/>
-                </a:solidFill>
-                <a:effectLst/>
-                <a:latin typeface="Consolas" panose="020B0609020204030204" pitchFamily="49" charset="0"/>
-                <a:cs typeface="Consolas" panose="020B0609020204030204" pitchFamily="49" charset="0"/>
-              </a:rPr>
-              <a:t>IntValue</a:t>
-            </a:r>
-            <a:r>
-              <a:rPr kumimoji="0" lang="de-DE" altLang="de-DE" sz="1100" b="0" i="0" u="none" strike="noStrike" cap="none" normalizeH="0" baseline="0" dirty="0" smtClean="0">
-                <a:ln>
-                  <a:noFill/>
-                </a:ln>
-                <a:solidFill>
-                  <a:srgbClr val="000000"/>
-                </a:solidFill>
-                <a:effectLst/>
-                <a:latin typeface="Consolas" panose="020B0609020204030204" pitchFamily="49" charset="0"/>
-                <a:cs typeface="Consolas" panose="020B0609020204030204" pitchFamily="49" charset="0"/>
-              </a:rPr>
-              <a:t>&gt;(</a:t>
-            </a:r>
-            <a:r>
-              <a:rPr kumimoji="0" lang="de-DE" altLang="de-DE" sz="1100" b="0" i="0" u="none" strike="noStrike" cap="none" normalizeH="0" baseline="0" dirty="0" smtClean="0">
-                <a:ln>
-                  <a:noFill/>
-                </a:ln>
-                <a:solidFill>
-                  <a:srgbClr val="A31515"/>
-                </a:solidFill>
-                <a:effectLst/>
-                <a:latin typeface="Consolas" panose="020B0609020204030204" pitchFamily="49" charset="0"/>
-                <a:cs typeface="Consolas" panose="020B0609020204030204" pitchFamily="49" charset="0"/>
-              </a:rPr>
-              <a:t>"</a:t>
-            </a:r>
-            <a:r>
-              <a:rPr kumimoji="0" lang="de-DE" altLang="de-DE" sz="1100" b="0" i="0" u="none" strike="noStrike" cap="none" normalizeH="0" baseline="0" dirty="0" err="1" smtClean="0">
-                <a:ln>
-                  <a:noFill/>
-                </a:ln>
-                <a:solidFill>
-                  <a:srgbClr val="A31515"/>
-                </a:solidFill>
-                <a:effectLst/>
-                <a:latin typeface="Consolas" panose="020B0609020204030204" pitchFamily="49" charset="0"/>
-                <a:cs typeface="Consolas" panose="020B0609020204030204" pitchFamily="49" charset="0"/>
-              </a:rPr>
-              <a:t>PopulationSize</a:t>
-            </a:r>
-            <a:r>
-              <a:rPr kumimoji="0" lang="de-DE" altLang="de-DE" sz="1100" b="0" i="0" u="none" strike="noStrike" cap="none" normalizeH="0" baseline="0" dirty="0" smtClean="0">
-                <a:ln>
-                  <a:noFill/>
-                </a:ln>
-                <a:solidFill>
-                  <a:srgbClr val="A31515"/>
-                </a:solidFill>
-                <a:effectLst/>
-                <a:latin typeface="Consolas" panose="020B0609020204030204" pitchFamily="49" charset="0"/>
-                <a:cs typeface="Consolas" panose="020B0609020204030204" pitchFamily="49" charset="0"/>
-              </a:rPr>
-              <a:t>"</a:t>
-            </a:r>
-            <a:r>
-              <a:rPr kumimoji="0" lang="de-DE" altLang="de-DE" sz="1100" b="0" i="0" u="none" strike="noStrike" cap="none" normalizeH="0" baseline="0" dirty="0" smtClean="0">
-                <a:ln>
-                  <a:noFill/>
-                </a:ln>
-                <a:solidFill>
-                  <a:srgbClr val="000000"/>
-                </a:solidFill>
-                <a:effectLst/>
-                <a:latin typeface="Consolas" panose="020B0609020204030204" pitchFamily="49" charset="0"/>
-                <a:cs typeface="Consolas" panose="020B0609020204030204" pitchFamily="49" charset="0"/>
-              </a:rPr>
-              <a:t>, </a:t>
-            </a:r>
-          </a:p>
-          <a:p>
-            <a:pPr marL="0" marR="0" lvl="0" indent="0" algn="l" defTabSz="914400" rtl="0" eaLnBrk="0" fontAlgn="base" latinLnBrk="0" hangingPunct="0">
-              <a:lnSpc>
-                <a:spcPct val="100000"/>
-              </a:lnSpc>
-              <a:spcBef>
-                <a:spcPct val="0"/>
-              </a:spcBef>
-              <a:spcAft>
-                <a:spcPct val="0"/>
-              </a:spcAft>
-              <a:buClrTx/>
-              <a:buSzTx/>
-              <a:buFontTx/>
-              <a:buNone/>
-              <a:tabLst/>
-            </a:pPr>
-            <a:r>
-              <a:rPr kumimoji="0" lang="de-DE" altLang="de-DE" sz="1100" b="0" i="0" u="none" strike="noStrike" cap="none" normalizeH="0" baseline="0" dirty="0" smtClean="0">
-                <a:ln>
-                  <a:noFill/>
-                </a:ln>
-                <a:solidFill>
-                  <a:srgbClr val="A31515"/>
-                </a:solidFill>
-                <a:effectLst/>
-                <a:latin typeface="Consolas" panose="020B0609020204030204" pitchFamily="49" charset="0"/>
-                <a:cs typeface="Consolas" panose="020B0609020204030204" pitchFamily="49" charset="0"/>
-              </a:rPr>
-              <a:t>"The </a:t>
-            </a:r>
-            <a:r>
-              <a:rPr kumimoji="0" lang="de-DE" altLang="de-DE" sz="1100" b="0" i="0" u="none" strike="noStrike" cap="none" normalizeH="0" baseline="0" dirty="0" err="1" smtClean="0">
-                <a:ln>
-                  <a:noFill/>
-                </a:ln>
-                <a:solidFill>
-                  <a:srgbClr val="A31515"/>
-                </a:solidFill>
-                <a:effectLst/>
-                <a:latin typeface="Consolas" panose="020B0609020204030204" pitchFamily="49" charset="0"/>
-                <a:cs typeface="Consolas" panose="020B0609020204030204" pitchFamily="49" charset="0"/>
-              </a:rPr>
-              <a:t>size</a:t>
-            </a:r>
-            <a:r>
-              <a:rPr kumimoji="0" lang="de-DE" altLang="de-DE" sz="1100" b="0" i="0" u="none" strike="noStrike" cap="none" normalizeH="0" baseline="0" dirty="0" smtClean="0">
-                <a:ln>
-                  <a:noFill/>
-                </a:ln>
-                <a:solidFill>
-                  <a:srgbClr val="A31515"/>
-                </a:solidFill>
-                <a:effectLst/>
-                <a:latin typeface="Consolas" panose="020B0609020204030204" pitchFamily="49" charset="0"/>
-                <a:cs typeface="Consolas" panose="020B0609020204030204" pitchFamily="49" charset="0"/>
-              </a:rPr>
-              <a:t> </a:t>
-            </a:r>
-            <a:r>
-              <a:rPr kumimoji="0" lang="de-DE" altLang="de-DE" sz="1100" b="0" i="0" u="none" strike="noStrike" cap="none" normalizeH="0" baseline="0" dirty="0" err="1" smtClean="0">
-                <a:ln>
-                  <a:noFill/>
-                </a:ln>
-                <a:solidFill>
-                  <a:srgbClr val="A31515"/>
-                </a:solidFill>
-                <a:effectLst/>
-                <a:latin typeface="Consolas" panose="020B0609020204030204" pitchFamily="49" charset="0"/>
-                <a:cs typeface="Consolas" panose="020B0609020204030204" pitchFamily="49" charset="0"/>
-              </a:rPr>
-              <a:t>of</a:t>
-            </a:r>
-            <a:r>
-              <a:rPr kumimoji="0" lang="de-DE" altLang="de-DE" sz="1100" b="0" i="0" u="none" strike="noStrike" cap="none" normalizeH="0" baseline="0" dirty="0" smtClean="0">
-                <a:ln>
-                  <a:noFill/>
-                </a:ln>
-                <a:solidFill>
-                  <a:srgbClr val="A31515"/>
-                </a:solidFill>
-                <a:effectLst/>
-                <a:latin typeface="Consolas" panose="020B0609020204030204" pitchFamily="49" charset="0"/>
-                <a:cs typeface="Consolas" panose="020B0609020204030204" pitchFamily="49" charset="0"/>
-              </a:rPr>
-              <a:t> </a:t>
-            </a:r>
-            <a:r>
-              <a:rPr kumimoji="0" lang="de-DE" altLang="de-DE" sz="1100" b="0" i="0" u="none" strike="noStrike" cap="none" normalizeH="0" baseline="0" dirty="0" err="1" smtClean="0">
-                <a:ln>
-                  <a:noFill/>
-                </a:ln>
-                <a:solidFill>
-                  <a:srgbClr val="A31515"/>
-                </a:solidFill>
-                <a:effectLst/>
-                <a:latin typeface="Consolas" panose="020B0609020204030204" pitchFamily="49" charset="0"/>
-                <a:cs typeface="Consolas" panose="020B0609020204030204" pitchFamily="49" charset="0"/>
-              </a:rPr>
-              <a:t>the</a:t>
-            </a:r>
-            <a:r>
-              <a:rPr kumimoji="0" lang="de-DE" altLang="de-DE" sz="1100" b="0" i="0" u="none" strike="noStrike" cap="none" normalizeH="0" baseline="0" dirty="0" smtClean="0">
-                <a:ln>
-                  <a:noFill/>
-                </a:ln>
-                <a:solidFill>
-                  <a:srgbClr val="A31515"/>
-                </a:solidFill>
-                <a:effectLst/>
-                <a:latin typeface="Consolas" panose="020B0609020204030204" pitchFamily="49" charset="0"/>
-                <a:cs typeface="Consolas" panose="020B0609020204030204" pitchFamily="49" charset="0"/>
-              </a:rPr>
-              <a:t> </a:t>
-            </a:r>
-            <a:r>
-              <a:rPr kumimoji="0" lang="de-DE" altLang="de-DE" sz="1200" b="0" i="0" u="none" strike="noStrike" cap="none" normalizeH="0" baseline="0" dirty="0" err="1" smtClean="0">
-                <a:ln>
-                  <a:noFill/>
-                </a:ln>
-                <a:solidFill>
-                  <a:srgbClr val="A31515"/>
-                </a:solidFill>
-                <a:effectLst/>
-                <a:latin typeface="Consolas" panose="020B0609020204030204" pitchFamily="49" charset="0"/>
-                <a:cs typeface="Consolas" panose="020B0609020204030204" pitchFamily="49" charset="0"/>
-              </a:rPr>
-              <a:t>population</a:t>
-            </a:r>
-            <a:r>
-              <a:rPr kumimoji="0" lang="de-DE" altLang="de-DE" sz="1100" b="0" i="0" u="none" strike="noStrike" cap="none" normalizeH="0" baseline="0" dirty="0" smtClean="0">
-                <a:ln>
-                  <a:noFill/>
-                </a:ln>
-                <a:solidFill>
-                  <a:srgbClr val="A31515"/>
-                </a:solidFill>
-                <a:effectLst/>
-                <a:latin typeface="Consolas" panose="020B0609020204030204" pitchFamily="49" charset="0"/>
-                <a:cs typeface="Consolas" panose="020B0609020204030204" pitchFamily="49" charset="0"/>
-              </a:rPr>
-              <a:t> </a:t>
-            </a:r>
-            <a:r>
-              <a:rPr kumimoji="0" lang="de-DE" altLang="de-DE" sz="1100" b="0" i="0" u="none" strike="noStrike" cap="none" normalizeH="0" baseline="0" dirty="0" err="1" smtClean="0">
-                <a:ln>
-                  <a:noFill/>
-                </a:ln>
-                <a:solidFill>
-                  <a:srgbClr val="A31515"/>
-                </a:solidFill>
-                <a:effectLst/>
-                <a:latin typeface="Consolas" panose="020B0609020204030204" pitchFamily="49" charset="0"/>
-                <a:cs typeface="Consolas" panose="020B0609020204030204" pitchFamily="49" charset="0"/>
-              </a:rPr>
-              <a:t>of</a:t>
-            </a:r>
-            <a:r>
-              <a:rPr kumimoji="0" lang="de-DE" altLang="de-DE" sz="1100" b="0" i="0" u="none" strike="noStrike" cap="none" normalizeH="0" baseline="0" dirty="0" smtClean="0">
-                <a:ln>
-                  <a:noFill/>
-                </a:ln>
-                <a:solidFill>
-                  <a:srgbClr val="A31515"/>
-                </a:solidFill>
-                <a:effectLst/>
-                <a:latin typeface="Consolas" panose="020B0609020204030204" pitchFamily="49" charset="0"/>
-                <a:cs typeface="Consolas" panose="020B0609020204030204" pitchFamily="49" charset="0"/>
-              </a:rPr>
-              <a:t> </a:t>
-            </a:r>
-            <a:r>
-              <a:rPr kumimoji="0" lang="de-DE" altLang="de-DE" sz="1100" b="0" i="0" u="none" strike="noStrike" cap="none" normalizeH="0" baseline="0" dirty="0" err="1" smtClean="0">
-                <a:ln>
-                  <a:noFill/>
-                </a:ln>
-                <a:solidFill>
-                  <a:srgbClr val="A31515"/>
-                </a:solidFill>
-                <a:effectLst/>
-                <a:latin typeface="Consolas" panose="020B0609020204030204" pitchFamily="49" charset="0"/>
-                <a:cs typeface="Consolas" panose="020B0609020204030204" pitchFamily="49" charset="0"/>
-              </a:rPr>
-              <a:t>solutions</a:t>
-            </a:r>
-            <a:r>
-              <a:rPr kumimoji="0" lang="de-DE" altLang="de-DE" sz="1100" b="0" i="0" u="none" strike="noStrike" cap="none" normalizeH="0" baseline="0" dirty="0" smtClean="0">
-                <a:ln>
-                  <a:noFill/>
-                </a:ln>
-                <a:solidFill>
-                  <a:srgbClr val="A31515"/>
-                </a:solidFill>
-                <a:effectLst/>
-                <a:latin typeface="Consolas" panose="020B0609020204030204" pitchFamily="49" charset="0"/>
-                <a:cs typeface="Consolas" panose="020B0609020204030204" pitchFamily="49" charset="0"/>
-              </a:rPr>
-              <a:t>."</a:t>
-            </a:r>
-            <a:r>
-              <a:rPr kumimoji="0" lang="de-DE" altLang="de-DE" sz="1100" b="0" i="0" u="none" strike="noStrike" cap="none" normalizeH="0" baseline="0" dirty="0" smtClean="0">
-                <a:ln>
-                  <a:noFill/>
-                </a:ln>
-                <a:solidFill>
-                  <a:srgbClr val="000000"/>
-                </a:solidFill>
-                <a:effectLst/>
-                <a:latin typeface="Consolas" panose="020B0609020204030204" pitchFamily="49" charset="0"/>
-                <a:cs typeface="Consolas" panose="020B0609020204030204" pitchFamily="49" charset="0"/>
-              </a:rPr>
-              <a:t>, </a:t>
-            </a:r>
-            <a:r>
-              <a:rPr kumimoji="0" lang="de-DE" altLang="de-DE" sz="1100" b="0" i="0" u="none" strike="noStrike" cap="none" normalizeH="0" baseline="0" dirty="0" err="1" smtClean="0">
-                <a:ln>
-                  <a:noFill/>
-                </a:ln>
-                <a:solidFill>
-                  <a:srgbClr val="0000FF"/>
-                </a:solidFill>
-                <a:effectLst/>
-                <a:latin typeface="Consolas" panose="020B0609020204030204" pitchFamily="49" charset="0"/>
-                <a:cs typeface="Consolas" panose="020B0609020204030204" pitchFamily="49" charset="0"/>
-              </a:rPr>
-              <a:t>new</a:t>
-            </a:r>
-            <a:r>
-              <a:rPr kumimoji="0" lang="de-DE" altLang="de-DE" sz="1100" b="0" i="0" u="none" strike="noStrike" cap="none" normalizeH="0" baseline="0" dirty="0" smtClean="0">
-                <a:ln>
-                  <a:noFill/>
-                </a:ln>
-                <a:solidFill>
-                  <a:srgbClr val="000000"/>
-                </a:solidFill>
-                <a:effectLst/>
-                <a:latin typeface="Consolas" panose="020B0609020204030204" pitchFamily="49" charset="0"/>
-                <a:cs typeface="Consolas" panose="020B0609020204030204" pitchFamily="49" charset="0"/>
-              </a:rPr>
-              <a:t> </a:t>
-            </a:r>
-            <a:r>
-              <a:rPr kumimoji="0" lang="de-DE" altLang="de-DE" sz="1100" b="0" i="0" u="none" strike="noStrike" cap="none" normalizeH="0" baseline="0" dirty="0" err="1" smtClean="0">
-                <a:ln>
-                  <a:noFill/>
-                </a:ln>
-                <a:solidFill>
-                  <a:srgbClr val="2B91AF"/>
-                </a:solidFill>
-                <a:effectLst/>
-                <a:latin typeface="Consolas" panose="020B0609020204030204" pitchFamily="49" charset="0"/>
-                <a:cs typeface="Consolas" panose="020B0609020204030204" pitchFamily="49" charset="0"/>
-              </a:rPr>
-              <a:t>IntValue</a:t>
-            </a:r>
-            <a:r>
-              <a:rPr kumimoji="0" lang="de-DE" altLang="de-DE" sz="1100" b="0" i="0" u="none" strike="noStrike" cap="none" normalizeH="0" baseline="0" dirty="0" smtClean="0">
-                <a:ln>
-                  <a:noFill/>
-                </a:ln>
-                <a:solidFill>
-                  <a:srgbClr val="000000"/>
-                </a:solidFill>
-                <a:effectLst/>
-                <a:latin typeface="Consolas" panose="020B0609020204030204" pitchFamily="49" charset="0"/>
-                <a:cs typeface="Consolas" panose="020B0609020204030204" pitchFamily="49" charset="0"/>
-              </a:rPr>
-              <a:t>(100))); </a:t>
-            </a:r>
-            <a:endParaRPr kumimoji="0" lang="de-DE" altLang="de-DE" sz="2800" b="0" i="0" u="none" strike="noStrike" cap="none" normalizeH="0" baseline="0" dirty="0" smtClean="0">
-              <a:ln>
-                <a:noFill/>
-              </a:ln>
-              <a:solidFill>
-                <a:schemeClr val="tx1"/>
-              </a:solidFill>
-              <a:effectLst/>
-              <a:latin typeface="Arial" panose="020B0604020202020204" pitchFamily="34" charset="0"/>
-            </a:endParaRPr>
-          </a:p>
-        </p:txBody>
-      </p:sp>
     </p:spTree>
     <p:extLst>
       <p:ext uri="{BB962C8B-B14F-4D97-AF65-F5344CB8AC3E}">

--- a/documentation/Tutorials/Programming HeuristicLab - Algorithms and Problems.pptx
+++ b/documentation/Tutorials/Programming HeuristicLab - Algorithms and Problems.pptx
@@ -246,7 +246,7 @@
             <a:fld id="{EF88095B-826C-4D0E-ACE1-419E2A1A3ECD}" type="datetimeFigureOut">
               <a:rPr lang="de-AT" smtClean="0"/>
               <a:pPr/>
-              <a:t>24.03.2015</a:t>
+              <a:t>08.07.2015</a:t>
             </a:fld>
             <a:endParaRPr lang="de-AT"/>
           </a:p>
@@ -16125,7 +16125,9 @@
         </p:nvSpPr>
         <p:spPr/>
         <p:txBody>
-          <a:bodyPr/>
+          <a:bodyPr>
+            <a:normAutofit fontScale="92500" lnSpcReduction="10000"/>
+          </a:bodyPr>
           <a:lstStyle/>
           <a:p>
             <a:r>
@@ -16161,8 +16163,19 @@
           <a:p>
             <a:r>
               <a:rPr lang="en-US" dirty="0" smtClean="0"/>
-              <a:t>Wires/parameterizes operators</a:t>
-            </a:r>
+              <a:t>Wires/parameterizes </a:t>
+            </a:r>
+            <a:r>
+              <a:rPr lang="en-US" dirty="0" smtClean="0"/>
+              <a:t>operators</a:t>
+            </a:r>
+          </a:p>
+          <a:p>
+            <a:r>
+              <a:rPr lang="en-US" dirty="0" smtClean="0"/>
+              <a:t>Wires/parameterizes parameters</a:t>
+            </a:r>
+            <a:endParaRPr lang="en-US" dirty="0" smtClean="0"/>
           </a:p>
           <a:p>
             <a:r>
@@ -20674,15 +20687,7 @@
             <a:pPr lvl="1"/>
             <a:r>
               <a:rPr lang="en-US" dirty="0" smtClean="0"/>
-              <a:t>Add parameter to </a:t>
-            </a:r>
-            <a:r>
-              <a:rPr lang="en-US" dirty="0" smtClean="0"/>
-              <a:t>parameters </a:t>
-            </a:r>
-            <a:r>
-              <a:rPr lang="en-US" dirty="0" smtClean="0"/>
-              <a:t>collection</a:t>
+              <a:t>Add parameter to parameters collection</a:t>
             </a:r>
             <a:endParaRPr lang="en-US" dirty="0"/>
           </a:p>

--- a/documentation/Tutorials/Programming HeuristicLab - Algorithms and Problems.pptx
+++ b/documentation/Tutorials/Programming HeuristicLab - Algorithms and Problems.pptx
@@ -246,7 +246,7 @@
             <a:fld id="{EF88095B-826C-4D0E-ACE1-419E2A1A3ECD}" type="datetimeFigureOut">
               <a:rPr lang="de-AT" smtClean="0"/>
               <a:pPr/>
-              <a:t>08.07.2015</a:t>
+              <a:t>07.10.2015</a:t>
             </a:fld>
             <a:endParaRPr lang="de-AT"/>
           </a:p>
@@ -11777,7 +11777,15 @@
           <a:p>
             <a:r>
               <a:rPr lang="en-US" dirty="0" smtClean="0"/>
-              <a:t>Base classes/Interfaces </a:t>
+              <a:t>Base </a:t>
+            </a:r>
+            <a:r>
+              <a:rPr lang="en-US" dirty="0" smtClean="0"/>
+              <a:t>classes/interfaces </a:t>
+            </a:r>
+            <a:r>
+              <a:rPr lang="en-US" dirty="0" smtClean="0"/>
+              <a:t/>
             </a:r>
             <a:br>
               <a:rPr lang="en-US" dirty="0" smtClean="0"/>
@@ -11944,7 +11952,11 @@
             </a:r>
             <a:r>
               <a:rPr lang="en-US" dirty="0" smtClean="0"/>
-              <a:t>classes/Interfaces for </a:t>
+              <a:t>classes/interfaces </a:t>
+            </a:r>
+            <a:r>
+              <a:rPr lang="en-US" dirty="0" smtClean="0"/>
+              <a:t>for </a:t>
             </a:r>
             <a:r>
               <a:rPr lang="en-US" dirty="0"/>
@@ -15708,7 +15720,15 @@
           <a:p>
             <a:r>
               <a:rPr lang="en-US" dirty="0" smtClean="0"/>
-              <a:t>Base classes/Interfaces for problems</a:t>
+              <a:t>Base </a:t>
+            </a:r>
+            <a:r>
+              <a:rPr lang="en-US" dirty="0" smtClean="0"/>
+              <a:t>classes/interfaces </a:t>
+            </a:r>
+            <a:r>
+              <a:rPr lang="en-US" dirty="0" smtClean="0"/>
+              <a:t>for problems</a:t>
             </a:r>
             <a:endParaRPr lang="en-US" dirty="0"/>
           </a:p>
@@ -15868,7 +15888,7 @@
             </a:r>
             <a:r>
               <a:rPr lang="en-US" dirty="0" smtClean="0"/>
-              <a:t>classes/Interfaces </a:t>
+              <a:t>classes/interfaces </a:t>
             </a:r>
             <a:r>
               <a:rPr lang="en-US" dirty="0"/>
@@ -16163,11 +16183,7 @@
           <a:p>
             <a:r>
               <a:rPr lang="en-US" dirty="0" smtClean="0"/>
-              <a:t>Wires/parameterizes </a:t>
-            </a:r>
-            <a:r>
-              <a:rPr lang="en-US" dirty="0" smtClean="0"/>
-              <a:t>operators</a:t>
+              <a:t>Wires/parameterizes operators</a:t>
             </a:r>
           </a:p>
           <a:p>
@@ -16175,7 +16191,6 @@
               <a:rPr lang="en-US" dirty="0" smtClean="0"/>
               <a:t>Wires/parameterizes parameters</a:t>
             </a:r>
-            <a:endParaRPr lang="en-US" dirty="0" smtClean="0"/>
           </a:p>
           <a:p>
             <a:r>
@@ -16366,7 +16381,11 @@
             </a:r>
             <a:r>
               <a:rPr lang="en-GB" dirty="0" smtClean="0"/>
-              <a:t>/operators necessary</a:t>
+              <a:t>/operators </a:t>
+            </a:r>
+            <a:r>
+              <a:rPr lang="en-GB" dirty="0" smtClean="0"/>
+              <a:t>necessary</a:t>
             </a:r>
           </a:p>
           <a:p>
@@ -16566,7 +16585,7 @@
             </a:r>
             <a:r>
               <a:rPr lang="en-US" dirty="0" smtClean="0"/>
-              <a:t>classes/Interfaces </a:t>
+              <a:t>classes/interfaces </a:t>
             </a:r>
             <a:r>
               <a:rPr lang="en-US" dirty="0"/>

--- a/documentation/Tutorials/Programming HeuristicLab - Algorithms and Problems.pptx
+++ b/documentation/Tutorials/Programming HeuristicLab - Algorithms and Problems.pptx
@@ -5,7 +5,7 @@
     <p:sldMasterId id="2147483648" r:id="rId1"/>
   </p:sldMasterIdLst>
   <p:notesMasterIdLst>
-    <p:notesMasterId r:id="rId40"/>
+    <p:notesMasterId r:id="rId41"/>
   </p:notesMasterIdLst>
   <p:sldIdLst>
     <p:sldId id="256" r:id="rId2"/>
@@ -31,21 +31,22 @@
     <p:sldId id="432" r:id="rId22"/>
     <p:sldId id="442" r:id="rId23"/>
     <p:sldId id="445" r:id="rId24"/>
-    <p:sldId id="455" r:id="rId25"/>
-    <p:sldId id="456" r:id="rId26"/>
-    <p:sldId id="457" r:id="rId27"/>
-    <p:sldId id="458" r:id="rId28"/>
-    <p:sldId id="443" r:id="rId29"/>
-    <p:sldId id="433" r:id="rId30"/>
-    <p:sldId id="438" r:id="rId31"/>
-    <p:sldId id="439" r:id="rId32"/>
-    <p:sldId id="444" r:id="rId33"/>
-    <p:sldId id="459" r:id="rId34"/>
-    <p:sldId id="460" r:id="rId35"/>
-    <p:sldId id="461" r:id="rId36"/>
-    <p:sldId id="462" r:id="rId37"/>
-    <p:sldId id="463" r:id="rId38"/>
-    <p:sldId id="412" r:id="rId39"/>
+    <p:sldId id="465" r:id="rId25"/>
+    <p:sldId id="455" r:id="rId26"/>
+    <p:sldId id="456" r:id="rId27"/>
+    <p:sldId id="457" r:id="rId28"/>
+    <p:sldId id="458" r:id="rId29"/>
+    <p:sldId id="443" r:id="rId30"/>
+    <p:sldId id="433" r:id="rId31"/>
+    <p:sldId id="438" r:id="rId32"/>
+    <p:sldId id="439" r:id="rId33"/>
+    <p:sldId id="444" r:id="rId34"/>
+    <p:sldId id="459" r:id="rId35"/>
+    <p:sldId id="460" r:id="rId36"/>
+    <p:sldId id="461" r:id="rId37"/>
+    <p:sldId id="462" r:id="rId38"/>
+    <p:sldId id="463" r:id="rId39"/>
+    <p:sldId id="412" r:id="rId40"/>
   </p:sldIdLst>
   <p:sldSz cx="9144000" cy="6858000" type="screen4x3"/>
   <p:notesSz cx="6858000" cy="9144000"/>
@@ -11777,15 +11778,7 @@
           <a:p>
             <a:r>
               <a:rPr lang="en-US" dirty="0" smtClean="0"/>
-              <a:t>Base </a:t>
-            </a:r>
-            <a:r>
-              <a:rPr lang="en-US" dirty="0" smtClean="0"/>
-              <a:t>classes/interfaces </a:t>
-            </a:r>
-            <a:r>
-              <a:rPr lang="en-US" dirty="0" smtClean="0"/>
-              <a:t/>
+              <a:t>Base classes/interfaces </a:t>
             </a:r>
             <a:br>
               <a:rPr lang="en-US" dirty="0" smtClean="0"/>
@@ -11952,11 +11945,7 @@
             </a:r>
             <a:r>
               <a:rPr lang="en-US" dirty="0" smtClean="0"/>
-              <a:t>classes/interfaces </a:t>
-            </a:r>
-            <a:r>
-              <a:rPr lang="en-US" dirty="0" smtClean="0"/>
-              <a:t>for </a:t>
+              <a:t>classes/interfaces for </a:t>
             </a:r>
             <a:r>
               <a:rPr lang="en-US" dirty="0"/>
@@ -12441,82 +12430,42 @@
           <a:lstStyle/>
           <a:p>
             <a:r>
-              <a:rPr lang="en-GB" dirty="0" err="1" smtClean="0"/>
-              <a:t>BasicAlgorithm</a:t>
+              <a:rPr lang="en-GB" dirty="0" smtClean="0"/>
+              <a:t>Example – Random Search</a:t>
             </a:r>
             <a:endParaRPr lang="en-GB" dirty="0"/>
           </a:p>
         </p:txBody>
       </p:sp>
-      <p:sp>
-        <p:nvSpPr>
-          <p:cNvPr id="3" name="Inhaltsplatzhalter 2"/>
-          <p:cNvSpPr>
-            <a:spLocks noGrp="1"/>
-          </p:cNvSpPr>
+      <p:pic>
+        <p:nvPicPr>
+          <p:cNvPr id="7" name="Inhaltsplatzhalter 6"/>
+          <p:cNvPicPr>
+            <a:picLocks noGrp="1" noChangeAspect="1"/>
+          </p:cNvPicPr>
           <p:nvPr>
             <p:ph idx="1"/>
           </p:nvPr>
-        </p:nvSpPr>
-        <p:spPr/>
-        <p:txBody>
-          <a:bodyPr/>
-          <a:lstStyle/>
-          <a:p>
-            <a:r>
-              <a:rPr lang="en-GB" dirty="0" smtClean="0"/>
-              <a:t>Creating an operator graph can be quite tricky</a:t>
-            </a:r>
-          </a:p>
-          <a:p>
-            <a:r>
-              <a:rPr lang="en-GB" dirty="0" smtClean="0"/>
-              <a:t>Wiring operators is error-prone</a:t>
-            </a:r>
-          </a:p>
-          <a:p>
-            <a:r>
-              <a:rPr lang="en-GB" dirty="0" err="1" smtClean="0">
-                <a:latin typeface="Courier New" panose="02070309020205020404" pitchFamily="49" charset="0"/>
-                <a:cs typeface="Courier New" panose="02070309020205020404" pitchFamily="49" charset="0"/>
-              </a:rPr>
-              <a:t>BasicAlgorithms</a:t>
-            </a:r>
-            <a:r>
-              <a:rPr lang="en-GB" dirty="0" smtClean="0"/>
-              <a:t> are </a:t>
-            </a:r>
-          </a:p>
-          <a:p>
-            <a:pPr lvl="1"/>
-            <a:r>
-              <a:rPr lang="en-GB" dirty="0" smtClean="0"/>
-              <a:t>Easy to implement</a:t>
-            </a:r>
-          </a:p>
-          <a:p>
-            <a:pPr lvl="1"/>
-            <a:r>
-              <a:rPr lang="en-GB" dirty="0" smtClean="0"/>
-              <a:t>No boilerplate code</a:t>
-            </a:r>
-          </a:p>
-          <a:p>
-            <a:pPr lvl="1"/>
-            <a:r>
-              <a:rPr lang="en-GB" dirty="0" smtClean="0"/>
-              <a:t>Hard-coded (no operator graph)</a:t>
-            </a:r>
-          </a:p>
-          <a:p>
-            <a:pPr lvl="1"/>
-            <a:r>
-              <a:rPr lang="en-GB" dirty="0" smtClean="0"/>
-              <a:t>Don’t support pausing</a:t>
-            </a:r>
-          </a:p>
-        </p:txBody>
-      </p:sp>
+        </p:nvPicPr>
+        <p:blipFill>
+          <a:blip r:embed="rId2">
+            <a:extLst>
+              <a:ext uri="{28A0092B-C50C-407E-A947-70E740481C1C}">
+                <a14:useLocalDpi xmlns:a14="http://schemas.microsoft.com/office/drawing/2010/main" val="0"/>
+              </a:ext>
+            </a:extLst>
+          </a:blip>
+          <a:stretch>
+            <a:fillRect/>
+          </a:stretch>
+        </p:blipFill>
+        <p:spPr>
+          <a:xfrm>
+            <a:off x="251520" y="1628800"/>
+            <a:ext cx="8695417" cy="1917756"/>
+          </a:xfrm>
+        </p:spPr>
+      </p:pic>
       <p:sp>
         <p:nvSpPr>
           <p:cNvPr id="4" name="Datumsplatzhalter 3"/>
@@ -12587,10 +12536,34 @@
           </a:p>
         </p:txBody>
       </p:sp>
+      <p:pic>
+        <p:nvPicPr>
+          <p:cNvPr id="8" name="Grafik 7"/>
+          <p:cNvPicPr>
+            <a:picLocks noChangeAspect="1"/>
+          </p:cNvPicPr>
+          <p:nvPr/>
+        </p:nvPicPr>
+        <p:blipFill>
+          <a:blip r:embed="rId3"/>
+          <a:stretch>
+            <a:fillRect/>
+          </a:stretch>
+        </p:blipFill>
+        <p:spPr>
+          <a:xfrm>
+            <a:off x="2146255" y="4132893"/>
+            <a:ext cx="4905945" cy="1672371"/>
+          </a:xfrm>
+          <a:prstGeom prst="rect">
+            <a:avLst/>
+          </a:prstGeom>
+        </p:spPr>
+      </p:pic>
     </p:spTree>
     <p:extLst>
       <p:ext uri="{BB962C8B-B14F-4D97-AF65-F5344CB8AC3E}">
-        <p14:creationId xmlns:p14="http://schemas.microsoft.com/office/powerpoint/2010/main" val="3905736715"/>
+        <p14:creationId xmlns:p14="http://schemas.microsoft.com/office/powerpoint/2010/main" val="2575923593"/>
       </p:ext>
     </p:extLst>
   </p:cSld>
@@ -12636,35 +12609,83 @@
         </p:nvSpPr>
         <p:spPr/>
         <p:txBody>
-          <a:bodyPr>
-            <a:normAutofit fontScale="90000"/>
-          </a:bodyPr>
-          <a:lstStyle/>
-          <a:p>
-            <a:r>
-              <a:rPr lang="en-US" dirty="0"/>
-              <a:t>Base </a:t>
-            </a:r>
-            <a:r>
-              <a:rPr lang="en-US" dirty="0" smtClean="0"/>
-              <a:t>classes/Interfaces </a:t>
-            </a:r>
-            <a:r>
-              <a:rPr lang="en-US" dirty="0"/>
-              <a:t/>
-            </a:r>
-            <a:br>
-              <a:rPr lang="en-US" dirty="0"/>
-            </a:br>
-            <a:r>
-              <a:rPr lang="en-US" dirty="0"/>
-              <a:t>for </a:t>
-            </a:r>
-            <a:r>
-              <a:rPr lang="en-US" dirty="0" err="1" smtClean="0"/>
+          <a:bodyPr/>
+          <a:lstStyle/>
+          <a:p>
+            <a:r>
+              <a:rPr lang="en-GB" dirty="0" err="1" smtClean="0"/>
               <a:t>BasicAlgorithm</a:t>
             </a:r>
             <a:endParaRPr lang="en-GB" dirty="0"/>
+          </a:p>
+        </p:txBody>
+      </p:sp>
+      <p:sp>
+        <p:nvSpPr>
+          <p:cNvPr id="3" name="Inhaltsplatzhalter 2"/>
+          <p:cNvSpPr>
+            <a:spLocks noGrp="1"/>
+          </p:cNvSpPr>
+          <p:nvPr>
+            <p:ph idx="1"/>
+          </p:nvPr>
+        </p:nvSpPr>
+        <p:spPr/>
+        <p:txBody>
+          <a:bodyPr/>
+          <a:lstStyle/>
+          <a:p>
+            <a:r>
+              <a:rPr lang="en-GB" dirty="0" smtClean="0"/>
+              <a:t>Creating an operator graph can be quite tricky</a:t>
+            </a:r>
+          </a:p>
+          <a:p>
+            <a:r>
+              <a:rPr lang="en-GB" dirty="0" smtClean="0"/>
+              <a:t>Wiring operators is error-prone</a:t>
+            </a:r>
+          </a:p>
+          <a:p>
+            <a:r>
+              <a:rPr lang="en-GB" dirty="0" err="1" smtClean="0">
+                <a:latin typeface="Courier New" panose="02070309020205020404" pitchFamily="49" charset="0"/>
+                <a:cs typeface="Courier New" panose="02070309020205020404" pitchFamily="49" charset="0"/>
+              </a:rPr>
+              <a:t>BasicAlgorithms</a:t>
+            </a:r>
+            <a:r>
+              <a:rPr lang="en-GB" dirty="0" smtClean="0"/>
+              <a:t> are </a:t>
+            </a:r>
+          </a:p>
+          <a:p>
+            <a:pPr lvl="1"/>
+            <a:r>
+              <a:rPr lang="en-GB" dirty="0" smtClean="0"/>
+              <a:t>Easy to implement</a:t>
+            </a:r>
+          </a:p>
+          <a:p>
+            <a:pPr lvl="1"/>
+            <a:r>
+              <a:rPr lang="en-GB" dirty="0" smtClean="0"/>
+              <a:t>No boilerplate code</a:t>
+            </a:r>
+          </a:p>
+          <a:p>
+            <a:pPr lvl="1"/>
+            <a:r>
+              <a:rPr lang="en-GB" dirty="0" smtClean="0"/>
+              <a:t>Hard-coded (no operator graph)</a:t>
+            </a:r>
+          </a:p>
+          <a:p>
+            <a:pPr lvl="1"/>
+            <a:r>
+              <a:rPr lang="en-GB" dirty="0" smtClean="0"/>
+              <a:t>Don’t support pausing</a:t>
+            </a:r>
           </a:p>
         </p:txBody>
       </p:sp>
@@ -12733,6 +12754,157 @@
               <a:rPr lang="de-DE" smtClean="0"/>
               <a:pPr/>
               <a:t>25</a:t>
+            </a:fld>
+            <a:endParaRPr lang="de-DE"/>
+          </a:p>
+        </p:txBody>
+      </p:sp>
+    </p:spTree>
+    <p:extLst>
+      <p:ext uri="{BB962C8B-B14F-4D97-AF65-F5344CB8AC3E}">
+        <p14:creationId xmlns:p14="http://schemas.microsoft.com/office/powerpoint/2010/main" val="3905736715"/>
+      </p:ext>
+    </p:extLst>
+  </p:cSld>
+  <p:clrMapOvr>
+    <a:masterClrMapping/>
+  </p:clrMapOvr>
+  <p:timing>
+    <p:tnLst>
+      <p:par>
+        <p:cTn id="1" dur="indefinite" restart="never" nodeType="tmRoot"/>
+      </p:par>
+    </p:tnLst>
+  </p:timing>
+</p:sld>
+</file>
+
+<file path=ppt/slides/slide26.xml><?xml version="1.0" encoding="utf-8"?>
+<p:sld xmlns:a="http://schemas.openxmlformats.org/drawingml/2006/main" xmlns:r="http://schemas.openxmlformats.org/officeDocument/2006/relationships" xmlns:p="http://schemas.openxmlformats.org/presentationml/2006/main">
+  <p:cSld>
+    <p:spTree>
+      <p:nvGrpSpPr>
+        <p:cNvPr id="1" name=""/>
+        <p:cNvGrpSpPr/>
+        <p:nvPr/>
+      </p:nvGrpSpPr>
+      <p:grpSpPr>
+        <a:xfrm>
+          <a:off x="0" y="0"/>
+          <a:ext cx="0" cy="0"/>
+          <a:chOff x="0" y="0"/>
+          <a:chExt cx="0" cy="0"/>
+        </a:xfrm>
+      </p:grpSpPr>
+      <p:sp>
+        <p:nvSpPr>
+          <p:cNvPr id="2" name="Titel 1"/>
+          <p:cNvSpPr>
+            <a:spLocks noGrp="1"/>
+          </p:cNvSpPr>
+          <p:nvPr>
+            <p:ph type="title"/>
+          </p:nvPr>
+        </p:nvSpPr>
+        <p:spPr/>
+        <p:txBody>
+          <a:bodyPr>
+            <a:normAutofit fontScale="90000"/>
+          </a:bodyPr>
+          <a:lstStyle/>
+          <a:p>
+            <a:r>
+              <a:rPr lang="en-US" dirty="0"/>
+              <a:t>Base </a:t>
+            </a:r>
+            <a:r>
+              <a:rPr lang="en-US" dirty="0" smtClean="0"/>
+              <a:t>classes/Interfaces </a:t>
+            </a:r>
+            <a:r>
+              <a:rPr lang="en-US" dirty="0"/>
+              <a:t/>
+            </a:r>
+            <a:br>
+              <a:rPr lang="en-US" dirty="0"/>
+            </a:br>
+            <a:r>
+              <a:rPr lang="en-US" dirty="0"/>
+              <a:t>for </a:t>
+            </a:r>
+            <a:r>
+              <a:rPr lang="en-US" dirty="0" err="1" smtClean="0"/>
+              <a:t>BasicAlgorithm</a:t>
+            </a:r>
+            <a:endParaRPr lang="en-GB" dirty="0"/>
+          </a:p>
+        </p:txBody>
+      </p:sp>
+      <p:sp>
+        <p:nvSpPr>
+          <p:cNvPr id="4" name="Datumsplatzhalter 3"/>
+          <p:cNvSpPr>
+            <a:spLocks noGrp="1"/>
+          </p:cNvSpPr>
+          <p:nvPr>
+            <p:ph type="dt" sz="half" idx="10"/>
+          </p:nvPr>
+        </p:nvSpPr>
+        <p:spPr/>
+        <p:txBody>
+          <a:bodyPr/>
+          <a:lstStyle/>
+          <a:p>
+            <a:r>
+              <a:rPr lang="de-DE" smtClean="0"/>
+              <a:t>Programming HeuristicLab</a:t>
+            </a:r>
+            <a:endParaRPr lang="de-DE" dirty="0"/>
+          </a:p>
+        </p:txBody>
+      </p:sp>
+      <p:sp>
+        <p:nvSpPr>
+          <p:cNvPr id="5" name="Fußzeilenplatzhalter 4"/>
+          <p:cNvSpPr>
+            <a:spLocks noGrp="1"/>
+          </p:cNvSpPr>
+          <p:nvPr>
+            <p:ph type="ftr" sz="quarter" idx="11"/>
+          </p:nvPr>
+        </p:nvSpPr>
+        <p:spPr/>
+        <p:txBody>
+          <a:bodyPr/>
+          <a:lstStyle/>
+          <a:p>
+            <a:r>
+              <a:rPr lang="de-DE" smtClean="0"/>
+              <a:t>http://dev.heuristiclab.com</a:t>
+            </a:r>
+            <a:endParaRPr lang="de-DE"/>
+          </a:p>
+        </p:txBody>
+      </p:sp>
+      <p:sp>
+        <p:nvSpPr>
+          <p:cNvPr id="6" name="Foliennummernplatzhalter 5"/>
+          <p:cNvSpPr>
+            <a:spLocks noGrp="1"/>
+          </p:cNvSpPr>
+          <p:nvPr>
+            <p:ph type="sldNum" sz="quarter" idx="12"/>
+          </p:nvPr>
+        </p:nvSpPr>
+        <p:spPr/>
+        <p:txBody>
+          <a:bodyPr/>
+          <a:lstStyle/>
+          <a:p>
+            <a:fld id="{6C6AE60A-B69C-4790-82F7-3882EDF23186}" type="slidenum">
+              <a:rPr lang="de-DE" smtClean="0"/>
+              <a:pPr/>
+              <a:t>26</a:t>
             </a:fld>
             <a:endParaRPr lang="de-DE"/>
           </a:p>
@@ -12782,7 +12954,7 @@
 </p:sld>
 </file>
 
-<file path=ppt/slides/slide26.xml><?xml version="1.0" encoding="utf-8"?>
+<file path=ppt/slides/slide27.xml><?xml version="1.0" encoding="utf-8"?>
 <p:sld xmlns:a="http://schemas.openxmlformats.org/drawingml/2006/main" xmlns:r="http://schemas.openxmlformats.org/officeDocument/2006/relationships" xmlns:p="http://schemas.openxmlformats.org/presentationml/2006/main">
   <p:cSld>
     <p:spTree>
@@ -12927,7 +13099,7 @@
             <a:fld id="{6C6AE60A-B69C-4790-82F7-3882EDF23186}" type="slidenum">
               <a:rPr lang="de-DE" smtClean="0"/>
               <a:pPr/>
-              <a:t>26</a:t>
+              <a:t>27</a:t>
             </a:fld>
             <a:endParaRPr lang="de-DE"/>
           </a:p>
@@ -14013,7 +14185,7 @@
 </p:sld>
 </file>
 
-<file path=ppt/slides/slide27.xml><?xml version="1.0" encoding="utf-8"?>
+<file path=ppt/slides/slide28.xml><?xml version="1.0" encoding="utf-8"?>
 <p:sld xmlns:a="http://schemas.openxmlformats.org/drawingml/2006/main" xmlns:r="http://schemas.openxmlformats.org/officeDocument/2006/relationships" xmlns:p="http://schemas.openxmlformats.org/presentationml/2006/main">
   <p:cSld>
     <p:spTree>
@@ -14140,7 +14312,7 @@
             <a:fld id="{6C6AE60A-B69C-4790-82F7-3882EDF23186}" type="slidenum">
               <a:rPr lang="de-DE" smtClean="0"/>
               <a:pPr/>
-              <a:t>27</a:t>
+              <a:t>28</a:t>
             </a:fld>
             <a:endParaRPr lang="de-DE"/>
           </a:p>
@@ -15116,213 +15288,6 @@
     <p:extLst>
       <p:ext uri="{BB962C8B-B14F-4D97-AF65-F5344CB8AC3E}">
         <p14:creationId xmlns:p14="http://schemas.microsoft.com/office/powerpoint/2010/main" val="2774488236"/>
-      </p:ext>
-    </p:extLst>
-  </p:cSld>
-  <p:clrMapOvr>
-    <a:masterClrMapping/>
-  </p:clrMapOvr>
-  <p:timing>
-    <p:tnLst>
-      <p:par>
-        <p:cTn id="1" dur="indefinite" restart="never" nodeType="tmRoot"/>
-      </p:par>
-    </p:tnLst>
-  </p:timing>
-</p:sld>
-</file>
-
-<file path=ppt/slides/slide28.xml><?xml version="1.0" encoding="utf-8"?>
-<p:sld xmlns:a="http://schemas.openxmlformats.org/drawingml/2006/main" xmlns:r="http://schemas.openxmlformats.org/officeDocument/2006/relationships" xmlns:p="http://schemas.openxmlformats.org/presentationml/2006/main">
-  <p:cSld>
-    <p:spTree>
-      <p:nvGrpSpPr>
-        <p:cNvPr id="1" name=""/>
-        <p:cNvGrpSpPr/>
-        <p:nvPr/>
-      </p:nvGrpSpPr>
-      <p:grpSpPr>
-        <a:xfrm>
-          <a:off x="0" y="0"/>
-          <a:ext cx="0" cy="0"/>
-          <a:chOff x="0" y="0"/>
-          <a:chExt cx="0" cy="0"/>
-        </a:xfrm>
-      </p:grpSpPr>
-      <p:sp>
-        <p:nvSpPr>
-          <p:cNvPr id="2" name="Titel 1"/>
-          <p:cNvSpPr>
-            <a:spLocks noGrp="1"/>
-          </p:cNvSpPr>
-          <p:nvPr>
-            <p:ph type="title"/>
-          </p:nvPr>
-        </p:nvSpPr>
-        <p:spPr/>
-        <p:txBody>
-          <a:bodyPr/>
-          <a:lstStyle/>
-          <a:p>
-            <a:r>
-              <a:rPr lang="de-AT" dirty="0" smtClean="0"/>
-              <a:t>Problems</a:t>
-            </a:r>
-            <a:endParaRPr lang="de-AT" dirty="0"/>
-          </a:p>
-        </p:txBody>
-      </p:sp>
-      <p:sp>
-        <p:nvSpPr>
-          <p:cNvPr id="3" name="Inhaltsplatzhalter 2"/>
-          <p:cNvSpPr>
-            <a:spLocks noGrp="1"/>
-          </p:cNvSpPr>
-          <p:nvPr>
-            <p:ph idx="1"/>
-          </p:nvPr>
-        </p:nvSpPr>
-        <p:spPr/>
-        <p:txBody>
-          <a:bodyPr>
-            <a:normAutofit fontScale="77500" lnSpcReduction="20000"/>
-          </a:bodyPr>
-          <a:lstStyle/>
-          <a:p>
-            <a:r>
-              <a:rPr lang="en-US" dirty="0" smtClean="0"/>
-              <a:t>Use encodings for representing solutions</a:t>
-            </a:r>
-          </a:p>
-          <a:p>
-            <a:r>
-              <a:rPr lang="en-US" dirty="0" smtClean="0"/>
-              <a:t>Encodings consist of solution candidate definitions and corresponding operators</a:t>
-            </a:r>
-          </a:p>
-          <a:p>
-            <a:r>
-              <a:rPr lang="en-US" dirty="0" smtClean="0"/>
-              <a:t>Problems contain </a:t>
-            </a:r>
-          </a:p>
-          <a:p>
-            <a:pPr lvl="1"/>
-            <a:r>
-              <a:rPr lang="en-US" dirty="0" smtClean="0"/>
-              <a:t>the evaluator</a:t>
-            </a:r>
-          </a:p>
-          <a:p>
-            <a:pPr lvl="1"/>
-            <a:r>
-              <a:rPr lang="en-US" dirty="0" smtClean="0"/>
-              <a:t>the solution creator</a:t>
-            </a:r>
-          </a:p>
-          <a:p>
-            <a:r>
-              <a:rPr lang="en-US" dirty="0" smtClean="0"/>
-              <a:t>Define maximization or minimization</a:t>
-            </a:r>
-          </a:p>
-          <a:p>
-            <a:r>
-              <a:rPr lang="en-US" dirty="0" smtClean="0"/>
-              <a:t>Contain the „problem data“ (e.g., a distance matrix, a simulation, a function definition), usually supplied by a problem instance provider</a:t>
-            </a:r>
-          </a:p>
-          <a:p>
-            <a:r>
-              <a:rPr lang="en-US" dirty="0" smtClean="0"/>
-              <a:t>Can be single- or multi-objective</a:t>
-            </a:r>
-          </a:p>
-          <a:p>
-            <a:r>
-              <a:rPr lang="en-US" dirty="0" smtClean="0"/>
-              <a:t>Configured with parameters</a:t>
-            </a:r>
-          </a:p>
-          <a:p>
-            <a:endParaRPr lang="en-US" dirty="0"/>
-          </a:p>
-        </p:txBody>
-      </p:sp>
-      <p:sp>
-        <p:nvSpPr>
-          <p:cNvPr id="4" name="Datumsplatzhalter 3"/>
-          <p:cNvSpPr>
-            <a:spLocks noGrp="1"/>
-          </p:cNvSpPr>
-          <p:nvPr>
-            <p:ph type="dt" sz="half" idx="10"/>
-          </p:nvPr>
-        </p:nvSpPr>
-        <p:spPr/>
-        <p:txBody>
-          <a:bodyPr/>
-          <a:lstStyle/>
-          <a:p>
-            <a:r>
-              <a:rPr lang="de-DE" smtClean="0"/>
-              <a:t>Programming HeuristicLab</a:t>
-            </a:r>
-            <a:endParaRPr lang="de-DE" dirty="0"/>
-          </a:p>
-        </p:txBody>
-      </p:sp>
-      <p:sp>
-        <p:nvSpPr>
-          <p:cNvPr id="5" name="Fußzeilenplatzhalter 4"/>
-          <p:cNvSpPr>
-            <a:spLocks noGrp="1"/>
-          </p:cNvSpPr>
-          <p:nvPr>
-            <p:ph type="ftr" sz="quarter" idx="11"/>
-          </p:nvPr>
-        </p:nvSpPr>
-        <p:spPr/>
-        <p:txBody>
-          <a:bodyPr/>
-          <a:lstStyle/>
-          <a:p>
-            <a:r>
-              <a:rPr lang="de-DE" smtClean="0"/>
-              <a:t>http://dev.heuristiclab.com</a:t>
-            </a:r>
-            <a:endParaRPr lang="de-DE"/>
-          </a:p>
-        </p:txBody>
-      </p:sp>
-      <p:sp>
-        <p:nvSpPr>
-          <p:cNvPr id="6" name="Foliennummernplatzhalter 5"/>
-          <p:cNvSpPr>
-            <a:spLocks noGrp="1"/>
-          </p:cNvSpPr>
-          <p:nvPr>
-            <p:ph type="sldNum" sz="quarter" idx="12"/>
-          </p:nvPr>
-        </p:nvSpPr>
-        <p:spPr/>
-        <p:txBody>
-          <a:bodyPr/>
-          <a:lstStyle/>
-          <a:p>
-            <a:fld id="{6C6AE60A-B69C-4790-82F7-3882EDF23186}" type="slidenum">
-              <a:rPr lang="de-DE" smtClean="0"/>
-              <a:pPr/>
-              <a:t>28</a:t>
-            </a:fld>
-            <a:endParaRPr lang="de-DE"/>
-          </a:p>
-        </p:txBody>
-      </p:sp>
-    </p:spTree>
-    <p:extLst>
-      <p:ext uri="{BB962C8B-B14F-4D97-AF65-F5344CB8AC3E}">
-        <p14:creationId xmlns:p14="http://schemas.microsoft.com/office/powerpoint/2010/main" val="3170979348"/>
       </p:ext>
     </p:extLst>
   </p:cSld>
@@ -15372,9 +15337,86 @@
           <a:lstStyle/>
           <a:p>
             <a:r>
+              <a:rPr lang="de-AT" dirty="0" smtClean="0"/>
+              <a:t>Problems</a:t>
+            </a:r>
+            <a:endParaRPr lang="de-AT" dirty="0"/>
+          </a:p>
+        </p:txBody>
+      </p:sp>
+      <p:sp>
+        <p:nvSpPr>
+          <p:cNvPr id="3" name="Inhaltsplatzhalter 2"/>
+          <p:cNvSpPr>
+            <a:spLocks noGrp="1"/>
+          </p:cNvSpPr>
+          <p:nvPr>
+            <p:ph idx="1"/>
+          </p:nvPr>
+        </p:nvSpPr>
+        <p:spPr/>
+        <p:txBody>
+          <a:bodyPr>
+            <a:normAutofit fontScale="77500" lnSpcReduction="20000"/>
+          </a:bodyPr>
+          <a:lstStyle/>
+          <a:p>
+            <a:r>
               <a:rPr lang="en-US" dirty="0" smtClean="0"/>
-              <a:t>Problem Architecture</a:t>
-            </a:r>
+              <a:t>Use encodings for representing solutions</a:t>
+            </a:r>
+          </a:p>
+          <a:p>
+            <a:r>
+              <a:rPr lang="en-US" dirty="0" smtClean="0"/>
+              <a:t>Encodings consist of solution candidate definitions and corresponding operators</a:t>
+            </a:r>
+          </a:p>
+          <a:p>
+            <a:r>
+              <a:rPr lang="en-US" dirty="0" smtClean="0"/>
+              <a:t>Problems contain </a:t>
+            </a:r>
+          </a:p>
+          <a:p>
+            <a:pPr lvl="1"/>
+            <a:r>
+              <a:rPr lang="en-US" dirty="0" smtClean="0"/>
+              <a:t>the evaluator</a:t>
+            </a:r>
+          </a:p>
+          <a:p>
+            <a:pPr lvl="1"/>
+            <a:r>
+              <a:rPr lang="en-US" dirty="0" smtClean="0"/>
+              <a:t>the solution creator</a:t>
+            </a:r>
+          </a:p>
+          <a:p>
+            <a:r>
+              <a:rPr lang="en-US" dirty="0" smtClean="0"/>
+              <a:t>Define maximization or minimization</a:t>
+            </a:r>
+          </a:p>
+          <a:p>
+            <a:r>
+              <a:rPr lang="en-US" dirty="0" smtClean="0"/>
+              <a:t>Contain the „problem data“ (e.g., a distance matrix, a simulation, a function definition), usually supplied by a problem instance provider</a:t>
+            </a:r>
+          </a:p>
+          <a:p>
+            <a:r>
+              <a:rPr lang="en-US" dirty="0" smtClean="0"/>
+              <a:t>Can be single- or multi-objective</a:t>
+            </a:r>
+          </a:p>
+          <a:p>
+            <a:r>
+              <a:rPr lang="en-US" dirty="0" smtClean="0"/>
+              <a:t>Configured with parameters</a:t>
+            </a:r>
+          </a:p>
+          <a:p>
             <a:endParaRPr lang="en-US" dirty="0"/>
           </a:p>
         </p:txBody>
@@ -15449,34 +15491,10 @@
           </a:p>
         </p:txBody>
       </p:sp>
-      <p:pic>
-        <p:nvPicPr>
-          <p:cNvPr id="7" name="Grafik 6"/>
-          <p:cNvPicPr>
-            <a:picLocks noChangeAspect="1"/>
-          </p:cNvPicPr>
-          <p:nvPr/>
-        </p:nvPicPr>
-        <p:blipFill>
-          <a:blip r:embed="rId2"/>
-          <a:stretch>
-            <a:fillRect/>
-          </a:stretch>
-        </p:blipFill>
-        <p:spPr>
-          <a:xfrm>
-            <a:off x="1667860" y="1417638"/>
-            <a:ext cx="5808280" cy="4722551"/>
-          </a:xfrm>
-          <a:prstGeom prst="rect">
-            <a:avLst/>
-          </a:prstGeom>
-        </p:spPr>
-      </p:pic>
     </p:spTree>
     <p:extLst>
       <p:ext uri="{BB962C8B-B14F-4D97-AF65-F5344CB8AC3E}">
-        <p14:creationId xmlns:p14="http://schemas.microsoft.com/office/powerpoint/2010/main" val="808625344"/>
+        <p14:creationId xmlns:p14="http://schemas.microsoft.com/office/powerpoint/2010/main" val="3170979348"/>
       </p:ext>
     </p:extLst>
   </p:cSld>
@@ -15713,22 +15731,12 @@
         </p:nvSpPr>
         <p:spPr/>
         <p:txBody>
-          <a:bodyPr>
-            <a:normAutofit fontScale="90000"/>
-          </a:bodyPr>
+          <a:bodyPr/>
           <a:lstStyle/>
           <a:p>
             <a:r>
               <a:rPr lang="en-US" dirty="0" smtClean="0"/>
-              <a:t>Base </a:t>
-            </a:r>
-            <a:r>
-              <a:rPr lang="en-US" dirty="0" smtClean="0"/>
-              <a:t>classes/interfaces </a:t>
-            </a:r>
-            <a:r>
-              <a:rPr lang="en-US" dirty="0" smtClean="0"/>
-              <a:t>for problems</a:t>
+              <a:t>Problem Architecture</a:t>
             </a:r>
             <a:endParaRPr lang="en-US" dirty="0"/>
           </a:p>
@@ -15799,6 +15807,162 @@
               <a:rPr lang="de-DE" smtClean="0"/>
               <a:pPr/>
               <a:t>30</a:t>
+            </a:fld>
+            <a:endParaRPr lang="de-DE"/>
+          </a:p>
+        </p:txBody>
+      </p:sp>
+      <p:pic>
+        <p:nvPicPr>
+          <p:cNvPr id="7" name="Grafik 6"/>
+          <p:cNvPicPr>
+            <a:picLocks noChangeAspect="1"/>
+          </p:cNvPicPr>
+          <p:nvPr/>
+        </p:nvPicPr>
+        <p:blipFill>
+          <a:blip r:embed="rId2"/>
+          <a:stretch>
+            <a:fillRect/>
+          </a:stretch>
+        </p:blipFill>
+        <p:spPr>
+          <a:xfrm>
+            <a:off x="1667860" y="1417638"/>
+            <a:ext cx="5808280" cy="4722551"/>
+          </a:xfrm>
+          <a:prstGeom prst="rect">
+            <a:avLst/>
+          </a:prstGeom>
+        </p:spPr>
+      </p:pic>
+    </p:spTree>
+    <p:extLst>
+      <p:ext uri="{BB962C8B-B14F-4D97-AF65-F5344CB8AC3E}">
+        <p14:creationId xmlns:p14="http://schemas.microsoft.com/office/powerpoint/2010/main" val="808625344"/>
+      </p:ext>
+    </p:extLst>
+  </p:cSld>
+  <p:clrMapOvr>
+    <a:masterClrMapping/>
+  </p:clrMapOvr>
+  <p:timing>
+    <p:tnLst>
+      <p:par>
+        <p:cTn id="1" dur="indefinite" restart="never" nodeType="tmRoot"/>
+      </p:par>
+    </p:tnLst>
+  </p:timing>
+</p:sld>
+</file>
+
+<file path=ppt/slides/slide31.xml><?xml version="1.0" encoding="utf-8"?>
+<p:sld xmlns:a="http://schemas.openxmlformats.org/drawingml/2006/main" xmlns:r="http://schemas.openxmlformats.org/officeDocument/2006/relationships" xmlns:p="http://schemas.openxmlformats.org/presentationml/2006/main">
+  <p:cSld>
+    <p:spTree>
+      <p:nvGrpSpPr>
+        <p:cNvPr id="1" name=""/>
+        <p:cNvGrpSpPr/>
+        <p:nvPr/>
+      </p:nvGrpSpPr>
+      <p:grpSpPr>
+        <a:xfrm>
+          <a:off x="0" y="0"/>
+          <a:ext cx="0" cy="0"/>
+          <a:chOff x="0" y="0"/>
+          <a:chExt cx="0" cy="0"/>
+        </a:xfrm>
+      </p:grpSpPr>
+      <p:sp>
+        <p:nvSpPr>
+          <p:cNvPr id="2" name="Titel 1"/>
+          <p:cNvSpPr>
+            <a:spLocks noGrp="1"/>
+          </p:cNvSpPr>
+          <p:nvPr>
+            <p:ph type="title"/>
+          </p:nvPr>
+        </p:nvSpPr>
+        <p:spPr/>
+        <p:txBody>
+          <a:bodyPr>
+            <a:normAutofit fontScale="90000"/>
+          </a:bodyPr>
+          <a:lstStyle/>
+          <a:p>
+            <a:r>
+              <a:rPr lang="en-US" dirty="0" smtClean="0"/>
+              <a:t>Base classes/interfaces for problems</a:t>
+            </a:r>
+            <a:endParaRPr lang="en-US" dirty="0"/>
+          </a:p>
+        </p:txBody>
+      </p:sp>
+      <p:sp>
+        <p:nvSpPr>
+          <p:cNvPr id="4" name="Datumsplatzhalter 3"/>
+          <p:cNvSpPr>
+            <a:spLocks noGrp="1"/>
+          </p:cNvSpPr>
+          <p:nvPr>
+            <p:ph type="dt" sz="half" idx="10"/>
+          </p:nvPr>
+        </p:nvSpPr>
+        <p:spPr/>
+        <p:txBody>
+          <a:bodyPr/>
+          <a:lstStyle/>
+          <a:p>
+            <a:r>
+              <a:rPr lang="de-DE" smtClean="0"/>
+              <a:t>Programming HeuristicLab</a:t>
+            </a:r>
+            <a:endParaRPr lang="de-DE" dirty="0"/>
+          </a:p>
+        </p:txBody>
+      </p:sp>
+      <p:sp>
+        <p:nvSpPr>
+          <p:cNvPr id="5" name="Fußzeilenplatzhalter 4"/>
+          <p:cNvSpPr>
+            <a:spLocks noGrp="1"/>
+          </p:cNvSpPr>
+          <p:nvPr>
+            <p:ph type="ftr" sz="quarter" idx="11"/>
+          </p:nvPr>
+        </p:nvSpPr>
+        <p:spPr/>
+        <p:txBody>
+          <a:bodyPr/>
+          <a:lstStyle/>
+          <a:p>
+            <a:r>
+              <a:rPr lang="de-DE" smtClean="0"/>
+              <a:t>http://dev.heuristiclab.com</a:t>
+            </a:r>
+            <a:endParaRPr lang="de-DE"/>
+          </a:p>
+        </p:txBody>
+      </p:sp>
+      <p:sp>
+        <p:nvSpPr>
+          <p:cNvPr id="6" name="Foliennummernplatzhalter 5"/>
+          <p:cNvSpPr>
+            <a:spLocks noGrp="1"/>
+          </p:cNvSpPr>
+          <p:nvPr>
+            <p:ph type="sldNum" sz="quarter" idx="12"/>
+          </p:nvPr>
+        </p:nvSpPr>
+        <p:spPr/>
+        <p:txBody>
+          <a:bodyPr/>
+          <a:lstStyle/>
+          <a:p>
+            <a:fld id="{6C6AE60A-B69C-4790-82F7-3882EDF23186}" type="slidenum">
+              <a:rPr lang="de-DE" smtClean="0"/>
+              <a:pPr/>
+              <a:t>31</a:t>
             </a:fld>
             <a:endParaRPr lang="de-DE"/>
           </a:p>
@@ -15848,249 +16012,6 @@
 </p:sld>
 </file>
 
-<file path=ppt/slides/slide31.xml><?xml version="1.0" encoding="utf-8"?>
-<p:sld xmlns:a="http://schemas.openxmlformats.org/drawingml/2006/main" xmlns:r="http://schemas.openxmlformats.org/officeDocument/2006/relationships" xmlns:p="http://schemas.openxmlformats.org/presentationml/2006/main">
-  <p:cSld>
-    <p:spTree>
-      <p:nvGrpSpPr>
-        <p:cNvPr id="1" name=""/>
-        <p:cNvGrpSpPr/>
-        <p:nvPr/>
-      </p:nvGrpSpPr>
-      <p:grpSpPr>
-        <a:xfrm>
-          <a:off x="0" y="0"/>
-          <a:ext cx="0" cy="0"/>
-          <a:chOff x="0" y="0"/>
-          <a:chExt cx="0" cy="0"/>
-        </a:xfrm>
-      </p:grpSpPr>
-      <p:sp>
-        <p:nvSpPr>
-          <p:cNvPr id="2" name="Titel 1"/>
-          <p:cNvSpPr>
-            <a:spLocks noGrp="1"/>
-          </p:cNvSpPr>
-          <p:nvPr>
-            <p:ph type="title"/>
-          </p:nvPr>
-        </p:nvSpPr>
-        <p:spPr/>
-        <p:txBody>
-          <a:bodyPr>
-            <a:normAutofit fontScale="90000"/>
-          </a:bodyPr>
-          <a:lstStyle/>
-          <a:p>
-            <a:r>
-              <a:rPr lang="en-US" dirty="0"/>
-              <a:t>Base </a:t>
-            </a:r>
-            <a:r>
-              <a:rPr lang="en-US" dirty="0" smtClean="0"/>
-              <a:t>classes/interfaces </a:t>
-            </a:r>
-            <a:r>
-              <a:rPr lang="en-US" dirty="0"/>
-              <a:t>for problems</a:t>
-            </a:r>
-            <a:endParaRPr lang="de-AT" dirty="0"/>
-          </a:p>
-        </p:txBody>
-      </p:sp>
-      <p:sp>
-        <p:nvSpPr>
-          <p:cNvPr id="3" name="Inhaltsplatzhalter 2"/>
-          <p:cNvSpPr>
-            <a:spLocks noGrp="1"/>
-          </p:cNvSpPr>
-          <p:nvPr>
-            <p:ph idx="1"/>
-          </p:nvPr>
-        </p:nvSpPr>
-        <p:spPr/>
-        <p:txBody>
-          <a:bodyPr>
-            <a:normAutofit fontScale="92500" lnSpcReduction="10000"/>
-          </a:bodyPr>
-          <a:lstStyle/>
-          <a:p>
-            <a:r>
-              <a:rPr lang="en-US" dirty="0" err="1" smtClean="0">
-                <a:latin typeface="Courier New" panose="02070309020205020404" pitchFamily="49" charset="0"/>
-                <a:cs typeface="Courier New" panose="02070309020205020404" pitchFamily="49" charset="0"/>
-              </a:rPr>
-              <a:t>IProblem</a:t>
-            </a:r>
-            <a:r>
-              <a:rPr lang="en-US" dirty="0" smtClean="0"/>
-              <a:t>:</a:t>
-            </a:r>
-          </a:p>
-          <a:p>
-            <a:pPr lvl="1"/>
-            <a:r>
-              <a:rPr lang="en-US" dirty="0" smtClean="0"/>
-              <a:t>Contains the operators collection; all operators that can be used by the problem, algorithm and user</a:t>
-            </a:r>
-          </a:p>
-          <a:p>
-            <a:r>
-              <a:rPr lang="en-US" dirty="0" err="1" smtClean="0">
-                <a:latin typeface="Courier New" panose="02070309020205020404" pitchFamily="49" charset="0"/>
-                <a:cs typeface="Courier New" panose="02070309020205020404" pitchFamily="49" charset="0"/>
-              </a:rPr>
-              <a:t>IHeuristicOptimizationProblem</a:t>
-            </a:r>
-            <a:r>
-              <a:rPr lang="en-US" dirty="0" smtClean="0"/>
-              <a:t>:</a:t>
-            </a:r>
-          </a:p>
-          <a:p>
-            <a:pPr lvl="1"/>
-            <a:r>
-              <a:rPr lang="en-US" dirty="0" smtClean="0"/>
-              <a:t>Defines solution creator and evaluator</a:t>
-            </a:r>
-          </a:p>
-          <a:p>
-            <a:r>
-              <a:rPr lang="en-US" dirty="0" smtClean="0">
-                <a:latin typeface="Courier New" panose="02070309020205020404" pitchFamily="49" charset="0"/>
-                <a:cs typeface="Courier New" panose="02070309020205020404" pitchFamily="49" charset="0"/>
-              </a:rPr>
-              <a:t>Problem</a:t>
-            </a:r>
-            <a:r>
-              <a:rPr lang="en-US" dirty="0" smtClean="0"/>
-              <a:t>, </a:t>
-            </a:r>
-            <a:r>
-              <a:rPr lang="en-US" dirty="0" err="1" smtClean="0">
-                <a:latin typeface="Courier New" panose="02070309020205020404" pitchFamily="49" charset="0"/>
-                <a:cs typeface="Courier New" panose="02070309020205020404" pitchFamily="49" charset="0"/>
-              </a:rPr>
-              <a:t>HeuristicOptimizationProblem</a:t>
-            </a:r>
-            <a:r>
-              <a:rPr lang="en-US" dirty="0" smtClean="0"/>
-              <a:t> and </a:t>
-            </a:r>
-            <a:r>
-              <a:rPr lang="en-US" dirty="0" smtClean="0">
-                <a:latin typeface="Courier New" panose="02070309020205020404" pitchFamily="49" charset="0"/>
-                <a:cs typeface="Courier New" panose="02070309020205020404" pitchFamily="49" charset="0"/>
-              </a:rPr>
-              <a:t>Single/</a:t>
-            </a:r>
-            <a:r>
-              <a:rPr lang="en-US" dirty="0" err="1" smtClean="0">
-                <a:latin typeface="Courier New" panose="02070309020205020404" pitchFamily="49" charset="0"/>
-                <a:cs typeface="Courier New" panose="02070309020205020404" pitchFamily="49" charset="0"/>
-              </a:rPr>
-              <a:t>MultiObjectiveHeuristicOptimizationProblem</a:t>
-            </a:r>
-            <a:r>
-              <a:rPr lang="en-US" dirty="0" smtClean="0"/>
-              <a:t> provide abstract base classes</a:t>
-            </a:r>
-          </a:p>
-          <a:p>
-            <a:endParaRPr lang="en-US" dirty="0"/>
-          </a:p>
-        </p:txBody>
-      </p:sp>
-      <p:sp>
-        <p:nvSpPr>
-          <p:cNvPr id="4" name="Datumsplatzhalter 3"/>
-          <p:cNvSpPr>
-            <a:spLocks noGrp="1"/>
-          </p:cNvSpPr>
-          <p:nvPr>
-            <p:ph type="dt" sz="half" idx="10"/>
-          </p:nvPr>
-        </p:nvSpPr>
-        <p:spPr/>
-        <p:txBody>
-          <a:bodyPr/>
-          <a:lstStyle/>
-          <a:p>
-            <a:r>
-              <a:rPr lang="de-DE" smtClean="0"/>
-              <a:t>Programming HeuristicLab</a:t>
-            </a:r>
-            <a:endParaRPr lang="de-DE" dirty="0"/>
-          </a:p>
-        </p:txBody>
-      </p:sp>
-      <p:sp>
-        <p:nvSpPr>
-          <p:cNvPr id="5" name="Fußzeilenplatzhalter 4"/>
-          <p:cNvSpPr>
-            <a:spLocks noGrp="1"/>
-          </p:cNvSpPr>
-          <p:nvPr>
-            <p:ph type="ftr" sz="quarter" idx="11"/>
-          </p:nvPr>
-        </p:nvSpPr>
-        <p:spPr/>
-        <p:txBody>
-          <a:bodyPr/>
-          <a:lstStyle/>
-          <a:p>
-            <a:r>
-              <a:rPr lang="de-DE" smtClean="0"/>
-              <a:t>http://dev.heuristiclab.com</a:t>
-            </a:r>
-            <a:endParaRPr lang="de-DE"/>
-          </a:p>
-        </p:txBody>
-      </p:sp>
-      <p:sp>
-        <p:nvSpPr>
-          <p:cNvPr id="6" name="Foliennummernplatzhalter 5"/>
-          <p:cNvSpPr>
-            <a:spLocks noGrp="1"/>
-          </p:cNvSpPr>
-          <p:nvPr>
-            <p:ph type="sldNum" sz="quarter" idx="12"/>
-          </p:nvPr>
-        </p:nvSpPr>
-        <p:spPr/>
-        <p:txBody>
-          <a:bodyPr/>
-          <a:lstStyle/>
-          <a:p>
-            <a:fld id="{6C6AE60A-B69C-4790-82F7-3882EDF23186}" type="slidenum">
-              <a:rPr lang="de-DE" smtClean="0"/>
-              <a:pPr/>
-              <a:t>31</a:t>
-            </a:fld>
-            <a:endParaRPr lang="de-DE"/>
-          </a:p>
-        </p:txBody>
-      </p:sp>
-    </p:spTree>
-    <p:extLst>
-      <p:ext uri="{BB962C8B-B14F-4D97-AF65-F5344CB8AC3E}">
-        <p14:creationId xmlns:p14="http://schemas.microsoft.com/office/powerpoint/2010/main" val="2089040920"/>
-      </p:ext>
-    </p:extLst>
-  </p:cSld>
-  <p:clrMapOvr>
-    <a:masterClrMapping/>
-  </p:clrMapOvr>
-  <p:timing>
-    <p:tnLst>
-      <p:par>
-        <p:cTn id="1" dur="indefinite" restart="never" nodeType="tmRoot"/>
-      </p:par>
-    </p:tnLst>
-  </p:timing>
-</p:sld>
-</file>
-
 <file path=ppt/slides/slide32.xml><?xml version="1.0" encoding="utf-8"?>
 <p:sld xmlns:a="http://schemas.openxmlformats.org/drawingml/2006/main" xmlns:r="http://schemas.openxmlformats.org/officeDocument/2006/relationships" xmlns:p="http://schemas.openxmlformats.org/presentationml/2006/main">
   <p:cSld>
@@ -16126,10 +16047,18 @@
           <a:lstStyle/>
           <a:p>
             <a:r>
+              <a:rPr lang="en-US" dirty="0"/>
+              <a:t>Base </a:t>
+            </a:r>
+            <a:r>
               <a:rPr lang="en-US" dirty="0" smtClean="0"/>
-              <a:t>Recap: What does a HL problem do?</a:t>
-            </a:r>
-            <a:endParaRPr lang="en-US" dirty="0"/>
+              <a:t>classes/interfaces </a:t>
+            </a:r>
+            <a:r>
+              <a:rPr lang="en-US" dirty="0"/>
+              <a:t>for problems</a:t>
+            </a:r>
+            <a:endParaRPr lang="de-AT" dirty="0"/>
           </a:p>
         </p:txBody>
       </p:sp>
@@ -16151,52 +16080,87 @@
           <a:lstStyle/>
           <a:p>
             <a:r>
+              <a:rPr lang="en-US" dirty="0" err="1" smtClean="0">
+                <a:latin typeface="Courier New" panose="02070309020205020404" pitchFamily="49" charset="0"/>
+                <a:cs typeface="Courier New" panose="02070309020205020404" pitchFamily="49" charset="0"/>
+              </a:rPr>
+              <a:t>IProblem</a:t>
+            </a:r>
+            <a:r>
               <a:rPr lang="en-US" dirty="0" smtClean="0"/>
-              <a:t>Defines used encoding</a:t>
-            </a:r>
-          </a:p>
-          <a:p>
+              <a:t>:</a:t>
+            </a:r>
+          </a:p>
+          <a:p>
+            <a:pPr lvl="1"/>
             <a:r>
               <a:rPr lang="en-US" dirty="0" smtClean="0"/>
-              <a:t>Defines single/multi objective</a:t>
-            </a:r>
-          </a:p>
-          <a:p>
+              <a:t>Contains the operators collection; all operators that can be used by the problem, algorithm and user</a:t>
+            </a:r>
+          </a:p>
+          <a:p>
+            <a:r>
+              <a:rPr lang="en-US" dirty="0" err="1" smtClean="0">
+                <a:latin typeface="Courier New" panose="02070309020205020404" pitchFamily="49" charset="0"/>
+                <a:cs typeface="Courier New" panose="02070309020205020404" pitchFamily="49" charset="0"/>
+              </a:rPr>
+              <a:t>IHeuristicOptimizationProblem</a:t>
+            </a:r>
             <a:r>
               <a:rPr lang="en-US" dirty="0" smtClean="0"/>
-              <a:t>Defines min/maximization</a:t>
-            </a:r>
-          </a:p>
-          <a:p>
+              <a:t>:</a:t>
+            </a:r>
+          </a:p>
+          <a:p>
+            <a:pPr lvl="1"/>
             <a:r>
               <a:rPr lang="en-US" dirty="0" smtClean="0"/>
-              <a:t>Discovers correct operators</a:t>
-            </a:r>
-          </a:p>
-          <a:p>
-            <a:pPr lvl="1"/>
+              <a:t>Defines solution creator and evaluator</a:t>
+            </a:r>
+          </a:p>
+          <a:p>
+            <a:r>
+              <a:rPr lang="en-US" dirty="0" smtClean="0">
+                <a:latin typeface="Courier New" panose="02070309020205020404" pitchFamily="49" charset="0"/>
+                <a:cs typeface="Courier New" panose="02070309020205020404" pitchFamily="49" charset="0"/>
+              </a:rPr>
+              <a:t>Problem</a:t>
+            </a:r>
             <a:r>
               <a:rPr lang="en-US" dirty="0" smtClean="0"/>
-              <a:t>Are used by the algorithm</a:t>
-            </a:r>
-          </a:p>
-          <a:p>
+              <a:t>, </a:t>
+            </a:r>
+            <a:r>
+              <a:rPr lang="en-US" dirty="0" err="1" smtClean="0">
+                <a:latin typeface="Courier New" panose="02070309020205020404" pitchFamily="49" charset="0"/>
+                <a:cs typeface="Courier New" panose="02070309020205020404" pitchFamily="49" charset="0"/>
+              </a:rPr>
+              <a:t>HeuristicOptimizationProblem</a:t>
+            </a:r>
             <a:r>
               <a:rPr lang="en-US" dirty="0" smtClean="0"/>
-              <a:t>Wires/parameterizes operators</a:t>
-            </a:r>
-          </a:p>
-          <a:p>
+              <a:t> and </a:t>
+            </a:r>
+            <a:r>
+              <a:rPr lang="en-US" dirty="0" smtClean="0">
+                <a:latin typeface="Courier New" panose="02070309020205020404" pitchFamily="49" charset="0"/>
+                <a:cs typeface="Courier New" panose="02070309020205020404" pitchFamily="49" charset="0"/>
+              </a:rPr>
+              <a:t>Single/</a:t>
+            </a:r>
+            <a:r>
+              <a:rPr lang="en-US" dirty="0" err="1" smtClean="0">
+                <a:latin typeface="Courier New" panose="02070309020205020404" pitchFamily="49" charset="0"/>
+                <a:cs typeface="Courier New" panose="02070309020205020404" pitchFamily="49" charset="0"/>
+              </a:rPr>
+              <a:t>MultiObjectiveHeuristicOptimizationProblem</a:t>
+            </a:r>
             <a:r>
               <a:rPr lang="en-US" dirty="0" smtClean="0"/>
-              <a:t>Wires/parameterizes parameters</a:t>
-            </a:r>
-          </a:p>
-          <a:p>
-            <a:r>
-              <a:rPr lang="en-US" dirty="0" smtClean="0"/>
-              <a:t>Loads problem data using a corresponding problem instance provider</a:t>
-            </a:r>
+              <a:t> provide abstract base classes</a:t>
+            </a:r>
+          </a:p>
+          <a:p>
             <a:endParaRPr lang="en-US" dirty="0"/>
           </a:p>
         </p:txBody>
@@ -16274,7 +16238,7 @@
     </p:spTree>
     <p:extLst>
       <p:ext uri="{BB962C8B-B14F-4D97-AF65-F5344CB8AC3E}">
-        <p14:creationId xmlns:p14="http://schemas.microsoft.com/office/powerpoint/2010/main" val="3946963009"/>
+        <p14:creationId xmlns:p14="http://schemas.microsoft.com/office/powerpoint/2010/main" val="2089040920"/>
       </p:ext>
     </p:extLst>
   </p:cSld>
@@ -16320,14 +16284,16 @@
         </p:nvSpPr>
         <p:spPr/>
         <p:txBody>
-          <a:bodyPr/>
-          <a:lstStyle/>
-          <a:p>
-            <a:r>
-              <a:rPr lang="en-GB" dirty="0" err="1" smtClean="0"/>
-              <a:t>BasicProblem</a:t>
-            </a:r>
-            <a:endParaRPr lang="en-GB" dirty="0"/>
+          <a:bodyPr>
+            <a:normAutofit fontScale="90000"/>
+          </a:bodyPr>
+          <a:lstStyle/>
+          <a:p>
+            <a:r>
+              <a:rPr lang="en-US" dirty="0" smtClean="0"/>
+              <a:t>Recap: What does a HL problem do?</a:t>
+            </a:r>
+            <a:endParaRPr lang="en-US" dirty="0"/>
           </a:p>
         </p:txBody>
       </p:sp>
@@ -16344,114 +16310,58 @@
         <p:spPr/>
         <p:txBody>
           <a:bodyPr>
-            <a:normAutofit lnSpcReduction="10000"/>
+            <a:normAutofit fontScale="92500" lnSpcReduction="10000"/>
           </a:bodyPr>
           <a:lstStyle/>
           <a:p>
             <a:r>
-              <a:rPr lang="en-GB" dirty="0" smtClean="0"/>
-              <a:t>Similar concept as </a:t>
-            </a:r>
-            <a:r>
-              <a:rPr lang="en-GB" dirty="0" err="1" smtClean="0">
-                <a:latin typeface="Courier New" panose="02070309020205020404" pitchFamily="49" charset="0"/>
-                <a:cs typeface="Courier New" panose="02070309020205020404" pitchFamily="49" charset="0"/>
-              </a:rPr>
-              <a:t>BasicAlgorithm</a:t>
-            </a:r>
-            <a:endParaRPr lang="en-GB" dirty="0" smtClean="0">
-              <a:latin typeface="Courier New" panose="02070309020205020404" pitchFamily="49" charset="0"/>
-              <a:cs typeface="Courier New" panose="02070309020205020404" pitchFamily="49" charset="0"/>
-            </a:endParaRPr>
-          </a:p>
-          <a:p>
-            <a:r>
-              <a:rPr lang="en-GB" dirty="0" smtClean="0"/>
-              <a:t>Makes implementing new problems easier</a:t>
-            </a:r>
-          </a:p>
-          <a:p>
-            <a:r>
-              <a:rPr lang="en-GB" dirty="0" smtClean="0"/>
-              <a:t>No </a:t>
-            </a:r>
-            <a:r>
-              <a:rPr lang="en-GB" dirty="0" err="1" smtClean="0"/>
-              <a:t>wireing</a:t>
-            </a:r>
-            <a:r>
-              <a:rPr lang="en-GB" dirty="0" smtClean="0"/>
-              <a:t>/operators </a:t>
-            </a:r>
-            <a:r>
-              <a:rPr lang="en-GB" dirty="0" smtClean="0"/>
-              <a:t>necessary</a:t>
-            </a:r>
-          </a:p>
-          <a:p>
-            <a:pPr marL="342900" lvl="1" indent="-342900">
-              <a:buFont typeface="Arial" pitchFamily="34" charset="0"/>
-              <a:buChar char="•"/>
-            </a:pPr>
-            <a:r>
-              <a:rPr lang="en-GB" sz="3200" dirty="0"/>
-              <a:t>Use automatic encoding configuration</a:t>
-            </a:r>
-          </a:p>
-          <a:p>
-            <a:pPr marL="342900" lvl="1" indent="-342900">
-              <a:buFont typeface="Arial" pitchFamily="34" charset="0"/>
-              <a:buChar char="•"/>
-            </a:pPr>
-            <a:r>
-              <a:rPr lang="en-GB" sz="3200" dirty="0"/>
-              <a:t>Don’t work with all algorithm </a:t>
-            </a:r>
-            <a:r>
-              <a:rPr lang="en-GB" sz="3200" dirty="0" smtClean="0"/>
-              <a:t>types, e.g., algorithms that use very specific operators</a:t>
-            </a:r>
-          </a:p>
-          <a:p>
-            <a:pPr marL="742950" lvl="2" indent="-342900"/>
-            <a:r>
-              <a:rPr lang="en-GB" dirty="0" smtClean="0"/>
-              <a:t>Simulated Annealing</a:t>
-            </a:r>
-          </a:p>
-          <a:p>
-            <a:pPr marL="742950" lvl="2" indent="-342900"/>
-            <a:r>
-              <a:rPr lang="en-GB" dirty="0" smtClean="0"/>
-              <a:t>Scatter Search</a:t>
-            </a:r>
-          </a:p>
-          <a:p>
-            <a:pPr marL="742950" lvl="2" indent="-342900"/>
-            <a:r>
-              <a:rPr lang="en-GB" dirty="0" smtClean="0"/>
-              <a:t>Particle Swarm Optimization</a:t>
-            </a:r>
-          </a:p>
-          <a:p>
-            <a:pPr marL="742950" lvl="2" indent="-342900"/>
-            <a:endParaRPr lang="en-GB" dirty="0"/>
-          </a:p>
-          <a:p>
-            <a:pPr marL="342900" lvl="1" indent="-342900">
-              <a:buFont typeface="Arial" pitchFamily="34" charset="0"/>
-              <a:buChar char="•"/>
-            </a:pPr>
-            <a:endParaRPr lang="en-GB" sz="3200" dirty="0"/>
-          </a:p>
-          <a:p>
-            <a:endParaRPr lang="en-GB" dirty="0"/>
-          </a:p>
-          <a:p>
-            <a:endParaRPr lang="en-GB" dirty="0"/>
-          </a:p>
-          <a:p>
-            <a:endParaRPr lang="en-GB" dirty="0"/>
+              <a:rPr lang="en-US" dirty="0" smtClean="0"/>
+              <a:t>Defines used encoding</a:t>
+            </a:r>
+          </a:p>
+          <a:p>
+            <a:r>
+              <a:rPr lang="en-US" dirty="0" smtClean="0"/>
+              <a:t>Defines single/multi objective</a:t>
+            </a:r>
+          </a:p>
+          <a:p>
+            <a:r>
+              <a:rPr lang="en-US" dirty="0" smtClean="0"/>
+              <a:t>Defines min/maximization</a:t>
+            </a:r>
+          </a:p>
+          <a:p>
+            <a:r>
+              <a:rPr lang="en-US" dirty="0" smtClean="0"/>
+              <a:t>Discovers correct operators</a:t>
+            </a:r>
+          </a:p>
+          <a:p>
+            <a:pPr lvl="1"/>
+            <a:r>
+              <a:rPr lang="en-US" dirty="0" smtClean="0"/>
+              <a:t>Are used by the algorithm</a:t>
+            </a:r>
+          </a:p>
+          <a:p>
+            <a:r>
+              <a:rPr lang="en-US" dirty="0" smtClean="0"/>
+              <a:t>Wires/parameterizes operators</a:t>
+            </a:r>
+          </a:p>
+          <a:p>
+            <a:r>
+              <a:rPr lang="en-US" dirty="0" smtClean="0"/>
+              <a:t>Wires/parameterizes parameters</a:t>
+            </a:r>
+          </a:p>
+          <a:p>
+            <a:r>
+              <a:rPr lang="en-US" dirty="0" smtClean="0"/>
+              <a:t>Loads problem data using a corresponding problem instance provider</a:t>
+            </a:r>
+            <a:endParaRPr lang="en-US" dirty="0"/>
           </a:p>
         </p:txBody>
       </p:sp>
@@ -16528,7 +16438,7 @@
     </p:spTree>
     <p:extLst>
       <p:ext uri="{BB962C8B-B14F-4D97-AF65-F5344CB8AC3E}">
-        <p14:creationId xmlns:p14="http://schemas.microsoft.com/office/powerpoint/2010/main" val="3011417785"/>
+        <p14:creationId xmlns:p14="http://schemas.microsoft.com/office/powerpoint/2010/main" val="3946963009"/>
       </p:ext>
     </p:extLst>
   </p:cSld>
@@ -16574,27 +16484,133 @@
         </p:nvSpPr>
         <p:spPr/>
         <p:txBody>
+          <a:bodyPr/>
+          <a:lstStyle/>
+          <a:p>
+            <a:r>
+              <a:rPr lang="en-GB" dirty="0" err="1" smtClean="0"/>
+              <a:t>BasicProblem</a:t>
+            </a:r>
+            <a:endParaRPr lang="en-GB" dirty="0"/>
+          </a:p>
+        </p:txBody>
+      </p:sp>
+      <p:sp>
+        <p:nvSpPr>
+          <p:cNvPr id="3" name="Inhaltsplatzhalter 2"/>
+          <p:cNvSpPr>
+            <a:spLocks noGrp="1"/>
+          </p:cNvSpPr>
+          <p:nvPr>
+            <p:ph idx="1"/>
+          </p:nvPr>
+        </p:nvSpPr>
+        <p:spPr/>
+        <p:txBody>
           <a:bodyPr>
-            <a:normAutofit fontScale="90000"/>
+            <a:normAutofit lnSpcReduction="10000"/>
           </a:bodyPr>
           <a:lstStyle/>
           <a:p>
             <a:r>
-              <a:rPr lang="en-US" dirty="0"/>
-              <a:t>Base </a:t>
-            </a:r>
-            <a:r>
-              <a:rPr lang="en-US" dirty="0" smtClean="0"/>
-              <a:t>classes/interfaces </a:t>
-            </a:r>
-            <a:r>
-              <a:rPr lang="en-US" dirty="0"/>
-              <a:t>for </a:t>
-            </a:r>
-            <a:r>
-              <a:rPr lang="en-US" dirty="0" err="1" smtClean="0"/>
-              <a:t>BasicProblem</a:t>
-            </a:r>
+              <a:rPr lang="en-GB" dirty="0" smtClean="0"/>
+              <a:t>Similar concept as </a:t>
+            </a:r>
+            <a:r>
+              <a:rPr lang="en-GB" dirty="0" err="1" smtClean="0">
+                <a:latin typeface="Courier New" panose="02070309020205020404" pitchFamily="49" charset="0"/>
+                <a:cs typeface="Courier New" panose="02070309020205020404" pitchFamily="49" charset="0"/>
+              </a:rPr>
+              <a:t>BasicAlgorithm</a:t>
+            </a:r>
+            <a:endParaRPr lang="en-GB" dirty="0" smtClean="0">
+              <a:latin typeface="Courier New" panose="02070309020205020404" pitchFamily="49" charset="0"/>
+              <a:cs typeface="Courier New" panose="02070309020205020404" pitchFamily="49" charset="0"/>
+            </a:endParaRPr>
+          </a:p>
+          <a:p>
+            <a:r>
+              <a:rPr lang="en-GB" dirty="0" smtClean="0"/>
+              <a:t>Makes implementing new problems easier</a:t>
+            </a:r>
+          </a:p>
+          <a:p>
+            <a:r>
+              <a:rPr lang="en-GB" dirty="0" smtClean="0"/>
+              <a:t>No </a:t>
+            </a:r>
+            <a:r>
+              <a:rPr lang="en-GB" dirty="0" err="1" smtClean="0"/>
+              <a:t>wireing</a:t>
+            </a:r>
+            <a:r>
+              <a:rPr lang="en-GB" dirty="0" smtClean="0"/>
+              <a:t>/operators necessary</a:t>
+            </a:r>
+          </a:p>
+          <a:p>
+            <a:pPr marL="342900" lvl="1" indent="-342900">
+              <a:buFont typeface="Arial" pitchFamily="34" charset="0"/>
+              <a:buChar char="•"/>
+            </a:pPr>
+            <a:r>
+              <a:rPr lang="en-GB" sz="3200" dirty="0"/>
+              <a:t>Use automatic encoding configuration</a:t>
+            </a:r>
+          </a:p>
+          <a:p>
+            <a:pPr marL="342900" lvl="1" indent="-342900">
+              <a:buFont typeface="Arial" pitchFamily="34" charset="0"/>
+              <a:buChar char="•"/>
+            </a:pPr>
+            <a:r>
+              <a:rPr lang="en-GB" sz="3200" dirty="0"/>
+              <a:t>Don’t work with all algorithm </a:t>
+            </a:r>
+            <a:r>
+              <a:rPr lang="en-GB" sz="3200" dirty="0" smtClean="0"/>
+              <a:t>types, e.g., algorithms that use very specific operators</a:t>
+            </a:r>
+          </a:p>
+          <a:p>
+            <a:pPr marL="742950" lvl="2" indent="-342900"/>
+            <a:r>
+              <a:rPr lang="en-GB" dirty="0" smtClean="0"/>
+              <a:t>Simulated Annealing</a:t>
+            </a:r>
+          </a:p>
+          <a:p>
+            <a:pPr marL="742950" lvl="2" indent="-342900"/>
+            <a:r>
+              <a:rPr lang="en-GB" dirty="0" smtClean="0"/>
+              <a:t>Scatter Search</a:t>
+            </a:r>
+          </a:p>
+          <a:p>
+            <a:pPr marL="742950" lvl="2" indent="-342900"/>
+            <a:r>
+              <a:rPr lang="en-GB" dirty="0" smtClean="0"/>
+              <a:t>Particle Swarm Optimization</a:t>
+            </a:r>
+          </a:p>
+          <a:p>
+            <a:pPr marL="742950" lvl="2" indent="-342900"/>
+            <a:endParaRPr lang="en-GB" dirty="0"/>
+          </a:p>
+          <a:p>
+            <a:pPr marL="342900" lvl="1" indent="-342900">
+              <a:buFont typeface="Arial" pitchFamily="34" charset="0"/>
+              <a:buChar char="•"/>
+            </a:pPr>
+            <a:endParaRPr lang="en-GB" sz="3200" dirty="0"/>
+          </a:p>
+          <a:p>
+            <a:endParaRPr lang="en-GB" dirty="0"/>
+          </a:p>
+          <a:p>
+            <a:endParaRPr lang="en-GB" dirty="0"/>
+          </a:p>
+          <a:p>
             <a:endParaRPr lang="en-GB" dirty="0"/>
           </a:p>
         </p:txBody>
@@ -16664,6 +16680,150 @@
               <a:rPr lang="de-DE" smtClean="0"/>
               <a:pPr/>
               <a:t>34</a:t>
+            </a:fld>
+            <a:endParaRPr lang="de-DE"/>
+          </a:p>
+        </p:txBody>
+      </p:sp>
+    </p:spTree>
+    <p:extLst>
+      <p:ext uri="{BB962C8B-B14F-4D97-AF65-F5344CB8AC3E}">
+        <p14:creationId xmlns:p14="http://schemas.microsoft.com/office/powerpoint/2010/main" val="3011417785"/>
+      </p:ext>
+    </p:extLst>
+  </p:cSld>
+  <p:clrMapOvr>
+    <a:masterClrMapping/>
+  </p:clrMapOvr>
+  <p:timing>
+    <p:tnLst>
+      <p:par>
+        <p:cTn id="1" dur="indefinite" restart="never" nodeType="tmRoot"/>
+      </p:par>
+    </p:tnLst>
+  </p:timing>
+</p:sld>
+</file>
+
+<file path=ppt/slides/slide35.xml><?xml version="1.0" encoding="utf-8"?>
+<p:sld xmlns:a="http://schemas.openxmlformats.org/drawingml/2006/main" xmlns:r="http://schemas.openxmlformats.org/officeDocument/2006/relationships" xmlns:p="http://schemas.openxmlformats.org/presentationml/2006/main">
+  <p:cSld>
+    <p:spTree>
+      <p:nvGrpSpPr>
+        <p:cNvPr id="1" name=""/>
+        <p:cNvGrpSpPr/>
+        <p:nvPr/>
+      </p:nvGrpSpPr>
+      <p:grpSpPr>
+        <a:xfrm>
+          <a:off x="0" y="0"/>
+          <a:ext cx="0" cy="0"/>
+          <a:chOff x="0" y="0"/>
+          <a:chExt cx="0" cy="0"/>
+        </a:xfrm>
+      </p:grpSpPr>
+      <p:sp>
+        <p:nvSpPr>
+          <p:cNvPr id="2" name="Titel 1"/>
+          <p:cNvSpPr>
+            <a:spLocks noGrp="1"/>
+          </p:cNvSpPr>
+          <p:nvPr>
+            <p:ph type="title"/>
+          </p:nvPr>
+        </p:nvSpPr>
+        <p:spPr/>
+        <p:txBody>
+          <a:bodyPr>
+            <a:normAutofit fontScale="90000"/>
+          </a:bodyPr>
+          <a:lstStyle/>
+          <a:p>
+            <a:r>
+              <a:rPr lang="en-US" dirty="0"/>
+              <a:t>Base </a:t>
+            </a:r>
+            <a:r>
+              <a:rPr lang="en-US" dirty="0" smtClean="0"/>
+              <a:t>classes/interfaces </a:t>
+            </a:r>
+            <a:r>
+              <a:rPr lang="en-US" dirty="0"/>
+              <a:t>for </a:t>
+            </a:r>
+            <a:r>
+              <a:rPr lang="en-US" dirty="0" err="1" smtClean="0"/>
+              <a:t>BasicProblem</a:t>
+            </a:r>
+            <a:endParaRPr lang="en-GB" dirty="0"/>
+          </a:p>
+        </p:txBody>
+      </p:sp>
+      <p:sp>
+        <p:nvSpPr>
+          <p:cNvPr id="4" name="Datumsplatzhalter 3"/>
+          <p:cNvSpPr>
+            <a:spLocks noGrp="1"/>
+          </p:cNvSpPr>
+          <p:nvPr>
+            <p:ph type="dt" sz="half" idx="10"/>
+          </p:nvPr>
+        </p:nvSpPr>
+        <p:spPr/>
+        <p:txBody>
+          <a:bodyPr/>
+          <a:lstStyle/>
+          <a:p>
+            <a:r>
+              <a:rPr lang="de-DE" smtClean="0"/>
+              <a:t>Programming HeuristicLab</a:t>
+            </a:r>
+            <a:endParaRPr lang="de-DE" dirty="0"/>
+          </a:p>
+        </p:txBody>
+      </p:sp>
+      <p:sp>
+        <p:nvSpPr>
+          <p:cNvPr id="5" name="Fußzeilenplatzhalter 4"/>
+          <p:cNvSpPr>
+            <a:spLocks noGrp="1"/>
+          </p:cNvSpPr>
+          <p:nvPr>
+            <p:ph type="ftr" sz="quarter" idx="11"/>
+          </p:nvPr>
+        </p:nvSpPr>
+        <p:spPr/>
+        <p:txBody>
+          <a:bodyPr/>
+          <a:lstStyle/>
+          <a:p>
+            <a:r>
+              <a:rPr lang="de-DE" smtClean="0"/>
+              <a:t>http://dev.heuristiclab.com</a:t>
+            </a:r>
+            <a:endParaRPr lang="de-DE"/>
+          </a:p>
+        </p:txBody>
+      </p:sp>
+      <p:sp>
+        <p:nvSpPr>
+          <p:cNvPr id="6" name="Foliennummernplatzhalter 5"/>
+          <p:cNvSpPr>
+            <a:spLocks noGrp="1"/>
+          </p:cNvSpPr>
+          <p:nvPr>
+            <p:ph type="sldNum" sz="quarter" idx="12"/>
+          </p:nvPr>
+        </p:nvSpPr>
+        <p:spPr/>
+        <p:txBody>
+          <a:bodyPr/>
+          <a:lstStyle/>
+          <a:p>
+            <a:fld id="{6C6AE60A-B69C-4790-82F7-3882EDF23186}" type="slidenum">
+              <a:rPr lang="de-DE" smtClean="0"/>
+              <a:pPr/>
+              <a:t>35</a:t>
             </a:fld>
             <a:endParaRPr lang="de-DE"/>
           </a:p>
@@ -16713,7 +16873,7 @@
 </p:sld>
 </file>
 
-<file path=ppt/slides/slide35.xml><?xml version="1.0" encoding="utf-8"?>
+<file path=ppt/slides/slide36.xml><?xml version="1.0" encoding="utf-8"?>
 <p:sld xmlns:a="http://schemas.openxmlformats.org/drawingml/2006/main" xmlns:r="http://schemas.openxmlformats.org/officeDocument/2006/relationships" xmlns:p="http://schemas.openxmlformats.org/presentationml/2006/main">
   <p:cSld>
     <p:spTree>
@@ -16866,7 +17026,7 @@
             <a:fld id="{6C6AE60A-B69C-4790-82F7-3882EDF23186}" type="slidenum">
               <a:rPr lang="de-DE" smtClean="0"/>
               <a:pPr/>
-              <a:t>35</a:t>
+              <a:t>36</a:t>
             </a:fld>
             <a:endParaRPr lang="de-DE"/>
           </a:p>
@@ -17461,825 +17621,6 @@
     <p:extLst>
       <p:ext uri="{BB962C8B-B14F-4D97-AF65-F5344CB8AC3E}">
         <p14:creationId xmlns:p14="http://schemas.microsoft.com/office/powerpoint/2010/main" val="2815654368"/>
-      </p:ext>
-    </p:extLst>
-  </p:cSld>
-  <p:clrMapOvr>
-    <a:masterClrMapping/>
-  </p:clrMapOvr>
-  <p:timing>
-    <p:tnLst>
-      <p:par>
-        <p:cTn id="1" dur="indefinite" restart="never" nodeType="tmRoot"/>
-      </p:par>
-    </p:tnLst>
-  </p:timing>
-</p:sld>
-</file>
-
-<file path=ppt/slides/slide36.xml><?xml version="1.0" encoding="utf-8"?>
-<p:sld xmlns:a="http://schemas.openxmlformats.org/drawingml/2006/main" xmlns:r="http://schemas.openxmlformats.org/officeDocument/2006/relationships" xmlns:p="http://schemas.openxmlformats.org/presentationml/2006/main">
-  <p:cSld>
-    <p:spTree>
-      <p:nvGrpSpPr>
-        <p:cNvPr id="1" name=""/>
-        <p:cNvGrpSpPr/>
-        <p:nvPr/>
-      </p:nvGrpSpPr>
-      <p:grpSpPr>
-        <a:xfrm>
-          <a:off x="0" y="0"/>
-          <a:ext cx="0" cy="0"/>
-          <a:chOff x="0" y="0"/>
-          <a:chExt cx="0" cy="0"/>
-        </a:xfrm>
-      </p:grpSpPr>
-      <p:sp>
-        <p:nvSpPr>
-          <p:cNvPr id="2" name="Titel 1"/>
-          <p:cNvSpPr>
-            <a:spLocks noGrp="1"/>
-          </p:cNvSpPr>
-          <p:nvPr>
-            <p:ph type="title"/>
-          </p:nvPr>
-        </p:nvSpPr>
-        <p:spPr/>
-        <p:txBody>
-          <a:bodyPr/>
-          <a:lstStyle/>
-          <a:p>
-            <a:r>
-              <a:rPr lang="en-GB" dirty="0" err="1"/>
-              <a:t>BasicProblem</a:t>
-            </a:r>
-            <a:r>
-              <a:rPr lang="en-GB" dirty="0"/>
-              <a:t> - Interface</a:t>
-            </a:r>
-          </a:p>
-        </p:txBody>
-      </p:sp>
-      <p:sp>
-        <p:nvSpPr>
-          <p:cNvPr id="3" name="Inhaltsplatzhalter 2"/>
-          <p:cNvSpPr>
-            <a:spLocks noGrp="1"/>
-          </p:cNvSpPr>
-          <p:nvPr>
-            <p:ph idx="1"/>
-          </p:nvPr>
-        </p:nvSpPr>
-        <p:spPr/>
-        <p:txBody>
-          <a:bodyPr/>
-          <a:lstStyle/>
-          <a:p>
-            <a:r>
-              <a:rPr lang="en-GB" dirty="0" smtClean="0"/>
-              <a:t>Until now only GA variants can use the problem</a:t>
-            </a:r>
-          </a:p>
-          <a:p>
-            <a:r>
-              <a:rPr lang="en-GB" dirty="0" smtClean="0"/>
-              <a:t>Implement neighbourhood function to also use trajectory-based metaheuristics</a:t>
-            </a:r>
-          </a:p>
-          <a:p>
-            <a:endParaRPr lang="en-GB" dirty="0" smtClean="0"/>
-          </a:p>
-          <a:p>
-            <a:r>
-              <a:rPr lang="en-GB" dirty="0" smtClean="0"/>
-              <a:t>Optional: </a:t>
-            </a:r>
-            <a:r>
-              <a:rPr lang="en-GB" dirty="0"/>
-              <a:t>Add analysis code for tracking results</a:t>
-            </a:r>
-          </a:p>
-          <a:p>
-            <a:endParaRPr lang="en-GB" dirty="0"/>
-          </a:p>
-        </p:txBody>
-      </p:sp>
-      <p:sp>
-        <p:nvSpPr>
-          <p:cNvPr id="4" name="Datumsplatzhalter 3"/>
-          <p:cNvSpPr>
-            <a:spLocks noGrp="1"/>
-          </p:cNvSpPr>
-          <p:nvPr>
-            <p:ph type="dt" sz="half" idx="10"/>
-          </p:nvPr>
-        </p:nvSpPr>
-        <p:spPr/>
-        <p:txBody>
-          <a:bodyPr/>
-          <a:lstStyle/>
-          <a:p>
-            <a:r>
-              <a:rPr lang="de-DE" smtClean="0"/>
-              <a:t>Programming HeuristicLab</a:t>
-            </a:r>
-            <a:endParaRPr lang="de-DE" dirty="0"/>
-          </a:p>
-        </p:txBody>
-      </p:sp>
-      <p:sp>
-        <p:nvSpPr>
-          <p:cNvPr id="5" name="Fußzeilenplatzhalter 4"/>
-          <p:cNvSpPr>
-            <a:spLocks noGrp="1"/>
-          </p:cNvSpPr>
-          <p:nvPr>
-            <p:ph type="ftr" sz="quarter" idx="11"/>
-          </p:nvPr>
-        </p:nvSpPr>
-        <p:spPr/>
-        <p:txBody>
-          <a:bodyPr/>
-          <a:lstStyle/>
-          <a:p>
-            <a:r>
-              <a:rPr lang="de-DE" smtClean="0"/>
-              <a:t>http://dev.heuristiclab.com</a:t>
-            </a:r>
-            <a:endParaRPr lang="de-DE"/>
-          </a:p>
-        </p:txBody>
-      </p:sp>
-      <p:sp>
-        <p:nvSpPr>
-          <p:cNvPr id="6" name="Foliennummernplatzhalter 5"/>
-          <p:cNvSpPr>
-            <a:spLocks noGrp="1"/>
-          </p:cNvSpPr>
-          <p:nvPr>
-            <p:ph type="sldNum" sz="quarter" idx="12"/>
-          </p:nvPr>
-        </p:nvSpPr>
-        <p:spPr/>
-        <p:txBody>
-          <a:bodyPr/>
-          <a:lstStyle/>
-          <a:p>
-            <a:fld id="{6C6AE60A-B69C-4790-82F7-3882EDF23186}" type="slidenum">
-              <a:rPr lang="de-DE" smtClean="0"/>
-              <a:pPr/>
-              <a:t>36</a:t>
-            </a:fld>
-            <a:endParaRPr lang="de-DE"/>
-          </a:p>
-        </p:txBody>
-      </p:sp>
-      <p:sp>
-        <p:nvSpPr>
-          <p:cNvPr id="7" name="Rectangle 3"/>
-          <p:cNvSpPr>
-            <a:spLocks noChangeArrowheads="1"/>
-          </p:cNvSpPr>
-          <p:nvPr/>
-        </p:nvSpPr>
-        <p:spPr bwMode="auto">
-          <a:xfrm>
-            <a:off x="827584" y="3796823"/>
-            <a:ext cx="7048546" cy="276999"/>
-          </a:xfrm>
-          <a:prstGeom prst="rect">
-            <a:avLst/>
-          </a:prstGeom>
-          <a:solidFill>
-            <a:srgbClr val="FFFFFF"/>
-          </a:solidFill>
-          <a:ln>
-            <a:noFill/>
-          </a:ln>
-          <a:effectLst/>
-          <a:extLst>
-            <a:ext uri="{91240B29-F687-4F45-9708-019B960494DF}">
-              <a14:hiddenLine xmlns:a14="http://schemas.microsoft.com/office/drawing/2010/main" w="9525">
-                <a:solidFill>
-                  <a:schemeClr val="tx1"/>
-                </a:solidFill>
-                <a:miter lim="800000"/>
-                <a:headEnd/>
-                <a:tailEnd/>
-              </a14:hiddenLine>
-            </a:ext>
-            <a:ext uri="{AF507438-7753-43E0-B8FC-AC1667EBCBE1}">
-              <a14:hiddenEffects xmlns:a14="http://schemas.microsoft.com/office/drawing/2010/main">
-                <a:effectLst>
-                  <a:outerShdw dist="35921" dir="2700000" algn="ctr" rotWithShape="0">
-                    <a:schemeClr val="bg2"/>
-                  </a:outerShdw>
-                </a:effectLst>
-              </a14:hiddenEffects>
-            </a:ext>
-          </a:extLst>
-        </p:spPr>
-        <p:txBody>
-          <a:bodyPr vert="horz" wrap="square" lIns="91440" tIns="45720" rIns="91440" bIns="45720" numCol="1" anchor="ctr" anchorCtr="0" compatLnSpc="1">
-            <a:prstTxWarp prst="textNoShape">
-              <a:avLst/>
-            </a:prstTxWarp>
-            <a:spAutoFit/>
-          </a:bodyPr>
-          <a:lstStyle/>
-          <a:p>
-            <a:pPr marL="0" marR="0" lvl="0" indent="0" algn="l" defTabSz="914400" rtl="0" eaLnBrk="0" fontAlgn="base" latinLnBrk="0" hangingPunct="0">
-              <a:lnSpc>
-                <a:spcPct val="100000"/>
-              </a:lnSpc>
-              <a:spcBef>
-                <a:spcPct val="0"/>
-              </a:spcBef>
-              <a:spcAft>
-                <a:spcPct val="0"/>
-              </a:spcAft>
-              <a:buClrTx/>
-              <a:buSzTx/>
-              <a:buFontTx/>
-              <a:buNone/>
-              <a:tabLst/>
-            </a:pPr>
-            <a:r>
-              <a:rPr kumimoji="0" lang="de-DE" altLang="de-DE" sz="1200" b="0" i="0" u="none" strike="noStrike" cap="none" normalizeH="0" baseline="0" dirty="0" err="1" smtClean="0">
-                <a:ln>
-                  <a:noFill/>
-                </a:ln>
-                <a:solidFill>
-                  <a:srgbClr val="2B91AF"/>
-                </a:solidFill>
-                <a:effectLst/>
-                <a:latin typeface="Consolas" panose="020B0609020204030204" pitchFamily="49" charset="0"/>
-                <a:cs typeface="Consolas" panose="020B0609020204030204" pitchFamily="49" charset="0"/>
-              </a:rPr>
-              <a:t>IEnumerable</a:t>
-            </a:r>
-            <a:r>
-              <a:rPr kumimoji="0" lang="de-DE" altLang="de-DE" sz="1200" b="0" i="0" u="none" strike="noStrike" cap="none" normalizeH="0" baseline="0" dirty="0" smtClean="0">
-                <a:ln>
-                  <a:noFill/>
-                </a:ln>
-                <a:solidFill>
-                  <a:srgbClr val="000000"/>
-                </a:solidFill>
-                <a:effectLst/>
-                <a:latin typeface="Consolas" panose="020B0609020204030204" pitchFamily="49" charset="0"/>
-                <a:cs typeface="Consolas" panose="020B0609020204030204" pitchFamily="49" charset="0"/>
-              </a:rPr>
-              <a:t>&lt;</a:t>
-            </a:r>
-            <a:r>
-              <a:rPr kumimoji="0" lang="de-DE" altLang="de-DE" sz="1200" b="0" i="0" u="none" strike="noStrike" cap="none" normalizeH="0" baseline="0" dirty="0" smtClean="0">
-                <a:ln>
-                  <a:noFill/>
-                </a:ln>
-                <a:solidFill>
-                  <a:srgbClr val="2B91AF"/>
-                </a:solidFill>
-                <a:effectLst/>
-                <a:latin typeface="Consolas" panose="020B0609020204030204" pitchFamily="49" charset="0"/>
-                <a:cs typeface="Consolas" panose="020B0609020204030204" pitchFamily="49" charset="0"/>
-              </a:rPr>
-              <a:t>Individual</a:t>
-            </a:r>
-            <a:r>
-              <a:rPr kumimoji="0" lang="de-DE" altLang="de-DE" sz="1200" b="0" i="0" u="none" strike="noStrike" cap="none" normalizeH="0" baseline="0" dirty="0" smtClean="0">
-                <a:ln>
-                  <a:noFill/>
-                </a:ln>
-                <a:solidFill>
-                  <a:srgbClr val="000000"/>
-                </a:solidFill>
-                <a:effectLst/>
-                <a:latin typeface="Consolas" panose="020B0609020204030204" pitchFamily="49" charset="0"/>
-                <a:cs typeface="Consolas" panose="020B0609020204030204" pitchFamily="49" charset="0"/>
-              </a:rPr>
-              <a:t>&gt; </a:t>
-            </a:r>
-            <a:r>
-              <a:rPr kumimoji="0" lang="de-DE" altLang="de-DE" sz="1200" b="0" i="0" u="none" strike="noStrike" cap="none" normalizeH="0" baseline="0" dirty="0" err="1" smtClean="0">
-                <a:ln>
-                  <a:noFill/>
-                </a:ln>
-                <a:solidFill>
-                  <a:srgbClr val="000000"/>
-                </a:solidFill>
-                <a:effectLst/>
-                <a:latin typeface="Consolas" panose="020B0609020204030204" pitchFamily="49" charset="0"/>
-                <a:cs typeface="Consolas" panose="020B0609020204030204" pitchFamily="49" charset="0"/>
-              </a:rPr>
-              <a:t>GetNeighbors</a:t>
-            </a:r>
-            <a:r>
-              <a:rPr kumimoji="0" lang="de-DE" altLang="de-DE" sz="1200" b="0" i="0" u="none" strike="noStrike" cap="none" normalizeH="0" baseline="0" dirty="0" smtClean="0">
-                <a:ln>
-                  <a:noFill/>
-                </a:ln>
-                <a:solidFill>
-                  <a:srgbClr val="000000"/>
-                </a:solidFill>
-                <a:effectLst/>
-                <a:latin typeface="Consolas" panose="020B0609020204030204" pitchFamily="49" charset="0"/>
-                <a:cs typeface="Consolas" panose="020B0609020204030204" pitchFamily="49" charset="0"/>
-              </a:rPr>
-              <a:t>(</a:t>
-            </a:r>
-            <a:r>
-              <a:rPr kumimoji="0" lang="de-DE" altLang="de-DE" sz="1200" b="0" i="0" u="none" strike="noStrike" cap="none" normalizeH="0" baseline="0" dirty="0" smtClean="0">
-                <a:ln>
-                  <a:noFill/>
-                </a:ln>
-                <a:solidFill>
-                  <a:srgbClr val="2B91AF"/>
-                </a:solidFill>
-                <a:effectLst/>
-                <a:latin typeface="Consolas" panose="020B0609020204030204" pitchFamily="49" charset="0"/>
-                <a:cs typeface="Consolas" panose="020B0609020204030204" pitchFamily="49" charset="0"/>
-              </a:rPr>
-              <a:t>Individual</a:t>
-            </a:r>
-            <a:r>
-              <a:rPr kumimoji="0" lang="de-DE" altLang="de-DE" sz="1200" b="0" i="0" u="none" strike="noStrike" cap="none" normalizeH="0" baseline="0" dirty="0" smtClean="0">
-                <a:ln>
-                  <a:noFill/>
-                </a:ln>
-                <a:solidFill>
-                  <a:srgbClr val="000000"/>
-                </a:solidFill>
-                <a:effectLst/>
-                <a:latin typeface="Consolas" panose="020B0609020204030204" pitchFamily="49" charset="0"/>
-                <a:cs typeface="Consolas" panose="020B0609020204030204" pitchFamily="49" charset="0"/>
-              </a:rPr>
-              <a:t> </a:t>
-            </a:r>
-            <a:r>
-              <a:rPr kumimoji="0" lang="de-DE" altLang="de-DE" sz="1200" b="0" i="0" u="none" strike="noStrike" cap="none" normalizeH="0" baseline="0" dirty="0" err="1" smtClean="0">
-                <a:ln>
-                  <a:noFill/>
-                </a:ln>
-                <a:solidFill>
-                  <a:srgbClr val="000000"/>
-                </a:solidFill>
-                <a:effectLst/>
-                <a:latin typeface="Consolas" panose="020B0609020204030204" pitchFamily="49" charset="0"/>
-                <a:cs typeface="Consolas" panose="020B0609020204030204" pitchFamily="49" charset="0"/>
-              </a:rPr>
-              <a:t>individual</a:t>
-            </a:r>
-            <a:r>
-              <a:rPr kumimoji="0" lang="de-DE" altLang="de-DE" sz="1200" b="0" i="0" u="none" strike="noStrike" cap="none" normalizeH="0" baseline="0" dirty="0" smtClean="0">
-                <a:ln>
-                  <a:noFill/>
-                </a:ln>
-                <a:solidFill>
-                  <a:srgbClr val="000000"/>
-                </a:solidFill>
-                <a:effectLst/>
-                <a:latin typeface="Consolas" panose="020B0609020204030204" pitchFamily="49" charset="0"/>
-                <a:cs typeface="Consolas" panose="020B0609020204030204" pitchFamily="49" charset="0"/>
-              </a:rPr>
-              <a:t>, </a:t>
-            </a:r>
-            <a:r>
-              <a:rPr kumimoji="0" lang="de-DE" altLang="de-DE" sz="1200" b="0" i="0" u="none" strike="noStrike" cap="none" normalizeH="0" baseline="0" dirty="0" err="1" smtClean="0">
-                <a:ln>
-                  <a:noFill/>
-                </a:ln>
-                <a:solidFill>
-                  <a:srgbClr val="2B91AF"/>
-                </a:solidFill>
-                <a:effectLst/>
-                <a:latin typeface="Consolas" panose="020B0609020204030204" pitchFamily="49" charset="0"/>
-                <a:cs typeface="Consolas" panose="020B0609020204030204" pitchFamily="49" charset="0"/>
-              </a:rPr>
-              <a:t>IRandom</a:t>
-            </a:r>
-            <a:r>
-              <a:rPr kumimoji="0" lang="de-DE" altLang="de-DE" sz="1200" b="0" i="0" u="none" strike="noStrike" cap="none" normalizeH="0" baseline="0" dirty="0" smtClean="0">
-                <a:ln>
-                  <a:noFill/>
-                </a:ln>
-                <a:solidFill>
-                  <a:srgbClr val="000000"/>
-                </a:solidFill>
-                <a:effectLst/>
-                <a:latin typeface="Consolas" panose="020B0609020204030204" pitchFamily="49" charset="0"/>
-                <a:cs typeface="Consolas" panose="020B0609020204030204" pitchFamily="49" charset="0"/>
-              </a:rPr>
-              <a:t> </a:t>
-            </a:r>
-            <a:r>
-              <a:rPr kumimoji="0" lang="de-DE" altLang="de-DE" sz="1200" b="0" i="0" u="none" strike="noStrike" cap="none" normalizeH="0" baseline="0" dirty="0" err="1" smtClean="0">
-                <a:ln>
-                  <a:noFill/>
-                </a:ln>
-                <a:solidFill>
-                  <a:srgbClr val="000000"/>
-                </a:solidFill>
-                <a:effectLst/>
-                <a:latin typeface="Consolas" panose="020B0609020204030204" pitchFamily="49" charset="0"/>
-                <a:cs typeface="Consolas" panose="020B0609020204030204" pitchFamily="49" charset="0"/>
-              </a:rPr>
-              <a:t>random</a:t>
-            </a:r>
-            <a:r>
-              <a:rPr kumimoji="0" lang="de-DE" altLang="de-DE" sz="1200" b="0" i="0" u="none" strike="noStrike" cap="none" normalizeH="0" baseline="0" dirty="0" smtClean="0">
-                <a:ln>
-                  <a:noFill/>
-                </a:ln>
-                <a:solidFill>
-                  <a:srgbClr val="000000"/>
-                </a:solidFill>
-                <a:effectLst/>
-                <a:latin typeface="Consolas" panose="020B0609020204030204" pitchFamily="49" charset="0"/>
-                <a:cs typeface="Consolas" panose="020B0609020204030204" pitchFamily="49" charset="0"/>
-              </a:rPr>
-              <a:t>); </a:t>
-            </a:r>
-            <a:endParaRPr kumimoji="0" lang="de-DE" altLang="de-DE" sz="3200" b="0" i="0" u="none" strike="noStrike" cap="none" normalizeH="0" baseline="0" dirty="0" smtClean="0">
-              <a:ln>
-                <a:noFill/>
-              </a:ln>
-              <a:solidFill>
-                <a:schemeClr val="tx1"/>
-              </a:solidFill>
-              <a:effectLst/>
-              <a:latin typeface="Arial" panose="020B0604020202020204" pitchFamily="34" charset="0"/>
-            </a:endParaRPr>
-          </a:p>
-        </p:txBody>
-      </p:sp>
-      <p:sp>
-        <p:nvSpPr>
-          <p:cNvPr id="8" name="Rectangle 4"/>
-          <p:cNvSpPr>
-            <a:spLocks noChangeArrowheads="1"/>
-          </p:cNvSpPr>
-          <p:nvPr/>
-        </p:nvSpPr>
-        <p:spPr bwMode="auto">
-          <a:xfrm>
-            <a:off x="827584" y="5445224"/>
-            <a:ext cx="7408586" cy="461665"/>
-          </a:xfrm>
-          <a:prstGeom prst="rect">
-            <a:avLst/>
-          </a:prstGeom>
-          <a:solidFill>
-            <a:srgbClr val="FFFFFF"/>
-          </a:solidFill>
-          <a:ln>
-            <a:noFill/>
-          </a:ln>
-          <a:effectLst/>
-          <a:extLst>
-            <a:ext uri="{91240B29-F687-4F45-9708-019B960494DF}">
-              <a14:hiddenLine xmlns:a14="http://schemas.microsoft.com/office/drawing/2010/main" w="9525">
-                <a:solidFill>
-                  <a:schemeClr val="tx1"/>
-                </a:solidFill>
-                <a:miter lim="800000"/>
-                <a:headEnd/>
-                <a:tailEnd/>
-              </a14:hiddenLine>
-            </a:ext>
-            <a:ext uri="{AF507438-7753-43E0-B8FC-AC1667EBCBE1}">
-              <a14:hiddenEffects xmlns:a14="http://schemas.microsoft.com/office/drawing/2010/main">
-                <a:effectLst>
-                  <a:outerShdw dist="35921" dir="2700000" algn="ctr" rotWithShape="0">
-                    <a:schemeClr val="bg2"/>
-                  </a:outerShdw>
-                </a:effectLst>
-              </a14:hiddenEffects>
-            </a:ext>
-          </a:extLst>
-        </p:spPr>
-        <p:txBody>
-          <a:bodyPr vert="horz" wrap="square" lIns="91440" tIns="45720" rIns="91440" bIns="45720" numCol="1" anchor="ctr" anchorCtr="0" compatLnSpc="1">
-            <a:prstTxWarp prst="textNoShape">
-              <a:avLst/>
-            </a:prstTxWarp>
-            <a:spAutoFit/>
-          </a:bodyPr>
-          <a:lstStyle/>
-          <a:p>
-            <a:pPr marL="0" marR="0" lvl="0" indent="0" algn="l" defTabSz="914400" rtl="0" eaLnBrk="0" fontAlgn="base" latinLnBrk="0" hangingPunct="0">
-              <a:lnSpc>
-                <a:spcPct val="100000"/>
-              </a:lnSpc>
-              <a:spcBef>
-                <a:spcPct val="0"/>
-              </a:spcBef>
-              <a:spcAft>
-                <a:spcPct val="0"/>
-              </a:spcAft>
-              <a:buClrTx/>
-              <a:buSzTx/>
-              <a:buFontTx/>
-              <a:buNone/>
-              <a:tabLst/>
-            </a:pPr>
-            <a:r>
-              <a:rPr kumimoji="0" lang="de-DE" altLang="de-DE" sz="1200" b="0" i="0" u="none" strike="noStrike" cap="none" normalizeH="0" baseline="0" dirty="0" err="1" smtClean="0">
-                <a:ln>
-                  <a:noFill/>
-                </a:ln>
-                <a:solidFill>
-                  <a:srgbClr val="0000FF"/>
-                </a:solidFill>
-                <a:effectLst/>
-                <a:latin typeface="Consolas" panose="020B0609020204030204" pitchFamily="49" charset="0"/>
-                <a:cs typeface="Consolas" panose="020B0609020204030204" pitchFamily="49" charset="0"/>
-              </a:rPr>
-              <a:t>void</a:t>
-            </a:r>
-            <a:r>
-              <a:rPr kumimoji="0" lang="de-DE" altLang="de-DE" sz="1200" b="0" i="0" u="none" strike="noStrike" cap="none" normalizeH="0" baseline="0" dirty="0" smtClean="0">
-                <a:ln>
-                  <a:noFill/>
-                </a:ln>
-                <a:solidFill>
-                  <a:srgbClr val="000000"/>
-                </a:solidFill>
-                <a:effectLst/>
-                <a:latin typeface="Consolas" panose="020B0609020204030204" pitchFamily="49" charset="0"/>
-                <a:cs typeface="Consolas" panose="020B0609020204030204" pitchFamily="49" charset="0"/>
-              </a:rPr>
-              <a:t> </a:t>
-            </a:r>
-            <a:r>
-              <a:rPr kumimoji="0" lang="de-DE" altLang="de-DE" sz="1200" b="0" i="0" u="none" strike="noStrike" cap="none" normalizeH="0" baseline="0" dirty="0" err="1" smtClean="0">
-                <a:ln>
-                  <a:noFill/>
-                </a:ln>
-                <a:solidFill>
-                  <a:srgbClr val="000000"/>
-                </a:solidFill>
-                <a:effectLst/>
-                <a:latin typeface="Consolas" panose="020B0609020204030204" pitchFamily="49" charset="0"/>
-                <a:cs typeface="Consolas" panose="020B0609020204030204" pitchFamily="49" charset="0"/>
-              </a:rPr>
-              <a:t>Analyze</a:t>
-            </a:r>
-            <a:r>
-              <a:rPr kumimoji="0" lang="de-DE" altLang="de-DE" sz="1200" b="0" i="0" u="none" strike="noStrike" cap="none" normalizeH="0" baseline="0" dirty="0" smtClean="0">
-                <a:ln>
-                  <a:noFill/>
-                </a:ln>
-                <a:solidFill>
-                  <a:srgbClr val="000000"/>
-                </a:solidFill>
-                <a:effectLst/>
-                <a:latin typeface="Consolas" panose="020B0609020204030204" pitchFamily="49" charset="0"/>
-                <a:cs typeface="Consolas" panose="020B0609020204030204" pitchFamily="49" charset="0"/>
-              </a:rPr>
-              <a:t>(</a:t>
-            </a:r>
-            <a:r>
-              <a:rPr kumimoji="0" lang="de-DE" altLang="de-DE" sz="1200" b="0" i="0" u="none" strike="noStrike" cap="none" normalizeH="0" baseline="0" dirty="0" smtClean="0">
-                <a:ln>
-                  <a:noFill/>
-                </a:ln>
-                <a:solidFill>
-                  <a:srgbClr val="2B91AF"/>
-                </a:solidFill>
-                <a:effectLst/>
-                <a:latin typeface="Consolas" panose="020B0609020204030204" pitchFamily="49" charset="0"/>
-                <a:cs typeface="Consolas" panose="020B0609020204030204" pitchFamily="49" charset="0"/>
-              </a:rPr>
-              <a:t>Individual</a:t>
-            </a:r>
-            <a:r>
-              <a:rPr kumimoji="0" lang="de-DE" altLang="de-DE" sz="1200" b="0" i="0" u="none" strike="noStrike" cap="none" normalizeH="0" baseline="0" dirty="0" smtClean="0">
-                <a:ln>
-                  <a:noFill/>
-                </a:ln>
-                <a:solidFill>
-                  <a:srgbClr val="000000"/>
-                </a:solidFill>
-                <a:effectLst/>
-                <a:latin typeface="Consolas" panose="020B0609020204030204" pitchFamily="49" charset="0"/>
-                <a:cs typeface="Consolas" panose="020B0609020204030204" pitchFamily="49" charset="0"/>
-              </a:rPr>
-              <a:t>[] </a:t>
-            </a:r>
-            <a:r>
-              <a:rPr kumimoji="0" lang="de-DE" altLang="de-DE" sz="1200" b="0" i="0" u="none" strike="noStrike" cap="none" normalizeH="0" baseline="0" dirty="0" err="1" smtClean="0">
-                <a:ln>
-                  <a:noFill/>
-                </a:ln>
-                <a:solidFill>
-                  <a:srgbClr val="000000"/>
-                </a:solidFill>
-                <a:effectLst/>
-                <a:latin typeface="Consolas" panose="020B0609020204030204" pitchFamily="49" charset="0"/>
-                <a:cs typeface="Consolas" panose="020B0609020204030204" pitchFamily="49" charset="0"/>
-              </a:rPr>
-              <a:t>individuals</a:t>
-            </a:r>
-            <a:r>
-              <a:rPr kumimoji="0" lang="de-DE" altLang="de-DE" sz="1200" b="0" i="0" u="none" strike="noStrike" cap="none" normalizeH="0" baseline="0" dirty="0" smtClean="0">
-                <a:ln>
-                  <a:noFill/>
-                </a:ln>
-                <a:solidFill>
-                  <a:srgbClr val="000000"/>
-                </a:solidFill>
-                <a:effectLst/>
-                <a:latin typeface="Consolas" panose="020B0609020204030204" pitchFamily="49" charset="0"/>
-                <a:cs typeface="Consolas" panose="020B0609020204030204" pitchFamily="49" charset="0"/>
-              </a:rPr>
-              <a:t>, </a:t>
-            </a:r>
-            <a:r>
-              <a:rPr kumimoji="0" lang="de-DE" altLang="de-DE" sz="1200" b="0" i="0" u="none" strike="noStrike" cap="none" normalizeH="0" baseline="0" dirty="0" smtClean="0">
-                <a:ln>
-                  <a:noFill/>
-                </a:ln>
-                <a:solidFill>
-                  <a:srgbClr val="0000FF"/>
-                </a:solidFill>
-                <a:effectLst/>
-                <a:latin typeface="Consolas" panose="020B0609020204030204" pitchFamily="49" charset="0"/>
-                <a:cs typeface="Consolas" panose="020B0609020204030204" pitchFamily="49" charset="0"/>
-              </a:rPr>
-              <a:t>double</a:t>
-            </a:r>
-            <a:r>
-              <a:rPr kumimoji="0" lang="de-DE" altLang="de-DE" sz="1200" b="0" i="0" u="none" strike="noStrike" cap="none" normalizeH="0" baseline="0" dirty="0" smtClean="0">
-                <a:ln>
-                  <a:noFill/>
-                </a:ln>
-                <a:solidFill>
-                  <a:srgbClr val="000000"/>
-                </a:solidFill>
-                <a:effectLst/>
-                <a:latin typeface="Consolas" panose="020B0609020204030204" pitchFamily="49" charset="0"/>
-                <a:cs typeface="Consolas" panose="020B0609020204030204" pitchFamily="49" charset="0"/>
-              </a:rPr>
-              <a:t>[] </a:t>
-            </a:r>
-            <a:r>
-              <a:rPr kumimoji="0" lang="de-DE" altLang="de-DE" sz="1200" b="0" i="0" u="none" strike="noStrike" cap="none" normalizeH="0" baseline="0" dirty="0" err="1" smtClean="0">
-                <a:ln>
-                  <a:noFill/>
-                </a:ln>
-                <a:solidFill>
-                  <a:srgbClr val="000000"/>
-                </a:solidFill>
-                <a:effectLst/>
-                <a:latin typeface="Consolas" panose="020B0609020204030204" pitchFamily="49" charset="0"/>
-                <a:cs typeface="Consolas" panose="020B0609020204030204" pitchFamily="49" charset="0"/>
-              </a:rPr>
-              <a:t>qualities</a:t>
-            </a:r>
-            <a:r>
-              <a:rPr kumimoji="0" lang="de-DE" altLang="de-DE" sz="1200" b="0" i="0" u="none" strike="noStrike" cap="none" normalizeH="0" baseline="0" dirty="0" smtClean="0">
-                <a:ln>
-                  <a:noFill/>
-                </a:ln>
-                <a:solidFill>
-                  <a:srgbClr val="000000"/>
-                </a:solidFill>
-                <a:effectLst/>
-                <a:latin typeface="Consolas" panose="020B0609020204030204" pitchFamily="49" charset="0"/>
-                <a:cs typeface="Consolas" panose="020B0609020204030204" pitchFamily="49" charset="0"/>
-              </a:rPr>
-              <a:t>, </a:t>
-            </a:r>
-            <a:r>
-              <a:rPr kumimoji="0" lang="de-DE" altLang="de-DE" sz="1200" b="0" i="0" u="none" strike="noStrike" cap="none" normalizeH="0" baseline="0" dirty="0" err="1" smtClean="0">
-                <a:ln>
-                  <a:noFill/>
-                </a:ln>
-                <a:solidFill>
-                  <a:srgbClr val="2B91AF"/>
-                </a:solidFill>
-                <a:effectLst/>
-                <a:latin typeface="Consolas" panose="020B0609020204030204" pitchFamily="49" charset="0"/>
-                <a:cs typeface="Consolas" panose="020B0609020204030204" pitchFamily="49" charset="0"/>
-              </a:rPr>
-              <a:t>ResultCollection</a:t>
-            </a:r>
-            <a:r>
-              <a:rPr kumimoji="0" lang="de-DE" altLang="de-DE" sz="1200" b="0" i="0" u="none" strike="noStrike" cap="none" normalizeH="0" baseline="0" dirty="0" smtClean="0">
-                <a:ln>
-                  <a:noFill/>
-                </a:ln>
-                <a:solidFill>
-                  <a:srgbClr val="000000"/>
-                </a:solidFill>
-                <a:effectLst/>
-                <a:latin typeface="Consolas" panose="020B0609020204030204" pitchFamily="49" charset="0"/>
-                <a:cs typeface="Consolas" panose="020B0609020204030204" pitchFamily="49" charset="0"/>
-              </a:rPr>
-              <a:t> </a:t>
-            </a:r>
-            <a:r>
-              <a:rPr kumimoji="0" lang="de-DE" altLang="de-DE" sz="1200" b="0" i="0" u="none" strike="noStrike" cap="none" normalizeH="0" baseline="0" dirty="0" err="1" smtClean="0">
-                <a:ln>
-                  <a:noFill/>
-                </a:ln>
-                <a:solidFill>
-                  <a:srgbClr val="000000"/>
-                </a:solidFill>
-                <a:effectLst/>
-                <a:latin typeface="Consolas" panose="020B0609020204030204" pitchFamily="49" charset="0"/>
-                <a:cs typeface="Consolas" panose="020B0609020204030204" pitchFamily="49" charset="0"/>
-              </a:rPr>
-              <a:t>results</a:t>
-            </a:r>
-            <a:r>
-              <a:rPr kumimoji="0" lang="de-DE" altLang="de-DE" sz="1200" b="0" i="0" u="none" strike="noStrike" cap="none" normalizeH="0" baseline="0" dirty="0" smtClean="0">
-                <a:ln>
-                  <a:noFill/>
-                </a:ln>
-                <a:solidFill>
-                  <a:srgbClr val="000000"/>
-                </a:solidFill>
-                <a:effectLst/>
-                <a:latin typeface="Consolas" panose="020B0609020204030204" pitchFamily="49" charset="0"/>
-                <a:cs typeface="Consolas" panose="020B0609020204030204" pitchFamily="49" charset="0"/>
-              </a:rPr>
-              <a:t>, </a:t>
-            </a:r>
-            <a:r>
-              <a:rPr kumimoji="0" lang="de-DE" altLang="de-DE" sz="1200" b="0" i="0" u="none" strike="noStrike" cap="none" normalizeH="0" baseline="0" dirty="0" err="1" smtClean="0">
-                <a:ln>
-                  <a:noFill/>
-                </a:ln>
-                <a:solidFill>
-                  <a:srgbClr val="2B91AF"/>
-                </a:solidFill>
-                <a:effectLst/>
-                <a:latin typeface="Consolas" panose="020B0609020204030204" pitchFamily="49" charset="0"/>
-                <a:cs typeface="Consolas" panose="020B0609020204030204" pitchFamily="49" charset="0"/>
-              </a:rPr>
-              <a:t>IRandom</a:t>
-            </a:r>
-            <a:r>
-              <a:rPr kumimoji="0" lang="de-DE" altLang="de-DE" sz="1200" b="0" i="0" u="none" strike="noStrike" cap="none" normalizeH="0" baseline="0" dirty="0" smtClean="0">
-                <a:ln>
-                  <a:noFill/>
-                </a:ln>
-                <a:solidFill>
-                  <a:srgbClr val="000000"/>
-                </a:solidFill>
-                <a:effectLst/>
-                <a:latin typeface="Consolas" panose="020B0609020204030204" pitchFamily="49" charset="0"/>
-                <a:cs typeface="Consolas" panose="020B0609020204030204" pitchFamily="49" charset="0"/>
-              </a:rPr>
-              <a:t> </a:t>
-            </a:r>
-            <a:r>
-              <a:rPr kumimoji="0" lang="de-DE" altLang="de-DE" sz="1200" b="0" i="0" u="none" strike="noStrike" cap="none" normalizeH="0" baseline="0" dirty="0" err="1" smtClean="0">
-                <a:ln>
-                  <a:noFill/>
-                </a:ln>
-                <a:solidFill>
-                  <a:srgbClr val="000000"/>
-                </a:solidFill>
-                <a:effectLst/>
-                <a:latin typeface="Consolas" panose="020B0609020204030204" pitchFamily="49" charset="0"/>
-                <a:cs typeface="Consolas" panose="020B0609020204030204" pitchFamily="49" charset="0"/>
-              </a:rPr>
-              <a:t>random</a:t>
-            </a:r>
-            <a:r>
-              <a:rPr kumimoji="0" lang="de-DE" altLang="de-DE" sz="1200" b="0" i="0" u="none" strike="noStrike" cap="none" normalizeH="0" baseline="0" dirty="0" smtClean="0">
-                <a:ln>
-                  <a:noFill/>
-                </a:ln>
-                <a:solidFill>
-                  <a:srgbClr val="000000"/>
-                </a:solidFill>
-                <a:effectLst/>
-                <a:latin typeface="Consolas" panose="020B0609020204030204" pitchFamily="49" charset="0"/>
-                <a:cs typeface="Consolas" panose="020B0609020204030204" pitchFamily="49" charset="0"/>
-              </a:rPr>
-              <a:t>); </a:t>
-            </a:r>
-            <a:endParaRPr kumimoji="0" lang="de-DE" altLang="de-DE" sz="3200" b="0" i="0" u="none" strike="noStrike" cap="none" normalizeH="0" baseline="0" dirty="0" smtClean="0">
-              <a:ln>
-                <a:noFill/>
-              </a:ln>
-              <a:solidFill>
-                <a:schemeClr val="tx1"/>
-              </a:solidFill>
-              <a:effectLst/>
-              <a:latin typeface="Arial" panose="020B0604020202020204" pitchFamily="34" charset="0"/>
-            </a:endParaRPr>
-          </a:p>
-        </p:txBody>
-      </p:sp>
-    </p:spTree>
-    <p:extLst>
-      <p:ext uri="{BB962C8B-B14F-4D97-AF65-F5344CB8AC3E}">
-        <p14:creationId xmlns:p14="http://schemas.microsoft.com/office/powerpoint/2010/main" val="3011968941"/>
       </p:ext>
     </p:extLst>
   </p:cSld>
@@ -18325,23 +17666,60 @@
         </p:nvSpPr>
         <p:spPr/>
         <p:txBody>
-          <a:bodyPr>
-            <a:normAutofit fontScale="90000"/>
-          </a:bodyPr>
-          <a:lstStyle/>
-          <a:p>
-            <a:r>
-              <a:rPr lang="en-GB" dirty="0" err="1" smtClean="0"/>
+          <a:bodyPr/>
+          <a:lstStyle/>
+          <a:p>
+            <a:r>
+              <a:rPr lang="en-GB" dirty="0" err="1"/>
               <a:t>BasicProblem</a:t>
             </a:r>
             <a:r>
+              <a:rPr lang="en-GB" dirty="0"/>
+              <a:t> - Interface</a:t>
+            </a:r>
+          </a:p>
+        </p:txBody>
+      </p:sp>
+      <p:sp>
+        <p:nvSpPr>
+          <p:cNvPr id="3" name="Inhaltsplatzhalter 2"/>
+          <p:cNvSpPr>
+            <a:spLocks noGrp="1"/>
+          </p:cNvSpPr>
+          <p:nvPr>
+            <p:ph idx="1"/>
+          </p:nvPr>
+        </p:nvSpPr>
+        <p:spPr/>
+        <p:txBody>
+          <a:bodyPr/>
+          <a:lstStyle/>
+          <a:p>
+            <a:r>
               <a:rPr lang="en-GB" dirty="0" smtClean="0"/>
-              <a:t> – Example: </a:t>
-            </a:r>
-            <a:r>
-              <a:rPr lang="en-GB" dirty="0" err="1" smtClean="0"/>
-              <a:t>OneMax</a:t>
-            </a:r>
+              <a:t>Until now only GA variants can use the problem</a:t>
+            </a:r>
+          </a:p>
+          <a:p>
+            <a:r>
+              <a:rPr lang="en-GB" dirty="0" smtClean="0"/>
+              <a:t>Implement neighbourhood function to also use trajectory-based metaheuristics</a:t>
+            </a:r>
+          </a:p>
+          <a:p>
+            <a:endParaRPr lang="en-GB" dirty="0" smtClean="0"/>
+          </a:p>
+          <a:p>
+            <a:r>
+              <a:rPr lang="en-GB" dirty="0" smtClean="0"/>
+              <a:t>Optional: </a:t>
+            </a:r>
+            <a:r>
+              <a:rPr lang="en-GB" dirty="0"/>
+              <a:t>Add analysis code for tracking results</a:t>
+            </a:r>
+          </a:p>
+          <a:p>
             <a:endParaRPr lang="en-GB" dirty="0"/>
           </a:p>
         </p:txBody>
@@ -18418,1038 +17796,642 @@
       </p:sp>
       <p:sp>
         <p:nvSpPr>
-          <p:cNvPr id="7" name="Rechteck 6"/>
-          <p:cNvSpPr/>
+          <p:cNvPr id="7" name="Rectangle 3"/>
+          <p:cNvSpPr>
+            <a:spLocks noChangeArrowheads="1"/>
+          </p:cNvSpPr>
           <p:nvPr/>
         </p:nvSpPr>
-        <p:spPr>
+        <p:spPr bwMode="auto">
           <a:xfrm>
-            <a:off x="431540" y="1595319"/>
-            <a:ext cx="8388932" cy="4524315"/>
+            <a:off x="827584" y="3796823"/>
+            <a:ext cx="7048546" cy="276999"/>
           </a:xfrm>
           <a:prstGeom prst="rect">
             <a:avLst/>
           </a:prstGeom>
+          <a:solidFill>
+            <a:srgbClr val="FFFFFF"/>
+          </a:solidFill>
+          <a:ln>
+            <a:noFill/>
+          </a:ln>
+          <a:effectLst/>
+          <a:extLst>
+            <a:ext uri="{91240B29-F687-4F45-9708-019B960494DF}">
+              <a14:hiddenLine xmlns:a14="http://schemas.microsoft.com/office/drawing/2010/main" w="9525">
+                <a:solidFill>
+                  <a:schemeClr val="tx1"/>
+                </a:solidFill>
+                <a:miter lim="800000"/>
+                <a:headEnd/>
+                <a:tailEnd/>
+              </a14:hiddenLine>
+            </a:ext>
+            <a:ext uri="{AF507438-7753-43E0-B8FC-AC1667EBCBE1}">
+              <a14:hiddenEffects xmlns:a14="http://schemas.microsoft.com/office/drawing/2010/main">
+                <a:effectLst>
+                  <a:outerShdw dist="35921" dir="2700000" algn="ctr" rotWithShape="0">
+                    <a:schemeClr val="bg2"/>
+                  </a:outerShdw>
+                </a:effectLst>
+              </a14:hiddenEffects>
+            </a:ext>
+          </a:extLst>
         </p:spPr>
         <p:txBody>
-          <a:bodyPr wrap="square">
+          <a:bodyPr vert="horz" wrap="square" lIns="91440" tIns="45720" rIns="91440" bIns="45720" numCol="1" anchor="ctr" anchorCtr="0" compatLnSpc="1">
+            <a:prstTxWarp prst="textNoShape">
+              <a:avLst/>
+            </a:prstTxWarp>
             <a:spAutoFit/>
           </a:bodyPr>
           <a:lstStyle/>
           <a:p>
-            <a:r>
-              <a:rPr lang="de-DE" sz="1600" dirty="0" err="1">
-                <a:solidFill>
-                  <a:srgbClr val="FF0000"/>
-                </a:solidFill>
-                <a:latin typeface="Consolas" panose="020B0609020204030204" pitchFamily="49" charset="0"/>
-                <a:cs typeface="Consolas" panose="020B0609020204030204" pitchFamily="49" charset="0"/>
-              </a:rPr>
-              <a:t>class</a:t>
-            </a:r>
-            <a:r>
-              <a:rPr lang="de-DE" sz="1600" dirty="0">
-                <a:latin typeface="Consolas" panose="020B0609020204030204" pitchFamily="49" charset="0"/>
-                <a:cs typeface="Consolas" panose="020B0609020204030204" pitchFamily="49" charset="0"/>
-              </a:rPr>
-              <a:t> </a:t>
-            </a:r>
-            <a:r>
-              <a:rPr lang="de-DE" sz="1600" dirty="0" err="1">
-                <a:latin typeface="Consolas" panose="020B0609020204030204" pitchFamily="49" charset="0"/>
-                <a:cs typeface="Consolas" panose="020B0609020204030204" pitchFamily="49" charset="0"/>
-              </a:rPr>
-              <a:t>OneMaxProblem</a:t>
-            </a:r>
-            <a:r>
-              <a:rPr lang="de-DE" sz="1600" dirty="0">
-                <a:latin typeface="Consolas" panose="020B0609020204030204" pitchFamily="49" charset="0"/>
-                <a:cs typeface="Consolas" panose="020B0609020204030204" pitchFamily="49" charset="0"/>
-              </a:rPr>
-              <a:t> : </a:t>
-            </a:r>
-            <a:r>
-              <a:rPr lang="de-DE" sz="1600" dirty="0" err="1">
-                <a:latin typeface="Consolas" panose="020B0609020204030204" pitchFamily="49" charset="0"/>
-                <a:cs typeface="Consolas" panose="020B0609020204030204" pitchFamily="49" charset="0"/>
-              </a:rPr>
-              <a:t>SingleObjectiveBasicProblem</a:t>
-            </a:r>
-            <a:r>
-              <a:rPr lang="de-DE" sz="1600" dirty="0">
+            <a:pPr marL="0" marR="0" lvl="0" indent="0" algn="l" defTabSz="914400" rtl="0" eaLnBrk="0" fontAlgn="base" latinLnBrk="0" hangingPunct="0">
+              <a:lnSpc>
+                <a:spcPct val="100000"/>
+              </a:lnSpc>
+              <a:spcBef>
+                <a:spcPct val="0"/>
+              </a:spcBef>
+              <a:spcAft>
+                <a:spcPct val="0"/>
+              </a:spcAft>
+              <a:buClrTx/>
+              <a:buSzTx/>
+              <a:buFontTx/>
+              <a:buNone/>
+              <a:tabLst/>
+            </a:pPr>
+            <a:r>
+              <a:rPr kumimoji="0" lang="de-DE" altLang="de-DE" sz="1200" b="0" i="0" u="none" strike="noStrike" cap="none" normalizeH="0" baseline="0" dirty="0" err="1" smtClean="0">
+                <a:ln>
+                  <a:noFill/>
+                </a:ln>
+                <a:solidFill>
+                  <a:srgbClr val="2B91AF"/>
+                </a:solidFill>
+                <a:effectLst/>
+                <a:latin typeface="Consolas" panose="020B0609020204030204" pitchFamily="49" charset="0"/>
+                <a:cs typeface="Consolas" panose="020B0609020204030204" pitchFamily="49" charset="0"/>
+              </a:rPr>
+              <a:t>IEnumerable</a:t>
+            </a:r>
+            <a:r>
+              <a:rPr kumimoji="0" lang="de-DE" altLang="de-DE" sz="1200" b="0" i="0" u="none" strike="noStrike" cap="none" normalizeH="0" baseline="0" dirty="0" smtClean="0">
+                <a:ln>
+                  <a:noFill/>
+                </a:ln>
+                <a:solidFill>
+                  <a:srgbClr val="000000"/>
+                </a:solidFill>
+                <a:effectLst/>
                 <a:latin typeface="Consolas" panose="020B0609020204030204" pitchFamily="49" charset="0"/>
                 <a:cs typeface="Consolas" panose="020B0609020204030204" pitchFamily="49" charset="0"/>
               </a:rPr>
               <a:t>&lt;</a:t>
             </a:r>
             <a:r>
-              <a:rPr lang="de-DE" sz="1600" dirty="0" err="1">
-                <a:latin typeface="Consolas" panose="020B0609020204030204" pitchFamily="49" charset="0"/>
-                <a:cs typeface="Consolas" panose="020B0609020204030204" pitchFamily="49" charset="0"/>
-              </a:rPr>
-              <a:t>BinaryVectorEncoding</a:t>
-            </a:r>
-            <a:r>
-              <a:rPr lang="de-DE" sz="1600" dirty="0">
-                <a:latin typeface="Consolas" panose="020B0609020204030204" pitchFamily="49" charset="0"/>
-                <a:cs typeface="Consolas" panose="020B0609020204030204" pitchFamily="49" charset="0"/>
-              </a:rPr>
-              <a:t>&gt; {</a:t>
-            </a:r>
-            <a:br>
-              <a:rPr lang="de-DE" sz="1600" dirty="0">
-                <a:latin typeface="Consolas" panose="020B0609020204030204" pitchFamily="49" charset="0"/>
-                <a:cs typeface="Consolas" panose="020B0609020204030204" pitchFamily="49" charset="0"/>
-              </a:rPr>
-            </a:br>
-            <a:r>
-              <a:rPr lang="de-DE" sz="1600" dirty="0">
-                <a:latin typeface="Consolas" panose="020B0609020204030204" pitchFamily="49" charset="0"/>
-                <a:cs typeface="Consolas" panose="020B0609020204030204" pitchFamily="49" charset="0"/>
-              </a:rPr>
-              <a:t>      </a:t>
-            </a:r>
-            <a:r>
-              <a:rPr lang="de-DE" sz="1600" b="1" dirty="0" err="1">
+              <a:rPr kumimoji="0" lang="de-DE" altLang="de-DE" sz="1200" b="0" i="0" u="none" strike="noStrike" cap="none" normalizeH="0" baseline="0" dirty="0" smtClean="0">
+                <a:ln>
+                  <a:noFill/>
+                </a:ln>
+                <a:solidFill>
+                  <a:srgbClr val="2B91AF"/>
+                </a:solidFill>
+                <a:effectLst/>
+                <a:latin typeface="Consolas" panose="020B0609020204030204" pitchFamily="49" charset="0"/>
+                <a:cs typeface="Consolas" panose="020B0609020204030204" pitchFamily="49" charset="0"/>
+              </a:rPr>
+              <a:t>Individual</a:t>
+            </a:r>
+            <a:r>
+              <a:rPr kumimoji="0" lang="de-DE" altLang="de-DE" sz="1200" b="0" i="0" u="none" strike="noStrike" cap="none" normalizeH="0" baseline="0" dirty="0" smtClean="0">
+                <a:ln>
+                  <a:noFill/>
+                </a:ln>
+                <a:solidFill>
+                  <a:srgbClr val="000000"/>
+                </a:solidFill>
+                <a:effectLst/>
+                <a:latin typeface="Consolas" panose="020B0609020204030204" pitchFamily="49" charset="0"/>
+                <a:cs typeface="Consolas" panose="020B0609020204030204" pitchFamily="49" charset="0"/>
+              </a:rPr>
+              <a:t>&gt; </a:t>
+            </a:r>
+            <a:r>
+              <a:rPr kumimoji="0" lang="de-DE" altLang="de-DE" sz="1200" b="0" i="0" u="none" strike="noStrike" cap="none" normalizeH="0" baseline="0" dirty="0" err="1" smtClean="0">
+                <a:ln>
+                  <a:noFill/>
+                </a:ln>
+                <a:solidFill>
+                  <a:srgbClr val="000000"/>
+                </a:solidFill>
+                <a:effectLst/>
+                <a:latin typeface="Consolas" panose="020B0609020204030204" pitchFamily="49" charset="0"/>
+                <a:cs typeface="Consolas" panose="020B0609020204030204" pitchFamily="49" charset="0"/>
+              </a:rPr>
+              <a:t>GetNeighbors</a:t>
+            </a:r>
+            <a:r>
+              <a:rPr kumimoji="0" lang="de-DE" altLang="de-DE" sz="1200" b="0" i="0" u="none" strike="noStrike" cap="none" normalizeH="0" baseline="0" dirty="0" smtClean="0">
+                <a:ln>
+                  <a:noFill/>
+                </a:ln>
+                <a:solidFill>
+                  <a:srgbClr val="000000"/>
+                </a:solidFill>
+                <a:effectLst/>
+                <a:latin typeface="Consolas" panose="020B0609020204030204" pitchFamily="49" charset="0"/>
+                <a:cs typeface="Consolas" panose="020B0609020204030204" pitchFamily="49" charset="0"/>
+              </a:rPr>
+              <a:t>(</a:t>
+            </a:r>
+            <a:r>
+              <a:rPr kumimoji="0" lang="de-DE" altLang="de-DE" sz="1200" b="0" i="0" u="none" strike="noStrike" cap="none" normalizeH="0" baseline="0" dirty="0" smtClean="0">
+                <a:ln>
+                  <a:noFill/>
+                </a:ln>
+                <a:solidFill>
+                  <a:srgbClr val="2B91AF"/>
+                </a:solidFill>
+                <a:effectLst/>
+                <a:latin typeface="Consolas" panose="020B0609020204030204" pitchFamily="49" charset="0"/>
+                <a:cs typeface="Consolas" panose="020B0609020204030204" pitchFamily="49" charset="0"/>
+              </a:rPr>
+              <a:t>Individual</a:t>
+            </a:r>
+            <a:r>
+              <a:rPr kumimoji="0" lang="de-DE" altLang="de-DE" sz="1200" b="0" i="0" u="none" strike="noStrike" cap="none" normalizeH="0" baseline="0" dirty="0" smtClean="0">
+                <a:ln>
+                  <a:noFill/>
+                </a:ln>
+                <a:solidFill>
+                  <a:srgbClr val="000000"/>
+                </a:solidFill>
+                <a:effectLst/>
+                <a:latin typeface="Consolas" panose="020B0609020204030204" pitchFamily="49" charset="0"/>
+                <a:cs typeface="Consolas" panose="020B0609020204030204" pitchFamily="49" charset="0"/>
+              </a:rPr>
+              <a:t> </a:t>
+            </a:r>
+            <a:r>
+              <a:rPr kumimoji="0" lang="de-DE" altLang="de-DE" sz="1200" b="0" i="0" u="none" strike="noStrike" cap="none" normalizeH="0" baseline="0" dirty="0" err="1" smtClean="0">
+                <a:ln>
+                  <a:noFill/>
+                </a:ln>
+                <a:solidFill>
+                  <a:srgbClr val="000000"/>
+                </a:solidFill>
+                <a:effectLst/>
+                <a:latin typeface="Consolas" panose="020B0609020204030204" pitchFamily="49" charset="0"/>
+                <a:cs typeface="Consolas" panose="020B0609020204030204" pitchFamily="49" charset="0"/>
+              </a:rPr>
+              <a:t>individual</a:t>
+            </a:r>
+            <a:r>
+              <a:rPr kumimoji="0" lang="de-DE" altLang="de-DE" sz="1200" b="0" i="0" u="none" strike="noStrike" cap="none" normalizeH="0" baseline="0" dirty="0" smtClean="0">
+                <a:ln>
+                  <a:noFill/>
+                </a:ln>
+                <a:solidFill>
+                  <a:srgbClr val="000000"/>
+                </a:solidFill>
+                <a:effectLst/>
+                <a:latin typeface="Consolas" panose="020B0609020204030204" pitchFamily="49" charset="0"/>
+                <a:cs typeface="Consolas" panose="020B0609020204030204" pitchFamily="49" charset="0"/>
+              </a:rPr>
+              <a:t>, </a:t>
+            </a:r>
+            <a:r>
+              <a:rPr kumimoji="0" lang="de-DE" altLang="de-DE" sz="1200" b="0" i="0" u="none" strike="noStrike" cap="none" normalizeH="0" baseline="0" dirty="0" err="1" smtClean="0">
+                <a:ln>
+                  <a:noFill/>
+                </a:ln>
+                <a:solidFill>
+                  <a:srgbClr val="2B91AF"/>
+                </a:solidFill>
+                <a:effectLst/>
+                <a:latin typeface="Consolas" panose="020B0609020204030204" pitchFamily="49" charset="0"/>
+                <a:cs typeface="Consolas" panose="020B0609020204030204" pitchFamily="49" charset="0"/>
+              </a:rPr>
+              <a:t>IRandom</a:t>
+            </a:r>
+            <a:r>
+              <a:rPr kumimoji="0" lang="de-DE" altLang="de-DE" sz="1200" b="0" i="0" u="none" strike="noStrike" cap="none" normalizeH="0" baseline="0" dirty="0" smtClean="0">
+                <a:ln>
+                  <a:noFill/>
+                </a:ln>
+                <a:solidFill>
+                  <a:srgbClr val="000000"/>
+                </a:solidFill>
+                <a:effectLst/>
+                <a:latin typeface="Consolas" panose="020B0609020204030204" pitchFamily="49" charset="0"/>
+                <a:cs typeface="Consolas" panose="020B0609020204030204" pitchFamily="49" charset="0"/>
+              </a:rPr>
+              <a:t> </a:t>
+            </a:r>
+            <a:r>
+              <a:rPr kumimoji="0" lang="de-DE" altLang="de-DE" sz="1200" b="0" i="0" u="none" strike="noStrike" cap="none" normalizeH="0" baseline="0" dirty="0" err="1" smtClean="0">
+                <a:ln>
+                  <a:noFill/>
+                </a:ln>
+                <a:solidFill>
+                  <a:srgbClr val="000000"/>
+                </a:solidFill>
+                <a:effectLst/>
+                <a:latin typeface="Consolas" panose="020B0609020204030204" pitchFamily="49" charset="0"/>
+                <a:cs typeface="Consolas" panose="020B0609020204030204" pitchFamily="49" charset="0"/>
+              </a:rPr>
+              <a:t>random</a:t>
+            </a:r>
+            <a:r>
+              <a:rPr kumimoji="0" lang="de-DE" altLang="de-DE" sz="1200" b="0" i="0" u="none" strike="noStrike" cap="none" normalizeH="0" baseline="0" dirty="0" smtClean="0">
+                <a:ln>
+                  <a:noFill/>
+                </a:ln>
+                <a:solidFill>
+                  <a:srgbClr val="000000"/>
+                </a:solidFill>
+                <a:effectLst/>
+                <a:latin typeface="Consolas" panose="020B0609020204030204" pitchFamily="49" charset="0"/>
+                <a:cs typeface="Consolas" panose="020B0609020204030204" pitchFamily="49" charset="0"/>
+              </a:rPr>
+              <a:t>); </a:t>
+            </a:r>
+            <a:endParaRPr kumimoji="0" lang="de-DE" altLang="de-DE" sz="3200" b="0" i="0" u="none" strike="noStrike" cap="none" normalizeH="0" baseline="0" dirty="0" smtClean="0">
+              <a:ln>
+                <a:noFill/>
+              </a:ln>
+              <a:solidFill>
+                <a:schemeClr val="tx1"/>
+              </a:solidFill>
+              <a:effectLst/>
+              <a:latin typeface="Arial" panose="020B0604020202020204" pitchFamily="34" charset="0"/>
+            </a:endParaRPr>
+          </a:p>
+        </p:txBody>
+      </p:sp>
+      <p:sp>
+        <p:nvSpPr>
+          <p:cNvPr id="8" name="Rectangle 4"/>
+          <p:cNvSpPr>
+            <a:spLocks noChangeArrowheads="1"/>
+          </p:cNvSpPr>
+          <p:nvPr/>
+        </p:nvSpPr>
+        <p:spPr bwMode="auto">
+          <a:xfrm>
+            <a:off x="827584" y="5445224"/>
+            <a:ext cx="7408586" cy="461665"/>
+          </a:xfrm>
+          <a:prstGeom prst="rect">
+            <a:avLst/>
+          </a:prstGeom>
+          <a:solidFill>
+            <a:srgbClr val="FFFFFF"/>
+          </a:solidFill>
+          <a:ln>
+            <a:noFill/>
+          </a:ln>
+          <a:effectLst/>
+          <a:extLst>
+            <a:ext uri="{91240B29-F687-4F45-9708-019B960494DF}">
+              <a14:hiddenLine xmlns:a14="http://schemas.microsoft.com/office/drawing/2010/main" w="9525">
+                <a:solidFill>
+                  <a:schemeClr val="tx1"/>
+                </a:solidFill>
+                <a:miter lim="800000"/>
+                <a:headEnd/>
+                <a:tailEnd/>
+              </a14:hiddenLine>
+            </a:ext>
+            <a:ext uri="{AF507438-7753-43E0-B8FC-AC1667EBCBE1}">
+              <a14:hiddenEffects xmlns:a14="http://schemas.microsoft.com/office/drawing/2010/main">
+                <a:effectLst>
+                  <a:outerShdw dist="35921" dir="2700000" algn="ctr" rotWithShape="0">
+                    <a:schemeClr val="bg2"/>
+                  </a:outerShdw>
+                </a:effectLst>
+              </a14:hiddenEffects>
+            </a:ext>
+          </a:extLst>
+        </p:spPr>
+        <p:txBody>
+          <a:bodyPr vert="horz" wrap="square" lIns="91440" tIns="45720" rIns="91440" bIns="45720" numCol="1" anchor="ctr" anchorCtr="0" compatLnSpc="1">
+            <a:prstTxWarp prst="textNoShape">
+              <a:avLst/>
+            </a:prstTxWarp>
+            <a:spAutoFit/>
+          </a:bodyPr>
+          <a:lstStyle/>
+          <a:p>
+            <a:pPr marL="0" marR="0" lvl="0" indent="0" algn="l" defTabSz="914400" rtl="0" eaLnBrk="0" fontAlgn="base" latinLnBrk="0" hangingPunct="0">
+              <a:lnSpc>
+                <a:spcPct val="100000"/>
+              </a:lnSpc>
+              <a:spcBef>
+                <a:spcPct val="0"/>
+              </a:spcBef>
+              <a:spcAft>
+                <a:spcPct val="0"/>
+              </a:spcAft>
+              <a:buClrTx/>
+              <a:buSzTx/>
+              <a:buFontTx/>
+              <a:buNone/>
+              <a:tabLst/>
+            </a:pPr>
+            <a:r>
+              <a:rPr kumimoji="0" lang="de-DE" altLang="de-DE" sz="1200" b="0" i="0" u="none" strike="noStrike" cap="none" normalizeH="0" baseline="0" dirty="0" err="1" smtClean="0">
+                <a:ln>
+                  <a:noFill/>
+                </a:ln>
                 <a:solidFill>
                   <a:srgbClr val="0000FF"/>
                 </a:solidFill>
-                <a:latin typeface="Consolas" panose="020B0609020204030204" pitchFamily="49" charset="0"/>
-                <a:cs typeface="Consolas" panose="020B0609020204030204" pitchFamily="49" charset="0"/>
-              </a:rPr>
-              <a:t>public</a:t>
-            </a:r>
-            <a:r>
-              <a:rPr lang="de-DE" sz="1600" dirty="0">
-                <a:latin typeface="Consolas" panose="020B0609020204030204" pitchFamily="49" charset="0"/>
-                <a:cs typeface="Consolas" panose="020B0609020204030204" pitchFamily="49" charset="0"/>
-              </a:rPr>
-              <a:t> </a:t>
-            </a:r>
-            <a:r>
-              <a:rPr lang="de-DE" sz="1600" b="1" dirty="0" err="1">
-                <a:solidFill>
-                  <a:srgbClr val="191970"/>
-                </a:solidFill>
-                <a:latin typeface="Consolas" panose="020B0609020204030204" pitchFamily="49" charset="0"/>
-                <a:cs typeface="Consolas" panose="020B0609020204030204" pitchFamily="49" charset="0"/>
-              </a:rPr>
-              <a:t>OneMaxProblem</a:t>
-            </a:r>
-            <a:r>
-              <a:rPr lang="de-DE" sz="1600" dirty="0">
-                <a:latin typeface="Consolas" panose="020B0609020204030204" pitchFamily="49" charset="0"/>
-                <a:cs typeface="Consolas" panose="020B0609020204030204" pitchFamily="49" charset="0"/>
-              </a:rPr>
-              <a:t>() { } </a:t>
-            </a:r>
-            <a:br>
-              <a:rPr lang="de-DE" sz="1600" dirty="0">
-                <a:latin typeface="Consolas" panose="020B0609020204030204" pitchFamily="49" charset="0"/>
-                <a:cs typeface="Consolas" panose="020B0609020204030204" pitchFamily="49" charset="0"/>
-              </a:rPr>
-            </a:br>
-            <a:r>
-              <a:rPr lang="de-DE" sz="1600" dirty="0">
-                <a:latin typeface="Consolas" panose="020B0609020204030204" pitchFamily="49" charset="0"/>
-                <a:cs typeface="Consolas" panose="020B0609020204030204" pitchFamily="49" charset="0"/>
-              </a:rPr>
-              <a:t>      [</a:t>
-            </a:r>
-            <a:r>
-              <a:rPr lang="de-DE" sz="1600" dirty="0" err="1">
-                <a:latin typeface="Consolas" panose="020B0609020204030204" pitchFamily="49" charset="0"/>
-                <a:cs typeface="Consolas" panose="020B0609020204030204" pitchFamily="49" charset="0"/>
-              </a:rPr>
-              <a:t>StorableConstructor</a:t>
-            </a:r>
-            <a:r>
-              <a:rPr lang="de-DE" sz="1600" dirty="0">
-                <a:latin typeface="Consolas" panose="020B0609020204030204" pitchFamily="49" charset="0"/>
-                <a:cs typeface="Consolas" panose="020B0609020204030204" pitchFamily="49" charset="0"/>
-              </a:rPr>
-              <a:t>]</a:t>
-            </a:r>
-            <a:br>
-              <a:rPr lang="de-DE" sz="1600" dirty="0">
-                <a:latin typeface="Consolas" panose="020B0609020204030204" pitchFamily="49" charset="0"/>
-                <a:cs typeface="Consolas" panose="020B0609020204030204" pitchFamily="49" charset="0"/>
-              </a:rPr>
-            </a:br>
-            <a:r>
-              <a:rPr lang="de-DE" sz="1600" dirty="0">
-                <a:latin typeface="Consolas" panose="020B0609020204030204" pitchFamily="49" charset="0"/>
-                <a:cs typeface="Consolas" panose="020B0609020204030204" pitchFamily="49" charset="0"/>
-              </a:rPr>
-              <a:t>      </a:t>
-            </a:r>
-            <a:r>
-              <a:rPr lang="de-DE" sz="1600" b="1" dirty="0" err="1">
+                <a:effectLst/>
+                <a:latin typeface="Consolas" panose="020B0609020204030204" pitchFamily="49" charset="0"/>
+                <a:cs typeface="Consolas" panose="020B0609020204030204" pitchFamily="49" charset="0"/>
+              </a:rPr>
+              <a:t>void</a:t>
+            </a:r>
+            <a:r>
+              <a:rPr kumimoji="0" lang="de-DE" altLang="de-DE" sz="1200" b="0" i="0" u="none" strike="noStrike" cap="none" normalizeH="0" baseline="0" dirty="0" smtClean="0">
+                <a:ln>
+                  <a:noFill/>
+                </a:ln>
+                <a:solidFill>
+                  <a:srgbClr val="000000"/>
+                </a:solidFill>
+                <a:effectLst/>
+                <a:latin typeface="Consolas" panose="020B0609020204030204" pitchFamily="49" charset="0"/>
+                <a:cs typeface="Consolas" panose="020B0609020204030204" pitchFamily="49" charset="0"/>
+              </a:rPr>
+              <a:t> </a:t>
+            </a:r>
+            <a:r>
+              <a:rPr kumimoji="0" lang="de-DE" altLang="de-DE" sz="1200" b="0" i="0" u="none" strike="noStrike" cap="none" normalizeH="0" baseline="0" dirty="0" err="1" smtClean="0">
+                <a:ln>
+                  <a:noFill/>
+                </a:ln>
+                <a:solidFill>
+                  <a:srgbClr val="000000"/>
+                </a:solidFill>
+                <a:effectLst/>
+                <a:latin typeface="Consolas" panose="020B0609020204030204" pitchFamily="49" charset="0"/>
+                <a:cs typeface="Consolas" panose="020B0609020204030204" pitchFamily="49" charset="0"/>
+              </a:rPr>
+              <a:t>Analyze</a:t>
+            </a:r>
+            <a:r>
+              <a:rPr kumimoji="0" lang="de-DE" altLang="de-DE" sz="1200" b="0" i="0" u="none" strike="noStrike" cap="none" normalizeH="0" baseline="0" dirty="0" smtClean="0">
+                <a:ln>
+                  <a:noFill/>
+                </a:ln>
+                <a:solidFill>
+                  <a:srgbClr val="000000"/>
+                </a:solidFill>
+                <a:effectLst/>
+                <a:latin typeface="Consolas" panose="020B0609020204030204" pitchFamily="49" charset="0"/>
+                <a:cs typeface="Consolas" panose="020B0609020204030204" pitchFamily="49" charset="0"/>
+              </a:rPr>
+              <a:t>(</a:t>
+            </a:r>
+            <a:r>
+              <a:rPr kumimoji="0" lang="de-DE" altLang="de-DE" sz="1200" b="0" i="0" u="none" strike="noStrike" cap="none" normalizeH="0" baseline="0" dirty="0" smtClean="0">
+                <a:ln>
+                  <a:noFill/>
+                </a:ln>
+                <a:solidFill>
+                  <a:srgbClr val="2B91AF"/>
+                </a:solidFill>
+                <a:effectLst/>
+                <a:latin typeface="Consolas" panose="020B0609020204030204" pitchFamily="49" charset="0"/>
+                <a:cs typeface="Consolas" panose="020B0609020204030204" pitchFamily="49" charset="0"/>
+              </a:rPr>
+              <a:t>Individual</a:t>
+            </a:r>
+            <a:r>
+              <a:rPr kumimoji="0" lang="de-DE" altLang="de-DE" sz="1200" b="0" i="0" u="none" strike="noStrike" cap="none" normalizeH="0" baseline="0" dirty="0" smtClean="0">
+                <a:ln>
+                  <a:noFill/>
+                </a:ln>
+                <a:solidFill>
+                  <a:srgbClr val="000000"/>
+                </a:solidFill>
+                <a:effectLst/>
+                <a:latin typeface="Consolas" panose="020B0609020204030204" pitchFamily="49" charset="0"/>
+                <a:cs typeface="Consolas" panose="020B0609020204030204" pitchFamily="49" charset="0"/>
+              </a:rPr>
+              <a:t>[] </a:t>
+            </a:r>
+            <a:r>
+              <a:rPr kumimoji="0" lang="de-DE" altLang="de-DE" sz="1200" b="0" i="0" u="none" strike="noStrike" cap="none" normalizeH="0" baseline="0" dirty="0" err="1" smtClean="0">
+                <a:ln>
+                  <a:noFill/>
+                </a:ln>
+                <a:solidFill>
+                  <a:srgbClr val="000000"/>
+                </a:solidFill>
+                <a:effectLst/>
+                <a:latin typeface="Consolas" panose="020B0609020204030204" pitchFamily="49" charset="0"/>
+                <a:cs typeface="Consolas" panose="020B0609020204030204" pitchFamily="49" charset="0"/>
+              </a:rPr>
+              <a:t>individuals</a:t>
+            </a:r>
+            <a:r>
+              <a:rPr kumimoji="0" lang="de-DE" altLang="de-DE" sz="1200" b="0" i="0" u="none" strike="noStrike" cap="none" normalizeH="0" baseline="0" dirty="0" smtClean="0">
+                <a:ln>
+                  <a:noFill/>
+                </a:ln>
+                <a:solidFill>
+                  <a:srgbClr val="000000"/>
+                </a:solidFill>
+                <a:effectLst/>
+                <a:latin typeface="Consolas" panose="020B0609020204030204" pitchFamily="49" charset="0"/>
+                <a:cs typeface="Consolas" panose="020B0609020204030204" pitchFamily="49" charset="0"/>
+              </a:rPr>
+              <a:t>, </a:t>
+            </a:r>
+            <a:r>
+              <a:rPr kumimoji="0" lang="de-DE" altLang="de-DE" sz="1200" b="0" i="0" u="none" strike="noStrike" cap="none" normalizeH="0" baseline="0" dirty="0" smtClean="0">
+                <a:ln>
+                  <a:noFill/>
+                </a:ln>
                 <a:solidFill>
                   <a:srgbClr val="0000FF"/>
                 </a:solidFill>
-                <a:latin typeface="Consolas" panose="020B0609020204030204" pitchFamily="49" charset="0"/>
-                <a:cs typeface="Consolas" panose="020B0609020204030204" pitchFamily="49" charset="0"/>
-              </a:rPr>
-              <a:t>protected</a:t>
-            </a:r>
-            <a:r>
-              <a:rPr lang="de-DE" sz="1600" dirty="0">
-                <a:latin typeface="Consolas" panose="020B0609020204030204" pitchFamily="49" charset="0"/>
-                <a:cs typeface="Consolas" panose="020B0609020204030204" pitchFamily="49" charset="0"/>
-              </a:rPr>
-              <a:t> </a:t>
-            </a:r>
-            <a:r>
-              <a:rPr lang="de-DE" sz="1600" b="1" dirty="0" err="1">
-                <a:solidFill>
-                  <a:srgbClr val="191970"/>
-                </a:solidFill>
-                <a:latin typeface="Consolas" panose="020B0609020204030204" pitchFamily="49" charset="0"/>
-                <a:cs typeface="Consolas" panose="020B0609020204030204" pitchFamily="49" charset="0"/>
-              </a:rPr>
-              <a:t>OneMaxProblem</a:t>
-            </a:r>
-            <a:r>
-              <a:rPr lang="de-DE" sz="1600" dirty="0">
-                <a:latin typeface="Consolas" panose="020B0609020204030204" pitchFamily="49" charset="0"/>
-                <a:cs typeface="Consolas" panose="020B0609020204030204" pitchFamily="49" charset="0"/>
-              </a:rPr>
-              <a:t>(</a:t>
-            </a:r>
-            <a:r>
-              <a:rPr lang="de-DE" sz="1600" b="1" dirty="0" err="1">
-                <a:solidFill>
-                  <a:srgbClr val="FF0000"/>
-                </a:solidFill>
-                <a:latin typeface="Consolas" panose="020B0609020204030204" pitchFamily="49" charset="0"/>
-                <a:cs typeface="Consolas" panose="020B0609020204030204" pitchFamily="49" charset="0"/>
-              </a:rPr>
-              <a:t>bool</a:t>
-            </a:r>
-            <a:r>
-              <a:rPr lang="de-DE" sz="1600" dirty="0">
-                <a:latin typeface="Consolas" panose="020B0609020204030204" pitchFamily="49" charset="0"/>
-                <a:cs typeface="Consolas" panose="020B0609020204030204" pitchFamily="49" charset="0"/>
-              </a:rPr>
-              <a:t> </a:t>
-            </a:r>
-            <a:r>
-              <a:rPr lang="de-DE" sz="1600" dirty="0" err="1">
-                <a:latin typeface="Consolas" panose="020B0609020204030204" pitchFamily="49" charset="0"/>
-                <a:cs typeface="Consolas" panose="020B0609020204030204" pitchFamily="49" charset="0"/>
-              </a:rPr>
-              <a:t>deserializing</a:t>
-            </a:r>
-            <a:r>
-              <a:rPr lang="de-DE" sz="1600" dirty="0">
-                <a:latin typeface="Consolas" panose="020B0609020204030204" pitchFamily="49" charset="0"/>
-                <a:cs typeface="Consolas" panose="020B0609020204030204" pitchFamily="49" charset="0"/>
-              </a:rPr>
-              <a:t>) : </a:t>
-            </a:r>
-            <a:r>
-              <a:rPr lang="de-DE" sz="1600" b="1" dirty="0" err="1">
-                <a:latin typeface="Consolas" panose="020B0609020204030204" pitchFamily="49" charset="0"/>
-                <a:cs typeface="Consolas" panose="020B0609020204030204" pitchFamily="49" charset="0"/>
-              </a:rPr>
-              <a:t>base</a:t>
-            </a:r>
-            <a:r>
-              <a:rPr lang="de-DE" sz="1600" dirty="0">
-                <a:latin typeface="Consolas" panose="020B0609020204030204" pitchFamily="49" charset="0"/>
-                <a:cs typeface="Consolas" panose="020B0609020204030204" pitchFamily="49" charset="0"/>
-              </a:rPr>
-              <a:t>(</a:t>
-            </a:r>
-            <a:r>
-              <a:rPr lang="de-DE" sz="1600" dirty="0" err="1">
-                <a:latin typeface="Consolas" panose="020B0609020204030204" pitchFamily="49" charset="0"/>
-                <a:cs typeface="Consolas" panose="020B0609020204030204" pitchFamily="49" charset="0"/>
-              </a:rPr>
-              <a:t>deserializing</a:t>
-            </a:r>
-            <a:r>
-              <a:rPr lang="de-DE" sz="1600" dirty="0">
-                <a:latin typeface="Consolas" panose="020B0609020204030204" pitchFamily="49" charset="0"/>
-                <a:cs typeface="Consolas" panose="020B0609020204030204" pitchFamily="49" charset="0"/>
-              </a:rPr>
-              <a:t>) { }</a:t>
-            </a:r>
-            <a:br>
-              <a:rPr lang="de-DE" sz="1600" dirty="0">
-                <a:latin typeface="Consolas" panose="020B0609020204030204" pitchFamily="49" charset="0"/>
-                <a:cs typeface="Consolas" panose="020B0609020204030204" pitchFamily="49" charset="0"/>
-              </a:rPr>
-            </a:br>
-            <a:r>
-              <a:rPr lang="de-DE" sz="1600" dirty="0">
-                <a:latin typeface="Consolas" panose="020B0609020204030204" pitchFamily="49" charset="0"/>
-                <a:cs typeface="Consolas" panose="020B0609020204030204" pitchFamily="49" charset="0"/>
-              </a:rPr>
-              <a:t>      </a:t>
-            </a:r>
-            <a:r>
-              <a:rPr lang="de-DE" sz="1600" b="1" dirty="0" err="1">
-                <a:solidFill>
-                  <a:srgbClr val="0000FF"/>
-                </a:solidFill>
-                <a:latin typeface="Consolas" panose="020B0609020204030204" pitchFamily="49" charset="0"/>
-                <a:cs typeface="Consolas" panose="020B0609020204030204" pitchFamily="49" charset="0"/>
-              </a:rPr>
-              <a:t>public</a:t>
-            </a:r>
-            <a:r>
-              <a:rPr lang="de-DE" sz="1600" dirty="0">
-                <a:latin typeface="Consolas" panose="020B0609020204030204" pitchFamily="49" charset="0"/>
-                <a:cs typeface="Consolas" panose="020B0609020204030204" pitchFamily="49" charset="0"/>
-              </a:rPr>
-              <a:t> </a:t>
-            </a:r>
-            <a:r>
-              <a:rPr lang="de-DE" sz="1600" b="1" dirty="0" err="1">
-                <a:solidFill>
-                  <a:srgbClr val="191970"/>
-                </a:solidFill>
-                <a:latin typeface="Consolas" panose="020B0609020204030204" pitchFamily="49" charset="0"/>
-                <a:cs typeface="Consolas" panose="020B0609020204030204" pitchFamily="49" charset="0"/>
-              </a:rPr>
-              <a:t>OneMaxProblem</a:t>
-            </a:r>
-            <a:r>
-              <a:rPr lang="de-DE" sz="1600" dirty="0">
-                <a:latin typeface="Consolas" panose="020B0609020204030204" pitchFamily="49" charset="0"/>
-                <a:cs typeface="Consolas" panose="020B0609020204030204" pitchFamily="49" charset="0"/>
-              </a:rPr>
-              <a:t>(</a:t>
-            </a:r>
-            <a:r>
-              <a:rPr lang="de-DE" sz="1600" dirty="0" err="1">
-                <a:latin typeface="Consolas" panose="020B0609020204030204" pitchFamily="49" charset="0"/>
-                <a:cs typeface="Consolas" panose="020B0609020204030204" pitchFamily="49" charset="0"/>
-              </a:rPr>
-              <a:t>OneMaxProblem</a:t>
-            </a:r>
-            <a:r>
-              <a:rPr lang="de-DE" sz="1600" dirty="0">
-                <a:latin typeface="Consolas" panose="020B0609020204030204" pitchFamily="49" charset="0"/>
-                <a:cs typeface="Consolas" panose="020B0609020204030204" pitchFamily="49" charset="0"/>
-              </a:rPr>
-              <a:t> </a:t>
-            </a:r>
-            <a:r>
-              <a:rPr lang="de-DE" sz="1600" dirty="0" err="1">
-                <a:latin typeface="Consolas" panose="020B0609020204030204" pitchFamily="49" charset="0"/>
-                <a:cs typeface="Consolas" panose="020B0609020204030204" pitchFamily="49" charset="0"/>
-              </a:rPr>
-              <a:t>alg</a:t>
-            </a:r>
-            <a:r>
-              <a:rPr lang="de-DE" sz="1600" dirty="0">
-                <a:latin typeface="Consolas" panose="020B0609020204030204" pitchFamily="49" charset="0"/>
-                <a:cs typeface="Consolas" panose="020B0609020204030204" pitchFamily="49" charset="0"/>
-              </a:rPr>
-              <a:t>, </a:t>
-            </a:r>
-            <a:r>
-              <a:rPr lang="de-DE" sz="1600" dirty="0" err="1">
-                <a:latin typeface="Consolas" panose="020B0609020204030204" pitchFamily="49" charset="0"/>
-                <a:cs typeface="Consolas" panose="020B0609020204030204" pitchFamily="49" charset="0"/>
-              </a:rPr>
-              <a:t>Cloner</a:t>
-            </a:r>
-            <a:r>
-              <a:rPr lang="de-DE" sz="1600" dirty="0">
-                <a:latin typeface="Consolas" panose="020B0609020204030204" pitchFamily="49" charset="0"/>
-                <a:cs typeface="Consolas" panose="020B0609020204030204" pitchFamily="49" charset="0"/>
-              </a:rPr>
-              <a:t> </a:t>
-            </a:r>
-            <a:r>
-              <a:rPr lang="de-DE" sz="1600" dirty="0" err="1">
-                <a:latin typeface="Consolas" panose="020B0609020204030204" pitchFamily="49" charset="0"/>
-                <a:cs typeface="Consolas" panose="020B0609020204030204" pitchFamily="49" charset="0"/>
-              </a:rPr>
-              <a:t>cloner</a:t>
-            </a:r>
-            <a:r>
-              <a:rPr lang="de-DE" sz="1600" dirty="0">
-                <a:latin typeface="Consolas" panose="020B0609020204030204" pitchFamily="49" charset="0"/>
-                <a:cs typeface="Consolas" panose="020B0609020204030204" pitchFamily="49" charset="0"/>
-              </a:rPr>
-              <a:t>) </a:t>
-            </a:r>
-            <a:endParaRPr lang="de-DE" sz="1600" dirty="0" smtClean="0">
-              <a:latin typeface="Consolas" panose="020B0609020204030204" pitchFamily="49" charset="0"/>
-              <a:cs typeface="Consolas" panose="020B0609020204030204" pitchFamily="49" charset="0"/>
-            </a:endParaRPr>
-          </a:p>
-          <a:p>
-            <a:r>
-              <a:rPr lang="de-DE" sz="1600" dirty="0">
-                <a:latin typeface="Consolas" panose="020B0609020204030204" pitchFamily="49" charset="0"/>
-                <a:cs typeface="Consolas" panose="020B0609020204030204" pitchFamily="49" charset="0"/>
-              </a:rPr>
-              <a:t>	</a:t>
-            </a:r>
-            <a:r>
-              <a:rPr lang="de-DE" sz="1600" dirty="0" smtClean="0">
-                <a:latin typeface="Consolas" panose="020B0609020204030204" pitchFamily="49" charset="0"/>
-                <a:cs typeface="Consolas" panose="020B0609020204030204" pitchFamily="49" charset="0"/>
-              </a:rPr>
-              <a:t>: </a:t>
-            </a:r>
-            <a:r>
-              <a:rPr lang="de-DE" sz="1600" b="1" dirty="0" err="1">
-                <a:latin typeface="Consolas" panose="020B0609020204030204" pitchFamily="49" charset="0"/>
-                <a:cs typeface="Consolas" panose="020B0609020204030204" pitchFamily="49" charset="0"/>
-              </a:rPr>
-              <a:t>base</a:t>
-            </a:r>
-            <a:r>
-              <a:rPr lang="de-DE" sz="1600" dirty="0">
-                <a:latin typeface="Consolas" panose="020B0609020204030204" pitchFamily="49" charset="0"/>
-                <a:cs typeface="Consolas" panose="020B0609020204030204" pitchFamily="49" charset="0"/>
-              </a:rPr>
-              <a:t>(</a:t>
-            </a:r>
-            <a:r>
-              <a:rPr lang="de-DE" sz="1600" dirty="0" err="1">
-                <a:latin typeface="Consolas" panose="020B0609020204030204" pitchFamily="49" charset="0"/>
-                <a:cs typeface="Consolas" panose="020B0609020204030204" pitchFamily="49" charset="0"/>
-              </a:rPr>
-              <a:t>alg</a:t>
-            </a:r>
-            <a:r>
-              <a:rPr lang="de-DE" sz="1600" dirty="0">
-                <a:latin typeface="Consolas" panose="020B0609020204030204" pitchFamily="49" charset="0"/>
-                <a:cs typeface="Consolas" panose="020B0609020204030204" pitchFamily="49" charset="0"/>
-              </a:rPr>
-              <a:t>, </a:t>
-            </a:r>
-            <a:r>
-              <a:rPr lang="de-DE" sz="1600" dirty="0" err="1">
-                <a:latin typeface="Consolas" panose="020B0609020204030204" pitchFamily="49" charset="0"/>
-                <a:cs typeface="Consolas" panose="020B0609020204030204" pitchFamily="49" charset="0"/>
-              </a:rPr>
-              <a:t>cloner</a:t>
-            </a:r>
-            <a:r>
-              <a:rPr lang="de-DE" sz="1600" dirty="0">
-                <a:latin typeface="Consolas" panose="020B0609020204030204" pitchFamily="49" charset="0"/>
-                <a:cs typeface="Consolas" panose="020B0609020204030204" pitchFamily="49" charset="0"/>
-              </a:rPr>
-              <a:t>) { }    </a:t>
-            </a:r>
-            <a:br>
-              <a:rPr lang="de-DE" sz="1600" dirty="0">
-                <a:latin typeface="Consolas" panose="020B0609020204030204" pitchFamily="49" charset="0"/>
-                <a:cs typeface="Consolas" panose="020B0609020204030204" pitchFamily="49" charset="0"/>
-              </a:rPr>
-            </a:br>
-            <a:r>
-              <a:rPr lang="de-DE" sz="1600" dirty="0">
-                <a:latin typeface="Consolas" panose="020B0609020204030204" pitchFamily="49" charset="0"/>
-                <a:cs typeface="Consolas" panose="020B0609020204030204" pitchFamily="49" charset="0"/>
-              </a:rPr>
-              <a:t>      </a:t>
-            </a:r>
-            <a:r>
-              <a:rPr lang="de-DE" sz="1600" b="1" dirty="0" err="1">
-                <a:solidFill>
-                  <a:srgbClr val="0000FF"/>
-                </a:solidFill>
-                <a:latin typeface="Consolas" panose="020B0609020204030204" pitchFamily="49" charset="0"/>
-                <a:cs typeface="Consolas" panose="020B0609020204030204" pitchFamily="49" charset="0"/>
-              </a:rPr>
-              <a:t>public</a:t>
-            </a:r>
-            <a:r>
-              <a:rPr lang="de-DE" sz="1600" dirty="0">
-                <a:latin typeface="Consolas" panose="020B0609020204030204" pitchFamily="49" charset="0"/>
-                <a:cs typeface="Consolas" panose="020B0609020204030204" pitchFamily="49" charset="0"/>
-              </a:rPr>
-              <a:t> </a:t>
-            </a:r>
-            <a:r>
-              <a:rPr lang="de-DE" sz="1600" dirty="0" err="1">
-                <a:solidFill>
-                  <a:srgbClr val="A52A2A"/>
-                </a:solidFill>
-                <a:latin typeface="Consolas" panose="020B0609020204030204" pitchFamily="49" charset="0"/>
-                <a:cs typeface="Consolas" panose="020B0609020204030204" pitchFamily="49" charset="0"/>
-              </a:rPr>
-              <a:t>override</a:t>
-            </a:r>
-            <a:r>
-              <a:rPr lang="de-DE" sz="1600" dirty="0">
-                <a:latin typeface="Consolas" panose="020B0609020204030204" pitchFamily="49" charset="0"/>
-                <a:cs typeface="Consolas" panose="020B0609020204030204" pitchFamily="49" charset="0"/>
-              </a:rPr>
-              <a:t> </a:t>
-            </a:r>
-            <a:r>
-              <a:rPr lang="de-DE" sz="1600" dirty="0" err="1">
-                <a:latin typeface="Consolas" panose="020B0609020204030204" pitchFamily="49" charset="0"/>
-                <a:cs typeface="Consolas" panose="020B0609020204030204" pitchFamily="49" charset="0"/>
-              </a:rPr>
-              <a:t>IDeepCloneable</a:t>
-            </a:r>
-            <a:r>
-              <a:rPr lang="de-DE" sz="1600" dirty="0">
-                <a:latin typeface="Consolas" panose="020B0609020204030204" pitchFamily="49" charset="0"/>
-                <a:cs typeface="Consolas" panose="020B0609020204030204" pitchFamily="49" charset="0"/>
-              </a:rPr>
-              <a:t> </a:t>
-            </a:r>
-            <a:r>
-              <a:rPr lang="de-DE" sz="1600" b="1" dirty="0" err="1">
-                <a:solidFill>
-                  <a:srgbClr val="191970"/>
-                </a:solidFill>
-                <a:latin typeface="Consolas" panose="020B0609020204030204" pitchFamily="49" charset="0"/>
-                <a:cs typeface="Consolas" panose="020B0609020204030204" pitchFamily="49" charset="0"/>
-              </a:rPr>
-              <a:t>Clone</a:t>
-            </a:r>
-            <a:r>
-              <a:rPr lang="de-DE" sz="1600" dirty="0">
-                <a:latin typeface="Consolas" panose="020B0609020204030204" pitchFamily="49" charset="0"/>
-                <a:cs typeface="Consolas" panose="020B0609020204030204" pitchFamily="49" charset="0"/>
-              </a:rPr>
-              <a:t>(</a:t>
-            </a:r>
-            <a:r>
-              <a:rPr lang="de-DE" sz="1600" dirty="0" err="1">
-                <a:latin typeface="Consolas" panose="020B0609020204030204" pitchFamily="49" charset="0"/>
-                <a:cs typeface="Consolas" panose="020B0609020204030204" pitchFamily="49" charset="0"/>
-              </a:rPr>
-              <a:t>Cloner</a:t>
-            </a:r>
-            <a:r>
-              <a:rPr lang="de-DE" sz="1600" dirty="0">
-                <a:latin typeface="Consolas" panose="020B0609020204030204" pitchFamily="49" charset="0"/>
-                <a:cs typeface="Consolas" panose="020B0609020204030204" pitchFamily="49" charset="0"/>
-              </a:rPr>
-              <a:t> </a:t>
-            </a:r>
-            <a:r>
-              <a:rPr lang="de-DE" sz="1600" dirty="0" err="1">
-                <a:latin typeface="Consolas" panose="020B0609020204030204" pitchFamily="49" charset="0"/>
-                <a:cs typeface="Consolas" panose="020B0609020204030204" pitchFamily="49" charset="0"/>
-              </a:rPr>
-              <a:t>cloner</a:t>
-            </a:r>
-            <a:r>
-              <a:rPr lang="de-DE" sz="1600" dirty="0">
-                <a:latin typeface="Consolas" panose="020B0609020204030204" pitchFamily="49" charset="0"/>
-                <a:cs typeface="Consolas" panose="020B0609020204030204" pitchFamily="49" charset="0"/>
-              </a:rPr>
-              <a:t>) {</a:t>
-            </a:r>
-            <a:br>
-              <a:rPr lang="de-DE" sz="1600" dirty="0">
-                <a:latin typeface="Consolas" panose="020B0609020204030204" pitchFamily="49" charset="0"/>
-                <a:cs typeface="Consolas" panose="020B0609020204030204" pitchFamily="49" charset="0"/>
-              </a:rPr>
-            </a:br>
-            <a:r>
-              <a:rPr lang="de-DE" sz="1600" dirty="0">
-                <a:latin typeface="Consolas" panose="020B0609020204030204" pitchFamily="49" charset="0"/>
-                <a:cs typeface="Consolas" panose="020B0609020204030204" pitchFamily="49" charset="0"/>
-              </a:rPr>
-              <a:t>         </a:t>
-            </a:r>
-            <a:r>
-              <a:rPr lang="de-DE" sz="1600" dirty="0" err="1">
-                <a:solidFill>
-                  <a:srgbClr val="000080"/>
-                </a:solidFill>
-                <a:latin typeface="Consolas" panose="020B0609020204030204" pitchFamily="49" charset="0"/>
-                <a:cs typeface="Consolas" panose="020B0609020204030204" pitchFamily="49" charset="0"/>
-              </a:rPr>
-              <a:t>return</a:t>
-            </a:r>
-            <a:r>
-              <a:rPr lang="de-DE" sz="1600" dirty="0">
-                <a:latin typeface="Consolas" panose="020B0609020204030204" pitchFamily="49" charset="0"/>
-                <a:cs typeface="Consolas" panose="020B0609020204030204" pitchFamily="49" charset="0"/>
-              </a:rPr>
-              <a:t> </a:t>
-            </a:r>
-            <a:r>
-              <a:rPr lang="de-DE" sz="1600" b="1" dirty="0" err="1">
-                <a:solidFill>
-                  <a:srgbClr val="008B8B"/>
-                </a:solidFill>
-                <a:latin typeface="Consolas" panose="020B0609020204030204" pitchFamily="49" charset="0"/>
-                <a:cs typeface="Consolas" panose="020B0609020204030204" pitchFamily="49" charset="0"/>
-              </a:rPr>
-              <a:t>new</a:t>
-            </a:r>
-            <a:r>
-              <a:rPr lang="de-DE" sz="1600" dirty="0">
-                <a:latin typeface="Consolas" panose="020B0609020204030204" pitchFamily="49" charset="0"/>
-                <a:cs typeface="Consolas" panose="020B0609020204030204" pitchFamily="49" charset="0"/>
-              </a:rPr>
-              <a:t> </a:t>
-            </a:r>
-            <a:r>
-              <a:rPr lang="de-DE" sz="1600" b="1" dirty="0" err="1">
-                <a:solidFill>
-                  <a:srgbClr val="191970"/>
-                </a:solidFill>
-                <a:latin typeface="Consolas" panose="020B0609020204030204" pitchFamily="49" charset="0"/>
-                <a:cs typeface="Consolas" panose="020B0609020204030204" pitchFamily="49" charset="0"/>
-              </a:rPr>
-              <a:t>OneMaxProblem</a:t>
-            </a:r>
-            <a:r>
-              <a:rPr lang="de-DE" sz="1600" dirty="0">
-                <a:latin typeface="Consolas" panose="020B0609020204030204" pitchFamily="49" charset="0"/>
-                <a:cs typeface="Consolas" panose="020B0609020204030204" pitchFamily="49" charset="0"/>
-              </a:rPr>
-              <a:t>(</a:t>
-            </a:r>
-            <a:r>
-              <a:rPr lang="de-DE" sz="1600" b="1" dirty="0" err="1">
-                <a:latin typeface="Consolas" panose="020B0609020204030204" pitchFamily="49" charset="0"/>
-                <a:cs typeface="Consolas" panose="020B0609020204030204" pitchFamily="49" charset="0"/>
-              </a:rPr>
-              <a:t>this</a:t>
-            </a:r>
-            <a:r>
-              <a:rPr lang="de-DE" sz="1600" dirty="0">
-                <a:latin typeface="Consolas" panose="020B0609020204030204" pitchFamily="49" charset="0"/>
-                <a:cs typeface="Consolas" panose="020B0609020204030204" pitchFamily="49" charset="0"/>
-              </a:rPr>
-              <a:t>, </a:t>
-            </a:r>
-            <a:r>
-              <a:rPr lang="de-DE" sz="1600" dirty="0" err="1">
-                <a:latin typeface="Consolas" panose="020B0609020204030204" pitchFamily="49" charset="0"/>
-                <a:cs typeface="Consolas" panose="020B0609020204030204" pitchFamily="49" charset="0"/>
-              </a:rPr>
-              <a:t>cloner</a:t>
-            </a:r>
-            <a:r>
-              <a:rPr lang="de-DE" sz="1600" dirty="0">
-                <a:latin typeface="Consolas" panose="020B0609020204030204" pitchFamily="49" charset="0"/>
-                <a:cs typeface="Consolas" panose="020B0609020204030204" pitchFamily="49" charset="0"/>
-              </a:rPr>
-              <a:t>);</a:t>
-            </a:r>
-            <a:br>
-              <a:rPr lang="de-DE" sz="1600" dirty="0">
-                <a:latin typeface="Consolas" panose="020B0609020204030204" pitchFamily="49" charset="0"/>
-                <a:cs typeface="Consolas" panose="020B0609020204030204" pitchFamily="49" charset="0"/>
-              </a:rPr>
-            </a:br>
-            <a:r>
-              <a:rPr lang="de-DE" sz="1600" dirty="0">
-                <a:latin typeface="Consolas" panose="020B0609020204030204" pitchFamily="49" charset="0"/>
-                <a:cs typeface="Consolas" panose="020B0609020204030204" pitchFamily="49" charset="0"/>
-              </a:rPr>
-              <a:t>      }</a:t>
-            </a:r>
-            <a:br>
-              <a:rPr lang="de-DE" sz="1600" dirty="0">
-                <a:latin typeface="Consolas" panose="020B0609020204030204" pitchFamily="49" charset="0"/>
-                <a:cs typeface="Consolas" panose="020B0609020204030204" pitchFamily="49" charset="0"/>
-              </a:rPr>
-            </a:br>
-            <a:r>
-              <a:rPr lang="de-DE" sz="1600" dirty="0">
-                <a:latin typeface="Consolas" panose="020B0609020204030204" pitchFamily="49" charset="0"/>
-                <a:cs typeface="Consolas" panose="020B0609020204030204" pitchFamily="49" charset="0"/>
-              </a:rPr>
-              <a:t>      </a:t>
-            </a:r>
-            <a:br>
-              <a:rPr lang="de-DE" sz="1600" dirty="0">
-                <a:latin typeface="Consolas" panose="020B0609020204030204" pitchFamily="49" charset="0"/>
-                <a:cs typeface="Consolas" panose="020B0609020204030204" pitchFamily="49" charset="0"/>
-              </a:rPr>
-            </a:br>
-            <a:r>
-              <a:rPr lang="de-DE" sz="1600" dirty="0">
-                <a:latin typeface="Consolas" panose="020B0609020204030204" pitchFamily="49" charset="0"/>
-                <a:cs typeface="Consolas" panose="020B0609020204030204" pitchFamily="49" charset="0"/>
-              </a:rPr>
-              <a:t>      </a:t>
-            </a:r>
-            <a:r>
-              <a:rPr lang="de-DE" sz="1600" b="1" dirty="0" err="1">
-                <a:solidFill>
-                  <a:srgbClr val="0000FF"/>
-                </a:solidFill>
-                <a:latin typeface="Consolas" panose="020B0609020204030204" pitchFamily="49" charset="0"/>
-                <a:cs typeface="Consolas" panose="020B0609020204030204" pitchFamily="49" charset="0"/>
-              </a:rPr>
-              <a:t>public</a:t>
-            </a:r>
-            <a:r>
-              <a:rPr lang="de-DE" sz="1600" dirty="0">
-                <a:latin typeface="Consolas" panose="020B0609020204030204" pitchFamily="49" charset="0"/>
-                <a:cs typeface="Consolas" panose="020B0609020204030204" pitchFamily="49" charset="0"/>
-              </a:rPr>
-              <a:t> </a:t>
-            </a:r>
-            <a:r>
-              <a:rPr lang="de-DE" sz="1600" dirty="0" err="1">
-                <a:solidFill>
-                  <a:srgbClr val="A52A2A"/>
-                </a:solidFill>
-                <a:latin typeface="Consolas" panose="020B0609020204030204" pitchFamily="49" charset="0"/>
-                <a:cs typeface="Consolas" panose="020B0609020204030204" pitchFamily="49" charset="0"/>
-              </a:rPr>
-              <a:t>override</a:t>
-            </a:r>
-            <a:r>
-              <a:rPr lang="de-DE" sz="1600" dirty="0">
-                <a:latin typeface="Consolas" panose="020B0609020204030204" pitchFamily="49" charset="0"/>
-                <a:cs typeface="Consolas" panose="020B0609020204030204" pitchFamily="49" charset="0"/>
-              </a:rPr>
-              <a:t> </a:t>
-            </a:r>
-            <a:r>
-              <a:rPr lang="de-DE" sz="1600" b="1" dirty="0" err="1">
-                <a:solidFill>
-                  <a:srgbClr val="FF0000"/>
-                </a:solidFill>
-                <a:latin typeface="Consolas" panose="020B0609020204030204" pitchFamily="49" charset="0"/>
-                <a:cs typeface="Consolas" panose="020B0609020204030204" pitchFamily="49" charset="0"/>
-              </a:rPr>
-              <a:t>bool</a:t>
-            </a:r>
-            <a:r>
-              <a:rPr lang="de-DE" sz="1600" dirty="0">
-                <a:latin typeface="Consolas" panose="020B0609020204030204" pitchFamily="49" charset="0"/>
-                <a:cs typeface="Consolas" panose="020B0609020204030204" pitchFamily="49" charset="0"/>
-              </a:rPr>
-              <a:t> </a:t>
-            </a:r>
-            <a:r>
-              <a:rPr lang="de-DE" sz="1600" dirty="0" err="1">
-                <a:latin typeface="Consolas" panose="020B0609020204030204" pitchFamily="49" charset="0"/>
-                <a:cs typeface="Consolas" panose="020B0609020204030204" pitchFamily="49" charset="0"/>
-              </a:rPr>
-              <a:t>Maximization</a:t>
-            </a:r>
-            <a:r>
-              <a:rPr lang="de-DE" sz="1600" dirty="0">
-                <a:latin typeface="Consolas" panose="020B0609020204030204" pitchFamily="49" charset="0"/>
-                <a:cs typeface="Consolas" panose="020B0609020204030204" pitchFamily="49" charset="0"/>
-              </a:rPr>
-              <a:t> { </a:t>
-            </a:r>
-            <a:r>
-              <a:rPr lang="de-DE" sz="1600" dirty="0" err="1">
-                <a:solidFill>
-                  <a:srgbClr val="8B4513"/>
-                </a:solidFill>
-                <a:latin typeface="Consolas" panose="020B0609020204030204" pitchFamily="49" charset="0"/>
-                <a:cs typeface="Consolas" panose="020B0609020204030204" pitchFamily="49" charset="0"/>
-              </a:rPr>
-              <a:t>get</a:t>
-            </a:r>
-            <a:r>
-              <a:rPr lang="de-DE" sz="1600" dirty="0">
-                <a:latin typeface="Consolas" panose="020B0609020204030204" pitchFamily="49" charset="0"/>
-                <a:cs typeface="Consolas" panose="020B0609020204030204" pitchFamily="49" charset="0"/>
-              </a:rPr>
-              <a:t>{ </a:t>
-            </a:r>
-            <a:r>
-              <a:rPr lang="de-DE" sz="1600" dirty="0" err="1">
-                <a:solidFill>
-                  <a:srgbClr val="000080"/>
-                </a:solidFill>
-                <a:latin typeface="Consolas" panose="020B0609020204030204" pitchFamily="49" charset="0"/>
-                <a:cs typeface="Consolas" panose="020B0609020204030204" pitchFamily="49" charset="0"/>
-              </a:rPr>
-              <a:t>return</a:t>
-            </a:r>
-            <a:r>
-              <a:rPr lang="de-DE" sz="1600" dirty="0">
-                <a:latin typeface="Consolas" panose="020B0609020204030204" pitchFamily="49" charset="0"/>
-                <a:cs typeface="Consolas" panose="020B0609020204030204" pitchFamily="49" charset="0"/>
-              </a:rPr>
-              <a:t> </a:t>
-            </a:r>
-            <a:r>
-              <a:rPr lang="de-DE" sz="1600" b="1" dirty="0" err="1">
-                <a:solidFill>
-                  <a:srgbClr val="008B8B"/>
-                </a:solidFill>
-                <a:latin typeface="Consolas" panose="020B0609020204030204" pitchFamily="49" charset="0"/>
-                <a:cs typeface="Consolas" panose="020B0609020204030204" pitchFamily="49" charset="0"/>
-              </a:rPr>
-              <a:t>true</a:t>
-            </a:r>
-            <a:r>
-              <a:rPr lang="de-DE" sz="1600" dirty="0">
-                <a:latin typeface="Consolas" panose="020B0609020204030204" pitchFamily="49" charset="0"/>
-                <a:cs typeface="Consolas" panose="020B0609020204030204" pitchFamily="49" charset="0"/>
-              </a:rPr>
-              <a:t>; } }</a:t>
-            </a:r>
-            <a:br>
-              <a:rPr lang="de-DE" sz="1600" dirty="0">
-                <a:latin typeface="Consolas" panose="020B0609020204030204" pitchFamily="49" charset="0"/>
-                <a:cs typeface="Consolas" panose="020B0609020204030204" pitchFamily="49" charset="0"/>
-              </a:rPr>
-            </a:br>
-            <a:r>
-              <a:rPr lang="de-DE" sz="1600" dirty="0">
-                <a:latin typeface="Consolas" panose="020B0609020204030204" pitchFamily="49" charset="0"/>
-                <a:cs typeface="Consolas" panose="020B0609020204030204" pitchFamily="49" charset="0"/>
-              </a:rPr>
-              <a:t/>
-            </a:r>
-            <a:br>
-              <a:rPr lang="de-DE" sz="1600" dirty="0">
-                <a:latin typeface="Consolas" panose="020B0609020204030204" pitchFamily="49" charset="0"/>
-                <a:cs typeface="Consolas" panose="020B0609020204030204" pitchFamily="49" charset="0"/>
-              </a:rPr>
-            </a:br>
-            <a:r>
-              <a:rPr lang="de-DE" sz="1600" dirty="0">
-                <a:latin typeface="Consolas" panose="020B0609020204030204" pitchFamily="49" charset="0"/>
-                <a:cs typeface="Consolas" panose="020B0609020204030204" pitchFamily="49" charset="0"/>
-              </a:rPr>
-              <a:t>      </a:t>
-            </a:r>
-            <a:r>
-              <a:rPr lang="de-DE" sz="1600" b="1" dirty="0" err="1">
-                <a:solidFill>
-                  <a:srgbClr val="0000FF"/>
-                </a:solidFill>
-                <a:latin typeface="Consolas" panose="020B0609020204030204" pitchFamily="49" charset="0"/>
-                <a:cs typeface="Consolas" panose="020B0609020204030204" pitchFamily="49" charset="0"/>
-              </a:rPr>
-              <a:t>public</a:t>
-            </a:r>
-            <a:r>
-              <a:rPr lang="de-DE" sz="1600" dirty="0">
-                <a:latin typeface="Consolas" panose="020B0609020204030204" pitchFamily="49" charset="0"/>
-                <a:cs typeface="Consolas" panose="020B0609020204030204" pitchFamily="49" charset="0"/>
-              </a:rPr>
-              <a:t> </a:t>
-            </a:r>
-            <a:r>
-              <a:rPr lang="de-DE" sz="1600" dirty="0" err="1">
-                <a:solidFill>
-                  <a:srgbClr val="A52A2A"/>
-                </a:solidFill>
-                <a:latin typeface="Consolas" panose="020B0609020204030204" pitchFamily="49" charset="0"/>
-                <a:cs typeface="Consolas" panose="020B0609020204030204" pitchFamily="49" charset="0"/>
-              </a:rPr>
-              <a:t>override</a:t>
-            </a:r>
-            <a:r>
-              <a:rPr lang="de-DE" sz="1600" dirty="0">
-                <a:latin typeface="Consolas" panose="020B0609020204030204" pitchFamily="49" charset="0"/>
-                <a:cs typeface="Consolas" panose="020B0609020204030204" pitchFamily="49" charset="0"/>
-              </a:rPr>
-              <a:t> </a:t>
-            </a:r>
-            <a:r>
-              <a:rPr lang="de-DE" sz="1600" b="1" dirty="0">
-                <a:solidFill>
-                  <a:srgbClr val="FF0000"/>
-                </a:solidFill>
+                <a:effectLst/>
                 <a:latin typeface="Consolas" panose="020B0609020204030204" pitchFamily="49" charset="0"/>
                 <a:cs typeface="Consolas" panose="020B0609020204030204" pitchFamily="49" charset="0"/>
               </a:rPr>
               <a:t>double</a:t>
             </a:r>
             <a:r>
-              <a:rPr lang="de-DE" sz="1600" dirty="0">
-                <a:latin typeface="Consolas" panose="020B0609020204030204" pitchFamily="49" charset="0"/>
-                <a:cs typeface="Consolas" panose="020B0609020204030204" pitchFamily="49" charset="0"/>
-              </a:rPr>
-              <a:t> </a:t>
-            </a:r>
-            <a:r>
-              <a:rPr lang="de-DE" sz="1600" b="1" dirty="0" err="1">
-                <a:solidFill>
-                  <a:srgbClr val="191970"/>
-                </a:solidFill>
-                <a:latin typeface="Consolas" panose="020B0609020204030204" pitchFamily="49" charset="0"/>
-                <a:cs typeface="Consolas" panose="020B0609020204030204" pitchFamily="49" charset="0"/>
-              </a:rPr>
-              <a:t>Evaluate</a:t>
-            </a:r>
-            <a:r>
-              <a:rPr lang="de-DE" sz="1600" dirty="0">
-                <a:latin typeface="Consolas" panose="020B0609020204030204" pitchFamily="49" charset="0"/>
-                <a:cs typeface="Consolas" panose="020B0609020204030204" pitchFamily="49" charset="0"/>
-              </a:rPr>
-              <a:t>(Individual </a:t>
-            </a:r>
-            <a:r>
-              <a:rPr lang="de-DE" sz="1600" dirty="0" err="1">
-                <a:latin typeface="Consolas" panose="020B0609020204030204" pitchFamily="49" charset="0"/>
-                <a:cs typeface="Consolas" panose="020B0609020204030204" pitchFamily="49" charset="0"/>
-              </a:rPr>
-              <a:t>individual</a:t>
-            </a:r>
-            <a:r>
-              <a:rPr lang="de-DE" sz="1600" dirty="0">
-                <a:latin typeface="Consolas" panose="020B0609020204030204" pitchFamily="49" charset="0"/>
-                <a:cs typeface="Consolas" panose="020B0609020204030204" pitchFamily="49" charset="0"/>
-              </a:rPr>
-              <a:t>, </a:t>
-            </a:r>
-            <a:endParaRPr lang="de-DE" sz="1600" dirty="0" smtClean="0">
-              <a:latin typeface="Consolas" panose="020B0609020204030204" pitchFamily="49" charset="0"/>
-              <a:cs typeface="Consolas" panose="020B0609020204030204" pitchFamily="49" charset="0"/>
-            </a:endParaRPr>
-          </a:p>
-          <a:p>
-            <a:r>
-              <a:rPr lang="de-DE" sz="1600" dirty="0">
-                <a:latin typeface="Consolas" panose="020B0609020204030204" pitchFamily="49" charset="0"/>
-                <a:cs typeface="Consolas" panose="020B0609020204030204" pitchFamily="49" charset="0"/>
-              </a:rPr>
-              <a:t>		</a:t>
-            </a:r>
-            <a:r>
-              <a:rPr lang="de-DE" sz="1600" dirty="0" smtClean="0">
-                <a:latin typeface="Consolas" panose="020B0609020204030204" pitchFamily="49" charset="0"/>
-                <a:cs typeface="Consolas" panose="020B0609020204030204" pitchFamily="49" charset="0"/>
-              </a:rPr>
-              <a:t>		     </a:t>
-            </a:r>
-            <a:r>
-              <a:rPr lang="de-DE" sz="1600" dirty="0" err="1" smtClean="0">
+              <a:rPr kumimoji="0" lang="de-DE" altLang="de-DE" sz="1200" b="0" i="0" u="none" strike="noStrike" cap="none" normalizeH="0" baseline="0" dirty="0" smtClean="0">
+                <a:ln>
+                  <a:noFill/>
+                </a:ln>
+                <a:solidFill>
+                  <a:srgbClr val="000000"/>
+                </a:solidFill>
+                <a:effectLst/>
+                <a:latin typeface="Consolas" panose="020B0609020204030204" pitchFamily="49" charset="0"/>
+                <a:cs typeface="Consolas" panose="020B0609020204030204" pitchFamily="49" charset="0"/>
+              </a:rPr>
+              <a:t>[] </a:t>
+            </a:r>
+            <a:r>
+              <a:rPr kumimoji="0" lang="de-DE" altLang="de-DE" sz="1200" b="0" i="0" u="none" strike="noStrike" cap="none" normalizeH="0" baseline="0" dirty="0" err="1" smtClean="0">
+                <a:ln>
+                  <a:noFill/>
+                </a:ln>
+                <a:solidFill>
+                  <a:srgbClr val="000000"/>
+                </a:solidFill>
+                <a:effectLst/>
+                <a:latin typeface="Consolas" panose="020B0609020204030204" pitchFamily="49" charset="0"/>
+                <a:cs typeface="Consolas" panose="020B0609020204030204" pitchFamily="49" charset="0"/>
+              </a:rPr>
+              <a:t>qualities</a:t>
+            </a:r>
+            <a:r>
+              <a:rPr kumimoji="0" lang="de-DE" altLang="de-DE" sz="1200" b="0" i="0" u="none" strike="noStrike" cap="none" normalizeH="0" baseline="0" dirty="0" smtClean="0">
+                <a:ln>
+                  <a:noFill/>
+                </a:ln>
+                <a:solidFill>
+                  <a:srgbClr val="000000"/>
+                </a:solidFill>
+                <a:effectLst/>
+                <a:latin typeface="Consolas" panose="020B0609020204030204" pitchFamily="49" charset="0"/>
+                <a:cs typeface="Consolas" panose="020B0609020204030204" pitchFamily="49" charset="0"/>
+              </a:rPr>
+              <a:t>, </a:t>
+            </a:r>
+            <a:r>
+              <a:rPr kumimoji="0" lang="de-DE" altLang="de-DE" sz="1200" b="0" i="0" u="none" strike="noStrike" cap="none" normalizeH="0" baseline="0" dirty="0" err="1" smtClean="0">
+                <a:ln>
+                  <a:noFill/>
+                </a:ln>
+                <a:solidFill>
+                  <a:srgbClr val="2B91AF"/>
+                </a:solidFill>
+                <a:effectLst/>
+                <a:latin typeface="Consolas" panose="020B0609020204030204" pitchFamily="49" charset="0"/>
+                <a:cs typeface="Consolas" panose="020B0609020204030204" pitchFamily="49" charset="0"/>
+              </a:rPr>
+              <a:t>ResultCollection</a:t>
+            </a:r>
+            <a:r>
+              <a:rPr kumimoji="0" lang="de-DE" altLang="de-DE" sz="1200" b="0" i="0" u="none" strike="noStrike" cap="none" normalizeH="0" baseline="0" dirty="0" smtClean="0">
+                <a:ln>
+                  <a:noFill/>
+                </a:ln>
+                <a:solidFill>
+                  <a:srgbClr val="000000"/>
+                </a:solidFill>
+                <a:effectLst/>
+                <a:latin typeface="Consolas" panose="020B0609020204030204" pitchFamily="49" charset="0"/>
+                <a:cs typeface="Consolas" panose="020B0609020204030204" pitchFamily="49" charset="0"/>
+              </a:rPr>
+              <a:t> </a:t>
+            </a:r>
+            <a:r>
+              <a:rPr kumimoji="0" lang="de-DE" altLang="de-DE" sz="1200" b="0" i="0" u="none" strike="noStrike" cap="none" normalizeH="0" baseline="0" dirty="0" err="1" smtClean="0">
+                <a:ln>
+                  <a:noFill/>
+                </a:ln>
+                <a:solidFill>
+                  <a:srgbClr val="000000"/>
+                </a:solidFill>
+                <a:effectLst/>
+                <a:latin typeface="Consolas" panose="020B0609020204030204" pitchFamily="49" charset="0"/>
+                <a:cs typeface="Consolas" panose="020B0609020204030204" pitchFamily="49" charset="0"/>
+              </a:rPr>
+              <a:t>results</a:t>
+            </a:r>
+            <a:r>
+              <a:rPr kumimoji="0" lang="de-DE" altLang="de-DE" sz="1200" b="0" i="0" u="none" strike="noStrike" cap="none" normalizeH="0" baseline="0" dirty="0" smtClean="0">
+                <a:ln>
+                  <a:noFill/>
+                </a:ln>
+                <a:solidFill>
+                  <a:srgbClr val="000000"/>
+                </a:solidFill>
+                <a:effectLst/>
+                <a:latin typeface="Consolas" panose="020B0609020204030204" pitchFamily="49" charset="0"/>
+                <a:cs typeface="Consolas" panose="020B0609020204030204" pitchFamily="49" charset="0"/>
+              </a:rPr>
+              <a:t>, </a:t>
+            </a:r>
+            <a:r>
+              <a:rPr kumimoji="0" lang="de-DE" altLang="de-DE" sz="1200" b="0" i="0" u="none" strike="noStrike" cap="none" normalizeH="0" baseline="0" dirty="0" err="1" smtClean="0">
+                <a:ln>
+                  <a:noFill/>
+                </a:ln>
+                <a:solidFill>
+                  <a:srgbClr val="2B91AF"/>
+                </a:solidFill>
+                <a:effectLst/>
                 <a:latin typeface="Consolas" panose="020B0609020204030204" pitchFamily="49" charset="0"/>
                 <a:cs typeface="Consolas" panose="020B0609020204030204" pitchFamily="49" charset="0"/>
               </a:rPr>
               <a:t>IRandom</a:t>
             </a:r>
             <a:r>
-              <a:rPr lang="de-DE" sz="1600" dirty="0" smtClean="0">
-                <a:latin typeface="Consolas" panose="020B0609020204030204" pitchFamily="49" charset="0"/>
-                <a:cs typeface="Consolas" panose="020B0609020204030204" pitchFamily="49" charset="0"/>
-              </a:rPr>
-              <a:t> </a:t>
-            </a:r>
-            <a:r>
-              <a:rPr lang="de-DE" sz="1600" dirty="0" err="1">
+              <a:rPr kumimoji="0" lang="de-DE" altLang="de-DE" sz="1200" b="0" i="0" u="none" strike="noStrike" cap="none" normalizeH="0" baseline="0" dirty="0" smtClean="0">
+                <a:ln>
+                  <a:noFill/>
+                </a:ln>
+                <a:solidFill>
+                  <a:srgbClr val="000000"/>
+                </a:solidFill>
+                <a:effectLst/>
+                <a:latin typeface="Consolas" panose="020B0609020204030204" pitchFamily="49" charset="0"/>
+                <a:cs typeface="Consolas" panose="020B0609020204030204" pitchFamily="49" charset="0"/>
+              </a:rPr>
+              <a:t> </a:t>
+            </a:r>
+            <a:r>
+              <a:rPr kumimoji="0" lang="de-DE" altLang="de-DE" sz="1200" b="0" i="0" u="none" strike="noStrike" cap="none" normalizeH="0" baseline="0" dirty="0" err="1" smtClean="0">
+                <a:ln>
+                  <a:noFill/>
+                </a:ln>
+                <a:solidFill>
+                  <a:srgbClr val="000000"/>
+                </a:solidFill>
+                <a:effectLst/>
                 <a:latin typeface="Consolas" panose="020B0609020204030204" pitchFamily="49" charset="0"/>
                 <a:cs typeface="Consolas" panose="020B0609020204030204" pitchFamily="49" charset="0"/>
               </a:rPr>
               <a:t>random</a:t>
             </a:r>
             <a:r>
-              <a:rPr lang="de-DE" sz="1600" dirty="0">
-                <a:latin typeface="Consolas" panose="020B0609020204030204" pitchFamily="49" charset="0"/>
-                <a:cs typeface="Consolas" panose="020B0609020204030204" pitchFamily="49" charset="0"/>
-              </a:rPr>
-              <a:t>) {</a:t>
-            </a:r>
-            <a:br>
-              <a:rPr lang="de-DE" sz="1600" dirty="0">
-                <a:latin typeface="Consolas" panose="020B0609020204030204" pitchFamily="49" charset="0"/>
-                <a:cs typeface="Consolas" panose="020B0609020204030204" pitchFamily="49" charset="0"/>
-              </a:rPr>
-            </a:br>
-            <a:r>
-              <a:rPr lang="de-DE" sz="1600" dirty="0">
-                <a:latin typeface="Consolas" panose="020B0609020204030204" pitchFamily="49" charset="0"/>
-                <a:cs typeface="Consolas" panose="020B0609020204030204" pitchFamily="49" charset="0"/>
-              </a:rPr>
-              <a:t>        </a:t>
-            </a:r>
-            <a:r>
-              <a:rPr lang="de-DE" sz="1600" dirty="0" err="1">
-                <a:solidFill>
-                  <a:srgbClr val="000080"/>
-                </a:solidFill>
-                <a:latin typeface="Consolas" panose="020B0609020204030204" pitchFamily="49" charset="0"/>
-                <a:cs typeface="Consolas" panose="020B0609020204030204" pitchFamily="49" charset="0"/>
-              </a:rPr>
-              <a:t>return</a:t>
-            </a:r>
-            <a:r>
-              <a:rPr lang="de-DE" sz="1600" dirty="0">
-                <a:latin typeface="Consolas" panose="020B0609020204030204" pitchFamily="49" charset="0"/>
-                <a:cs typeface="Consolas" panose="020B0609020204030204" pitchFamily="49" charset="0"/>
-              </a:rPr>
-              <a:t> </a:t>
-            </a:r>
-            <a:r>
-              <a:rPr lang="de-DE" sz="1600" dirty="0" err="1">
-                <a:latin typeface="Consolas" panose="020B0609020204030204" pitchFamily="49" charset="0"/>
-                <a:cs typeface="Consolas" panose="020B0609020204030204" pitchFamily="49" charset="0"/>
-              </a:rPr>
-              <a:t>individual.</a:t>
-            </a:r>
-            <a:r>
-              <a:rPr lang="de-DE" sz="1600" b="1" dirty="0" err="1">
-                <a:solidFill>
-                  <a:srgbClr val="191970"/>
-                </a:solidFill>
-                <a:latin typeface="Consolas" panose="020B0609020204030204" pitchFamily="49" charset="0"/>
-                <a:cs typeface="Consolas" panose="020B0609020204030204" pitchFamily="49" charset="0"/>
-              </a:rPr>
-              <a:t>BinaryVector</a:t>
-            </a:r>
-            <a:r>
-              <a:rPr lang="de-DE" sz="1600" dirty="0">
-                <a:latin typeface="Consolas" panose="020B0609020204030204" pitchFamily="49" charset="0"/>
-                <a:cs typeface="Consolas" panose="020B0609020204030204" pitchFamily="49" charset="0"/>
-              </a:rPr>
-              <a:t>().</a:t>
-            </a:r>
-            <a:r>
-              <a:rPr lang="de-DE" sz="1600" b="1" dirty="0">
-                <a:solidFill>
-                  <a:srgbClr val="191970"/>
-                </a:solidFill>
-                <a:latin typeface="Consolas" panose="020B0609020204030204" pitchFamily="49" charset="0"/>
-                <a:cs typeface="Consolas" panose="020B0609020204030204" pitchFamily="49" charset="0"/>
-              </a:rPr>
-              <a:t>Count</a:t>
-            </a:r>
-            <a:r>
-              <a:rPr lang="de-DE" sz="1600" dirty="0">
-                <a:latin typeface="Consolas" panose="020B0609020204030204" pitchFamily="49" charset="0"/>
-                <a:cs typeface="Consolas" panose="020B0609020204030204" pitchFamily="49" charset="0"/>
-              </a:rPr>
-              <a:t>(b =&gt; b);</a:t>
-            </a:r>
-            <a:br>
-              <a:rPr lang="de-DE" sz="1600" dirty="0">
-                <a:latin typeface="Consolas" panose="020B0609020204030204" pitchFamily="49" charset="0"/>
-                <a:cs typeface="Consolas" panose="020B0609020204030204" pitchFamily="49" charset="0"/>
-              </a:rPr>
-            </a:br>
-            <a:r>
-              <a:rPr lang="de-DE" sz="1600" dirty="0">
-                <a:latin typeface="Consolas" panose="020B0609020204030204" pitchFamily="49" charset="0"/>
-                <a:cs typeface="Consolas" panose="020B0609020204030204" pitchFamily="49" charset="0"/>
-              </a:rPr>
-              <a:t>      }</a:t>
-            </a:r>
-            <a:br>
-              <a:rPr lang="de-DE" sz="1600" dirty="0">
-                <a:latin typeface="Consolas" panose="020B0609020204030204" pitchFamily="49" charset="0"/>
-                <a:cs typeface="Consolas" panose="020B0609020204030204" pitchFamily="49" charset="0"/>
-              </a:rPr>
-            </a:br>
-            <a:r>
-              <a:rPr lang="de-DE" sz="1600" dirty="0">
-                <a:latin typeface="Consolas" panose="020B0609020204030204" pitchFamily="49" charset="0"/>
-                <a:cs typeface="Consolas" panose="020B0609020204030204" pitchFamily="49" charset="0"/>
-              </a:rPr>
-              <a:t>   }</a:t>
-            </a:r>
-            <a:endParaRPr lang="en-GB" sz="1600" dirty="0">
-              <a:latin typeface="Consolas" panose="020B0609020204030204" pitchFamily="49" charset="0"/>
-              <a:cs typeface="Consolas" panose="020B0609020204030204" pitchFamily="49" charset="0"/>
+              <a:rPr kumimoji="0" lang="de-DE" altLang="de-DE" sz="1200" b="0" i="0" u="none" strike="noStrike" cap="none" normalizeH="0" baseline="0" dirty="0" smtClean="0">
+                <a:ln>
+                  <a:noFill/>
+                </a:ln>
+                <a:solidFill>
+                  <a:srgbClr val="000000"/>
+                </a:solidFill>
+                <a:effectLst/>
+                <a:latin typeface="Consolas" panose="020B0609020204030204" pitchFamily="49" charset="0"/>
+                <a:cs typeface="Consolas" panose="020B0609020204030204" pitchFamily="49" charset="0"/>
+              </a:rPr>
+              <a:t>); </a:t>
+            </a:r>
+            <a:endParaRPr kumimoji="0" lang="de-DE" altLang="de-DE" sz="3200" b="0" i="0" u="none" strike="noStrike" cap="none" normalizeH="0" baseline="0" dirty="0" smtClean="0">
+              <a:ln>
+                <a:noFill/>
+              </a:ln>
+              <a:solidFill>
+                <a:schemeClr val="tx1"/>
+              </a:solidFill>
+              <a:effectLst/>
+              <a:latin typeface="Arial" panose="020B0604020202020204" pitchFamily="34" charset="0"/>
             </a:endParaRPr>
           </a:p>
         </p:txBody>
@@ -19457,7 +18439,7 @@
     </p:spTree>
     <p:extLst>
       <p:ext uri="{BB962C8B-B14F-4D97-AF65-F5344CB8AC3E}">
-        <p14:creationId xmlns:p14="http://schemas.microsoft.com/office/powerpoint/2010/main" val="3015188310"/>
+        <p14:creationId xmlns:p14="http://schemas.microsoft.com/office/powerpoint/2010/main" val="3011968941"/>
       </p:ext>
     </p:extLst>
   </p:cSld>
@@ -19503,6 +18485,1184 @@
         </p:nvSpPr>
         <p:spPr/>
         <p:txBody>
+          <a:bodyPr>
+            <a:normAutofit fontScale="90000"/>
+          </a:bodyPr>
+          <a:lstStyle/>
+          <a:p>
+            <a:r>
+              <a:rPr lang="en-GB" dirty="0" err="1" smtClean="0"/>
+              <a:t>BasicProblem</a:t>
+            </a:r>
+            <a:r>
+              <a:rPr lang="en-GB" dirty="0" smtClean="0"/>
+              <a:t> – Example: </a:t>
+            </a:r>
+            <a:r>
+              <a:rPr lang="en-GB" dirty="0" err="1" smtClean="0"/>
+              <a:t>OneMax</a:t>
+            </a:r>
+            <a:endParaRPr lang="en-GB" dirty="0"/>
+          </a:p>
+        </p:txBody>
+      </p:sp>
+      <p:sp>
+        <p:nvSpPr>
+          <p:cNvPr id="4" name="Datumsplatzhalter 3"/>
+          <p:cNvSpPr>
+            <a:spLocks noGrp="1"/>
+          </p:cNvSpPr>
+          <p:nvPr>
+            <p:ph type="dt" sz="half" idx="10"/>
+          </p:nvPr>
+        </p:nvSpPr>
+        <p:spPr/>
+        <p:txBody>
+          <a:bodyPr/>
+          <a:lstStyle/>
+          <a:p>
+            <a:r>
+              <a:rPr lang="de-DE" smtClean="0"/>
+              <a:t>Programming HeuristicLab</a:t>
+            </a:r>
+            <a:endParaRPr lang="de-DE" dirty="0"/>
+          </a:p>
+        </p:txBody>
+      </p:sp>
+      <p:sp>
+        <p:nvSpPr>
+          <p:cNvPr id="5" name="Fußzeilenplatzhalter 4"/>
+          <p:cNvSpPr>
+            <a:spLocks noGrp="1"/>
+          </p:cNvSpPr>
+          <p:nvPr>
+            <p:ph type="ftr" sz="quarter" idx="11"/>
+          </p:nvPr>
+        </p:nvSpPr>
+        <p:spPr/>
+        <p:txBody>
+          <a:bodyPr/>
+          <a:lstStyle/>
+          <a:p>
+            <a:r>
+              <a:rPr lang="de-DE" smtClean="0"/>
+              <a:t>http://dev.heuristiclab.com</a:t>
+            </a:r>
+            <a:endParaRPr lang="de-DE"/>
+          </a:p>
+        </p:txBody>
+      </p:sp>
+      <p:sp>
+        <p:nvSpPr>
+          <p:cNvPr id="6" name="Foliennummernplatzhalter 5"/>
+          <p:cNvSpPr>
+            <a:spLocks noGrp="1"/>
+          </p:cNvSpPr>
+          <p:nvPr>
+            <p:ph type="sldNum" sz="quarter" idx="12"/>
+          </p:nvPr>
+        </p:nvSpPr>
+        <p:spPr/>
+        <p:txBody>
+          <a:bodyPr/>
+          <a:lstStyle/>
+          <a:p>
+            <a:fld id="{6C6AE60A-B69C-4790-82F7-3882EDF23186}" type="slidenum">
+              <a:rPr lang="de-DE" smtClean="0"/>
+              <a:pPr/>
+              <a:t>38</a:t>
+            </a:fld>
+            <a:endParaRPr lang="de-DE"/>
+          </a:p>
+        </p:txBody>
+      </p:sp>
+      <p:sp>
+        <p:nvSpPr>
+          <p:cNvPr id="7" name="Rechteck 6"/>
+          <p:cNvSpPr/>
+          <p:nvPr/>
+        </p:nvSpPr>
+        <p:spPr>
+          <a:xfrm>
+            <a:off x="431540" y="1595319"/>
+            <a:ext cx="8388932" cy="4524315"/>
+          </a:xfrm>
+          <a:prstGeom prst="rect">
+            <a:avLst/>
+          </a:prstGeom>
+        </p:spPr>
+        <p:txBody>
+          <a:bodyPr wrap="square">
+            <a:spAutoFit/>
+          </a:bodyPr>
+          <a:lstStyle/>
+          <a:p>
+            <a:r>
+              <a:rPr lang="de-DE" sz="1600" dirty="0" err="1">
+                <a:solidFill>
+                  <a:srgbClr val="FF0000"/>
+                </a:solidFill>
+                <a:latin typeface="Consolas" panose="020B0609020204030204" pitchFamily="49" charset="0"/>
+                <a:cs typeface="Consolas" panose="020B0609020204030204" pitchFamily="49" charset="0"/>
+              </a:rPr>
+              <a:t>class</a:t>
+            </a:r>
+            <a:r>
+              <a:rPr lang="de-DE" sz="1600" dirty="0">
+                <a:latin typeface="Consolas" panose="020B0609020204030204" pitchFamily="49" charset="0"/>
+                <a:cs typeface="Consolas" panose="020B0609020204030204" pitchFamily="49" charset="0"/>
+              </a:rPr>
+              <a:t> </a:t>
+            </a:r>
+            <a:r>
+              <a:rPr lang="de-DE" sz="1600" dirty="0" err="1">
+                <a:latin typeface="Consolas" panose="020B0609020204030204" pitchFamily="49" charset="0"/>
+                <a:cs typeface="Consolas" panose="020B0609020204030204" pitchFamily="49" charset="0"/>
+              </a:rPr>
+              <a:t>OneMaxProblem</a:t>
+            </a:r>
+            <a:r>
+              <a:rPr lang="de-DE" sz="1600" dirty="0">
+                <a:latin typeface="Consolas" panose="020B0609020204030204" pitchFamily="49" charset="0"/>
+                <a:cs typeface="Consolas" panose="020B0609020204030204" pitchFamily="49" charset="0"/>
+              </a:rPr>
+              <a:t> : </a:t>
+            </a:r>
+            <a:r>
+              <a:rPr lang="de-DE" sz="1600" dirty="0" err="1">
+                <a:latin typeface="Consolas" panose="020B0609020204030204" pitchFamily="49" charset="0"/>
+                <a:cs typeface="Consolas" panose="020B0609020204030204" pitchFamily="49" charset="0"/>
+              </a:rPr>
+              <a:t>SingleObjectiveBasicProblem</a:t>
+            </a:r>
+            <a:r>
+              <a:rPr lang="de-DE" sz="1600" dirty="0">
+                <a:latin typeface="Consolas" panose="020B0609020204030204" pitchFamily="49" charset="0"/>
+                <a:cs typeface="Consolas" panose="020B0609020204030204" pitchFamily="49" charset="0"/>
+              </a:rPr>
+              <a:t>&lt;</a:t>
+            </a:r>
+            <a:r>
+              <a:rPr lang="de-DE" sz="1600" dirty="0" err="1">
+                <a:latin typeface="Consolas" panose="020B0609020204030204" pitchFamily="49" charset="0"/>
+                <a:cs typeface="Consolas" panose="020B0609020204030204" pitchFamily="49" charset="0"/>
+              </a:rPr>
+              <a:t>BinaryVectorEncoding</a:t>
+            </a:r>
+            <a:r>
+              <a:rPr lang="de-DE" sz="1600" dirty="0">
+                <a:latin typeface="Consolas" panose="020B0609020204030204" pitchFamily="49" charset="0"/>
+                <a:cs typeface="Consolas" panose="020B0609020204030204" pitchFamily="49" charset="0"/>
+              </a:rPr>
+              <a:t>&gt; {</a:t>
+            </a:r>
+            <a:br>
+              <a:rPr lang="de-DE" sz="1600" dirty="0">
+                <a:latin typeface="Consolas" panose="020B0609020204030204" pitchFamily="49" charset="0"/>
+                <a:cs typeface="Consolas" panose="020B0609020204030204" pitchFamily="49" charset="0"/>
+              </a:rPr>
+            </a:br>
+            <a:r>
+              <a:rPr lang="de-DE" sz="1600" dirty="0">
+                <a:latin typeface="Consolas" panose="020B0609020204030204" pitchFamily="49" charset="0"/>
+                <a:cs typeface="Consolas" panose="020B0609020204030204" pitchFamily="49" charset="0"/>
+              </a:rPr>
+              <a:t>      </a:t>
+            </a:r>
+            <a:r>
+              <a:rPr lang="de-DE" sz="1600" b="1" dirty="0" err="1">
+                <a:solidFill>
+                  <a:srgbClr val="0000FF"/>
+                </a:solidFill>
+                <a:latin typeface="Consolas" panose="020B0609020204030204" pitchFamily="49" charset="0"/>
+                <a:cs typeface="Consolas" panose="020B0609020204030204" pitchFamily="49" charset="0"/>
+              </a:rPr>
+              <a:t>public</a:t>
+            </a:r>
+            <a:r>
+              <a:rPr lang="de-DE" sz="1600" dirty="0">
+                <a:latin typeface="Consolas" panose="020B0609020204030204" pitchFamily="49" charset="0"/>
+                <a:cs typeface="Consolas" panose="020B0609020204030204" pitchFamily="49" charset="0"/>
+              </a:rPr>
+              <a:t> </a:t>
+            </a:r>
+            <a:r>
+              <a:rPr lang="de-DE" sz="1600" b="1" dirty="0" err="1">
+                <a:solidFill>
+                  <a:srgbClr val="191970"/>
+                </a:solidFill>
+                <a:latin typeface="Consolas" panose="020B0609020204030204" pitchFamily="49" charset="0"/>
+                <a:cs typeface="Consolas" panose="020B0609020204030204" pitchFamily="49" charset="0"/>
+              </a:rPr>
+              <a:t>OneMaxProblem</a:t>
+            </a:r>
+            <a:r>
+              <a:rPr lang="de-DE" sz="1600" dirty="0">
+                <a:latin typeface="Consolas" panose="020B0609020204030204" pitchFamily="49" charset="0"/>
+                <a:cs typeface="Consolas" panose="020B0609020204030204" pitchFamily="49" charset="0"/>
+              </a:rPr>
+              <a:t>() { } </a:t>
+            </a:r>
+            <a:br>
+              <a:rPr lang="de-DE" sz="1600" dirty="0">
+                <a:latin typeface="Consolas" panose="020B0609020204030204" pitchFamily="49" charset="0"/>
+                <a:cs typeface="Consolas" panose="020B0609020204030204" pitchFamily="49" charset="0"/>
+              </a:rPr>
+            </a:br>
+            <a:r>
+              <a:rPr lang="de-DE" sz="1600" dirty="0">
+                <a:latin typeface="Consolas" panose="020B0609020204030204" pitchFamily="49" charset="0"/>
+                <a:cs typeface="Consolas" panose="020B0609020204030204" pitchFamily="49" charset="0"/>
+              </a:rPr>
+              <a:t>      [</a:t>
+            </a:r>
+            <a:r>
+              <a:rPr lang="de-DE" sz="1600" dirty="0" err="1">
+                <a:latin typeface="Consolas" panose="020B0609020204030204" pitchFamily="49" charset="0"/>
+                <a:cs typeface="Consolas" panose="020B0609020204030204" pitchFamily="49" charset="0"/>
+              </a:rPr>
+              <a:t>StorableConstructor</a:t>
+            </a:r>
+            <a:r>
+              <a:rPr lang="de-DE" sz="1600" dirty="0">
+                <a:latin typeface="Consolas" panose="020B0609020204030204" pitchFamily="49" charset="0"/>
+                <a:cs typeface="Consolas" panose="020B0609020204030204" pitchFamily="49" charset="0"/>
+              </a:rPr>
+              <a:t>]</a:t>
+            </a:r>
+            <a:br>
+              <a:rPr lang="de-DE" sz="1600" dirty="0">
+                <a:latin typeface="Consolas" panose="020B0609020204030204" pitchFamily="49" charset="0"/>
+                <a:cs typeface="Consolas" panose="020B0609020204030204" pitchFamily="49" charset="0"/>
+              </a:rPr>
+            </a:br>
+            <a:r>
+              <a:rPr lang="de-DE" sz="1600" dirty="0">
+                <a:latin typeface="Consolas" panose="020B0609020204030204" pitchFamily="49" charset="0"/>
+                <a:cs typeface="Consolas" panose="020B0609020204030204" pitchFamily="49" charset="0"/>
+              </a:rPr>
+              <a:t>      </a:t>
+            </a:r>
+            <a:r>
+              <a:rPr lang="de-DE" sz="1600" b="1" dirty="0" err="1">
+                <a:solidFill>
+                  <a:srgbClr val="0000FF"/>
+                </a:solidFill>
+                <a:latin typeface="Consolas" panose="020B0609020204030204" pitchFamily="49" charset="0"/>
+                <a:cs typeface="Consolas" panose="020B0609020204030204" pitchFamily="49" charset="0"/>
+              </a:rPr>
+              <a:t>protected</a:t>
+            </a:r>
+            <a:r>
+              <a:rPr lang="de-DE" sz="1600" dirty="0">
+                <a:latin typeface="Consolas" panose="020B0609020204030204" pitchFamily="49" charset="0"/>
+                <a:cs typeface="Consolas" panose="020B0609020204030204" pitchFamily="49" charset="0"/>
+              </a:rPr>
+              <a:t> </a:t>
+            </a:r>
+            <a:r>
+              <a:rPr lang="de-DE" sz="1600" b="1" dirty="0" err="1">
+                <a:solidFill>
+                  <a:srgbClr val="191970"/>
+                </a:solidFill>
+                <a:latin typeface="Consolas" panose="020B0609020204030204" pitchFamily="49" charset="0"/>
+                <a:cs typeface="Consolas" panose="020B0609020204030204" pitchFamily="49" charset="0"/>
+              </a:rPr>
+              <a:t>OneMaxProblem</a:t>
+            </a:r>
+            <a:r>
+              <a:rPr lang="de-DE" sz="1600" dirty="0">
+                <a:latin typeface="Consolas" panose="020B0609020204030204" pitchFamily="49" charset="0"/>
+                <a:cs typeface="Consolas" panose="020B0609020204030204" pitchFamily="49" charset="0"/>
+              </a:rPr>
+              <a:t>(</a:t>
+            </a:r>
+            <a:r>
+              <a:rPr lang="de-DE" sz="1600" b="1" dirty="0" err="1">
+                <a:solidFill>
+                  <a:srgbClr val="FF0000"/>
+                </a:solidFill>
+                <a:latin typeface="Consolas" panose="020B0609020204030204" pitchFamily="49" charset="0"/>
+                <a:cs typeface="Consolas" panose="020B0609020204030204" pitchFamily="49" charset="0"/>
+              </a:rPr>
+              <a:t>bool</a:t>
+            </a:r>
+            <a:r>
+              <a:rPr lang="de-DE" sz="1600" dirty="0">
+                <a:latin typeface="Consolas" panose="020B0609020204030204" pitchFamily="49" charset="0"/>
+                <a:cs typeface="Consolas" panose="020B0609020204030204" pitchFamily="49" charset="0"/>
+              </a:rPr>
+              <a:t> </a:t>
+            </a:r>
+            <a:r>
+              <a:rPr lang="de-DE" sz="1600" dirty="0" err="1">
+                <a:latin typeface="Consolas" panose="020B0609020204030204" pitchFamily="49" charset="0"/>
+                <a:cs typeface="Consolas" panose="020B0609020204030204" pitchFamily="49" charset="0"/>
+              </a:rPr>
+              <a:t>deserializing</a:t>
+            </a:r>
+            <a:r>
+              <a:rPr lang="de-DE" sz="1600" dirty="0">
+                <a:latin typeface="Consolas" panose="020B0609020204030204" pitchFamily="49" charset="0"/>
+                <a:cs typeface="Consolas" panose="020B0609020204030204" pitchFamily="49" charset="0"/>
+              </a:rPr>
+              <a:t>) : </a:t>
+            </a:r>
+            <a:r>
+              <a:rPr lang="de-DE" sz="1600" b="1" dirty="0" err="1">
+                <a:latin typeface="Consolas" panose="020B0609020204030204" pitchFamily="49" charset="0"/>
+                <a:cs typeface="Consolas" panose="020B0609020204030204" pitchFamily="49" charset="0"/>
+              </a:rPr>
+              <a:t>base</a:t>
+            </a:r>
+            <a:r>
+              <a:rPr lang="de-DE" sz="1600" dirty="0">
+                <a:latin typeface="Consolas" panose="020B0609020204030204" pitchFamily="49" charset="0"/>
+                <a:cs typeface="Consolas" panose="020B0609020204030204" pitchFamily="49" charset="0"/>
+              </a:rPr>
+              <a:t>(</a:t>
+            </a:r>
+            <a:r>
+              <a:rPr lang="de-DE" sz="1600" dirty="0" err="1">
+                <a:latin typeface="Consolas" panose="020B0609020204030204" pitchFamily="49" charset="0"/>
+                <a:cs typeface="Consolas" panose="020B0609020204030204" pitchFamily="49" charset="0"/>
+              </a:rPr>
+              <a:t>deserializing</a:t>
+            </a:r>
+            <a:r>
+              <a:rPr lang="de-DE" sz="1600" dirty="0">
+                <a:latin typeface="Consolas" panose="020B0609020204030204" pitchFamily="49" charset="0"/>
+                <a:cs typeface="Consolas" panose="020B0609020204030204" pitchFamily="49" charset="0"/>
+              </a:rPr>
+              <a:t>) { }</a:t>
+            </a:r>
+            <a:br>
+              <a:rPr lang="de-DE" sz="1600" dirty="0">
+                <a:latin typeface="Consolas" panose="020B0609020204030204" pitchFamily="49" charset="0"/>
+                <a:cs typeface="Consolas" panose="020B0609020204030204" pitchFamily="49" charset="0"/>
+              </a:rPr>
+            </a:br>
+            <a:r>
+              <a:rPr lang="de-DE" sz="1600" dirty="0">
+                <a:latin typeface="Consolas" panose="020B0609020204030204" pitchFamily="49" charset="0"/>
+                <a:cs typeface="Consolas" panose="020B0609020204030204" pitchFamily="49" charset="0"/>
+              </a:rPr>
+              <a:t>      </a:t>
+            </a:r>
+            <a:r>
+              <a:rPr lang="de-DE" sz="1600" b="1" dirty="0" err="1">
+                <a:solidFill>
+                  <a:srgbClr val="0000FF"/>
+                </a:solidFill>
+                <a:latin typeface="Consolas" panose="020B0609020204030204" pitchFamily="49" charset="0"/>
+                <a:cs typeface="Consolas" panose="020B0609020204030204" pitchFamily="49" charset="0"/>
+              </a:rPr>
+              <a:t>public</a:t>
+            </a:r>
+            <a:r>
+              <a:rPr lang="de-DE" sz="1600" dirty="0">
+                <a:latin typeface="Consolas" panose="020B0609020204030204" pitchFamily="49" charset="0"/>
+                <a:cs typeface="Consolas" panose="020B0609020204030204" pitchFamily="49" charset="0"/>
+              </a:rPr>
+              <a:t> </a:t>
+            </a:r>
+            <a:r>
+              <a:rPr lang="de-DE" sz="1600" b="1" dirty="0" err="1">
+                <a:solidFill>
+                  <a:srgbClr val="191970"/>
+                </a:solidFill>
+                <a:latin typeface="Consolas" panose="020B0609020204030204" pitchFamily="49" charset="0"/>
+                <a:cs typeface="Consolas" panose="020B0609020204030204" pitchFamily="49" charset="0"/>
+              </a:rPr>
+              <a:t>OneMaxProblem</a:t>
+            </a:r>
+            <a:r>
+              <a:rPr lang="de-DE" sz="1600" dirty="0">
+                <a:latin typeface="Consolas" panose="020B0609020204030204" pitchFamily="49" charset="0"/>
+                <a:cs typeface="Consolas" panose="020B0609020204030204" pitchFamily="49" charset="0"/>
+              </a:rPr>
+              <a:t>(</a:t>
+            </a:r>
+            <a:r>
+              <a:rPr lang="de-DE" sz="1600" dirty="0" err="1">
+                <a:latin typeface="Consolas" panose="020B0609020204030204" pitchFamily="49" charset="0"/>
+                <a:cs typeface="Consolas" panose="020B0609020204030204" pitchFamily="49" charset="0"/>
+              </a:rPr>
+              <a:t>OneMaxProblem</a:t>
+            </a:r>
+            <a:r>
+              <a:rPr lang="de-DE" sz="1600" dirty="0">
+                <a:latin typeface="Consolas" panose="020B0609020204030204" pitchFamily="49" charset="0"/>
+                <a:cs typeface="Consolas" panose="020B0609020204030204" pitchFamily="49" charset="0"/>
+              </a:rPr>
+              <a:t> </a:t>
+            </a:r>
+            <a:r>
+              <a:rPr lang="de-DE" sz="1600" dirty="0" err="1">
+                <a:latin typeface="Consolas" panose="020B0609020204030204" pitchFamily="49" charset="0"/>
+                <a:cs typeface="Consolas" panose="020B0609020204030204" pitchFamily="49" charset="0"/>
+              </a:rPr>
+              <a:t>alg</a:t>
+            </a:r>
+            <a:r>
+              <a:rPr lang="de-DE" sz="1600" dirty="0">
+                <a:latin typeface="Consolas" panose="020B0609020204030204" pitchFamily="49" charset="0"/>
+                <a:cs typeface="Consolas" panose="020B0609020204030204" pitchFamily="49" charset="0"/>
+              </a:rPr>
+              <a:t>, </a:t>
+            </a:r>
+            <a:r>
+              <a:rPr lang="de-DE" sz="1600" dirty="0" err="1">
+                <a:latin typeface="Consolas" panose="020B0609020204030204" pitchFamily="49" charset="0"/>
+                <a:cs typeface="Consolas" panose="020B0609020204030204" pitchFamily="49" charset="0"/>
+              </a:rPr>
+              <a:t>Cloner</a:t>
+            </a:r>
+            <a:r>
+              <a:rPr lang="de-DE" sz="1600" dirty="0">
+                <a:latin typeface="Consolas" panose="020B0609020204030204" pitchFamily="49" charset="0"/>
+                <a:cs typeface="Consolas" panose="020B0609020204030204" pitchFamily="49" charset="0"/>
+              </a:rPr>
+              <a:t> </a:t>
+            </a:r>
+            <a:r>
+              <a:rPr lang="de-DE" sz="1600" dirty="0" err="1">
+                <a:latin typeface="Consolas" panose="020B0609020204030204" pitchFamily="49" charset="0"/>
+                <a:cs typeface="Consolas" panose="020B0609020204030204" pitchFamily="49" charset="0"/>
+              </a:rPr>
+              <a:t>cloner</a:t>
+            </a:r>
+            <a:r>
+              <a:rPr lang="de-DE" sz="1600" dirty="0">
+                <a:latin typeface="Consolas" panose="020B0609020204030204" pitchFamily="49" charset="0"/>
+                <a:cs typeface="Consolas" panose="020B0609020204030204" pitchFamily="49" charset="0"/>
+              </a:rPr>
+              <a:t>) </a:t>
+            </a:r>
+            <a:endParaRPr lang="de-DE" sz="1600" dirty="0" smtClean="0">
+              <a:latin typeface="Consolas" panose="020B0609020204030204" pitchFamily="49" charset="0"/>
+              <a:cs typeface="Consolas" panose="020B0609020204030204" pitchFamily="49" charset="0"/>
+            </a:endParaRPr>
+          </a:p>
+          <a:p>
+            <a:r>
+              <a:rPr lang="de-DE" sz="1600" dirty="0">
+                <a:latin typeface="Consolas" panose="020B0609020204030204" pitchFamily="49" charset="0"/>
+                <a:cs typeface="Consolas" panose="020B0609020204030204" pitchFamily="49" charset="0"/>
+              </a:rPr>
+              <a:t>	</a:t>
+            </a:r>
+            <a:r>
+              <a:rPr lang="de-DE" sz="1600" dirty="0" smtClean="0">
+                <a:latin typeface="Consolas" panose="020B0609020204030204" pitchFamily="49" charset="0"/>
+                <a:cs typeface="Consolas" panose="020B0609020204030204" pitchFamily="49" charset="0"/>
+              </a:rPr>
+              <a:t>: </a:t>
+            </a:r>
+            <a:r>
+              <a:rPr lang="de-DE" sz="1600" b="1" dirty="0" err="1">
+                <a:latin typeface="Consolas" panose="020B0609020204030204" pitchFamily="49" charset="0"/>
+                <a:cs typeface="Consolas" panose="020B0609020204030204" pitchFamily="49" charset="0"/>
+              </a:rPr>
+              <a:t>base</a:t>
+            </a:r>
+            <a:r>
+              <a:rPr lang="de-DE" sz="1600" dirty="0">
+                <a:latin typeface="Consolas" panose="020B0609020204030204" pitchFamily="49" charset="0"/>
+                <a:cs typeface="Consolas" panose="020B0609020204030204" pitchFamily="49" charset="0"/>
+              </a:rPr>
+              <a:t>(</a:t>
+            </a:r>
+            <a:r>
+              <a:rPr lang="de-DE" sz="1600" dirty="0" err="1">
+                <a:latin typeface="Consolas" panose="020B0609020204030204" pitchFamily="49" charset="0"/>
+                <a:cs typeface="Consolas" panose="020B0609020204030204" pitchFamily="49" charset="0"/>
+              </a:rPr>
+              <a:t>alg</a:t>
+            </a:r>
+            <a:r>
+              <a:rPr lang="de-DE" sz="1600" dirty="0">
+                <a:latin typeface="Consolas" panose="020B0609020204030204" pitchFamily="49" charset="0"/>
+                <a:cs typeface="Consolas" panose="020B0609020204030204" pitchFamily="49" charset="0"/>
+              </a:rPr>
+              <a:t>, </a:t>
+            </a:r>
+            <a:r>
+              <a:rPr lang="de-DE" sz="1600" dirty="0" err="1">
+                <a:latin typeface="Consolas" panose="020B0609020204030204" pitchFamily="49" charset="0"/>
+                <a:cs typeface="Consolas" panose="020B0609020204030204" pitchFamily="49" charset="0"/>
+              </a:rPr>
+              <a:t>cloner</a:t>
+            </a:r>
+            <a:r>
+              <a:rPr lang="de-DE" sz="1600" dirty="0">
+                <a:latin typeface="Consolas" panose="020B0609020204030204" pitchFamily="49" charset="0"/>
+                <a:cs typeface="Consolas" panose="020B0609020204030204" pitchFamily="49" charset="0"/>
+              </a:rPr>
+              <a:t>) { }    </a:t>
+            </a:r>
+            <a:br>
+              <a:rPr lang="de-DE" sz="1600" dirty="0">
+                <a:latin typeface="Consolas" panose="020B0609020204030204" pitchFamily="49" charset="0"/>
+                <a:cs typeface="Consolas" panose="020B0609020204030204" pitchFamily="49" charset="0"/>
+              </a:rPr>
+            </a:br>
+            <a:r>
+              <a:rPr lang="de-DE" sz="1600" dirty="0">
+                <a:latin typeface="Consolas" panose="020B0609020204030204" pitchFamily="49" charset="0"/>
+                <a:cs typeface="Consolas" panose="020B0609020204030204" pitchFamily="49" charset="0"/>
+              </a:rPr>
+              <a:t>      </a:t>
+            </a:r>
+            <a:r>
+              <a:rPr lang="de-DE" sz="1600" b="1" dirty="0" err="1">
+                <a:solidFill>
+                  <a:srgbClr val="0000FF"/>
+                </a:solidFill>
+                <a:latin typeface="Consolas" panose="020B0609020204030204" pitchFamily="49" charset="0"/>
+                <a:cs typeface="Consolas" panose="020B0609020204030204" pitchFamily="49" charset="0"/>
+              </a:rPr>
+              <a:t>public</a:t>
+            </a:r>
+            <a:r>
+              <a:rPr lang="de-DE" sz="1600" dirty="0">
+                <a:latin typeface="Consolas" panose="020B0609020204030204" pitchFamily="49" charset="0"/>
+                <a:cs typeface="Consolas" panose="020B0609020204030204" pitchFamily="49" charset="0"/>
+              </a:rPr>
+              <a:t> </a:t>
+            </a:r>
+            <a:r>
+              <a:rPr lang="de-DE" sz="1600" dirty="0" err="1">
+                <a:solidFill>
+                  <a:srgbClr val="A52A2A"/>
+                </a:solidFill>
+                <a:latin typeface="Consolas" panose="020B0609020204030204" pitchFamily="49" charset="0"/>
+                <a:cs typeface="Consolas" panose="020B0609020204030204" pitchFamily="49" charset="0"/>
+              </a:rPr>
+              <a:t>override</a:t>
+            </a:r>
+            <a:r>
+              <a:rPr lang="de-DE" sz="1600" dirty="0">
+                <a:latin typeface="Consolas" panose="020B0609020204030204" pitchFamily="49" charset="0"/>
+                <a:cs typeface="Consolas" panose="020B0609020204030204" pitchFamily="49" charset="0"/>
+              </a:rPr>
+              <a:t> </a:t>
+            </a:r>
+            <a:r>
+              <a:rPr lang="de-DE" sz="1600" dirty="0" err="1">
+                <a:latin typeface="Consolas" panose="020B0609020204030204" pitchFamily="49" charset="0"/>
+                <a:cs typeface="Consolas" panose="020B0609020204030204" pitchFamily="49" charset="0"/>
+              </a:rPr>
+              <a:t>IDeepCloneable</a:t>
+            </a:r>
+            <a:r>
+              <a:rPr lang="de-DE" sz="1600" dirty="0">
+                <a:latin typeface="Consolas" panose="020B0609020204030204" pitchFamily="49" charset="0"/>
+                <a:cs typeface="Consolas" panose="020B0609020204030204" pitchFamily="49" charset="0"/>
+              </a:rPr>
+              <a:t> </a:t>
+            </a:r>
+            <a:r>
+              <a:rPr lang="de-DE" sz="1600" b="1" dirty="0" err="1">
+                <a:solidFill>
+                  <a:srgbClr val="191970"/>
+                </a:solidFill>
+                <a:latin typeface="Consolas" panose="020B0609020204030204" pitchFamily="49" charset="0"/>
+                <a:cs typeface="Consolas" panose="020B0609020204030204" pitchFamily="49" charset="0"/>
+              </a:rPr>
+              <a:t>Clone</a:t>
+            </a:r>
+            <a:r>
+              <a:rPr lang="de-DE" sz="1600" dirty="0">
+                <a:latin typeface="Consolas" panose="020B0609020204030204" pitchFamily="49" charset="0"/>
+                <a:cs typeface="Consolas" panose="020B0609020204030204" pitchFamily="49" charset="0"/>
+              </a:rPr>
+              <a:t>(</a:t>
+            </a:r>
+            <a:r>
+              <a:rPr lang="de-DE" sz="1600" dirty="0" err="1">
+                <a:latin typeface="Consolas" panose="020B0609020204030204" pitchFamily="49" charset="0"/>
+                <a:cs typeface="Consolas" panose="020B0609020204030204" pitchFamily="49" charset="0"/>
+              </a:rPr>
+              <a:t>Cloner</a:t>
+            </a:r>
+            <a:r>
+              <a:rPr lang="de-DE" sz="1600" dirty="0">
+                <a:latin typeface="Consolas" panose="020B0609020204030204" pitchFamily="49" charset="0"/>
+                <a:cs typeface="Consolas" panose="020B0609020204030204" pitchFamily="49" charset="0"/>
+              </a:rPr>
+              <a:t> </a:t>
+            </a:r>
+            <a:r>
+              <a:rPr lang="de-DE" sz="1600" dirty="0" err="1">
+                <a:latin typeface="Consolas" panose="020B0609020204030204" pitchFamily="49" charset="0"/>
+                <a:cs typeface="Consolas" panose="020B0609020204030204" pitchFamily="49" charset="0"/>
+              </a:rPr>
+              <a:t>cloner</a:t>
+            </a:r>
+            <a:r>
+              <a:rPr lang="de-DE" sz="1600" dirty="0">
+                <a:latin typeface="Consolas" panose="020B0609020204030204" pitchFamily="49" charset="0"/>
+                <a:cs typeface="Consolas" panose="020B0609020204030204" pitchFamily="49" charset="0"/>
+              </a:rPr>
+              <a:t>) {</a:t>
+            </a:r>
+            <a:br>
+              <a:rPr lang="de-DE" sz="1600" dirty="0">
+                <a:latin typeface="Consolas" panose="020B0609020204030204" pitchFamily="49" charset="0"/>
+                <a:cs typeface="Consolas" panose="020B0609020204030204" pitchFamily="49" charset="0"/>
+              </a:rPr>
+            </a:br>
+            <a:r>
+              <a:rPr lang="de-DE" sz="1600" dirty="0">
+                <a:latin typeface="Consolas" panose="020B0609020204030204" pitchFamily="49" charset="0"/>
+                <a:cs typeface="Consolas" panose="020B0609020204030204" pitchFamily="49" charset="0"/>
+              </a:rPr>
+              <a:t>         </a:t>
+            </a:r>
+            <a:r>
+              <a:rPr lang="de-DE" sz="1600" dirty="0" err="1">
+                <a:solidFill>
+                  <a:srgbClr val="000080"/>
+                </a:solidFill>
+                <a:latin typeface="Consolas" panose="020B0609020204030204" pitchFamily="49" charset="0"/>
+                <a:cs typeface="Consolas" panose="020B0609020204030204" pitchFamily="49" charset="0"/>
+              </a:rPr>
+              <a:t>return</a:t>
+            </a:r>
+            <a:r>
+              <a:rPr lang="de-DE" sz="1600" dirty="0">
+                <a:latin typeface="Consolas" panose="020B0609020204030204" pitchFamily="49" charset="0"/>
+                <a:cs typeface="Consolas" panose="020B0609020204030204" pitchFamily="49" charset="0"/>
+              </a:rPr>
+              <a:t> </a:t>
+            </a:r>
+            <a:r>
+              <a:rPr lang="de-DE" sz="1600" b="1" dirty="0" err="1">
+                <a:solidFill>
+                  <a:srgbClr val="008B8B"/>
+                </a:solidFill>
+                <a:latin typeface="Consolas" panose="020B0609020204030204" pitchFamily="49" charset="0"/>
+                <a:cs typeface="Consolas" panose="020B0609020204030204" pitchFamily="49" charset="0"/>
+              </a:rPr>
+              <a:t>new</a:t>
+            </a:r>
+            <a:r>
+              <a:rPr lang="de-DE" sz="1600" dirty="0">
+                <a:latin typeface="Consolas" panose="020B0609020204030204" pitchFamily="49" charset="0"/>
+                <a:cs typeface="Consolas" panose="020B0609020204030204" pitchFamily="49" charset="0"/>
+              </a:rPr>
+              <a:t> </a:t>
+            </a:r>
+            <a:r>
+              <a:rPr lang="de-DE" sz="1600" b="1" dirty="0" err="1">
+                <a:solidFill>
+                  <a:srgbClr val="191970"/>
+                </a:solidFill>
+                <a:latin typeface="Consolas" panose="020B0609020204030204" pitchFamily="49" charset="0"/>
+                <a:cs typeface="Consolas" panose="020B0609020204030204" pitchFamily="49" charset="0"/>
+              </a:rPr>
+              <a:t>OneMaxProblem</a:t>
+            </a:r>
+            <a:r>
+              <a:rPr lang="de-DE" sz="1600" dirty="0">
+                <a:latin typeface="Consolas" panose="020B0609020204030204" pitchFamily="49" charset="0"/>
+                <a:cs typeface="Consolas" panose="020B0609020204030204" pitchFamily="49" charset="0"/>
+              </a:rPr>
+              <a:t>(</a:t>
+            </a:r>
+            <a:r>
+              <a:rPr lang="de-DE" sz="1600" b="1" dirty="0" err="1">
+                <a:latin typeface="Consolas" panose="020B0609020204030204" pitchFamily="49" charset="0"/>
+                <a:cs typeface="Consolas" panose="020B0609020204030204" pitchFamily="49" charset="0"/>
+              </a:rPr>
+              <a:t>this</a:t>
+            </a:r>
+            <a:r>
+              <a:rPr lang="de-DE" sz="1600" dirty="0">
+                <a:latin typeface="Consolas" panose="020B0609020204030204" pitchFamily="49" charset="0"/>
+                <a:cs typeface="Consolas" panose="020B0609020204030204" pitchFamily="49" charset="0"/>
+              </a:rPr>
+              <a:t>, </a:t>
+            </a:r>
+            <a:r>
+              <a:rPr lang="de-DE" sz="1600" dirty="0" err="1">
+                <a:latin typeface="Consolas" panose="020B0609020204030204" pitchFamily="49" charset="0"/>
+                <a:cs typeface="Consolas" panose="020B0609020204030204" pitchFamily="49" charset="0"/>
+              </a:rPr>
+              <a:t>cloner</a:t>
+            </a:r>
+            <a:r>
+              <a:rPr lang="de-DE" sz="1600" dirty="0">
+                <a:latin typeface="Consolas" panose="020B0609020204030204" pitchFamily="49" charset="0"/>
+                <a:cs typeface="Consolas" panose="020B0609020204030204" pitchFamily="49" charset="0"/>
+              </a:rPr>
+              <a:t>);</a:t>
+            </a:r>
+            <a:br>
+              <a:rPr lang="de-DE" sz="1600" dirty="0">
+                <a:latin typeface="Consolas" panose="020B0609020204030204" pitchFamily="49" charset="0"/>
+                <a:cs typeface="Consolas" panose="020B0609020204030204" pitchFamily="49" charset="0"/>
+              </a:rPr>
+            </a:br>
+            <a:r>
+              <a:rPr lang="de-DE" sz="1600" dirty="0">
+                <a:latin typeface="Consolas" panose="020B0609020204030204" pitchFamily="49" charset="0"/>
+                <a:cs typeface="Consolas" panose="020B0609020204030204" pitchFamily="49" charset="0"/>
+              </a:rPr>
+              <a:t>      }</a:t>
+            </a:r>
+            <a:br>
+              <a:rPr lang="de-DE" sz="1600" dirty="0">
+                <a:latin typeface="Consolas" panose="020B0609020204030204" pitchFamily="49" charset="0"/>
+                <a:cs typeface="Consolas" panose="020B0609020204030204" pitchFamily="49" charset="0"/>
+              </a:rPr>
+            </a:br>
+            <a:r>
+              <a:rPr lang="de-DE" sz="1600" dirty="0">
+                <a:latin typeface="Consolas" panose="020B0609020204030204" pitchFamily="49" charset="0"/>
+                <a:cs typeface="Consolas" panose="020B0609020204030204" pitchFamily="49" charset="0"/>
+              </a:rPr>
+              <a:t>      </a:t>
+            </a:r>
+            <a:br>
+              <a:rPr lang="de-DE" sz="1600" dirty="0">
+                <a:latin typeface="Consolas" panose="020B0609020204030204" pitchFamily="49" charset="0"/>
+                <a:cs typeface="Consolas" panose="020B0609020204030204" pitchFamily="49" charset="0"/>
+              </a:rPr>
+            </a:br>
+            <a:r>
+              <a:rPr lang="de-DE" sz="1600" dirty="0">
+                <a:latin typeface="Consolas" panose="020B0609020204030204" pitchFamily="49" charset="0"/>
+                <a:cs typeface="Consolas" panose="020B0609020204030204" pitchFamily="49" charset="0"/>
+              </a:rPr>
+              <a:t>      </a:t>
+            </a:r>
+            <a:r>
+              <a:rPr lang="de-DE" sz="1600" b="1" dirty="0" err="1">
+                <a:solidFill>
+                  <a:srgbClr val="0000FF"/>
+                </a:solidFill>
+                <a:latin typeface="Consolas" panose="020B0609020204030204" pitchFamily="49" charset="0"/>
+                <a:cs typeface="Consolas" panose="020B0609020204030204" pitchFamily="49" charset="0"/>
+              </a:rPr>
+              <a:t>public</a:t>
+            </a:r>
+            <a:r>
+              <a:rPr lang="de-DE" sz="1600" dirty="0">
+                <a:latin typeface="Consolas" panose="020B0609020204030204" pitchFamily="49" charset="0"/>
+                <a:cs typeface="Consolas" panose="020B0609020204030204" pitchFamily="49" charset="0"/>
+              </a:rPr>
+              <a:t> </a:t>
+            </a:r>
+            <a:r>
+              <a:rPr lang="de-DE" sz="1600" dirty="0" err="1">
+                <a:solidFill>
+                  <a:srgbClr val="A52A2A"/>
+                </a:solidFill>
+                <a:latin typeface="Consolas" panose="020B0609020204030204" pitchFamily="49" charset="0"/>
+                <a:cs typeface="Consolas" panose="020B0609020204030204" pitchFamily="49" charset="0"/>
+              </a:rPr>
+              <a:t>override</a:t>
+            </a:r>
+            <a:r>
+              <a:rPr lang="de-DE" sz="1600" dirty="0">
+                <a:latin typeface="Consolas" panose="020B0609020204030204" pitchFamily="49" charset="0"/>
+                <a:cs typeface="Consolas" panose="020B0609020204030204" pitchFamily="49" charset="0"/>
+              </a:rPr>
+              <a:t> </a:t>
+            </a:r>
+            <a:r>
+              <a:rPr lang="de-DE" sz="1600" b="1" dirty="0" err="1">
+                <a:solidFill>
+                  <a:srgbClr val="FF0000"/>
+                </a:solidFill>
+                <a:latin typeface="Consolas" panose="020B0609020204030204" pitchFamily="49" charset="0"/>
+                <a:cs typeface="Consolas" panose="020B0609020204030204" pitchFamily="49" charset="0"/>
+              </a:rPr>
+              <a:t>bool</a:t>
+            </a:r>
+            <a:r>
+              <a:rPr lang="de-DE" sz="1600" dirty="0">
+                <a:latin typeface="Consolas" panose="020B0609020204030204" pitchFamily="49" charset="0"/>
+                <a:cs typeface="Consolas" panose="020B0609020204030204" pitchFamily="49" charset="0"/>
+              </a:rPr>
+              <a:t> </a:t>
+            </a:r>
+            <a:r>
+              <a:rPr lang="de-DE" sz="1600" dirty="0" err="1">
+                <a:latin typeface="Consolas" panose="020B0609020204030204" pitchFamily="49" charset="0"/>
+                <a:cs typeface="Consolas" panose="020B0609020204030204" pitchFamily="49" charset="0"/>
+              </a:rPr>
+              <a:t>Maximization</a:t>
+            </a:r>
+            <a:r>
+              <a:rPr lang="de-DE" sz="1600" dirty="0">
+                <a:latin typeface="Consolas" panose="020B0609020204030204" pitchFamily="49" charset="0"/>
+                <a:cs typeface="Consolas" panose="020B0609020204030204" pitchFamily="49" charset="0"/>
+              </a:rPr>
+              <a:t> { </a:t>
+            </a:r>
+            <a:r>
+              <a:rPr lang="de-DE" sz="1600" dirty="0" err="1">
+                <a:solidFill>
+                  <a:srgbClr val="8B4513"/>
+                </a:solidFill>
+                <a:latin typeface="Consolas" panose="020B0609020204030204" pitchFamily="49" charset="0"/>
+                <a:cs typeface="Consolas" panose="020B0609020204030204" pitchFamily="49" charset="0"/>
+              </a:rPr>
+              <a:t>get</a:t>
+            </a:r>
+            <a:r>
+              <a:rPr lang="de-DE" sz="1600" dirty="0">
+                <a:latin typeface="Consolas" panose="020B0609020204030204" pitchFamily="49" charset="0"/>
+                <a:cs typeface="Consolas" panose="020B0609020204030204" pitchFamily="49" charset="0"/>
+              </a:rPr>
+              <a:t>{ </a:t>
+            </a:r>
+            <a:r>
+              <a:rPr lang="de-DE" sz="1600" dirty="0" err="1">
+                <a:solidFill>
+                  <a:srgbClr val="000080"/>
+                </a:solidFill>
+                <a:latin typeface="Consolas" panose="020B0609020204030204" pitchFamily="49" charset="0"/>
+                <a:cs typeface="Consolas" panose="020B0609020204030204" pitchFamily="49" charset="0"/>
+              </a:rPr>
+              <a:t>return</a:t>
+            </a:r>
+            <a:r>
+              <a:rPr lang="de-DE" sz="1600" dirty="0">
+                <a:latin typeface="Consolas" panose="020B0609020204030204" pitchFamily="49" charset="0"/>
+                <a:cs typeface="Consolas" panose="020B0609020204030204" pitchFamily="49" charset="0"/>
+              </a:rPr>
+              <a:t> </a:t>
+            </a:r>
+            <a:r>
+              <a:rPr lang="de-DE" sz="1600" b="1" dirty="0" err="1">
+                <a:solidFill>
+                  <a:srgbClr val="008B8B"/>
+                </a:solidFill>
+                <a:latin typeface="Consolas" panose="020B0609020204030204" pitchFamily="49" charset="0"/>
+                <a:cs typeface="Consolas" panose="020B0609020204030204" pitchFamily="49" charset="0"/>
+              </a:rPr>
+              <a:t>true</a:t>
+            </a:r>
+            <a:r>
+              <a:rPr lang="de-DE" sz="1600" dirty="0">
+                <a:latin typeface="Consolas" panose="020B0609020204030204" pitchFamily="49" charset="0"/>
+                <a:cs typeface="Consolas" panose="020B0609020204030204" pitchFamily="49" charset="0"/>
+              </a:rPr>
+              <a:t>; } }</a:t>
+            </a:r>
+            <a:br>
+              <a:rPr lang="de-DE" sz="1600" dirty="0">
+                <a:latin typeface="Consolas" panose="020B0609020204030204" pitchFamily="49" charset="0"/>
+                <a:cs typeface="Consolas" panose="020B0609020204030204" pitchFamily="49" charset="0"/>
+              </a:rPr>
+            </a:br>
+            <a:r>
+              <a:rPr lang="de-DE" sz="1600" dirty="0">
+                <a:latin typeface="Consolas" panose="020B0609020204030204" pitchFamily="49" charset="0"/>
+                <a:cs typeface="Consolas" panose="020B0609020204030204" pitchFamily="49" charset="0"/>
+              </a:rPr>
+              <a:t/>
+            </a:r>
+            <a:br>
+              <a:rPr lang="de-DE" sz="1600" dirty="0">
+                <a:latin typeface="Consolas" panose="020B0609020204030204" pitchFamily="49" charset="0"/>
+                <a:cs typeface="Consolas" panose="020B0609020204030204" pitchFamily="49" charset="0"/>
+              </a:rPr>
+            </a:br>
+            <a:r>
+              <a:rPr lang="de-DE" sz="1600" dirty="0">
+                <a:latin typeface="Consolas" panose="020B0609020204030204" pitchFamily="49" charset="0"/>
+                <a:cs typeface="Consolas" panose="020B0609020204030204" pitchFamily="49" charset="0"/>
+              </a:rPr>
+              <a:t>      </a:t>
+            </a:r>
+            <a:r>
+              <a:rPr lang="de-DE" sz="1600" b="1" dirty="0" err="1">
+                <a:solidFill>
+                  <a:srgbClr val="0000FF"/>
+                </a:solidFill>
+                <a:latin typeface="Consolas" panose="020B0609020204030204" pitchFamily="49" charset="0"/>
+                <a:cs typeface="Consolas" panose="020B0609020204030204" pitchFamily="49" charset="0"/>
+              </a:rPr>
+              <a:t>public</a:t>
+            </a:r>
+            <a:r>
+              <a:rPr lang="de-DE" sz="1600" dirty="0">
+                <a:latin typeface="Consolas" panose="020B0609020204030204" pitchFamily="49" charset="0"/>
+                <a:cs typeface="Consolas" panose="020B0609020204030204" pitchFamily="49" charset="0"/>
+              </a:rPr>
+              <a:t> </a:t>
+            </a:r>
+            <a:r>
+              <a:rPr lang="de-DE" sz="1600" dirty="0" err="1">
+                <a:solidFill>
+                  <a:srgbClr val="A52A2A"/>
+                </a:solidFill>
+                <a:latin typeface="Consolas" panose="020B0609020204030204" pitchFamily="49" charset="0"/>
+                <a:cs typeface="Consolas" panose="020B0609020204030204" pitchFamily="49" charset="0"/>
+              </a:rPr>
+              <a:t>override</a:t>
+            </a:r>
+            <a:r>
+              <a:rPr lang="de-DE" sz="1600" dirty="0">
+                <a:latin typeface="Consolas" panose="020B0609020204030204" pitchFamily="49" charset="0"/>
+                <a:cs typeface="Consolas" panose="020B0609020204030204" pitchFamily="49" charset="0"/>
+              </a:rPr>
+              <a:t> </a:t>
+            </a:r>
+            <a:r>
+              <a:rPr lang="de-DE" sz="1600" b="1" dirty="0">
+                <a:solidFill>
+                  <a:srgbClr val="FF0000"/>
+                </a:solidFill>
+                <a:latin typeface="Consolas" panose="020B0609020204030204" pitchFamily="49" charset="0"/>
+                <a:cs typeface="Consolas" panose="020B0609020204030204" pitchFamily="49" charset="0"/>
+              </a:rPr>
+              <a:t>double</a:t>
+            </a:r>
+            <a:r>
+              <a:rPr lang="de-DE" sz="1600" dirty="0">
+                <a:latin typeface="Consolas" panose="020B0609020204030204" pitchFamily="49" charset="0"/>
+                <a:cs typeface="Consolas" panose="020B0609020204030204" pitchFamily="49" charset="0"/>
+              </a:rPr>
+              <a:t> </a:t>
+            </a:r>
+            <a:r>
+              <a:rPr lang="de-DE" sz="1600" b="1" dirty="0" err="1">
+                <a:solidFill>
+                  <a:srgbClr val="191970"/>
+                </a:solidFill>
+                <a:latin typeface="Consolas" panose="020B0609020204030204" pitchFamily="49" charset="0"/>
+                <a:cs typeface="Consolas" panose="020B0609020204030204" pitchFamily="49" charset="0"/>
+              </a:rPr>
+              <a:t>Evaluate</a:t>
+            </a:r>
+            <a:r>
+              <a:rPr lang="de-DE" sz="1600" dirty="0">
+                <a:latin typeface="Consolas" panose="020B0609020204030204" pitchFamily="49" charset="0"/>
+                <a:cs typeface="Consolas" panose="020B0609020204030204" pitchFamily="49" charset="0"/>
+              </a:rPr>
+              <a:t>(Individual </a:t>
+            </a:r>
+            <a:r>
+              <a:rPr lang="de-DE" sz="1600" dirty="0" err="1">
+                <a:latin typeface="Consolas" panose="020B0609020204030204" pitchFamily="49" charset="0"/>
+                <a:cs typeface="Consolas" panose="020B0609020204030204" pitchFamily="49" charset="0"/>
+              </a:rPr>
+              <a:t>individual</a:t>
+            </a:r>
+            <a:r>
+              <a:rPr lang="de-DE" sz="1600" dirty="0">
+                <a:latin typeface="Consolas" panose="020B0609020204030204" pitchFamily="49" charset="0"/>
+                <a:cs typeface="Consolas" panose="020B0609020204030204" pitchFamily="49" charset="0"/>
+              </a:rPr>
+              <a:t>, </a:t>
+            </a:r>
+            <a:endParaRPr lang="de-DE" sz="1600" dirty="0" smtClean="0">
+              <a:latin typeface="Consolas" panose="020B0609020204030204" pitchFamily="49" charset="0"/>
+              <a:cs typeface="Consolas" panose="020B0609020204030204" pitchFamily="49" charset="0"/>
+            </a:endParaRPr>
+          </a:p>
+          <a:p>
+            <a:r>
+              <a:rPr lang="de-DE" sz="1600" dirty="0">
+                <a:latin typeface="Consolas" panose="020B0609020204030204" pitchFamily="49" charset="0"/>
+                <a:cs typeface="Consolas" panose="020B0609020204030204" pitchFamily="49" charset="0"/>
+              </a:rPr>
+              <a:t>		</a:t>
+            </a:r>
+            <a:r>
+              <a:rPr lang="de-DE" sz="1600" dirty="0" smtClean="0">
+                <a:latin typeface="Consolas" panose="020B0609020204030204" pitchFamily="49" charset="0"/>
+                <a:cs typeface="Consolas" panose="020B0609020204030204" pitchFamily="49" charset="0"/>
+              </a:rPr>
+              <a:t>		     </a:t>
+            </a:r>
+            <a:r>
+              <a:rPr lang="de-DE" sz="1600" dirty="0" err="1" smtClean="0">
+                <a:latin typeface="Consolas" panose="020B0609020204030204" pitchFamily="49" charset="0"/>
+                <a:cs typeface="Consolas" panose="020B0609020204030204" pitchFamily="49" charset="0"/>
+              </a:rPr>
+              <a:t>IRandom</a:t>
+            </a:r>
+            <a:r>
+              <a:rPr lang="de-DE" sz="1600" dirty="0" smtClean="0">
+                <a:latin typeface="Consolas" panose="020B0609020204030204" pitchFamily="49" charset="0"/>
+                <a:cs typeface="Consolas" panose="020B0609020204030204" pitchFamily="49" charset="0"/>
+              </a:rPr>
+              <a:t> </a:t>
+            </a:r>
+            <a:r>
+              <a:rPr lang="de-DE" sz="1600" dirty="0" err="1">
+                <a:latin typeface="Consolas" panose="020B0609020204030204" pitchFamily="49" charset="0"/>
+                <a:cs typeface="Consolas" panose="020B0609020204030204" pitchFamily="49" charset="0"/>
+              </a:rPr>
+              <a:t>random</a:t>
+            </a:r>
+            <a:r>
+              <a:rPr lang="de-DE" sz="1600" dirty="0">
+                <a:latin typeface="Consolas" panose="020B0609020204030204" pitchFamily="49" charset="0"/>
+                <a:cs typeface="Consolas" panose="020B0609020204030204" pitchFamily="49" charset="0"/>
+              </a:rPr>
+              <a:t>) {</a:t>
+            </a:r>
+            <a:br>
+              <a:rPr lang="de-DE" sz="1600" dirty="0">
+                <a:latin typeface="Consolas" panose="020B0609020204030204" pitchFamily="49" charset="0"/>
+                <a:cs typeface="Consolas" panose="020B0609020204030204" pitchFamily="49" charset="0"/>
+              </a:rPr>
+            </a:br>
+            <a:r>
+              <a:rPr lang="de-DE" sz="1600" dirty="0">
+                <a:latin typeface="Consolas" panose="020B0609020204030204" pitchFamily="49" charset="0"/>
+                <a:cs typeface="Consolas" panose="020B0609020204030204" pitchFamily="49" charset="0"/>
+              </a:rPr>
+              <a:t>        </a:t>
+            </a:r>
+            <a:r>
+              <a:rPr lang="de-DE" sz="1600" dirty="0" err="1">
+                <a:solidFill>
+                  <a:srgbClr val="000080"/>
+                </a:solidFill>
+                <a:latin typeface="Consolas" panose="020B0609020204030204" pitchFamily="49" charset="0"/>
+                <a:cs typeface="Consolas" panose="020B0609020204030204" pitchFamily="49" charset="0"/>
+              </a:rPr>
+              <a:t>return</a:t>
+            </a:r>
+            <a:r>
+              <a:rPr lang="de-DE" sz="1600" dirty="0">
+                <a:latin typeface="Consolas" panose="020B0609020204030204" pitchFamily="49" charset="0"/>
+                <a:cs typeface="Consolas" panose="020B0609020204030204" pitchFamily="49" charset="0"/>
+              </a:rPr>
+              <a:t> </a:t>
+            </a:r>
+            <a:r>
+              <a:rPr lang="de-DE" sz="1600" dirty="0" err="1">
+                <a:latin typeface="Consolas" panose="020B0609020204030204" pitchFamily="49" charset="0"/>
+                <a:cs typeface="Consolas" panose="020B0609020204030204" pitchFamily="49" charset="0"/>
+              </a:rPr>
+              <a:t>individual.</a:t>
+            </a:r>
+            <a:r>
+              <a:rPr lang="de-DE" sz="1600" b="1" dirty="0" err="1">
+                <a:solidFill>
+                  <a:srgbClr val="191970"/>
+                </a:solidFill>
+                <a:latin typeface="Consolas" panose="020B0609020204030204" pitchFamily="49" charset="0"/>
+                <a:cs typeface="Consolas" panose="020B0609020204030204" pitchFamily="49" charset="0"/>
+              </a:rPr>
+              <a:t>BinaryVector</a:t>
+            </a:r>
+            <a:r>
+              <a:rPr lang="de-DE" sz="1600" dirty="0">
+                <a:latin typeface="Consolas" panose="020B0609020204030204" pitchFamily="49" charset="0"/>
+                <a:cs typeface="Consolas" panose="020B0609020204030204" pitchFamily="49" charset="0"/>
+              </a:rPr>
+              <a:t>().</a:t>
+            </a:r>
+            <a:r>
+              <a:rPr lang="de-DE" sz="1600" b="1" dirty="0">
+                <a:solidFill>
+                  <a:srgbClr val="191970"/>
+                </a:solidFill>
+                <a:latin typeface="Consolas" panose="020B0609020204030204" pitchFamily="49" charset="0"/>
+                <a:cs typeface="Consolas" panose="020B0609020204030204" pitchFamily="49" charset="0"/>
+              </a:rPr>
+              <a:t>Count</a:t>
+            </a:r>
+            <a:r>
+              <a:rPr lang="de-DE" sz="1600" dirty="0">
+                <a:latin typeface="Consolas" panose="020B0609020204030204" pitchFamily="49" charset="0"/>
+                <a:cs typeface="Consolas" panose="020B0609020204030204" pitchFamily="49" charset="0"/>
+              </a:rPr>
+              <a:t>(b =&gt; b);</a:t>
+            </a:r>
+            <a:br>
+              <a:rPr lang="de-DE" sz="1600" dirty="0">
+                <a:latin typeface="Consolas" panose="020B0609020204030204" pitchFamily="49" charset="0"/>
+                <a:cs typeface="Consolas" panose="020B0609020204030204" pitchFamily="49" charset="0"/>
+              </a:rPr>
+            </a:br>
+            <a:r>
+              <a:rPr lang="de-DE" sz="1600" dirty="0">
+                <a:latin typeface="Consolas" panose="020B0609020204030204" pitchFamily="49" charset="0"/>
+                <a:cs typeface="Consolas" panose="020B0609020204030204" pitchFamily="49" charset="0"/>
+              </a:rPr>
+              <a:t>      }</a:t>
+            </a:r>
+            <a:br>
+              <a:rPr lang="de-DE" sz="1600" dirty="0">
+                <a:latin typeface="Consolas" panose="020B0609020204030204" pitchFamily="49" charset="0"/>
+                <a:cs typeface="Consolas" panose="020B0609020204030204" pitchFamily="49" charset="0"/>
+              </a:rPr>
+            </a:br>
+            <a:r>
+              <a:rPr lang="de-DE" sz="1600" dirty="0">
+                <a:latin typeface="Consolas" panose="020B0609020204030204" pitchFamily="49" charset="0"/>
+                <a:cs typeface="Consolas" panose="020B0609020204030204" pitchFamily="49" charset="0"/>
+              </a:rPr>
+              <a:t>   }</a:t>
+            </a:r>
+            <a:endParaRPr lang="en-GB" sz="1600" dirty="0">
+              <a:latin typeface="Consolas" panose="020B0609020204030204" pitchFamily="49" charset="0"/>
+              <a:cs typeface="Consolas" panose="020B0609020204030204" pitchFamily="49" charset="0"/>
+            </a:endParaRPr>
+          </a:p>
+        </p:txBody>
+      </p:sp>
+    </p:spTree>
+    <p:extLst>
+      <p:ext uri="{BB962C8B-B14F-4D97-AF65-F5344CB8AC3E}">
+        <p14:creationId xmlns:p14="http://schemas.microsoft.com/office/powerpoint/2010/main" val="3015188310"/>
+      </p:ext>
+    </p:extLst>
+  </p:cSld>
+  <p:clrMapOvr>
+    <a:masterClrMapping/>
+  </p:clrMapOvr>
+  <p:timing>
+    <p:tnLst>
+      <p:par>
+        <p:cTn id="1" dur="indefinite" restart="never" nodeType="tmRoot"/>
+      </p:par>
+    </p:tnLst>
+  </p:timing>
+</p:sld>
+</file>
+
+<file path=ppt/slides/slide39.xml><?xml version="1.0" encoding="utf-8"?>
+<p:sld xmlns:a="http://schemas.openxmlformats.org/drawingml/2006/main" xmlns:r="http://schemas.openxmlformats.org/officeDocument/2006/relationships" xmlns:p="http://schemas.openxmlformats.org/presentationml/2006/main">
+  <p:cSld>
+    <p:spTree>
+      <p:nvGrpSpPr>
+        <p:cNvPr id="1" name=""/>
+        <p:cNvGrpSpPr/>
+        <p:nvPr/>
+      </p:nvGrpSpPr>
+      <p:grpSpPr>
+        <a:xfrm>
+          <a:off x="0" y="0"/>
+          <a:ext cx="0" cy="0"/>
+          <a:chOff x="0" y="0"/>
+          <a:chExt cx="0" cy="0"/>
+        </a:xfrm>
+      </p:grpSpPr>
+      <p:sp>
+        <p:nvSpPr>
+          <p:cNvPr id="2" name="Titel 1"/>
+          <p:cNvSpPr>
+            <a:spLocks noGrp="1"/>
+          </p:cNvSpPr>
+          <p:nvPr>
+            <p:ph type="title"/>
+          </p:nvPr>
+        </p:nvSpPr>
+        <p:spPr/>
+        <p:txBody>
           <a:bodyPr/>
           <a:lstStyle/>
           <a:p>
@@ -19581,7 +19741,7 @@
             <a:fld id="{6C6AE60A-B69C-4790-82F7-3882EDF23186}" type="slidenum">
               <a:rPr lang="en-US" smtClean="0"/>
               <a:pPr/>
-              <a:t>38</a:t>
+              <a:t>39</a:t>
             </a:fld>
             <a:endParaRPr lang="en-US"/>
           </a:p>
